--- a/FinalPaper/毕业答辩.pptx
+++ b/FinalPaper/毕业答辩.pptx
@@ -5568,7 +5568,10 @@
           <a:lstStyle/>
           <a:p>
             <a:pPr algn="ctr"/>
-            <a:endParaRPr lang="zh-CN" altLang="en-US"/>
+            <a:endParaRPr lang="zh-CN" altLang="en-US">
+              <a:latin typeface="微软雅黑" panose="020B0503020204020204" pitchFamily="34" charset="-122"/>
+              <a:ea typeface="微软雅黑" panose="020B0503020204020204" pitchFamily="34" charset="-122"/>
+            </a:endParaRPr>
           </a:p>
         </p:txBody>
       </p:sp>
@@ -5850,7 +5853,10 @@
           <a:lstStyle/>
           <a:p>
             <a:pPr algn="ctr"/>
-            <a:endParaRPr lang="zh-CN" altLang="en-US"/>
+            <a:endParaRPr lang="zh-CN" altLang="en-US">
+              <a:latin typeface="微软雅黑" panose="020B0503020204020204" pitchFamily="34" charset="-122"/>
+              <a:ea typeface="微软雅黑" panose="020B0503020204020204" pitchFamily="34" charset="-122"/>
+            </a:endParaRPr>
           </a:p>
         </p:txBody>
       </p:sp>
@@ -5898,7 +5904,10 @@
           <a:lstStyle/>
           <a:p>
             <a:pPr algn="ctr"/>
-            <a:endParaRPr lang="zh-CN" altLang="en-US"/>
+            <a:endParaRPr lang="zh-CN" altLang="en-US">
+              <a:latin typeface="微软雅黑" panose="020B0503020204020204" pitchFamily="34" charset="-122"/>
+              <a:ea typeface="微软雅黑" panose="020B0503020204020204" pitchFamily="34" charset="-122"/>
+            </a:endParaRPr>
           </a:p>
         </p:txBody>
       </p:sp>
@@ -5946,7 +5955,10 @@
           <a:lstStyle/>
           <a:p>
             <a:pPr algn="ctr"/>
-            <a:endParaRPr lang="zh-CN" altLang="en-US"/>
+            <a:endParaRPr lang="zh-CN" altLang="en-US">
+              <a:latin typeface="微软雅黑" panose="020B0503020204020204" pitchFamily="34" charset="-122"/>
+              <a:ea typeface="微软雅黑" panose="020B0503020204020204" pitchFamily="34" charset="-122"/>
+            </a:endParaRPr>
           </a:p>
         </p:txBody>
       </p:sp>
@@ -5995,7 +6007,10 @@
           <a:lstStyle/>
           <a:p>
             <a:pPr algn="ctr"/>
-            <a:endParaRPr lang="zh-CN" altLang="en-US"/>
+            <a:endParaRPr lang="zh-CN" altLang="en-US">
+              <a:latin typeface="微软雅黑" panose="020B0503020204020204" pitchFamily="34" charset="-122"/>
+              <a:ea typeface="微软雅黑" panose="020B0503020204020204" pitchFamily="34" charset="-122"/>
+            </a:endParaRPr>
           </a:p>
         </p:txBody>
       </p:sp>
@@ -6044,7 +6059,10 @@
           <a:lstStyle/>
           <a:p>
             <a:pPr algn="ctr"/>
-            <a:endParaRPr lang="zh-CN" altLang="en-US"/>
+            <a:endParaRPr lang="zh-CN" altLang="en-US">
+              <a:latin typeface="微软雅黑" panose="020B0503020204020204" pitchFamily="34" charset="-122"/>
+              <a:ea typeface="微软雅黑" panose="020B0503020204020204" pitchFamily="34" charset="-122"/>
+            </a:endParaRPr>
           </a:p>
         </p:txBody>
       </p:sp>
@@ -6092,7 +6110,10 @@
           <a:lstStyle/>
           <a:p>
             <a:pPr algn="ctr"/>
-            <a:endParaRPr lang="zh-CN" altLang="en-US"/>
+            <a:endParaRPr lang="zh-CN" altLang="en-US">
+              <a:latin typeface="微软雅黑" panose="020B0503020204020204" pitchFamily="34" charset="-122"/>
+              <a:ea typeface="微软雅黑" panose="020B0503020204020204" pitchFamily="34" charset="-122"/>
+            </a:endParaRPr>
           </a:p>
         </p:txBody>
       </p:sp>
@@ -6254,7 +6275,10 @@
           <a:lstStyle/>
           <a:p>
             <a:pPr algn="ctr"/>
-            <a:endParaRPr lang="zh-CN" altLang="en-US"/>
+            <a:endParaRPr lang="zh-CN" altLang="en-US">
+              <a:latin typeface="微软雅黑" panose="020B0503020204020204" pitchFamily="34" charset="-122"/>
+              <a:ea typeface="微软雅黑" panose="020B0503020204020204" pitchFamily="34" charset="-122"/>
+            </a:endParaRPr>
           </a:p>
         </p:txBody>
       </p:sp>
@@ -6415,7 +6439,10 @@
           <a:lstStyle/>
           <a:p>
             <a:pPr algn="ctr"/>
-            <a:endParaRPr lang="zh-CN" altLang="en-US"/>
+            <a:endParaRPr lang="zh-CN" altLang="en-US">
+              <a:latin typeface="微软雅黑" panose="020B0503020204020204" pitchFamily="34" charset="-122"/>
+              <a:ea typeface="微软雅黑" panose="020B0503020204020204" pitchFamily="34" charset="-122"/>
+            </a:endParaRPr>
           </a:p>
         </p:txBody>
       </p:sp>
@@ -6463,7 +6490,10 @@
           <a:lstStyle/>
           <a:p>
             <a:pPr algn="ctr"/>
-            <a:endParaRPr lang="zh-CN" altLang="en-US"/>
+            <a:endParaRPr lang="zh-CN" altLang="en-US">
+              <a:latin typeface="微软雅黑" panose="020B0503020204020204" pitchFamily="34" charset="-122"/>
+              <a:ea typeface="微软雅黑" panose="020B0503020204020204" pitchFamily="34" charset="-122"/>
+            </a:endParaRPr>
           </a:p>
         </p:txBody>
       </p:sp>
@@ -6518,6 +6548,8 @@
               <a:solidFill>
                 <a:schemeClr val="tx1"/>
               </a:solidFill>
+              <a:latin typeface="微软雅黑" panose="020B0503020204020204" pitchFamily="34" charset="-122"/>
+              <a:ea typeface="微软雅黑" panose="020B0503020204020204" pitchFamily="34" charset="-122"/>
             </a:endParaRPr>
           </a:p>
         </p:txBody>
@@ -6582,7 +6614,10 @@
             <a:lstStyle/>
             <a:p>
               <a:pPr algn="ctr"/>
-              <a:endParaRPr lang="zh-CN" altLang="en-US"/>
+              <a:endParaRPr lang="zh-CN" altLang="en-US">
+                <a:latin typeface="微软雅黑" panose="020B0503020204020204" pitchFamily="34" charset="-122"/>
+                <a:ea typeface="微软雅黑" panose="020B0503020204020204" pitchFamily="34" charset="-122"/>
+              </a:endParaRPr>
             </a:p>
           </p:txBody>
         </p:sp>
@@ -6669,7 +6704,10 @@
             <a:lstStyle/>
             <a:p>
               <a:pPr algn="ctr"/>
-              <a:endParaRPr lang="zh-CN" altLang="en-US"/>
+              <a:endParaRPr lang="zh-CN" altLang="en-US">
+                <a:latin typeface="微软雅黑" panose="020B0503020204020204" pitchFamily="34" charset="-122"/>
+                <a:ea typeface="微软雅黑" panose="020B0503020204020204" pitchFamily="34" charset="-122"/>
+              </a:endParaRPr>
             </a:p>
           </p:txBody>
         </p:sp>
@@ -6756,7 +6794,10 @@
             <a:lstStyle/>
             <a:p>
               <a:pPr algn="ctr"/>
-              <a:endParaRPr lang="zh-CN" altLang="en-US"/>
+              <a:endParaRPr lang="zh-CN" altLang="en-US">
+                <a:latin typeface="微软雅黑" panose="020B0503020204020204" pitchFamily="34" charset="-122"/>
+                <a:ea typeface="微软雅黑" panose="020B0503020204020204" pitchFamily="34" charset="-122"/>
+              </a:endParaRPr>
             </a:p>
           </p:txBody>
         </p:sp>
@@ -6805,7 +6846,10 @@
           <a:lstStyle/>
           <a:p>
             <a:pPr algn="ctr"/>
-            <a:endParaRPr lang="zh-CN" altLang="en-US"/>
+            <a:endParaRPr lang="zh-CN" altLang="en-US">
+              <a:latin typeface="微软雅黑" panose="020B0503020204020204" pitchFamily="34" charset="-122"/>
+              <a:ea typeface="微软雅黑" panose="020B0503020204020204" pitchFamily="34" charset="-122"/>
+            </a:endParaRPr>
           </a:p>
         </p:txBody>
       </p:sp>
@@ -6854,7 +6898,10 @@
           <a:lstStyle/>
           <a:p>
             <a:pPr algn="ctr"/>
-            <a:endParaRPr lang="zh-CN" altLang="en-US"/>
+            <a:endParaRPr lang="zh-CN" altLang="en-US">
+              <a:latin typeface="微软雅黑" panose="020B0503020204020204" pitchFamily="34" charset="-122"/>
+              <a:ea typeface="微软雅黑" panose="020B0503020204020204" pitchFamily="34" charset="-122"/>
+            </a:endParaRPr>
           </a:p>
         </p:txBody>
       </p:sp>
@@ -6902,7 +6949,10 @@
           <a:lstStyle/>
           <a:p>
             <a:pPr algn="ctr"/>
-            <a:endParaRPr lang="zh-CN" altLang="en-US"/>
+            <a:endParaRPr lang="zh-CN" altLang="en-US">
+              <a:latin typeface="微软雅黑" panose="020B0503020204020204" pitchFamily="34" charset="-122"/>
+              <a:ea typeface="微软雅黑" panose="020B0503020204020204" pitchFamily="34" charset="-122"/>
+            </a:endParaRPr>
           </a:p>
         </p:txBody>
       </p:sp>
@@ -6950,7 +7000,10 @@
           <a:lstStyle/>
           <a:p>
             <a:pPr algn="ctr"/>
-            <a:endParaRPr lang="zh-CN" altLang="en-US"/>
+            <a:endParaRPr lang="zh-CN" altLang="en-US">
+              <a:latin typeface="微软雅黑" panose="020B0503020204020204" pitchFamily="34" charset="-122"/>
+              <a:ea typeface="微软雅黑" panose="020B0503020204020204" pitchFamily="34" charset="-122"/>
+            </a:endParaRPr>
           </a:p>
         </p:txBody>
       </p:sp>
@@ -6998,7 +7051,10 @@
           <a:lstStyle/>
           <a:p>
             <a:pPr algn="ctr"/>
-            <a:endParaRPr lang="zh-CN" altLang="en-US"/>
+            <a:endParaRPr lang="zh-CN" altLang="en-US">
+              <a:latin typeface="微软雅黑" panose="020B0503020204020204" pitchFamily="34" charset="-122"/>
+              <a:ea typeface="微软雅黑" panose="020B0503020204020204" pitchFamily="34" charset="-122"/>
+            </a:endParaRPr>
           </a:p>
         </p:txBody>
       </p:sp>
@@ -7046,7 +7102,10 @@
           <a:lstStyle/>
           <a:p>
             <a:pPr algn="ctr"/>
-            <a:endParaRPr lang="zh-CN" altLang="en-US"/>
+            <a:endParaRPr lang="zh-CN" altLang="en-US">
+              <a:latin typeface="微软雅黑" panose="020B0503020204020204" pitchFamily="34" charset="-122"/>
+              <a:ea typeface="微软雅黑" panose="020B0503020204020204" pitchFamily="34" charset="-122"/>
+            </a:endParaRPr>
           </a:p>
         </p:txBody>
       </p:sp>
@@ -7094,7 +7153,10 @@
           <a:lstStyle/>
           <a:p>
             <a:pPr algn="ctr"/>
-            <a:endParaRPr lang="zh-CN" altLang="en-US"/>
+            <a:endParaRPr lang="zh-CN" altLang="en-US">
+              <a:latin typeface="微软雅黑" panose="020B0503020204020204" pitchFamily="34" charset="-122"/>
+              <a:ea typeface="微软雅黑" panose="020B0503020204020204" pitchFamily="34" charset="-122"/>
+            </a:endParaRPr>
           </a:p>
         </p:txBody>
       </p:sp>
@@ -7143,7 +7205,10 @@
           <a:lstStyle/>
           <a:p>
             <a:pPr algn="ctr"/>
-            <a:endParaRPr lang="zh-CN" altLang="en-US" dirty="0"/>
+            <a:endParaRPr lang="zh-CN" altLang="en-US" dirty="0">
+              <a:latin typeface="微软雅黑" panose="020B0503020204020204" pitchFamily="34" charset="-122"/>
+              <a:ea typeface="微软雅黑" panose="020B0503020204020204" pitchFamily="34" charset="-122"/>
+            </a:endParaRPr>
           </a:p>
         </p:txBody>
       </p:sp>
@@ -7192,7 +7257,10 @@
           <a:lstStyle/>
           <a:p>
             <a:pPr algn="ctr"/>
-            <a:endParaRPr lang="zh-CN" altLang="en-US" dirty="0"/>
+            <a:endParaRPr lang="zh-CN" altLang="en-US" dirty="0">
+              <a:latin typeface="微软雅黑" panose="020B0503020204020204" pitchFamily="34" charset="-122"/>
+              <a:ea typeface="微软雅黑" panose="020B0503020204020204" pitchFamily="34" charset="-122"/>
+            </a:endParaRPr>
           </a:p>
         </p:txBody>
       </p:sp>
@@ -7246,7 +7314,10 @@
           <a:lstStyle/>
           <a:p>
             <a:pPr algn="ctr"/>
-            <a:endParaRPr lang="zh-CN" altLang="en-US" dirty="0"/>
+            <a:endParaRPr lang="zh-CN" altLang="en-US" dirty="0">
+              <a:latin typeface="微软雅黑" panose="020B0503020204020204" pitchFamily="34" charset="-122"/>
+              <a:ea typeface="微软雅黑" panose="020B0503020204020204" pitchFamily="34" charset="-122"/>
+            </a:endParaRPr>
           </a:p>
         </p:txBody>
       </p:sp>
@@ -7308,7 +7379,10 @@
             <a:lstStyle/>
             <a:p>
               <a:pPr algn="ctr"/>
-              <a:endParaRPr lang="zh-CN" altLang="en-US"/>
+              <a:endParaRPr lang="zh-CN" altLang="en-US">
+                <a:latin typeface="微软雅黑" panose="020B0503020204020204" pitchFamily="34" charset="-122"/>
+                <a:ea typeface="微软雅黑" panose="020B0503020204020204" pitchFamily="34" charset="-122"/>
+              </a:endParaRPr>
             </a:p>
           </p:txBody>
         </p:sp>
@@ -7356,7 +7430,10 @@
             <a:lstStyle/>
             <a:p>
               <a:pPr algn="ctr"/>
-              <a:endParaRPr lang="zh-CN" altLang="en-US"/>
+              <a:endParaRPr lang="zh-CN" altLang="en-US">
+                <a:latin typeface="微软雅黑" panose="020B0503020204020204" pitchFamily="34" charset="-122"/>
+                <a:ea typeface="微软雅黑" panose="020B0503020204020204" pitchFamily="34" charset="-122"/>
+              </a:endParaRPr>
             </a:p>
           </p:txBody>
         </p:sp>
@@ -7404,7 +7481,10 @@
             <a:lstStyle/>
             <a:p>
               <a:pPr algn="ctr"/>
-              <a:endParaRPr lang="zh-CN" altLang="en-US"/>
+              <a:endParaRPr lang="zh-CN" altLang="en-US">
+                <a:latin typeface="微软雅黑" panose="020B0503020204020204" pitchFamily="34" charset="-122"/>
+                <a:ea typeface="微软雅黑" panose="020B0503020204020204" pitchFamily="34" charset="-122"/>
+              </a:endParaRPr>
             </a:p>
           </p:txBody>
         </p:sp>
@@ -7452,7 +7532,10 @@
             <a:lstStyle/>
             <a:p>
               <a:pPr algn="ctr"/>
-              <a:endParaRPr lang="zh-CN" altLang="en-US"/>
+              <a:endParaRPr lang="zh-CN" altLang="en-US">
+                <a:latin typeface="微软雅黑" panose="020B0503020204020204" pitchFamily="34" charset="-122"/>
+                <a:ea typeface="微软雅黑" panose="020B0503020204020204" pitchFamily="34" charset="-122"/>
+              </a:endParaRPr>
             </a:p>
           </p:txBody>
         </p:sp>
@@ -7501,7 +7584,10 @@
           <a:lstStyle/>
           <a:p>
             <a:pPr algn="ctr"/>
-            <a:endParaRPr lang="zh-CN" altLang="en-US"/>
+            <a:endParaRPr lang="zh-CN" altLang="en-US">
+              <a:latin typeface="微软雅黑" panose="020B0503020204020204" pitchFamily="34" charset="-122"/>
+              <a:ea typeface="微软雅黑" panose="020B0503020204020204" pitchFamily="34" charset="-122"/>
+            </a:endParaRPr>
           </a:p>
         </p:txBody>
       </p:sp>
@@ -7550,7 +7636,10 @@
           <a:lstStyle/>
           <a:p>
             <a:pPr algn="ctr"/>
-            <a:endParaRPr lang="zh-CN" altLang="en-US"/>
+            <a:endParaRPr lang="zh-CN" altLang="en-US">
+              <a:latin typeface="微软雅黑" panose="020B0503020204020204" pitchFamily="34" charset="-122"/>
+              <a:ea typeface="微软雅黑" panose="020B0503020204020204" pitchFamily="34" charset="-122"/>
+            </a:endParaRPr>
           </a:p>
         </p:txBody>
       </p:sp>
@@ -7712,7 +7801,10 @@
           <a:lstStyle/>
           <a:p>
             <a:pPr algn="ctr"/>
-            <a:endParaRPr lang="zh-CN" altLang="en-US"/>
+            <a:endParaRPr lang="zh-CN" altLang="en-US">
+              <a:latin typeface="微软雅黑" panose="020B0503020204020204" pitchFamily="34" charset="-122"/>
+              <a:ea typeface="微软雅黑" panose="020B0503020204020204" pitchFamily="34" charset="-122"/>
+            </a:endParaRPr>
           </a:p>
         </p:txBody>
       </p:sp>
@@ -7873,7 +7965,10 @@
           <a:lstStyle/>
           <a:p>
             <a:pPr algn="ctr"/>
-            <a:endParaRPr lang="zh-CN" altLang="en-US"/>
+            <a:endParaRPr lang="zh-CN" altLang="en-US">
+              <a:latin typeface="微软雅黑" panose="020B0503020204020204" pitchFamily="34" charset="-122"/>
+              <a:ea typeface="微软雅黑" panose="020B0503020204020204" pitchFamily="34" charset="-122"/>
+            </a:endParaRPr>
           </a:p>
         </p:txBody>
       </p:sp>
@@ -7921,7 +8016,10 @@
           <a:lstStyle/>
           <a:p>
             <a:pPr algn="ctr"/>
-            <a:endParaRPr lang="zh-CN" altLang="en-US"/>
+            <a:endParaRPr lang="zh-CN" altLang="en-US">
+              <a:latin typeface="微软雅黑" panose="020B0503020204020204" pitchFamily="34" charset="-122"/>
+              <a:ea typeface="微软雅黑" panose="020B0503020204020204" pitchFamily="34" charset="-122"/>
+            </a:endParaRPr>
           </a:p>
         </p:txBody>
       </p:sp>
@@ -8083,7 +8181,10 @@
           <a:lstStyle/>
           <a:p>
             <a:pPr algn="ctr"/>
-            <a:endParaRPr lang="zh-CN" altLang="en-US"/>
+            <a:endParaRPr lang="zh-CN" altLang="en-US">
+              <a:latin typeface="微软雅黑" panose="020B0503020204020204" pitchFamily="34" charset="-122"/>
+              <a:ea typeface="微软雅黑" panose="020B0503020204020204" pitchFamily="34" charset="-122"/>
+            </a:endParaRPr>
           </a:p>
         </p:txBody>
       </p:sp>
@@ -8244,7 +8345,10 @@
           <a:lstStyle/>
           <a:p>
             <a:pPr algn="ctr"/>
-            <a:endParaRPr lang="zh-CN" altLang="en-US"/>
+            <a:endParaRPr lang="zh-CN" altLang="en-US">
+              <a:latin typeface="微软雅黑" panose="020B0503020204020204" pitchFamily="34" charset="-122"/>
+              <a:ea typeface="微软雅黑" panose="020B0503020204020204" pitchFamily="34" charset="-122"/>
+            </a:endParaRPr>
           </a:p>
         </p:txBody>
       </p:sp>
@@ -8292,7 +8396,10 @@
           <a:lstStyle/>
           <a:p>
             <a:pPr algn="ctr"/>
-            <a:endParaRPr lang="zh-CN" altLang="en-US"/>
+            <a:endParaRPr lang="zh-CN" altLang="en-US">
+              <a:latin typeface="微软雅黑" panose="020B0503020204020204" pitchFamily="34" charset="-122"/>
+              <a:ea typeface="微软雅黑" panose="020B0503020204020204" pitchFamily="34" charset="-122"/>
+            </a:endParaRPr>
           </a:p>
         </p:txBody>
       </p:sp>
@@ -8340,7 +8447,10 @@
           <a:lstStyle/>
           <a:p>
             <a:pPr algn="ctr"/>
-            <a:endParaRPr lang="zh-CN" altLang="en-US"/>
+            <a:endParaRPr lang="zh-CN" altLang="en-US">
+              <a:latin typeface="微软雅黑" panose="020B0503020204020204" pitchFamily="34" charset="-122"/>
+              <a:ea typeface="微软雅黑" panose="020B0503020204020204" pitchFamily="34" charset="-122"/>
+            </a:endParaRPr>
           </a:p>
         </p:txBody>
       </p:sp>
@@ -8389,7 +8499,10 @@
           <a:lstStyle/>
           <a:p>
             <a:pPr algn="ctr"/>
-            <a:endParaRPr lang="zh-CN" altLang="en-US"/>
+            <a:endParaRPr lang="zh-CN" altLang="en-US">
+              <a:latin typeface="微软雅黑" panose="020B0503020204020204" pitchFamily="34" charset="-122"/>
+              <a:ea typeface="微软雅黑" panose="020B0503020204020204" pitchFamily="34" charset="-122"/>
+            </a:endParaRPr>
           </a:p>
         </p:txBody>
       </p:sp>
@@ -8437,7 +8550,10 @@
           <a:lstStyle/>
           <a:p>
             <a:pPr algn="ctr"/>
-            <a:endParaRPr lang="zh-CN" altLang="en-US"/>
+            <a:endParaRPr lang="zh-CN" altLang="en-US">
+              <a:latin typeface="微软雅黑" panose="020B0503020204020204" pitchFamily="34" charset="-122"/>
+              <a:ea typeface="微软雅黑" panose="020B0503020204020204" pitchFamily="34" charset="-122"/>
+            </a:endParaRPr>
           </a:p>
         </p:txBody>
       </p:sp>
@@ -8485,7 +8601,10 @@
           <a:lstStyle/>
           <a:p>
             <a:pPr algn="ctr"/>
-            <a:endParaRPr lang="zh-CN" altLang="en-US"/>
+            <a:endParaRPr lang="zh-CN" altLang="en-US">
+              <a:latin typeface="微软雅黑" panose="020B0503020204020204" pitchFamily="34" charset="-122"/>
+              <a:ea typeface="微软雅黑" panose="020B0503020204020204" pitchFamily="34" charset="-122"/>
+            </a:endParaRPr>
           </a:p>
         </p:txBody>
       </p:sp>
@@ -8533,7 +8652,10 @@
           <a:lstStyle/>
           <a:p>
             <a:pPr algn="ctr"/>
-            <a:endParaRPr lang="zh-CN" altLang="en-US"/>
+            <a:endParaRPr lang="zh-CN" altLang="en-US">
+              <a:latin typeface="微软雅黑" panose="020B0503020204020204" pitchFamily="34" charset="-122"/>
+              <a:ea typeface="微软雅黑" panose="020B0503020204020204" pitchFamily="34" charset="-122"/>
+            </a:endParaRPr>
           </a:p>
         </p:txBody>
       </p:sp>
@@ -8581,7 +8703,10 @@
           <a:lstStyle/>
           <a:p>
             <a:pPr algn="ctr"/>
-            <a:endParaRPr lang="zh-CN" altLang="en-US"/>
+            <a:endParaRPr lang="zh-CN" altLang="en-US">
+              <a:latin typeface="微软雅黑" panose="020B0503020204020204" pitchFamily="34" charset="-122"/>
+              <a:ea typeface="微软雅黑" panose="020B0503020204020204" pitchFamily="34" charset="-122"/>
+            </a:endParaRPr>
           </a:p>
         </p:txBody>
       </p:sp>
@@ -8629,7 +8754,10 @@
           <a:lstStyle/>
           <a:p>
             <a:pPr algn="ctr"/>
-            <a:endParaRPr lang="zh-CN" altLang="en-US"/>
+            <a:endParaRPr lang="zh-CN" altLang="en-US">
+              <a:latin typeface="微软雅黑" panose="020B0503020204020204" pitchFamily="34" charset="-122"/>
+              <a:ea typeface="微软雅黑" panose="020B0503020204020204" pitchFamily="34" charset="-122"/>
+            </a:endParaRPr>
           </a:p>
         </p:txBody>
       </p:sp>
@@ -8678,7 +8806,10 @@
           <a:lstStyle/>
           <a:p>
             <a:pPr algn="ctr"/>
-            <a:endParaRPr lang="zh-CN" altLang="en-US" dirty="0"/>
+            <a:endParaRPr lang="zh-CN" altLang="en-US" dirty="0">
+              <a:latin typeface="微软雅黑" panose="020B0503020204020204" pitchFamily="34" charset="-122"/>
+              <a:ea typeface="微软雅黑" panose="020B0503020204020204" pitchFamily="34" charset="-122"/>
+            </a:endParaRPr>
           </a:p>
         </p:txBody>
       </p:sp>
@@ -8727,7 +8858,10 @@
           <a:lstStyle/>
           <a:p>
             <a:pPr algn="ctr"/>
-            <a:endParaRPr lang="zh-CN" altLang="en-US" dirty="0"/>
+            <a:endParaRPr lang="zh-CN" altLang="en-US" dirty="0">
+              <a:latin typeface="微软雅黑" panose="020B0503020204020204" pitchFamily="34" charset="-122"/>
+              <a:ea typeface="微软雅黑" panose="020B0503020204020204" pitchFamily="34" charset="-122"/>
+            </a:endParaRPr>
           </a:p>
         </p:txBody>
       </p:sp>
@@ -8781,7 +8915,10 @@
           <a:lstStyle/>
           <a:p>
             <a:pPr algn="ctr"/>
-            <a:endParaRPr lang="zh-CN" altLang="en-US" dirty="0"/>
+            <a:endParaRPr lang="zh-CN" altLang="en-US" dirty="0">
+              <a:latin typeface="微软雅黑" panose="020B0503020204020204" pitchFamily="34" charset="-122"/>
+              <a:ea typeface="微软雅黑" panose="020B0503020204020204" pitchFamily="34" charset="-122"/>
+            </a:endParaRPr>
           </a:p>
         </p:txBody>
       </p:sp>
@@ -8830,7 +8967,10 @@
           <a:lstStyle/>
           <a:p>
             <a:pPr algn="ctr"/>
-            <a:endParaRPr lang="zh-CN" altLang="en-US"/>
+            <a:endParaRPr lang="zh-CN" altLang="en-US">
+              <a:latin typeface="微软雅黑" panose="020B0503020204020204" pitchFamily="34" charset="-122"/>
+              <a:ea typeface="微软雅黑" panose="020B0503020204020204" pitchFamily="34" charset="-122"/>
+            </a:endParaRPr>
           </a:p>
         </p:txBody>
       </p:sp>
@@ -8878,7 +9018,10 @@
           <a:lstStyle/>
           <a:p>
             <a:pPr algn="ctr"/>
-            <a:endParaRPr lang="zh-CN" altLang="en-US"/>
+            <a:endParaRPr lang="zh-CN" altLang="en-US">
+              <a:latin typeface="微软雅黑" panose="020B0503020204020204" pitchFamily="34" charset="-122"/>
+              <a:ea typeface="微软雅黑" panose="020B0503020204020204" pitchFamily="34" charset="-122"/>
+            </a:endParaRPr>
           </a:p>
         </p:txBody>
       </p:sp>
@@ -8927,7 +9070,10 @@
           <a:lstStyle/>
           <a:p>
             <a:pPr algn="ctr"/>
-            <a:endParaRPr lang="zh-CN" altLang="en-US" dirty="0"/>
+            <a:endParaRPr lang="zh-CN" altLang="en-US" dirty="0">
+              <a:latin typeface="微软雅黑" panose="020B0503020204020204" pitchFamily="34" charset="-122"/>
+              <a:ea typeface="微软雅黑" panose="020B0503020204020204" pitchFamily="34" charset="-122"/>
+            </a:endParaRPr>
           </a:p>
         </p:txBody>
       </p:sp>
@@ -8976,7 +9122,10 @@
           <a:lstStyle/>
           <a:p>
             <a:pPr algn="ctr"/>
-            <a:endParaRPr lang="zh-CN" altLang="en-US" dirty="0"/>
+            <a:endParaRPr lang="zh-CN" altLang="en-US" dirty="0">
+              <a:latin typeface="微软雅黑" panose="020B0503020204020204" pitchFamily="34" charset="-122"/>
+              <a:ea typeface="微软雅黑" panose="020B0503020204020204" pitchFamily="34" charset="-122"/>
+            </a:endParaRPr>
           </a:p>
         </p:txBody>
       </p:sp>
@@ -9024,7 +9173,10 @@
           <a:lstStyle/>
           <a:p>
             <a:pPr algn="ctr"/>
-            <a:endParaRPr lang="zh-CN" altLang="en-US"/>
+            <a:endParaRPr lang="zh-CN" altLang="en-US">
+              <a:latin typeface="微软雅黑" panose="020B0503020204020204" pitchFamily="34" charset="-122"/>
+              <a:ea typeface="微软雅黑" panose="020B0503020204020204" pitchFamily="34" charset="-122"/>
+            </a:endParaRPr>
           </a:p>
         </p:txBody>
       </p:sp>
@@ -9072,7 +9224,10 @@
           <a:lstStyle/>
           <a:p>
             <a:pPr algn="ctr"/>
-            <a:endParaRPr lang="zh-CN" altLang="en-US"/>
+            <a:endParaRPr lang="zh-CN" altLang="en-US">
+              <a:latin typeface="微软雅黑" panose="020B0503020204020204" pitchFamily="34" charset="-122"/>
+              <a:ea typeface="微软雅黑" panose="020B0503020204020204" pitchFamily="34" charset="-122"/>
+            </a:endParaRPr>
           </a:p>
         </p:txBody>
       </p:sp>
@@ -9120,7 +9275,10 @@
           <a:lstStyle/>
           <a:p>
             <a:pPr algn="ctr"/>
-            <a:endParaRPr lang="zh-CN" altLang="en-US"/>
+            <a:endParaRPr lang="zh-CN" altLang="en-US">
+              <a:latin typeface="微软雅黑" panose="020B0503020204020204" pitchFamily="34" charset="-122"/>
+              <a:ea typeface="微软雅黑" panose="020B0503020204020204" pitchFamily="34" charset="-122"/>
+            </a:endParaRPr>
           </a:p>
         </p:txBody>
       </p:sp>
@@ -9169,7 +9327,10 @@
           <a:lstStyle/>
           <a:p>
             <a:pPr algn="ctr"/>
-            <a:endParaRPr lang="zh-CN" altLang="en-US"/>
+            <a:endParaRPr lang="zh-CN" altLang="en-US">
+              <a:latin typeface="微软雅黑" panose="020B0503020204020204" pitchFamily="34" charset="-122"/>
+              <a:ea typeface="微软雅黑" panose="020B0503020204020204" pitchFamily="34" charset="-122"/>
+            </a:endParaRPr>
           </a:p>
         </p:txBody>
       </p:sp>
@@ -9217,7 +9378,10 @@
           <a:lstStyle/>
           <a:p>
             <a:pPr algn="ctr"/>
-            <a:endParaRPr lang="zh-CN" altLang="en-US"/>
+            <a:endParaRPr lang="zh-CN" altLang="en-US">
+              <a:latin typeface="微软雅黑" panose="020B0503020204020204" pitchFamily="34" charset="-122"/>
+              <a:ea typeface="微软雅黑" panose="020B0503020204020204" pitchFamily="34" charset="-122"/>
+            </a:endParaRPr>
           </a:p>
         </p:txBody>
       </p:sp>
@@ -9265,7 +9429,10 @@
           <a:lstStyle/>
           <a:p>
             <a:pPr algn="ctr"/>
-            <a:endParaRPr lang="zh-CN" altLang="en-US"/>
+            <a:endParaRPr lang="zh-CN" altLang="en-US">
+              <a:latin typeface="微软雅黑" panose="020B0503020204020204" pitchFamily="34" charset="-122"/>
+              <a:ea typeface="微软雅黑" panose="020B0503020204020204" pitchFamily="34" charset="-122"/>
+            </a:endParaRPr>
           </a:p>
         </p:txBody>
       </p:sp>
@@ -9313,7 +9480,10 @@
           <a:lstStyle/>
           <a:p>
             <a:pPr algn="ctr"/>
-            <a:endParaRPr lang="zh-CN" altLang="en-US"/>
+            <a:endParaRPr lang="zh-CN" altLang="en-US">
+              <a:latin typeface="微软雅黑" panose="020B0503020204020204" pitchFamily="34" charset="-122"/>
+              <a:ea typeface="微软雅黑" panose="020B0503020204020204" pitchFamily="34" charset="-122"/>
+            </a:endParaRPr>
           </a:p>
         </p:txBody>
       </p:sp>
@@ -9361,7 +9531,10 @@
           <a:lstStyle/>
           <a:p>
             <a:pPr algn="ctr"/>
-            <a:endParaRPr lang="zh-CN" altLang="en-US"/>
+            <a:endParaRPr lang="zh-CN" altLang="en-US">
+              <a:latin typeface="微软雅黑" panose="020B0503020204020204" pitchFamily="34" charset="-122"/>
+              <a:ea typeface="微软雅黑" panose="020B0503020204020204" pitchFamily="34" charset="-122"/>
+            </a:endParaRPr>
           </a:p>
         </p:txBody>
       </p:sp>
@@ -9409,7 +9582,10 @@
           <a:lstStyle/>
           <a:p>
             <a:pPr algn="ctr"/>
-            <a:endParaRPr lang="zh-CN" altLang="en-US"/>
+            <a:endParaRPr lang="zh-CN" altLang="en-US">
+              <a:latin typeface="微软雅黑" panose="020B0503020204020204" pitchFamily="34" charset="-122"/>
+              <a:ea typeface="微软雅黑" panose="020B0503020204020204" pitchFamily="34" charset="-122"/>
+            </a:endParaRPr>
           </a:p>
         </p:txBody>
       </p:sp>
@@ -9457,7 +9633,10 @@
           <a:lstStyle/>
           <a:p>
             <a:pPr algn="ctr"/>
-            <a:endParaRPr lang="zh-CN" altLang="en-US"/>
+            <a:endParaRPr lang="zh-CN" altLang="en-US">
+              <a:latin typeface="微软雅黑" panose="020B0503020204020204" pitchFamily="34" charset="-122"/>
+              <a:ea typeface="微软雅黑" panose="020B0503020204020204" pitchFamily="34" charset="-122"/>
+            </a:endParaRPr>
           </a:p>
         </p:txBody>
       </p:sp>
@@ -9633,7 +9812,10 @@
             <a:lstStyle/>
             <a:p>
               <a:pPr algn="ctr"/>
-              <a:endParaRPr lang="zh-CN" altLang="en-US"/>
+              <a:endParaRPr lang="zh-CN" altLang="en-US">
+                <a:latin typeface="微软雅黑" panose="020B0503020204020204" pitchFamily="34" charset="-122"/>
+                <a:ea typeface="微软雅黑" panose="020B0503020204020204" pitchFamily="34" charset="-122"/>
+              </a:endParaRPr>
             </a:p>
           </p:txBody>
         </p:sp>
@@ -9794,7 +9976,10 @@
             <a:lstStyle/>
             <a:p>
               <a:pPr algn="ctr"/>
-              <a:endParaRPr lang="zh-CN" altLang="en-US"/>
+              <a:endParaRPr lang="zh-CN" altLang="en-US">
+                <a:latin typeface="微软雅黑" panose="020B0503020204020204" pitchFamily="34" charset="-122"/>
+                <a:ea typeface="微软雅黑" panose="020B0503020204020204" pitchFamily="34" charset="-122"/>
+              </a:endParaRPr>
             </a:p>
           </p:txBody>
         </p:sp>
@@ -9842,7 +10027,10 @@
             <a:lstStyle/>
             <a:p>
               <a:pPr algn="ctr"/>
-              <a:endParaRPr lang="zh-CN" altLang="en-US"/>
+              <a:endParaRPr lang="zh-CN" altLang="en-US">
+                <a:latin typeface="微软雅黑" panose="020B0503020204020204" pitchFamily="34" charset="-122"/>
+                <a:ea typeface="微软雅黑" panose="020B0503020204020204" pitchFamily="34" charset="-122"/>
+              </a:endParaRPr>
             </a:p>
           </p:txBody>
         </p:sp>
@@ -10494,7 +10682,10 @@
           </a:bodyPr>
           <a:lstStyle/>
           <a:p>
-            <a:endParaRPr lang="zh-CN" altLang="en-US"/>
+            <a:endParaRPr lang="zh-CN" altLang="en-US">
+              <a:latin typeface="微软雅黑" panose="020B0503020204020204" pitchFamily="34" charset="-122"/>
+              <a:ea typeface="微软雅黑" panose="020B0503020204020204" pitchFamily="34" charset="-122"/>
+            </a:endParaRPr>
           </a:p>
         </p:txBody>
       </p:sp>
@@ -11495,7 +11686,10 @@
           </a:bodyPr>
           <a:lstStyle/>
           <a:p>
-            <a:endParaRPr lang="zh-CN" altLang="en-US" dirty="0"/>
+            <a:endParaRPr lang="zh-CN" altLang="en-US" dirty="0">
+              <a:latin typeface="微软雅黑" panose="020B0503020204020204" pitchFamily="34" charset="-122"/>
+              <a:ea typeface="微软雅黑" panose="020B0503020204020204" pitchFamily="34" charset="-122"/>
+            </a:endParaRPr>
           </a:p>
         </p:txBody>
       </p:sp>
@@ -11761,7 +11955,10 @@
           </a:bodyPr>
           <a:lstStyle/>
           <a:p>
-            <a:endParaRPr lang="zh-CN" altLang="en-US" dirty="0"/>
+            <a:endParaRPr lang="zh-CN" altLang="en-US" dirty="0">
+              <a:latin typeface="微软雅黑" panose="020B0503020204020204" pitchFamily="34" charset="-122"/>
+              <a:ea typeface="微软雅黑" panose="020B0503020204020204" pitchFamily="34" charset="-122"/>
+            </a:endParaRPr>
           </a:p>
         </p:txBody>
       </p:sp>
@@ -12759,22 +12956,12 @@
           <a:p>
             <a:r>
               <a:rPr lang="zh-CN" altLang="en-US" sz="1200" dirty="0">
-                <a:solidFill>
-                  <a:schemeClr val="bg1">
-                    <a:lumMod val="50000"/>
-                  </a:schemeClr>
-                </a:solidFill>
                 <a:latin typeface="微软雅黑" panose="020B0503020204020204" pitchFamily="34" charset="-122"/>
                 <a:ea typeface="微软雅黑" panose="020B0503020204020204" pitchFamily="34" charset="-122"/>
               </a:rPr>
               <a:t>数据格式</a:t>
             </a:r>
             <a:endParaRPr lang="en-US" sz="1200" dirty="0">
-              <a:solidFill>
-                <a:schemeClr val="bg1">
-                  <a:lumMod val="50000"/>
-                </a:schemeClr>
-              </a:solidFill>
               <a:latin typeface="微软雅黑" panose="020B0503020204020204" pitchFamily="34" charset="-122"/>
               <a:ea typeface="微软雅黑" panose="020B0503020204020204" pitchFamily="34" charset="-122"/>
             </a:endParaRPr>
@@ -13642,18 +13829,11 @@
               <a:t>（</a:t>
             </a:r>
             <a:r>
-              <a:rPr lang="en-US" altLang="zh-CN" sz="1200" dirty="0" err="1">
-                <a:latin typeface="微软雅黑" panose="020B0503020204020204" pitchFamily="34" charset="-122"/>
-                <a:ea typeface="微软雅黑" panose="020B0503020204020204" pitchFamily="34" charset="-122"/>
-              </a:rPr>
-              <a:t>Ref:Machine</a:t>
-            </a:r>
-            <a:r>
               <a:rPr lang="en-US" altLang="zh-CN" sz="1200" dirty="0">
                 <a:latin typeface="微软雅黑" panose="020B0503020204020204" pitchFamily="34" charset="-122"/>
                 <a:ea typeface="微软雅黑" panose="020B0503020204020204" pitchFamily="34" charset="-122"/>
               </a:rPr>
-              <a:t> Learning by Andrew Ng)</a:t>
+              <a:t>Ref: Machine Learning by Andrew Ng)</a:t>
             </a:r>
             <a:endParaRPr lang="en-US" sz="1200" dirty="0">
               <a:latin typeface="微软雅黑" panose="020B0503020204020204" pitchFamily="34" charset="-122"/>
@@ -16876,8 +17056,8 @@
           <a:chExt cx="0" cy="0"/>
         </a:xfrm>
       </p:grpSpPr>
-      <mc:AlternateContent xmlns:mc="http://schemas.openxmlformats.org/markup-compatibility/2006">
-        <mc:Choice xmlns:a14="http://schemas.microsoft.com/office/drawing/2010/main" Requires="a14">
+      <mc:AlternateContent xmlns:mc="http://schemas.openxmlformats.org/markup-compatibility/2006" xmlns:a14="http://schemas.microsoft.com/office/drawing/2010/main">
+        <mc:Choice Requires="a14">
           <p:sp>
             <p:nvSpPr>
               <p:cNvPr id="37" name="矩形 36"/>
@@ -16921,6 +17101,7 @@
               <a:bodyPr rtlCol="0" anchor="ctr"/>
               <a:lstStyle/>
               <a:p>
+                <a:pPr/>
                 <a14:m>
                   <m:oMathPara xmlns:m="http://schemas.openxmlformats.org/officeDocument/2006/math">
                     <m:oMathParaPr>
@@ -16928,11 +17109,15 @@
                     </m:oMathParaPr>
                     <m:oMath xmlns:m="http://schemas.openxmlformats.org/officeDocument/2006/math">
                       <m:r>
-                        <a:rPr lang="en-US" i="1"/>
+                        <a:rPr lang="en-US" i="1">
+                          <a:latin typeface="Cambria Math" panose="02040503050406030204" pitchFamily="18" charset="0"/>
+                        </a:rPr>
                         <m:t>𝛥</m:t>
                       </m:r>
                       <m:r>
-                        <a:rPr lang="en-US" i="1"/>
+                        <a:rPr lang="en-US" i="1">
+                          <a:latin typeface="Cambria Math" panose="02040503050406030204" pitchFamily="18" charset="0"/>
+                        </a:rPr>
                         <m:t>𝑆𝑆𝑇</m:t>
                       </m:r>
                     </m:oMath>
@@ -16943,7 +17128,7 @@
             </p:txBody>
           </p:sp>
         </mc:Choice>
-        <mc:Fallback>
+        <mc:Fallback xmlns="">
           <p:sp>
             <p:nvSpPr>
               <p:cNvPr id="37" name="矩形 36"/>
@@ -24330,7 +24515,10 @@
           <a:lstStyle/>
           <a:p>
             <a:pPr algn="ctr"/>
-            <a:endParaRPr lang="zh-CN" altLang="en-US" dirty="0"/>
+            <a:endParaRPr lang="zh-CN" altLang="en-US" dirty="0">
+              <a:latin typeface="微软雅黑" panose="020B0503020204020204" pitchFamily="34" charset="-122"/>
+              <a:ea typeface="微软雅黑" panose="020B0503020204020204" pitchFamily="34" charset="-122"/>
+            </a:endParaRPr>
           </a:p>
         </p:txBody>
       </p:sp>
@@ -24373,7 +24561,10 @@
           <a:lstStyle/>
           <a:p>
             <a:pPr algn="ctr"/>
-            <a:endParaRPr lang="zh-CN" altLang="en-US"/>
+            <a:endParaRPr lang="zh-CN" altLang="en-US">
+              <a:latin typeface="微软雅黑" panose="020B0503020204020204" pitchFamily="34" charset="-122"/>
+              <a:ea typeface="微软雅黑" panose="020B0503020204020204" pitchFamily="34" charset="-122"/>
+            </a:endParaRPr>
           </a:p>
         </p:txBody>
       </p:sp>
@@ -24489,7 +24680,10 @@
           <a:lstStyle/>
           <a:p>
             <a:pPr algn="ctr"/>
-            <a:endParaRPr lang="zh-CN" altLang="en-US"/>
+            <a:endParaRPr lang="zh-CN" altLang="en-US">
+              <a:latin typeface="微软雅黑" panose="020B0503020204020204" pitchFamily="34" charset="-122"/>
+              <a:ea typeface="微软雅黑" panose="020B0503020204020204" pitchFamily="34" charset="-122"/>
+            </a:endParaRPr>
           </a:p>
         </p:txBody>
       </p:sp>
@@ -24537,7 +24731,10 @@
           <a:lstStyle/>
           <a:p>
             <a:pPr algn="ctr"/>
-            <a:endParaRPr lang="zh-CN" altLang="en-US"/>
+            <a:endParaRPr lang="zh-CN" altLang="en-US">
+              <a:latin typeface="微软雅黑" panose="020B0503020204020204" pitchFamily="34" charset="-122"/>
+              <a:ea typeface="微软雅黑" panose="020B0503020204020204" pitchFamily="34" charset="-122"/>
+            </a:endParaRPr>
           </a:p>
         </p:txBody>
       </p:sp>
@@ -24585,7 +24782,10 @@
           <a:lstStyle/>
           <a:p>
             <a:pPr algn="ctr"/>
-            <a:endParaRPr lang="zh-CN" altLang="en-US"/>
+            <a:endParaRPr lang="zh-CN" altLang="en-US">
+              <a:latin typeface="微软雅黑" panose="020B0503020204020204" pitchFamily="34" charset="-122"/>
+              <a:ea typeface="微软雅黑" panose="020B0503020204020204" pitchFamily="34" charset="-122"/>
+            </a:endParaRPr>
           </a:p>
         </p:txBody>
       </p:sp>
@@ -24648,7 +24848,10 @@
             <a:lstStyle/>
             <a:p>
               <a:pPr algn="ctr"/>
-              <a:endParaRPr lang="zh-CN" altLang="en-US"/>
+              <a:endParaRPr lang="zh-CN" altLang="en-US">
+                <a:latin typeface="微软雅黑" panose="020B0503020204020204" pitchFamily="34" charset="-122"/>
+                <a:ea typeface="微软雅黑" panose="020B0503020204020204" pitchFamily="34" charset="-122"/>
+              </a:endParaRPr>
             </a:p>
           </p:txBody>
         </p:sp>
@@ -24697,7 +24900,10 @@
             <a:lstStyle/>
             <a:p>
               <a:pPr algn="ctr"/>
-              <a:endParaRPr lang="zh-CN" altLang="en-US"/>
+              <a:endParaRPr lang="zh-CN" altLang="en-US">
+                <a:latin typeface="微软雅黑" panose="020B0503020204020204" pitchFamily="34" charset="-122"/>
+                <a:ea typeface="微软雅黑" panose="020B0503020204020204" pitchFamily="34" charset="-122"/>
+              </a:endParaRPr>
             </a:p>
           </p:txBody>
         </p:sp>
@@ -24744,7 +24950,10 @@
           <a:lstStyle/>
           <a:p>
             <a:pPr algn="ctr"/>
-            <a:endParaRPr lang="zh-CN" altLang="en-US"/>
+            <a:endParaRPr lang="zh-CN" altLang="en-US">
+              <a:latin typeface="微软雅黑" panose="020B0503020204020204" pitchFamily="34" charset="-122"/>
+              <a:ea typeface="微软雅黑" panose="020B0503020204020204" pitchFamily="34" charset="-122"/>
+            </a:endParaRPr>
           </a:p>
         </p:txBody>
       </p:sp>
@@ -24790,7 +24999,10 @@
           <a:lstStyle/>
           <a:p>
             <a:pPr algn="ctr"/>
-            <a:endParaRPr lang="zh-CN" altLang="en-US"/>
+            <a:endParaRPr lang="zh-CN" altLang="en-US">
+              <a:latin typeface="微软雅黑" panose="020B0503020204020204" pitchFamily="34" charset="-122"/>
+              <a:ea typeface="微软雅黑" panose="020B0503020204020204" pitchFamily="34" charset="-122"/>
+            </a:endParaRPr>
           </a:p>
         </p:txBody>
       </p:sp>
@@ -24836,7 +25048,10 @@
           <a:lstStyle/>
           <a:p>
             <a:pPr algn="ctr"/>
-            <a:endParaRPr lang="zh-CN" altLang="en-US"/>
+            <a:endParaRPr lang="zh-CN" altLang="en-US">
+              <a:latin typeface="微软雅黑" panose="020B0503020204020204" pitchFamily="34" charset="-122"/>
+              <a:ea typeface="微软雅黑" panose="020B0503020204020204" pitchFamily="34" charset="-122"/>
+            </a:endParaRPr>
           </a:p>
         </p:txBody>
       </p:sp>
@@ -24882,7 +25097,10 @@
           <a:lstStyle/>
           <a:p>
             <a:pPr algn="ctr"/>
-            <a:endParaRPr lang="zh-CN" altLang="en-US"/>
+            <a:endParaRPr lang="zh-CN" altLang="en-US">
+              <a:latin typeface="微软雅黑" panose="020B0503020204020204" pitchFamily="34" charset="-122"/>
+              <a:ea typeface="微软雅黑" panose="020B0503020204020204" pitchFamily="34" charset="-122"/>
+            </a:endParaRPr>
           </a:p>
         </p:txBody>
       </p:sp>
@@ -24928,7 +25146,10 @@
           <a:lstStyle/>
           <a:p>
             <a:pPr algn="ctr"/>
-            <a:endParaRPr lang="zh-CN" altLang="en-US"/>
+            <a:endParaRPr lang="zh-CN" altLang="en-US">
+              <a:latin typeface="微软雅黑" panose="020B0503020204020204" pitchFamily="34" charset="-122"/>
+              <a:ea typeface="微软雅黑" panose="020B0503020204020204" pitchFamily="34" charset="-122"/>
+            </a:endParaRPr>
           </a:p>
         </p:txBody>
       </p:sp>
@@ -24974,7 +25195,10 @@
           <a:lstStyle/>
           <a:p>
             <a:pPr algn="ctr"/>
-            <a:endParaRPr lang="zh-CN" altLang="en-US"/>
+            <a:endParaRPr lang="zh-CN" altLang="en-US">
+              <a:latin typeface="微软雅黑" panose="020B0503020204020204" pitchFamily="34" charset="-122"/>
+              <a:ea typeface="微软雅黑" panose="020B0503020204020204" pitchFamily="34" charset="-122"/>
+            </a:endParaRPr>
           </a:p>
         </p:txBody>
       </p:sp>
@@ -25018,7 +25242,10 @@
           <a:lstStyle/>
           <a:p>
             <a:pPr algn="ctr"/>
-            <a:endParaRPr lang="zh-CN" altLang="en-US"/>
+            <a:endParaRPr lang="zh-CN" altLang="en-US">
+              <a:latin typeface="微软雅黑" panose="020B0503020204020204" pitchFamily="34" charset="-122"/>
+              <a:ea typeface="微软雅黑" panose="020B0503020204020204" pitchFamily="34" charset="-122"/>
+            </a:endParaRPr>
           </a:p>
         </p:txBody>
       </p:sp>
@@ -25062,7 +25289,10 @@
           <a:lstStyle/>
           <a:p>
             <a:pPr algn="ctr"/>
-            <a:endParaRPr lang="zh-CN" altLang="en-US"/>
+            <a:endParaRPr lang="zh-CN" altLang="en-US">
+              <a:latin typeface="微软雅黑" panose="020B0503020204020204" pitchFamily="34" charset="-122"/>
+              <a:ea typeface="微软雅黑" panose="020B0503020204020204" pitchFamily="34" charset="-122"/>
+            </a:endParaRPr>
           </a:p>
         </p:txBody>
       </p:sp>
@@ -25106,7 +25336,10 @@
           <a:lstStyle/>
           <a:p>
             <a:pPr algn="ctr"/>
-            <a:endParaRPr lang="zh-CN" altLang="en-US"/>
+            <a:endParaRPr lang="zh-CN" altLang="en-US">
+              <a:latin typeface="微软雅黑" panose="020B0503020204020204" pitchFamily="34" charset="-122"/>
+              <a:ea typeface="微软雅黑" panose="020B0503020204020204" pitchFamily="34" charset="-122"/>
+            </a:endParaRPr>
           </a:p>
         </p:txBody>
       </p:sp>
@@ -25150,7 +25383,10 @@
           <a:lstStyle/>
           <a:p>
             <a:pPr algn="ctr"/>
-            <a:endParaRPr lang="zh-CN" altLang="en-US"/>
+            <a:endParaRPr lang="zh-CN" altLang="en-US">
+              <a:latin typeface="微软雅黑" panose="020B0503020204020204" pitchFamily="34" charset="-122"/>
+              <a:ea typeface="微软雅黑" panose="020B0503020204020204" pitchFamily="34" charset="-122"/>
+            </a:endParaRPr>
           </a:p>
         </p:txBody>
       </p:sp>
@@ -25194,7 +25430,10 @@
           <a:lstStyle/>
           <a:p>
             <a:pPr algn="ctr"/>
-            <a:endParaRPr lang="zh-CN" altLang="en-US"/>
+            <a:endParaRPr lang="zh-CN" altLang="en-US">
+              <a:latin typeface="微软雅黑" panose="020B0503020204020204" pitchFamily="34" charset="-122"/>
+              <a:ea typeface="微软雅黑" panose="020B0503020204020204" pitchFamily="34" charset="-122"/>
+            </a:endParaRPr>
           </a:p>
         </p:txBody>
       </p:sp>
@@ -25238,7 +25477,10 @@
           <a:lstStyle/>
           <a:p>
             <a:pPr algn="ctr"/>
-            <a:endParaRPr lang="zh-CN" altLang="en-US"/>
+            <a:endParaRPr lang="zh-CN" altLang="en-US">
+              <a:latin typeface="微软雅黑" panose="020B0503020204020204" pitchFamily="34" charset="-122"/>
+              <a:ea typeface="微软雅黑" panose="020B0503020204020204" pitchFamily="34" charset="-122"/>
+            </a:endParaRPr>
           </a:p>
         </p:txBody>
       </p:sp>
@@ -26102,7 +26344,7 @@
                 <a:solidFill>
                   <a:prstClr val="black"/>
                 </a:solidFill>
-                <a:latin typeface="Arial" panose="020B0604020202020204" pitchFamily="34" charset="0"/>
+                <a:latin typeface="微软雅黑" panose="020B0503020204020204" pitchFamily="34" charset="-122"/>
                 <a:ea typeface="微软雅黑" panose="020B0503020204020204" pitchFamily="34" charset="-122"/>
                 <a:sym typeface="Arial" panose="020B0604020202020204" pitchFamily="34" charset="0"/>
               </a:endParaRPr>
@@ -26225,7 +26467,7 @@
                 <a:solidFill>
                   <a:prstClr val="black"/>
                 </a:solidFill>
-                <a:latin typeface="Arial" panose="020B0604020202020204" pitchFamily="34" charset="0"/>
+                <a:latin typeface="微软雅黑" panose="020B0503020204020204" pitchFamily="34" charset="-122"/>
                 <a:ea typeface="微软雅黑" panose="020B0503020204020204" pitchFamily="34" charset="-122"/>
                 <a:sym typeface="Arial" panose="020B0604020202020204" pitchFamily="34" charset="0"/>
               </a:endParaRPr>
@@ -26348,7 +26590,7 @@
                 <a:solidFill>
                   <a:prstClr val="black"/>
                 </a:solidFill>
-                <a:latin typeface="Arial" panose="020B0604020202020204" pitchFamily="34" charset="0"/>
+                <a:latin typeface="微软雅黑" panose="020B0503020204020204" pitchFamily="34" charset="-122"/>
                 <a:ea typeface="微软雅黑" panose="020B0503020204020204" pitchFamily="34" charset="-122"/>
                 <a:sym typeface="Arial" panose="020B0604020202020204" pitchFamily="34" charset="0"/>
               </a:endParaRPr>
@@ -26471,7 +26713,7 @@
                 <a:solidFill>
                   <a:prstClr val="black"/>
                 </a:solidFill>
-                <a:latin typeface="Arial" panose="020B0604020202020204" pitchFamily="34" charset="0"/>
+                <a:latin typeface="微软雅黑" panose="020B0503020204020204" pitchFamily="34" charset="-122"/>
                 <a:ea typeface="微软雅黑" panose="020B0503020204020204" pitchFamily="34" charset="-122"/>
                 <a:sym typeface="Arial" panose="020B0604020202020204" pitchFamily="34" charset="0"/>
               </a:endParaRPr>
@@ -26871,7 +27113,7 @@
                 <a:solidFill>
                   <a:prstClr val="black"/>
                 </a:solidFill>
-                <a:latin typeface="Arial" panose="020B0604020202020204" pitchFamily="34" charset="0"/>
+                <a:latin typeface="微软雅黑" panose="020B0503020204020204" pitchFamily="34" charset="-122"/>
                 <a:ea typeface="微软雅黑" panose="020B0503020204020204" pitchFamily="34" charset="-122"/>
                 <a:sym typeface="Arial" panose="020B0604020202020204" pitchFamily="34" charset="0"/>
               </a:endParaRPr>
@@ -28845,7 +29087,7 @@
         <p:spPr>
           <a:xfrm>
             <a:off x="1970483" y="2227605"/>
-            <a:ext cx="6336705" cy="1754326"/>
+            <a:ext cx="6336705" cy="2031325"/>
           </a:xfrm>
           <a:prstGeom prst="rect">
             <a:avLst/>
@@ -28932,7 +29174,7 @@
                 <a:latin typeface="微软雅黑" panose="020B0503020204020204" pitchFamily="34" charset="-122"/>
                 <a:ea typeface="微软雅黑" panose="020B0503020204020204" pitchFamily="34" charset="-122"/>
               </a:rPr>
-              <a:t>研究</a:t>
+              <a:t>全面了研究</a:t>
             </a:r>
             <a:r>
               <a:rPr lang="en-US" altLang="zh-CN" dirty="0">
@@ -28997,7 +29239,7 @@
                 <a:latin typeface="微软雅黑" panose="020B0503020204020204" pitchFamily="34" charset="-122"/>
                 <a:ea typeface="微软雅黑" panose="020B0503020204020204" pitchFamily="34" charset="-122"/>
               </a:rPr>
-              <a:t>事件中最快增长初始误差的寻找</a:t>
+              <a:t>事件中最快增长初始误差的寻找并取得一定结果</a:t>
             </a:r>
             <a:endParaRPr lang="en-US" dirty="0">
               <a:latin typeface="微软雅黑" panose="020B0503020204020204" pitchFamily="34" charset="-122"/>
@@ -42793,42 +43035,7 @@
         </p:nvSpPr>
         <p:spPr>
           <a:xfrm>
-            <a:off x="3895526" y="2101012"/>
-            <a:ext cx="1107996" cy="276999"/>
-          </a:xfrm>
-          <a:prstGeom prst="rect">
-            <a:avLst/>
-          </a:prstGeom>
-          <a:noFill/>
-        </p:spPr>
-        <p:txBody>
-          <a:bodyPr wrap="none" rtlCol="0">
-            <a:spAutoFit/>
-          </a:bodyPr>
-          <a:lstStyle/>
-          <a:p>
-            <a:r>
-              <a:rPr lang="zh-CN" altLang="en-US" sz="1200" dirty="0">
-                <a:solidFill>
-                  <a:schemeClr val="bg1"/>
-                </a:solidFill>
-                <a:latin typeface="微软雅黑" panose="020B0503020204020204" pitchFamily="34" charset="-122"/>
-                <a:ea typeface="微软雅黑" panose="020B0503020204020204" pitchFamily="34" charset="-122"/>
-              </a:rPr>
-              <a:t>可预报性问题</a:t>
-            </a:r>
-          </a:p>
-        </p:txBody>
-      </p:sp>
-      <p:sp>
-        <p:nvSpPr>
-          <p:cNvPr id="49" name="TextBox 48"/>
-          <p:cNvSpPr txBox="1"/>
-          <p:nvPr/>
-        </p:nvSpPr>
-        <p:spPr>
-          <a:xfrm>
-            <a:off x="3914819" y="3202509"/>
+            <a:off x="3894045" y="2093458"/>
             <a:ext cx="902811" cy="307777"/>
           </a:xfrm>
           <a:prstGeom prst="rect">
@@ -42850,7 +43057,42 @@
                 <a:latin typeface="微软雅黑" panose="020B0503020204020204" pitchFamily="34" charset="-122"/>
                 <a:ea typeface="微软雅黑" panose="020B0503020204020204" pitchFamily="34" charset="-122"/>
               </a:rPr>
-              <a:t>实际效益</a:t>
+              <a:t>整体背景</a:t>
+            </a:r>
+          </a:p>
+        </p:txBody>
+      </p:sp>
+      <p:sp>
+        <p:nvSpPr>
+          <p:cNvPr id="49" name="TextBox 48"/>
+          <p:cNvSpPr txBox="1"/>
+          <p:nvPr/>
+        </p:nvSpPr>
+        <p:spPr>
+          <a:xfrm>
+            <a:off x="3918287" y="3223596"/>
+            <a:ext cx="902811" cy="307777"/>
+          </a:xfrm>
+          <a:prstGeom prst="rect">
+            <a:avLst/>
+          </a:prstGeom>
+          <a:noFill/>
+        </p:spPr>
+        <p:txBody>
+          <a:bodyPr wrap="none" rtlCol="0">
+            <a:spAutoFit/>
+          </a:bodyPr>
+          <a:lstStyle/>
+          <a:p>
+            <a:r>
+              <a:rPr lang="zh-CN" altLang="en-US" sz="1400" dirty="0">
+                <a:solidFill>
+                  <a:schemeClr val="bg1"/>
+                </a:solidFill>
+                <a:latin typeface="微软雅黑" panose="020B0503020204020204" pitchFamily="34" charset="-122"/>
+                <a:ea typeface="微软雅黑" panose="020B0503020204020204" pitchFamily="34" charset="-122"/>
+              </a:rPr>
+              <a:t>实际意义</a:t>
             </a:r>
           </a:p>
         </p:txBody>
@@ -43107,7 +43349,7 @@
         <p:spPr>
           <a:xfrm>
             <a:off x="5031150" y="3146724"/>
-            <a:ext cx="2762295" cy="461665"/>
+            <a:ext cx="2916183" cy="461665"/>
           </a:xfrm>
           <a:prstGeom prst="rect">
             <a:avLst/>
@@ -43128,7 +43370,7 @@
                 <a:latin typeface="微软雅黑" panose="020B0503020204020204" pitchFamily="34" charset="-122"/>
                 <a:ea typeface="微软雅黑" panose="020B0503020204020204" pitchFamily="34" charset="-122"/>
               </a:rPr>
-              <a:t>获得目标观测敏感区，提高</a:t>
+              <a:t>寻找目标观测敏感区，有利于提高</a:t>
             </a:r>
             <a:r>
               <a:rPr lang="en-US" altLang="zh-CN" sz="1200" dirty="0">
@@ -43140,6 +43382,8 @@
               </a:rPr>
               <a:t>ENSO</a:t>
             </a:r>
+          </a:p>
+          <a:p>
             <a:r>
               <a:rPr lang="zh-CN" altLang="en-US" sz="1200" dirty="0">
                 <a:solidFill>
@@ -43148,26 +43392,7 @@
                 <a:latin typeface="微软雅黑" panose="020B0503020204020204" pitchFamily="34" charset="-122"/>
                 <a:ea typeface="微软雅黑" panose="020B0503020204020204" pitchFamily="34" charset="-122"/>
               </a:rPr>
-              <a:t>事件</a:t>
-            </a:r>
-            <a:endParaRPr lang="en-US" altLang="zh-CN" sz="1200" dirty="0">
-              <a:solidFill>
-                <a:schemeClr val="bg1"/>
-              </a:solidFill>
-              <a:latin typeface="微软雅黑" panose="020B0503020204020204" pitchFamily="34" charset="-122"/>
-              <a:ea typeface="微软雅黑" panose="020B0503020204020204" pitchFamily="34" charset="-122"/>
-            </a:endParaRPr>
-          </a:p>
-          <a:p>
-            <a:r>
-              <a:rPr lang="zh-CN" altLang="en-US" sz="1200" dirty="0">
-                <a:solidFill>
-                  <a:schemeClr val="bg1"/>
-                </a:solidFill>
-                <a:latin typeface="微软雅黑" panose="020B0503020204020204" pitchFamily="34" charset="-122"/>
-                <a:ea typeface="微软雅黑" panose="020B0503020204020204" pitchFamily="34" charset="-122"/>
-              </a:rPr>
-              <a:t>的可预报性。</a:t>
+              <a:t>事件的预报精准度。</a:t>
             </a:r>
             <a:endParaRPr lang="en-US" altLang="zh-CN" sz="1200" dirty="0">
               <a:solidFill>
@@ -43504,7 +43729,10 @@
             <a:lstStyle/>
             <a:p>
               <a:pPr algn="ctr"/>
-              <a:endParaRPr lang="zh-CN" altLang="en-US"/>
+              <a:endParaRPr lang="zh-CN" altLang="en-US">
+                <a:latin typeface="微软雅黑" panose="020B0503020204020204" pitchFamily="34" charset="-122"/>
+                <a:ea typeface="微软雅黑" panose="020B0503020204020204" pitchFamily="34" charset="-122"/>
+              </a:endParaRPr>
             </a:p>
           </p:txBody>
         </p:sp>
@@ -43552,7 +43780,10 @@
             <a:lstStyle/>
             <a:p>
               <a:pPr algn="ctr"/>
-              <a:endParaRPr lang="zh-CN" altLang="en-US"/>
+              <a:endParaRPr lang="zh-CN" altLang="en-US">
+                <a:latin typeface="微软雅黑" panose="020B0503020204020204" pitchFamily="34" charset="-122"/>
+                <a:ea typeface="微软雅黑" panose="020B0503020204020204" pitchFamily="34" charset="-122"/>
+              </a:endParaRPr>
             </a:p>
           </p:txBody>
         </p:sp>
@@ -43600,7 +43831,10 @@
             <a:lstStyle/>
             <a:p>
               <a:pPr algn="ctr"/>
-              <a:endParaRPr lang="zh-CN" altLang="en-US"/>
+              <a:endParaRPr lang="zh-CN" altLang="en-US">
+                <a:latin typeface="微软雅黑" panose="020B0503020204020204" pitchFamily="34" charset="-122"/>
+                <a:ea typeface="微软雅黑" panose="020B0503020204020204" pitchFamily="34" charset="-122"/>
+              </a:endParaRPr>
             </a:p>
           </p:txBody>
         </p:sp>
@@ -43648,7 +43882,10 @@
             <a:lstStyle/>
             <a:p>
               <a:pPr algn="ctr"/>
-              <a:endParaRPr lang="zh-CN" altLang="en-US"/>
+              <a:endParaRPr lang="zh-CN" altLang="en-US">
+                <a:latin typeface="微软雅黑" panose="020B0503020204020204" pitchFamily="34" charset="-122"/>
+                <a:ea typeface="微软雅黑" panose="020B0503020204020204" pitchFamily="34" charset="-122"/>
+              </a:endParaRPr>
             </a:p>
           </p:txBody>
         </p:sp>
@@ -43747,7 +43984,10 @@
             <a:lstStyle/>
             <a:p>
               <a:pPr algn="ctr"/>
-              <a:endParaRPr lang="zh-CN" altLang="en-US"/>
+              <a:endParaRPr lang="zh-CN" altLang="en-US">
+                <a:latin typeface="微软雅黑" panose="020B0503020204020204" pitchFamily="34" charset="-122"/>
+                <a:ea typeface="微软雅黑" panose="020B0503020204020204" pitchFamily="34" charset="-122"/>
+              </a:endParaRPr>
             </a:p>
           </p:txBody>
         </p:sp>
@@ -43920,7 +44160,10 @@
           <a:lstStyle/>
           <a:p>
             <a:pPr algn="ctr"/>
-            <a:endParaRPr lang="zh-CN" altLang="en-US"/>
+            <a:endParaRPr lang="zh-CN" altLang="en-US">
+              <a:latin typeface="微软雅黑" panose="020B0503020204020204" pitchFamily="34" charset="-122"/>
+              <a:ea typeface="微软雅黑" panose="020B0503020204020204" pitchFamily="34" charset="-122"/>
+            </a:endParaRPr>
           </a:p>
         </p:txBody>
       </p:sp>
@@ -43985,7 +44228,7 @@
         </p:nvSpPr>
         <p:spPr>
           <a:xfrm>
-            <a:off x="977461" y="2924944"/>
+            <a:off x="977461" y="4149080"/>
             <a:ext cx="4172937" cy="400110"/>
           </a:xfrm>
           <a:prstGeom prst="rect">
@@ -44025,48 +44268,13 @@
       </p:sp>
       <p:sp>
         <p:nvSpPr>
-          <p:cNvPr id="23" name="TextBox 22"/>
-          <p:cNvSpPr txBox="1"/>
-          <p:nvPr/>
-        </p:nvSpPr>
-        <p:spPr>
-          <a:xfrm>
-            <a:off x="1001126" y="1973960"/>
-            <a:ext cx="184731" cy="415498"/>
-          </a:xfrm>
-          <a:prstGeom prst="rect">
-            <a:avLst/>
-          </a:prstGeom>
-          <a:noFill/>
-        </p:spPr>
-        <p:txBody>
-          <a:bodyPr wrap="none" rtlCol="0">
-            <a:spAutoFit/>
-          </a:bodyPr>
-          <a:lstStyle/>
-          <a:p>
-            <a:endParaRPr lang="zh-CN" altLang="en-US" sz="1050" dirty="0">
-              <a:latin typeface="微软雅黑" panose="020B0503020204020204" pitchFamily="34" charset="-122"/>
-              <a:ea typeface="微软雅黑" panose="020B0503020204020204" pitchFamily="34" charset="-122"/>
-            </a:endParaRPr>
-          </a:p>
-          <a:p>
-            <a:endParaRPr lang="zh-CN" altLang="en-US" sz="1050" dirty="0">
-              <a:latin typeface="微软雅黑" panose="020B0503020204020204" pitchFamily="34" charset="-122"/>
-              <a:ea typeface="微软雅黑" panose="020B0503020204020204" pitchFamily="34" charset="-122"/>
-            </a:endParaRPr>
-          </a:p>
-        </p:txBody>
-      </p:sp>
-      <p:sp>
-        <p:nvSpPr>
           <p:cNvPr id="66" name="TextBox 65"/>
           <p:cNvSpPr txBox="1"/>
           <p:nvPr/>
         </p:nvSpPr>
         <p:spPr>
           <a:xfrm>
-            <a:off x="2119494" y="3421811"/>
+            <a:off x="2119494" y="4645947"/>
             <a:ext cx="4036682" cy="923330"/>
           </a:xfrm>
           <a:prstGeom prst="rect">
@@ -44179,7 +44387,7 @@
         </p:nvSpPr>
         <p:spPr>
           <a:xfrm>
-            <a:off x="971600" y="4365104"/>
+            <a:off x="971600" y="2852936"/>
             <a:ext cx="3521605" cy="400110"/>
           </a:xfrm>
           <a:prstGeom prst="rect">
@@ -44231,8 +44439,8 @@
         </p:nvSpPr>
         <p:spPr>
           <a:xfrm>
-            <a:off x="2119494" y="4870901"/>
-            <a:ext cx="2973891" cy="613694"/>
+            <a:off x="2119494" y="3358733"/>
+            <a:ext cx="4051109" cy="646331"/>
           </a:xfrm>
           <a:prstGeom prst="rect">
             <a:avLst/>
@@ -44257,7 +44465,7 @@
                 <a:latin typeface="微软雅黑" panose="020B0503020204020204" pitchFamily="34" charset="-122"/>
                 <a:ea typeface="微软雅黑" panose="020B0503020204020204" pitchFamily="34" charset="-122"/>
               </a:rPr>
-              <a:t>对气候变化的一种数值模拟</a:t>
+              <a:t>气候现象的发生和演变可用非线性偏微分方程组表示</a:t>
             </a:r>
             <a:endParaRPr lang="en-US" altLang="zh-CN" sz="1200" dirty="0">
               <a:latin typeface="微软雅黑" panose="020B0503020204020204" pitchFamily="34" charset="-122"/>
@@ -44277,7 +44485,7 @@
                 <a:latin typeface="微软雅黑" panose="020B0503020204020204" pitchFamily="34" charset="-122"/>
                 <a:ea typeface="微软雅黑" panose="020B0503020204020204" pitchFamily="34" charset="-122"/>
               </a:rPr>
-              <a:t>各模式间相互作用，海量计算得到结果</a:t>
+              <a:t>对气候变化的一种数值模拟，提高气候预报的有力工具</a:t>
             </a:r>
             <a:endParaRPr lang="en-US" altLang="zh-CN" sz="1200" dirty="0">
               <a:latin typeface="微软雅黑" panose="020B0503020204020204" pitchFamily="34" charset="-122"/>
@@ -44301,7 +44509,7 @@
         <p:spPr>
           <a:xfrm>
             <a:off x="2119494" y="2077704"/>
-            <a:ext cx="5737468" cy="646331"/>
+            <a:ext cx="5251759" cy="646331"/>
           </a:xfrm>
           <a:prstGeom prst="rect">
             <a:avLst/>
@@ -44326,21 +44534,7 @@
                 <a:latin typeface="微软雅黑" panose="020B0503020204020204" pitchFamily="34" charset="-122"/>
                 <a:ea typeface="微软雅黑" panose="020B0503020204020204" pitchFamily="34" charset="-122"/>
               </a:rPr>
-              <a:t>线性（奇异向量，</a:t>
-            </a:r>
-            <a:r>
-              <a:rPr lang="en-US" altLang="zh-CN" sz="1200" dirty="0">
-                <a:latin typeface="微软雅黑" panose="020B0503020204020204" pitchFamily="34" charset="-122"/>
-                <a:ea typeface="微软雅黑" panose="020B0503020204020204" pitchFamily="34" charset="-122"/>
-              </a:rPr>
-              <a:t>SV</a:t>
-            </a:r>
-            <a:r>
-              <a:rPr lang="zh-CN" altLang="en-US" sz="1200" dirty="0">
-                <a:latin typeface="微软雅黑" panose="020B0503020204020204" pitchFamily="34" charset="-122"/>
-                <a:ea typeface="微软雅黑" panose="020B0503020204020204" pitchFamily="34" charset="-122"/>
-              </a:rPr>
-              <a:t>）</a:t>
+              <a:t>线性</a:t>
             </a:r>
             <a:r>
               <a:rPr lang="en-US" altLang="zh-CN" sz="1200" dirty="0">
@@ -44354,21 +44548,7 @@
                 <a:latin typeface="微软雅黑" panose="020B0503020204020204" pitchFamily="34" charset="-122"/>
                 <a:ea typeface="微软雅黑" panose="020B0503020204020204" pitchFamily="34" charset="-122"/>
               </a:rPr>
-              <a:t>非线性（</a:t>
-            </a:r>
-            <a:r>
-              <a:rPr lang="en-US" altLang="zh-CN" sz="1200" dirty="0">
-                <a:latin typeface="微软雅黑" panose="020B0503020204020204" pitchFamily="34" charset="-122"/>
-                <a:ea typeface="微软雅黑" panose="020B0503020204020204" pitchFamily="34" charset="-122"/>
-              </a:rPr>
-              <a:t>CNOP</a:t>
-            </a:r>
-            <a:r>
-              <a:rPr lang="zh-CN" altLang="en-US" sz="1200" dirty="0">
-                <a:latin typeface="微软雅黑" panose="020B0503020204020204" pitchFamily="34" charset="-122"/>
-                <a:ea typeface="微软雅黑" panose="020B0503020204020204" pitchFamily="34" charset="-122"/>
-              </a:rPr>
-              <a:t>方法，</a:t>
+              <a:t>非线性（条件非线性最优扰动方法，</a:t>
             </a:r>
             <a:r>
               <a:rPr lang="en-US" altLang="zh-CN" sz="1200" dirty="0">
@@ -44402,7 +44582,7 @@
                 <a:latin typeface="微软雅黑" panose="020B0503020204020204" pitchFamily="34" charset="-122"/>
                 <a:ea typeface="微软雅黑" panose="020B0503020204020204" pitchFamily="34" charset="-122"/>
               </a:rPr>
-              <a:t>预报时刻具有最大非线性发展</a:t>
+              <a:t>在一定物理约束下，预报时刻具有最大非线性发展</a:t>
             </a:r>
             <a:endParaRPr lang="en-US" altLang="zh-CN" sz="1200" dirty="0">
               <a:latin typeface="微软雅黑" panose="020B0503020204020204" pitchFamily="34" charset="-122"/>
@@ -44646,7 +44826,10 @@
             <a:lstStyle/>
             <a:p>
               <a:pPr algn="ctr"/>
-              <a:endParaRPr lang="zh-CN" altLang="en-US"/>
+              <a:endParaRPr lang="zh-CN" altLang="en-US">
+                <a:latin typeface="微软雅黑" panose="020B0503020204020204" pitchFamily="34" charset="-122"/>
+                <a:ea typeface="微软雅黑" panose="020B0503020204020204" pitchFamily="34" charset="-122"/>
+              </a:endParaRPr>
             </a:p>
           </p:txBody>
         </p:sp>
@@ -44694,7 +44877,10 @@
             <a:lstStyle/>
             <a:p>
               <a:pPr algn="ctr"/>
-              <a:endParaRPr lang="zh-CN" altLang="en-US"/>
+              <a:endParaRPr lang="zh-CN" altLang="en-US">
+                <a:latin typeface="微软雅黑" panose="020B0503020204020204" pitchFamily="34" charset="-122"/>
+                <a:ea typeface="微软雅黑" panose="020B0503020204020204" pitchFamily="34" charset="-122"/>
+              </a:endParaRPr>
             </a:p>
           </p:txBody>
         </p:sp>
@@ -44742,7 +44928,10 @@
             <a:lstStyle/>
             <a:p>
               <a:pPr algn="ctr"/>
-              <a:endParaRPr lang="zh-CN" altLang="en-US"/>
+              <a:endParaRPr lang="zh-CN" altLang="en-US">
+                <a:latin typeface="微软雅黑" panose="020B0503020204020204" pitchFamily="34" charset="-122"/>
+                <a:ea typeface="微软雅黑" panose="020B0503020204020204" pitchFamily="34" charset="-122"/>
+              </a:endParaRPr>
             </a:p>
           </p:txBody>
         </p:sp>
@@ -44790,7 +44979,10 @@
             <a:lstStyle/>
             <a:p>
               <a:pPr algn="ctr"/>
-              <a:endParaRPr lang="zh-CN" altLang="en-US"/>
+              <a:endParaRPr lang="zh-CN" altLang="en-US">
+                <a:latin typeface="微软雅黑" panose="020B0503020204020204" pitchFamily="34" charset="-122"/>
+                <a:ea typeface="微软雅黑" panose="020B0503020204020204" pitchFamily="34" charset="-122"/>
+              </a:endParaRPr>
             </a:p>
           </p:txBody>
         </p:sp>
@@ -44889,7 +45081,10 @@
             <a:lstStyle/>
             <a:p>
               <a:pPr algn="ctr"/>
-              <a:endParaRPr lang="zh-CN" altLang="en-US"/>
+              <a:endParaRPr lang="zh-CN" altLang="en-US">
+                <a:latin typeface="微软雅黑" panose="020B0503020204020204" pitchFamily="34" charset="-122"/>
+                <a:ea typeface="微软雅黑" panose="020B0503020204020204" pitchFamily="34" charset="-122"/>
+              </a:endParaRPr>
             </a:p>
           </p:txBody>
         </p:sp>
@@ -45062,7 +45257,10 @@
           <a:lstStyle/>
           <a:p>
             <a:pPr algn="ctr"/>
-            <a:endParaRPr lang="zh-CN" altLang="en-US"/>
+            <a:endParaRPr lang="zh-CN" altLang="en-US">
+              <a:latin typeface="微软雅黑" panose="020B0503020204020204" pitchFamily="34" charset="-122"/>
+              <a:ea typeface="微软雅黑" panose="020B0503020204020204" pitchFamily="34" charset="-122"/>
+            </a:endParaRPr>
           </a:p>
         </p:txBody>
       </p:sp>
@@ -45191,7 +45389,10 @@
               </a:rPr>
               <a:t>中的应用</a:t>
             </a:r>
-            <a:endParaRPr lang="en-US" dirty="0"/>
+            <a:endParaRPr lang="en-US" dirty="0">
+              <a:latin typeface="微软雅黑" panose="020B0503020204020204" pitchFamily="34" charset="-122"/>
+              <a:ea typeface="微软雅黑" panose="020B0503020204020204" pitchFamily="34" charset="-122"/>
+            </a:endParaRPr>
           </a:p>
         </p:txBody>
       </p:sp>
@@ -45449,45 +45650,27 @@
                   <a:latin typeface="微软雅黑" panose="020B0503020204020204" pitchFamily="34" charset="-122"/>
                   <a:ea typeface="微软雅黑" panose="020B0503020204020204" pitchFamily="34" charset="-122"/>
                 </a:rPr>
-                <a:t>改进的连续禁忌搜索</a:t>
+                <a:t>一种改进的连续禁忌搜索算法</a:t>
               </a:r>
-              <a:r>
-                <a:rPr lang="en-US" altLang="zh-CN" sz="1400" dirty="0">
-                  <a:solidFill>
-                    <a:schemeClr val="tx1"/>
-                  </a:solidFill>
-                  <a:latin typeface="微软雅黑" panose="020B0503020204020204" pitchFamily="34" charset="-122"/>
-                  <a:ea typeface="微软雅黑" panose="020B0503020204020204" pitchFamily="34" charset="-122"/>
-                </a:rPr>
-                <a:t>(</a:t>
-              </a:r>
-              <a:r>
-                <a:rPr lang="zh-CN" altLang="en-US" sz="1400" dirty="0">
-                  <a:solidFill>
-                    <a:schemeClr val="tx1"/>
-                  </a:solidFill>
-                  <a:latin typeface="微软雅黑" panose="020B0503020204020204" pitchFamily="34" charset="-122"/>
-                  <a:ea typeface="微软雅黑" panose="020B0503020204020204" pitchFamily="34" charset="-122"/>
-                </a:rPr>
-                <a:t>寻优方法</a:t>
-              </a:r>
-              <a:r>
-                <a:rPr lang="en-US" altLang="zh-CN" sz="1400" dirty="0">
-                  <a:solidFill>
-                    <a:schemeClr val="tx1"/>
-                  </a:solidFill>
-                  <a:latin typeface="微软雅黑" panose="020B0503020204020204" pitchFamily="34" charset="-122"/>
-                  <a:ea typeface="微软雅黑" panose="020B0503020204020204" pitchFamily="34" charset="-122"/>
-                </a:rPr>
-                <a:t>)</a:t>
-              </a:r>
-              <a:endParaRPr lang="zh-CN" altLang="en-US" sz="1400" dirty="0">
+              <a:endParaRPr lang="en-US" altLang="zh-CN" sz="1400" dirty="0">
                 <a:solidFill>
                   <a:schemeClr val="tx1"/>
                 </a:solidFill>
                 <a:latin typeface="微软雅黑" panose="020B0503020204020204" pitchFamily="34" charset="-122"/>
                 <a:ea typeface="微软雅黑" panose="020B0503020204020204" pitchFamily="34" charset="-122"/>
               </a:endParaRPr>
+            </a:p>
+            <a:p>
+              <a:r>
+                <a:rPr lang="zh-CN" altLang="en-US" sz="1400" dirty="0">
+                  <a:solidFill>
+                    <a:srgbClr val="FF0000"/>
+                  </a:solidFill>
+                  <a:latin typeface="微软雅黑" panose="020B0503020204020204" pitchFamily="34" charset="-122"/>
+                  <a:ea typeface="微软雅黑" panose="020B0503020204020204" pitchFamily="34" charset="-122"/>
+                </a:rPr>
+                <a:t>（寻优算法）</a:t>
+              </a:r>
             </a:p>
           </p:txBody>
         </p:sp>
@@ -45549,7 +45732,26 @@
                   <a:latin typeface="微软雅黑" panose="020B0503020204020204" pitchFamily="34" charset="-122"/>
                   <a:ea typeface="微软雅黑" panose="020B0503020204020204" pitchFamily="34" charset="-122"/>
                 </a:rPr>
-                <a:t>气候模式，用于模拟气候态发展（求解环境）</a:t>
+                <a:t>气候模式，用于模拟气候态发展</a:t>
+              </a:r>
+              <a:endParaRPr lang="en-US" altLang="zh-CN" sz="1400" dirty="0">
+                <a:solidFill>
+                  <a:schemeClr val="tx1"/>
+                </a:solidFill>
+                <a:latin typeface="微软雅黑" panose="020B0503020204020204" pitchFamily="34" charset="-122"/>
+                <a:ea typeface="微软雅黑" panose="020B0503020204020204" pitchFamily="34" charset="-122"/>
+              </a:endParaRPr>
+            </a:p>
+            <a:p>
+              <a:r>
+                <a:rPr lang="zh-CN" altLang="en-US" sz="1400" dirty="0">
+                  <a:solidFill>
+                    <a:srgbClr val="FF0000"/>
+                  </a:solidFill>
+                  <a:latin typeface="微软雅黑" panose="020B0503020204020204" pitchFamily="34" charset="-122"/>
+                  <a:ea typeface="微软雅黑" panose="020B0503020204020204" pitchFamily="34" charset="-122"/>
+                </a:rPr>
+                <a:t>（求解环境）</a:t>
               </a:r>
             </a:p>
           </p:txBody>
@@ -45678,7 +45880,26 @@
                     <a:latin typeface="微软雅黑" panose="020B0503020204020204" pitchFamily="34" charset="-122"/>
                     <a:ea typeface="微软雅黑" panose="020B0503020204020204" pitchFamily="34" charset="-122"/>
                   </a:rPr>
-                  <a:t>条件非线性最优扰动（求解方法）</a:t>
+                  <a:t>条件非线性最优扰动</a:t>
+                </a:r>
+                <a:endParaRPr lang="en-US" altLang="zh-CN" sz="1400" dirty="0">
+                  <a:solidFill>
+                    <a:schemeClr val="tx1"/>
+                  </a:solidFill>
+                  <a:latin typeface="微软雅黑" panose="020B0503020204020204" pitchFamily="34" charset="-122"/>
+                  <a:ea typeface="微软雅黑" panose="020B0503020204020204" pitchFamily="34" charset="-122"/>
+                </a:endParaRPr>
+              </a:p>
+              <a:p>
+                <a:r>
+                  <a:rPr lang="zh-CN" altLang="en-US" sz="1400" dirty="0">
+                    <a:solidFill>
+                      <a:srgbClr val="FF0000"/>
+                    </a:solidFill>
+                    <a:latin typeface="微软雅黑" panose="020B0503020204020204" pitchFamily="34" charset="-122"/>
+                    <a:ea typeface="微软雅黑" panose="020B0503020204020204" pitchFamily="34" charset="-122"/>
+                  </a:rPr>
+                  <a:t>（求解方法）</a:t>
                 </a:r>
               </a:p>
             </p:txBody>
@@ -45742,7 +45963,7 @@
                   <a:latin typeface="微软雅黑" panose="020B0503020204020204" pitchFamily="34" charset="-122"/>
                   <a:ea typeface="微软雅黑" panose="020B0503020204020204" pitchFamily="34" charset="-122"/>
                 </a:rPr>
-                <a:t>厄尔尼诺</a:t>
+                <a:t>寻找厄尔尼诺</a:t>
               </a:r>
               <a:r>
                 <a:rPr lang="en-US" altLang="zh-CN" sz="1400" dirty="0">
@@ -45762,7 +45983,29 @@
                   <a:latin typeface="微软雅黑" panose="020B0503020204020204" pitchFamily="34" charset="-122"/>
                   <a:ea typeface="微软雅黑" panose="020B0503020204020204" pitchFamily="34" charset="-122"/>
                 </a:rPr>
-                <a:t>南方涛动现象（求解问题）</a:t>
+                <a:t>南方涛动现象中的</a:t>
+              </a:r>
+              <a:r>
+                <a:rPr lang="en-US" altLang="zh-CN" sz="1400" dirty="0">
+                  <a:solidFill>
+                    <a:schemeClr val="tx1"/>
+                  </a:solidFill>
+                  <a:latin typeface="微软雅黑" panose="020B0503020204020204" pitchFamily="34" charset="-122"/>
+                  <a:ea typeface="微软雅黑" panose="020B0503020204020204" pitchFamily="34" charset="-122"/>
+                </a:rPr>
+                <a:t>OGE</a:t>
+              </a:r>
+            </a:p>
+            <a:p>
+              <a:r>
+                <a:rPr lang="zh-CN" altLang="en-US" sz="1400" dirty="0">
+                  <a:solidFill>
+                    <a:srgbClr val="FF0000"/>
+                  </a:solidFill>
+                  <a:latin typeface="微软雅黑" panose="020B0503020204020204" pitchFamily="34" charset="-122"/>
+                  <a:ea typeface="微软雅黑" panose="020B0503020204020204" pitchFamily="34" charset="-122"/>
+                </a:rPr>
+                <a:t>（具体问题）</a:t>
               </a:r>
             </a:p>
           </p:txBody>

--- a/FinalPaper/毕业答辩.pptx
+++ b/FinalPaper/毕业答辩.pptx
@@ -5,7 +5,7 @@
     <p:sldMasterId id="2147483696" r:id="rId1"/>
   </p:sldMasterIdLst>
   <p:notesMasterIdLst>
-    <p:notesMasterId r:id="rId26"/>
+    <p:notesMasterId r:id="rId24"/>
   </p:notesMasterIdLst>
   <p:sldIdLst>
     <p:sldId id="295" r:id="rId2"/>
@@ -17,26 +17,24 @@
     <p:sldId id="275" r:id="rId8"/>
     <p:sldId id="276" r:id="rId9"/>
     <p:sldId id="297" r:id="rId10"/>
-    <p:sldId id="298" r:id="rId11"/>
-    <p:sldId id="301" r:id="rId12"/>
-    <p:sldId id="304" r:id="rId13"/>
-    <p:sldId id="299" r:id="rId14"/>
-    <p:sldId id="300" r:id="rId15"/>
-    <p:sldId id="281" r:id="rId16"/>
-    <p:sldId id="278" r:id="rId17"/>
-    <p:sldId id="285" r:id="rId18"/>
-    <p:sldId id="283" r:id="rId19"/>
-    <p:sldId id="284" r:id="rId20"/>
-    <p:sldId id="292" r:id="rId21"/>
-    <p:sldId id="293" r:id="rId22"/>
-    <p:sldId id="294" r:id="rId23"/>
-    <p:sldId id="303" r:id="rId24"/>
-    <p:sldId id="302" r:id="rId25"/>
+    <p:sldId id="301" r:id="rId11"/>
+    <p:sldId id="299" r:id="rId12"/>
+    <p:sldId id="300" r:id="rId13"/>
+    <p:sldId id="281" r:id="rId14"/>
+    <p:sldId id="278" r:id="rId15"/>
+    <p:sldId id="285" r:id="rId16"/>
+    <p:sldId id="283" r:id="rId17"/>
+    <p:sldId id="284" r:id="rId18"/>
+    <p:sldId id="304" r:id="rId19"/>
+    <p:sldId id="292" r:id="rId20"/>
+    <p:sldId id="293" r:id="rId21"/>
+    <p:sldId id="303" r:id="rId22"/>
+    <p:sldId id="302" r:id="rId23"/>
   </p:sldIdLst>
   <p:sldSz cx="9144000" cy="6858000" type="screen4x3"/>
   <p:notesSz cx="6858000" cy="9144000"/>
   <p:custDataLst>
-    <p:tags r:id="rId27"/>
+    <p:tags r:id="rId25"/>
   </p:custDataLst>
   <p:defaultTextStyle>
     <a:defPPr>
@@ -238,7 +236,7 @@
           <a:p>
             <a:fld id="{3BAE5F92-84F3-453A-A2D0-DF016B3E2CD2}" type="datetimeFigureOut">
               <a:rPr lang="zh-CN" altLang="en-US" smtClean="0"/>
-              <a:t>2017/6/4</a:t>
+              <a:t>2017/6/5</a:t>
             </a:fld>
             <a:endParaRPr lang="zh-CN" altLang="en-US"/>
           </a:p>
@@ -663,7 +661,7 @@
     </p:spTree>
     <p:extLst>
       <p:ext uri="{BB962C8B-B14F-4D97-AF65-F5344CB8AC3E}">
-        <p14:creationId xmlns:p14="http://schemas.microsoft.com/office/powerpoint/2010/main" val="447393096"/>
+        <p14:creationId xmlns:p14="http://schemas.microsoft.com/office/powerpoint/2010/main" val="389094523"/>
       </p:ext>
     </p:extLst>
   </p:cSld>
@@ -747,7 +745,7 @@
     </p:spTree>
     <p:extLst>
       <p:ext uri="{BB962C8B-B14F-4D97-AF65-F5344CB8AC3E}">
-        <p14:creationId xmlns:p14="http://schemas.microsoft.com/office/powerpoint/2010/main" val="389094523"/>
+        <p14:creationId xmlns:p14="http://schemas.microsoft.com/office/powerpoint/2010/main" val="2611983486"/>
       </p:ext>
     </p:extLst>
   </p:cSld>
@@ -831,7 +829,7 @@
     </p:spTree>
     <p:extLst>
       <p:ext uri="{BB962C8B-B14F-4D97-AF65-F5344CB8AC3E}">
-        <p14:creationId xmlns:p14="http://schemas.microsoft.com/office/powerpoint/2010/main" val="1774822713"/>
+        <p14:creationId xmlns:p14="http://schemas.microsoft.com/office/powerpoint/2010/main" val="1667983287"/>
       </p:ext>
     </p:extLst>
   </p:cSld>
@@ -915,7 +913,7 @@
     </p:spTree>
     <p:extLst>
       <p:ext uri="{BB962C8B-B14F-4D97-AF65-F5344CB8AC3E}">
-        <p14:creationId xmlns:p14="http://schemas.microsoft.com/office/powerpoint/2010/main" val="2611983486"/>
+        <p14:creationId xmlns:p14="http://schemas.microsoft.com/office/powerpoint/2010/main" val="1095098842"/>
       </p:ext>
     </p:extLst>
   </p:cSld>
@@ -999,7 +997,7 @@
     </p:spTree>
     <p:extLst>
       <p:ext uri="{BB962C8B-B14F-4D97-AF65-F5344CB8AC3E}">
-        <p14:creationId xmlns:p14="http://schemas.microsoft.com/office/powerpoint/2010/main" val="1667983287"/>
+        <p14:creationId xmlns:p14="http://schemas.microsoft.com/office/powerpoint/2010/main" val="2902651200"/>
       </p:ext>
     </p:extLst>
   </p:cSld>
@@ -1083,7 +1081,7 @@
     </p:spTree>
     <p:extLst>
       <p:ext uri="{BB962C8B-B14F-4D97-AF65-F5344CB8AC3E}">
-        <p14:creationId xmlns:p14="http://schemas.microsoft.com/office/powerpoint/2010/main" val="1095098842"/>
+        <p14:creationId xmlns:p14="http://schemas.microsoft.com/office/powerpoint/2010/main" val="209249251"/>
       </p:ext>
     </p:extLst>
   </p:cSld>
@@ -1137,7 +1135,7 @@
           <a:bodyPr/>
           <a:lstStyle/>
           <a:p>
-            <a:endParaRPr lang="zh-CN" altLang="en-US"/>
+            <a:endParaRPr lang="zh-CN" altLang="en-US" dirty="0"/>
           </a:p>
         </p:txBody>
       </p:sp>
@@ -1167,7 +1165,7 @@
     </p:spTree>
     <p:extLst>
       <p:ext uri="{BB962C8B-B14F-4D97-AF65-F5344CB8AC3E}">
-        <p14:creationId xmlns:p14="http://schemas.microsoft.com/office/powerpoint/2010/main" val="2902651200"/>
+        <p14:creationId xmlns:p14="http://schemas.microsoft.com/office/powerpoint/2010/main" val="1569237652"/>
       </p:ext>
     </p:extLst>
   </p:cSld>
@@ -1251,7 +1249,7 @@
     </p:spTree>
     <p:extLst>
       <p:ext uri="{BB962C8B-B14F-4D97-AF65-F5344CB8AC3E}">
-        <p14:creationId xmlns:p14="http://schemas.microsoft.com/office/powerpoint/2010/main" val="209249251"/>
+        <p14:creationId xmlns:p14="http://schemas.microsoft.com/office/powerpoint/2010/main" val="1727985570"/>
       </p:ext>
     </p:extLst>
   </p:cSld>
@@ -1305,7 +1303,7 @@
           <a:bodyPr/>
           <a:lstStyle/>
           <a:p>
-            <a:endParaRPr lang="zh-CN" altLang="en-US" dirty="0"/>
+            <a:endParaRPr lang="zh-CN" altLang="en-US"/>
           </a:p>
         </p:txBody>
       </p:sp>
@@ -1335,7 +1333,7 @@
     </p:spTree>
     <p:extLst>
       <p:ext uri="{BB962C8B-B14F-4D97-AF65-F5344CB8AC3E}">
-        <p14:creationId xmlns:p14="http://schemas.microsoft.com/office/powerpoint/2010/main" val="1569237652"/>
+        <p14:creationId xmlns:p14="http://schemas.microsoft.com/office/powerpoint/2010/main" val="2882732469"/>
       </p:ext>
     </p:extLst>
   </p:cSld>
@@ -1419,7 +1417,7 @@
     </p:spTree>
     <p:extLst>
       <p:ext uri="{BB962C8B-B14F-4D97-AF65-F5344CB8AC3E}">
-        <p14:creationId xmlns:p14="http://schemas.microsoft.com/office/powerpoint/2010/main" val="1727985570"/>
+        <p14:creationId xmlns:p14="http://schemas.microsoft.com/office/powerpoint/2010/main" val="1929178683"/>
       </p:ext>
     </p:extLst>
   </p:cSld>
@@ -1587,7 +1585,7 @@
     </p:spTree>
     <p:extLst>
       <p:ext uri="{BB962C8B-B14F-4D97-AF65-F5344CB8AC3E}">
-        <p14:creationId xmlns:p14="http://schemas.microsoft.com/office/powerpoint/2010/main" val="1929178683"/>
+        <p14:creationId xmlns:p14="http://schemas.microsoft.com/office/powerpoint/2010/main" val="1131837639"/>
       </p:ext>
     </p:extLst>
   </p:cSld>
@@ -1598,174 +1596,6 @@
 </file>
 
 <file path=ppt/notesSlides/notesSlide21.xml><?xml version="1.0" encoding="utf-8"?>
-<p:notes xmlns:a="http://schemas.openxmlformats.org/drawingml/2006/main" xmlns:r="http://schemas.openxmlformats.org/officeDocument/2006/relationships" xmlns:p="http://schemas.openxmlformats.org/presentationml/2006/main">
-  <p:cSld>
-    <p:spTree>
-      <p:nvGrpSpPr>
-        <p:cNvPr id="1" name=""/>
-        <p:cNvGrpSpPr/>
-        <p:nvPr/>
-      </p:nvGrpSpPr>
-      <p:grpSpPr>
-        <a:xfrm>
-          <a:off x="0" y="0"/>
-          <a:ext cx="0" cy="0"/>
-          <a:chOff x="0" y="0"/>
-          <a:chExt cx="0" cy="0"/>
-        </a:xfrm>
-      </p:grpSpPr>
-      <p:sp>
-        <p:nvSpPr>
-          <p:cNvPr id="2" name="幻灯片图像占位符 1"/>
-          <p:cNvSpPr>
-            <a:spLocks noGrp="1" noRot="1" noChangeAspect="1"/>
-          </p:cNvSpPr>
-          <p:nvPr>
-            <p:ph type="sldImg"/>
-          </p:nvPr>
-        </p:nvSpPr>
-        <p:spPr/>
-      </p:sp>
-      <p:sp>
-        <p:nvSpPr>
-          <p:cNvPr id="3" name="备注占位符 2"/>
-          <p:cNvSpPr>
-            <a:spLocks noGrp="1"/>
-          </p:cNvSpPr>
-          <p:nvPr>
-            <p:ph type="body" idx="1"/>
-          </p:nvPr>
-        </p:nvSpPr>
-        <p:spPr/>
-        <p:txBody>
-          <a:bodyPr/>
-          <a:lstStyle/>
-          <a:p>
-            <a:endParaRPr lang="zh-CN" altLang="en-US"/>
-          </a:p>
-        </p:txBody>
-      </p:sp>
-      <p:sp>
-        <p:nvSpPr>
-          <p:cNvPr id="4" name="灯片编号占位符 3"/>
-          <p:cNvSpPr>
-            <a:spLocks noGrp="1"/>
-          </p:cNvSpPr>
-          <p:nvPr>
-            <p:ph type="sldNum" sz="quarter" idx="10"/>
-          </p:nvPr>
-        </p:nvSpPr>
-        <p:spPr/>
-        <p:txBody>
-          <a:bodyPr/>
-          <a:lstStyle/>
-          <a:p>
-            <a:fld id="{231D8317-3E66-4CBC-B0CB-E0D7DB0EAD7C}" type="slidenum">
-              <a:rPr lang="zh-CN" altLang="en-US" smtClean="0"/>
-              <a:t>20</a:t>
-            </a:fld>
-            <a:endParaRPr lang="zh-CN" altLang="en-US"/>
-          </a:p>
-        </p:txBody>
-      </p:sp>
-    </p:spTree>
-    <p:extLst>
-      <p:ext uri="{BB962C8B-B14F-4D97-AF65-F5344CB8AC3E}">
-        <p14:creationId xmlns:p14="http://schemas.microsoft.com/office/powerpoint/2010/main" val="1131837639"/>
-      </p:ext>
-    </p:extLst>
-  </p:cSld>
-  <p:clrMapOvr>
-    <a:masterClrMapping/>
-  </p:clrMapOvr>
-</p:notes>
-</file>
-
-<file path=ppt/notesSlides/notesSlide22.xml><?xml version="1.0" encoding="utf-8"?>
-<p:notes xmlns:a="http://schemas.openxmlformats.org/drawingml/2006/main" xmlns:r="http://schemas.openxmlformats.org/officeDocument/2006/relationships" xmlns:p="http://schemas.openxmlformats.org/presentationml/2006/main">
-  <p:cSld>
-    <p:spTree>
-      <p:nvGrpSpPr>
-        <p:cNvPr id="1" name=""/>
-        <p:cNvGrpSpPr/>
-        <p:nvPr/>
-      </p:nvGrpSpPr>
-      <p:grpSpPr>
-        <a:xfrm>
-          <a:off x="0" y="0"/>
-          <a:ext cx="0" cy="0"/>
-          <a:chOff x="0" y="0"/>
-          <a:chExt cx="0" cy="0"/>
-        </a:xfrm>
-      </p:grpSpPr>
-      <p:sp>
-        <p:nvSpPr>
-          <p:cNvPr id="2" name="幻灯片图像占位符 1"/>
-          <p:cNvSpPr>
-            <a:spLocks noGrp="1" noRot="1" noChangeAspect="1"/>
-          </p:cNvSpPr>
-          <p:nvPr>
-            <p:ph type="sldImg"/>
-          </p:nvPr>
-        </p:nvSpPr>
-        <p:spPr/>
-      </p:sp>
-      <p:sp>
-        <p:nvSpPr>
-          <p:cNvPr id="3" name="备注占位符 2"/>
-          <p:cNvSpPr>
-            <a:spLocks noGrp="1"/>
-          </p:cNvSpPr>
-          <p:nvPr>
-            <p:ph type="body" idx="1"/>
-          </p:nvPr>
-        </p:nvSpPr>
-        <p:spPr/>
-        <p:txBody>
-          <a:bodyPr/>
-          <a:lstStyle/>
-          <a:p>
-            <a:endParaRPr lang="zh-CN" altLang="en-US"/>
-          </a:p>
-        </p:txBody>
-      </p:sp>
-      <p:sp>
-        <p:nvSpPr>
-          <p:cNvPr id="4" name="灯片编号占位符 3"/>
-          <p:cNvSpPr>
-            <a:spLocks noGrp="1"/>
-          </p:cNvSpPr>
-          <p:nvPr>
-            <p:ph type="sldNum" sz="quarter" idx="10"/>
-          </p:nvPr>
-        </p:nvSpPr>
-        <p:spPr/>
-        <p:txBody>
-          <a:bodyPr/>
-          <a:lstStyle/>
-          <a:p>
-            <a:fld id="{231D8317-3E66-4CBC-B0CB-E0D7DB0EAD7C}" type="slidenum">
-              <a:rPr lang="zh-CN" altLang="en-US" smtClean="0"/>
-              <a:t>21</a:t>
-            </a:fld>
-            <a:endParaRPr lang="zh-CN" altLang="en-US"/>
-          </a:p>
-        </p:txBody>
-      </p:sp>
-    </p:spTree>
-    <p:extLst>
-      <p:ext uri="{BB962C8B-B14F-4D97-AF65-F5344CB8AC3E}">
-        <p14:creationId xmlns:p14="http://schemas.microsoft.com/office/powerpoint/2010/main" val="46402080"/>
-      </p:ext>
-    </p:extLst>
-  </p:cSld>
-  <p:clrMapOvr>
-    <a:masterClrMapping/>
-  </p:clrMapOvr>
-</p:notes>
-</file>
-
-<file path=ppt/notesSlides/notesSlide23.xml><?xml version="1.0" encoding="utf-8"?>
 <p:notes xmlns:a="http://schemas.openxmlformats.org/drawingml/2006/main" xmlns:r="http://schemas.openxmlformats.org/officeDocument/2006/relationships" xmlns:p="http://schemas.openxmlformats.org/presentationml/2006/main">
   <p:cSld>
     <p:spTree>
@@ -1830,7 +1660,7 @@
           <a:p>
             <a:fld id="{231D8317-3E66-4CBC-B0CB-E0D7DB0EAD7C}" type="slidenum">
               <a:rPr lang="zh-CN" altLang="en-US" smtClean="0"/>
-              <a:t>22</a:t>
+              <a:t>20</a:t>
             </a:fld>
             <a:endParaRPr lang="zh-CN" altLang="en-US"/>
           </a:p>
@@ -1849,7 +1679,7 @@
 </p:notes>
 </file>
 
-<file path=ppt/notesSlides/notesSlide24.xml><?xml version="1.0" encoding="utf-8"?>
+<file path=ppt/notesSlides/notesSlide22.xml><?xml version="1.0" encoding="utf-8"?>
 <p:notes xmlns:a="http://schemas.openxmlformats.org/drawingml/2006/main" xmlns:r="http://schemas.openxmlformats.org/officeDocument/2006/relationships" xmlns:p="http://schemas.openxmlformats.org/presentationml/2006/main">
   <p:cSld>
     <p:spTree>
@@ -1914,7 +1744,7 @@
           <a:p>
             <a:fld id="{231D8317-3E66-4CBC-B0CB-E0D7DB0EAD7C}" type="slidenum">
               <a:rPr lang="zh-CN" altLang="en-US" smtClean="0"/>
-              <a:t>23</a:t>
+              <a:t>21</a:t>
             </a:fld>
             <a:endParaRPr lang="zh-CN" altLang="en-US"/>
           </a:p>
@@ -2700,7 +2530,7 @@
           <a:p>
             <a:fld id="{530820CF-B880-4189-942D-D702A7CBA730}" type="datetimeFigureOut">
               <a:rPr lang="zh-CN" altLang="en-US" smtClean="0"/>
-              <a:t>2017/6/4</a:t>
+              <a:t>2017/6/5</a:t>
             </a:fld>
             <a:endParaRPr lang="zh-CN" altLang="en-US"/>
           </a:p>
@@ -2871,7 +2701,7 @@
           <a:p>
             <a:fld id="{530820CF-B880-4189-942D-D702A7CBA730}" type="datetimeFigureOut">
               <a:rPr lang="zh-CN" altLang="en-US" smtClean="0"/>
-              <a:t>2017/6/4</a:t>
+              <a:t>2017/6/5</a:t>
             </a:fld>
             <a:endParaRPr lang="zh-CN" altLang="en-US"/>
           </a:p>
@@ -3052,7 +2882,7 @@
           <a:p>
             <a:fld id="{530820CF-B880-4189-942D-D702A7CBA730}" type="datetimeFigureOut">
               <a:rPr lang="zh-CN" altLang="en-US" smtClean="0"/>
-              <a:t>2017/6/4</a:t>
+              <a:t>2017/6/5</a:t>
             </a:fld>
             <a:endParaRPr lang="zh-CN" altLang="en-US"/>
           </a:p>
@@ -3223,7 +3053,7 @@
           <a:p>
             <a:fld id="{530820CF-B880-4189-942D-D702A7CBA730}" type="datetimeFigureOut">
               <a:rPr lang="zh-CN" altLang="en-US" smtClean="0"/>
-              <a:t>2017/6/4</a:t>
+              <a:t>2017/6/5</a:t>
             </a:fld>
             <a:endParaRPr lang="zh-CN" altLang="en-US"/>
           </a:p>
@@ -3471,7 +3301,7 @@
           <a:p>
             <a:fld id="{530820CF-B880-4189-942D-D702A7CBA730}" type="datetimeFigureOut">
               <a:rPr lang="zh-CN" altLang="en-US" smtClean="0"/>
-              <a:t>2017/6/4</a:t>
+              <a:t>2017/6/5</a:t>
             </a:fld>
             <a:endParaRPr lang="zh-CN" altLang="en-US"/>
           </a:p>
@@ -3759,7 +3589,7 @@
           <a:p>
             <a:fld id="{530820CF-B880-4189-942D-D702A7CBA730}" type="datetimeFigureOut">
               <a:rPr lang="zh-CN" altLang="en-US" smtClean="0"/>
-              <a:t>2017/6/4</a:t>
+              <a:t>2017/6/5</a:t>
             </a:fld>
             <a:endParaRPr lang="zh-CN" altLang="en-US"/>
           </a:p>
@@ -4181,7 +4011,7 @@
           <a:p>
             <a:fld id="{530820CF-B880-4189-942D-D702A7CBA730}" type="datetimeFigureOut">
               <a:rPr lang="zh-CN" altLang="en-US" smtClean="0"/>
-              <a:t>2017/6/4</a:t>
+              <a:t>2017/6/5</a:t>
             </a:fld>
             <a:endParaRPr lang="zh-CN" altLang="en-US"/>
           </a:p>
@@ -4301,7 +4131,7 @@
           <a:p>
             <a:fld id="{530820CF-B880-4189-942D-D702A7CBA730}" type="datetimeFigureOut">
               <a:rPr lang="zh-CN" altLang="en-US" smtClean="0"/>
-              <a:t>2017/6/4</a:t>
+              <a:t>2017/6/5</a:t>
             </a:fld>
             <a:endParaRPr lang="zh-CN" altLang="en-US"/>
           </a:p>
@@ -4399,7 +4229,7 @@
           <a:p>
             <a:fld id="{530820CF-B880-4189-942D-D702A7CBA730}" type="datetimeFigureOut">
               <a:rPr lang="zh-CN" altLang="en-US" smtClean="0"/>
-              <a:t>2017/6/4</a:t>
+              <a:t>2017/6/5</a:t>
             </a:fld>
             <a:endParaRPr lang="zh-CN" altLang="en-US"/>
           </a:p>
@@ -4677,7 +4507,7 @@
           <a:p>
             <a:fld id="{530820CF-B880-4189-942D-D702A7CBA730}" type="datetimeFigureOut">
               <a:rPr lang="zh-CN" altLang="en-US" smtClean="0"/>
-              <a:t>2017/6/4</a:t>
+              <a:t>2017/6/5</a:t>
             </a:fld>
             <a:endParaRPr lang="zh-CN" altLang="en-US"/>
           </a:p>
@@ -4932,7 +4762,7 @@
           <a:p>
             <a:fld id="{530820CF-B880-4189-942D-D702A7CBA730}" type="datetimeFigureOut">
               <a:rPr lang="zh-CN" altLang="en-US" smtClean="0"/>
-              <a:t>2017/6/4</a:t>
+              <a:t>2017/6/5</a:t>
             </a:fld>
             <a:endParaRPr lang="zh-CN" altLang="en-US"/>
           </a:p>
@@ -5146,7 +4976,7 @@
           <a:p>
             <a:fld id="{530820CF-B880-4189-942D-D702A7CBA730}" type="datetimeFigureOut">
               <a:rPr lang="zh-CN" altLang="en-US" smtClean="0"/>
-              <a:t>2017/6/4</a:t>
+              <a:t>2017/6/5</a:t>
             </a:fld>
             <a:endParaRPr lang="zh-CN" altLang="en-US"/>
           </a:p>
@@ -12748,1031 +12578,6 @@
       </p:sp>
       <p:sp>
         <p:nvSpPr>
-          <p:cNvPr id="2" name="文本框 1">
-            <a:extLst>
-              <a:ext uri="{FF2B5EF4-FFF2-40B4-BE49-F238E27FC236}">
-                <a16:creationId xmlns:a16="http://schemas.microsoft.com/office/drawing/2014/main" id="{438292ED-D2E8-4262-9581-1707CDFB388D}"/>
-              </a:ext>
-            </a:extLst>
-          </p:cNvPr>
-          <p:cNvSpPr txBox="1"/>
-          <p:nvPr/>
-        </p:nvSpPr>
-        <p:spPr>
-          <a:xfrm>
-            <a:off x="3155102" y="2132856"/>
-            <a:ext cx="2808885" cy="400110"/>
-          </a:xfrm>
-          <a:prstGeom prst="rect">
-            <a:avLst/>
-          </a:prstGeom>
-          <a:noFill/>
-        </p:spPr>
-        <p:txBody>
-          <a:bodyPr wrap="square" rtlCol="0">
-            <a:spAutoFit/>
-          </a:bodyPr>
-          <a:lstStyle/>
-          <a:p>
-            <a:r>
-              <a:rPr lang="en-US" altLang="zh-CN" sz="2000" dirty="0">
-                <a:latin typeface="微软雅黑" panose="020B0503020204020204" pitchFamily="34" charset="-122"/>
-                <a:ea typeface="微软雅黑" panose="020B0503020204020204" pitchFamily="34" charset="-122"/>
-              </a:rPr>
-              <a:t>Q</a:t>
-            </a:r>
-            <a:r>
-              <a:rPr lang="zh-CN" altLang="en-US" sz="2000" dirty="0">
-                <a:latin typeface="微软雅黑" panose="020B0503020204020204" pitchFamily="34" charset="-122"/>
-                <a:ea typeface="微软雅黑" panose="020B0503020204020204" pitchFamily="34" charset="-122"/>
-              </a:rPr>
-              <a:t>：数据为什么要降维？</a:t>
-            </a:r>
-            <a:endParaRPr lang="en-US" sz="2000" dirty="0">
-              <a:latin typeface="微软雅黑" panose="020B0503020204020204" pitchFamily="34" charset="-122"/>
-              <a:ea typeface="微软雅黑" panose="020B0503020204020204" pitchFamily="34" charset="-122"/>
-            </a:endParaRPr>
-          </a:p>
-        </p:txBody>
-      </p:sp>
-      <p:sp>
-        <p:nvSpPr>
-          <p:cNvPr id="9" name="文本框 8">
-            <a:extLst>
-              <a:ext uri="{FF2B5EF4-FFF2-40B4-BE49-F238E27FC236}">
-                <a16:creationId xmlns:a16="http://schemas.microsoft.com/office/drawing/2014/main" id="{BAA7239C-6048-4F2C-8688-E366405EE940}"/>
-              </a:ext>
-            </a:extLst>
-          </p:cNvPr>
-          <p:cNvSpPr txBox="1"/>
-          <p:nvPr/>
-        </p:nvSpPr>
-        <p:spPr>
-          <a:xfrm>
-            <a:off x="2628981" y="2890133"/>
-            <a:ext cx="4392488" cy="923330"/>
-          </a:xfrm>
-          <a:prstGeom prst="rect">
-            <a:avLst/>
-          </a:prstGeom>
-          <a:noFill/>
-        </p:spPr>
-        <p:txBody>
-          <a:bodyPr wrap="square" rtlCol="0">
-            <a:spAutoFit/>
-          </a:bodyPr>
-          <a:lstStyle/>
-          <a:p>
-            <a:r>
-              <a:rPr lang="en-US" altLang="zh-CN" dirty="0">
-                <a:latin typeface="微软雅黑" panose="020B0503020204020204" pitchFamily="34" charset="-122"/>
-                <a:ea typeface="微软雅黑" panose="020B0503020204020204" pitchFamily="34" charset="-122"/>
-              </a:rPr>
-              <a:t>A</a:t>
-            </a:r>
-            <a:r>
-              <a:rPr lang="zh-CN" altLang="en-US" dirty="0">
-                <a:latin typeface="微软雅黑" panose="020B0503020204020204" pitchFamily="34" charset="-122"/>
-                <a:ea typeface="微软雅黑" panose="020B0503020204020204" pitchFamily="34" charset="-122"/>
-              </a:rPr>
-              <a:t>：数据维度过高（</a:t>
-            </a:r>
-            <a:r>
-              <a:rPr lang="en-US" altLang="zh-CN" dirty="0">
-                <a:latin typeface="微软雅黑" panose="020B0503020204020204" pitchFamily="34" charset="-122"/>
-                <a:ea typeface="微软雅黑" panose="020B0503020204020204" pitchFamily="34" charset="-122"/>
-              </a:rPr>
-              <a:t>360</a:t>
-            </a:r>
-            <a:r>
-              <a:rPr lang="zh-CN" altLang="en-US" dirty="0">
-                <a:latin typeface="微软雅黑" panose="020B0503020204020204" pitchFamily="34" charset="-122"/>
-                <a:ea typeface="微软雅黑" panose="020B0503020204020204" pitchFamily="34" charset="-122"/>
-              </a:rPr>
-              <a:t>*</a:t>
-            </a:r>
-            <a:r>
-              <a:rPr lang="en-US" altLang="zh-CN" dirty="0">
-                <a:latin typeface="微软雅黑" panose="020B0503020204020204" pitchFamily="34" charset="-122"/>
-                <a:ea typeface="微软雅黑" panose="020B0503020204020204" pitchFamily="34" charset="-122"/>
-              </a:rPr>
-              <a:t>200</a:t>
-            </a:r>
-            <a:r>
-              <a:rPr lang="zh-CN" altLang="en-US" dirty="0">
-                <a:latin typeface="微软雅黑" panose="020B0503020204020204" pitchFamily="34" charset="-122"/>
-                <a:ea typeface="微软雅黑" panose="020B0503020204020204" pitchFamily="34" charset="-122"/>
-              </a:rPr>
-              <a:t>*</a:t>
-            </a:r>
-            <a:r>
-              <a:rPr lang="en-US" altLang="zh-CN" dirty="0">
-                <a:latin typeface="微软雅黑" panose="020B0503020204020204" pitchFamily="34" charset="-122"/>
-                <a:ea typeface="微软雅黑" panose="020B0503020204020204" pitchFamily="34" charset="-122"/>
-              </a:rPr>
-              <a:t>1200</a:t>
-            </a:r>
-            <a:r>
-              <a:rPr lang="zh-CN" altLang="en-US" dirty="0">
-                <a:latin typeface="微软雅黑" panose="020B0503020204020204" pitchFamily="34" charset="-122"/>
-                <a:ea typeface="微软雅黑" panose="020B0503020204020204" pitchFamily="34" charset="-122"/>
-              </a:rPr>
-              <a:t>），直接应用特征分解计算量过大。</a:t>
-            </a:r>
-            <a:endParaRPr lang="en-US" altLang="zh-CN" dirty="0">
-              <a:latin typeface="微软雅黑" panose="020B0503020204020204" pitchFamily="34" charset="-122"/>
-              <a:ea typeface="微软雅黑" panose="020B0503020204020204" pitchFamily="34" charset="-122"/>
-            </a:endParaRPr>
-          </a:p>
-          <a:p>
-            <a:pPr marL="285750" indent="-285750">
-              <a:buFont typeface="Arial" panose="020B0604020202020204" pitchFamily="34" charset="0"/>
-              <a:buChar char="•"/>
-            </a:pPr>
-            <a:endParaRPr lang="en-US" dirty="0">
-              <a:latin typeface="微软雅黑" panose="020B0503020204020204" pitchFamily="34" charset="-122"/>
-              <a:ea typeface="微软雅黑" panose="020B0503020204020204" pitchFamily="34" charset="-122"/>
-            </a:endParaRPr>
-          </a:p>
-        </p:txBody>
-      </p:sp>
-      <p:pic>
-        <p:nvPicPr>
-          <p:cNvPr id="15" name="图片 14">
-            <a:extLst>
-              <a:ext uri="{FF2B5EF4-FFF2-40B4-BE49-F238E27FC236}">
-                <a16:creationId xmlns:a16="http://schemas.microsoft.com/office/drawing/2014/main" id="{CF2F48F4-F51B-4D48-927C-F0C564DC8AE6}"/>
-              </a:ext>
-            </a:extLst>
-          </p:cNvPr>
-          <p:cNvPicPr>
-            <a:picLocks noChangeAspect="1"/>
-          </p:cNvPicPr>
-          <p:nvPr/>
-        </p:nvPicPr>
-        <p:blipFill>
-          <a:blip r:embed="rId3"/>
-          <a:stretch>
-            <a:fillRect/>
-          </a:stretch>
-        </p:blipFill>
-        <p:spPr>
-          <a:xfrm>
-            <a:off x="2739618" y="3717032"/>
-            <a:ext cx="4119627" cy="1609078"/>
-          </a:xfrm>
-          <a:prstGeom prst="rect">
-            <a:avLst/>
-          </a:prstGeom>
-        </p:spPr>
-      </p:pic>
-      <p:sp>
-        <p:nvSpPr>
-          <p:cNvPr id="18" name="文本框 17">
-            <a:extLst>
-              <a:ext uri="{FF2B5EF4-FFF2-40B4-BE49-F238E27FC236}">
-                <a16:creationId xmlns:a16="http://schemas.microsoft.com/office/drawing/2014/main" id="{5EDAFA36-2A5D-443A-BA17-723877191E59}"/>
-              </a:ext>
-            </a:extLst>
-          </p:cNvPr>
-          <p:cNvSpPr txBox="1"/>
-          <p:nvPr/>
-        </p:nvSpPr>
-        <p:spPr>
-          <a:xfrm>
-            <a:off x="4362876" y="5435886"/>
-            <a:ext cx="924697" cy="276999"/>
-          </a:xfrm>
-          <a:prstGeom prst="rect">
-            <a:avLst/>
-          </a:prstGeom>
-          <a:noFill/>
-        </p:spPr>
-        <p:txBody>
-          <a:bodyPr wrap="square" rtlCol="0">
-            <a:spAutoFit/>
-          </a:bodyPr>
-          <a:lstStyle/>
-          <a:p>
-            <a:r>
-              <a:rPr lang="zh-CN" altLang="en-US" sz="1200" dirty="0">
-                <a:latin typeface="微软雅黑" panose="020B0503020204020204" pitchFamily="34" charset="-122"/>
-                <a:ea typeface="微软雅黑" panose="020B0503020204020204" pitchFamily="34" charset="-122"/>
-              </a:rPr>
-              <a:t>数据格式</a:t>
-            </a:r>
-            <a:endParaRPr lang="en-US" sz="1200" dirty="0">
-              <a:latin typeface="微软雅黑" panose="020B0503020204020204" pitchFamily="34" charset="-122"/>
-              <a:ea typeface="微软雅黑" panose="020B0503020204020204" pitchFamily="34" charset="-122"/>
-            </a:endParaRPr>
-          </a:p>
-        </p:txBody>
-      </p:sp>
-    </p:spTree>
-    <p:extLst>
-      <p:ext uri="{BB962C8B-B14F-4D97-AF65-F5344CB8AC3E}">
-        <p14:creationId xmlns:p14="http://schemas.microsoft.com/office/powerpoint/2010/main" val="2141793234"/>
-      </p:ext>
-    </p:extLst>
-  </p:cSld>
-  <p:clrMapOvr>
-    <a:masterClrMapping/>
-  </p:clrMapOvr>
-  <p:transition spd="med">
-    <p:push dir="u"/>
-  </p:transition>
-</p:sld>
-</file>
-
-<file path=ppt/slides/slide11.xml><?xml version="1.0" encoding="utf-8"?>
-<p:sld xmlns:a="http://schemas.openxmlformats.org/drawingml/2006/main" xmlns:r="http://schemas.openxmlformats.org/officeDocument/2006/relationships" xmlns:p="http://schemas.openxmlformats.org/presentationml/2006/main">
-  <p:cSld>
-    <p:spTree>
-      <p:nvGrpSpPr>
-        <p:cNvPr id="1" name=""/>
-        <p:cNvGrpSpPr/>
-        <p:nvPr/>
-      </p:nvGrpSpPr>
-      <p:grpSpPr>
-        <a:xfrm>
-          <a:off x="0" y="0"/>
-          <a:ext cx="0" cy="0"/>
-          <a:chOff x="0" y="0"/>
-          <a:chExt cx="0" cy="0"/>
-        </a:xfrm>
-      </p:grpSpPr>
-      <p:sp>
-        <p:nvSpPr>
-          <p:cNvPr id="37" name="矩形 36"/>
-          <p:cNvSpPr/>
-          <p:nvPr/>
-        </p:nvSpPr>
-        <p:spPr>
-          <a:xfrm>
-            <a:off x="-36512" y="-27384"/>
-            <a:ext cx="9192115" cy="6964002"/>
-          </a:xfrm>
-          <a:prstGeom prst="rect">
-            <a:avLst/>
-          </a:prstGeom>
-          <a:solidFill>
-            <a:schemeClr val="bg1">
-              <a:lumMod val="95000"/>
-            </a:schemeClr>
-          </a:solidFill>
-          <a:ln>
-            <a:noFill/>
-          </a:ln>
-        </p:spPr>
-        <p:style>
-          <a:lnRef idx="2">
-            <a:schemeClr val="accent1">
-              <a:shade val="50000"/>
-            </a:schemeClr>
-          </a:lnRef>
-          <a:fillRef idx="1">
-            <a:schemeClr val="accent1"/>
-          </a:fillRef>
-          <a:effectRef idx="0">
-            <a:schemeClr val="accent1"/>
-          </a:effectRef>
-          <a:fontRef idx="minor">
-            <a:schemeClr val="lt1"/>
-          </a:fontRef>
-        </p:style>
-        <p:txBody>
-          <a:bodyPr rtlCol="0" anchor="ctr"/>
-          <a:lstStyle/>
-          <a:p>
-            <a:pPr algn="ctr"/>
-            <a:endParaRPr lang="zh-CN" altLang="en-US" dirty="0">
-              <a:solidFill>
-                <a:schemeClr val="bg1"/>
-              </a:solidFill>
-            </a:endParaRPr>
-          </a:p>
-        </p:txBody>
-      </p:sp>
-      <p:cxnSp>
-        <p:nvCxnSpPr>
-          <p:cNvPr id="6" name="肘形连接符 5"/>
-          <p:cNvCxnSpPr/>
-          <p:nvPr/>
-        </p:nvCxnSpPr>
-        <p:spPr>
-          <a:xfrm>
-            <a:off x="971600" y="404664"/>
-            <a:ext cx="7200800" cy="216024"/>
-          </a:xfrm>
-          <a:prstGeom prst="bentConnector3">
-            <a:avLst/>
-          </a:prstGeom>
-          <a:ln w="19050">
-            <a:solidFill>
-              <a:schemeClr val="tx1">
-                <a:lumMod val="85000"/>
-                <a:lumOff val="15000"/>
-              </a:schemeClr>
-            </a:solidFill>
-            <a:prstDash val="sysDot"/>
-          </a:ln>
-        </p:spPr>
-        <p:style>
-          <a:lnRef idx="1">
-            <a:schemeClr val="accent1"/>
-          </a:lnRef>
-          <a:fillRef idx="0">
-            <a:schemeClr val="accent1"/>
-          </a:fillRef>
-          <a:effectRef idx="0">
-            <a:schemeClr val="accent1"/>
-          </a:effectRef>
-          <a:fontRef idx="minor">
-            <a:schemeClr val="tx1"/>
-          </a:fontRef>
-        </p:style>
-      </p:cxnSp>
-      <p:sp>
-        <p:nvSpPr>
-          <p:cNvPr id="8" name="TextBox 7"/>
-          <p:cNvSpPr txBox="1"/>
-          <p:nvPr/>
-        </p:nvSpPr>
-        <p:spPr>
-          <a:xfrm>
-            <a:off x="6837541" y="332656"/>
-            <a:ext cx="902811" cy="307777"/>
-          </a:xfrm>
-          <a:prstGeom prst="rect">
-            <a:avLst/>
-          </a:prstGeom>
-          <a:noFill/>
-        </p:spPr>
-        <p:txBody>
-          <a:bodyPr wrap="none" rtlCol="0">
-            <a:spAutoFit/>
-          </a:bodyPr>
-          <a:lstStyle/>
-          <a:p>
-            <a:r>
-              <a:rPr lang="zh-CN" altLang="en-US" sz="1400" dirty="0">
-                <a:latin typeface="微软雅黑" panose="020B0503020204020204" pitchFamily="34" charset="-122"/>
-                <a:ea typeface="微软雅黑" panose="020B0503020204020204" pitchFamily="34" charset="-122"/>
-              </a:rPr>
-              <a:t>解决方案</a:t>
-            </a:r>
-          </a:p>
-        </p:txBody>
-      </p:sp>
-      <p:sp>
-        <p:nvSpPr>
-          <p:cNvPr id="10" name="圆角矩形 9"/>
-          <p:cNvSpPr/>
-          <p:nvPr/>
-        </p:nvSpPr>
-        <p:spPr>
-          <a:xfrm>
-            <a:off x="971600" y="27432"/>
-            <a:ext cx="2541537" cy="332656"/>
-          </a:xfrm>
-          <a:prstGeom prst="roundRect">
-            <a:avLst>
-              <a:gd name="adj" fmla="val 46904"/>
-            </a:avLst>
-          </a:prstGeom>
-          <a:ln>
-            <a:noFill/>
-          </a:ln>
-        </p:spPr>
-        <p:style>
-          <a:lnRef idx="2">
-            <a:schemeClr val="accent1">
-              <a:shade val="50000"/>
-            </a:schemeClr>
-          </a:lnRef>
-          <a:fillRef idx="1001">
-            <a:schemeClr val="dk2"/>
-          </a:fillRef>
-          <a:effectRef idx="0">
-            <a:schemeClr val="accent1"/>
-          </a:effectRef>
-          <a:fontRef idx="minor">
-            <a:schemeClr val="lt1"/>
-          </a:fontRef>
-        </p:style>
-        <p:txBody>
-          <a:bodyPr rtlCol="0" anchor="ctr"/>
-          <a:lstStyle/>
-          <a:p>
-            <a:pPr algn="ctr"/>
-            <a:r>
-              <a:rPr lang="zh-CN" altLang="en-US" dirty="0">
-                <a:solidFill>
-                  <a:schemeClr val="bg1"/>
-                </a:solidFill>
-                <a:latin typeface="微软雅黑" panose="020B0503020204020204" pitchFamily="34" charset="-122"/>
-                <a:ea typeface="微软雅黑" panose="020B0503020204020204" pitchFamily="34" charset="-122"/>
-              </a:rPr>
-              <a:t>实验难点与解决方案</a:t>
-            </a:r>
-          </a:p>
-        </p:txBody>
-      </p:sp>
-      <p:grpSp>
-        <p:nvGrpSpPr>
-          <p:cNvPr id="7" name="组合 6"/>
-          <p:cNvGrpSpPr/>
-          <p:nvPr/>
-        </p:nvGrpSpPr>
-        <p:grpSpPr>
-          <a:xfrm rot="1612617">
-            <a:off x="8178802" y="44619"/>
-            <a:ext cx="141497" cy="1576388"/>
-            <a:chOff x="4464560" y="1504216"/>
-            <a:chExt cx="340608" cy="3644968"/>
-          </a:xfrm>
-        </p:grpSpPr>
-        <p:sp>
-          <p:nvSpPr>
-            <p:cNvPr id="3" name="矩形 2"/>
-            <p:cNvSpPr/>
-            <p:nvPr/>
-          </p:nvSpPr>
-          <p:spPr>
-            <a:xfrm>
-              <a:off x="4568617" y="1719815"/>
-              <a:ext cx="144016" cy="2646008"/>
-            </a:xfrm>
-            <a:prstGeom prst="rect">
-              <a:avLst/>
-            </a:prstGeom>
-            <a:solidFill>
-              <a:schemeClr val="bg1">
-                <a:lumMod val="65000"/>
-              </a:schemeClr>
-            </a:solidFill>
-            <a:ln>
-              <a:noFill/>
-            </a:ln>
-          </p:spPr>
-          <p:style>
-            <a:lnRef idx="2">
-              <a:schemeClr val="accent1">
-                <a:shade val="50000"/>
-              </a:schemeClr>
-            </a:lnRef>
-            <a:fillRef idx="1">
-              <a:schemeClr val="accent1"/>
-            </a:fillRef>
-            <a:effectRef idx="0">
-              <a:schemeClr val="accent1"/>
-            </a:effectRef>
-            <a:fontRef idx="minor">
-              <a:schemeClr val="lt1"/>
-            </a:fontRef>
-          </p:style>
-          <p:txBody>
-            <a:bodyPr rtlCol="0" anchor="ctr"/>
-            <a:lstStyle/>
-            <a:p>
-              <a:pPr algn="ctr"/>
-              <a:endParaRPr lang="zh-CN" altLang="en-US"/>
-            </a:p>
-          </p:txBody>
-        </p:sp>
-        <p:sp>
-          <p:nvSpPr>
-            <p:cNvPr id="11" name="矩形 10"/>
-            <p:cNvSpPr/>
-            <p:nvPr/>
-          </p:nvSpPr>
-          <p:spPr>
-            <a:xfrm>
-              <a:off x="4464560" y="1719815"/>
-              <a:ext cx="72008" cy="2646008"/>
-            </a:xfrm>
-            <a:prstGeom prst="rect">
-              <a:avLst/>
-            </a:prstGeom>
-            <a:solidFill>
-              <a:schemeClr val="bg1">
-                <a:lumMod val="65000"/>
-              </a:schemeClr>
-            </a:solidFill>
-            <a:ln>
-              <a:noFill/>
-            </a:ln>
-          </p:spPr>
-          <p:style>
-            <a:lnRef idx="2">
-              <a:schemeClr val="accent1">
-                <a:shade val="50000"/>
-              </a:schemeClr>
-            </a:lnRef>
-            <a:fillRef idx="1">
-              <a:schemeClr val="accent1"/>
-            </a:fillRef>
-            <a:effectRef idx="0">
-              <a:schemeClr val="accent1"/>
-            </a:effectRef>
-            <a:fontRef idx="minor">
-              <a:schemeClr val="lt1"/>
-            </a:fontRef>
-          </p:style>
-          <p:txBody>
-            <a:bodyPr rtlCol="0" anchor="ctr"/>
-            <a:lstStyle/>
-            <a:p>
-              <a:pPr algn="ctr"/>
-              <a:endParaRPr lang="zh-CN" altLang="en-US"/>
-            </a:p>
-          </p:txBody>
-        </p:sp>
-        <p:sp>
-          <p:nvSpPr>
-            <p:cNvPr id="13" name="矩形 12"/>
-            <p:cNvSpPr/>
-            <p:nvPr/>
-          </p:nvSpPr>
-          <p:spPr>
-            <a:xfrm>
-              <a:off x="4733160" y="1719096"/>
-              <a:ext cx="72008" cy="2646008"/>
-            </a:xfrm>
-            <a:prstGeom prst="rect">
-              <a:avLst/>
-            </a:prstGeom>
-            <a:solidFill>
-              <a:schemeClr val="bg1">
-                <a:lumMod val="65000"/>
-              </a:schemeClr>
-            </a:solidFill>
-            <a:ln>
-              <a:noFill/>
-            </a:ln>
-          </p:spPr>
-          <p:style>
-            <a:lnRef idx="2">
-              <a:schemeClr val="accent1">
-                <a:shade val="50000"/>
-              </a:schemeClr>
-            </a:lnRef>
-            <a:fillRef idx="1">
-              <a:schemeClr val="accent1"/>
-            </a:fillRef>
-            <a:effectRef idx="0">
-              <a:schemeClr val="accent1"/>
-            </a:effectRef>
-            <a:fontRef idx="minor">
-              <a:schemeClr val="lt1"/>
-            </a:fontRef>
-          </p:style>
-          <p:txBody>
-            <a:bodyPr rtlCol="0" anchor="ctr"/>
-            <a:lstStyle/>
-            <a:p>
-              <a:pPr algn="ctr"/>
-              <a:endParaRPr lang="zh-CN" altLang="en-US"/>
-            </a:p>
-          </p:txBody>
-        </p:sp>
-        <p:sp>
-          <p:nvSpPr>
-            <p:cNvPr id="4" name="圆角矩形 3"/>
-            <p:cNvSpPr/>
-            <p:nvPr/>
-          </p:nvSpPr>
-          <p:spPr>
-            <a:xfrm>
-              <a:off x="4464560" y="1504216"/>
-              <a:ext cx="340608" cy="191261"/>
-            </a:xfrm>
-            <a:prstGeom prst="roundRect">
-              <a:avLst/>
-            </a:prstGeom>
-            <a:solidFill>
-              <a:schemeClr val="bg1">
-                <a:lumMod val="65000"/>
-              </a:schemeClr>
-            </a:solidFill>
-            <a:ln>
-              <a:noFill/>
-            </a:ln>
-          </p:spPr>
-          <p:style>
-            <a:lnRef idx="2">
-              <a:schemeClr val="accent1">
-                <a:shade val="50000"/>
-              </a:schemeClr>
-            </a:lnRef>
-            <a:fillRef idx="1">
-              <a:schemeClr val="accent1"/>
-            </a:fillRef>
-            <a:effectRef idx="0">
-              <a:schemeClr val="accent1"/>
-            </a:effectRef>
-            <a:fontRef idx="minor">
-              <a:schemeClr val="lt1"/>
-            </a:fontRef>
-          </p:style>
-          <p:txBody>
-            <a:bodyPr rtlCol="0" anchor="ctr"/>
-            <a:lstStyle/>
-            <a:p>
-              <a:pPr algn="ctr"/>
-              <a:endParaRPr lang="zh-CN" altLang="en-US"/>
-            </a:p>
-          </p:txBody>
-        </p:sp>
-        <p:sp>
-          <p:nvSpPr>
-            <p:cNvPr id="5" name="任意多边形 4"/>
-            <p:cNvSpPr/>
-            <p:nvPr/>
-          </p:nvSpPr>
-          <p:spPr>
-            <a:xfrm>
-              <a:off x="4470272" y="4390232"/>
-              <a:ext cx="325752" cy="758952"/>
-            </a:xfrm>
-            <a:custGeom>
-              <a:avLst/>
-              <a:gdLst>
-                <a:gd name="connsiteX0" fmla="*/ 0 w 292608"/>
-                <a:gd name="connsiteY0" fmla="*/ 0 h 749808"/>
-                <a:gd name="connsiteX1" fmla="*/ 146304 w 292608"/>
-                <a:gd name="connsiteY1" fmla="*/ 749808 h 749808"/>
-                <a:gd name="connsiteX2" fmla="*/ 292608 w 292608"/>
-                <a:gd name="connsiteY2" fmla="*/ 36576 h 749808"/>
-                <a:gd name="connsiteX3" fmla="*/ 0 w 292608"/>
-                <a:gd name="connsiteY3" fmla="*/ 0 h 749808"/>
-                <a:gd name="connsiteX0" fmla="*/ 0 w 301752"/>
-                <a:gd name="connsiteY0" fmla="*/ 9144 h 758952"/>
-                <a:gd name="connsiteX1" fmla="*/ 146304 w 301752"/>
-                <a:gd name="connsiteY1" fmla="*/ 758952 h 758952"/>
-                <a:gd name="connsiteX2" fmla="*/ 301752 w 301752"/>
-                <a:gd name="connsiteY2" fmla="*/ 0 h 758952"/>
-                <a:gd name="connsiteX3" fmla="*/ 0 w 301752"/>
-                <a:gd name="connsiteY3" fmla="*/ 9144 h 758952"/>
-              </a:gdLst>
-              <a:ahLst/>
-              <a:cxnLst>
-                <a:cxn ang="0">
-                  <a:pos x="connsiteX0" y="connsiteY0"/>
-                </a:cxn>
-                <a:cxn ang="0">
-                  <a:pos x="connsiteX1" y="connsiteY1"/>
-                </a:cxn>
-                <a:cxn ang="0">
-                  <a:pos x="connsiteX2" y="connsiteY2"/>
-                </a:cxn>
-                <a:cxn ang="0">
-                  <a:pos x="connsiteX3" y="connsiteY3"/>
-                </a:cxn>
-              </a:cxnLst>
-              <a:rect l="l" t="t" r="r" b="b"/>
-              <a:pathLst>
-                <a:path w="301752" h="758952">
-                  <a:moveTo>
-                    <a:pt x="0" y="9144"/>
-                  </a:moveTo>
-                  <a:lnTo>
-                    <a:pt x="146304" y="758952"/>
-                  </a:lnTo>
-                  <a:lnTo>
-                    <a:pt x="301752" y="0"/>
-                  </a:lnTo>
-                  <a:lnTo>
-                    <a:pt x="0" y="9144"/>
-                  </a:lnTo>
-                  <a:close/>
-                </a:path>
-              </a:pathLst>
-            </a:custGeom>
-            <a:solidFill>
-              <a:schemeClr val="bg1">
-                <a:lumMod val="65000"/>
-              </a:schemeClr>
-            </a:solidFill>
-            <a:ln>
-              <a:noFill/>
-            </a:ln>
-          </p:spPr>
-          <p:style>
-            <a:lnRef idx="2">
-              <a:schemeClr val="accent1">
-                <a:shade val="50000"/>
-              </a:schemeClr>
-            </a:lnRef>
-            <a:fillRef idx="1">
-              <a:schemeClr val="accent1"/>
-            </a:fillRef>
-            <a:effectRef idx="0">
-              <a:schemeClr val="accent1"/>
-            </a:effectRef>
-            <a:fontRef idx="minor">
-              <a:schemeClr val="lt1"/>
-            </a:fontRef>
-          </p:style>
-          <p:txBody>
-            <a:bodyPr rtlCol="0" anchor="ctr"/>
-            <a:lstStyle/>
-            <a:p>
-              <a:pPr algn="ctr"/>
-              <a:endParaRPr lang="zh-CN" altLang="en-US"/>
-            </a:p>
-          </p:txBody>
-        </p:sp>
-      </p:grpSp>
-      <p:sp>
-        <p:nvSpPr>
-          <p:cNvPr id="16" name="任意多边形 15"/>
-          <p:cNvSpPr/>
-          <p:nvPr/>
-        </p:nvSpPr>
-        <p:spPr>
-          <a:xfrm>
-            <a:off x="8460432" y="-137160"/>
-            <a:ext cx="801630" cy="794512"/>
-          </a:xfrm>
-          <a:custGeom>
-            <a:avLst/>
-            <a:gdLst>
-              <a:gd name="connsiteX0" fmla="*/ 420624 w 777240"/>
-              <a:gd name="connsiteY0" fmla="*/ 9144 h 850392"/>
-              <a:gd name="connsiteX1" fmla="*/ 0 w 777240"/>
-              <a:gd name="connsiteY1" fmla="*/ 841248 h 850392"/>
-              <a:gd name="connsiteX2" fmla="*/ 777240 w 777240"/>
-              <a:gd name="connsiteY2" fmla="*/ 850392 h 850392"/>
-              <a:gd name="connsiteX3" fmla="*/ 777240 w 777240"/>
-              <a:gd name="connsiteY3" fmla="*/ 0 h 850392"/>
-              <a:gd name="connsiteX4" fmla="*/ 420624 w 777240"/>
-              <a:gd name="connsiteY4" fmla="*/ 9144 h 850392"/>
-              <a:gd name="connsiteX0" fmla="*/ 393192 w 749808"/>
-              <a:gd name="connsiteY0" fmla="*/ 9144 h 850392"/>
-              <a:gd name="connsiteX1" fmla="*/ 0 w 749808"/>
-              <a:gd name="connsiteY1" fmla="*/ 786384 h 850392"/>
-              <a:gd name="connsiteX2" fmla="*/ 749808 w 749808"/>
-              <a:gd name="connsiteY2" fmla="*/ 850392 h 850392"/>
-              <a:gd name="connsiteX3" fmla="*/ 749808 w 749808"/>
-              <a:gd name="connsiteY3" fmla="*/ 0 h 850392"/>
-              <a:gd name="connsiteX4" fmla="*/ 393192 w 749808"/>
-              <a:gd name="connsiteY4" fmla="*/ 9144 h 850392"/>
-              <a:gd name="connsiteX0" fmla="*/ 393192 w 749808"/>
-              <a:gd name="connsiteY0" fmla="*/ 9144 h 786384"/>
-              <a:gd name="connsiteX1" fmla="*/ 0 w 749808"/>
-              <a:gd name="connsiteY1" fmla="*/ 786384 h 786384"/>
-              <a:gd name="connsiteX2" fmla="*/ 749808 w 749808"/>
-              <a:gd name="connsiteY2" fmla="*/ 786384 h 786384"/>
-              <a:gd name="connsiteX3" fmla="*/ 749808 w 749808"/>
-              <a:gd name="connsiteY3" fmla="*/ 0 h 786384"/>
-              <a:gd name="connsiteX4" fmla="*/ 393192 w 749808"/>
-              <a:gd name="connsiteY4" fmla="*/ 9144 h 786384"/>
-              <a:gd name="connsiteX0" fmla="*/ 393192 w 749808"/>
-              <a:gd name="connsiteY0" fmla="*/ 9144 h 786384"/>
-              <a:gd name="connsiteX1" fmla="*/ 0 w 749808"/>
-              <a:gd name="connsiteY1" fmla="*/ 786384 h 786384"/>
-              <a:gd name="connsiteX2" fmla="*/ 749808 w 749808"/>
-              <a:gd name="connsiteY2" fmla="*/ 786384 h 786384"/>
-              <a:gd name="connsiteX3" fmla="*/ 749808 w 749808"/>
-              <a:gd name="connsiteY3" fmla="*/ 0 h 786384"/>
-              <a:gd name="connsiteX4" fmla="*/ 393192 w 749808"/>
-              <a:gd name="connsiteY4" fmla="*/ 9144 h 786384"/>
-              <a:gd name="connsiteX0" fmla="*/ 393192 w 749808"/>
-              <a:gd name="connsiteY0" fmla="*/ 9144 h 822960"/>
-              <a:gd name="connsiteX1" fmla="*/ 0 w 749808"/>
-              <a:gd name="connsiteY1" fmla="*/ 786384 h 822960"/>
-              <a:gd name="connsiteX2" fmla="*/ 740664 w 749808"/>
-              <a:gd name="connsiteY2" fmla="*/ 822960 h 822960"/>
-              <a:gd name="connsiteX3" fmla="*/ 749808 w 749808"/>
-              <a:gd name="connsiteY3" fmla="*/ 0 h 822960"/>
-              <a:gd name="connsiteX4" fmla="*/ 393192 w 749808"/>
-              <a:gd name="connsiteY4" fmla="*/ 9144 h 822960"/>
-              <a:gd name="connsiteX0" fmla="*/ 393192 w 786384"/>
-              <a:gd name="connsiteY0" fmla="*/ 9144 h 786384"/>
-              <a:gd name="connsiteX1" fmla="*/ 0 w 786384"/>
-              <a:gd name="connsiteY1" fmla="*/ 786384 h 786384"/>
-              <a:gd name="connsiteX2" fmla="*/ 786384 w 786384"/>
-              <a:gd name="connsiteY2" fmla="*/ 758952 h 786384"/>
-              <a:gd name="connsiteX3" fmla="*/ 749808 w 786384"/>
-              <a:gd name="connsiteY3" fmla="*/ 0 h 786384"/>
-              <a:gd name="connsiteX4" fmla="*/ 393192 w 786384"/>
-              <a:gd name="connsiteY4" fmla="*/ 9144 h 786384"/>
-              <a:gd name="connsiteX0" fmla="*/ 393192 w 795528"/>
-              <a:gd name="connsiteY0" fmla="*/ 9144 h 786384"/>
-              <a:gd name="connsiteX1" fmla="*/ 0 w 795528"/>
-              <a:gd name="connsiteY1" fmla="*/ 786384 h 786384"/>
-              <a:gd name="connsiteX2" fmla="*/ 795528 w 795528"/>
-              <a:gd name="connsiteY2" fmla="*/ 786384 h 786384"/>
-              <a:gd name="connsiteX3" fmla="*/ 749808 w 795528"/>
-              <a:gd name="connsiteY3" fmla="*/ 0 h 786384"/>
-              <a:gd name="connsiteX4" fmla="*/ 393192 w 795528"/>
-              <a:gd name="connsiteY4" fmla="*/ 9144 h 786384"/>
-              <a:gd name="connsiteX0" fmla="*/ 393192 w 801630"/>
-              <a:gd name="connsiteY0" fmla="*/ 9144 h 794512"/>
-              <a:gd name="connsiteX1" fmla="*/ 0 w 801630"/>
-              <a:gd name="connsiteY1" fmla="*/ 786384 h 794512"/>
-              <a:gd name="connsiteX2" fmla="*/ 795528 w 801630"/>
-              <a:gd name="connsiteY2" fmla="*/ 786384 h 794512"/>
-              <a:gd name="connsiteX3" fmla="*/ 749808 w 801630"/>
-              <a:gd name="connsiteY3" fmla="*/ 0 h 794512"/>
-              <a:gd name="connsiteX4" fmla="*/ 393192 w 801630"/>
-              <a:gd name="connsiteY4" fmla="*/ 9144 h 794512"/>
-            </a:gdLst>
-            <a:ahLst/>
-            <a:cxnLst>
-              <a:cxn ang="0">
-                <a:pos x="connsiteX0" y="connsiteY0"/>
-              </a:cxn>
-              <a:cxn ang="0">
-                <a:pos x="connsiteX1" y="connsiteY1"/>
-              </a:cxn>
-              <a:cxn ang="0">
-                <a:pos x="connsiteX2" y="connsiteY2"/>
-              </a:cxn>
-              <a:cxn ang="0">
-                <a:pos x="connsiteX3" y="connsiteY3"/>
-              </a:cxn>
-              <a:cxn ang="0">
-                <a:pos x="connsiteX4" y="connsiteY4"/>
-              </a:cxn>
-            </a:cxnLst>
-            <a:rect l="l" t="t" r="r" b="b"/>
-            <a:pathLst>
-              <a:path w="801630" h="794512">
-                <a:moveTo>
-                  <a:pt x="393192" y="9144"/>
-                </a:moveTo>
-                <a:lnTo>
-                  <a:pt x="0" y="786384"/>
-                </a:lnTo>
-                <a:cubicBezTo>
-                  <a:pt x="265176" y="786384"/>
-                  <a:pt x="868680" y="804672"/>
-                  <a:pt x="795528" y="786384"/>
-                </a:cubicBezTo>
-                <a:lnTo>
-                  <a:pt x="749808" y="0"/>
-                </a:lnTo>
-                <a:lnTo>
-                  <a:pt x="393192" y="9144"/>
-                </a:lnTo>
-                <a:close/>
-              </a:path>
-            </a:pathLst>
-          </a:custGeom>
-          <a:solidFill>
-            <a:schemeClr val="tx2">
-              <a:lumMod val="60000"/>
-              <a:lumOff val="40000"/>
-            </a:schemeClr>
-          </a:solidFill>
-          <a:ln>
-            <a:noFill/>
-          </a:ln>
-        </p:spPr>
-        <p:style>
-          <a:lnRef idx="2">
-            <a:schemeClr val="accent1">
-              <a:shade val="50000"/>
-            </a:schemeClr>
-          </a:lnRef>
-          <a:fillRef idx="1">
-            <a:schemeClr val="accent1"/>
-          </a:fillRef>
-          <a:effectRef idx="0">
-            <a:schemeClr val="accent1"/>
-          </a:effectRef>
-          <a:fontRef idx="minor">
-            <a:schemeClr val="lt1"/>
-          </a:fontRef>
-        </p:style>
-        <p:txBody>
-          <a:bodyPr rtlCol="0" anchor="ctr"/>
-          <a:lstStyle/>
-          <a:p>
-            <a:pPr algn="ctr"/>
-            <a:endParaRPr lang="zh-CN" altLang="en-US"/>
-          </a:p>
-        </p:txBody>
-      </p:sp>
-      <p:sp>
-        <p:nvSpPr>
-          <p:cNvPr id="14" name="TextBox 46">
-            <a:extLst>
-              <a:ext uri="{FF2B5EF4-FFF2-40B4-BE49-F238E27FC236}">
-                <a16:creationId xmlns:a16="http://schemas.microsoft.com/office/drawing/2014/main" id="{038ACC64-63F6-420B-A042-E14A9A7C9394}"/>
-              </a:ext>
-            </a:extLst>
-          </p:cNvPr>
-          <p:cNvSpPr txBox="1"/>
-          <p:nvPr/>
-        </p:nvSpPr>
-        <p:spPr>
-          <a:xfrm>
-            <a:off x="971600" y="1043485"/>
-            <a:ext cx="1512168" cy="429631"/>
-          </a:xfrm>
-          <a:prstGeom prst="rect">
-            <a:avLst/>
-          </a:prstGeom>
-          <a:noFill/>
-        </p:spPr>
-        <p:txBody>
-          <a:bodyPr wrap="none" anchor="ctr"/>
-          <a:lstStyle>
-            <a:defPPr>
-              <a:defRPr lang="zh-CN"/>
-            </a:defPPr>
-            <a:lvl1pPr>
-              <a:defRPr sz="2000">
-                <a:solidFill>
-                  <a:schemeClr val="tx1">
-                    <a:lumMod val="85000"/>
-                    <a:lumOff val="15000"/>
-                  </a:schemeClr>
-                </a:solidFill>
-                <a:latin typeface="华文行楷" pitchFamily="2" charset="-122"/>
-                <a:ea typeface="华文行楷" pitchFamily="2" charset="-122"/>
-              </a:defRPr>
-            </a:lvl1pPr>
-          </a:lstStyle>
-          <a:p>
-            <a:pPr algn="r" eaLnBrk="1" fontAlgn="auto" hangingPunct="1">
-              <a:spcBef>
-                <a:spcPts val="0"/>
-              </a:spcBef>
-              <a:spcAft>
-                <a:spcPts val="0"/>
-              </a:spcAft>
-              <a:defRPr/>
-            </a:pPr>
-            <a:r>
-              <a:rPr lang="zh-CN" altLang="en-US" sz="2400" kern="0" dirty="0">
-                <a:solidFill>
-                  <a:schemeClr val="accent6">
-                    <a:lumMod val="75000"/>
-                  </a:schemeClr>
-                </a:solidFill>
-                <a:latin typeface="微软雅黑" panose="020B0503020204020204" pitchFamily="34" charset="-122"/>
-                <a:ea typeface="微软雅黑" panose="020B0503020204020204" pitchFamily="34" charset="-122"/>
-              </a:rPr>
-              <a:t>数据降维</a:t>
-            </a:r>
-          </a:p>
-        </p:txBody>
-      </p:sp>
-      <p:sp>
-        <p:nvSpPr>
-          <p:cNvPr id="15" name="文本框 1">
-            <a:extLst>
-              <a:ext uri="{FF2B5EF4-FFF2-40B4-BE49-F238E27FC236}">
-                <a16:creationId xmlns:a16="http://schemas.microsoft.com/office/drawing/2014/main" id="{438292ED-D2E8-4262-9581-1707CDFB388D}"/>
-              </a:ext>
-            </a:extLst>
-          </p:cNvPr>
-          <p:cNvSpPr txBox="1"/>
-          <p:nvPr/>
-        </p:nvSpPr>
-        <p:spPr>
-          <a:xfrm>
-            <a:off x="3635609" y="2132856"/>
-            <a:ext cx="1872782" cy="400110"/>
-          </a:xfrm>
-          <a:prstGeom prst="rect">
-            <a:avLst/>
-          </a:prstGeom>
-          <a:noFill/>
-        </p:spPr>
-        <p:txBody>
-          <a:bodyPr wrap="square" rtlCol="0">
-            <a:spAutoFit/>
-          </a:bodyPr>
-          <a:lstStyle/>
-          <a:p>
-            <a:r>
-              <a:rPr lang="en-US" altLang="zh-CN" sz="2000" dirty="0">
-                <a:latin typeface="微软雅黑" panose="020B0503020204020204" pitchFamily="34" charset="-122"/>
-                <a:ea typeface="微软雅黑" panose="020B0503020204020204" pitchFamily="34" charset="-122"/>
-              </a:rPr>
-              <a:t>Q</a:t>
-            </a:r>
-            <a:r>
-              <a:rPr lang="zh-CN" altLang="en-US" sz="2000" dirty="0">
-                <a:latin typeface="微软雅黑" panose="020B0503020204020204" pitchFamily="34" charset="-122"/>
-                <a:ea typeface="微软雅黑" panose="020B0503020204020204" pitchFamily="34" charset="-122"/>
-              </a:rPr>
-              <a:t>：如何降维？</a:t>
-            </a:r>
-            <a:endParaRPr lang="en-US" sz="2000" dirty="0">
-              <a:latin typeface="微软雅黑" panose="020B0503020204020204" pitchFamily="34" charset="-122"/>
-              <a:ea typeface="微软雅黑" panose="020B0503020204020204" pitchFamily="34" charset="-122"/>
-            </a:endParaRPr>
-          </a:p>
-        </p:txBody>
-      </p:sp>
-      <p:sp>
-        <p:nvSpPr>
           <p:cNvPr id="17" name="文本框 16">
             <a:extLst>
               <a:ext uri="{FF2B5EF4-FFF2-40B4-BE49-F238E27FC236}">
@@ -13801,18 +12606,11 @@
           <a:p>
             <a:pPr algn="ctr"/>
             <a:r>
-              <a:rPr lang="en-US" altLang="zh-CN" sz="1200" dirty="0">
-                <a:latin typeface="微软雅黑" panose="020B0503020204020204" pitchFamily="34" charset="-122"/>
-                <a:ea typeface="微软雅黑" panose="020B0503020204020204" pitchFamily="34" charset="-122"/>
-              </a:rPr>
-              <a:t>PCA</a:t>
-            </a:r>
-            <a:r>
               <a:rPr lang="zh-CN" altLang="en-US" sz="1200" dirty="0">
                 <a:latin typeface="微软雅黑" panose="020B0503020204020204" pitchFamily="34" charset="-122"/>
                 <a:ea typeface="微软雅黑" panose="020B0503020204020204" pitchFamily="34" charset="-122"/>
               </a:rPr>
-              <a:t>流程</a:t>
+              <a:t>数据获取和降维流程</a:t>
             </a:r>
             <a:endParaRPr lang="en-US" altLang="zh-CN" sz="1200" dirty="0">
               <a:latin typeface="微软雅黑" panose="020B0503020204020204" pitchFamily="34" charset="-122"/>
@@ -14195,8 +12993,8 @@
         </p:nvSpPr>
         <p:spPr>
           <a:xfrm>
-            <a:off x="2699792" y="3201063"/>
-            <a:ext cx="648072" cy="584775"/>
+            <a:off x="2709778" y="3107510"/>
+            <a:ext cx="648072" cy="830997"/>
           </a:xfrm>
           <a:prstGeom prst="rect">
             <a:avLst/>
@@ -14212,6 +13010,12 @@
             <a:r>
               <a:rPr lang="en-US" sz="1600" dirty="0"/>
               <a:t>360</a:t>
+            </a:r>
+          </a:p>
+          <a:p>
+            <a:r>
+              <a:rPr lang="en-US" altLang="zh-CN" sz="1600" dirty="0"/>
+              <a:t>  </a:t>
             </a:r>
             <a:r>
               <a:rPr lang="zh-CN" altLang="en-US" sz="1600" dirty="0"/>
@@ -14576,940 +13380,7 @@
 </p:sld>
 </file>
 
-<file path=ppt/slides/slide12.xml><?xml version="1.0" encoding="utf-8"?>
-<p:sld xmlns:a="http://schemas.openxmlformats.org/drawingml/2006/main" xmlns:r="http://schemas.openxmlformats.org/officeDocument/2006/relationships" xmlns:p="http://schemas.openxmlformats.org/presentationml/2006/main">
-  <p:cSld>
-    <p:spTree>
-      <p:nvGrpSpPr>
-        <p:cNvPr id="1" name=""/>
-        <p:cNvGrpSpPr/>
-        <p:nvPr/>
-      </p:nvGrpSpPr>
-      <p:grpSpPr>
-        <a:xfrm>
-          <a:off x="0" y="0"/>
-          <a:ext cx="0" cy="0"/>
-          <a:chOff x="0" y="0"/>
-          <a:chExt cx="0" cy="0"/>
-        </a:xfrm>
-      </p:grpSpPr>
-      <p:sp>
-        <p:nvSpPr>
-          <p:cNvPr id="37" name="矩形 36"/>
-          <p:cNvSpPr/>
-          <p:nvPr/>
-        </p:nvSpPr>
-        <p:spPr>
-          <a:xfrm>
-            <a:off x="-36512" y="-78618"/>
-            <a:ext cx="9192115" cy="6964002"/>
-          </a:xfrm>
-          <a:prstGeom prst="rect">
-            <a:avLst/>
-          </a:prstGeom>
-          <a:solidFill>
-            <a:schemeClr val="bg1">
-              <a:lumMod val="95000"/>
-            </a:schemeClr>
-          </a:solidFill>
-          <a:ln>
-            <a:noFill/>
-          </a:ln>
-        </p:spPr>
-        <p:style>
-          <a:lnRef idx="2">
-            <a:schemeClr val="accent1">
-              <a:shade val="50000"/>
-            </a:schemeClr>
-          </a:lnRef>
-          <a:fillRef idx="1">
-            <a:schemeClr val="accent1"/>
-          </a:fillRef>
-          <a:effectRef idx="0">
-            <a:schemeClr val="accent1"/>
-          </a:effectRef>
-          <a:fontRef idx="minor">
-            <a:schemeClr val="lt1"/>
-          </a:fontRef>
-        </p:style>
-        <p:txBody>
-          <a:bodyPr rtlCol="0" anchor="ctr"/>
-          <a:lstStyle/>
-          <a:p>
-            <a:pPr algn="ctr"/>
-            <a:endParaRPr lang="zh-CN" altLang="en-US" dirty="0">
-              <a:solidFill>
-                <a:schemeClr val="bg1"/>
-              </a:solidFill>
-            </a:endParaRPr>
-          </a:p>
-        </p:txBody>
-      </p:sp>
-      <p:cxnSp>
-        <p:nvCxnSpPr>
-          <p:cNvPr id="6" name="肘形连接符 5"/>
-          <p:cNvCxnSpPr/>
-          <p:nvPr/>
-        </p:nvCxnSpPr>
-        <p:spPr>
-          <a:xfrm>
-            <a:off x="971600" y="404664"/>
-            <a:ext cx="7200800" cy="216024"/>
-          </a:xfrm>
-          <a:prstGeom prst="bentConnector3">
-            <a:avLst/>
-          </a:prstGeom>
-          <a:ln w="19050">
-            <a:solidFill>
-              <a:schemeClr val="tx1">
-                <a:lumMod val="85000"/>
-                <a:lumOff val="15000"/>
-              </a:schemeClr>
-            </a:solidFill>
-            <a:prstDash val="sysDot"/>
-          </a:ln>
-        </p:spPr>
-        <p:style>
-          <a:lnRef idx="1">
-            <a:schemeClr val="accent1"/>
-          </a:lnRef>
-          <a:fillRef idx="0">
-            <a:schemeClr val="accent1"/>
-          </a:fillRef>
-          <a:effectRef idx="0">
-            <a:schemeClr val="accent1"/>
-          </a:effectRef>
-          <a:fontRef idx="minor">
-            <a:schemeClr val="tx1"/>
-          </a:fontRef>
-        </p:style>
-      </p:cxnSp>
-      <p:sp>
-        <p:nvSpPr>
-          <p:cNvPr id="8" name="TextBox 7"/>
-          <p:cNvSpPr txBox="1"/>
-          <p:nvPr/>
-        </p:nvSpPr>
-        <p:spPr>
-          <a:xfrm>
-            <a:off x="6837541" y="332656"/>
-            <a:ext cx="902811" cy="307777"/>
-          </a:xfrm>
-          <a:prstGeom prst="rect">
-            <a:avLst/>
-          </a:prstGeom>
-          <a:noFill/>
-        </p:spPr>
-        <p:txBody>
-          <a:bodyPr wrap="none" rtlCol="0">
-            <a:spAutoFit/>
-          </a:bodyPr>
-          <a:lstStyle/>
-          <a:p>
-            <a:r>
-              <a:rPr lang="zh-CN" altLang="en-US" sz="1400" dirty="0">
-                <a:latin typeface="微软雅黑" panose="020B0503020204020204" pitchFamily="34" charset="-122"/>
-                <a:ea typeface="微软雅黑" panose="020B0503020204020204" pitchFamily="34" charset="-122"/>
-              </a:rPr>
-              <a:t>解决方案</a:t>
-            </a:r>
-          </a:p>
-        </p:txBody>
-      </p:sp>
-      <p:sp>
-        <p:nvSpPr>
-          <p:cNvPr id="10" name="圆角矩形 9"/>
-          <p:cNvSpPr/>
-          <p:nvPr/>
-        </p:nvSpPr>
-        <p:spPr>
-          <a:xfrm>
-            <a:off x="971600" y="27432"/>
-            <a:ext cx="2541537" cy="332656"/>
-          </a:xfrm>
-          <a:prstGeom prst="roundRect">
-            <a:avLst>
-              <a:gd name="adj" fmla="val 46904"/>
-            </a:avLst>
-          </a:prstGeom>
-          <a:ln>
-            <a:noFill/>
-          </a:ln>
-        </p:spPr>
-        <p:style>
-          <a:lnRef idx="2">
-            <a:schemeClr val="accent1">
-              <a:shade val="50000"/>
-            </a:schemeClr>
-          </a:lnRef>
-          <a:fillRef idx="1001">
-            <a:schemeClr val="dk2"/>
-          </a:fillRef>
-          <a:effectRef idx="0">
-            <a:schemeClr val="accent1"/>
-          </a:effectRef>
-          <a:fontRef idx="minor">
-            <a:schemeClr val="lt1"/>
-          </a:fontRef>
-        </p:style>
-        <p:txBody>
-          <a:bodyPr rtlCol="0" anchor="ctr"/>
-          <a:lstStyle/>
-          <a:p>
-            <a:pPr algn="ctr"/>
-            <a:r>
-              <a:rPr lang="zh-CN" altLang="en-US" dirty="0">
-                <a:solidFill>
-                  <a:schemeClr val="bg1"/>
-                </a:solidFill>
-                <a:latin typeface="微软雅黑" panose="020B0503020204020204" pitchFamily="34" charset="-122"/>
-                <a:ea typeface="微软雅黑" panose="020B0503020204020204" pitchFamily="34" charset="-122"/>
-              </a:rPr>
-              <a:t>实验难点与解决方案</a:t>
-            </a:r>
-          </a:p>
-        </p:txBody>
-      </p:sp>
-      <p:grpSp>
-        <p:nvGrpSpPr>
-          <p:cNvPr id="7" name="组合 6"/>
-          <p:cNvGrpSpPr/>
-          <p:nvPr/>
-        </p:nvGrpSpPr>
-        <p:grpSpPr>
-          <a:xfrm rot="1612617">
-            <a:off x="8178802" y="44619"/>
-            <a:ext cx="141497" cy="1576388"/>
-            <a:chOff x="4464560" y="1504216"/>
-            <a:chExt cx="340608" cy="3644968"/>
-          </a:xfrm>
-        </p:grpSpPr>
-        <p:sp>
-          <p:nvSpPr>
-            <p:cNvPr id="3" name="矩形 2"/>
-            <p:cNvSpPr/>
-            <p:nvPr/>
-          </p:nvSpPr>
-          <p:spPr>
-            <a:xfrm>
-              <a:off x="4568617" y="1719815"/>
-              <a:ext cx="144016" cy="2646008"/>
-            </a:xfrm>
-            <a:prstGeom prst="rect">
-              <a:avLst/>
-            </a:prstGeom>
-            <a:solidFill>
-              <a:schemeClr val="bg1">
-                <a:lumMod val="65000"/>
-              </a:schemeClr>
-            </a:solidFill>
-            <a:ln>
-              <a:noFill/>
-            </a:ln>
-          </p:spPr>
-          <p:style>
-            <a:lnRef idx="2">
-              <a:schemeClr val="accent1">
-                <a:shade val="50000"/>
-              </a:schemeClr>
-            </a:lnRef>
-            <a:fillRef idx="1">
-              <a:schemeClr val="accent1"/>
-            </a:fillRef>
-            <a:effectRef idx="0">
-              <a:schemeClr val="accent1"/>
-            </a:effectRef>
-            <a:fontRef idx="minor">
-              <a:schemeClr val="lt1"/>
-            </a:fontRef>
-          </p:style>
-          <p:txBody>
-            <a:bodyPr rtlCol="0" anchor="ctr"/>
-            <a:lstStyle/>
-            <a:p>
-              <a:pPr algn="ctr"/>
-              <a:endParaRPr lang="zh-CN" altLang="en-US"/>
-            </a:p>
-          </p:txBody>
-        </p:sp>
-        <p:sp>
-          <p:nvSpPr>
-            <p:cNvPr id="11" name="矩形 10"/>
-            <p:cNvSpPr/>
-            <p:nvPr/>
-          </p:nvSpPr>
-          <p:spPr>
-            <a:xfrm>
-              <a:off x="4464560" y="1719815"/>
-              <a:ext cx="72008" cy="2646008"/>
-            </a:xfrm>
-            <a:prstGeom prst="rect">
-              <a:avLst/>
-            </a:prstGeom>
-            <a:solidFill>
-              <a:schemeClr val="bg1">
-                <a:lumMod val="65000"/>
-              </a:schemeClr>
-            </a:solidFill>
-            <a:ln>
-              <a:noFill/>
-            </a:ln>
-          </p:spPr>
-          <p:style>
-            <a:lnRef idx="2">
-              <a:schemeClr val="accent1">
-                <a:shade val="50000"/>
-              </a:schemeClr>
-            </a:lnRef>
-            <a:fillRef idx="1">
-              <a:schemeClr val="accent1"/>
-            </a:fillRef>
-            <a:effectRef idx="0">
-              <a:schemeClr val="accent1"/>
-            </a:effectRef>
-            <a:fontRef idx="minor">
-              <a:schemeClr val="lt1"/>
-            </a:fontRef>
-          </p:style>
-          <p:txBody>
-            <a:bodyPr rtlCol="0" anchor="ctr"/>
-            <a:lstStyle/>
-            <a:p>
-              <a:pPr algn="ctr"/>
-              <a:endParaRPr lang="zh-CN" altLang="en-US"/>
-            </a:p>
-          </p:txBody>
-        </p:sp>
-        <p:sp>
-          <p:nvSpPr>
-            <p:cNvPr id="13" name="矩形 12"/>
-            <p:cNvSpPr/>
-            <p:nvPr/>
-          </p:nvSpPr>
-          <p:spPr>
-            <a:xfrm>
-              <a:off x="4733160" y="1719096"/>
-              <a:ext cx="72008" cy="2646008"/>
-            </a:xfrm>
-            <a:prstGeom prst="rect">
-              <a:avLst/>
-            </a:prstGeom>
-            <a:solidFill>
-              <a:schemeClr val="bg1">
-                <a:lumMod val="65000"/>
-              </a:schemeClr>
-            </a:solidFill>
-            <a:ln>
-              <a:noFill/>
-            </a:ln>
-          </p:spPr>
-          <p:style>
-            <a:lnRef idx="2">
-              <a:schemeClr val="accent1">
-                <a:shade val="50000"/>
-              </a:schemeClr>
-            </a:lnRef>
-            <a:fillRef idx="1">
-              <a:schemeClr val="accent1"/>
-            </a:fillRef>
-            <a:effectRef idx="0">
-              <a:schemeClr val="accent1"/>
-            </a:effectRef>
-            <a:fontRef idx="minor">
-              <a:schemeClr val="lt1"/>
-            </a:fontRef>
-          </p:style>
-          <p:txBody>
-            <a:bodyPr rtlCol="0" anchor="ctr"/>
-            <a:lstStyle/>
-            <a:p>
-              <a:pPr algn="ctr"/>
-              <a:endParaRPr lang="zh-CN" altLang="en-US"/>
-            </a:p>
-          </p:txBody>
-        </p:sp>
-        <p:sp>
-          <p:nvSpPr>
-            <p:cNvPr id="4" name="圆角矩形 3"/>
-            <p:cNvSpPr/>
-            <p:nvPr/>
-          </p:nvSpPr>
-          <p:spPr>
-            <a:xfrm>
-              <a:off x="4464560" y="1504216"/>
-              <a:ext cx="340608" cy="191261"/>
-            </a:xfrm>
-            <a:prstGeom prst="roundRect">
-              <a:avLst/>
-            </a:prstGeom>
-            <a:solidFill>
-              <a:schemeClr val="bg1">
-                <a:lumMod val="65000"/>
-              </a:schemeClr>
-            </a:solidFill>
-            <a:ln>
-              <a:noFill/>
-            </a:ln>
-          </p:spPr>
-          <p:style>
-            <a:lnRef idx="2">
-              <a:schemeClr val="accent1">
-                <a:shade val="50000"/>
-              </a:schemeClr>
-            </a:lnRef>
-            <a:fillRef idx="1">
-              <a:schemeClr val="accent1"/>
-            </a:fillRef>
-            <a:effectRef idx="0">
-              <a:schemeClr val="accent1"/>
-            </a:effectRef>
-            <a:fontRef idx="minor">
-              <a:schemeClr val="lt1"/>
-            </a:fontRef>
-          </p:style>
-          <p:txBody>
-            <a:bodyPr rtlCol="0" anchor="ctr"/>
-            <a:lstStyle/>
-            <a:p>
-              <a:pPr algn="ctr"/>
-              <a:endParaRPr lang="zh-CN" altLang="en-US"/>
-            </a:p>
-          </p:txBody>
-        </p:sp>
-        <p:sp>
-          <p:nvSpPr>
-            <p:cNvPr id="5" name="任意多边形 4"/>
-            <p:cNvSpPr/>
-            <p:nvPr/>
-          </p:nvSpPr>
-          <p:spPr>
-            <a:xfrm>
-              <a:off x="4470272" y="4390232"/>
-              <a:ext cx="325752" cy="758952"/>
-            </a:xfrm>
-            <a:custGeom>
-              <a:avLst/>
-              <a:gdLst>
-                <a:gd name="connsiteX0" fmla="*/ 0 w 292608"/>
-                <a:gd name="connsiteY0" fmla="*/ 0 h 749808"/>
-                <a:gd name="connsiteX1" fmla="*/ 146304 w 292608"/>
-                <a:gd name="connsiteY1" fmla="*/ 749808 h 749808"/>
-                <a:gd name="connsiteX2" fmla="*/ 292608 w 292608"/>
-                <a:gd name="connsiteY2" fmla="*/ 36576 h 749808"/>
-                <a:gd name="connsiteX3" fmla="*/ 0 w 292608"/>
-                <a:gd name="connsiteY3" fmla="*/ 0 h 749808"/>
-                <a:gd name="connsiteX0" fmla="*/ 0 w 301752"/>
-                <a:gd name="connsiteY0" fmla="*/ 9144 h 758952"/>
-                <a:gd name="connsiteX1" fmla="*/ 146304 w 301752"/>
-                <a:gd name="connsiteY1" fmla="*/ 758952 h 758952"/>
-                <a:gd name="connsiteX2" fmla="*/ 301752 w 301752"/>
-                <a:gd name="connsiteY2" fmla="*/ 0 h 758952"/>
-                <a:gd name="connsiteX3" fmla="*/ 0 w 301752"/>
-                <a:gd name="connsiteY3" fmla="*/ 9144 h 758952"/>
-              </a:gdLst>
-              <a:ahLst/>
-              <a:cxnLst>
-                <a:cxn ang="0">
-                  <a:pos x="connsiteX0" y="connsiteY0"/>
-                </a:cxn>
-                <a:cxn ang="0">
-                  <a:pos x="connsiteX1" y="connsiteY1"/>
-                </a:cxn>
-                <a:cxn ang="0">
-                  <a:pos x="connsiteX2" y="connsiteY2"/>
-                </a:cxn>
-                <a:cxn ang="0">
-                  <a:pos x="connsiteX3" y="connsiteY3"/>
-                </a:cxn>
-              </a:cxnLst>
-              <a:rect l="l" t="t" r="r" b="b"/>
-              <a:pathLst>
-                <a:path w="301752" h="758952">
-                  <a:moveTo>
-                    <a:pt x="0" y="9144"/>
-                  </a:moveTo>
-                  <a:lnTo>
-                    <a:pt x="146304" y="758952"/>
-                  </a:lnTo>
-                  <a:lnTo>
-                    <a:pt x="301752" y="0"/>
-                  </a:lnTo>
-                  <a:lnTo>
-                    <a:pt x="0" y="9144"/>
-                  </a:lnTo>
-                  <a:close/>
-                </a:path>
-              </a:pathLst>
-            </a:custGeom>
-            <a:solidFill>
-              <a:schemeClr val="bg1">
-                <a:lumMod val="65000"/>
-              </a:schemeClr>
-            </a:solidFill>
-            <a:ln>
-              <a:noFill/>
-            </a:ln>
-          </p:spPr>
-          <p:style>
-            <a:lnRef idx="2">
-              <a:schemeClr val="accent1">
-                <a:shade val="50000"/>
-              </a:schemeClr>
-            </a:lnRef>
-            <a:fillRef idx="1">
-              <a:schemeClr val="accent1"/>
-            </a:fillRef>
-            <a:effectRef idx="0">
-              <a:schemeClr val="accent1"/>
-            </a:effectRef>
-            <a:fontRef idx="minor">
-              <a:schemeClr val="lt1"/>
-            </a:fontRef>
-          </p:style>
-          <p:txBody>
-            <a:bodyPr rtlCol="0" anchor="ctr"/>
-            <a:lstStyle/>
-            <a:p>
-              <a:pPr algn="ctr"/>
-              <a:endParaRPr lang="zh-CN" altLang="en-US"/>
-            </a:p>
-          </p:txBody>
-        </p:sp>
-      </p:grpSp>
-      <p:sp>
-        <p:nvSpPr>
-          <p:cNvPr id="16" name="任意多边形 15"/>
-          <p:cNvSpPr/>
-          <p:nvPr/>
-        </p:nvSpPr>
-        <p:spPr>
-          <a:xfrm>
-            <a:off x="8460432" y="-137160"/>
-            <a:ext cx="801630" cy="794512"/>
-          </a:xfrm>
-          <a:custGeom>
-            <a:avLst/>
-            <a:gdLst>
-              <a:gd name="connsiteX0" fmla="*/ 420624 w 777240"/>
-              <a:gd name="connsiteY0" fmla="*/ 9144 h 850392"/>
-              <a:gd name="connsiteX1" fmla="*/ 0 w 777240"/>
-              <a:gd name="connsiteY1" fmla="*/ 841248 h 850392"/>
-              <a:gd name="connsiteX2" fmla="*/ 777240 w 777240"/>
-              <a:gd name="connsiteY2" fmla="*/ 850392 h 850392"/>
-              <a:gd name="connsiteX3" fmla="*/ 777240 w 777240"/>
-              <a:gd name="connsiteY3" fmla="*/ 0 h 850392"/>
-              <a:gd name="connsiteX4" fmla="*/ 420624 w 777240"/>
-              <a:gd name="connsiteY4" fmla="*/ 9144 h 850392"/>
-              <a:gd name="connsiteX0" fmla="*/ 393192 w 749808"/>
-              <a:gd name="connsiteY0" fmla="*/ 9144 h 850392"/>
-              <a:gd name="connsiteX1" fmla="*/ 0 w 749808"/>
-              <a:gd name="connsiteY1" fmla="*/ 786384 h 850392"/>
-              <a:gd name="connsiteX2" fmla="*/ 749808 w 749808"/>
-              <a:gd name="connsiteY2" fmla="*/ 850392 h 850392"/>
-              <a:gd name="connsiteX3" fmla="*/ 749808 w 749808"/>
-              <a:gd name="connsiteY3" fmla="*/ 0 h 850392"/>
-              <a:gd name="connsiteX4" fmla="*/ 393192 w 749808"/>
-              <a:gd name="connsiteY4" fmla="*/ 9144 h 850392"/>
-              <a:gd name="connsiteX0" fmla="*/ 393192 w 749808"/>
-              <a:gd name="connsiteY0" fmla="*/ 9144 h 786384"/>
-              <a:gd name="connsiteX1" fmla="*/ 0 w 749808"/>
-              <a:gd name="connsiteY1" fmla="*/ 786384 h 786384"/>
-              <a:gd name="connsiteX2" fmla="*/ 749808 w 749808"/>
-              <a:gd name="connsiteY2" fmla="*/ 786384 h 786384"/>
-              <a:gd name="connsiteX3" fmla="*/ 749808 w 749808"/>
-              <a:gd name="connsiteY3" fmla="*/ 0 h 786384"/>
-              <a:gd name="connsiteX4" fmla="*/ 393192 w 749808"/>
-              <a:gd name="connsiteY4" fmla="*/ 9144 h 786384"/>
-              <a:gd name="connsiteX0" fmla="*/ 393192 w 749808"/>
-              <a:gd name="connsiteY0" fmla="*/ 9144 h 786384"/>
-              <a:gd name="connsiteX1" fmla="*/ 0 w 749808"/>
-              <a:gd name="connsiteY1" fmla="*/ 786384 h 786384"/>
-              <a:gd name="connsiteX2" fmla="*/ 749808 w 749808"/>
-              <a:gd name="connsiteY2" fmla="*/ 786384 h 786384"/>
-              <a:gd name="connsiteX3" fmla="*/ 749808 w 749808"/>
-              <a:gd name="connsiteY3" fmla="*/ 0 h 786384"/>
-              <a:gd name="connsiteX4" fmla="*/ 393192 w 749808"/>
-              <a:gd name="connsiteY4" fmla="*/ 9144 h 786384"/>
-              <a:gd name="connsiteX0" fmla="*/ 393192 w 749808"/>
-              <a:gd name="connsiteY0" fmla="*/ 9144 h 822960"/>
-              <a:gd name="connsiteX1" fmla="*/ 0 w 749808"/>
-              <a:gd name="connsiteY1" fmla="*/ 786384 h 822960"/>
-              <a:gd name="connsiteX2" fmla="*/ 740664 w 749808"/>
-              <a:gd name="connsiteY2" fmla="*/ 822960 h 822960"/>
-              <a:gd name="connsiteX3" fmla="*/ 749808 w 749808"/>
-              <a:gd name="connsiteY3" fmla="*/ 0 h 822960"/>
-              <a:gd name="connsiteX4" fmla="*/ 393192 w 749808"/>
-              <a:gd name="connsiteY4" fmla="*/ 9144 h 822960"/>
-              <a:gd name="connsiteX0" fmla="*/ 393192 w 786384"/>
-              <a:gd name="connsiteY0" fmla="*/ 9144 h 786384"/>
-              <a:gd name="connsiteX1" fmla="*/ 0 w 786384"/>
-              <a:gd name="connsiteY1" fmla="*/ 786384 h 786384"/>
-              <a:gd name="connsiteX2" fmla="*/ 786384 w 786384"/>
-              <a:gd name="connsiteY2" fmla="*/ 758952 h 786384"/>
-              <a:gd name="connsiteX3" fmla="*/ 749808 w 786384"/>
-              <a:gd name="connsiteY3" fmla="*/ 0 h 786384"/>
-              <a:gd name="connsiteX4" fmla="*/ 393192 w 786384"/>
-              <a:gd name="connsiteY4" fmla="*/ 9144 h 786384"/>
-              <a:gd name="connsiteX0" fmla="*/ 393192 w 795528"/>
-              <a:gd name="connsiteY0" fmla="*/ 9144 h 786384"/>
-              <a:gd name="connsiteX1" fmla="*/ 0 w 795528"/>
-              <a:gd name="connsiteY1" fmla="*/ 786384 h 786384"/>
-              <a:gd name="connsiteX2" fmla="*/ 795528 w 795528"/>
-              <a:gd name="connsiteY2" fmla="*/ 786384 h 786384"/>
-              <a:gd name="connsiteX3" fmla="*/ 749808 w 795528"/>
-              <a:gd name="connsiteY3" fmla="*/ 0 h 786384"/>
-              <a:gd name="connsiteX4" fmla="*/ 393192 w 795528"/>
-              <a:gd name="connsiteY4" fmla="*/ 9144 h 786384"/>
-              <a:gd name="connsiteX0" fmla="*/ 393192 w 801630"/>
-              <a:gd name="connsiteY0" fmla="*/ 9144 h 794512"/>
-              <a:gd name="connsiteX1" fmla="*/ 0 w 801630"/>
-              <a:gd name="connsiteY1" fmla="*/ 786384 h 794512"/>
-              <a:gd name="connsiteX2" fmla="*/ 795528 w 801630"/>
-              <a:gd name="connsiteY2" fmla="*/ 786384 h 794512"/>
-              <a:gd name="connsiteX3" fmla="*/ 749808 w 801630"/>
-              <a:gd name="connsiteY3" fmla="*/ 0 h 794512"/>
-              <a:gd name="connsiteX4" fmla="*/ 393192 w 801630"/>
-              <a:gd name="connsiteY4" fmla="*/ 9144 h 794512"/>
-            </a:gdLst>
-            <a:ahLst/>
-            <a:cxnLst>
-              <a:cxn ang="0">
-                <a:pos x="connsiteX0" y="connsiteY0"/>
-              </a:cxn>
-              <a:cxn ang="0">
-                <a:pos x="connsiteX1" y="connsiteY1"/>
-              </a:cxn>
-              <a:cxn ang="0">
-                <a:pos x="connsiteX2" y="connsiteY2"/>
-              </a:cxn>
-              <a:cxn ang="0">
-                <a:pos x="connsiteX3" y="connsiteY3"/>
-              </a:cxn>
-              <a:cxn ang="0">
-                <a:pos x="connsiteX4" y="connsiteY4"/>
-              </a:cxn>
-            </a:cxnLst>
-            <a:rect l="l" t="t" r="r" b="b"/>
-            <a:pathLst>
-              <a:path w="801630" h="794512">
-                <a:moveTo>
-                  <a:pt x="393192" y="9144"/>
-                </a:moveTo>
-                <a:lnTo>
-                  <a:pt x="0" y="786384"/>
-                </a:lnTo>
-                <a:cubicBezTo>
-                  <a:pt x="265176" y="786384"/>
-                  <a:pt x="868680" y="804672"/>
-                  <a:pt x="795528" y="786384"/>
-                </a:cubicBezTo>
-                <a:lnTo>
-                  <a:pt x="749808" y="0"/>
-                </a:lnTo>
-                <a:lnTo>
-                  <a:pt x="393192" y="9144"/>
-                </a:lnTo>
-                <a:close/>
-              </a:path>
-            </a:pathLst>
-          </a:custGeom>
-          <a:solidFill>
-            <a:schemeClr val="tx2">
-              <a:lumMod val="60000"/>
-              <a:lumOff val="40000"/>
-            </a:schemeClr>
-          </a:solidFill>
-          <a:ln>
-            <a:noFill/>
-          </a:ln>
-        </p:spPr>
-        <p:style>
-          <a:lnRef idx="2">
-            <a:schemeClr val="accent1">
-              <a:shade val="50000"/>
-            </a:schemeClr>
-          </a:lnRef>
-          <a:fillRef idx="1">
-            <a:schemeClr val="accent1"/>
-          </a:fillRef>
-          <a:effectRef idx="0">
-            <a:schemeClr val="accent1"/>
-          </a:effectRef>
-          <a:fontRef idx="minor">
-            <a:schemeClr val="lt1"/>
-          </a:fontRef>
-        </p:style>
-        <p:txBody>
-          <a:bodyPr rtlCol="0" anchor="ctr"/>
-          <a:lstStyle/>
-          <a:p>
-            <a:pPr algn="ctr"/>
-            <a:endParaRPr lang="zh-CN" altLang="en-US"/>
-          </a:p>
-        </p:txBody>
-      </p:sp>
-      <p:sp>
-        <p:nvSpPr>
-          <p:cNvPr id="14" name="TextBox 46">
-            <a:extLst>
-              <a:ext uri="{FF2B5EF4-FFF2-40B4-BE49-F238E27FC236}">
-                <a16:creationId xmlns:a16="http://schemas.microsoft.com/office/drawing/2014/main" id="{038ACC64-63F6-420B-A042-E14A9A7C9394}"/>
-              </a:ext>
-            </a:extLst>
-          </p:cNvPr>
-          <p:cNvSpPr txBox="1"/>
-          <p:nvPr/>
-        </p:nvSpPr>
-        <p:spPr>
-          <a:xfrm>
-            <a:off x="971600" y="1043485"/>
-            <a:ext cx="1512168" cy="429631"/>
-          </a:xfrm>
-          <a:prstGeom prst="rect">
-            <a:avLst/>
-          </a:prstGeom>
-          <a:noFill/>
-        </p:spPr>
-        <p:txBody>
-          <a:bodyPr wrap="none" anchor="ctr"/>
-          <a:lstStyle>
-            <a:defPPr>
-              <a:defRPr lang="zh-CN"/>
-            </a:defPPr>
-            <a:lvl1pPr>
-              <a:defRPr sz="2000">
-                <a:solidFill>
-                  <a:schemeClr val="tx1">
-                    <a:lumMod val="85000"/>
-                    <a:lumOff val="15000"/>
-                  </a:schemeClr>
-                </a:solidFill>
-                <a:latin typeface="华文行楷" pitchFamily="2" charset="-122"/>
-                <a:ea typeface="华文行楷" pitchFamily="2" charset="-122"/>
-              </a:defRPr>
-            </a:lvl1pPr>
-          </a:lstStyle>
-          <a:p>
-            <a:pPr algn="r" eaLnBrk="1" fontAlgn="auto" hangingPunct="1">
-              <a:spcBef>
-                <a:spcPts val="0"/>
-              </a:spcBef>
-              <a:spcAft>
-                <a:spcPts val="0"/>
-              </a:spcAft>
-              <a:defRPr/>
-            </a:pPr>
-            <a:r>
-              <a:rPr lang="zh-CN" altLang="en-US" sz="2400" kern="0" dirty="0">
-                <a:solidFill>
-                  <a:schemeClr val="accent6">
-                    <a:lumMod val="75000"/>
-                  </a:schemeClr>
-                </a:solidFill>
-                <a:latin typeface="微软雅黑" panose="020B0503020204020204" pitchFamily="34" charset="-122"/>
-                <a:ea typeface="微软雅黑" panose="020B0503020204020204" pitchFamily="34" charset="-122"/>
-              </a:rPr>
-              <a:t>数据降维</a:t>
-            </a:r>
-          </a:p>
-        </p:txBody>
-      </p:sp>
-      <p:sp>
-        <p:nvSpPr>
-          <p:cNvPr id="15" name="文本框 1">
-            <a:extLst>
-              <a:ext uri="{FF2B5EF4-FFF2-40B4-BE49-F238E27FC236}">
-                <a16:creationId xmlns:a16="http://schemas.microsoft.com/office/drawing/2014/main" id="{438292ED-D2E8-4262-9581-1707CDFB388D}"/>
-              </a:ext>
-            </a:extLst>
-          </p:cNvPr>
-          <p:cNvSpPr txBox="1"/>
-          <p:nvPr/>
-        </p:nvSpPr>
-        <p:spPr>
-          <a:xfrm>
-            <a:off x="3491736" y="2132856"/>
-            <a:ext cx="2160527" cy="400110"/>
-          </a:xfrm>
-          <a:prstGeom prst="rect">
-            <a:avLst/>
-          </a:prstGeom>
-          <a:noFill/>
-        </p:spPr>
-        <p:txBody>
-          <a:bodyPr wrap="square" rtlCol="0">
-            <a:spAutoFit/>
-          </a:bodyPr>
-          <a:lstStyle/>
-          <a:p>
-            <a:r>
-              <a:rPr lang="en-US" altLang="zh-CN" sz="2000" dirty="0">
-                <a:latin typeface="微软雅黑" panose="020B0503020204020204" pitchFamily="34" charset="-122"/>
-                <a:ea typeface="微软雅黑" panose="020B0503020204020204" pitchFamily="34" charset="-122"/>
-              </a:rPr>
-              <a:t>Q</a:t>
-            </a:r>
-            <a:r>
-              <a:rPr lang="zh-CN" altLang="en-US" sz="2000" dirty="0">
-                <a:latin typeface="微软雅黑" panose="020B0503020204020204" pitchFamily="34" charset="-122"/>
-                <a:ea typeface="微软雅黑" panose="020B0503020204020204" pitchFamily="34" charset="-122"/>
-              </a:rPr>
-              <a:t>：</a:t>
-            </a:r>
-            <a:r>
-              <a:rPr lang="en-US" altLang="zh-CN" sz="2000" dirty="0">
-                <a:latin typeface="微软雅黑" panose="020B0503020204020204" pitchFamily="34" charset="-122"/>
-                <a:ea typeface="微软雅黑" panose="020B0503020204020204" pitchFamily="34" charset="-122"/>
-              </a:rPr>
-              <a:t>PC</a:t>
-            </a:r>
-            <a:r>
-              <a:rPr lang="zh-CN" altLang="en-US" sz="2000" dirty="0">
-                <a:latin typeface="微软雅黑" panose="020B0503020204020204" pitchFamily="34" charset="-122"/>
-                <a:ea typeface="微软雅黑" panose="020B0503020204020204" pitchFamily="34" charset="-122"/>
-              </a:rPr>
-              <a:t>数目选取？</a:t>
-            </a:r>
-            <a:endParaRPr lang="en-US" sz="2000" dirty="0">
-              <a:latin typeface="微软雅黑" panose="020B0503020204020204" pitchFamily="34" charset="-122"/>
-              <a:ea typeface="微软雅黑" panose="020B0503020204020204" pitchFamily="34" charset="-122"/>
-            </a:endParaRPr>
-          </a:p>
-        </p:txBody>
-      </p:sp>
-      <p:pic>
-        <p:nvPicPr>
-          <p:cNvPr id="17" name="图片 16" descr="C:\Users\Kris\AppData\Local\Microsoft\Windows\INetCache\Content.Word\Screen Shot 2017-05-18 at11.49.58 AM.PNG">
-            <a:extLst>
-              <a:ext uri="{FF2B5EF4-FFF2-40B4-BE49-F238E27FC236}">
-                <a16:creationId xmlns:a16="http://schemas.microsoft.com/office/drawing/2014/main" id="{FB8F0208-5C7C-4F6B-AD12-051A6B48CEFC}"/>
-              </a:ext>
-            </a:extLst>
-          </p:cNvPr>
-          <p:cNvPicPr/>
-          <p:nvPr/>
-        </p:nvPicPr>
-        <p:blipFill>
-          <a:blip r:embed="rId3" cstate="print">
-            <a:extLst>
-              <a:ext uri="{28A0092B-C50C-407E-A947-70E740481C1C}">
-                <a14:useLocalDpi xmlns:a14="http://schemas.microsoft.com/office/drawing/2010/main" val="0"/>
-              </a:ext>
-            </a:extLst>
-          </a:blip>
-          <a:srcRect/>
-          <a:stretch>
-            <a:fillRect/>
-          </a:stretch>
-        </p:blipFill>
-        <p:spPr bwMode="auto">
-          <a:xfrm>
-            <a:off x="2464225" y="2593144"/>
-            <a:ext cx="4484039" cy="3644168"/>
-          </a:xfrm>
-          <a:prstGeom prst="rect">
-            <a:avLst/>
-          </a:prstGeom>
-          <a:noFill/>
-          <a:ln>
-            <a:noFill/>
-          </a:ln>
-        </p:spPr>
-      </p:pic>
-      <p:sp>
-        <p:nvSpPr>
-          <p:cNvPr id="2" name="文本框 1">
-            <a:extLst>
-              <a:ext uri="{FF2B5EF4-FFF2-40B4-BE49-F238E27FC236}">
-                <a16:creationId xmlns:a16="http://schemas.microsoft.com/office/drawing/2014/main" id="{7E5DC1FD-53DC-4E23-8264-3C15899C53E5}"/>
-              </a:ext>
-            </a:extLst>
-          </p:cNvPr>
-          <p:cNvSpPr txBox="1"/>
-          <p:nvPr/>
-        </p:nvSpPr>
-        <p:spPr>
-          <a:xfrm>
-            <a:off x="3779912" y="6320353"/>
-            <a:ext cx="2388617" cy="276999"/>
-          </a:xfrm>
-          <a:prstGeom prst="rect">
-            <a:avLst/>
-          </a:prstGeom>
-          <a:noFill/>
-        </p:spPr>
-        <p:txBody>
-          <a:bodyPr wrap="square" rtlCol="0">
-            <a:spAutoFit/>
-          </a:bodyPr>
-          <a:lstStyle/>
-          <a:p>
-            <a:r>
-              <a:rPr lang="zh-CN" altLang="en-US" sz="1200" dirty="0">
-                <a:latin typeface="微软雅黑" panose="020B0503020204020204" pitchFamily="34" charset="-122"/>
-                <a:ea typeface="微软雅黑" panose="020B0503020204020204" pitchFamily="34" charset="-122"/>
-              </a:rPr>
-              <a:t>相对误差</a:t>
-            </a:r>
-            <a:r>
-              <a:rPr lang="en-US" altLang="zh-CN" sz="1200" dirty="0">
-                <a:latin typeface="微软雅黑" panose="020B0503020204020204" pitchFamily="34" charset="-122"/>
-                <a:ea typeface="微软雅黑" panose="020B0503020204020204" pitchFamily="34" charset="-122"/>
-              </a:rPr>
-              <a:t>(</a:t>
-            </a:r>
-            <a:r>
-              <a:rPr lang="zh-CN" altLang="en-US" sz="1200" dirty="0">
-                <a:latin typeface="微软雅黑" panose="020B0503020204020204" pitchFamily="34" charset="-122"/>
-                <a:ea typeface="微软雅黑" panose="020B0503020204020204" pitchFamily="34" charset="-122"/>
-              </a:rPr>
-              <a:t>实验中选</a:t>
-            </a:r>
-            <a:r>
-              <a:rPr lang="en-US" altLang="zh-CN" sz="1200" dirty="0">
-                <a:latin typeface="微软雅黑" panose="020B0503020204020204" pitchFamily="34" charset="-122"/>
-                <a:ea typeface="微软雅黑" panose="020B0503020204020204" pitchFamily="34" charset="-122"/>
-              </a:rPr>
-              <a:t>80</a:t>
-            </a:r>
-            <a:r>
-              <a:rPr lang="zh-CN" altLang="en-US" sz="1200" dirty="0">
-                <a:latin typeface="微软雅黑" panose="020B0503020204020204" pitchFamily="34" charset="-122"/>
-                <a:ea typeface="微软雅黑" panose="020B0503020204020204" pitchFamily="34" charset="-122"/>
-              </a:rPr>
-              <a:t>个主成分</a:t>
-            </a:r>
-            <a:r>
-              <a:rPr lang="en-US" altLang="zh-CN" sz="1200" dirty="0">
-                <a:latin typeface="微软雅黑" panose="020B0503020204020204" pitchFamily="34" charset="-122"/>
-                <a:ea typeface="微软雅黑" panose="020B0503020204020204" pitchFamily="34" charset="-122"/>
-              </a:rPr>
-              <a:t>)</a:t>
-            </a:r>
-            <a:endParaRPr lang="en-US" sz="1200" dirty="0">
-              <a:latin typeface="微软雅黑" panose="020B0503020204020204" pitchFamily="34" charset="-122"/>
-              <a:ea typeface="微软雅黑" panose="020B0503020204020204" pitchFamily="34" charset="-122"/>
-            </a:endParaRPr>
-          </a:p>
-        </p:txBody>
-      </p:sp>
-    </p:spTree>
-    <p:extLst>
-      <p:ext uri="{BB962C8B-B14F-4D97-AF65-F5344CB8AC3E}">
-        <p14:creationId xmlns:p14="http://schemas.microsoft.com/office/powerpoint/2010/main" val="1662051206"/>
-      </p:ext>
-    </p:extLst>
-  </p:cSld>
-  <p:clrMapOvr>
-    <a:masterClrMapping/>
-  </p:clrMapOvr>
-  <p:transition spd="med">
-    <p:push dir="u"/>
-  </p:transition>
-</p:sld>
-</file>
-
-<file path=ppt/slides/slide13.xml><?xml version="1.0" encoding="utf-8"?>
+<file path=ppt/slides/slide11.xml><?xml version="1.0" encoding="utf-8"?>
 <p:sld xmlns:a="http://schemas.openxmlformats.org/drawingml/2006/main" xmlns:r="http://schemas.openxmlformats.org/officeDocument/2006/relationships" xmlns:p="http://schemas.openxmlformats.org/presentationml/2006/main">
   <p:cSld>
     <p:spTree>
@@ -17039,7 +14910,7 @@
 </p:sld>
 </file>
 
-<file path=ppt/slides/slide14.xml><?xml version="1.0" encoding="utf-8"?>
+<file path=ppt/slides/slide12.xml><?xml version="1.0" encoding="utf-8"?>
 <p:sld xmlns:a="http://schemas.openxmlformats.org/drawingml/2006/main" xmlns:r="http://schemas.openxmlformats.org/officeDocument/2006/relationships" xmlns:p="http://schemas.openxmlformats.org/presentationml/2006/main">
   <p:cSld>
     <p:spTree>
@@ -18224,7 +16095,7 @@
 </p:sld>
 </file>
 
-<file path=ppt/slides/slide15.xml><?xml version="1.0" encoding="utf-8"?>
+<file path=ppt/slides/slide13.xml><?xml version="1.0" encoding="utf-8"?>
 <p:sld xmlns:a="http://schemas.openxmlformats.org/drawingml/2006/main" xmlns:r="http://schemas.openxmlformats.org/officeDocument/2006/relationships" xmlns:p="http://schemas.openxmlformats.org/presentationml/2006/main">
   <p:cSld>
     <p:spTree>
@@ -19491,7 +17362,7 @@
 </p:sld>
 </file>
 
-<file path=ppt/slides/slide16.xml><?xml version="1.0" encoding="utf-8"?>
+<file path=ppt/slides/slide14.xml><?xml version="1.0" encoding="utf-8"?>
 <p:sld xmlns:a="http://schemas.openxmlformats.org/drawingml/2006/main" xmlns:r="http://schemas.openxmlformats.org/officeDocument/2006/relationships" xmlns:p="http://schemas.openxmlformats.org/presentationml/2006/main">
   <p:cSld>
     <p:spTree>
@@ -20897,7 +18768,7 @@
 </p:sld>
 </file>
 
-<file path=ppt/slides/slide17.xml><?xml version="1.0" encoding="utf-8"?>
+<file path=ppt/slides/slide15.xml><?xml version="1.0" encoding="utf-8"?>
 <p:sld xmlns:a="http://schemas.openxmlformats.org/drawingml/2006/main" xmlns:r="http://schemas.openxmlformats.org/officeDocument/2006/relationships" xmlns:p="http://schemas.openxmlformats.org/presentationml/2006/main">
   <p:cSld>
     <p:spTree>
@@ -22240,7 +20111,7 @@
 </p:sld>
 </file>
 
-<file path=ppt/slides/slide18.xml><?xml version="1.0" encoding="utf-8"?>
+<file path=ppt/slides/slide16.xml><?xml version="1.0" encoding="utf-8"?>
 <p:sld xmlns:a="http://schemas.openxmlformats.org/drawingml/2006/main" xmlns:r="http://schemas.openxmlformats.org/officeDocument/2006/relationships" xmlns:p="http://schemas.openxmlformats.org/presentationml/2006/main">
   <p:cSld>
     <p:spTree>
@@ -23496,7 +21367,7 @@
         <p:spPr>
           <a:xfrm>
             <a:off x="4104933" y="5937734"/>
-            <a:ext cx="936103" cy="276999"/>
+            <a:ext cx="1259155" cy="276999"/>
           </a:xfrm>
           <a:prstGeom prst="rect">
             <a:avLst/>
@@ -23514,7 +21385,7 @@
                 <a:latin typeface="微软雅黑" panose="020B0503020204020204" pitchFamily="34" charset="-122"/>
                 <a:ea typeface="微软雅黑" panose="020B0503020204020204" pitchFamily="34" charset="-122"/>
               </a:rPr>
-              <a:t>日志截图</a:t>
+              <a:t>运行日志截图</a:t>
             </a:r>
             <a:endParaRPr lang="en-US" sz="1200" dirty="0">
               <a:latin typeface="微软雅黑" panose="020B0503020204020204" pitchFamily="34" charset="-122"/>
@@ -23569,7 +21440,7 @@
 </p:sld>
 </file>
 
-<file path=ppt/slides/slide19.xml><?xml version="1.0" encoding="utf-8"?>
+<file path=ppt/slides/slide17.xml><?xml version="1.0" encoding="utf-8"?>
 <p:sld xmlns:a="http://schemas.openxmlformats.org/drawingml/2006/main" xmlns:r="http://schemas.openxmlformats.org/officeDocument/2006/relationships" xmlns:p="http://schemas.openxmlformats.org/presentationml/2006/main">
   <p:cSld>
     <p:spTree>
@@ -24267,7 +22138,7 @@
         </p:blipFill>
         <p:spPr>
           <a:xfrm>
-            <a:off x="1367037" y="1103970"/>
+            <a:off x="1312169" y="3824895"/>
             <a:ext cx="6378386" cy="1712768"/>
           </a:xfrm>
           <a:prstGeom prst="rect">
@@ -24289,7 +22160,7 @@
         </p:nvSpPr>
         <p:spPr>
           <a:xfrm>
-            <a:off x="3583252" y="2875280"/>
+            <a:off x="3570797" y="5744289"/>
             <a:ext cx="1977496" cy="276999"/>
           </a:xfrm>
           <a:prstGeom prst="rect">
@@ -24333,10 +22204,788 @@
       </p:sp>
       <p:pic>
         <p:nvPicPr>
-          <p:cNvPr id="17" name="图片 16">
+          <p:cNvPr id="19" name="图片 18">
             <a:extLst>
               <a:ext uri="{FF2B5EF4-FFF2-40B4-BE49-F238E27FC236}">
-                <a16:creationId xmlns:a16="http://schemas.microsoft.com/office/drawing/2014/main" id="{C8D89769-744B-4B82-8AD8-9EA7CC10B37F}"/>
+                <a16:creationId xmlns:a16="http://schemas.microsoft.com/office/drawing/2014/main" id="{CE86F1B3-AD1E-4F6E-81DA-82FB81E6B79D}"/>
+              </a:ext>
+            </a:extLst>
+          </p:cNvPr>
+          <p:cNvPicPr/>
+          <p:nvPr/>
+        </p:nvPicPr>
+        <p:blipFill>
+          <a:blip r:embed="rId4">
+            <a:extLst>
+              <a:ext uri="{28A0092B-C50C-407E-A947-70E740481C1C}">
+                <a14:useLocalDpi xmlns:a14="http://schemas.microsoft.com/office/drawing/2010/main" val="0"/>
+              </a:ext>
+            </a:extLst>
+          </a:blip>
+          <a:stretch>
+            <a:fillRect/>
+          </a:stretch>
+        </p:blipFill>
+        <p:spPr>
+          <a:xfrm>
+            <a:off x="1312169" y="1402952"/>
+            <a:ext cx="6378386" cy="1954359"/>
+          </a:xfrm>
+          <a:prstGeom prst="rect">
+            <a:avLst/>
+          </a:prstGeom>
+        </p:spPr>
+      </p:pic>
+      <p:sp>
+        <p:nvSpPr>
+          <p:cNvPr id="20" name="文本框 19">
+            <a:extLst>
+              <a:ext uri="{FF2B5EF4-FFF2-40B4-BE49-F238E27FC236}">
+                <a16:creationId xmlns:a16="http://schemas.microsoft.com/office/drawing/2014/main" id="{1BEED469-1CF8-4109-B300-64C04DB3CEEC}"/>
+              </a:ext>
+            </a:extLst>
+          </p:cNvPr>
+          <p:cNvSpPr txBox="1"/>
+          <p:nvPr/>
+        </p:nvSpPr>
+        <p:spPr>
+          <a:xfrm>
+            <a:off x="3527399" y="3474355"/>
+            <a:ext cx="1977496" cy="276999"/>
+          </a:xfrm>
+          <a:prstGeom prst="rect">
+            <a:avLst/>
+          </a:prstGeom>
+          <a:noFill/>
+        </p:spPr>
+        <p:txBody>
+          <a:bodyPr wrap="square" rtlCol="0">
+            <a:spAutoFit/>
+          </a:bodyPr>
+          <a:lstStyle/>
+          <a:p>
+            <a:r>
+              <a:rPr lang="zh-CN" altLang="en-US" sz="1200" dirty="0">
+                <a:latin typeface="微软雅黑" panose="020B0503020204020204" pitchFamily="34" charset="-122"/>
+                <a:ea typeface="微软雅黑" panose="020B0503020204020204" pitchFamily="34" charset="-122"/>
+              </a:rPr>
+              <a:t>实际观测值（</a:t>
+            </a:r>
+            <a:r>
+              <a:rPr lang="en-US" altLang="zh-CN" sz="1200" dirty="0">
+                <a:latin typeface="微软雅黑" panose="020B0503020204020204" pitchFamily="34" charset="-122"/>
+                <a:ea typeface="微软雅黑" panose="020B0503020204020204" pitchFamily="34" charset="-122"/>
+              </a:rPr>
+              <a:t>98/99</a:t>
+            </a:r>
+            <a:r>
+              <a:rPr lang="zh-CN" altLang="en-US" sz="1200" dirty="0">
+                <a:latin typeface="微软雅黑" panose="020B0503020204020204" pitchFamily="34" charset="-122"/>
+                <a:ea typeface="微软雅黑" panose="020B0503020204020204" pitchFamily="34" charset="-122"/>
+              </a:rPr>
+              <a:t>年）</a:t>
+            </a:r>
+            <a:endParaRPr lang="en-US" sz="1200" dirty="0">
+              <a:latin typeface="微软雅黑" panose="020B0503020204020204" pitchFamily="34" charset="-122"/>
+              <a:ea typeface="微软雅黑" panose="020B0503020204020204" pitchFamily="34" charset="-122"/>
+            </a:endParaRPr>
+          </a:p>
+        </p:txBody>
+      </p:sp>
+    </p:spTree>
+    <p:extLst>
+      <p:ext uri="{BB962C8B-B14F-4D97-AF65-F5344CB8AC3E}">
+        <p14:creationId xmlns:p14="http://schemas.microsoft.com/office/powerpoint/2010/main" val="1722526866"/>
+      </p:ext>
+    </p:extLst>
+  </p:cSld>
+  <p:clrMapOvr>
+    <a:masterClrMapping/>
+  </p:clrMapOvr>
+  <p:transition spd="med">
+    <p:push dir="u"/>
+  </p:transition>
+</p:sld>
+</file>
+
+<file path=ppt/slides/slide18.xml><?xml version="1.0" encoding="utf-8"?>
+<p:sld xmlns:a="http://schemas.openxmlformats.org/drawingml/2006/main" xmlns:r="http://schemas.openxmlformats.org/officeDocument/2006/relationships" xmlns:p="http://schemas.openxmlformats.org/presentationml/2006/main">
+  <p:cSld>
+    <p:spTree>
+      <p:nvGrpSpPr>
+        <p:cNvPr id="1" name=""/>
+        <p:cNvGrpSpPr/>
+        <p:nvPr/>
+      </p:nvGrpSpPr>
+      <p:grpSpPr>
+        <a:xfrm>
+          <a:off x="0" y="0"/>
+          <a:ext cx="0" cy="0"/>
+          <a:chOff x="0" y="0"/>
+          <a:chExt cx="0" cy="0"/>
+        </a:xfrm>
+      </p:grpSpPr>
+      <p:sp>
+        <p:nvSpPr>
+          <p:cNvPr id="37" name="矩形 36"/>
+          <p:cNvSpPr/>
+          <p:nvPr/>
+        </p:nvSpPr>
+        <p:spPr>
+          <a:xfrm>
+            <a:off x="-36512" y="-78618"/>
+            <a:ext cx="9192115" cy="6964002"/>
+          </a:xfrm>
+          <a:prstGeom prst="rect">
+            <a:avLst/>
+          </a:prstGeom>
+          <a:solidFill>
+            <a:schemeClr val="bg1">
+              <a:lumMod val="95000"/>
+            </a:schemeClr>
+          </a:solidFill>
+          <a:ln>
+            <a:noFill/>
+          </a:ln>
+        </p:spPr>
+        <p:style>
+          <a:lnRef idx="2">
+            <a:schemeClr val="accent1">
+              <a:shade val="50000"/>
+            </a:schemeClr>
+          </a:lnRef>
+          <a:fillRef idx="1">
+            <a:schemeClr val="accent1"/>
+          </a:fillRef>
+          <a:effectRef idx="0">
+            <a:schemeClr val="accent1"/>
+          </a:effectRef>
+          <a:fontRef idx="minor">
+            <a:schemeClr val="lt1"/>
+          </a:fontRef>
+        </p:style>
+        <p:txBody>
+          <a:bodyPr rtlCol="0" anchor="ctr"/>
+          <a:lstStyle/>
+          <a:p>
+            <a:pPr algn="ctr"/>
+            <a:endParaRPr lang="zh-CN" altLang="en-US" dirty="0">
+              <a:solidFill>
+                <a:schemeClr val="bg1"/>
+              </a:solidFill>
+            </a:endParaRPr>
+          </a:p>
+        </p:txBody>
+      </p:sp>
+      <p:cxnSp>
+        <p:nvCxnSpPr>
+          <p:cNvPr id="6" name="肘形连接符 5"/>
+          <p:cNvCxnSpPr/>
+          <p:nvPr/>
+        </p:nvCxnSpPr>
+        <p:spPr>
+          <a:xfrm>
+            <a:off x="971600" y="404664"/>
+            <a:ext cx="7200800" cy="216024"/>
+          </a:xfrm>
+          <a:prstGeom prst="bentConnector3">
+            <a:avLst/>
+          </a:prstGeom>
+          <a:ln w="19050">
+            <a:solidFill>
+              <a:schemeClr val="tx1">
+                <a:lumMod val="85000"/>
+                <a:lumOff val="15000"/>
+              </a:schemeClr>
+            </a:solidFill>
+            <a:prstDash val="sysDot"/>
+          </a:ln>
+        </p:spPr>
+        <p:style>
+          <a:lnRef idx="1">
+            <a:schemeClr val="accent1"/>
+          </a:lnRef>
+          <a:fillRef idx="0">
+            <a:schemeClr val="accent1"/>
+          </a:fillRef>
+          <a:effectRef idx="0">
+            <a:schemeClr val="accent1"/>
+          </a:effectRef>
+          <a:fontRef idx="minor">
+            <a:schemeClr val="tx1"/>
+          </a:fontRef>
+        </p:style>
+      </p:cxnSp>
+      <p:sp>
+        <p:nvSpPr>
+          <p:cNvPr id="8" name="TextBox 7"/>
+          <p:cNvSpPr txBox="1"/>
+          <p:nvPr/>
+        </p:nvSpPr>
+        <p:spPr>
+          <a:xfrm>
+            <a:off x="6804248" y="282134"/>
+            <a:ext cx="1005403" cy="338554"/>
+          </a:xfrm>
+          <a:prstGeom prst="rect">
+            <a:avLst/>
+          </a:prstGeom>
+          <a:noFill/>
+        </p:spPr>
+        <p:txBody>
+          <a:bodyPr wrap="none" rtlCol="0">
+            <a:spAutoFit/>
+          </a:bodyPr>
+          <a:lstStyle/>
+          <a:p>
+            <a:r>
+              <a:rPr lang="zh-CN" altLang="en-US" sz="1600" dirty="0">
+                <a:latin typeface="微软雅黑" panose="020B0503020204020204" pitchFamily="34" charset="-122"/>
+                <a:ea typeface="微软雅黑" panose="020B0503020204020204" pitchFamily="34" charset="-122"/>
+              </a:rPr>
+              <a:t>结果分析</a:t>
+            </a:r>
+          </a:p>
+        </p:txBody>
+      </p:sp>
+      <p:sp>
+        <p:nvSpPr>
+          <p:cNvPr id="10" name="圆角矩形 9"/>
+          <p:cNvSpPr/>
+          <p:nvPr/>
+        </p:nvSpPr>
+        <p:spPr>
+          <a:xfrm>
+            <a:off x="971600" y="27432"/>
+            <a:ext cx="2541537" cy="332656"/>
+          </a:xfrm>
+          <a:prstGeom prst="roundRect">
+            <a:avLst>
+              <a:gd name="adj" fmla="val 46904"/>
+            </a:avLst>
+          </a:prstGeom>
+          <a:ln>
+            <a:noFill/>
+          </a:ln>
+        </p:spPr>
+        <p:style>
+          <a:lnRef idx="2">
+            <a:schemeClr val="accent1">
+              <a:shade val="50000"/>
+            </a:schemeClr>
+          </a:lnRef>
+          <a:fillRef idx="1001">
+            <a:schemeClr val="dk2"/>
+          </a:fillRef>
+          <a:effectRef idx="0">
+            <a:schemeClr val="accent1"/>
+          </a:effectRef>
+          <a:fontRef idx="minor">
+            <a:schemeClr val="lt1"/>
+          </a:fontRef>
+        </p:style>
+        <p:txBody>
+          <a:bodyPr rtlCol="0" anchor="ctr"/>
+          <a:lstStyle/>
+          <a:p>
+            <a:pPr algn="ctr"/>
+            <a:r>
+              <a:rPr lang="zh-CN" altLang="en-US" dirty="0">
+                <a:solidFill>
+                  <a:schemeClr val="bg1"/>
+                </a:solidFill>
+                <a:latin typeface="微软雅黑" panose="020B0503020204020204" pitchFamily="34" charset="-122"/>
+                <a:ea typeface="微软雅黑" panose="020B0503020204020204" pitchFamily="34" charset="-122"/>
+              </a:rPr>
+              <a:t>实验结果分析</a:t>
+            </a:r>
+          </a:p>
+        </p:txBody>
+      </p:sp>
+      <p:grpSp>
+        <p:nvGrpSpPr>
+          <p:cNvPr id="7" name="组合 6"/>
+          <p:cNvGrpSpPr/>
+          <p:nvPr/>
+        </p:nvGrpSpPr>
+        <p:grpSpPr>
+          <a:xfrm rot="1612617">
+            <a:off x="8178802" y="44619"/>
+            <a:ext cx="141497" cy="1576388"/>
+            <a:chOff x="4464560" y="1504216"/>
+            <a:chExt cx="340608" cy="3644968"/>
+          </a:xfrm>
+        </p:grpSpPr>
+        <p:sp>
+          <p:nvSpPr>
+            <p:cNvPr id="3" name="矩形 2"/>
+            <p:cNvSpPr/>
+            <p:nvPr/>
+          </p:nvSpPr>
+          <p:spPr>
+            <a:xfrm>
+              <a:off x="4568617" y="1719815"/>
+              <a:ext cx="144016" cy="2646008"/>
+            </a:xfrm>
+            <a:prstGeom prst="rect">
+              <a:avLst/>
+            </a:prstGeom>
+            <a:solidFill>
+              <a:schemeClr val="bg1">
+                <a:lumMod val="65000"/>
+              </a:schemeClr>
+            </a:solidFill>
+            <a:ln>
+              <a:noFill/>
+            </a:ln>
+          </p:spPr>
+          <p:style>
+            <a:lnRef idx="2">
+              <a:schemeClr val="accent1">
+                <a:shade val="50000"/>
+              </a:schemeClr>
+            </a:lnRef>
+            <a:fillRef idx="1">
+              <a:schemeClr val="accent1"/>
+            </a:fillRef>
+            <a:effectRef idx="0">
+              <a:schemeClr val="accent1"/>
+            </a:effectRef>
+            <a:fontRef idx="minor">
+              <a:schemeClr val="lt1"/>
+            </a:fontRef>
+          </p:style>
+          <p:txBody>
+            <a:bodyPr rtlCol="0" anchor="ctr"/>
+            <a:lstStyle/>
+            <a:p>
+              <a:pPr algn="ctr"/>
+              <a:endParaRPr lang="zh-CN" altLang="en-US"/>
+            </a:p>
+          </p:txBody>
+        </p:sp>
+        <p:sp>
+          <p:nvSpPr>
+            <p:cNvPr id="11" name="矩形 10"/>
+            <p:cNvSpPr/>
+            <p:nvPr/>
+          </p:nvSpPr>
+          <p:spPr>
+            <a:xfrm>
+              <a:off x="4464560" y="1719815"/>
+              <a:ext cx="72008" cy="2646008"/>
+            </a:xfrm>
+            <a:prstGeom prst="rect">
+              <a:avLst/>
+            </a:prstGeom>
+            <a:solidFill>
+              <a:schemeClr val="bg1">
+                <a:lumMod val="65000"/>
+              </a:schemeClr>
+            </a:solidFill>
+            <a:ln>
+              <a:noFill/>
+            </a:ln>
+          </p:spPr>
+          <p:style>
+            <a:lnRef idx="2">
+              <a:schemeClr val="accent1">
+                <a:shade val="50000"/>
+              </a:schemeClr>
+            </a:lnRef>
+            <a:fillRef idx="1">
+              <a:schemeClr val="accent1"/>
+            </a:fillRef>
+            <a:effectRef idx="0">
+              <a:schemeClr val="accent1"/>
+            </a:effectRef>
+            <a:fontRef idx="minor">
+              <a:schemeClr val="lt1"/>
+            </a:fontRef>
+          </p:style>
+          <p:txBody>
+            <a:bodyPr rtlCol="0" anchor="ctr"/>
+            <a:lstStyle/>
+            <a:p>
+              <a:pPr algn="ctr"/>
+              <a:endParaRPr lang="zh-CN" altLang="en-US"/>
+            </a:p>
+          </p:txBody>
+        </p:sp>
+        <p:sp>
+          <p:nvSpPr>
+            <p:cNvPr id="13" name="矩形 12"/>
+            <p:cNvSpPr/>
+            <p:nvPr/>
+          </p:nvSpPr>
+          <p:spPr>
+            <a:xfrm>
+              <a:off x="4733160" y="1719096"/>
+              <a:ext cx="72008" cy="2646008"/>
+            </a:xfrm>
+            <a:prstGeom prst="rect">
+              <a:avLst/>
+            </a:prstGeom>
+            <a:solidFill>
+              <a:schemeClr val="bg1">
+                <a:lumMod val="65000"/>
+              </a:schemeClr>
+            </a:solidFill>
+            <a:ln>
+              <a:noFill/>
+            </a:ln>
+          </p:spPr>
+          <p:style>
+            <a:lnRef idx="2">
+              <a:schemeClr val="accent1">
+                <a:shade val="50000"/>
+              </a:schemeClr>
+            </a:lnRef>
+            <a:fillRef idx="1">
+              <a:schemeClr val="accent1"/>
+            </a:fillRef>
+            <a:effectRef idx="0">
+              <a:schemeClr val="accent1"/>
+            </a:effectRef>
+            <a:fontRef idx="minor">
+              <a:schemeClr val="lt1"/>
+            </a:fontRef>
+          </p:style>
+          <p:txBody>
+            <a:bodyPr rtlCol="0" anchor="ctr"/>
+            <a:lstStyle/>
+            <a:p>
+              <a:pPr algn="ctr"/>
+              <a:endParaRPr lang="zh-CN" altLang="en-US"/>
+            </a:p>
+          </p:txBody>
+        </p:sp>
+        <p:sp>
+          <p:nvSpPr>
+            <p:cNvPr id="4" name="圆角矩形 3"/>
+            <p:cNvSpPr/>
+            <p:nvPr/>
+          </p:nvSpPr>
+          <p:spPr>
+            <a:xfrm>
+              <a:off x="4464560" y="1504216"/>
+              <a:ext cx="340608" cy="191261"/>
+            </a:xfrm>
+            <a:prstGeom prst="roundRect">
+              <a:avLst/>
+            </a:prstGeom>
+            <a:solidFill>
+              <a:schemeClr val="bg1">
+                <a:lumMod val="65000"/>
+              </a:schemeClr>
+            </a:solidFill>
+            <a:ln>
+              <a:noFill/>
+            </a:ln>
+          </p:spPr>
+          <p:style>
+            <a:lnRef idx="2">
+              <a:schemeClr val="accent1">
+                <a:shade val="50000"/>
+              </a:schemeClr>
+            </a:lnRef>
+            <a:fillRef idx="1">
+              <a:schemeClr val="accent1"/>
+            </a:fillRef>
+            <a:effectRef idx="0">
+              <a:schemeClr val="accent1"/>
+            </a:effectRef>
+            <a:fontRef idx="minor">
+              <a:schemeClr val="lt1"/>
+            </a:fontRef>
+          </p:style>
+          <p:txBody>
+            <a:bodyPr rtlCol="0" anchor="ctr"/>
+            <a:lstStyle/>
+            <a:p>
+              <a:pPr algn="ctr"/>
+              <a:endParaRPr lang="zh-CN" altLang="en-US"/>
+            </a:p>
+          </p:txBody>
+        </p:sp>
+        <p:sp>
+          <p:nvSpPr>
+            <p:cNvPr id="5" name="任意多边形 4"/>
+            <p:cNvSpPr/>
+            <p:nvPr/>
+          </p:nvSpPr>
+          <p:spPr>
+            <a:xfrm>
+              <a:off x="4470272" y="4390232"/>
+              <a:ext cx="325752" cy="758952"/>
+            </a:xfrm>
+            <a:custGeom>
+              <a:avLst/>
+              <a:gdLst>
+                <a:gd name="connsiteX0" fmla="*/ 0 w 292608"/>
+                <a:gd name="connsiteY0" fmla="*/ 0 h 749808"/>
+                <a:gd name="connsiteX1" fmla="*/ 146304 w 292608"/>
+                <a:gd name="connsiteY1" fmla="*/ 749808 h 749808"/>
+                <a:gd name="connsiteX2" fmla="*/ 292608 w 292608"/>
+                <a:gd name="connsiteY2" fmla="*/ 36576 h 749808"/>
+                <a:gd name="connsiteX3" fmla="*/ 0 w 292608"/>
+                <a:gd name="connsiteY3" fmla="*/ 0 h 749808"/>
+                <a:gd name="connsiteX0" fmla="*/ 0 w 301752"/>
+                <a:gd name="connsiteY0" fmla="*/ 9144 h 758952"/>
+                <a:gd name="connsiteX1" fmla="*/ 146304 w 301752"/>
+                <a:gd name="connsiteY1" fmla="*/ 758952 h 758952"/>
+                <a:gd name="connsiteX2" fmla="*/ 301752 w 301752"/>
+                <a:gd name="connsiteY2" fmla="*/ 0 h 758952"/>
+                <a:gd name="connsiteX3" fmla="*/ 0 w 301752"/>
+                <a:gd name="connsiteY3" fmla="*/ 9144 h 758952"/>
+              </a:gdLst>
+              <a:ahLst/>
+              <a:cxnLst>
+                <a:cxn ang="0">
+                  <a:pos x="connsiteX0" y="connsiteY0"/>
+                </a:cxn>
+                <a:cxn ang="0">
+                  <a:pos x="connsiteX1" y="connsiteY1"/>
+                </a:cxn>
+                <a:cxn ang="0">
+                  <a:pos x="connsiteX2" y="connsiteY2"/>
+                </a:cxn>
+                <a:cxn ang="0">
+                  <a:pos x="connsiteX3" y="connsiteY3"/>
+                </a:cxn>
+              </a:cxnLst>
+              <a:rect l="l" t="t" r="r" b="b"/>
+              <a:pathLst>
+                <a:path w="301752" h="758952">
+                  <a:moveTo>
+                    <a:pt x="0" y="9144"/>
+                  </a:moveTo>
+                  <a:lnTo>
+                    <a:pt x="146304" y="758952"/>
+                  </a:lnTo>
+                  <a:lnTo>
+                    <a:pt x="301752" y="0"/>
+                  </a:lnTo>
+                  <a:lnTo>
+                    <a:pt x="0" y="9144"/>
+                  </a:lnTo>
+                  <a:close/>
+                </a:path>
+              </a:pathLst>
+            </a:custGeom>
+            <a:solidFill>
+              <a:schemeClr val="bg1">
+                <a:lumMod val="65000"/>
+              </a:schemeClr>
+            </a:solidFill>
+            <a:ln>
+              <a:noFill/>
+            </a:ln>
+          </p:spPr>
+          <p:style>
+            <a:lnRef idx="2">
+              <a:schemeClr val="accent1">
+                <a:shade val="50000"/>
+              </a:schemeClr>
+            </a:lnRef>
+            <a:fillRef idx="1">
+              <a:schemeClr val="accent1"/>
+            </a:fillRef>
+            <a:effectRef idx="0">
+              <a:schemeClr val="accent1"/>
+            </a:effectRef>
+            <a:fontRef idx="minor">
+              <a:schemeClr val="lt1"/>
+            </a:fontRef>
+          </p:style>
+          <p:txBody>
+            <a:bodyPr rtlCol="0" anchor="ctr"/>
+            <a:lstStyle/>
+            <a:p>
+              <a:pPr algn="ctr"/>
+              <a:endParaRPr lang="zh-CN" altLang="en-US"/>
+            </a:p>
+          </p:txBody>
+        </p:sp>
+      </p:grpSp>
+      <p:sp>
+        <p:nvSpPr>
+          <p:cNvPr id="16" name="任意多边形 15"/>
+          <p:cNvSpPr/>
+          <p:nvPr/>
+        </p:nvSpPr>
+        <p:spPr>
+          <a:xfrm>
+            <a:off x="8460432" y="-137160"/>
+            <a:ext cx="801630" cy="794512"/>
+          </a:xfrm>
+          <a:custGeom>
+            <a:avLst/>
+            <a:gdLst>
+              <a:gd name="connsiteX0" fmla="*/ 420624 w 777240"/>
+              <a:gd name="connsiteY0" fmla="*/ 9144 h 850392"/>
+              <a:gd name="connsiteX1" fmla="*/ 0 w 777240"/>
+              <a:gd name="connsiteY1" fmla="*/ 841248 h 850392"/>
+              <a:gd name="connsiteX2" fmla="*/ 777240 w 777240"/>
+              <a:gd name="connsiteY2" fmla="*/ 850392 h 850392"/>
+              <a:gd name="connsiteX3" fmla="*/ 777240 w 777240"/>
+              <a:gd name="connsiteY3" fmla="*/ 0 h 850392"/>
+              <a:gd name="connsiteX4" fmla="*/ 420624 w 777240"/>
+              <a:gd name="connsiteY4" fmla="*/ 9144 h 850392"/>
+              <a:gd name="connsiteX0" fmla="*/ 393192 w 749808"/>
+              <a:gd name="connsiteY0" fmla="*/ 9144 h 850392"/>
+              <a:gd name="connsiteX1" fmla="*/ 0 w 749808"/>
+              <a:gd name="connsiteY1" fmla="*/ 786384 h 850392"/>
+              <a:gd name="connsiteX2" fmla="*/ 749808 w 749808"/>
+              <a:gd name="connsiteY2" fmla="*/ 850392 h 850392"/>
+              <a:gd name="connsiteX3" fmla="*/ 749808 w 749808"/>
+              <a:gd name="connsiteY3" fmla="*/ 0 h 850392"/>
+              <a:gd name="connsiteX4" fmla="*/ 393192 w 749808"/>
+              <a:gd name="connsiteY4" fmla="*/ 9144 h 850392"/>
+              <a:gd name="connsiteX0" fmla="*/ 393192 w 749808"/>
+              <a:gd name="connsiteY0" fmla="*/ 9144 h 786384"/>
+              <a:gd name="connsiteX1" fmla="*/ 0 w 749808"/>
+              <a:gd name="connsiteY1" fmla="*/ 786384 h 786384"/>
+              <a:gd name="connsiteX2" fmla="*/ 749808 w 749808"/>
+              <a:gd name="connsiteY2" fmla="*/ 786384 h 786384"/>
+              <a:gd name="connsiteX3" fmla="*/ 749808 w 749808"/>
+              <a:gd name="connsiteY3" fmla="*/ 0 h 786384"/>
+              <a:gd name="connsiteX4" fmla="*/ 393192 w 749808"/>
+              <a:gd name="connsiteY4" fmla="*/ 9144 h 786384"/>
+              <a:gd name="connsiteX0" fmla="*/ 393192 w 749808"/>
+              <a:gd name="connsiteY0" fmla="*/ 9144 h 786384"/>
+              <a:gd name="connsiteX1" fmla="*/ 0 w 749808"/>
+              <a:gd name="connsiteY1" fmla="*/ 786384 h 786384"/>
+              <a:gd name="connsiteX2" fmla="*/ 749808 w 749808"/>
+              <a:gd name="connsiteY2" fmla="*/ 786384 h 786384"/>
+              <a:gd name="connsiteX3" fmla="*/ 749808 w 749808"/>
+              <a:gd name="connsiteY3" fmla="*/ 0 h 786384"/>
+              <a:gd name="connsiteX4" fmla="*/ 393192 w 749808"/>
+              <a:gd name="connsiteY4" fmla="*/ 9144 h 786384"/>
+              <a:gd name="connsiteX0" fmla="*/ 393192 w 749808"/>
+              <a:gd name="connsiteY0" fmla="*/ 9144 h 822960"/>
+              <a:gd name="connsiteX1" fmla="*/ 0 w 749808"/>
+              <a:gd name="connsiteY1" fmla="*/ 786384 h 822960"/>
+              <a:gd name="connsiteX2" fmla="*/ 740664 w 749808"/>
+              <a:gd name="connsiteY2" fmla="*/ 822960 h 822960"/>
+              <a:gd name="connsiteX3" fmla="*/ 749808 w 749808"/>
+              <a:gd name="connsiteY3" fmla="*/ 0 h 822960"/>
+              <a:gd name="connsiteX4" fmla="*/ 393192 w 749808"/>
+              <a:gd name="connsiteY4" fmla="*/ 9144 h 822960"/>
+              <a:gd name="connsiteX0" fmla="*/ 393192 w 786384"/>
+              <a:gd name="connsiteY0" fmla="*/ 9144 h 786384"/>
+              <a:gd name="connsiteX1" fmla="*/ 0 w 786384"/>
+              <a:gd name="connsiteY1" fmla="*/ 786384 h 786384"/>
+              <a:gd name="connsiteX2" fmla="*/ 786384 w 786384"/>
+              <a:gd name="connsiteY2" fmla="*/ 758952 h 786384"/>
+              <a:gd name="connsiteX3" fmla="*/ 749808 w 786384"/>
+              <a:gd name="connsiteY3" fmla="*/ 0 h 786384"/>
+              <a:gd name="connsiteX4" fmla="*/ 393192 w 786384"/>
+              <a:gd name="connsiteY4" fmla="*/ 9144 h 786384"/>
+              <a:gd name="connsiteX0" fmla="*/ 393192 w 795528"/>
+              <a:gd name="connsiteY0" fmla="*/ 9144 h 786384"/>
+              <a:gd name="connsiteX1" fmla="*/ 0 w 795528"/>
+              <a:gd name="connsiteY1" fmla="*/ 786384 h 786384"/>
+              <a:gd name="connsiteX2" fmla="*/ 795528 w 795528"/>
+              <a:gd name="connsiteY2" fmla="*/ 786384 h 786384"/>
+              <a:gd name="connsiteX3" fmla="*/ 749808 w 795528"/>
+              <a:gd name="connsiteY3" fmla="*/ 0 h 786384"/>
+              <a:gd name="connsiteX4" fmla="*/ 393192 w 795528"/>
+              <a:gd name="connsiteY4" fmla="*/ 9144 h 786384"/>
+              <a:gd name="connsiteX0" fmla="*/ 393192 w 801630"/>
+              <a:gd name="connsiteY0" fmla="*/ 9144 h 794512"/>
+              <a:gd name="connsiteX1" fmla="*/ 0 w 801630"/>
+              <a:gd name="connsiteY1" fmla="*/ 786384 h 794512"/>
+              <a:gd name="connsiteX2" fmla="*/ 795528 w 801630"/>
+              <a:gd name="connsiteY2" fmla="*/ 786384 h 794512"/>
+              <a:gd name="connsiteX3" fmla="*/ 749808 w 801630"/>
+              <a:gd name="connsiteY3" fmla="*/ 0 h 794512"/>
+              <a:gd name="connsiteX4" fmla="*/ 393192 w 801630"/>
+              <a:gd name="connsiteY4" fmla="*/ 9144 h 794512"/>
+            </a:gdLst>
+            <a:ahLst/>
+            <a:cxnLst>
+              <a:cxn ang="0">
+                <a:pos x="connsiteX0" y="connsiteY0"/>
+              </a:cxn>
+              <a:cxn ang="0">
+                <a:pos x="connsiteX1" y="connsiteY1"/>
+              </a:cxn>
+              <a:cxn ang="0">
+                <a:pos x="connsiteX2" y="connsiteY2"/>
+              </a:cxn>
+              <a:cxn ang="0">
+                <a:pos x="connsiteX3" y="connsiteY3"/>
+              </a:cxn>
+              <a:cxn ang="0">
+                <a:pos x="connsiteX4" y="connsiteY4"/>
+              </a:cxn>
+            </a:cxnLst>
+            <a:rect l="l" t="t" r="r" b="b"/>
+            <a:pathLst>
+              <a:path w="801630" h="794512">
+                <a:moveTo>
+                  <a:pt x="393192" y="9144"/>
+                </a:moveTo>
+                <a:lnTo>
+                  <a:pt x="0" y="786384"/>
+                </a:lnTo>
+                <a:cubicBezTo>
+                  <a:pt x="265176" y="786384"/>
+                  <a:pt x="868680" y="804672"/>
+                  <a:pt x="795528" y="786384"/>
+                </a:cubicBezTo>
+                <a:lnTo>
+                  <a:pt x="749808" y="0"/>
+                </a:lnTo>
+                <a:lnTo>
+                  <a:pt x="393192" y="9144"/>
+                </a:lnTo>
+                <a:close/>
+              </a:path>
+            </a:pathLst>
+          </a:custGeom>
+          <a:solidFill>
+            <a:schemeClr val="tx2">
+              <a:lumMod val="60000"/>
+              <a:lumOff val="40000"/>
+            </a:schemeClr>
+          </a:solidFill>
+          <a:ln>
+            <a:noFill/>
+          </a:ln>
+        </p:spPr>
+        <p:style>
+          <a:lnRef idx="2">
+            <a:schemeClr val="accent1">
+              <a:shade val="50000"/>
+            </a:schemeClr>
+          </a:lnRef>
+          <a:fillRef idx="1">
+            <a:schemeClr val="accent1"/>
+          </a:fillRef>
+          <a:effectRef idx="0">
+            <a:schemeClr val="accent1"/>
+          </a:effectRef>
+          <a:fontRef idx="minor">
+            <a:schemeClr val="lt1"/>
+          </a:fontRef>
+        </p:style>
+        <p:txBody>
+          <a:bodyPr rtlCol="0" anchor="ctr"/>
+          <a:lstStyle/>
+          <a:p>
+            <a:pPr algn="ctr"/>
+            <a:endParaRPr lang="zh-CN" altLang="en-US"/>
+          </a:p>
+        </p:txBody>
+      </p:sp>
+      <p:pic>
+        <p:nvPicPr>
+          <p:cNvPr id="18" name="图片 17">
+            <a:extLst>
+              <a:ext uri="{FF2B5EF4-FFF2-40B4-BE49-F238E27FC236}">
+                <a16:creationId xmlns:a16="http://schemas.microsoft.com/office/drawing/2014/main" id="{C73F9C32-7C93-416C-BFD7-5485EDC64959}"/>
               </a:ext>
             </a:extLst>
           </p:cNvPr>
@@ -24346,15 +22995,15 @@
           <p:nvPr/>
         </p:nvPicPr>
         <p:blipFill>
-          <a:blip r:embed="rId4"/>
+          <a:blip r:embed="rId3"/>
           <a:stretch>
             <a:fillRect/>
           </a:stretch>
         </p:blipFill>
         <p:spPr>
           <a:xfrm>
-            <a:off x="1478142" y="3192988"/>
-            <a:ext cx="6156176" cy="3269915"/>
+            <a:off x="830488" y="1578762"/>
+            <a:ext cx="7031611" cy="3734911"/>
           </a:xfrm>
           <a:prstGeom prst="rect">
             <a:avLst/>
@@ -24363,10 +23012,10 @@
       </p:pic>
       <p:sp>
         <p:nvSpPr>
-          <p:cNvPr id="36" name="文本框 35">
+          <p:cNvPr id="19" name="文本框 18">
             <a:extLst>
               <a:ext uri="{FF2B5EF4-FFF2-40B4-BE49-F238E27FC236}">
-                <a16:creationId xmlns:a16="http://schemas.microsoft.com/office/drawing/2014/main" id="{9A54A77B-07F9-4803-AFC3-CD1185DBC114}"/>
+                <a16:creationId xmlns:a16="http://schemas.microsoft.com/office/drawing/2014/main" id="{0D82BFAC-BB4C-4ECD-868F-B60624128845}"/>
               </a:ext>
             </a:extLst>
           </p:cNvPr>
@@ -24375,7 +23024,7 @@
         </p:nvSpPr>
         <p:spPr>
           <a:xfrm>
-            <a:off x="2925498" y="6492174"/>
+            <a:off x="2699791" y="5517232"/>
             <a:ext cx="3293004" cy="276999"/>
           </a:xfrm>
           <a:prstGeom prst="rect">
@@ -24438,10 +23087,1147 @@
           </a:p>
         </p:txBody>
       </p:sp>
+      <p:grpSp>
+        <p:nvGrpSpPr>
+          <p:cNvPr id="26" name="组合 25">
+            <a:extLst>
+              <a:ext uri="{FF2B5EF4-FFF2-40B4-BE49-F238E27FC236}">
+                <a16:creationId xmlns:a16="http://schemas.microsoft.com/office/drawing/2014/main" id="{91614314-30B0-47DD-8B99-D0489868A781}"/>
+              </a:ext>
+            </a:extLst>
+          </p:cNvPr>
+          <p:cNvGrpSpPr/>
+          <p:nvPr/>
+        </p:nvGrpSpPr>
+        <p:grpSpPr>
+          <a:xfrm>
+            <a:off x="1522288" y="2924944"/>
+            <a:ext cx="6460992" cy="2336050"/>
+            <a:chOff x="1522288" y="2924944"/>
+            <a:chExt cx="6460992" cy="2336050"/>
+          </a:xfrm>
+        </p:grpSpPr>
+        <p:sp>
+          <p:nvSpPr>
+            <p:cNvPr id="2" name="矩形 1">
+              <a:extLst>
+                <a:ext uri="{FF2B5EF4-FFF2-40B4-BE49-F238E27FC236}">
+                  <a16:creationId xmlns:a16="http://schemas.microsoft.com/office/drawing/2014/main" id="{8E0DA11D-3BE9-489A-9CDD-1ACB602FC393}"/>
+                </a:ext>
+              </a:extLst>
+            </p:cNvPr>
+            <p:cNvSpPr/>
+            <p:nvPr/>
+          </p:nvSpPr>
+          <p:spPr>
+            <a:xfrm>
+              <a:off x="1522288" y="2924944"/>
+              <a:ext cx="720080" cy="375464"/>
+            </a:xfrm>
+            <a:prstGeom prst="rect">
+              <a:avLst/>
+            </a:prstGeom>
+            <a:noFill/>
+            <a:ln w="19050">
+              <a:solidFill>
+                <a:srgbClr val="FF0000"/>
+              </a:solidFill>
+            </a:ln>
+          </p:spPr>
+          <p:style>
+            <a:lnRef idx="2">
+              <a:schemeClr val="accent1">
+                <a:shade val="50000"/>
+              </a:schemeClr>
+            </a:lnRef>
+            <a:fillRef idx="1">
+              <a:schemeClr val="accent1"/>
+            </a:fillRef>
+            <a:effectRef idx="0">
+              <a:schemeClr val="accent1"/>
+            </a:effectRef>
+            <a:fontRef idx="minor">
+              <a:schemeClr val="lt1"/>
+            </a:fontRef>
+          </p:style>
+          <p:txBody>
+            <a:bodyPr rtlCol="0" anchor="ctr"/>
+            <a:lstStyle/>
+            <a:p>
+              <a:pPr algn="ctr"/>
+              <a:endParaRPr lang="en-US"/>
+            </a:p>
+          </p:txBody>
+        </p:sp>
+        <p:sp>
+          <p:nvSpPr>
+            <p:cNvPr id="21" name="矩形 20">
+              <a:extLst>
+                <a:ext uri="{FF2B5EF4-FFF2-40B4-BE49-F238E27FC236}">
+                  <a16:creationId xmlns:a16="http://schemas.microsoft.com/office/drawing/2014/main" id="{40747C36-DD7F-48C8-9819-511282630C51}"/>
+                </a:ext>
+              </a:extLst>
+            </p:cNvPr>
+            <p:cNvSpPr/>
+            <p:nvPr/>
+          </p:nvSpPr>
+          <p:spPr>
+            <a:xfrm>
+              <a:off x="5272715" y="2924944"/>
+              <a:ext cx="720080" cy="375464"/>
+            </a:xfrm>
+            <a:prstGeom prst="rect">
+              <a:avLst/>
+            </a:prstGeom>
+            <a:noFill/>
+            <a:ln w="19050">
+              <a:solidFill>
+                <a:srgbClr val="FF0000"/>
+              </a:solidFill>
+            </a:ln>
+          </p:spPr>
+          <p:style>
+            <a:lnRef idx="2">
+              <a:schemeClr val="accent1">
+                <a:shade val="50000"/>
+              </a:schemeClr>
+            </a:lnRef>
+            <a:fillRef idx="1">
+              <a:schemeClr val="accent1"/>
+            </a:fillRef>
+            <a:effectRef idx="0">
+              <a:schemeClr val="accent1"/>
+            </a:effectRef>
+            <a:fontRef idx="minor">
+              <a:schemeClr val="lt1"/>
+            </a:fontRef>
+          </p:style>
+          <p:txBody>
+            <a:bodyPr rtlCol="0" anchor="ctr"/>
+            <a:lstStyle/>
+            <a:p>
+              <a:pPr algn="ctr"/>
+              <a:endParaRPr lang="en-US"/>
+            </a:p>
+          </p:txBody>
+        </p:sp>
+        <p:cxnSp>
+          <p:nvCxnSpPr>
+            <p:cNvPr id="14" name="直接箭头连接符 13">
+              <a:extLst>
+                <a:ext uri="{FF2B5EF4-FFF2-40B4-BE49-F238E27FC236}">
+                  <a16:creationId xmlns:a16="http://schemas.microsoft.com/office/drawing/2014/main" id="{F4B10F6E-96A1-4954-992B-933026FB7C4A}"/>
+                </a:ext>
+              </a:extLst>
+            </p:cNvPr>
+            <p:cNvCxnSpPr>
+              <a:cxnSpLocks/>
+            </p:cNvCxnSpPr>
+            <p:nvPr/>
+          </p:nvCxnSpPr>
+          <p:spPr>
+            <a:xfrm flipH="1" flipV="1">
+              <a:off x="2123728" y="3300408"/>
+              <a:ext cx="4248472" cy="1424736"/>
+            </a:xfrm>
+            <a:prstGeom prst="straightConnector1">
+              <a:avLst/>
+            </a:prstGeom>
+            <a:ln>
+              <a:solidFill>
+                <a:srgbClr val="FF0000"/>
+              </a:solidFill>
+              <a:tailEnd type="triangle"/>
+            </a:ln>
+          </p:spPr>
+          <p:style>
+            <a:lnRef idx="1">
+              <a:schemeClr val="accent2"/>
+            </a:lnRef>
+            <a:fillRef idx="0">
+              <a:schemeClr val="accent2"/>
+            </a:fillRef>
+            <a:effectRef idx="0">
+              <a:schemeClr val="accent2"/>
+            </a:effectRef>
+            <a:fontRef idx="minor">
+              <a:schemeClr val="tx1"/>
+            </a:fontRef>
+          </p:style>
+        </p:cxnSp>
+        <p:cxnSp>
+          <p:nvCxnSpPr>
+            <p:cNvPr id="25" name="直接箭头连接符 24">
+              <a:extLst>
+                <a:ext uri="{FF2B5EF4-FFF2-40B4-BE49-F238E27FC236}">
+                  <a16:creationId xmlns:a16="http://schemas.microsoft.com/office/drawing/2014/main" id="{8441FEE0-13A3-4506-A2DE-B1838BFC00AD}"/>
+                </a:ext>
+              </a:extLst>
+            </p:cNvPr>
+            <p:cNvCxnSpPr>
+              <a:cxnSpLocks/>
+            </p:cNvCxnSpPr>
+            <p:nvPr/>
+          </p:nvCxnSpPr>
+          <p:spPr>
+            <a:xfrm flipH="1" flipV="1">
+              <a:off x="5632756" y="3313038"/>
+              <a:ext cx="739444" cy="1424736"/>
+            </a:xfrm>
+            <a:prstGeom prst="straightConnector1">
+              <a:avLst/>
+            </a:prstGeom>
+            <a:ln>
+              <a:solidFill>
+                <a:srgbClr val="FF0000"/>
+              </a:solidFill>
+              <a:tailEnd type="triangle"/>
+            </a:ln>
+          </p:spPr>
+          <p:style>
+            <a:lnRef idx="1">
+              <a:schemeClr val="accent2"/>
+            </a:lnRef>
+            <a:fillRef idx="0">
+              <a:schemeClr val="accent2"/>
+            </a:fillRef>
+            <a:effectRef idx="0">
+              <a:schemeClr val="accent2"/>
+            </a:effectRef>
+            <a:fontRef idx="minor">
+              <a:schemeClr val="tx1"/>
+            </a:fontRef>
+          </p:style>
+        </p:cxnSp>
+        <p:sp>
+          <p:nvSpPr>
+            <p:cNvPr id="24" name="文本框 23">
+              <a:extLst>
+                <a:ext uri="{FF2B5EF4-FFF2-40B4-BE49-F238E27FC236}">
+                  <a16:creationId xmlns:a16="http://schemas.microsoft.com/office/drawing/2014/main" id="{97C07B51-A4CF-4C7A-9336-24C37804B626}"/>
+                </a:ext>
+              </a:extLst>
+            </p:cNvPr>
+            <p:cNvSpPr txBox="1"/>
+            <p:nvPr/>
+          </p:nvSpPr>
+          <p:spPr>
+            <a:xfrm>
+              <a:off x="6372200" y="4737774"/>
+              <a:ext cx="1611080" cy="523220"/>
+            </a:xfrm>
+            <a:prstGeom prst="rect">
+              <a:avLst/>
+            </a:prstGeom>
+            <a:noFill/>
+          </p:spPr>
+          <p:txBody>
+            <a:bodyPr wrap="square" rtlCol="0">
+              <a:spAutoFit/>
+            </a:bodyPr>
+            <a:lstStyle/>
+            <a:p>
+              <a:r>
+                <a:rPr lang="zh-CN" altLang="en-US" sz="1400" dirty="0">
+                  <a:solidFill>
+                    <a:srgbClr val="FF0000"/>
+                  </a:solidFill>
+                  <a:latin typeface="微软雅黑" panose="020B0503020204020204" pitchFamily="34" charset="-122"/>
+                  <a:ea typeface="微软雅黑" panose="020B0503020204020204" pitchFamily="34" charset="-122"/>
+                </a:rPr>
+                <a:t>较明显的正向异常，可以判断为</a:t>
+              </a:r>
+              <a:r>
+                <a:rPr lang="en-US" altLang="zh-CN" sz="1400" dirty="0">
+                  <a:solidFill>
+                    <a:srgbClr val="FF0000"/>
+                  </a:solidFill>
+                  <a:latin typeface="微软雅黑" panose="020B0503020204020204" pitchFamily="34" charset="-122"/>
+                  <a:ea typeface="微软雅黑" panose="020B0503020204020204" pitchFamily="34" charset="-122"/>
+                </a:rPr>
+                <a:t>OGE</a:t>
+              </a:r>
+              <a:endParaRPr lang="en-US" sz="1400" dirty="0">
+                <a:solidFill>
+                  <a:srgbClr val="FF0000"/>
+                </a:solidFill>
+                <a:latin typeface="微软雅黑" panose="020B0503020204020204" pitchFamily="34" charset="-122"/>
+                <a:ea typeface="微软雅黑" panose="020B0503020204020204" pitchFamily="34" charset="-122"/>
+              </a:endParaRPr>
+            </a:p>
+          </p:txBody>
+        </p:sp>
+      </p:grpSp>
     </p:spTree>
     <p:extLst>
       <p:ext uri="{BB962C8B-B14F-4D97-AF65-F5344CB8AC3E}">
-        <p14:creationId xmlns:p14="http://schemas.microsoft.com/office/powerpoint/2010/main" val="1722526866"/>
+        <p14:creationId xmlns:p14="http://schemas.microsoft.com/office/powerpoint/2010/main" val="584532135"/>
+      </p:ext>
+    </p:extLst>
+  </p:cSld>
+  <p:clrMapOvr>
+    <a:masterClrMapping/>
+  </p:clrMapOvr>
+  <p:transition spd="med">
+    <p:push dir="u"/>
+  </p:transition>
+  <p:timing>
+    <p:tnLst>
+      <p:par>
+        <p:cTn id="1" dur="indefinite" restart="never" nodeType="tmRoot">
+          <p:childTnLst>
+            <p:seq concurrent="1" nextAc="seek">
+              <p:cTn id="2" dur="indefinite" nodeType="mainSeq">
+                <p:childTnLst>
+                  <p:par>
+                    <p:cTn id="3" fill="hold">
+                      <p:stCondLst>
+                        <p:cond delay="indefinite"/>
+                      </p:stCondLst>
+                      <p:childTnLst>
+                        <p:par>
+                          <p:cTn id="4" fill="hold">
+                            <p:stCondLst>
+                              <p:cond delay="0"/>
+                            </p:stCondLst>
+                            <p:childTnLst>
+                              <p:par>
+                                <p:cTn id="5" presetID="42" presetClass="entr" presetSubtype="0" fill="hold" nodeType="clickEffect">
+                                  <p:stCondLst>
+                                    <p:cond delay="0"/>
+                                  </p:stCondLst>
+                                  <p:childTnLst>
+                                    <p:set>
+                                      <p:cBhvr>
+                                        <p:cTn id="6" dur="1" fill="hold">
+                                          <p:stCondLst>
+                                            <p:cond delay="0"/>
+                                          </p:stCondLst>
+                                        </p:cTn>
+                                        <p:tgtEl>
+                                          <p:spTgt spid="26"/>
+                                        </p:tgtEl>
+                                        <p:attrNameLst>
+                                          <p:attrName>style.visibility</p:attrName>
+                                        </p:attrNameLst>
+                                      </p:cBhvr>
+                                      <p:to>
+                                        <p:strVal val="visible"/>
+                                      </p:to>
+                                    </p:set>
+                                    <p:animEffect transition="in" filter="fade">
+                                      <p:cBhvr>
+                                        <p:cTn id="7" dur="750"/>
+                                        <p:tgtEl>
+                                          <p:spTgt spid="26"/>
+                                        </p:tgtEl>
+                                      </p:cBhvr>
+                                    </p:animEffect>
+                                    <p:anim calcmode="lin" valueType="num">
+                                      <p:cBhvr>
+                                        <p:cTn id="8" dur="750" fill="hold"/>
+                                        <p:tgtEl>
+                                          <p:spTgt spid="26"/>
+                                        </p:tgtEl>
+                                        <p:attrNameLst>
+                                          <p:attrName>ppt_x</p:attrName>
+                                        </p:attrNameLst>
+                                      </p:cBhvr>
+                                      <p:tavLst>
+                                        <p:tav tm="0">
+                                          <p:val>
+                                            <p:strVal val="#ppt_x"/>
+                                          </p:val>
+                                        </p:tav>
+                                        <p:tav tm="100000">
+                                          <p:val>
+                                            <p:strVal val="#ppt_x"/>
+                                          </p:val>
+                                        </p:tav>
+                                      </p:tavLst>
+                                    </p:anim>
+                                    <p:anim calcmode="lin" valueType="num">
+                                      <p:cBhvr>
+                                        <p:cTn id="9" dur="750" fill="hold"/>
+                                        <p:tgtEl>
+                                          <p:spTgt spid="26"/>
+                                        </p:tgtEl>
+                                        <p:attrNameLst>
+                                          <p:attrName>ppt_y</p:attrName>
+                                        </p:attrNameLst>
+                                      </p:cBhvr>
+                                      <p:tavLst>
+                                        <p:tav tm="0">
+                                          <p:val>
+                                            <p:strVal val="#ppt_y+.1"/>
+                                          </p:val>
+                                        </p:tav>
+                                        <p:tav tm="100000">
+                                          <p:val>
+                                            <p:strVal val="#ppt_y"/>
+                                          </p:val>
+                                        </p:tav>
+                                      </p:tavLst>
+                                    </p:anim>
+                                  </p:childTnLst>
+                                </p:cTn>
+                              </p:par>
+                            </p:childTnLst>
+                          </p:cTn>
+                        </p:par>
+                      </p:childTnLst>
+                    </p:cTn>
+                  </p:par>
+                </p:childTnLst>
+              </p:cTn>
+              <p:prevCondLst>
+                <p:cond evt="onPrev" delay="0">
+                  <p:tgtEl>
+                    <p:sldTgt/>
+                  </p:tgtEl>
+                </p:cond>
+              </p:prevCondLst>
+              <p:nextCondLst>
+                <p:cond evt="onNext" delay="0">
+                  <p:tgtEl>
+                    <p:sldTgt/>
+                  </p:tgtEl>
+                </p:cond>
+              </p:nextCondLst>
+            </p:seq>
+          </p:childTnLst>
+        </p:cTn>
+      </p:par>
+    </p:tnLst>
+  </p:timing>
+</p:sld>
+</file>
+
+<file path=ppt/slides/slide19.xml><?xml version="1.0" encoding="utf-8"?>
+<p:sld xmlns:a="http://schemas.openxmlformats.org/drawingml/2006/main" xmlns:r="http://schemas.openxmlformats.org/officeDocument/2006/relationships" xmlns:p="http://schemas.openxmlformats.org/presentationml/2006/main">
+  <p:cSld>
+    <p:spTree>
+      <p:nvGrpSpPr>
+        <p:cNvPr id="1" name=""/>
+        <p:cNvGrpSpPr/>
+        <p:nvPr/>
+      </p:nvGrpSpPr>
+      <p:grpSpPr>
+        <a:xfrm>
+          <a:off x="0" y="0"/>
+          <a:ext cx="0" cy="0"/>
+          <a:chOff x="0" y="0"/>
+          <a:chExt cx="0" cy="0"/>
+        </a:xfrm>
+      </p:grpSpPr>
+      <p:sp>
+        <p:nvSpPr>
+          <p:cNvPr id="37" name="矩形 36"/>
+          <p:cNvSpPr/>
+          <p:nvPr/>
+        </p:nvSpPr>
+        <p:spPr>
+          <a:xfrm>
+            <a:off x="0" y="-106002"/>
+            <a:ext cx="9192115" cy="6964002"/>
+          </a:xfrm>
+          <a:prstGeom prst="rect">
+            <a:avLst/>
+          </a:prstGeom>
+          <a:ln>
+            <a:noFill/>
+          </a:ln>
+        </p:spPr>
+        <p:style>
+          <a:lnRef idx="2">
+            <a:schemeClr val="accent1">
+              <a:shade val="50000"/>
+            </a:schemeClr>
+          </a:lnRef>
+          <a:fillRef idx="1001">
+            <a:schemeClr val="dk2"/>
+          </a:fillRef>
+          <a:effectRef idx="0">
+            <a:schemeClr val="accent1"/>
+          </a:effectRef>
+          <a:fontRef idx="minor">
+            <a:schemeClr val="lt1"/>
+          </a:fontRef>
+        </p:style>
+        <p:txBody>
+          <a:bodyPr rtlCol="0" anchor="ctr"/>
+          <a:lstStyle/>
+          <a:p>
+            <a:pPr algn="ctr"/>
+            <a:endParaRPr lang="zh-CN" altLang="en-US" dirty="0"/>
+          </a:p>
+        </p:txBody>
+      </p:sp>
+      <p:sp>
+        <p:nvSpPr>
+          <p:cNvPr id="13" name="矩形 12"/>
+          <p:cNvSpPr/>
+          <p:nvPr/>
+        </p:nvSpPr>
+        <p:spPr>
+          <a:xfrm>
+            <a:off x="0" y="2132856"/>
+            <a:ext cx="2915816" cy="1872208"/>
+          </a:xfrm>
+          <a:prstGeom prst="rect">
+            <a:avLst/>
+          </a:prstGeom>
+          <a:solidFill>
+            <a:schemeClr val="tx2">
+              <a:lumMod val="75000"/>
+            </a:schemeClr>
+          </a:solidFill>
+          <a:ln>
+            <a:noFill/>
+          </a:ln>
+        </p:spPr>
+        <p:style>
+          <a:lnRef idx="2">
+            <a:schemeClr val="accent1">
+              <a:shade val="50000"/>
+            </a:schemeClr>
+          </a:lnRef>
+          <a:fillRef idx="1">
+            <a:schemeClr val="accent1"/>
+          </a:fillRef>
+          <a:effectRef idx="0">
+            <a:schemeClr val="accent1"/>
+          </a:effectRef>
+          <a:fontRef idx="minor">
+            <a:schemeClr val="lt1"/>
+          </a:fontRef>
+        </p:style>
+        <p:txBody>
+          <a:bodyPr rtlCol="0" anchor="ctr"/>
+          <a:lstStyle/>
+          <a:p>
+            <a:pPr algn="ctr"/>
+            <a:endParaRPr lang="zh-CN" altLang="en-US"/>
+          </a:p>
+        </p:txBody>
+      </p:sp>
+      <p:sp>
+        <p:nvSpPr>
+          <p:cNvPr id="15" name="椭圆 14"/>
+          <p:cNvSpPr/>
+          <p:nvPr/>
+        </p:nvSpPr>
+        <p:spPr>
+          <a:xfrm>
+            <a:off x="1835696" y="1860730"/>
+            <a:ext cx="2416460" cy="2416460"/>
+          </a:xfrm>
+          <a:prstGeom prst="ellipse">
+            <a:avLst/>
+          </a:prstGeom>
+          <a:ln>
+            <a:noFill/>
+          </a:ln>
+        </p:spPr>
+        <p:style>
+          <a:lnRef idx="2">
+            <a:schemeClr val="accent1">
+              <a:shade val="50000"/>
+            </a:schemeClr>
+          </a:lnRef>
+          <a:fillRef idx="1001">
+            <a:schemeClr val="dk2"/>
+          </a:fillRef>
+          <a:effectRef idx="0">
+            <a:schemeClr val="accent1"/>
+          </a:effectRef>
+          <a:fontRef idx="minor">
+            <a:schemeClr val="lt1"/>
+          </a:fontRef>
+        </p:style>
+        <p:txBody>
+          <a:bodyPr rtlCol="0" anchor="ctr"/>
+          <a:lstStyle/>
+          <a:p>
+            <a:pPr algn="ctr"/>
+            <a:endParaRPr lang="zh-CN" altLang="en-US"/>
+          </a:p>
+        </p:txBody>
+      </p:sp>
+      <p:cxnSp>
+        <p:nvCxnSpPr>
+          <p:cNvPr id="5" name="直接连接符 4"/>
+          <p:cNvCxnSpPr/>
+          <p:nvPr/>
+        </p:nvCxnSpPr>
+        <p:spPr>
+          <a:xfrm>
+            <a:off x="4067944" y="2977788"/>
+            <a:ext cx="2808312" cy="9582"/>
+          </a:xfrm>
+          <a:prstGeom prst="line">
+            <a:avLst/>
+          </a:prstGeom>
+          <a:ln>
+            <a:solidFill>
+              <a:schemeClr val="bg1">
+                <a:lumMod val="95000"/>
+              </a:schemeClr>
+            </a:solidFill>
+            <a:prstDash val="sysDash"/>
+          </a:ln>
+        </p:spPr>
+        <p:style>
+          <a:lnRef idx="1">
+            <a:schemeClr val="accent1"/>
+          </a:lnRef>
+          <a:fillRef idx="0">
+            <a:schemeClr val="accent1"/>
+          </a:fillRef>
+          <a:effectRef idx="0">
+            <a:schemeClr val="accent1"/>
+          </a:effectRef>
+          <a:fontRef idx="minor">
+            <a:schemeClr val="tx1"/>
+          </a:fontRef>
+        </p:style>
+      </p:cxnSp>
+      <p:sp>
+        <p:nvSpPr>
+          <p:cNvPr id="12" name="椭圆 11"/>
+          <p:cNvSpPr/>
+          <p:nvPr/>
+        </p:nvSpPr>
+        <p:spPr>
+          <a:xfrm>
+            <a:off x="2195736" y="2204864"/>
+            <a:ext cx="1728192" cy="1728192"/>
+          </a:xfrm>
+          <a:prstGeom prst="ellipse">
+            <a:avLst/>
+          </a:prstGeom>
+          <a:solidFill>
+            <a:schemeClr val="bg1"/>
+          </a:solidFill>
+          <a:ln>
+            <a:noFill/>
+          </a:ln>
+        </p:spPr>
+        <p:style>
+          <a:lnRef idx="2">
+            <a:schemeClr val="accent1">
+              <a:shade val="50000"/>
+            </a:schemeClr>
+          </a:lnRef>
+          <a:fillRef idx="1">
+            <a:schemeClr val="accent1"/>
+          </a:fillRef>
+          <a:effectRef idx="0">
+            <a:schemeClr val="accent1"/>
+          </a:effectRef>
+          <a:fontRef idx="minor">
+            <a:schemeClr val="lt1"/>
+          </a:fontRef>
+        </p:style>
+        <p:txBody>
+          <a:bodyPr rtlCol="0" anchor="ctr"/>
+          <a:lstStyle/>
+          <a:p>
+            <a:pPr algn="ctr"/>
+            <a:endParaRPr lang="zh-CN" altLang="en-US"/>
+          </a:p>
+        </p:txBody>
+      </p:sp>
+      <p:sp>
+        <p:nvSpPr>
+          <p:cNvPr id="14" name="TextBox 13"/>
+          <p:cNvSpPr txBox="1"/>
+          <p:nvPr/>
+        </p:nvSpPr>
+        <p:spPr>
+          <a:xfrm>
+            <a:off x="4245253" y="2473732"/>
+            <a:ext cx="1620957" cy="523220"/>
+          </a:xfrm>
+          <a:prstGeom prst="rect">
+            <a:avLst/>
+          </a:prstGeom>
+          <a:noFill/>
+        </p:spPr>
+        <p:txBody>
+          <a:bodyPr wrap="none" rtlCol="0">
+            <a:spAutoFit/>
+          </a:bodyPr>
+          <a:lstStyle/>
+          <a:p>
+            <a:r>
+              <a:rPr lang="zh-CN" altLang="en-US" sz="2800" dirty="0">
+                <a:solidFill>
+                  <a:schemeClr val="bg1">
+                    <a:lumMod val="95000"/>
+                  </a:schemeClr>
+                </a:solidFill>
+                <a:latin typeface="微软雅黑" panose="020B0503020204020204" pitchFamily="34" charset="-122"/>
+                <a:ea typeface="微软雅黑" panose="020B0503020204020204" pitchFamily="34" charset="-122"/>
+              </a:rPr>
+              <a:t>论文总结</a:t>
+            </a:r>
+          </a:p>
+        </p:txBody>
+      </p:sp>
+      <p:sp>
+        <p:nvSpPr>
+          <p:cNvPr id="17" name="燕尾形 16"/>
+          <p:cNvSpPr/>
+          <p:nvPr/>
+        </p:nvSpPr>
+        <p:spPr>
+          <a:xfrm>
+            <a:off x="4101237" y="2663334"/>
+            <a:ext cx="144016" cy="170438"/>
+          </a:xfrm>
+          <a:prstGeom prst="chevron">
+            <a:avLst/>
+          </a:prstGeom>
+          <a:solidFill>
+            <a:schemeClr val="bg1"/>
+          </a:solidFill>
+          <a:ln>
+            <a:noFill/>
+          </a:ln>
+        </p:spPr>
+        <p:style>
+          <a:lnRef idx="2">
+            <a:schemeClr val="accent1">
+              <a:shade val="50000"/>
+            </a:schemeClr>
+          </a:lnRef>
+          <a:fillRef idx="1">
+            <a:schemeClr val="accent1"/>
+          </a:fillRef>
+          <a:effectRef idx="0">
+            <a:schemeClr val="accent1"/>
+          </a:effectRef>
+          <a:fontRef idx="minor">
+            <a:schemeClr val="lt1"/>
+          </a:fontRef>
+        </p:style>
+        <p:txBody>
+          <a:bodyPr rtlCol="0" anchor="ctr"/>
+          <a:lstStyle/>
+          <a:p>
+            <a:pPr algn="ctr"/>
+            <a:endParaRPr lang="zh-CN" altLang="en-US">
+              <a:solidFill>
+                <a:schemeClr val="tx1"/>
+              </a:solidFill>
+            </a:endParaRPr>
+          </a:p>
+        </p:txBody>
+      </p:sp>
+      <p:grpSp>
+        <p:nvGrpSpPr>
+          <p:cNvPr id="10" name="Group 4"/>
+          <p:cNvGrpSpPr>
+            <a:grpSpLocks noChangeAspect="1"/>
+          </p:cNvGrpSpPr>
+          <p:nvPr/>
+        </p:nvGrpSpPr>
+        <p:grpSpPr bwMode="auto">
+          <a:xfrm>
+            <a:off x="2639678" y="2474577"/>
+            <a:ext cx="851058" cy="1153303"/>
+            <a:chOff x="2773" y="2014"/>
+            <a:chExt cx="214" cy="290"/>
+          </a:xfrm>
+          <a:solidFill>
+            <a:schemeClr val="tx2">
+              <a:lumMod val="75000"/>
+            </a:schemeClr>
+          </a:solidFill>
+        </p:grpSpPr>
+        <p:sp>
+          <p:nvSpPr>
+            <p:cNvPr id="11" name="Freeform 5"/>
+            <p:cNvSpPr>
+              <a:spLocks/>
+            </p:cNvSpPr>
+            <p:nvPr/>
+          </p:nvSpPr>
+          <p:spPr bwMode="auto">
+            <a:xfrm>
+              <a:off x="2773" y="2052"/>
+              <a:ext cx="214" cy="252"/>
+            </a:xfrm>
+            <a:custGeom>
+              <a:avLst/>
+              <a:gdLst>
+                <a:gd name="T0" fmla="*/ 185 w 214"/>
+                <a:gd name="T1" fmla="*/ 0 h 252"/>
+                <a:gd name="T2" fmla="*/ 214 w 214"/>
+                <a:gd name="T3" fmla="*/ 0 h 252"/>
+                <a:gd name="T4" fmla="*/ 214 w 214"/>
+                <a:gd name="T5" fmla="*/ 252 h 252"/>
+                <a:gd name="T6" fmla="*/ 0 w 214"/>
+                <a:gd name="T7" fmla="*/ 252 h 252"/>
+                <a:gd name="T8" fmla="*/ 0 w 214"/>
+                <a:gd name="T9" fmla="*/ 0 h 252"/>
+                <a:gd name="T10" fmla="*/ 29 w 214"/>
+                <a:gd name="T11" fmla="*/ 0 h 252"/>
+                <a:gd name="T12" fmla="*/ 0 60000 65536"/>
+                <a:gd name="T13" fmla="*/ 0 60000 65536"/>
+                <a:gd name="T14" fmla="*/ 0 60000 65536"/>
+                <a:gd name="T15" fmla="*/ 0 60000 65536"/>
+                <a:gd name="T16" fmla="*/ 0 60000 65536"/>
+                <a:gd name="T17" fmla="*/ 0 60000 65536"/>
+                <a:gd name="T18" fmla="*/ 0 w 214"/>
+                <a:gd name="T19" fmla="*/ 0 h 252"/>
+                <a:gd name="T20" fmla="*/ 214 w 214"/>
+                <a:gd name="T21" fmla="*/ 252 h 252"/>
+              </a:gdLst>
+              <a:ahLst/>
+              <a:cxnLst>
+                <a:cxn ang="T12">
+                  <a:pos x="T0" y="T1"/>
+                </a:cxn>
+                <a:cxn ang="T13">
+                  <a:pos x="T2" y="T3"/>
+                </a:cxn>
+                <a:cxn ang="T14">
+                  <a:pos x="T4" y="T5"/>
+                </a:cxn>
+                <a:cxn ang="T15">
+                  <a:pos x="T6" y="T7"/>
+                </a:cxn>
+                <a:cxn ang="T16">
+                  <a:pos x="T8" y="T9"/>
+                </a:cxn>
+                <a:cxn ang="T17">
+                  <a:pos x="T10" y="T11"/>
+                </a:cxn>
+              </a:cxnLst>
+              <a:rect l="T18" t="T19" r="T20" b="T21"/>
+              <a:pathLst>
+                <a:path w="214" h="252">
+                  <a:moveTo>
+                    <a:pt x="185" y="0"/>
+                  </a:moveTo>
+                  <a:lnTo>
+                    <a:pt x="214" y="0"/>
+                  </a:lnTo>
+                  <a:lnTo>
+                    <a:pt x="214" y="252"/>
+                  </a:lnTo>
+                  <a:lnTo>
+                    <a:pt x="0" y="252"/>
+                  </a:lnTo>
+                  <a:lnTo>
+                    <a:pt x="0" y="0"/>
+                  </a:lnTo>
+                  <a:lnTo>
+                    <a:pt x="29" y="0"/>
+                  </a:lnTo>
+                </a:path>
+              </a:pathLst>
+            </a:custGeom>
+            <a:grpFill/>
+            <a:ln w="76200">
+              <a:solidFill>
+                <a:srgbClr val="FFFFFF"/>
+              </a:solidFill>
+              <a:miter lim="800000"/>
+              <a:headEnd/>
+              <a:tailEnd/>
+            </a:ln>
+            <a:extLst/>
+          </p:spPr>
+          <p:txBody>
+            <a:bodyPr/>
+            <a:lstStyle/>
+            <a:p>
+              <a:endParaRPr lang="zh-CN" altLang="en-US"/>
+            </a:p>
+          </p:txBody>
+        </p:sp>
+        <p:sp>
+          <p:nvSpPr>
+            <p:cNvPr id="18" name="Freeform 6"/>
+            <p:cNvSpPr>
+              <a:spLocks/>
+            </p:cNvSpPr>
+            <p:nvPr/>
+          </p:nvSpPr>
+          <p:spPr bwMode="auto">
+            <a:xfrm>
+              <a:off x="2831" y="2014"/>
+              <a:ext cx="98" cy="58"/>
+            </a:xfrm>
+            <a:custGeom>
+              <a:avLst/>
+              <a:gdLst>
+                <a:gd name="T0" fmla="*/ 3530 w 40"/>
+                <a:gd name="T1" fmla="*/ 1974 h 24"/>
+                <a:gd name="T2" fmla="*/ 3530 w 40"/>
+                <a:gd name="T3" fmla="*/ 648 h 24"/>
+                <a:gd name="T4" fmla="*/ 2484 w 40"/>
+                <a:gd name="T5" fmla="*/ 648 h 24"/>
+                <a:gd name="T6" fmla="*/ 1764 w 40"/>
+                <a:gd name="T7" fmla="*/ 0 h 24"/>
+                <a:gd name="T8" fmla="*/ 1044 w 40"/>
+                <a:gd name="T9" fmla="*/ 648 h 24"/>
+                <a:gd name="T10" fmla="*/ 0 w 40"/>
+                <a:gd name="T11" fmla="*/ 648 h 24"/>
+                <a:gd name="T12" fmla="*/ 0 w 40"/>
+                <a:gd name="T13" fmla="*/ 1974 h 24"/>
+                <a:gd name="T14" fmla="*/ 3530 w 40"/>
+                <a:gd name="T15" fmla="*/ 1974 h 24"/>
+                <a:gd name="T16" fmla="*/ 0 60000 65536"/>
+                <a:gd name="T17" fmla="*/ 0 60000 65536"/>
+                <a:gd name="T18" fmla="*/ 0 60000 65536"/>
+                <a:gd name="T19" fmla="*/ 0 60000 65536"/>
+                <a:gd name="T20" fmla="*/ 0 60000 65536"/>
+                <a:gd name="T21" fmla="*/ 0 60000 65536"/>
+                <a:gd name="T22" fmla="*/ 0 60000 65536"/>
+                <a:gd name="T23" fmla="*/ 0 60000 65536"/>
+                <a:gd name="T24" fmla="*/ 0 w 40"/>
+                <a:gd name="T25" fmla="*/ 0 h 24"/>
+                <a:gd name="T26" fmla="*/ 40 w 40"/>
+                <a:gd name="T27" fmla="*/ 24 h 24"/>
+              </a:gdLst>
+              <a:ahLst/>
+              <a:cxnLst>
+                <a:cxn ang="T16">
+                  <a:pos x="T0" y="T1"/>
+                </a:cxn>
+                <a:cxn ang="T17">
+                  <a:pos x="T2" y="T3"/>
+                </a:cxn>
+                <a:cxn ang="T18">
+                  <a:pos x="T4" y="T5"/>
+                </a:cxn>
+                <a:cxn ang="T19">
+                  <a:pos x="T6" y="T7"/>
+                </a:cxn>
+                <a:cxn ang="T20">
+                  <a:pos x="T8" y="T9"/>
+                </a:cxn>
+                <a:cxn ang="T21">
+                  <a:pos x="T10" y="T11"/>
+                </a:cxn>
+                <a:cxn ang="T22">
+                  <a:pos x="T12" y="T13"/>
+                </a:cxn>
+                <a:cxn ang="T23">
+                  <a:pos x="T14" y="T15"/>
+                </a:cxn>
+              </a:cxnLst>
+              <a:rect l="T24" t="T25" r="T26" b="T27"/>
+              <a:pathLst>
+                <a:path w="40" h="24">
+                  <a:moveTo>
+                    <a:pt x="40" y="24"/>
+                  </a:moveTo>
+                  <a:cubicBezTo>
+                    <a:pt x="40" y="8"/>
+                    <a:pt x="40" y="8"/>
+                    <a:pt x="40" y="8"/>
+                  </a:cubicBezTo>
+                  <a:cubicBezTo>
+                    <a:pt x="28" y="8"/>
+                    <a:pt x="28" y="8"/>
+                    <a:pt x="28" y="8"/>
+                  </a:cubicBezTo>
+                  <a:cubicBezTo>
+                    <a:pt x="28" y="4"/>
+                    <a:pt x="24" y="0"/>
+                    <a:pt x="20" y="0"/>
+                  </a:cubicBezTo>
+                  <a:cubicBezTo>
+                    <a:pt x="16" y="0"/>
+                    <a:pt x="12" y="4"/>
+                    <a:pt x="12" y="8"/>
+                  </a:cubicBezTo>
+                  <a:cubicBezTo>
+                    <a:pt x="0" y="8"/>
+                    <a:pt x="0" y="8"/>
+                    <a:pt x="0" y="8"/>
+                  </a:cubicBezTo>
+                  <a:cubicBezTo>
+                    <a:pt x="0" y="24"/>
+                    <a:pt x="0" y="24"/>
+                    <a:pt x="0" y="24"/>
+                  </a:cubicBezTo>
+                  <a:lnTo>
+                    <a:pt x="40" y="24"/>
+                  </a:lnTo>
+                  <a:close/>
+                </a:path>
+              </a:pathLst>
+            </a:custGeom>
+            <a:grpFill/>
+            <a:ln w="76200">
+              <a:solidFill>
+                <a:srgbClr val="FFFFFF"/>
+              </a:solidFill>
+              <a:miter lim="800000"/>
+              <a:headEnd/>
+              <a:tailEnd/>
+            </a:ln>
+            <a:extLst/>
+          </p:spPr>
+          <p:txBody>
+            <a:bodyPr/>
+            <a:lstStyle/>
+            <a:p>
+              <a:endParaRPr lang="zh-CN" altLang="en-US"/>
+            </a:p>
+          </p:txBody>
+        </p:sp>
+        <p:sp>
+          <p:nvSpPr>
+            <p:cNvPr id="19" name="Line 7"/>
+            <p:cNvSpPr>
+              <a:spLocks noChangeShapeType="1"/>
+            </p:cNvSpPr>
+            <p:nvPr/>
+          </p:nvSpPr>
+          <p:spPr bwMode="auto">
+            <a:xfrm flipH="1">
+              <a:off x="2822" y="2168"/>
+              <a:ext cx="117" cy="0"/>
+            </a:xfrm>
+            <a:prstGeom prst="line">
+              <a:avLst/>
+            </a:prstGeom>
+            <a:grpFill/>
+            <a:ln w="76200">
+              <a:solidFill>
+                <a:srgbClr val="FFFFFF"/>
+              </a:solidFill>
+              <a:miter lim="800000"/>
+              <a:headEnd/>
+              <a:tailEnd/>
+            </a:ln>
+            <a:extLst/>
+          </p:spPr>
+          <p:txBody>
+            <a:bodyPr/>
+            <a:lstStyle/>
+            <a:p>
+              <a:endParaRPr lang="zh-CN" altLang="en-US"/>
+            </a:p>
+          </p:txBody>
+        </p:sp>
+        <p:sp>
+          <p:nvSpPr>
+            <p:cNvPr id="20" name="Line 8"/>
+            <p:cNvSpPr>
+              <a:spLocks noChangeShapeType="1"/>
+            </p:cNvSpPr>
+            <p:nvPr/>
+          </p:nvSpPr>
+          <p:spPr bwMode="auto">
+            <a:xfrm flipH="1">
+              <a:off x="2822" y="2207"/>
+              <a:ext cx="117" cy="0"/>
+            </a:xfrm>
+            <a:prstGeom prst="line">
+              <a:avLst/>
+            </a:prstGeom>
+            <a:grpFill/>
+            <a:ln w="76200">
+              <a:solidFill>
+                <a:srgbClr val="FFFFFF"/>
+              </a:solidFill>
+              <a:miter lim="800000"/>
+              <a:headEnd/>
+              <a:tailEnd/>
+            </a:ln>
+            <a:extLst/>
+          </p:spPr>
+          <p:txBody>
+            <a:bodyPr/>
+            <a:lstStyle/>
+            <a:p>
+              <a:endParaRPr lang="zh-CN" altLang="en-US"/>
+            </a:p>
+          </p:txBody>
+        </p:sp>
+        <p:sp>
+          <p:nvSpPr>
+            <p:cNvPr id="21" name="Line 9"/>
+            <p:cNvSpPr>
+              <a:spLocks noChangeShapeType="1"/>
+            </p:cNvSpPr>
+            <p:nvPr/>
+          </p:nvSpPr>
+          <p:spPr bwMode="auto">
+            <a:xfrm flipH="1">
+              <a:off x="2822" y="2246"/>
+              <a:ext cx="117" cy="0"/>
+            </a:xfrm>
+            <a:prstGeom prst="line">
+              <a:avLst/>
+            </a:prstGeom>
+            <a:grpFill/>
+            <a:ln w="76200">
+              <a:solidFill>
+                <a:srgbClr val="FFFFFF"/>
+              </a:solidFill>
+              <a:miter lim="800000"/>
+              <a:headEnd/>
+              <a:tailEnd/>
+            </a:ln>
+            <a:extLst/>
+          </p:spPr>
+          <p:txBody>
+            <a:bodyPr/>
+            <a:lstStyle/>
+            <a:p>
+              <a:endParaRPr lang="zh-CN" altLang="en-US"/>
+            </a:p>
+          </p:txBody>
+        </p:sp>
+        <p:sp>
+          <p:nvSpPr>
+            <p:cNvPr id="22" name="Line 10"/>
+            <p:cNvSpPr>
+              <a:spLocks noChangeShapeType="1"/>
+            </p:cNvSpPr>
+            <p:nvPr/>
+          </p:nvSpPr>
+          <p:spPr bwMode="auto">
+            <a:xfrm flipH="1">
+              <a:off x="2822" y="2130"/>
+              <a:ext cx="117" cy="0"/>
+            </a:xfrm>
+            <a:prstGeom prst="line">
+              <a:avLst/>
+            </a:prstGeom>
+            <a:grpFill/>
+            <a:ln w="76200">
+              <a:solidFill>
+                <a:srgbClr val="FFFFFF"/>
+              </a:solidFill>
+              <a:miter lim="800000"/>
+              <a:headEnd/>
+              <a:tailEnd/>
+            </a:ln>
+            <a:extLst/>
+          </p:spPr>
+          <p:txBody>
+            <a:bodyPr/>
+            <a:lstStyle/>
+            <a:p>
+              <a:endParaRPr lang="zh-CN" altLang="en-US"/>
+            </a:p>
+          </p:txBody>
+        </p:sp>
+      </p:grpSp>
+    </p:spTree>
+    <p:extLst>
+      <p:ext uri="{BB962C8B-B14F-4D97-AF65-F5344CB8AC3E}">
+        <p14:creationId xmlns:p14="http://schemas.microsoft.com/office/powerpoint/2010/main" val="2927947138"/>
       </p:ext>
     </p:extLst>
   </p:cSld>
@@ -27162,805 +26948,6 @@
         </p:nvSpPr>
         <p:spPr>
           <a:xfrm>
-            <a:off x="0" y="-106002"/>
-            <a:ext cx="9192115" cy="6964002"/>
-          </a:xfrm>
-          <a:prstGeom prst="rect">
-            <a:avLst/>
-          </a:prstGeom>
-          <a:ln>
-            <a:noFill/>
-          </a:ln>
-        </p:spPr>
-        <p:style>
-          <a:lnRef idx="2">
-            <a:schemeClr val="accent1">
-              <a:shade val="50000"/>
-            </a:schemeClr>
-          </a:lnRef>
-          <a:fillRef idx="1001">
-            <a:schemeClr val="dk2"/>
-          </a:fillRef>
-          <a:effectRef idx="0">
-            <a:schemeClr val="accent1"/>
-          </a:effectRef>
-          <a:fontRef idx="minor">
-            <a:schemeClr val="lt1"/>
-          </a:fontRef>
-        </p:style>
-        <p:txBody>
-          <a:bodyPr rtlCol="0" anchor="ctr"/>
-          <a:lstStyle/>
-          <a:p>
-            <a:pPr algn="ctr"/>
-            <a:endParaRPr lang="zh-CN" altLang="en-US" dirty="0"/>
-          </a:p>
-        </p:txBody>
-      </p:sp>
-      <p:sp>
-        <p:nvSpPr>
-          <p:cNvPr id="13" name="矩形 12"/>
-          <p:cNvSpPr/>
-          <p:nvPr/>
-        </p:nvSpPr>
-        <p:spPr>
-          <a:xfrm>
-            <a:off x="0" y="2132856"/>
-            <a:ext cx="2915816" cy="1872208"/>
-          </a:xfrm>
-          <a:prstGeom prst="rect">
-            <a:avLst/>
-          </a:prstGeom>
-          <a:solidFill>
-            <a:schemeClr val="tx2">
-              <a:lumMod val="75000"/>
-            </a:schemeClr>
-          </a:solidFill>
-          <a:ln>
-            <a:noFill/>
-          </a:ln>
-        </p:spPr>
-        <p:style>
-          <a:lnRef idx="2">
-            <a:schemeClr val="accent1">
-              <a:shade val="50000"/>
-            </a:schemeClr>
-          </a:lnRef>
-          <a:fillRef idx="1">
-            <a:schemeClr val="accent1"/>
-          </a:fillRef>
-          <a:effectRef idx="0">
-            <a:schemeClr val="accent1"/>
-          </a:effectRef>
-          <a:fontRef idx="minor">
-            <a:schemeClr val="lt1"/>
-          </a:fontRef>
-        </p:style>
-        <p:txBody>
-          <a:bodyPr rtlCol="0" anchor="ctr"/>
-          <a:lstStyle/>
-          <a:p>
-            <a:pPr algn="ctr"/>
-            <a:endParaRPr lang="zh-CN" altLang="en-US"/>
-          </a:p>
-        </p:txBody>
-      </p:sp>
-      <p:sp>
-        <p:nvSpPr>
-          <p:cNvPr id="15" name="椭圆 14"/>
-          <p:cNvSpPr/>
-          <p:nvPr/>
-        </p:nvSpPr>
-        <p:spPr>
-          <a:xfrm>
-            <a:off x="1835696" y="1860730"/>
-            <a:ext cx="2416460" cy="2416460"/>
-          </a:xfrm>
-          <a:prstGeom prst="ellipse">
-            <a:avLst/>
-          </a:prstGeom>
-          <a:ln>
-            <a:noFill/>
-          </a:ln>
-        </p:spPr>
-        <p:style>
-          <a:lnRef idx="2">
-            <a:schemeClr val="accent1">
-              <a:shade val="50000"/>
-            </a:schemeClr>
-          </a:lnRef>
-          <a:fillRef idx="1001">
-            <a:schemeClr val="dk2"/>
-          </a:fillRef>
-          <a:effectRef idx="0">
-            <a:schemeClr val="accent1"/>
-          </a:effectRef>
-          <a:fontRef idx="minor">
-            <a:schemeClr val="lt1"/>
-          </a:fontRef>
-        </p:style>
-        <p:txBody>
-          <a:bodyPr rtlCol="0" anchor="ctr"/>
-          <a:lstStyle/>
-          <a:p>
-            <a:pPr algn="ctr"/>
-            <a:endParaRPr lang="zh-CN" altLang="en-US"/>
-          </a:p>
-        </p:txBody>
-      </p:sp>
-      <p:cxnSp>
-        <p:nvCxnSpPr>
-          <p:cNvPr id="5" name="直接连接符 4"/>
-          <p:cNvCxnSpPr/>
-          <p:nvPr/>
-        </p:nvCxnSpPr>
-        <p:spPr>
-          <a:xfrm>
-            <a:off x="4067944" y="2977788"/>
-            <a:ext cx="2808312" cy="9582"/>
-          </a:xfrm>
-          <a:prstGeom prst="line">
-            <a:avLst/>
-          </a:prstGeom>
-          <a:ln>
-            <a:solidFill>
-              <a:schemeClr val="bg1">
-                <a:lumMod val="95000"/>
-              </a:schemeClr>
-            </a:solidFill>
-            <a:prstDash val="sysDash"/>
-          </a:ln>
-        </p:spPr>
-        <p:style>
-          <a:lnRef idx="1">
-            <a:schemeClr val="accent1"/>
-          </a:lnRef>
-          <a:fillRef idx="0">
-            <a:schemeClr val="accent1"/>
-          </a:fillRef>
-          <a:effectRef idx="0">
-            <a:schemeClr val="accent1"/>
-          </a:effectRef>
-          <a:fontRef idx="minor">
-            <a:schemeClr val="tx1"/>
-          </a:fontRef>
-        </p:style>
-      </p:cxnSp>
-      <p:sp>
-        <p:nvSpPr>
-          <p:cNvPr id="12" name="椭圆 11"/>
-          <p:cNvSpPr/>
-          <p:nvPr/>
-        </p:nvSpPr>
-        <p:spPr>
-          <a:xfrm>
-            <a:off x="2195736" y="2204864"/>
-            <a:ext cx="1728192" cy="1728192"/>
-          </a:xfrm>
-          <a:prstGeom prst="ellipse">
-            <a:avLst/>
-          </a:prstGeom>
-          <a:solidFill>
-            <a:schemeClr val="bg1"/>
-          </a:solidFill>
-          <a:ln>
-            <a:noFill/>
-          </a:ln>
-        </p:spPr>
-        <p:style>
-          <a:lnRef idx="2">
-            <a:schemeClr val="accent1">
-              <a:shade val="50000"/>
-            </a:schemeClr>
-          </a:lnRef>
-          <a:fillRef idx="1">
-            <a:schemeClr val="accent1"/>
-          </a:fillRef>
-          <a:effectRef idx="0">
-            <a:schemeClr val="accent1"/>
-          </a:effectRef>
-          <a:fontRef idx="minor">
-            <a:schemeClr val="lt1"/>
-          </a:fontRef>
-        </p:style>
-        <p:txBody>
-          <a:bodyPr rtlCol="0" anchor="ctr"/>
-          <a:lstStyle/>
-          <a:p>
-            <a:pPr algn="ctr"/>
-            <a:endParaRPr lang="zh-CN" altLang="en-US"/>
-          </a:p>
-        </p:txBody>
-      </p:sp>
-      <p:sp>
-        <p:nvSpPr>
-          <p:cNvPr id="14" name="TextBox 13"/>
-          <p:cNvSpPr txBox="1"/>
-          <p:nvPr/>
-        </p:nvSpPr>
-        <p:spPr>
-          <a:xfrm>
-            <a:off x="4245253" y="2473732"/>
-            <a:ext cx="1620957" cy="523220"/>
-          </a:xfrm>
-          <a:prstGeom prst="rect">
-            <a:avLst/>
-          </a:prstGeom>
-          <a:noFill/>
-        </p:spPr>
-        <p:txBody>
-          <a:bodyPr wrap="none" rtlCol="0">
-            <a:spAutoFit/>
-          </a:bodyPr>
-          <a:lstStyle/>
-          <a:p>
-            <a:r>
-              <a:rPr lang="zh-CN" altLang="en-US" sz="2800" dirty="0">
-                <a:solidFill>
-                  <a:schemeClr val="bg1">
-                    <a:lumMod val="95000"/>
-                  </a:schemeClr>
-                </a:solidFill>
-                <a:latin typeface="微软雅黑" panose="020B0503020204020204" pitchFamily="34" charset="-122"/>
-                <a:ea typeface="微软雅黑" panose="020B0503020204020204" pitchFamily="34" charset="-122"/>
-              </a:rPr>
-              <a:t>论文总结</a:t>
-            </a:r>
-          </a:p>
-        </p:txBody>
-      </p:sp>
-      <p:sp>
-        <p:nvSpPr>
-          <p:cNvPr id="16" name="TextBox 15"/>
-          <p:cNvSpPr txBox="1"/>
-          <p:nvPr/>
-        </p:nvSpPr>
-        <p:spPr>
-          <a:xfrm>
-            <a:off x="5052099" y="3050376"/>
-            <a:ext cx="1428596" cy="523220"/>
-          </a:xfrm>
-          <a:prstGeom prst="rect">
-            <a:avLst/>
-          </a:prstGeom>
-          <a:noFill/>
-        </p:spPr>
-        <p:txBody>
-          <a:bodyPr wrap="none" rtlCol="0">
-            <a:spAutoFit/>
-          </a:bodyPr>
-          <a:lstStyle/>
-          <a:p>
-            <a:pPr marL="342900" indent="-342900">
-              <a:buFont typeface="+mj-ea"/>
-              <a:buAutoNum type="circleNumDbPlain"/>
-            </a:pPr>
-            <a:r>
-              <a:rPr lang="zh-CN" altLang="en-US" sz="1400" dirty="0">
-                <a:solidFill>
-                  <a:schemeClr val="bg1"/>
-                </a:solidFill>
-                <a:latin typeface="微软雅黑" panose="020B0503020204020204" pitchFamily="34" charset="-122"/>
-                <a:ea typeface="微软雅黑" panose="020B0503020204020204" pitchFamily="34" charset="-122"/>
-              </a:rPr>
-              <a:t>研究总结</a:t>
-            </a:r>
-            <a:endParaRPr lang="en-US" altLang="zh-CN" sz="1400" dirty="0">
-              <a:solidFill>
-                <a:schemeClr val="bg1"/>
-              </a:solidFill>
-              <a:latin typeface="微软雅黑" panose="020B0503020204020204" pitchFamily="34" charset="-122"/>
-              <a:ea typeface="微软雅黑" panose="020B0503020204020204" pitchFamily="34" charset="-122"/>
-            </a:endParaRPr>
-          </a:p>
-          <a:p>
-            <a:pPr marL="342900" indent="-342900">
-              <a:buFont typeface="+mj-ea"/>
-              <a:buAutoNum type="circleNumDbPlain"/>
-            </a:pPr>
-            <a:r>
-              <a:rPr lang="zh-CN" altLang="en-US" sz="1400" dirty="0">
-                <a:solidFill>
-                  <a:schemeClr val="bg1"/>
-                </a:solidFill>
-                <a:latin typeface="微软雅黑" panose="020B0503020204020204" pitchFamily="34" charset="-122"/>
-                <a:ea typeface="微软雅黑" panose="020B0503020204020204" pitchFamily="34" charset="-122"/>
-              </a:rPr>
-              <a:t>亮点和不足</a:t>
-            </a:r>
-          </a:p>
-        </p:txBody>
-      </p:sp>
-      <p:sp>
-        <p:nvSpPr>
-          <p:cNvPr id="17" name="燕尾形 16"/>
-          <p:cNvSpPr/>
-          <p:nvPr/>
-        </p:nvSpPr>
-        <p:spPr>
-          <a:xfrm>
-            <a:off x="4101237" y="2663334"/>
-            <a:ext cx="144016" cy="170438"/>
-          </a:xfrm>
-          <a:prstGeom prst="chevron">
-            <a:avLst/>
-          </a:prstGeom>
-          <a:solidFill>
-            <a:schemeClr val="bg1"/>
-          </a:solidFill>
-          <a:ln>
-            <a:noFill/>
-          </a:ln>
-        </p:spPr>
-        <p:style>
-          <a:lnRef idx="2">
-            <a:schemeClr val="accent1">
-              <a:shade val="50000"/>
-            </a:schemeClr>
-          </a:lnRef>
-          <a:fillRef idx="1">
-            <a:schemeClr val="accent1"/>
-          </a:fillRef>
-          <a:effectRef idx="0">
-            <a:schemeClr val="accent1"/>
-          </a:effectRef>
-          <a:fontRef idx="minor">
-            <a:schemeClr val="lt1"/>
-          </a:fontRef>
-        </p:style>
-        <p:txBody>
-          <a:bodyPr rtlCol="0" anchor="ctr"/>
-          <a:lstStyle/>
-          <a:p>
-            <a:pPr algn="ctr"/>
-            <a:endParaRPr lang="zh-CN" altLang="en-US">
-              <a:solidFill>
-                <a:schemeClr val="tx1"/>
-              </a:solidFill>
-            </a:endParaRPr>
-          </a:p>
-        </p:txBody>
-      </p:sp>
-      <p:grpSp>
-        <p:nvGrpSpPr>
-          <p:cNvPr id="10" name="Group 4"/>
-          <p:cNvGrpSpPr>
-            <a:grpSpLocks noChangeAspect="1"/>
-          </p:cNvGrpSpPr>
-          <p:nvPr/>
-        </p:nvGrpSpPr>
-        <p:grpSpPr bwMode="auto">
-          <a:xfrm>
-            <a:off x="2639678" y="2474577"/>
-            <a:ext cx="851058" cy="1153303"/>
-            <a:chOff x="2773" y="2014"/>
-            <a:chExt cx="214" cy="290"/>
-          </a:xfrm>
-          <a:solidFill>
-            <a:schemeClr val="tx2">
-              <a:lumMod val="75000"/>
-            </a:schemeClr>
-          </a:solidFill>
-        </p:grpSpPr>
-        <p:sp>
-          <p:nvSpPr>
-            <p:cNvPr id="11" name="Freeform 5"/>
-            <p:cNvSpPr>
-              <a:spLocks/>
-            </p:cNvSpPr>
-            <p:nvPr/>
-          </p:nvSpPr>
-          <p:spPr bwMode="auto">
-            <a:xfrm>
-              <a:off x="2773" y="2052"/>
-              <a:ext cx="214" cy="252"/>
-            </a:xfrm>
-            <a:custGeom>
-              <a:avLst/>
-              <a:gdLst>
-                <a:gd name="T0" fmla="*/ 185 w 214"/>
-                <a:gd name="T1" fmla="*/ 0 h 252"/>
-                <a:gd name="T2" fmla="*/ 214 w 214"/>
-                <a:gd name="T3" fmla="*/ 0 h 252"/>
-                <a:gd name="T4" fmla="*/ 214 w 214"/>
-                <a:gd name="T5" fmla="*/ 252 h 252"/>
-                <a:gd name="T6" fmla="*/ 0 w 214"/>
-                <a:gd name="T7" fmla="*/ 252 h 252"/>
-                <a:gd name="T8" fmla="*/ 0 w 214"/>
-                <a:gd name="T9" fmla="*/ 0 h 252"/>
-                <a:gd name="T10" fmla="*/ 29 w 214"/>
-                <a:gd name="T11" fmla="*/ 0 h 252"/>
-                <a:gd name="T12" fmla="*/ 0 60000 65536"/>
-                <a:gd name="T13" fmla="*/ 0 60000 65536"/>
-                <a:gd name="T14" fmla="*/ 0 60000 65536"/>
-                <a:gd name="T15" fmla="*/ 0 60000 65536"/>
-                <a:gd name="T16" fmla="*/ 0 60000 65536"/>
-                <a:gd name="T17" fmla="*/ 0 60000 65536"/>
-                <a:gd name="T18" fmla="*/ 0 w 214"/>
-                <a:gd name="T19" fmla="*/ 0 h 252"/>
-                <a:gd name="T20" fmla="*/ 214 w 214"/>
-                <a:gd name="T21" fmla="*/ 252 h 252"/>
-              </a:gdLst>
-              <a:ahLst/>
-              <a:cxnLst>
-                <a:cxn ang="T12">
-                  <a:pos x="T0" y="T1"/>
-                </a:cxn>
-                <a:cxn ang="T13">
-                  <a:pos x="T2" y="T3"/>
-                </a:cxn>
-                <a:cxn ang="T14">
-                  <a:pos x="T4" y="T5"/>
-                </a:cxn>
-                <a:cxn ang="T15">
-                  <a:pos x="T6" y="T7"/>
-                </a:cxn>
-                <a:cxn ang="T16">
-                  <a:pos x="T8" y="T9"/>
-                </a:cxn>
-                <a:cxn ang="T17">
-                  <a:pos x="T10" y="T11"/>
-                </a:cxn>
-              </a:cxnLst>
-              <a:rect l="T18" t="T19" r="T20" b="T21"/>
-              <a:pathLst>
-                <a:path w="214" h="252">
-                  <a:moveTo>
-                    <a:pt x="185" y="0"/>
-                  </a:moveTo>
-                  <a:lnTo>
-                    <a:pt x="214" y="0"/>
-                  </a:lnTo>
-                  <a:lnTo>
-                    <a:pt x="214" y="252"/>
-                  </a:lnTo>
-                  <a:lnTo>
-                    <a:pt x="0" y="252"/>
-                  </a:lnTo>
-                  <a:lnTo>
-                    <a:pt x="0" y="0"/>
-                  </a:lnTo>
-                  <a:lnTo>
-                    <a:pt x="29" y="0"/>
-                  </a:lnTo>
-                </a:path>
-              </a:pathLst>
-            </a:custGeom>
-            <a:grpFill/>
-            <a:ln w="76200">
-              <a:solidFill>
-                <a:srgbClr val="FFFFFF"/>
-              </a:solidFill>
-              <a:miter lim="800000"/>
-              <a:headEnd/>
-              <a:tailEnd/>
-            </a:ln>
-            <a:extLst/>
-          </p:spPr>
-          <p:txBody>
-            <a:bodyPr/>
-            <a:lstStyle/>
-            <a:p>
-              <a:endParaRPr lang="zh-CN" altLang="en-US"/>
-            </a:p>
-          </p:txBody>
-        </p:sp>
-        <p:sp>
-          <p:nvSpPr>
-            <p:cNvPr id="18" name="Freeform 6"/>
-            <p:cNvSpPr>
-              <a:spLocks/>
-            </p:cNvSpPr>
-            <p:nvPr/>
-          </p:nvSpPr>
-          <p:spPr bwMode="auto">
-            <a:xfrm>
-              <a:off x="2831" y="2014"/>
-              <a:ext cx="98" cy="58"/>
-            </a:xfrm>
-            <a:custGeom>
-              <a:avLst/>
-              <a:gdLst>
-                <a:gd name="T0" fmla="*/ 3530 w 40"/>
-                <a:gd name="T1" fmla="*/ 1974 h 24"/>
-                <a:gd name="T2" fmla="*/ 3530 w 40"/>
-                <a:gd name="T3" fmla="*/ 648 h 24"/>
-                <a:gd name="T4" fmla="*/ 2484 w 40"/>
-                <a:gd name="T5" fmla="*/ 648 h 24"/>
-                <a:gd name="T6" fmla="*/ 1764 w 40"/>
-                <a:gd name="T7" fmla="*/ 0 h 24"/>
-                <a:gd name="T8" fmla="*/ 1044 w 40"/>
-                <a:gd name="T9" fmla="*/ 648 h 24"/>
-                <a:gd name="T10" fmla="*/ 0 w 40"/>
-                <a:gd name="T11" fmla="*/ 648 h 24"/>
-                <a:gd name="T12" fmla="*/ 0 w 40"/>
-                <a:gd name="T13" fmla="*/ 1974 h 24"/>
-                <a:gd name="T14" fmla="*/ 3530 w 40"/>
-                <a:gd name="T15" fmla="*/ 1974 h 24"/>
-                <a:gd name="T16" fmla="*/ 0 60000 65536"/>
-                <a:gd name="T17" fmla="*/ 0 60000 65536"/>
-                <a:gd name="T18" fmla="*/ 0 60000 65536"/>
-                <a:gd name="T19" fmla="*/ 0 60000 65536"/>
-                <a:gd name="T20" fmla="*/ 0 60000 65536"/>
-                <a:gd name="T21" fmla="*/ 0 60000 65536"/>
-                <a:gd name="T22" fmla="*/ 0 60000 65536"/>
-                <a:gd name="T23" fmla="*/ 0 60000 65536"/>
-                <a:gd name="T24" fmla="*/ 0 w 40"/>
-                <a:gd name="T25" fmla="*/ 0 h 24"/>
-                <a:gd name="T26" fmla="*/ 40 w 40"/>
-                <a:gd name="T27" fmla="*/ 24 h 24"/>
-              </a:gdLst>
-              <a:ahLst/>
-              <a:cxnLst>
-                <a:cxn ang="T16">
-                  <a:pos x="T0" y="T1"/>
-                </a:cxn>
-                <a:cxn ang="T17">
-                  <a:pos x="T2" y="T3"/>
-                </a:cxn>
-                <a:cxn ang="T18">
-                  <a:pos x="T4" y="T5"/>
-                </a:cxn>
-                <a:cxn ang="T19">
-                  <a:pos x="T6" y="T7"/>
-                </a:cxn>
-                <a:cxn ang="T20">
-                  <a:pos x="T8" y="T9"/>
-                </a:cxn>
-                <a:cxn ang="T21">
-                  <a:pos x="T10" y="T11"/>
-                </a:cxn>
-                <a:cxn ang="T22">
-                  <a:pos x="T12" y="T13"/>
-                </a:cxn>
-                <a:cxn ang="T23">
-                  <a:pos x="T14" y="T15"/>
-                </a:cxn>
-              </a:cxnLst>
-              <a:rect l="T24" t="T25" r="T26" b="T27"/>
-              <a:pathLst>
-                <a:path w="40" h="24">
-                  <a:moveTo>
-                    <a:pt x="40" y="24"/>
-                  </a:moveTo>
-                  <a:cubicBezTo>
-                    <a:pt x="40" y="8"/>
-                    <a:pt x="40" y="8"/>
-                    <a:pt x="40" y="8"/>
-                  </a:cubicBezTo>
-                  <a:cubicBezTo>
-                    <a:pt x="28" y="8"/>
-                    <a:pt x="28" y="8"/>
-                    <a:pt x="28" y="8"/>
-                  </a:cubicBezTo>
-                  <a:cubicBezTo>
-                    <a:pt x="28" y="4"/>
-                    <a:pt x="24" y="0"/>
-                    <a:pt x="20" y="0"/>
-                  </a:cubicBezTo>
-                  <a:cubicBezTo>
-                    <a:pt x="16" y="0"/>
-                    <a:pt x="12" y="4"/>
-                    <a:pt x="12" y="8"/>
-                  </a:cubicBezTo>
-                  <a:cubicBezTo>
-                    <a:pt x="0" y="8"/>
-                    <a:pt x="0" y="8"/>
-                    <a:pt x="0" y="8"/>
-                  </a:cubicBezTo>
-                  <a:cubicBezTo>
-                    <a:pt x="0" y="24"/>
-                    <a:pt x="0" y="24"/>
-                    <a:pt x="0" y="24"/>
-                  </a:cubicBezTo>
-                  <a:lnTo>
-                    <a:pt x="40" y="24"/>
-                  </a:lnTo>
-                  <a:close/>
-                </a:path>
-              </a:pathLst>
-            </a:custGeom>
-            <a:grpFill/>
-            <a:ln w="76200">
-              <a:solidFill>
-                <a:srgbClr val="FFFFFF"/>
-              </a:solidFill>
-              <a:miter lim="800000"/>
-              <a:headEnd/>
-              <a:tailEnd/>
-            </a:ln>
-            <a:extLst/>
-          </p:spPr>
-          <p:txBody>
-            <a:bodyPr/>
-            <a:lstStyle/>
-            <a:p>
-              <a:endParaRPr lang="zh-CN" altLang="en-US"/>
-            </a:p>
-          </p:txBody>
-        </p:sp>
-        <p:sp>
-          <p:nvSpPr>
-            <p:cNvPr id="19" name="Line 7"/>
-            <p:cNvSpPr>
-              <a:spLocks noChangeShapeType="1"/>
-            </p:cNvSpPr>
-            <p:nvPr/>
-          </p:nvSpPr>
-          <p:spPr bwMode="auto">
-            <a:xfrm flipH="1">
-              <a:off x="2822" y="2168"/>
-              <a:ext cx="117" cy="0"/>
-            </a:xfrm>
-            <a:prstGeom prst="line">
-              <a:avLst/>
-            </a:prstGeom>
-            <a:grpFill/>
-            <a:ln w="76200">
-              <a:solidFill>
-                <a:srgbClr val="FFFFFF"/>
-              </a:solidFill>
-              <a:miter lim="800000"/>
-              <a:headEnd/>
-              <a:tailEnd/>
-            </a:ln>
-            <a:extLst/>
-          </p:spPr>
-          <p:txBody>
-            <a:bodyPr/>
-            <a:lstStyle/>
-            <a:p>
-              <a:endParaRPr lang="zh-CN" altLang="en-US"/>
-            </a:p>
-          </p:txBody>
-        </p:sp>
-        <p:sp>
-          <p:nvSpPr>
-            <p:cNvPr id="20" name="Line 8"/>
-            <p:cNvSpPr>
-              <a:spLocks noChangeShapeType="1"/>
-            </p:cNvSpPr>
-            <p:nvPr/>
-          </p:nvSpPr>
-          <p:spPr bwMode="auto">
-            <a:xfrm flipH="1">
-              <a:off x="2822" y="2207"/>
-              <a:ext cx="117" cy="0"/>
-            </a:xfrm>
-            <a:prstGeom prst="line">
-              <a:avLst/>
-            </a:prstGeom>
-            <a:grpFill/>
-            <a:ln w="76200">
-              <a:solidFill>
-                <a:srgbClr val="FFFFFF"/>
-              </a:solidFill>
-              <a:miter lim="800000"/>
-              <a:headEnd/>
-              <a:tailEnd/>
-            </a:ln>
-            <a:extLst/>
-          </p:spPr>
-          <p:txBody>
-            <a:bodyPr/>
-            <a:lstStyle/>
-            <a:p>
-              <a:endParaRPr lang="zh-CN" altLang="en-US"/>
-            </a:p>
-          </p:txBody>
-        </p:sp>
-        <p:sp>
-          <p:nvSpPr>
-            <p:cNvPr id="21" name="Line 9"/>
-            <p:cNvSpPr>
-              <a:spLocks noChangeShapeType="1"/>
-            </p:cNvSpPr>
-            <p:nvPr/>
-          </p:nvSpPr>
-          <p:spPr bwMode="auto">
-            <a:xfrm flipH="1">
-              <a:off x="2822" y="2246"/>
-              <a:ext cx="117" cy="0"/>
-            </a:xfrm>
-            <a:prstGeom prst="line">
-              <a:avLst/>
-            </a:prstGeom>
-            <a:grpFill/>
-            <a:ln w="76200">
-              <a:solidFill>
-                <a:srgbClr val="FFFFFF"/>
-              </a:solidFill>
-              <a:miter lim="800000"/>
-              <a:headEnd/>
-              <a:tailEnd/>
-            </a:ln>
-            <a:extLst/>
-          </p:spPr>
-          <p:txBody>
-            <a:bodyPr/>
-            <a:lstStyle/>
-            <a:p>
-              <a:endParaRPr lang="zh-CN" altLang="en-US"/>
-            </a:p>
-          </p:txBody>
-        </p:sp>
-        <p:sp>
-          <p:nvSpPr>
-            <p:cNvPr id="22" name="Line 10"/>
-            <p:cNvSpPr>
-              <a:spLocks noChangeShapeType="1"/>
-            </p:cNvSpPr>
-            <p:nvPr/>
-          </p:nvSpPr>
-          <p:spPr bwMode="auto">
-            <a:xfrm flipH="1">
-              <a:off x="2822" y="2130"/>
-              <a:ext cx="117" cy="0"/>
-            </a:xfrm>
-            <a:prstGeom prst="line">
-              <a:avLst/>
-            </a:prstGeom>
-            <a:grpFill/>
-            <a:ln w="76200">
-              <a:solidFill>
-                <a:srgbClr val="FFFFFF"/>
-              </a:solidFill>
-              <a:miter lim="800000"/>
-              <a:headEnd/>
-              <a:tailEnd/>
-            </a:ln>
-            <a:extLst/>
-          </p:spPr>
-          <p:txBody>
-            <a:bodyPr/>
-            <a:lstStyle/>
-            <a:p>
-              <a:endParaRPr lang="zh-CN" altLang="en-US"/>
-            </a:p>
-          </p:txBody>
-        </p:sp>
-      </p:grpSp>
-    </p:spTree>
-    <p:extLst>
-      <p:ext uri="{BB962C8B-B14F-4D97-AF65-F5344CB8AC3E}">
-        <p14:creationId xmlns:p14="http://schemas.microsoft.com/office/powerpoint/2010/main" val="2927947138"/>
-      </p:ext>
-    </p:extLst>
-  </p:cSld>
-  <p:clrMapOvr>
-    <a:masterClrMapping/>
-  </p:clrMapOvr>
-  <p:transition spd="med">
-    <p:push dir="u"/>
-  </p:transition>
-</p:sld>
-</file>
-
-<file path=ppt/slides/slide21.xml><?xml version="1.0" encoding="utf-8"?>
-<p:sld xmlns:a="http://schemas.openxmlformats.org/drawingml/2006/main" xmlns:r="http://schemas.openxmlformats.org/officeDocument/2006/relationships" xmlns:p="http://schemas.openxmlformats.org/presentationml/2006/main">
-  <p:cSld>
-    <p:spTree>
-      <p:nvGrpSpPr>
-        <p:cNvPr id="1" name=""/>
-        <p:cNvGrpSpPr/>
-        <p:nvPr/>
-      </p:nvGrpSpPr>
-      <p:grpSpPr>
-        <a:xfrm>
-          <a:off x="0" y="0"/>
-          <a:ext cx="0" cy="0"/>
-          <a:chOff x="0" y="0"/>
-          <a:chExt cx="0" cy="0"/>
-        </a:xfrm>
-      </p:grpSpPr>
-      <p:sp>
-        <p:nvSpPr>
-          <p:cNvPr id="37" name="矩形 36"/>
-          <p:cNvSpPr/>
-          <p:nvPr/>
-        </p:nvSpPr>
-        <p:spPr>
-          <a:xfrm>
             <a:off x="0" y="-87325"/>
             <a:ext cx="9192115" cy="6964002"/>
           </a:xfrm>
@@ -29086,8 +28073,8 @@
         </p:nvSpPr>
         <p:spPr>
           <a:xfrm>
-            <a:off x="1970483" y="2227605"/>
-            <a:ext cx="6336705" cy="2031325"/>
+            <a:off x="1970483" y="2100802"/>
+            <a:ext cx="6534890" cy="2031325"/>
           </a:xfrm>
           <a:prstGeom prst="rect">
             <a:avLst/>
@@ -29147,7 +28134,21 @@
                 <a:latin typeface="微软雅黑" panose="020B0503020204020204" pitchFamily="34" charset="-122"/>
                 <a:ea typeface="微软雅黑" panose="020B0503020204020204" pitchFamily="34" charset="-122"/>
               </a:rPr>
-              <a:t>模式求解</a:t>
+              <a:t>模式</a:t>
+            </a:r>
+            <a:r>
+              <a:rPr lang="en-US" altLang="zh-CN" dirty="0">
+                <a:latin typeface="微软雅黑" panose="020B0503020204020204" pitchFamily="34" charset="-122"/>
+                <a:ea typeface="微软雅黑" panose="020B0503020204020204" pitchFamily="34" charset="-122"/>
+              </a:rPr>
+              <a:t>CNOP</a:t>
+            </a:r>
+            <a:r>
+              <a:rPr lang="zh-CN" altLang="en-US" dirty="0">
+                <a:latin typeface="微软雅黑" panose="020B0503020204020204" pitchFamily="34" charset="-122"/>
+                <a:ea typeface="微软雅黑" panose="020B0503020204020204" pitchFamily="34" charset="-122"/>
+              </a:rPr>
+              <a:t>求解</a:t>
             </a:r>
             <a:endParaRPr lang="en-US" altLang="zh-CN" dirty="0">
               <a:latin typeface="微软雅黑" panose="020B0503020204020204" pitchFamily="34" charset="-122"/>
@@ -29188,7 +28189,7 @@
                 <a:latin typeface="微软雅黑" panose="020B0503020204020204" pitchFamily="34" charset="-122"/>
                 <a:ea typeface="微软雅黑" panose="020B0503020204020204" pitchFamily="34" charset="-122"/>
               </a:rPr>
-              <a:t>模式数据格式，对其进行了特征提取</a:t>
+              <a:t>模式数据格式，并对其进行了特征提取</a:t>
             </a:r>
             <a:endParaRPr lang="en-US" altLang="zh-CN" dirty="0">
               <a:latin typeface="微软雅黑" panose="020B0503020204020204" pitchFamily="34" charset="-122"/>
@@ -29225,7 +28226,7 @@
                 <a:latin typeface="微软雅黑" panose="020B0503020204020204" pitchFamily="34" charset="-122"/>
                 <a:ea typeface="微软雅黑" panose="020B0503020204020204" pitchFamily="34" charset="-122"/>
               </a:rPr>
-              <a:t>方法应用于</a:t>
+              <a:t>方法应用于寻找</a:t>
             </a:r>
             <a:r>
               <a:rPr lang="en-US" altLang="zh-CN" dirty="0">
@@ -29239,7 +28240,7 @@
                 <a:latin typeface="微软雅黑" panose="020B0503020204020204" pitchFamily="34" charset="-122"/>
                 <a:ea typeface="微软雅黑" panose="020B0503020204020204" pitchFamily="34" charset="-122"/>
               </a:rPr>
-              <a:t>事件中最快增长初始误差的寻找并取得一定结果</a:t>
+              <a:t>事件中最快增长初始误差，并取得一定成果</a:t>
             </a:r>
             <a:endParaRPr lang="en-US" dirty="0">
               <a:latin typeface="微软雅黑" panose="020B0503020204020204" pitchFamily="34" charset="-122"/>
@@ -29264,1518 +28265,7 @@
 </p:sld>
 </file>
 
-<file path=ppt/slides/slide22.xml><?xml version="1.0" encoding="utf-8"?>
-<p:sld xmlns:a="http://schemas.openxmlformats.org/drawingml/2006/main" xmlns:r="http://schemas.openxmlformats.org/officeDocument/2006/relationships" xmlns:p="http://schemas.openxmlformats.org/presentationml/2006/main">
-  <p:cSld>
-    <p:spTree>
-      <p:nvGrpSpPr>
-        <p:cNvPr id="1" name=""/>
-        <p:cNvGrpSpPr/>
-        <p:nvPr/>
-      </p:nvGrpSpPr>
-      <p:grpSpPr>
-        <a:xfrm>
-          <a:off x="0" y="0"/>
-          <a:ext cx="0" cy="0"/>
-          <a:chOff x="0" y="0"/>
-          <a:chExt cx="0" cy="0"/>
-        </a:xfrm>
-      </p:grpSpPr>
-      <p:sp>
-        <p:nvSpPr>
-          <p:cNvPr id="37" name="矩形 36"/>
-          <p:cNvSpPr/>
-          <p:nvPr/>
-        </p:nvSpPr>
-        <p:spPr>
-          <a:xfrm>
-            <a:off x="-36512" y="-78618"/>
-            <a:ext cx="9192115" cy="6964002"/>
-          </a:xfrm>
-          <a:prstGeom prst="rect">
-            <a:avLst/>
-          </a:prstGeom>
-          <a:solidFill>
-            <a:schemeClr val="bg1">
-              <a:lumMod val="95000"/>
-            </a:schemeClr>
-          </a:solidFill>
-          <a:ln>
-            <a:noFill/>
-          </a:ln>
-        </p:spPr>
-        <p:style>
-          <a:lnRef idx="2">
-            <a:schemeClr val="accent1">
-              <a:shade val="50000"/>
-            </a:schemeClr>
-          </a:lnRef>
-          <a:fillRef idx="1">
-            <a:schemeClr val="accent1"/>
-          </a:fillRef>
-          <a:effectRef idx="0">
-            <a:schemeClr val="accent1"/>
-          </a:effectRef>
-          <a:fontRef idx="minor">
-            <a:schemeClr val="lt1"/>
-          </a:fontRef>
-        </p:style>
-        <p:txBody>
-          <a:bodyPr rtlCol="0" anchor="ctr"/>
-          <a:lstStyle/>
-          <a:p>
-            <a:pPr algn="ctr"/>
-            <a:endParaRPr lang="zh-CN" altLang="en-US" dirty="0">
-              <a:solidFill>
-                <a:schemeClr val="bg1"/>
-              </a:solidFill>
-            </a:endParaRPr>
-          </a:p>
-        </p:txBody>
-      </p:sp>
-      <p:cxnSp>
-        <p:nvCxnSpPr>
-          <p:cNvPr id="6" name="肘形连接符 5"/>
-          <p:cNvCxnSpPr/>
-          <p:nvPr/>
-        </p:nvCxnSpPr>
-        <p:spPr>
-          <a:xfrm>
-            <a:off x="971600" y="404664"/>
-            <a:ext cx="7200800" cy="216024"/>
-          </a:xfrm>
-          <a:prstGeom prst="bentConnector3">
-            <a:avLst/>
-          </a:prstGeom>
-          <a:ln w="19050">
-            <a:solidFill>
-              <a:schemeClr val="tx1">
-                <a:lumMod val="85000"/>
-                <a:lumOff val="15000"/>
-              </a:schemeClr>
-            </a:solidFill>
-            <a:prstDash val="sysDot"/>
-          </a:ln>
-        </p:spPr>
-        <p:style>
-          <a:lnRef idx="1">
-            <a:schemeClr val="accent1"/>
-          </a:lnRef>
-          <a:fillRef idx="0">
-            <a:schemeClr val="accent1"/>
-          </a:fillRef>
-          <a:effectRef idx="0">
-            <a:schemeClr val="accent1"/>
-          </a:effectRef>
-          <a:fontRef idx="minor">
-            <a:schemeClr val="tx1"/>
-          </a:fontRef>
-        </p:style>
-      </p:cxnSp>
-      <p:sp>
-        <p:nvSpPr>
-          <p:cNvPr id="8" name="TextBox 7"/>
-          <p:cNvSpPr txBox="1"/>
-          <p:nvPr/>
-        </p:nvSpPr>
-        <p:spPr>
-          <a:xfrm>
-            <a:off x="6948264" y="282134"/>
-            <a:ext cx="1210588" cy="338554"/>
-          </a:xfrm>
-          <a:prstGeom prst="rect">
-            <a:avLst/>
-          </a:prstGeom>
-          <a:noFill/>
-        </p:spPr>
-        <p:txBody>
-          <a:bodyPr wrap="none" rtlCol="0">
-            <a:spAutoFit/>
-          </a:bodyPr>
-          <a:lstStyle/>
-          <a:p>
-            <a:r>
-              <a:rPr lang="zh-CN" altLang="en-US" sz="1600" dirty="0">
-                <a:latin typeface="微软雅黑" panose="020B0503020204020204" pitchFamily="34" charset="-122"/>
-                <a:ea typeface="微软雅黑" panose="020B0503020204020204" pitchFamily="34" charset="-122"/>
-              </a:rPr>
-              <a:t>亮点和不足</a:t>
-            </a:r>
-          </a:p>
-        </p:txBody>
-      </p:sp>
-      <p:sp>
-        <p:nvSpPr>
-          <p:cNvPr id="10" name="圆角矩形 9"/>
-          <p:cNvSpPr/>
-          <p:nvPr/>
-        </p:nvSpPr>
-        <p:spPr>
-          <a:xfrm>
-            <a:off x="971601" y="27432"/>
-            <a:ext cx="1838724" cy="332656"/>
-          </a:xfrm>
-          <a:prstGeom prst="roundRect">
-            <a:avLst>
-              <a:gd name="adj" fmla="val 46904"/>
-            </a:avLst>
-          </a:prstGeom>
-          <a:ln>
-            <a:noFill/>
-          </a:ln>
-        </p:spPr>
-        <p:style>
-          <a:lnRef idx="2">
-            <a:schemeClr val="accent1">
-              <a:shade val="50000"/>
-            </a:schemeClr>
-          </a:lnRef>
-          <a:fillRef idx="1001">
-            <a:schemeClr val="dk2"/>
-          </a:fillRef>
-          <a:effectRef idx="0">
-            <a:schemeClr val="accent1"/>
-          </a:effectRef>
-          <a:fontRef idx="minor">
-            <a:schemeClr val="lt1"/>
-          </a:fontRef>
-        </p:style>
-        <p:txBody>
-          <a:bodyPr rtlCol="0" anchor="ctr"/>
-          <a:lstStyle/>
-          <a:p>
-            <a:pPr algn="ctr"/>
-            <a:endParaRPr lang="zh-CN" altLang="en-US"/>
-          </a:p>
-        </p:txBody>
-      </p:sp>
-      <p:sp>
-        <p:nvSpPr>
-          <p:cNvPr id="12" name="TextBox 11"/>
-          <p:cNvSpPr txBox="1"/>
-          <p:nvPr/>
-        </p:nvSpPr>
-        <p:spPr>
-          <a:xfrm>
-            <a:off x="1331347" y="9168"/>
-            <a:ext cx="1107996" cy="369332"/>
-          </a:xfrm>
-          <a:prstGeom prst="rect">
-            <a:avLst/>
-          </a:prstGeom>
-          <a:noFill/>
-        </p:spPr>
-        <p:txBody>
-          <a:bodyPr wrap="none" rtlCol="0">
-            <a:spAutoFit/>
-          </a:bodyPr>
-          <a:lstStyle/>
-          <a:p>
-            <a:r>
-              <a:rPr lang="zh-CN" altLang="en-US" dirty="0">
-                <a:solidFill>
-                  <a:schemeClr val="bg1"/>
-                </a:solidFill>
-                <a:latin typeface="微软雅黑" panose="020B0503020204020204" pitchFamily="34" charset="-122"/>
-                <a:ea typeface="微软雅黑" panose="020B0503020204020204" pitchFamily="34" charset="-122"/>
-              </a:rPr>
-              <a:t>论文总结</a:t>
-            </a:r>
-          </a:p>
-        </p:txBody>
-      </p:sp>
-      <p:grpSp>
-        <p:nvGrpSpPr>
-          <p:cNvPr id="7" name="组合 6"/>
-          <p:cNvGrpSpPr/>
-          <p:nvPr/>
-        </p:nvGrpSpPr>
-        <p:grpSpPr>
-          <a:xfrm rot="1612617">
-            <a:off x="8178802" y="44619"/>
-            <a:ext cx="141497" cy="1576388"/>
-            <a:chOff x="4464560" y="1504216"/>
-            <a:chExt cx="340608" cy="3644968"/>
-          </a:xfrm>
-        </p:grpSpPr>
-        <p:sp>
-          <p:nvSpPr>
-            <p:cNvPr id="3" name="矩形 2"/>
-            <p:cNvSpPr/>
-            <p:nvPr/>
-          </p:nvSpPr>
-          <p:spPr>
-            <a:xfrm>
-              <a:off x="4568617" y="1719815"/>
-              <a:ext cx="144016" cy="2646008"/>
-            </a:xfrm>
-            <a:prstGeom prst="rect">
-              <a:avLst/>
-            </a:prstGeom>
-            <a:solidFill>
-              <a:schemeClr val="bg1">
-                <a:lumMod val="65000"/>
-              </a:schemeClr>
-            </a:solidFill>
-            <a:ln>
-              <a:noFill/>
-            </a:ln>
-          </p:spPr>
-          <p:style>
-            <a:lnRef idx="2">
-              <a:schemeClr val="accent1">
-                <a:shade val="50000"/>
-              </a:schemeClr>
-            </a:lnRef>
-            <a:fillRef idx="1">
-              <a:schemeClr val="accent1"/>
-            </a:fillRef>
-            <a:effectRef idx="0">
-              <a:schemeClr val="accent1"/>
-            </a:effectRef>
-            <a:fontRef idx="minor">
-              <a:schemeClr val="lt1"/>
-            </a:fontRef>
-          </p:style>
-          <p:txBody>
-            <a:bodyPr rtlCol="0" anchor="ctr"/>
-            <a:lstStyle/>
-            <a:p>
-              <a:pPr algn="ctr"/>
-              <a:endParaRPr lang="zh-CN" altLang="en-US"/>
-            </a:p>
-          </p:txBody>
-        </p:sp>
-        <p:sp>
-          <p:nvSpPr>
-            <p:cNvPr id="11" name="矩形 10"/>
-            <p:cNvSpPr/>
-            <p:nvPr/>
-          </p:nvSpPr>
-          <p:spPr>
-            <a:xfrm>
-              <a:off x="4464560" y="1719815"/>
-              <a:ext cx="72008" cy="2646008"/>
-            </a:xfrm>
-            <a:prstGeom prst="rect">
-              <a:avLst/>
-            </a:prstGeom>
-            <a:solidFill>
-              <a:schemeClr val="bg1">
-                <a:lumMod val="65000"/>
-              </a:schemeClr>
-            </a:solidFill>
-            <a:ln>
-              <a:noFill/>
-            </a:ln>
-          </p:spPr>
-          <p:style>
-            <a:lnRef idx="2">
-              <a:schemeClr val="accent1">
-                <a:shade val="50000"/>
-              </a:schemeClr>
-            </a:lnRef>
-            <a:fillRef idx="1">
-              <a:schemeClr val="accent1"/>
-            </a:fillRef>
-            <a:effectRef idx="0">
-              <a:schemeClr val="accent1"/>
-            </a:effectRef>
-            <a:fontRef idx="minor">
-              <a:schemeClr val="lt1"/>
-            </a:fontRef>
-          </p:style>
-          <p:txBody>
-            <a:bodyPr rtlCol="0" anchor="ctr"/>
-            <a:lstStyle/>
-            <a:p>
-              <a:pPr algn="ctr"/>
-              <a:endParaRPr lang="zh-CN" altLang="en-US"/>
-            </a:p>
-          </p:txBody>
-        </p:sp>
-        <p:sp>
-          <p:nvSpPr>
-            <p:cNvPr id="13" name="矩形 12"/>
-            <p:cNvSpPr/>
-            <p:nvPr/>
-          </p:nvSpPr>
-          <p:spPr>
-            <a:xfrm>
-              <a:off x="4733160" y="1719096"/>
-              <a:ext cx="72008" cy="2646008"/>
-            </a:xfrm>
-            <a:prstGeom prst="rect">
-              <a:avLst/>
-            </a:prstGeom>
-            <a:solidFill>
-              <a:schemeClr val="bg1">
-                <a:lumMod val="65000"/>
-              </a:schemeClr>
-            </a:solidFill>
-            <a:ln>
-              <a:noFill/>
-            </a:ln>
-          </p:spPr>
-          <p:style>
-            <a:lnRef idx="2">
-              <a:schemeClr val="accent1">
-                <a:shade val="50000"/>
-              </a:schemeClr>
-            </a:lnRef>
-            <a:fillRef idx="1">
-              <a:schemeClr val="accent1"/>
-            </a:fillRef>
-            <a:effectRef idx="0">
-              <a:schemeClr val="accent1"/>
-            </a:effectRef>
-            <a:fontRef idx="minor">
-              <a:schemeClr val="lt1"/>
-            </a:fontRef>
-          </p:style>
-          <p:txBody>
-            <a:bodyPr rtlCol="0" anchor="ctr"/>
-            <a:lstStyle/>
-            <a:p>
-              <a:pPr algn="ctr"/>
-              <a:endParaRPr lang="zh-CN" altLang="en-US"/>
-            </a:p>
-          </p:txBody>
-        </p:sp>
-        <p:sp>
-          <p:nvSpPr>
-            <p:cNvPr id="4" name="圆角矩形 3"/>
-            <p:cNvSpPr/>
-            <p:nvPr/>
-          </p:nvSpPr>
-          <p:spPr>
-            <a:xfrm>
-              <a:off x="4464560" y="1504216"/>
-              <a:ext cx="340608" cy="191261"/>
-            </a:xfrm>
-            <a:prstGeom prst="roundRect">
-              <a:avLst/>
-            </a:prstGeom>
-            <a:solidFill>
-              <a:schemeClr val="bg1">
-                <a:lumMod val="65000"/>
-              </a:schemeClr>
-            </a:solidFill>
-            <a:ln>
-              <a:noFill/>
-            </a:ln>
-          </p:spPr>
-          <p:style>
-            <a:lnRef idx="2">
-              <a:schemeClr val="accent1">
-                <a:shade val="50000"/>
-              </a:schemeClr>
-            </a:lnRef>
-            <a:fillRef idx="1">
-              <a:schemeClr val="accent1"/>
-            </a:fillRef>
-            <a:effectRef idx="0">
-              <a:schemeClr val="accent1"/>
-            </a:effectRef>
-            <a:fontRef idx="minor">
-              <a:schemeClr val="lt1"/>
-            </a:fontRef>
-          </p:style>
-          <p:txBody>
-            <a:bodyPr rtlCol="0" anchor="ctr"/>
-            <a:lstStyle/>
-            <a:p>
-              <a:pPr algn="ctr"/>
-              <a:endParaRPr lang="zh-CN" altLang="en-US"/>
-            </a:p>
-          </p:txBody>
-        </p:sp>
-        <p:sp>
-          <p:nvSpPr>
-            <p:cNvPr id="5" name="任意多边形 4"/>
-            <p:cNvSpPr/>
-            <p:nvPr/>
-          </p:nvSpPr>
-          <p:spPr>
-            <a:xfrm>
-              <a:off x="4470272" y="4390232"/>
-              <a:ext cx="325752" cy="758952"/>
-            </a:xfrm>
-            <a:custGeom>
-              <a:avLst/>
-              <a:gdLst>
-                <a:gd name="connsiteX0" fmla="*/ 0 w 292608"/>
-                <a:gd name="connsiteY0" fmla="*/ 0 h 749808"/>
-                <a:gd name="connsiteX1" fmla="*/ 146304 w 292608"/>
-                <a:gd name="connsiteY1" fmla="*/ 749808 h 749808"/>
-                <a:gd name="connsiteX2" fmla="*/ 292608 w 292608"/>
-                <a:gd name="connsiteY2" fmla="*/ 36576 h 749808"/>
-                <a:gd name="connsiteX3" fmla="*/ 0 w 292608"/>
-                <a:gd name="connsiteY3" fmla="*/ 0 h 749808"/>
-                <a:gd name="connsiteX0" fmla="*/ 0 w 301752"/>
-                <a:gd name="connsiteY0" fmla="*/ 9144 h 758952"/>
-                <a:gd name="connsiteX1" fmla="*/ 146304 w 301752"/>
-                <a:gd name="connsiteY1" fmla="*/ 758952 h 758952"/>
-                <a:gd name="connsiteX2" fmla="*/ 301752 w 301752"/>
-                <a:gd name="connsiteY2" fmla="*/ 0 h 758952"/>
-                <a:gd name="connsiteX3" fmla="*/ 0 w 301752"/>
-                <a:gd name="connsiteY3" fmla="*/ 9144 h 758952"/>
-              </a:gdLst>
-              <a:ahLst/>
-              <a:cxnLst>
-                <a:cxn ang="0">
-                  <a:pos x="connsiteX0" y="connsiteY0"/>
-                </a:cxn>
-                <a:cxn ang="0">
-                  <a:pos x="connsiteX1" y="connsiteY1"/>
-                </a:cxn>
-                <a:cxn ang="0">
-                  <a:pos x="connsiteX2" y="connsiteY2"/>
-                </a:cxn>
-                <a:cxn ang="0">
-                  <a:pos x="connsiteX3" y="connsiteY3"/>
-                </a:cxn>
-              </a:cxnLst>
-              <a:rect l="l" t="t" r="r" b="b"/>
-              <a:pathLst>
-                <a:path w="301752" h="758952">
-                  <a:moveTo>
-                    <a:pt x="0" y="9144"/>
-                  </a:moveTo>
-                  <a:lnTo>
-                    <a:pt x="146304" y="758952"/>
-                  </a:lnTo>
-                  <a:lnTo>
-                    <a:pt x="301752" y="0"/>
-                  </a:lnTo>
-                  <a:lnTo>
-                    <a:pt x="0" y="9144"/>
-                  </a:lnTo>
-                  <a:close/>
-                </a:path>
-              </a:pathLst>
-            </a:custGeom>
-            <a:solidFill>
-              <a:schemeClr val="bg1">
-                <a:lumMod val="65000"/>
-              </a:schemeClr>
-            </a:solidFill>
-            <a:ln>
-              <a:noFill/>
-            </a:ln>
-          </p:spPr>
-          <p:style>
-            <a:lnRef idx="2">
-              <a:schemeClr val="accent1">
-                <a:shade val="50000"/>
-              </a:schemeClr>
-            </a:lnRef>
-            <a:fillRef idx="1">
-              <a:schemeClr val="accent1"/>
-            </a:fillRef>
-            <a:effectRef idx="0">
-              <a:schemeClr val="accent1"/>
-            </a:effectRef>
-            <a:fontRef idx="minor">
-              <a:schemeClr val="lt1"/>
-            </a:fontRef>
-          </p:style>
-          <p:txBody>
-            <a:bodyPr rtlCol="0" anchor="ctr"/>
-            <a:lstStyle/>
-            <a:p>
-              <a:pPr algn="ctr"/>
-              <a:endParaRPr lang="zh-CN" altLang="en-US"/>
-            </a:p>
-          </p:txBody>
-        </p:sp>
-      </p:grpSp>
-      <p:sp>
-        <p:nvSpPr>
-          <p:cNvPr id="16" name="任意多边形 15"/>
-          <p:cNvSpPr/>
-          <p:nvPr/>
-        </p:nvSpPr>
-        <p:spPr>
-          <a:xfrm>
-            <a:off x="8460432" y="-137160"/>
-            <a:ext cx="801630" cy="794512"/>
-          </a:xfrm>
-          <a:custGeom>
-            <a:avLst/>
-            <a:gdLst>
-              <a:gd name="connsiteX0" fmla="*/ 420624 w 777240"/>
-              <a:gd name="connsiteY0" fmla="*/ 9144 h 850392"/>
-              <a:gd name="connsiteX1" fmla="*/ 0 w 777240"/>
-              <a:gd name="connsiteY1" fmla="*/ 841248 h 850392"/>
-              <a:gd name="connsiteX2" fmla="*/ 777240 w 777240"/>
-              <a:gd name="connsiteY2" fmla="*/ 850392 h 850392"/>
-              <a:gd name="connsiteX3" fmla="*/ 777240 w 777240"/>
-              <a:gd name="connsiteY3" fmla="*/ 0 h 850392"/>
-              <a:gd name="connsiteX4" fmla="*/ 420624 w 777240"/>
-              <a:gd name="connsiteY4" fmla="*/ 9144 h 850392"/>
-              <a:gd name="connsiteX0" fmla="*/ 393192 w 749808"/>
-              <a:gd name="connsiteY0" fmla="*/ 9144 h 850392"/>
-              <a:gd name="connsiteX1" fmla="*/ 0 w 749808"/>
-              <a:gd name="connsiteY1" fmla="*/ 786384 h 850392"/>
-              <a:gd name="connsiteX2" fmla="*/ 749808 w 749808"/>
-              <a:gd name="connsiteY2" fmla="*/ 850392 h 850392"/>
-              <a:gd name="connsiteX3" fmla="*/ 749808 w 749808"/>
-              <a:gd name="connsiteY3" fmla="*/ 0 h 850392"/>
-              <a:gd name="connsiteX4" fmla="*/ 393192 w 749808"/>
-              <a:gd name="connsiteY4" fmla="*/ 9144 h 850392"/>
-              <a:gd name="connsiteX0" fmla="*/ 393192 w 749808"/>
-              <a:gd name="connsiteY0" fmla="*/ 9144 h 786384"/>
-              <a:gd name="connsiteX1" fmla="*/ 0 w 749808"/>
-              <a:gd name="connsiteY1" fmla="*/ 786384 h 786384"/>
-              <a:gd name="connsiteX2" fmla="*/ 749808 w 749808"/>
-              <a:gd name="connsiteY2" fmla="*/ 786384 h 786384"/>
-              <a:gd name="connsiteX3" fmla="*/ 749808 w 749808"/>
-              <a:gd name="connsiteY3" fmla="*/ 0 h 786384"/>
-              <a:gd name="connsiteX4" fmla="*/ 393192 w 749808"/>
-              <a:gd name="connsiteY4" fmla="*/ 9144 h 786384"/>
-              <a:gd name="connsiteX0" fmla="*/ 393192 w 749808"/>
-              <a:gd name="connsiteY0" fmla="*/ 9144 h 786384"/>
-              <a:gd name="connsiteX1" fmla="*/ 0 w 749808"/>
-              <a:gd name="connsiteY1" fmla="*/ 786384 h 786384"/>
-              <a:gd name="connsiteX2" fmla="*/ 749808 w 749808"/>
-              <a:gd name="connsiteY2" fmla="*/ 786384 h 786384"/>
-              <a:gd name="connsiteX3" fmla="*/ 749808 w 749808"/>
-              <a:gd name="connsiteY3" fmla="*/ 0 h 786384"/>
-              <a:gd name="connsiteX4" fmla="*/ 393192 w 749808"/>
-              <a:gd name="connsiteY4" fmla="*/ 9144 h 786384"/>
-              <a:gd name="connsiteX0" fmla="*/ 393192 w 749808"/>
-              <a:gd name="connsiteY0" fmla="*/ 9144 h 822960"/>
-              <a:gd name="connsiteX1" fmla="*/ 0 w 749808"/>
-              <a:gd name="connsiteY1" fmla="*/ 786384 h 822960"/>
-              <a:gd name="connsiteX2" fmla="*/ 740664 w 749808"/>
-              <a:gd name="connsiteY2" fmla="*/ 822960 h 822960"/>
-              <a:gd name="connsiteX3" fmla="*/ 749808 w 749808"/>
-              <a:gd name="connsiteY3" fmla="*/ 0 h 822960"/>
-              <a:gd name="connsiteX4" fmla="*/ 393192 w 749808"/>
-              <a:gd name="connsiteY4" fmla="*/ 9144 h 822960"/>
-              <a:gd name="connsiteX0" fmla="*/ 393192 w 786384"/>
-              <a:gd name="connsiteY0" fmla="*/ 9144 h 786384"/>
-              <a:gd name="connsiteX1" fmla="*/ 0 w 786384"/>
-              <a:gd name="connsiteY1" fmla="*/ 786384 h 786384"/>
-              <a:gd name="connsiteX2" fmla="*/ 786384 w 786384"/>
-              <a:gd name="connsiteY2" fmla="*/ 758952 h 786384"/>
-              <a:gd name="connsiteX3" fmla="*/ 749808 w 786384"/>
-              <a:gd name="connsiteY3" fmla="*/ 0 h 786384"/>
-              <a:gd name="connsiteX4" fmla="*/ 393192 w 786384"/>
-              <a:gd name="connsiteY4" fmla="*/ 9144 h 786384"/>
-              <a:gd name="connsiteX0" fmla="*/ 393192 w 795528"/>
-              <a:gd name="connsiteY0" fmla="*/ 9144 h 786384"/>
-              <a:gd name="connsiteX1" fmla="*/ 0 w 795528"/>
-              <a:gd name="connsiteY1" fmla="*/ 786384 h 786384"/>
-              <a:gd name="connsiteX2" fmla="*/ 795528 w 795528"/>
-              <a:gd name="connsiteY2" fmla="*/ 786384 h 786384"/>
-              <a:gd name="connsiteX3" fmla="*/ 749808 w 795528"/>
-              <a:gd name="connsiteY3" fmla="*/ 0 h 786384"/>
-              <a:gd name="connsiteX4" fmla="*/ 393192 w 795528"/>
-              <a:gd name="connsiteY4" fmla="*/ 9144 h 786384"/>
-              <a:gd name="connsiteX0" fmla="*/ 393192 w 801630"/>
-              <a:gd name="connsiteY0" fmla="*/ 9144 h 794512"/>
-              <a:gd name="connsiteX1" fmla="*/ 0 w 801630"/>
-              <a:gd name="connsiteY1" fmla="*/ 786384 h 794512"/>
-              <a:gd name="connsiteX2" fmla="*/ 795528 w 801630"/>
-              <a:gd name="connsiteY2" fmla="*/ 786384 h 794512"/>
-              <a:gd name="connsiteX3" fmla="*/ 749808 w 801630"/>
-              <a:gd name="connsiteY3" fmla="*/ 0 h 794512"/>
-              <a:gd name="connsiteX4" fmla="*/ 393192 w 801630"/>
-              <a:gd name="connsiteY4" fmla="*/ 9144 h 794512"/>
-            </a:gdLst>
-            <a:ahLst/>
-            <a:cxnLst>
-              <a:cxn ang="0">
-                <a:pos x="connsiteX0" y="connsiteY0"/>
-              </a:cxn>
-              <a:cxn ang="0">
-                <a:pos x="connsiteX1" y="connsiteY1"/>
-              </a:cxn>
-              <a:cxn ang="0">
-                <a:pos x="connsiteX2" y="connsiteY2"/>
-              </a:cxn>
-              <a:cxn ang="0">
-                <a:pos x="connsiteX3" y="connsiteY3"/>
-              </a:cxn>
-              <a:cxn ang="0">
-                <a:pos x="connsiteX4" y="connsiteY4"/>
-              </a:cxn>
-            </a:cxnLst>
-            <a:rect l="l" t="t" r="r" b="b"/>
-            <a:pathLst>
-              <a:path w="801630" h="794512">
-                <a:moveTo>
-                  <a:pt x="393192" y="9144"/>
-                </a:moveTo>
-                <a:lnTo>
-                  <a:pt x="0" y="786384"/>
-                </a:lnTo>
-                <a:cubicBezTo>
-                  <a:pt x="265176" y="786384"/>
-                  <a:pt x="868680" y="804672"/>
-                  <a:pt x="795528" y="786384"/>
-                </a:cubicBezTo>
-                <a:lnTo>
-                  <a:pt x="749808" y="0"/>
-                </a:lnTo>
-                <a:lnTo>
-                  <a:pt x="393192" y="9144"/>
-                </a:lnTo>
-                <a:close/>
-              </a:path>
-            </a:pathLst>
-          </a:custGeom>
-          <a:solidFill>
-            <a:schemeClr val="tx2">
-              <a:lumMod val="60000"/>
-              <a:lumOff val="40000"/>
-            </a:schemeClr>
-          </a:solidFill>
-          <a:ln>
-            <a:noFill/>
-          </a:ln>
-        </p:spPr>
-        <p:style>
-          <a:lnRef idx="2">
-            <a:schemeClr val="accent1">
-              <a:shade val="50000"/>
-            </a:schemeClr>
-          </a:lnRef>
-          <a:fillRef idx="1">
-            <a:schemeClr val="accent1"/>
-          </a:fillRef>
-          <a:effectRef idx="0">
-            <a:schemeClr val="accent1"/>
-          </a:effectRef>
-          <a:fontRef idx="minor">
-            <a:schemeClr val="lt1"/>
-          </a:fontRef>
-        </p:style>
-        <p:txBody>
-          <a:bodyPr rtlCol="0" anchor="ctr"/>
-          <a:lstStyle/>
-          <a:p>
-            <a:pPr algn="ctr"/>
-            <a:endParaRPr lang="zh-CN" altLang="en-US"/>
-          </a:p>
-        </p:txBody>
-      </p:sp>
-      <p:sp>
-        <p:nvSpPr>
-          <p:cNvPr id="2" name="圆角矩形 1"/>
-          <p:cNvSpPr/>
-          <p:nvPr/>
-        </p:nvSpPr>
-        <p:spPr>
-          <a:xfrm>
-            <a:off x="1582253" y="1923688"/>
-            <a:ext cx="3096344" cy="3744416"/>
-          </a:xfrm>
-          <a:prstGeom prst="roundRect">
-            <a:avLst/>
-          </a:prstGeom>
-          <a:noFill/>
-          <a:ln w="19050">
-            <a:solidFill>
-              <a:schemeClr val="bg1">
-                <a:lumMod val="65000"/>
-              </a:schemeClr>
-            </a:solidFill>
-            <a:prstDash val="sysDot"/>
-          </a:ln>
-        </p:spPr>
-        <p:style>
-          <a:lnRef idx="2">
-            <a:schemeClr val="accent1">
-              <a:shade val="50000"/>
-            </a:schemeClr>
-          </a:lnRef>
-          <a:fillRef idx="1">
-            <a:schemeClr val="accent1"/>
-          </a:fillRef>
-          <a:effectRef idx="0">
-            <a:schemeClr val="accent1"/>
-          </a:effectRef>
-          <a:fontRef idx="minor">
-            <a:schemeClr val="lt1"/>
-          </a:fontRef>
-        </p:style>
-        <p:txBody>
-          <a:bodyPr rtlCol="0" anchor="ctr"/>
-          <a:lstStyle/>
-          <a:p>
-            <a:pPr algn="ctr"/>
-            <a:endParaRPr lang="zh-CN" altLang="en-US"/>
-          </a:p>
-        </p:txBody>
-      </p:sp>
-      <p:sp>
-        <p:nvSpPr>
-          <p:cNvPr id="25" name="圆角矩形 24"/>
-          <p:cNvSpPr/>
-          <p:nvPr/>
-        </p:nvSpPr>
-        <p:spPr>
-          <a:xfrm>
-            <a:off x="4894621" y="1916832"/>
-            <a:ext cx="3096344" cy="3744416"/>
-          </a:xfrm>
-          <a:prstGeom prst="roundRect">
-            <a:avLst/>
-          </a:prstGeom>
-          <a:noFill/>
-          <a:ln w="19050">
-            <a:solidFill>
-              <a:schemeClr val="bg1">
-                <a:lumMod val="65000"/>
-              </a:schemeClr>
-            </a:solidFill>
-            <a:prstDash val="sysDot"/>
-          </a:ln>
-        </p:spPr>
-        <p:style>
-          <a:lnRef idx="2">
-            <a:schemeClr val="accent1">
-              <a:shade val="50000"/>
-            </a:schemeClr>
-          </a:lnRef>
-          <a:fillRef idx="1">
-            <a:schemeClr val="accent1"/>
-          </a:fillRef>
-          <a:effectRef idx="0">
-            <a:schemeClr val="accent1"/>
-          </a:effectRef>
-          <a:fontRef idx="minor">
-            <a:schemeClr val="lt1"/>
-          </a:fontRef>
-        </p:style>
-        <p:txBody>
-          <a:bodyPr rtlCol="0" anchor="ctr"/>
-          <a:lstStyle/>
-          <a:p>
-            <a:pPr algn="ctr"/>
-            <a:endParaRPr lang="zh-CN" altLang="en-US"/>
-          </a:p>
-        </p:txBody>
-      </p:sp>
-      <p:sp>
-        <p:nvSpPr>
-          <p:cNvPr id="9" name="斜纹 8"/>
-          <p:cNvSpPr/>
-          <p:nvPr/>
-        </p:nvSpPr>
-        <p:spPr>
-          <a:xfrm>
-            <a:off x="1582253" y="1923688"/>
-            <a:ext cx="1228072" cy="1073264"/>
-          </a:xfrm>
-          <a:prstGeom prst="diagStripe">
-            <a:avLst/>
-          </a:prstGeom>
-          <a:solidFill>
-            <a:schemeClr val="tx2">
-              <a:lumMod val="75000"/>
-            </a:schemeClr>
-          </a:solidFill>
-          <a:ln>
-            <a:noFill/>
-          </a:ln>
-        </p:spPr>
-        <p:style>
-          <a:lnRef idx="2">
-            <a:schemeClr val="accent1">
-              <a:shade val="50000"/>
-            </a:schemeClr>
-          </a:lnRef>
-          <a:fillRef idx="1">
-            <a:schemeClr val="accent1"/>
-          </a:fillRef>
-          <a:effectRef idx="0">
-            <a:schemeClr val="accent1"/>
-          </a:effectRef>
-          <a:fontRef idx="minor">
-            <a:schemeClr val="lt1"/>
-          </a:fontRef>
-        </p:style>
-        <p:txBody>
-          <a:bodyPr rtlCol="0" anchor="ctr"/>
-          <a:lstStyle/>
-          <a:p>
-            <a:pPr algn="ctr"/>
-            <a:endParaRPr lang="zh-CN" altLang="en-US">
-              <a:solidFill>
-                <a:schemeClr val="tx1"/>
-              </a:solidFill>
-            </a:endParaRPr>
-          </a:p>
-        </p:txBody>
-      </p:sp>
-      <p:sp>
-        <p:nvSpPr>
-          <p:cNvPr id="27" name="斜纹 26"/>
-          <p:cNvSpPr/>
-          <p:nvPr/>
-        </p:nvSpPr>
-        <p:spPr>
-          <a:xfrm>
-            <a:off x="4893302" y="1924272"/>
-            <a:ext cx="1228072" cy="1073264"/>
-          </a:xfrm>
-          <a:prstGeom prst="diagStripe">
-            <a:avLst/>
-          </a:prstGeom>
-          <a:solidFill>
-            <a:schemeClr val="tx1">
-              <a:lumMod val="50000"/>
-              <a:lumOff val="50000"/>
-            </a:schemeClr>
-          </a:solidFill>
-          <a:ln>
-            <a:noFill/>
-          </a:ln>
-        </p:spPr>
-        <p:style>
-          <a:lnRef idx="2">
-            <a:schemeClr val="accent1">
-              <a:shade val="50000"/>
-            </a:schemeClr>
-          </a:lnRef>
-          <a:fillRef idx="1">
-            <a:schemeClr val="accent1"/>
-          </a:fillRef>
-          <a:effectRef idx="0">
-            <a:schemeClr val="accent1"/>
-          </a:effectRef>
-          <a:fontRef idx="minor">
-            <a:schemeClr val="lt1"/>
-          </a:fontRef>
-        </p:style>
-        <p:txBody>
-          <a:bodyPr rtlCol="0" anchor="ctr"/>
-          <a:lstStyle/>
-          <a:p>
-            <a:pPr algn="ctr"/>
-            <a:endParaRPr lang="zh-CN" altLang="en-US">
-              <a:solidFill>
-                <a:schemeClr val="tx1"/>
-              </a:solidFill>
-            </a:endParaRPr>
-          </a:p>
-        </p:txBody>
-      </p:sp>
-      <p:sp>
-        <p:nvSpPr>
-          <p:cNvPr id="28" name="圆角矩形 27"/>
-          <p:cNvSpPr/>
-          <p:nvPr/>
-        </p:nvSpPr>
-        <p:spPr>
-          <a:xfrm>
-            <a:off x="2027709" y="2293433"/>
-            <a:ext cx="850006" cy="632769"/>
-          </a:xfrm>
-          <a:prstGeom prst="roundRect">
-            <a:avLst/>
-          </a:prstGeom>
-          <a:solidFill>
-            <a:schemeClr val="tx2">
-              <a:lumMod val="75000"/>
-            </a:schemeClr>
-          </a:solidFill>
-          <a:ln>
-            <a:noFill/>
-          </a:ln>
-        </p:spPr>
-        <p:style>
-          <a:lnRef idx="2">
-            <a:schemeClr val="accent1">
-              <a:shade val="50000"/>
-            </a:schemeClr>
-          </a:lnRef>
-          <a:fillRef idx="1">
-            <a:schemeClr val="accent1"/>
-          </a:fillRef>
-          <a:effectRef idx="0">
-            <a:schemeClr val="accent1"/>
-          </a:effectRef>
-          <a:fontRef idx="minor">
-            <a:schemeClr val="lt1"/>
-          </a:fontRef>
-        </p:style>
-        <p:txBody>
-          <a:bodyPr rtlCol="0" anchor="ctr"/>
-          <a:lstStyle/>
-          <a:p>
-            <a:pPr algn="ctr"/>
-            <a:endParaRPr lang="zh-CN" altLang="en-US"/>
-          </a:p>
-        </p:txBody>
-      </p:sp>
-      <p:sp>
-        <p:nvSpPr>
-          <p:cNvPr id="29" name="圆角矩形 28"/>
-          <p:cNvSpPr/>
-          <p:nvPr/>
-        </p:nvSpPr>
-        <p:spPr>
-          <a:xfrm>
-            <a:off x="5333282" y="2277706"/>
-            <a:ext cx="850006" cy="632769"/>
-          </a:xfrm>
-          <a:prstGeom prst="roundRect">
-            <a:avLst/>
-          </a:prstGeom>
-          <a:solidFill>
-            <a:schemeClr val="bg1">
-              <a:lumMod val="50000"/>
-            </a:schemeClr>
-          </a:solidFill>
-          <a:ln>
-            <a:noFill/>
-          </a:ln>
-        </p:spPr>
-        <p:style>
-          <a:lnRef idx="2">
-            <a:schemeClr val="accent1">
-              <a:shade val="50000"/>
-            </a:schemeClr>
-          </a:lnRef>
-          <a:fillRef idx="1">
-            <a:schemeClr val="accent1"/>
-          </a:fillRef>
-          <a:effectRef idx="0">
-            <a:schemeClr val="accent1"/>
-          </a:effectRef>
-          <a:fontRef idx="minor">
-            <a:schemeClr val="lt1"/>
-          </a:fontRef>
-        </p:style>
-        <p:txBody>
-          <a:bodyPr rtlCol="0" anchor="ctr"/>
-          <a:lstStyle/>
-          <a:p>
-            <a:pPr algn="ctr"/>
-            <a:endParaRPr lang="zh-CN" altLang="en-US">
-              <a:solidFill>
-                <a:schemeClr val="tx2">
-                  <a:lumMod val="60000"/>
-                  <a:lumOff val="40000"/>
-                </a:schemeClr>
-              </a:solidFill>
-            </a:endParaRPr>
-          </a:p>
-        </p:txBody>
-      </p:sp>
-      <p:pic>
-        <p:nvPicPr>
-          <p:cNvPr id="34" name="Picture 2" descr="F:\未标题-1.png"/>
-          <p:cNvPicPr>
-            <a:picLocks noChangeAspect="1" noChangeArrowheads="1"/>
-          </p:cNvPicPr>
-          <p:nvPr/>
-        </p:nvPicPr>
-        <p:blipFill>
-          <a:blip r:embed="rId3">
-            <a:lum bright="70000" contrast="-70000"/>
-            <a:extLst>
-              <a:ext uri="{BEBA8EAE-BF5A-486C-A8C5-ECC9F3942E4B}">
-                <a14:imgProps xmlns:a14="http://schemas.microsoft.com/office/drawing/2010/main">
-                  <a14:imgLayer r:embed="rId4">
-                    <a14:imgEffect>
-                      <a14:sharpenSoften amount="50000"/>
-                    </a14:imgEffect>
-                    <a14:imgEffect>
-                      <a14:colorTemperature colorTemp="1500"/>
-                    </a14:imgEffect>
-                    <a14:imgEffect>
-                      <a14:saturation sat="0"/>
-                    </a14:imgEffect>
-                  </a14:imgLayer>
-                </a14:imgProps>
-              </a:ext>
-              <a:ext uri="{28A0092B-C50C-407E-A947-70E740481C1C}">
-                <a14:useLocalDpi xmlns:a14="http://schemas.microsoft.com/office/drawing/2010/main" val="0"/>
-              </a:ext>
-            </a:extLst>
-          </a:blip>
-          <a:srcRect/>
-          <a:stretch>
-            <a:fillRect/>
-          </a:stretch>
-        </p:blipFill>
-        <p:spPr bwMode="auto">
-          <a:xfrm>
-            <a:off x="5183496" y="2143364"/>
-            <a:ext cx="955811" cy="955810"/>
-          </a:xfrm>
-          <a:prstGeom prst="rect">
-            <a:avLst/>
-          </a:prstGeom>
-          <a:noFill/>
-          <a:extLst>
-            <a:ext uri="{909E8E84-426E-40DD-AFC4-6F175D3DCCD1}">
-              <a14:hiddenFill xmlns:a14="http://schemas.microsoft.com/office/drawing/2010/main">
-                <a:solidFill>
-                  <a:srgbClr val="FFFFFF"/>
-                </a:solidFill>
-              </a14:hiddenFill>
-            </a:ext>
-          </a:extLst>
-        </p:spPr>
-      </p:pic>
-      <p:pic>
-        <p:nvPicPr>
-          <p:cNvPr id="35" name="Picture 3" descr="F:\22222222222.png"/>
-          <p:cNvPicPr>
-            <a:picLocks noChangeAspect="1" noChangeArrowheads="1"/>
-          </p:cNvPicPr>
-          <p:nvPr/>
-        </p:nvPicPr>
-        <p:blipFill>
-          <a:blip r:embed="rId5">
-            <a:lum bright="70000" contrast="-70000"/>
-            <a:extLst>
-              <a:ext uri="{BEBA8EAE-BF5A-486C-A8C5-ECC9F3942E4B}">
-                <a14:imgProps xmlns:a14="http://schemas.microsoft.com/office/drawing/2010/main">
-                  <a14:imgLayer r:embed="rId6">
-                    <a14:imgEffect>
-                      <a14:sharpenSoften amount="50000"/>
-                    </a14:imgEffect>
-                    <a14:imgEffect>
-                      <a14:colorTemperature colorTemp="1500"/>
-                    </a14:imgEffect>
-                    <a14:imgEffect>
-                      <a14:saturation sat="0"/>
-                    </a14:imgEffect>
-                  </a14:imgLayer>
-                </a14:imgProps>
-              </a:ext>
-              <a:ext uri="{28A0092B-C50C-407E-A947-70E740481C1C}">
-                <a14:useLocalDpi xmlns:a14="http://schemas.microsoft.com/office/drawing/2010/main" val="0"/>
-              </a:ext>
-            </a:extLst>
-          </a:blip>
-          <a:srcRect/>
-          <a:stretch>
-            <a:fillRect/>
-          </a:stretch>
-        </p:blipFill>
-        <p:spPr bwMode="auto">
-          <a:xfrm>
-            <a:off x="1907704" y="2204864"/>
-            <a:ext cx="955811" cy="955810"/>
-          </a:xfrm>
-          <a:prstGeom prst="rect">
-            <a:avLst/>
-          </a:prstGeom>
-          <a:noFill/>
-          <a:extLst>
-            <a:ext uri="{909E8E84-426E-40DD-AFC4-6F175D3DCCD1}">
-              <a14:hiddenFill xmlns:a14="http://schemas.microsoft.com/office/drawing/2010/main">
-                <a:solidFill>
-                  <a:srgbClr val="FFFFFF"/>
-                </a:solidFill>
-              </a14:hiddenFill>
-            </a:ext>
-          </a:extLst>
-        </p:spPr>
-      </p:pic>
-      <p:sp>
-        <p:nvSpPr>
-          <p:cNvPr id="15" name="TextBox 14"/>
-          <p:cNvSpPr txBox="1"/>
-          <p:nvPr/>
-        </p:nvSpPr>
-        <p:spPr>
-          <a:xfrm>
-            <a:off x="5089563" y="3007639"/>
-            <a:ext cx="2871299" cy="1169551"/>
-          </a:xfrm>
-          <a:prstGeom prst="rect">
-            <a:avLst/>
-          </a:prstGeom>
-          <a:noFill/>
-        </p:spPr>
-        <p:txBody>
-          <a:bodyPr wrap="none" rtlCol="0">
-            <a:spAutoFit/>
-          </a:bodyPr>
-          <a:lstStyle/>
-          <a:p>
-            <a:pPr marL="171450" indent="-171450">
-              <a:buFont typeface="Arial" panose="020B0604020202020204" pitchFamily="34" charset="0"/>
-              <a:buChar char="•"/>
-            </a:pPr>
-            <a:r>
-              <a:rPr lang="zh-CN" altLang="en-US" sz="1400" dirty="0">
-                <a:latin typeface="微软雅黑" panose="020B0503020204020204" pitchFamily="34" charset="-122"/>
-                <a:ea typeface="微软雅黑" panose="020B0503020204020204" pitchFamily="34" charset="-122"/>
-              </a:rPr>
-              <a:t>实验结果不够理想，对比实验不</a:t>
-            </a:r>
-            <a:endParaRPr lang="en-US" altLang="zh-CN" sz="1400" dirty="0">
-              <a:latin typeface="微软雅黑" panose="020B0503020204020204" pitchFamily="34" charset="-122"/>
-              <a:ea typeface="微软雅黑" panose="020B0503020204020204" pitchFamily="34" charset="-122"/>
-            </a:endParaRPr>
-          </a:p>
-          <a:p>
-            <a:r>
-              <a:rPr lang="zh-CN" altLang="en-US" sz="1400" dirty="0">
-                <a:latin typeface="微软雅黑" panose="020B0503020204020204" pitchFamily="34" charset="-122"/>
-                <a:ea typeface="微软雅黑" panose="020B0503020204020204" pitchFamily="34" charset="-122"/>
-              </a:rPr>
-              <a:t>够多（受资源限制）</a:t>
-            </a:r>
-            <a:endParaRPr lang="en-US" altLang="zh-CN" sz="1400" dirty="0">
-              <a:latin typeface="微软雅黑" panose="020B0503020204020204" pitchFamily="34" charset="-122"/>
-              <a:ea typeface="微软雅黑" panose="020B0503020204020204" pitchFamily="34" charset="-122"/>
-            </a:endParaRPr>
-          </a:p>
-          <a:p>
-            <a:pPr marL="285750" indent="-285750">
-              <a:buFont typeface="Arial" panose="020B0604020202020204" pitchFamily="34" charset="0"/>
-              <a:buChar char="•"/>
-            </a:pPr>
-            <a:endParaRPr lang="zh-CN" altLang="en-US" sz="1400" dirty="0">
-              <a:latin typeface="微软雅黑" panose="020B0503020204020204" pitchFamily="34" charset="-122"/>
-              <a:ea typeface="微软雅黑" panose="020B0503020204020204" pitchFamily="34" charset="-122"/>
-            </a:endParaRPr>
-          </a:p>
-          <a:p>
-            <a:pPr marL="285750" indent="-285750">
-              <a:buFont typeface="Arial" panose="020B0604020202020204" pitchFamily="34" charset="0"/>
-              <a:buChar char="•"/>
-            </a:pPr>
-            <a:r>
-              <a:rPr lang="zh-CN" altLang="en-US" sz="1400" dirty="0">
-                <a:latin typeface="微软雅黑" panose="020B0503020204020204" pitchFamily="34" charset="-122"/>
-                <a:ea typeface="微软雅黑" panose="020B0503020204020204" pitchFamily="34" charset="-122"/>
-              </a:rPr>
-              <a:t>进一步工作需要确定最优前期</a:t>
-            </a:r>
-            <a:endParaRPr lang="en-US" altLang="zh-CN" sz="1400" dirty="0">
-              <a:latin typeface="微软雅黑" panose="020B0503020204020204" pitchFamily="34" charset="-122"/>
-              <a:ea typeface="微软雅黑" panose="020B0503020204020204" pitchFamily="34" charset="-122"/>
-            </a:endParaRPr>
-          </a:p>
-          <a:p>
-            <a:r>
-              <a:rPr lang="zh-CN" altLang="en-US" sz="1400" dirty="0">
-                <a:latin typeface="微软雅黑" panose="020B0503020204020204" pitchFamily="34" charset="-122"/>
-                <a:ea typeface="微软雅黑" panose="020B0503020204020204" pitchFamily="34" charset="-122"/>
-              </a:rPr>
-              <a:t>征兆，最终确定目标观测敏感区</a:t>
-            </a:r>
-            <a:endParaRPr lang="en-US" altLang="zh-CN" sz="1400" dirty="0">
-              <a:latin typeface="微软雅黑" panose="020B0503020204020204" pitchFamily="34" charset="-122"/>
-              <a:ea typeface="微软雅黑" panose="020B0503020204020204" pitchFamily="34" charset="-122"/>
-            </a:endParaRPr>
-          </a:p>
-        </p:txBody>
-      </p:sp>
-      <p:cxnSp>
-        <p:nvCxnSpPr>
-          <p:cNvPr id="19" name="直接连接符 18"/>
-          <p:cNvCxnSpPr/>
-          <p:nvPr/>
-        </p:nvCxnSpPr>
-        <p:spPr>
-          <a:xfrm>
-            <a:off x="2987824" y="2883043"/>
-            <a:ext cx="1296144" cy="0"/>
-          </a:xfrm>
-          <a:prstGeom prst="line">
-            <a:avLst/>
-          </a:prstGeom>
-          <a:ln w="19050">
-            <a:solidFill>
-              <a:schemeClr val="bg1">
-                <a:lumMod val="65000"/>
-              </a:schemeClr>
-            </a:solidFill>
-            <a:headEnd type="oval" w="med" len="med"/>
-            <a:tailEnd type="oval" w="med" len="med"/>
-          </a:ln>
-        </p:spPr>
-        <p:style>
-          <a:lnRef idx="1">
-            <a:schemeClr val="accent1"/>
-          </a:lnRef>
-          <a:fillRef idx="0">
-            <a:schemeClr val="accent1"/>
-          </a:fillRef>
-          <a:effectRef idx="0">
-            <a:schemeClr val="accent1"/>
-          </a:effectRef>
-          <a:fontRef idx="minor">
-            <a:schemeClr val="tx1"/>
-          </a:fontRef>
-        </p:style>
-      </p:cxnSp>
-      <p:cxnSp>
-        <p:nvCxnSpPr>
-          <p:cNvPr id="42" name="直接连接符 41"/>
-          <p:cNvCxnSpPr/>
-          <p:nvPr/>
-        </p:nvCxnSpPr>
-        <p:spPr>
-          <a:xfrm>
-            <a:off x="6300192" y="2889512"/>
-            <a:ext cx="1296144" cy="0"/>
-          </a:xfrm>
-          <a:prstGeom prst="line">
-            <a:avLst/>
-          </a:prstGeom>
-          <a:ln w="19050">
-            <a:solidFill>
-              <a:schemeClr val="bg1">
-                <a:lumMod val="65000"/>
-              </a:schemeClr>
-            </a:solidFill>
-            <a:headEnd type="oval" w="med" len="med"/>
-            <a:tailEnd type="oval" w="med" len="med"/>
-          </a:ln>
-        </p:spPr>
-        <p:style>
-          <a:lnRef idx="1">
-            <a:schemeClr val="accent1"/>
-          </a:lnRef>
-          <a:fillRef idx="0">
-            <a:schemeClr val="accent1"/>
-          </a:fillRef>
-          <a:effectRef idx="0">
-            <a:schemeClr val="accent1"/>
-          </a:effectRef>
-          <a:fontRef idx="minor">
-            <a:schemeClr val="tx1"/>
-          </a:fontRef>
-        </p:style>
-      </p:cxnSp>
-      <p:sp>
-        <p:nvSpPr>
-          <p:cNvPr id="26" name="TextBox 25"/>
-          <p:cNvSpPr txBox="1"/>
-          <p:nvPr/>
-        </p:nvSpPr>
-        <p:spPr>
-          <a:xfrm>
-            <a:off x="3242545" y="2489402"/>
-            <a:ext cx="697627" cy="400110"/>
-          </a:xfrm>
-          <a:prstGeom prst="rect">
-            <a:avLst/>
-          </a:prstGeom>
-          <a:noFill/>
-        </p:spPr>
-        <p:txBody>
-          <a:bodyPr wrap="none" rtlCol="0">
-            <a:spAutoFit/>
-          </a:bodyPr>
-          <a:lstStyle/>
-          <a:p>
-            <a:r>
-              <a:rPr lang="zh-CN" altLang="en-US" sz="2000" dirty="0">
-                <a:latin typeface="微软雅黑" panose="020B0503020204020204" pitchFamily="34" charset="-122"/>
-                <a:ea typeface="微软雅黑" panose="020B0503020204020204" pitchFamily="34" charset="-122"/>
-              </a:rPr>
-              <a:t>亮点</a:t>
-            </a:r>
-          </a:p>
-        </p:txBody>
-      </p:sp>
-      <p:sp>
-        <p:nvSpPr>
-          <p:cNvPr id="30" name="TextBox 29"/>
-          <p:cNvSpPr txBox="1"/>
-          <p:nvPr/>
-        </p:nvSpPr>
-        <p:spPr>
-          <a:xfrm>
-            <a:off x="6599450" y="2482714"/>
-            <a:ext cx="697627" cy="400110"/>
-          </a:xfrm>
-          <a:prstGeom prst="rect">
-            <a:avLst/>
-          </a:prstGeom>
-          <a:noFill/>
-        </p:spPr>
-        <p:txBody>
-          <a:bodyPr wrap="none" rtlCol="0">
-            <a:spAutoFit/>
-          </a:bodyPr>
-          <a:lstStyle/>
-          <a:p>
-            <a:r>
-              <a:rPr lang="zh-CN" altLang="en-US" sz="2000" dirty="0">
-                <a:latin typeface="微软雅黑" panose="020B0503020204020204" pitchFamily="34" charset="-122"/>
-                <a:ea typeface="微软雅黑" panose="020B0503020204020204" pitchFamily="34" charset="-122"/>
-              </a:rPr>
-              <a:t>不足</a:t>
-            </a:r>
-          </a:p>
-        </p:txBody>
-      </p:sp>
-      <p:sp>
-        <p:nvSpPr>
-          <p:cNvPr id="31" name="TextBox 14">
-            <a:extLst>
-              <a:ext uri="{FF2B5EF4-FFF2-40B4-BE49-F238E27FC236}">
-                <a16:creationId xmlns:a16="http://schemas.microsoft.com/office/drawing/2014/main" id="{AFDBFA16-F080-4234-AB0E-3B4FFB10ECAB}"/>
-              </a:ext>
-            </a:extLst>
-          </p:cNvPr>
-          <p:cNvSpPr txBox="1"/>
-          <p:nvPr/>
-        </p:nvSpPr>
-        <p:spPr>
-          <a:xfrm>
-            <a:off x="1807298" y="3073909"/>
-            <a:ext cx="2893741" cy="1600438"/>
-          </a:xfrm>
-          <a:prstGeom prst="rect">
-            <a:avLst/>
-          </a:prstGeom>
-          <a:noFill/>
-        </p:spPr>
-        <p:txBody>
-          <a:bodyPr wrap="none" rtlCol="0">
-            <a:spAutoFit/>
-          </a:bodyPr>
-          <a:lstStyle/>
-          <a:p>
-            <a:pPr marL="285750" indent="-285750">
-              <a:buFont typeface="Arial" panose="020B0604020202020204" pitchFamily="34" charset="0"/>
-              <a:buChar char="•"/>
-            </a:pPr>
-            <a:r>
-              <a:rPr lang="zh-CN" altLang="en-US" sz="1400" dirty="0">
-                <a:latin typeface="微软雅黑" panose="020B0503020204020204" pitchFamily="34" charset="-122"/>
-                <a:ea typeface="微软雅黑" panose="020B0503020204020204" pitchFamily="34" charset="-122"/>
-              </a:rPr>
-              <a:t>计算机与大气海洋科学的结合</a:t>
-            </a:r>
-            <a:endParaRPr lang="en-US" altLang="zh-CN" sz="1400" dirty="0">
-              <a:latin typeface="微软雅黑" panose="020B0503020204020204" pitchFamily="34" charset="-122"/>
-              <a:ea typeface="微软雅黑" panose="020B0503020204020204" pitchFamily="34" charset="-122"/>
-            </a:endParaRPr>
-          </a:p>
-          <a:p>
-            <a:r>
-              <a:rPr lang="zh-CN" altLang="en-US" sz="1400" dirty="0">
-                <a:latin typeface="微软雅黑" panose="020B0503020204020204" pitchFamily="34" charset="-122"/>
-                <a:ea typeface="微软雅黑" panose="020B0503020204020204" pitchFamily="34" charset="-122"/>
-              </a:rPr>
-              <a:t>（学习了大气相关知识）</a:t>
-            </a:r>
-            <a:endParaRPr lang="en-US" altLang="zh-CN" sz="1400" dirty="0">
-              <a:latin typeface="微软雅黑" panose="020B0503020204020204" pitchFamily="34" charset="-122"/>
-              <a:ea typeface="微软雅黑" panose="020B0503020204020204" pitchFamily="34" charset="-122"/>
-            </a:endParaRPr>
-          </a:p>
-          <a:p>
-            <a:endParaRPr lang="en-US" altLang="zh-CN" sz="1400" dirty="0">
-              <a:latin typeface="微软雅黑" panose="020B0503020204020204" pitchFamily="34" charset="-122"/>
-              <a:ea typeface="微软雅黑" panose="020B0503020204020204" pitchFamily="34" charset="-122"/>
-            </a:endParaRPr>
-          </a:p>
-          <a:p>
-            <a:pPr marL="285750" indent="-285750">
-              <a:buFont typeface="Arial" panose="020B0604020202020204" pitchFamily="34" charset="0"/>
-              <a:buChar char="•"/>
-            </a:pPr>
-            <a:r>
-              <a:rPr lang="zh-CN" altLang="en-US" sz="1400" dirty="0">
-                <a:latin typeface="微软雅黑" panose="020B0503020204020204" pitchFamily="34" charset="-122"/>
-                <a:ea typeface="微软雅黑" panose="020B0503020204020204" pitchFamily="34" charset="-122"/>
-              </a:rPr>
-              <a:t>首次将</a:t>
-            </a:r>
-            <a:r>
-              <a:rPr lang="en-US" altLang="zh-CN" sz="1400" dirty="0">
-                <a:latin typeface="微软雅黑" panose="020B0503020204020204" pitchFamily="34" charset="-122"/>
-                <a:ea typeface="微软雅黑" panose="020B0503020204020204" pitchFamily="34" charset="-122"/>
-              </a:rPr>
-              <a:t>GFDL CM</a:t>
-            </a:r>
-            <a:r>
-              <a:rPr lang="zh-CN" altLang="en-US" sz="1400" dirty="0">
-                <a:latin typeface="微软雅黑" panose="020B0503020204020204" pitchFamily="34" charset="-122"/>
-                <a:ea typeface="微软雅黑" panose="020B0503020204020204" pitchFamily="34" charset="-122"/>
-              </a:rPr>
-              <a:t>模式应用于智</a:t>
-            </a:r>
-            <a:endParaRPr lang="en-US" altLang="zh-CN" sz="1400" dirty="0">
-              <a:latin typeface="微软雅黑" panose="020B0503020204020204" pitchFamily="34" charset="-122"/>
-              <a:ea typeface="微软雅黑" panose="020B0503020204020204" pitchFamily="34" charset="-122"/>
-            </a:endParaRPr>
-          </a:p>
-          <a:p>
-            <a:r>
-              <a:rPr lang="zh-CN" altLang="en-US" sz="1400" dirty="0">
-                <a:latin typeface="微软雅黑" panose="020B0503020204020204" pitchFamily="34" charset="-122"/>
-                <a:ea typeface="微软雅黑" panose="020B0503020204020204" pitchFamily="34" charset="-122"/>
-              </a:rPr>
-              <a:t>能算法求解</a:t>
-            </a:r>
-            <a:r>
-              <a:rPr lang="en-US" altLang="zh-CN" sz="1400" dirty="0">
-                <a:latin typeface="微软雅黑" panose="020B0503020204020204" pitchFamily="34" charset="-122"/>
-                <a:ea typeface="微软雅黑" panose="020B0503020204020204" pitchFamily="34" charset="-122"/>
-              </a:rPr>
-              <a:t>CNOP</a:t>
-            </a:r>
-            <a:r>
-              <a:rPr lang="zh-CN" altLang="en-US" sz="1400" dirty="0">
-                <a:latin typeface="微软雅黑" panose="020B0503020204020204" pitchFamily="34" charset="-122"/>
-                <a:ea typeface="微软雅黑" panose="020B0503020204020204" pitchFamily="34" charset="-122"/>
-              </a:rPr>
-              <a:t>过程</a:t>
-            </a:r>
-            <a:endParaRPr lang="en-US" altLang="zh-CN" sz="1400" dirty="0">
-              <a:latin typeface="微软雅黑" panose="020B0503020204020204" pitchFamily="34" charset="-122"/>
-              <a:ea typeface="微软雅黑" panose="020B0503020204020204" pitchFamily="34" charset="-122"/>
-            </a:endParaRPr>
-          </a:p>
-          <a:p>
-            <a:endParaRPr lang="en-US" altLang="zh-CN" sz="1400" dirty="0">
-              <a:latin typeface="微软雅黑" panose="020B0503020204020204" pitchFamily="34" charset="-122"/>
-              <a:ea typeface="微软雅黑" panose="020B0503020204020204" pitchFamily="34" charset="-122"/>
-            </a:endParaRPr>
-          </a:p>
-          <a:p>
-            <a:pPr marL="285750" indent="-285750">
-              <a:buFont typeface="Arial" panose="020B0604020202020204" pitchFamily="34" charset="0"/>
-              <a:buChar char="•"/>
-            </a:pPr>
-            <a:r>
-              <a:rPr lang="zh-CN" altLang="en-US" sz="1400" dirty="0">
-                <a:latin typeface="微软雅黑" panose="020B0503020204020204" pitchFamily="34" charset="-122"/>
-                <a:ea typeface="微软雅黑" panose="020B0503020204020204" pitchFamily="34" charset="-122"/>
-              </a:rPr>
-              <a:t>程序结构完整，思路清晰</a:t>
-            </a:r>
-          </a:p>
-        </p:txBody>
-      </p:sp>
-    </p:spTree>
-    <p:extLst>
-      <p:ext uri="{BB962C8B-B14F-4D97-AF65-F5344CB8AC3E}">
-        <p14:creationId xmlns:p14="http://schemas.microsoft.com/office/powerpoint/2010/main" val="1260519522"/>
-      </p:ext>
-    </p:extLst>
-  </p:cSld>
-  <p:clrMapOvr>
-    <a:masterClrMapping/>
-  </p:clrMapOvr>
-  <p:transition spd="med">
-    <p:push dir="u"/>
-  </p:transition>
-</p:sld>
-</file>
-
-<file path=ppt/slides/slide23.xml><?xml version="1.0" encoding="utf-8"?>
+<file path=ppt/slides/slide21.xml><?xml version="1.0" encoding="utf-8"?>
 <p:sld xmlns:a="http://schemas.openxmlformats.org/drawingml/2006/main" xmlns:r="http://schemas.openxmlformats.org/officeDocument/2006/relationships" xmlns:p="http://schemas.openxmlformats.org/presentationml/2006/main">
   <p:cSld>
     <p:spTree>
@@ -35507,7 +32997,7 @@
 </p:sld>
 </file>
 
-<file path=ppt/slides/slide24.xml><?xml version="1.0" encoding="utf-8"?>
+<file path=ppt/slides/slide22.xml><?xml version="1.0" encoding="utf-8"?>
 <p:sld xmlns:a="http://schemas.openxmlformats.org/drawingml/2006/main" xmlns:r="http://schemas.openxmlformats.org/officeDocument/2006/relationships" xmlns:p="http://schemas.openxmlformats.org/presentationml/2006/main">
   <p:cSld>
     <p:spTree>
@@ -41958,7 +39448,7 @@
           <a:lstStyle/>
           <a:p>
             <a:pPr algn="ctr"/>
-            <a:endParaRPr lang="zh-CN" altLang="en-US"/>
+            <a:endParaRPr lang="zh-CN" altLang="en-US" dirty="0"/>
           </a:p>
         </p:txBody>
       </p:sp>
@@ -42704,7 +40194,7 @@
           <a:lstStyle/>
           <a:p>
             <a:pPr algn="ctr"/>
-            <a:endParaRPr lang="zh-CN" altLang="en-US"/>
+            <a:endParaRPr lang="zh-CN" altLang="en-US" dirty="0"/>
           </a:p>
         </p:txBody>
       </p:sp>
@@ -43057,7 +40547,7 @@
                 <a:latin typeface="微软雅黑" panose="020B0503020204020204" pitchFamily="34" charset="-122"/>
                 <a:ea typeface="微软雅黑" panose="020B0503020204020204" pitchFamily="34" charset="-122"/>
               </a:rPr>
-              <a:t>整体背景</a:t>
+              <a:t>交叉学科</a:t>
             </a:r>
           </a:p>
         </p:txBody>
@@ -43085,15 +40575,22 @@
           <a:lstStyle/>
           <a:p>
             <a:r>
-              <a:rPr lang="zh-CN" altLang="en-US" sz="1400" dirty="0">
+              <a:rPr lang="zh-CN" altLang="en-US" sz="1400">
                 <a:solidFill>
                   <a:schemeClr val="bg1"/>
                 </a:solidFill>
                 <a:latin typeface="微软雅黑" panose="020B0503020204020204" pitchFamily="34" charset="-122"/>
                 <a:ea typeface="微软雅黑" panose="020B0503020204020204" pitchFamily="34" charset="-122"/>
               </a:rPr>
-              <a:t>实际意义</a:t>
+              <a:t>整体背景</a:t>
             </a:r>
+            <a:endParaRPr lang="zh-CN" altLang="en-US" sz="1400" dirty="0">
+              <a:solidFill>
+                <a:schemeClr val="bg1"/>
+              </a:solidFill>
+              <a:latin typeface="微软雅黑" panose="020B0503020204020204" pitchFamily="34" charset="-122"/>
+              <a:ea typeface="微软雅黑" panose="020B0503020204020204" pitchFamily="34" charset="-122"/>
+            </a:endParaRPr>
           </a:p>
         </p:txBody>
       </p:sp>
@@ -43127,7 +40624,7 @@
                 <a:latin typeface="微软雅黑" panose="020B0503020204020204" pitchFamily="34" charset="-122"/>
                 <a:ea typeface="微软雅黑" panose="020B0503020204020204" pitchFamily="34" charset="-122"/>
               </a:rPr>
-              <a:t>交叉学科</a:t>
+              <a:t>实际意义</a:t>
             </a:r>
           </a:p>
         </p:txBody>
@@ -43140,8 +40637,8 @@
         </p:nvSpPr>
         <p:spPr>
           <a:xfrm>
-            <a:off x="5003522" y="2031695"/>
-            <a:ext cx="2916183" cy="461665"/>
+            <a:off x="5076056" y="2101013"/>
+            <a:ext cx="2236510" cy="276999"/>
           </a:xfrm>
           <a:prstGeom prst="rect">
             <a:avLst/>
@@ -43155,6 +40652,16 @@
           <a:lstStyle/>
           <a:p>
             <a:r>
+              <a:rPr lang="zh-CN" altLang="en-US" sz="1200" dirty="0">
+                <a:solidFill>
+                  <a:schemeClr val="bg1"/>
+                </a:solidFill>
+                <a:latin typeface="微软雅黑" panose="020B0503020204020204" pitchFamily="34" charset="-122"/>
+                <a:ea typeface="微软雅黑" panose="020B0503020204020204" pitchFamily="34" charset="-122"/>
+              </a:rPr>
+              <a:t>计算机科学 </a:t>
+            </a:r>
+            <a:r>
               <a:rPr lang="en-US" altLang="zh-CN" sz="1200" dirty="0">
                 <a:solidFill>
                   <a:schemeClr val="bg1"/>
@@ -43162,7 +40669,7 @@
                 <a:latin typeface="微软雅黑" panose="020B0503020204020204" pitchFamily="34" charset="-122"/>
                 <a:ea typeface="微软雅黑" panose="020B0503020204020204" pitchFamily="34" charset="-122"/>
               </a:rPr>
-              <a:t>ENSO</a:t>
+              <a:t>&amp;&amp; </a:t>
             </a:r>
             <a:r>
               <a:rPr lang="zh-CN" altLang="en-US" sz="1200" dirty="0">
@@ -43172,26 +40679,7 @@
                 <a:latin typeface="微软雅黑" panose="020B0503020204020204" pitchFamily="34" charset="-122"/>
                 <a:ea typeface="微软雅黑" panose="020B0503020204020204" pitchFamily="34" charset="-122"/>
               </a:rPr>
-              <a:t>事件的可预报性研究一直是国内外</a:t>
-            </a:r>
-            <a:endParaRPr lang="en-US" altLang="zh-CN" sz="1200" dirty="0">
-              <a:solidFill>
-                <a:schemeClr val="bg1"/>
-              </a:solidFill>
-              <a:latin typeface="微软雅黑" panose="020B0503020204020204" pitchFamily="34" charset="-122"/>
-              <a:ea typeface="微软雅黑" panose="020B0503020204020204" pitchFamily="34" charset="-122"/>
-            </a:endParaRPr>
-          </a:p>
-          <a:p>
-            <a:r>
-              <a:rPr lang="zh-CN" altLang="en-US" sz="1200" dirty="0">
-                <a:solidFill>
-                  <a:schemeClr val="bg1"/>
-                </a:solidFill>
-                <a:latin typeface="微软雅黑" panose="020B0503020204020204" pitchFamily="34" charset="-122"/>
-                <a:ea typeface="微软雅黑" panose="020B0503020204020204" pitchFamily="34" charset="-122"/>
-              </a:rPr>
-              <a:t>学术界研究的热点问题。</a:t>
+              <a:t>大气海洋科学</a:t>
             </a:r>
           </a:p>
         </p:txBody>
@@ -43363,16 +40851,6 @@
           <a:lstStyle/>
           <a:p>
             <a:r>
-              <a:rPr lang="zh-CN" altLang="en-US" sz="1200" dirty="0">
-                <a:solidFill>
-                  <a:schemeClr val="bg1"/>
-                </a:solidFill>
-                <a:latin typeface="微软雅黑" panose="020B0503020204020204" pitchFamily="34" charset="-122"/>
-                <a:ea typeface="微软雅黑" panose="020B0503020204020204" pitchFamily="34" charset="-122"/>
-              </a:rPr>
-              <a:t>寻找目标观测敏感区，有利于提高</a:t>
-            </a:r>
-            <a:r>
               <a:rPr lang="en-US" altLang="zh-CN" sz="1200" dirty="0">
                 <a:solidFill>
                   <a:schemeClr val="bg1"/>
@@ -43382,6 +40860,23 @@
               </a:rPr>
               <a:t>ENSO</a:t>
             </a:r>
+            <a:r>
+              <a:rPr lang="zh-CN" altLang="en-US" sz="1200" dirty="0">
+                <a:solidFill>
+                  <a:schemeClr val="bg1"/>
+                </a:solidFill>
+                <a:latin typeface="微软雅黑" panose="020B0503020204020204" pitchFamily="34" charset="-122"/>
+                <a:ea typeface="微软雅黑" panose="020B0503020204020204" pitchFamily="34" charset="-122"/>
+              </a:rPr>
+              <a:t>事件的可预报性研究一直是国内外</a:t>
+            </a:r>
+            <a:endParaRPr lang="en-US" altLang="zh-CN" sz="1200" dirty="0">
+              <a:solidFill>
+                <a:schemeClr val="bg1"/>
+              </a:solidFill>
+              <a:latin typeface="微软雅黑" panose="020B0503020204020204" pitchFamily="34" charset="-122"/>
+              <a:ea typeface="微软雅黑" panose="020B0503020204020204" pitchFamily="34" charset="-122"/>
+            </a:endParaRPr>
           </a:p>
           <a:p>
             <a:r>
@@ -43392,15 +40887,8 @@
                 <a:latin typeface="微软雅黑" panose="020B0503020204020204" pitchFamily="34" charset="-122"/>
                 <a:ea typeface="微软雅黑" panose="020B0503020204020204" pitchFamily="34" charset="-122"/>
               </a:rPr>
-              <a:t>事件的预报精准度。</a:t>
+              <a:t>学术界研究的热点问题。</a:t>
             </a:r>
-            <a:endParaRPr lang="en-US" altLang="zh-CN" sz="1200" dirty="0">
-              <a:solidFill>
-                <a:schemeClr val="bg1"/>
-              </a:solidFill>
-              <a:latin typeface="微软雅黑" panose="020B0503020204020204" pitchFamily="34" charset="-122"/>
-              <a:ea typeface="微软雅黑" panose="020B0503020204020204" pitchFamily="34" charset="-122"/>
-            </a:endParaRPr>
           </a:p>
         </p:txBody>
       </p:sp>
@@ -43413,7 +40901,7 @@
         <p:spPr>
           <a:xfrm>
             <a:off x="5076056" y="4343375"/>
-            <a:ext cx="2236510" cy="276999"/>
+            <a:ext cx="2646878" cy="461665"/>
           </a:xfrm>
           <a:prstGeom prst="rect">
             <a:avLst/>
@@ -43434,18 +40922,17 @@
                 <a:latin typeface="微软雅黑" panose="020B0503020204020204" pitchFamily="34" charset="-122"/>
                 <a:ea typeface="微软雅黑" panose="020B0503020204020204" pitchFamily="34" charset="-122"/>
               </a:rPr>
-              <a:t>计算机科学 </a:t>
+              <a:t>寻找最快增长初始误差，有利于减少</a:t>
             </a:r>
-            <a:r>
-              <a:rPr lang="en-US" altLang="zh-CN" sz="1200" dirty="0">
-                <a:solidFill>
-                  <a:schemeClr val="bg1"/>
-                </a:solidFill>
-                <a:latin typeface="微软雅黑" panose="020B0503020204020204" pitchFamily="34" charset="-122"/>
-                <a:ea typeface="微软雅黑" panose="020B0503020204020204" pitchFamily="34" charset="-122"/>
-              </a:rPr>
-              <a:t>&amp;&amp;</a:t>
-            </a:r>
+            <a:endParaRPr lang="en-US" altLang="zh-CN" sz="1200" dirty="0">
+              <a:solidFill>
+                <a:schemeClr val="bg1"/>
+              </a:solidFill>
+              <a:latin typeface="微软雅黑" panose="020B0503020204020204" pitchFamily="34" charset="-122"/>
+              <a:ea typeface="微软雅黑" panose="020B0503020204020204" pitchFamily="34" charset="-122"/>
+            </a:endParaRPr>
+          </a:p>
+          <a:p>
             <a:r>
               <a:rPr lang="zh-CN" altLang="en-US" sz="1200" dirty="0">
                 <a:solidFill>
@@ -43454,8 +40941,15 @@
                 <a:latin typeface="微软雅黑" panose="020B0503020204020204" pitchFamily="34" charset="-122"/>
                 <a:ea typeface="微软雅黑" panose="020B0503020204020204" pitchFamily="34" charset="-122"/>
               </a:rPr>
-              <a:t> 大气海洋科学</a:t>
+              <a:t>预报误差。</a:t>
             </a:r>
+            <a:endParaRPr lang="en-US" altLang="zh-CN" sz="1200" dirty="0">
+              <a:solidFill>
+                <a:schemeClr val="bg1"/>
+              </a:solidFill>
+              <a:latin typeface="微软雅黑" panose="020B0503020204020204" pitchFamily="34" charset="-122"/>
+              <a:ea typeface="微软雅黑" panose="020B0503020204020204" pitchFamily="34" charset="-122"/>
+            </a:endParaRPr>
           </a:p>
         </p:txBody>
       </p:sp>
@@ -53168,7 +50662,7 @@
         </p:nvSpPr>
         <p:spPr>
           <a:xfrm>
-            <a:off x="1341691" y="4149080"/>
+            <a:off x="1877791" y="4149080"/>
             <a:ext cx="1686005" cy="236015"/>
           </a:xfrm>
           <a:prstGeom prst="rect">
@@ -53227,7 +50721,7 @@
                 <a:latin typeface="微软雅黑" panose="020B0503020204020204" pitchFamily="34" charset="-122"/>
                 <a:ea typeface="微软雅黑" panose="020B0503020204020204" pitchFamily="34" charset="-122"/>
               </a:rPr>
-              <a:t>数据降维</a:t>
+              <a:t>数据获取和降维</a:t>
             </a:r>
           </a:p>
         </p:txBody>

--- a/FinalPaper/毕业答辩.pptx
+++ b/FinalPaper/毕业答辩.pptx
@@ -5,7 +5,7 @@
     <p:sldMasterId id="2147483696" r:id="rId1"/>
   </p:sldMasterIdLst>
   <p:notesMasterIdLst>
-    <p:notesMasterId r:id="rId24"/>
+    <p:notesMasterId r:id="rId25"/>
   </p:notesMasterIdLst>
   <p:sldIdLst>
     <p:sldId id="295" r:id="rId2"/>
@@ -25,16 +25,17 @@
     <p:sldId id="285" r:id="rId16"/>
     <p:sldId id="283" r:id="rId17"/>
     <p:sldId id="284" r:id="rId18"/>
-    <p:sldId id="304" r:id="rId19"/>
-    <p:sldId id="292" r:id="rId20"/>
-    <p:sldId id="293" r:id="rId21"/>
-    <p:sldId id="303" r:id="rId22"/>
-    <p:sldId id="302" r:id="rId23"/>
+    <p:sldId id="305" r:id="rId19"/>
+    <p:sldId id="304" r:id="rId20"/>
+    <p:sldId id="292" r:id="rId21"/>
+    <p:sldId id="293" r:id="rId22"/>
+    <p:sldId id="303" r:id="rId23"/>
+    <p:sldId id="302" r:id="rId24"/>
   </p:sldIdLst>
   <p:sldSz cx="9144000" cy="6858000" type="screen4x3"/>
   <p:notesSz cx="6858000" cy="9144000"/>
   <p:custDataLst>
-    <p:tags r:id="rId25"/>
+    <p:tags r:id="rId26"/>
   </p:custDataLst>
   <p:defaultTextStyle>
     <a:defPPr>
@@ -1333,7 +1334,7 @@
     </p:spTree>
     <p:extLst>
       <p:ext uri="{BB962C8B-B14F-4D97-AF65-F5344CB8AC3E}">
-        <p14:creationId xmlns:p14="http://schemas.microsoft.com/office/powerpoint/2010/main" val="2882732469"/>
+        <p14:creationId xmlns:p14="http://schemas.microsoft.com/office/powerpoint/2010/main" val="2459754872"/>
       </p:ext>
     </p:extLst>
   </p:cSld>
@@ -1417,7 +1418,7 @@
     </p:spTree>
     <p:extLst>
       <p:ext uri="{BB962C8B-B14F-4D97-AF65-F5344CB8AC3E}">
-        <p14:creationId xmlns:p14="http://schemas.microsoft.com/office/powerpoint/2010/main" val="1929178683"/>
+        <p14:creationId xmlns:p14="http://schemas.microsoft.com/office/powerpoint/2010/main" val="2882732469"/>
       </p:ext>
     </p:extLst>
   </p:cSld>
@@ -1585,7 +1586,7 @@
     </p:spTree>
     <p:extLst>
       <p:ext uri="{BB962C8B-B14F-4D97-AF65-F5344CB8AC3E}">
-        <p14:creationId xmlns:p14="http://schemas.microsoft.com/office/powerpoint/2010/main" val="1131837639"/>
+        <p14:creationId xmlns:p14="http://schemas.microsoft.com/office/powerpoint/2010/main" val="1929178683"/>
       </p:ext>
     </p:extLst>
   </p:cSld>
@@ -1639,7 +1640,7 @@
           <a:bodyPr/>
           <a:lstStyle/>
           <a:p>
-            <a:endParaRPr lang="zh-CN" altLang="en-US" dirty="0"/>
+            <a:endParaRPr lang="zh-CN" altLang="en-US"/>
           </a:p>
         </p:txBody>
       </p:sp>
@@ -1669,7 +1670,7 @@
     </p:spTree>
     <p:extLst>
       <p:ext uri="{BB962C8B-B14F-4D97-AF65-F5344CB8AC3E}">
-        <p14:creationId xmlns:p14="http://schemas.microsoft.com/office/powerpoint/2010/main" val="3177658496"/>
+        <p14:creationId xmlns:p14="http://schemas.microsoft.com/office/powerpoint/2010/main" val="1131837639"/>
       </p:ext>
     </p:extLst>
   </p:cSld>
@@ -1745,6 +1746,90 @@
             <a:fld id="{231D8317-3E66-4CBC-B0CB-E0D7DB0EAD7C}" type="slidenum">
               <a:rPr lang="zh-CN" altLang="en-US" smtClean="0"/>
               <a:t>21</a:t>
+            </a:fld>
+            <a:endParaRPr lang="zh-CN" altLang="en-US"/>
+          </a:p>
+        </p:txBody>
+      </p:sp>
+    </p:spTree>
+    <p:extLst>
+      <p:ext uri="{BB962C8B-B14F-4D97-AF65-F5344CB8AC3E}">
+        <p14:creationId xmlns:p14="http://schemas.microsoft.com/office/powerpoint/2010/main" val="3177658496"/>
+      </p:ext>
+    </p:extLst>
+  </p:cSld>
+  <p:clrMapOvr>
+    <a:masterClrMapping/>
+  </p:clrMapOvr>
+</p:notes>
+</file>
+
+<file path=ppt/notesSlides/notesSlide23.xml><?xml version="1.0" encoding="utf-8"?>
+<p:notes xmlns:a="http://schemas.openxmlformats.org/drawingml/2006/main" xmlns:r="http://schemas.openxmlformats.org/officeDocument/2006/relationships" xmlns:p="http://schemas.openxmlformats.org/presentationml/2006/main">
+  <p:cSld>
+    <p:spTree>
+      <p:nvGrpSpPr>
+        <p:cNvPr id="1" name=""/>
+        <p:cNvGrpSpPr/>
+        <p:nvPr/>
+      </p:nvGrpSpPr>
+      <p:grpSpPr>
+        <a:xfrm>
+          <a:off x="0" y="0"/>
+          <a:ext cx="0" cy="0"/>
+          <a:chOff x="0" y="0"/>
+          <a:chExt cx="0" cy="0"/>
+        </a:xfrm>
+      </p:grpSpPr>
+      <p:sp>
+        <p:nvSpPr>
+          <p:cNvPr id="2" name="幻灯片图像占位符 1"/>
+          <p:cNvSpPr>
+            <a:spLocks noGrp="1" noRot="1" noChangeAspect="1"/>
+          </p:cNvSpPr>
+          <p:nvPr>
+            <p:ph type="sldImg"/>
+          </p:nvPr>
+        </p:nvSpPr>
+        <p:spPr/>
+      </p:sp>
+      <p:sp>
+        <p:nvSpPr>
+          <p:cNvPr id="3" name="备注占位符 2"/>
+          <p:cNvSpPr>
+            <a:spLocks noGrp="1"/>
+          </p:cNvSpPr>
+          <p:nvPr>
+            <p:ph type="body" idx="1"/>
+          </p:nvPr>
+        </p:nvSpPr>
+        <p:spPr/>
+        <p:txBody>
+          <a:bodyPr/>
+          <a:lstStyle/>
+          <a:p>
+            <a:endParaRPr lang="zh-CN" altLang="en-US" dirty="0"/>
+          </a:p>
+        </p:txBody>
+      </p:sp>
+      <p:sp>
+        <p:nvSpPr>
+          <p:cNvPr id="4" name="灯片编号占位符 3"/>
+          <p:cNvSpPr>
+            <a:spLocks noGrp="1"/>
+          </p:cNvSpPr>
+          <p:nvPr>
+            <p:ph type="sldNum" sz="quarter" idx="10"/>
+          </p:nvPr>
+        </p:nvSpPr>
+        <p:spPr/>
+        <p:txBody>
+          <a:bodyPr/>
+          <a:lstStyle/>
+          <a:p>
+            <a:fld id="{231D8317-3E66-4CBC-B0CB-E0D7DB0EAD7C}" type="slidenum">
+              <a:rPr lang="zh-CN" altLang="en-US" smtClean="0"/>
+              <a:t>22</a:t>
             </a:fld>
             <a:endParaRPr lang="zh-CN" altLang="en-US"/>
           </a:p>
@@ -22292,6 +22377,287 @@
           </a:p>
         </p:txBody>
       </p:sp>
+      <p:grpSp>
+        <p:nvGrpSpPr>
+          <p:cNvPr id="24" name="组合 23">
+            <a:extLst>
+              <a:ext uri="{FF2B5EF4-FFF2-40B4-BE49-F238E27FC236}">
+                <a16:creationId xmlns:a16="http://schemas.microsoft.com/office/drawing/2014/main" id="{2C52F46E-A416-430E-9976-C033F5A0E3D8}"/>
+              </a:ext>
+            </a:extLst>
+          </p:cNvPr>
+          <p:cNvGrpSpPr/>
+          <p:nvPr/>
+        </p:nvGrpSpPr>
+        <p:grpSpPr>
+          <a:xfrm>
+            <a:off x="3851920" y="1988840"/>
+            <a:ext cx="5040560" cy="4195154"/>
+            <a:chOff x="3851920" y="1988840"/>
+            <a:chExt cx="5040560" cy="4195154"/>
+          </a:xfrm>
+        </p:grpSpPr>
+        <p:sp>
+          <p:nvSpPr>
+            <p:cNvPr id="2" name="矩形 1">
+              <a:extLst>
+                <a:ext uri="{FF2B5EF4-FFF2-40B4-BE49-F238E27FC236}">
+                  <a16:creationId xmlns:a16="http://schemas.microsoft.com/office/drawing/2014/main" id="{4AD83D79-2F49-4998-A677-A70E36EF1315}"/>
+                </a:ext>
+              </a:extLst>
+            </p:cNvPr>
+            <p:cNvSpPr/>
+            <p:nvPr/>
+          </p:nvSpPr>
+          <p:spPr>
+            <a:xfrm>
+              <a:off x="3851920" y="1988840"/>
+              <a:ext cx="3312368" cy="648072"/>
+            </a:xfrm>
+            <a:prstGeom prst="rect">
+              <a:avLst/>
+            </a:prstGeom>
+            <a:noFill/>
+            <a:ln w="19050">
+              <a:solidFill>
+                <a:srgbClr val="FF0000"/>
+              </a:solidFill>
+            </a:ln>
+          </p:spPr>
+          <p:style>
+            <a:lnRef idx="2">
+              <a:schemeClr val="accent1">
+                <a:shade val="50000"/>
+              </a:schemeClr>
+            </a:lnRef>
+            <a:fillRef idx="1">
+              <a:schemeClr val="accent1"/>
+            </a:fillRef>
+            <a:effectRef idx="0">
+              <a:schemeClr val="accent1"/>
+            </a:effectRef>
+            <a:fontRef idx="minor">
+              <a:schemeClr val="lt1"/>
+            </a:fontRef>
+          </p:style>
+          <p:txBody>
+            <a:bodyPr rtlCol="0" anchor="ctr"/>
+            <a:lstStyle/>
+            <a:p>
+              <a:pPr algn="ctr"/>
+              <a:endParaRPr lang="en-US"/>
+            </a:p>
+          </p:txBody>
+        </p:sp>
+        <p:sp>
+          <p:nvSpPr>
+            <p:cNvPr id="18" name="矩形 17">
+              <a:extLst>
+                <a:ext uri="{FF2B5EF4-FFF2-40B4-BE49-F238E27FC236}">
+                  <a16:creationId xmlns:a16="http://schemas.microsoft.com/office/drawing/2014/main" id="{63CFB48C-33DF-4D3B-B065-1B31E2DB25C2}"/>
+                </a:ext>
+              </a:extLst>
+            </p:cNvPr>
+            <p:cNvSpPr/>
+            <p:nvPr/>
+          </p:nvSpPr>
+          <p:spPr>
+            <a:xfrm>
+              <a:off x="3851920" y="4357243"/>
+              <a:ext cx="3312368" cy="648072"/>
+            </a:xfrm>
+            <a:prstGeom prst="rect">
+              <a:avLst/>
+            </a:prstGeom>
+            <a:noFill/>
+            <a:ln w="19050">
+              <a:solidFill>
+                <a:srgbClr val="FF0000"/>
+              </a:solidFill>
+            </a:ln>
+          </p:spPr>
+          <p:style>
+            <a:lnRef idx="2">
+              <a:schemeClr val="accent1">
+                <a:shade val="50000"/>
+              </a:schemeClr>
+            </a:lnRef>
+            <a:fillRef idx="1">
+              <a:schemeClr val="accent1"/>
+            </a:fillRef>
+            <a:effectRef idx="0">
+              <a:schemeClr val="accent1"/>
+            </a:effectRef>
+            <a:fontRef idx="minor">
+              <a:schemeClr val="lt1"/>
+            </a:fontRef>
+          </p:style>
+          <p:txBody>
+            <a:bodyPr rtlCol="0" anchor="ctr"/>
+            <a:lstStyle/>
+            <a:p>
+              <a:pPr algn="ctr"/>
+              <a:endParaRPr lang="en-US"/>
+            </a:p>
+          </p:txBody>
+        </p:sp>
+        <p:cxnSp>
+          <p:nvCxnSpPr>
+            <p:cNvPr id="12" name="直接箭头连接符 11">
+              <a:extLst>
+                <a:ext uri="{FF2B5EF4-FFF2-40B4-BE49-F238E27FC236}">
+                  <a16:creationId xmlns:a16="http://schemas.microsoft.com/office/drawing/2014/main" id="{E1937D5A-17C6-4F21-BC1A-FFCC1762F3C6}"/>
+                </a:ext>
+              </a:extLst>
+            </p:cNvPr>
+            <p:cNvCxnSpPr>
+              <a:cxnSpLocks/>
+            </p:cNvCxnSpPr>
+            <p:nvPr/>
+          </p:nvCxnSpPr>
+          <p:spPr>
+            <a:xfrm flipH="1" flipV="1">
+              <a:off x="7164289" y="2636913"/>
+              <a:ext cx="526266" cy="2900750"/>
+            </a:xfrm>
+            <a:prstGeom prst="straightConnector1">
+              <a:avLst/>
+            </a:prstGeom>
+            <a:ln>
+              <a:solidFill>
+                <a:srgbClr val="FF0000"/>
+              </a:solidFill>
+              <a:tailEnd type="triangle"/>
+            </a:ln>
+          </p:spPr>
+          <p:style>
+            <a:lnRef idx="1">
+              <a:schemeClr val="accent1"/>
+            </a:lnRef>
+            <a:fillRef idx="0">
+              <a:schemeClr val="accent1"/>
+            </a:fillRef>
+            <a:effectRef idx="0">
+              <a:schemeClr val="accent1"/>
+            </a:effectRef>
+            <a:fontRef idx="minor">
+              <a:schemeClr val="tx1"/>
+            </a:fontRef>
+          </p:style>
+        </p:cxnSp>
+        <p:cxnSp>
+          <p:nvCxnSpPr>
+            <p:cNvPr id="23" name="直接箭头连接符 22">
+              <a:extLst>
+                <a:ext uri="{FF2B5EF4-FFF2-40B4-BE49-F238E27FC236}">
+                  <a16:creationId xmlns:a16="http://schemas.microsoft.com/office/drawing/2014/main" id="{7EA1ED8F-9FD8-4F48-B7C5-455D94C2D077}"/>
+                </a:ext>
+              </a:extLst>
+            </p:cNvPr>
+            <p:cNvCxnSpPr>
+              <a:cxnSpLocks/>
+            </p:cNvCxnSpPr>
+            <p:nvPr/>
+          </p:nvCxnSpPr>
+          <p:spPr>
+            <a:xfrm flipH="1" flipV="1">
+              <a:off x="7164289" y="5005315"/>
+              <a:ext cx="526266" cy="532348"/>
+            </a:xfrm>
+            <a:prstGeom prst="straightConnector1">
+              <a:avLst/>
+            </a:prstGeom>
+            <a:ln>
+              <a:solidFill>
+                <a:srgbClr val="FF0000"/>
+              </a:solidFill>
+              <a:tailEnd type="triangle"/>
+            </a:ln>
+          </p:spPr>
+          <p:style>
+            <a:lnRef idx="1">
+              <a:schemeClr val="accent1"/>
+            </a:lnRef>
+            <a:fillRef idx="0">
+              <a:schemeClr val="accent1"/>
+            </a:fillRef>
+            <a:effectRef idx="0">
+              <a:schemeClr val="accent1"/>
+            </a:effectRef>
+            <a:fontRef idx="minor">
+              <a:schemeClr val="tx1"/>
+            </a:fontRef>
+          </p:style>
+        </p:cxnSp>
+        <p:sp>
+          <p:nvSpPr>
+            <p:cNvPr id="22" name="文本框 21">
+              <a:extLst>
+                <a:ext uri="{FF2B5EF4-FFF2-40B4-BE49-F238E27FC236}">
+                  <a16:creationId xmlns:a16="http://schemas.microsoft.com/office/drawing/2014/main" id="{829DFA88-1E87-4E9E-84ED-6A07111FAA66}"/>
+                </a:ext>
+              </a:extLst>
+            </p:cNvPr>
+            <p:cNvSpPr txBox="1"/>
+            <p:nvPr/>
+          </p:nvSpPr>
+          <p:spPr>
+            <a:xfrm>
+              <a:off x="7308304" y="5537663"/>
+              <a:ext cx="1584176" cy="646331"/>
+            </a:xfrm>
+            <a:prstGeom prst="rect">
+              <a:avLst/>
+            </a:prstGeom>
+            <a:noFill/>
+          </p:spPr>
+          <p:txBody>
+            <a:bodyPr wrap="square" rtlCol="0">
+              <a:spAutoFit/>
+            </a:bodyPr>
+            <a:lstStyle/>
+            <a:p>
+              <a:r>
+                <a:rPr lang="zh-CN" altLang="en-US" dirty="0">
+                  <a:solidFill>
+                    <a:srgbClr val="FF0000"/>
+                  </a:solidFill>
+                  <a:latin typeface="微软雅黑" panose="020B0503020204020204" pitchFamily="34" charset="-122"/>
+                  <a:ea typeface="微软雅黑" panose="020B0503020204020204" pitchFamily="34" charset="-122"/>
+                </a:rPr>
+                <a:t>相似的</a:t>
+              </a:r>
+              <a:r>
+                <a:rPr lang="en-US" altLang="zh-CN" dirty="0">
+                  <a:solidFill>
+                    <a:srgbClr val="FF0000"/>
+                  </a:solidFill>
+                  <a:latin typeface="微软雅黑" panose="020B0503020204020204" pitchFamily="34" charset="-122"/>
+                  <a:ea typeface="微软雅黑" panose="020B0503020204020204" pitchFamily="34" charset="-122"/>
+                </a:rPr>
+                <a:t>ENSO</a:t>
+              </a:r>
+              <a:r>
+                <a:rPr lang="zh-CN" altLang="en-US" dirty="0">
+                  <a:solidFill>
+                    <a:srgbClr val="FF0000"/>
+                  </a:solidFill>
+                  <a:latin typeface="微软雅黑" panose="020B0503020204020204" pitchFamily="34" charset="-122"/>
+                  <a:ea typeface="微软雅黑" panose="020B0503020204020204" pitchFamily="34" charset="-122"/>
+                </a:rPr>
+                <a:t>气候态</a:t>
+              </a:r>
+              <a:endParaRPr lang="en-US" dirty="0">
+                <a:solidFill>
+                  <a:srgbClr val="FF0000"/>
+                </a:solidFill>
+                <a:latin typeface="微软雅黑" panose="020B0503020204020204" pitchFamily="34" charset="-122"/>
+                <a:ea typeface="微软雅黑" panose="020B0503020204020204" pitchFamily="34" charset="-122"/>
+              </a:endParaRPr>
+            </a:p>
+          </p:txBody>
+        </p:sp>
+      </p:grpSp>
     </p:spTree>
     <p:extLst>
       <p:ext uri="{BB962C8B-B14F-4D97-AF65-F5344CB8AC3E}">
@@ -22305,6 +22671,135 @@
   <p:transition spd="med">
     <p:push dir="u"/>
   </p:transition>
+  <p:timing>
+    <p:tnLst>
+      <p:par>
+        <p:cTn id="1" dur="indefinite" restart="never" nodeType="tmRoot">
+          <p:childTnLst>
+            <p:seq concurrent="1" nextAc="seek">
+              <p:cTn id="2" dur="indefinite" nodeType="mainSeq">
+                <p:childTnLst>
+                  <p:par>
+                    <p:cTn id="3" fill="hold">
+                      <p:stCondLst>
+                        <p:cond delay="indefinite"/>
+                      </p:stCondLst>
+                      <p:childTnLst>
+                        <p:par>
+                          <p:cTn id="4" fill="hold">
+                            <p:stCondLst>
+                              <p:cond delay="0"/>
+                            </p:stCondLst>
+                            <p:childTnLst>
+                              <p:par>
+                                <p:cTn id="5" presetID="42" presetClass="entr" presetSubtype="0" fill="hold" nodeType="clickEffect">
+                                  <p:stCondLst>
+                                    <p:cond delay="0"/>
+                                  </p:stCondLst>
+                                  <p:childTnLst>
+                                    <p:set>
+                                      <p:cBhvr>
+                                        <p:cTn id="6" dur="1" fill="hold">
+                                          <p:stCondLst>
+                                            <p:cond delay="0"/>
+                                          </p:stCondLst>
+                                        </p:cTn>
+                                        <p:tgtEl>
+                                          <p:spTgt spid="24"/>
+                                        </p:tgtEl>
+                                        <p:attrNameLst>
+                                          <p:attrName>style.visibility</p:attrName>
+                                        </p:attrNameLst>
+                                      </p:cBhvr>
+                                      <p:to>
+                                        <p:strVal val="visible"/>
+                                      </p:to>
+                                    </p:set>
+                                    <p:animEffect transition="in" filter="fade">
+                                      <p:cBhvr>
+                                        <p:cTn id="7" dur="500"/>
+                                        <p:tgtEl>
+                                          <p:spTgt spid="24"/>
+                                        </p:tgtEl>
+                                      </p:cBhvr>
+                                    </p:animEffect>
+                                    <p:anim calcmode="lin" valueType="num">
+                                      <p:cBhvr>
+                                        <p:cTn id="8" dur="500" fill="hold"/>
+                                        <p:tgtEl>
+                                          <p:spTgt spid="24"/>
+                                        </p:tgtEl>
+                                        <p:attrNameLst>
+                                          <p:attrName>ppt_x</p:attrName>
+                                        </p:attrNameLst>
+                                      </p:cBhvr>
+                                      <p:tavLst>
+                                        <p:tav tm="0">
+                                          <p:val>
+                                            <p:strVal val="#ppt_x"/>
+                                          </p:val>
+                                        </p:tav>
+                                        <p:tav tm="100000">
+                                          <p:val>
+                                            <p:strVal val="#ppt_x"/>
+                                          </p:val>
+                                        </p:tav>
+                                      </p:tavLst>
+                                    </p:anim>
+                                    <p:anim calcmode="lin" valueType="num">
+                                      <p:cBhvr>
+                                        <p:cTn id="9" dur="500" fill="hold"/>
+                                        <p:tgtEl>
+                                          <p:spTgt spid="24"/>
+                                        </p:tgtEl>
+                                        <p:attrNameLst>
+                                          <p:attrName>ppt_y</p:attrName>
+                                        </p:attrNameLst>
+                                      </p:cBhvr>
+                                      <p:tavLst>
+                                        <p:tav tm="0">
+                                          <p:val>
+                                            <p:strVal val="#ppt_y+.1"/>
+                                          </p:val>
+                                        </p:tav>
+                                        <p:tav tm="100000">
+                                          <p:val>
+                                            <p:strVal val="#ppt_y"/>
+                                          </p:val>
+                                        </p:tav>
+                                      </p:tavLst>
+                                    </p:anim>
+                                  </p:childTnLst>
+                                </p:cTn>
+                              </p:par>
+                            </p:childTnLst>
+                          </p:cTn>
+                        </p:par>
+                      </p:childTnLst>
+                    </p:cTn>
+                  </p:par>
+                </p:childTnLst>
+              </p:cTn>
+              <p:prevCondLst>
+                <p:cond evt="onPrev" delay="0">
+                  <p:tgtEl>
+                    <p:sldTgt/>
+                  </p:tgtEl>
+                </p:cond>
+              </p:prevCondLst>
+              <p:nextCondLst>
+                <p:cond evt="onNext" delay="0">
+                  <p:tgtEl>
+                    <p:sldTgt/>
+                  </p:tgtEl>
+                </p:cond>
+              </p:nextCondLst>
+            </p:seq>
+          </p:childTnLst>
+        </p:cTn>
+      </p:par>
+    </p:tnLst>
+  </p:timing>
 </p:sld>
 </file>
 
@@ -22980,6 +23475,1210 @@
           </a:p>
         </p:txBody>
       </p:sp>
+      <p:sp>
+        <p:nvSpPr>
+          <p:cNvPr id="19" name="文本框 18">
+            <a:extLst>
+              <a:ext uri="{FF2B5EF4-FFF2-40B4-BE49-F238E27FC236}">
+                <a16:creationId xmlns:a16="http://schemas.microsoft.com/office/drawing/2014/main" id="{0D82BFAC-BB4C-4ECD-868F-B60624128845}"/>
+              </a:ext>
+            </a:extLst>
+          </p:cNvPr>
+          <p:cNvSpPr txBox="1"/>
+          <p:nvPr/>
+        </p:nvSpPr>
+        <p:spPr>
+          <a:xfrm>
+            <a:off x="2699790" y="5517232"/>
+            <a:ext cx="3600401" cy="276999"/>
+          </a:xfrm>
+          <a:prstGeom prst="rect">
+            <a:avLst/>
+          </a:prstGeom>
+          <a:noFill/>
+        </p:spPr>
+        <p:txBody>
+          <a:bodyPr wrap="square" rtlCol="0">
+            <a:spAutoFit/>
+          </a:bodyPr>
+          <a:lstStyle/>
+          <a:p>
+            <a:r>
+              <a:rPr lang="zh-CN" altLang="en-US" sz="1200" dirty="0">
+                <a:latin typeface="微软雅黑" panose="020B0503020204020204" pitchFamily="34" charset="-122"/>
+                <a:ea typeface="微软雅黑" panose="020B0503020204020204" pitchFamily="34" charset="-122"/>
+              </a:rPr>
+              <a:t>第三季度</a:t>
+            </a:r>
+            <a:r>
+              <a:rPr lang="en-US" altLang="zh-CN" sz="1200" dirty="0">
+                <a:latin typeface="微软雅黑" panose="020B0503020204020204" pitchFamily="34" charset="-122"/>
+                <a:ea typeface="微软雅黑" panose="020B0503020204020204" pitchFamily="34" charset="-122"/>
+              </a:rPr>
+              <a:t>SSTA</a:t>
+            </a:r>
+            <a:r>
+              <a:rPr lang="zh-CN" altLang="en-US" sz="1200" dirty="0">
+                <a:latin typeface="微软雅黑" panose="020B0503020204020204" pitchFamily="34" charset="-122"/>
+                <a:ea typeface="微软雅黑" panose="020B0503020204020204" pitchFamily="34" charset="-122"/>
+              </a:rPr>
+              <a:t>对比</a:t>
+            </a:r>
+            <a:r>
+              <a:rPr lang="en-US" altLang="zh-CN" sz="1200" dirty="0">
+                <a:latin typeface="微软雅黑" panose="020B0503020204020204" pitchFamily="34" charset="-122"/>
+                <a:ea typeface="微软雅黑" panose="020B0503020204020204" pitchFamily="34" charset="-122"/>
+              </a:rPr>
+              <a:t>(</a:t>
+            </a:r>
+            <a:r>
+              <a:rPr lang="zh-CN" altLang="en-US" sz="1200" dirty="0">
+                <a:latin typeface="微软雅黑" panose="020B0503020204020204" pitchFamily="34" charset="-122"/>
+                <a:ea typeface="微软雅黑" panose="020B0503020204020204" pitchFamily="34" charset="-122"/>
+              </a:rPr>
+              <a:t>左侧未加扰动，右侧叠加扰动</a:t>
+            </a:r>
+            <a:r>
+              <a:rPr lang="en-US" altLang="zh-CN" sz="1200" dirty="0">
+                <a:latin typeface="微软雅黑" panose="020B0503020204020204" pitchFamily="34" charset="-122"/>
+                <a:ea typeface="微软雅黑" panose="020B0503020204020204" pitchFamily="34" charset="-122"/>
+              </a:rPr>
+              <a:t>)</a:t>
+            </a:r>
+            <a:endParaRPr lang="en-US" sz="1200" dirty="0">
+              <a:latin typeface="微软雅黑" panose="020B0503020204020204" pitchFamily="34" charset="-122"/>
+              <a:ea typeface="微软雅黑" panose="020B0503020204020204" pitchFamily="34" charset="-122"/>
+            </a:endParaRPr>
+          </a:p>
+        </p:txBody>
+      </p:sp>
+      <p:pic>
+        <p:nvPicPr>
+          <p:cNvPr id="15" name="图片 14">
+            <a:extLst>
+              <a:ext uri="{FF2B5EF4-FFF2-40B4-BE49-F238E27FC236}">
+                <a16:creationId xmlns:a16="http://schemas.microsoft.com/office/drawing/2014/main" id="{F1F216F5-99D0-4323-BC1C-9D445E7FF4BE}"/>
+              </a:ext>
+            </a:extLst>
+          </p:cNvPr>
+          <p:cNvPicPr>
+            <a:picLocks noChangeAspect="1"/>
+          </p:cNvPicPr>
+          <p:nvPr/>
+        </p:nvPicPr>
+        <p:blipFill>
+          <a:blip r:embed="rId3"/>
+          <a:stretch>
+            <a:fillRect/>
+          </a:stretch>
+        </p:blipFill>
+        <p:spPr>
+          <a:xfrm>
+            <a:off x="1217169" y="1621210"/>
+            <a:ext cx="6684752" cy="3873167"/>
+          </a:xfrm>
+          <a:prstGeom prst="rect">
+            <a:avLst/>
+          </a:prstGeom>
+        </p:spPr>
+      </p:pic>
+      <p:grpSp>
+        <p:nvGrpSpPr>
+          <p:cNvPr id="20" name="组合 19">
+            <a:extLst>
+              <a:ext uri="{FF2B5EF4-FFF2-40B4-BE49-F238E27FC236}">
+                <a16:creationId xmlns:a16="http://schemas.microsoft.com/office/drawing/2014/main" id="{8C620BFB-62AA-4A25-B7F5-D24E714BE021}"/>
+              </a:ext>
+            </a:extLst>
+          </p:cNvPr>
+          <p:cNvGrpSpPr/>
+          <p:nvPr/>
+        </p:nvGrpSpPr>
+        <p:grpSpPr>
+          <a:xfrm>
+            <a:off x="1691680" y="2805938"/>
+            <a:ext cx="6291600" cy="2670500"/>
+            <a:chOff x="1691680" y="2805938"/>
+            <a:chExt cx="6291600" cy="2670500"/>
+          </a:xfrm>
+        </p:grpSpPr>
+        <p:sp>
+          <p:nvSpPr>
+            <p:cNvPr id="17" name="矩形 16">
+              <a:extLst>
+                <a:ext uri="{FF2B5EF4-FFF2-40B4-BE49-F238E27FC236}">
+                  <a16:creationId xmlns:a16="http://schemas.microsoft.com/office/drawing/2014/main" id="{6417E2AB-A47C-4FA0-83E6-9B6DDFA50FCE}"/>
+                </a:ext>
+              </a:extLst>
+            </p:cNvPr>
+            <p:cNvSpPr/>
+            <p:nvPr/>
+          </p:nvSpPr>
+          <p:spPr>
+            <a:xfrm>
+              <a:off x="1691680" y="2805938"/>
+              <a:ext cx="792088" cy="457665"/>
+            </a:xfrm>
+            <a:prstGeom prst="rect">
+              <a:avLst/>
+            </a:prstGeom>
+            <a:noFill/>
+            <a:ln w="19050">
+              <a:solidFill>
+                <a:srgbClr val="FF0000"/>
+              </a:solidFill>
+            </a:ln>
+          </p:spPr>
+          <p:style>
+            <a:lnRef idx="2">
+              <a:schemeClr val="accent1">
+                <a:shade val="50000"/>
+              </a:schemeClr>
+            </a:lnRef>
+            <a:fillRef idx="1">
+              <a:schemeClr val="accent1"/>
+            </a:fillRef>
+            <a:effectRef idx="0">
+              <a:schemeClr val="accent1"/>
+            </a:effectRef>
+            <a:fontRef idx="minor">
+              <a:schemeClr val="lt1"/>
+            </a:fontRef>
+          </p:style>
+          <p:txBody>
+            <a:bodyPr rtlCol="0" anchor="ctr"/>
+            <a:lstStyle/>
+            <a:p>
+              <a:pPr algn="ctr"/>
+              <a:endParaRPr lang="en-US"/>
+            </a:p>
+          </p:txBody>
+        </p:sp>
+        <p:sp>
+          <p:nvSpPr>
+            <p:cNvPr id="27" name="矩形 26">
+              <a:extLst>
+                <a:ext uri="{FF2B5EF4-FFF2-40B4-BE49-F238E27FC236}">
+                  <a16:creationId xmlns:a16="http://schemas.microsoft.com/office/drawing/2014/main" id="{5A56DA1A-9750-4FE4-A853-413CED60EEF2}"/>
+                </a:ext>
+              </a:extLst>
+            </p:cNvPr>
+            <p:cNvSpPr/>
+            <p:nvPr/>
+          </p:nvSpPr>
+          <p:spPr>
+            <a:xfrm>
+              <a:off x="5220072" y="2866689"/>
+              <a:ext cx="792088" cy="457665"/>
+            </a:xfrm>
+            <a:prstGeom prst="rect">
+              <a:avLst/>
+            </a:prstGeom>
+            <a:noFill/>
+            <a:ln w="19050">
+              <a:solidFill>
+                <a:srgbClr val="FF0000"/>
+              </a:solidFill>
+            </a:ln>
+          </p:spPr>
+          <p:style>
+            <a:lnRef idx="2">
+              <a:schemeClr val="accent1">
+                <a:shade val="50000"/>
+              </a:schemeClr>
+            </a:lnRef>
+            <a:fillRef idx="1">
+              <a:schemeClr val="accent1"/>
+            </a:fillRef>
+            <a:effectRef idx="0">
+              <a:schemeClr val="accent1"/>
+            </a:effectRef>
+            <a:fontRef idx="minor">
+              <a:schemeClr val="lt1"/>
+            </a:fontRef>
+          </p:style>
+          <p:txBody>
+            <a:bodyPr rtlCol="0" anchor="ctr"/>
+            <a:lstStyle/>
+            <a:p>
+              <a:pPr algn="ctr"/>
+              <a:endParaRPr lang="en-US"/>
+            </a:p>
+          </p:txBody>
+        </p:sp>
+        <p:cxnSp>
+          <p:nvCxnSpPr>
+            <p:cNvPr id="28" name="直接箭头连接符 27">
+              <a:extLst>
+                <a:ext uri="{FF2B5EF4-FFF2-40B4-BE49-F238E27FC236}">
+                  <a16:creationId xmlns:a16="http://schemas.microsoft.com/office/drawing/2014/main" id="{A6240AF8-4D90-40AF-9E25-7C95B13B7F38}"/>
+                </a:ext>
+              </a:extLst>
+            </p:cNvPr>
+            <p:cNvCxnSpPr>
+              <a:cxnSpLocks/>
+            </p:cNvCxnSpPr>
+            <p:nvPr/>
+          </p:nvCxnSpPr>
+          <p:spPr>
+            <a:xfrm flipH="1" flipV="1">
+              <a:off x="2123728" y="3300408"/>
+              <a:ext cx="4248472" cy="1424736"/>
+            </a:xfrm>
+            <a:prstGeom prst="straightConnector1">
+              <a:avLst/>
+            </a:prstGeom>
+            <a:ln>
+              <a:solidFill>
+                <a:srgbClr val="FF0000"/>
+              </a:solidFill>
+              <a:tailEnd type="triangle"/>
+            </a:ln>
+          </p:spPr>
+          <p:style>
+            <a:lnRef idx="1">
+              <a:schemeClr val="accent2"/>
+            </a:lnRef>
+            <a:fillRef idx="0">
+              <a:schemeClr val="accent2"/>
+            </a:fillRef>
+            <a:effectRef idx="0">
+              <a:schemeClr val="accent2"/>
+            </a:effectRef>
+            <a:fontRef idx="minor">
+              <a:schemeClr val="tx1"/>
+            </a:fontRef>
+          </p:style>
+        </p:cxnSp>
+        <p:cxnSp>
+          <p:nvCxnSpPr>
+            <p:cNvPr id="29" name="直接箭头连接符 28">
+              <a:extLst>
+                <a:ext uri="{FF2B5EF4-FFF2-40B4-BE49-F238E27FC236}">
+                  <a16:creationId xmlns:a16="http://schemas.microsoft.com/office/drawing/2014/main" id="{C35E8E2E-5827-49BA-9815-81C4B1C1BFA8}"/>
+                </a:ext>
+              </a:extLst>
+            </p:cNvPr>
+            <p:cNvCxnSpPr>
+              <a:cxnSpLocks/>
+            </p:cNvCxnSpPr>
+            <p:nvPr/>
+          </p:nvCxnSpPr>
+          <p:spPr>
+            <a:xfrm flipH="1" flipV="1">
+              <a:off x="5632756" y="3313038"/>
+              <a:ext cx="739444" cy="1424736"/>
+            </a:xfrm>
+            <a:prstGeom prst="straightConnector1">
+              <a:avLst/>
+            </a:prstGeom>
+            <a:ln>
+              <a:solidFill>
+                <a:srgbClr val="FF0000"/>
+              </a:solidFill>
+              <a:tailEnd type="triangle"/>
+            </a:ln>
+          </p:spPr>
+          <p:style>
+            <a:lnRef idx="1">
+              <a:schemeClr val="accent2"/>
+            </a:lnRef>
+            <a:fillRef idx="0">
+              <a:schemeClr val="accent2"/>
+            </a:fillRef>
+            <a:effectRef idx="0">
+              <a:schemeClr val="accent2"/>
+            </a:effectRef>
+            <a:fontRef idx="minor">
+              <a:schemeClr val="tx1"/>
+            </a:fontRef>
+          </p:style>
+        </p:cxnSp>
+        <p:sp>
+          <p:nvSpPr>
+            <p:cNvPr id="30" name="文本框 29">
+              <a:extLst>
+                <a:ext uri="{FF2B5EF4-FFF2-40B4-BE49-F238E27FC236}">
+                  <a16:creationId xmlns:a16="http://schemas.microsoft.com/office/drawing/2014/main" id="{4FC5A471-AA48-45EC-80F1-78251BDFAB66}"/>
+                </a:ext>
+              </a:extLst>
+            </p:cNvPr>
+            <p:cNvSpPr txBox="1"/>
+            <p:nvPr/>
+          </p:nvSpPr>
+          <p:spPr>
+            <a:xfrm>
+              <a:off x="6372200" y="4737774"/>
+              <a:ext cx="1611080" cy="738664"/>
+            </a:xfrm>
+            <a:prstGeom prst="rect">
+              <a:avLst/>
+            </a:prstGeom>
+            <a:noFill/>
+          </p:spPr>
+          <p:txBody>
+            <a:bodyPr wrap="square" rtlCol="0">
+              <a:spAutoFit/>
+            </a:bodyPr>
+            <a:lstStyle/>
+            <a:p>
+              <a:r>
+                <a:rPr lang="zh-CN" altLang="en-US" sz="1400" dirty="0">
+                  <a:solidFill>
+                    <a:srgbClr val="FF0000"/>
+                  </a:solidFill>
+                  <a:latin typeface="微软雅黑" panose="020B0503020204020204" pitchFamily="34" charset="-122"/>
+                  <a:ea typeface="微软雅黑" panose="020B0503020204020204" pitchFamily="34" charset="-122"/>
+                </a:rPr>
+                <a:t>明显的正向异常，</a:t>
+              </a:r>
+              <a:endParaRPr lang="en-US" altLang="zh-CN" sz="1400" dirty="0">
+                <a:solidFill>
+                  <a:srgbClr val="FF0000"/>
+                </a:solidFill>
+                <a:latin typeface="微软雅黑" panose="020B0503020204020204" pitchFamily="34" charset="-122"/>
+                <a:ea typeface="微软雅黑" panose="020B0503020204020204" pitchFamily="34" charset="-122"/>
+              </a:endParaRPr>
+            </a:p>
+            <a:p>
+              <a:r>
+                <a:rPr lang="zh-CN" altLang="en-US" sz="1400" dirty="0">
+                  <a:solidFill>
+                    <a:srgbClr val="FF0000"/>
+                  </a:solidFill>
+                  <a:latin typeface="微软雅黑" panose="020B0503020204020204" pitchFamily="34" charset="-122"/>
+                  <a:ea typeface="微软雅黑" panose="020B0503020204020204" pitchFamily="34" charset="-122"/>
+                </a:rPr>
+                <a:t>在中东太平洋有较大发展</a:t>
+              </a:r>
+              <a:endParaRPr lang="en-US" sz="1400" dirty="0">
+                <a:solidFill>
+                  <a:srgbClr val="FF0000"/>
+                </a:solidFill>
+                <a:latin typeface="微软雅黑" panose="020B0503020204020204" pitchFamily="34" charset="-122"/>
+                <a:ea typeface="微软雅黑" panose="020B0503020204020204" pitchFamily="34" charset="-122"/>
+              </a:endParaRPr>
+            </a:p>
+          </p:txBody>
+        </p:sp>
+      </p:grpSp>
+    </p:spTree>
+    <p:extLst>
+      <p:ext uri="{BB962C8B-B14F-4D97-AF65-F5344CB8AC3E}">
+        <p14:creationId xmlns:p14="http://schemas.microsoft.com/office/powerpoint/2010/main" val="1137339214"/>
+      </p:ext>
+    </p:extLst>
+  </p:cSld>
+  <p:clrMapOvr>
+    <a:masterClrMapping/>
+  </p:clrMapOvr>
+  <p:transition spd="med">
+    <p:push dir="u"/>
+  </p:transition>
+  <p:timing>
+    <p:tnLst>
+      <p:par>
+        <p:cTn id="1" dur="indefinite" restart="never" nodeType="tmRoot">
+          <p:childTnLst>
+            <p:seq concurrent="1" nextAc="seek">
+              <p:cTn id="2" dur="indefinite" nodeType="mainSeq">
+                <p:childTnLst>
+                  <p:par>
+                    <p:cTn id="3" fill="hold">
+                      <p:stCondLst>
+                        <p:cond delay="indefinite"/>
+                      </p:stCondLst>
+                      <p:childTnLst>
+                        <p:par>
+                          <p:cTn id="4" fill="hold">
+                            <p:stCondLst>
+                              <p:cond delay="0"/>
+                            </p:stCondLst>
+                            <p:childTnLst>
+                              <p:par>
+                                <p:cTn id="5" presetID="42" presetClass="entr" presetSubtype="0" fill="hold" nodeType="clickEffect">
+                                  <p:stCondLst>
+                                    <p:cond delay="0"/>
+                                  </p:stCondLst>
+                                  <p:childTnLst>
+                                    <p:set>
+                                      <p:cBhvr>
+                                        <p:cTn id="6" dur="1" fill="hold">
+                                          <p:stCondLst>
+                                            <p:cond delay="0"/>
+                                          </p:stCondLst>
+                                        </p:cTn>
+                                        <p:tgtEl>
+                                          <p:spTgt spid="20"/>
+                                        </p:tgtEl>
+                                        <p:attrNameLst>
+                                          <p:attrName>style.visibility</p:attrName>
+                                        </p:attrNameLst>
+                                      </p:cBhvr>
+                                      <p:to>
+                                        <p:strVal val="visible"/>
+                                      </p:to>
+                                    </p:set>
+                                    <p:animEffect transition="in" filter="fade">
+                                      <p:cBhvr>
+                                        <p:cTn id="7" dur="500"/>
+                                        <p:tgtEl>
+                                          <p:spTgt spid="20"/>
+                                        </p:tgtEl>
+                                      </p:cBhvr>
+                                    </p:animEffect>
+                                    <p:anim calcmode="lin" valueType="num">
+                                      <p:cBhvr>
+                                        <p:cTn id="8" dur="500" fill="hold"/>
+                                        <p:tgtEl>
+                                          <p:spTgt spid="20"/>
+                                        </p:tgtEl>
+                                        <p:attrNameLst>
+                                          <p:attrName>ppt_x</p:attrName>
+                                        </p:attrNameLst>
+                                      </p:cBhvr>
+                                      <p:tavLst>
+                                        <p:tav tm="0">
+                                          <p:val>
+                                            <p:strVal val="#ppt_x"/>
+                                          </p:val>
+                                        </p:tav>
+                                        <p:tav tm="100000">
+                                          <p:val>
+                                            <p:strVal val="#ppt_x"/>
+                                          </p:val>
+                                        </p:tav>
+                                      </p:tavLst>
+                                    </p:anim>
+                                    <p:anim calcmode="lin" valueType="num">
+                                      <p:cBhvr>
+                                        <p:cTn id="9" dur="500" fill="hold"/>
+                                        <p:tgtEl>
+                                          <p:spTgt spid="20"/>
+                                        </p:tgtEl>
+                                        <p:attrNameLst>
+                                          <p:attrName>ppt_y</p:attrName>
+                                        </p:attrNameLst>
+                                      </p:cBhvr>
+                                      <p:tavLst>
+                                        <p:tav tm="0">
+                                          <p:val>
+                                            <p:strVal val="#ppt_y+.1"/>
+                                          </p:val>
+                                        </p:tav>
+                                        <p:tav tm="100000">
+                                          <p:val>
+                                            <p:strVal val="#ppt_y"/>
+                                          </p:val>
+                                        </p:tav>
+                                      </p:tavLst>
+                                    </p:anim>
+                                  </p:childTnLst>
+                                </p:cTn>
+                              </p:par>
+                            </p:childTnLst>
+                          </p:cTn>
+                        </p:par>
+                      </p:childTnLst>
+                    </p:cTn>
+                  </p:par>
+                </p:childTnLst>
+              </p:cTn>
+              <p:prevCondLst>
+                <p:cond evt="onPrev" delay="0">
+                  <p:tgtEl>
+                    <p:sldTgt/>
+                  </p:tgtEl>
+                </p:cond>
+              </p:prevCondLst>
+              <p:nextCondLst>
+                <p:cond evt="onNext" delay="0">
+                  <p:tgtEl>
+                    <p:sldTgt/>
+                  </p:tgtEl>
+                </p:cond>
+              </p:nextCondLst>
+            </p:seq>
+          </p:childTnLst>
+        </p:cTn>
+      </p:par>
+    </p:tnLst>
+  </p:timing>
+</p:sld>
+</file>
+
+<file path=ppt/slides/slide19.xml><?xml version="1.0" encoding="utf-8"?>
+<p:sld xmlns:a="http://schemas.openxmlformats.org/drawingml/2006/main" xmlns:r="http://schemas.openxmlformats.org/officeDocument/2006/relationships" xmlns:p="http://schemas.openxmlformats.org/presentationml/2006/main">
+  <p:cSld>
+    <p:spTree>
+      <p:nvGrpSpPr>
+        <p:cNvPr id="1" name=""/>
+        <p:cNvGrpSpPr/>
+        <p:nvPr/>
+      </p:nvGrpSpPr>
+      <p:grpSpPr>
+        <a:xfrm>
+          <a:off x="0" y="0"/>
+          <a:ext cx="0" cy="0"/>
+          <a:chOff x="0" y="0"/>
+          <a:chExt cx="0" cy="0"/>
+        </a:xfrm>
+      </p:grpSpPr>
+      <p:sp>
+        <p:nvSpPr>
+          <p:cNvPr id="37" name="矩形 36"/>
+          <p:cNvSpPr/>
+          <p:nvPr/>
+        </p:nvSpPr>
+        <p:spPr>
+          <a:xfrm>
+            <a:off x="-36512" y="-78618"/>
+            <a:ext cx="9192115" cy="6964002"/>
+          </a:xfrm>
+          <a:prstGeom prst="rect">
+            <a:avLst/>
+          </a:prstGeom>
+          <a:solidFill>
+            <a:schemeClr val="bg1">
+              <a:lumMod val="95000"/>
+            </a:schemeClr>
+          </a:solidFill>
+          <a:ln>
+            <a:noFill/>
+          </a:ln>
+        </p:spPr>
+        <p:style>
+          <a:lnRef idx="2">
+            <a:schemeClr val="accent1">
+              <a:shade val="50000"/>
+            </a:schemeClr>
+          </a:lnRef>
+          <a:fillRef idx="1">
+            <a:schemeClr val="accent1"/>
+          </a:fillRef>
+          <a:effectRef idx="0">
+            <a:schemeClr val="accent1"/>
+          </a:effectRef>
+          <a:fontRef idx="minor">
+            <a:schemeClr val="lt1"/>
+          </a:fontRef>
+        </p:style>
+        <p:txBody>
+          <a:bodyPr rtlCol="0" anchor="ctr"/>
+          <a:lstStyle/>
+          <a:p>
+            <a:pPr algn="ctr"/>
+            <a:endParaRPr lang="zh-CN" altLang="en-US" dirty="0">
+              <a:solidFill>
+                <a:schemeClr val="bg1"/>
+              </a:solidFill>
+            </a:endParaRPr>
+          </a:p>
+        </p:txBody>
+      </p:sp>
+      <p:cxnSp>
+        <p:nvCxnSpPr>
+          <p:cNvPr id="6" name="肘形连接符 5"/>
+          <p:cNvCxnSpPr/>
+          <p:nvPr/>
+        </p:nvCxnSpPr>
+        <p:spPr>
+          <a:xfrm>
+            <a:off x="971600" y="404664"/>
+            <a:ext cx="7200800" cy="216024"/>
+          </a:xfrm>
+          <a:prstGeom prst="bentConnector3">
+            <a:avLst/>
+          </a:prstGeom>
+          <a:ln w="19050">
+            <a:solidFill>
+              <a:schemeClr val="tx1">
+                <a:lumMod val="85000"/>
+                <a:lumOff val="15000"/>
+              </a:schemeClr>
+            </a:solidFill>
+            <a:prstDash val="sysDot"/>
+          </a:ln>
+        </p:spPr>
+        <p:style>
+          <a:lnRef idx="1">
+            <a:schemeClr val="accent1"/>
+          </a:lnRef>
+          <a:fillRef idx="0">
+            <a:schemeClr val="accent1"/>
+          </a:fillRef>
+          <a:effectRef idx="0">
+            <a:schemeClr val="accent1"/>
+          </a:effectRef>
+          <a:fontRef idx="minor">
+            <a:schemeClr val="tx1"/>
+          </a:fontRef>
+        </p:style>
+      </p:cxnSp>
+      <p:sp>
+        <p:nvSpPr>
+          <p:cNvPr id="8" name="TextBox 7"/>
+          <p:cNvSpPr txBox="1"/>
+          <p:nvPr/>
+        </p:nvSpPr>
+        <p:spPr>
+          <a:xfrm>
+            <a:off x="6804248" y="282134"/>
+            <a:ext cx="1005403" cy="338554"/>
+          </a:xfrm>
+          <a:prstGeom prst="rect">
+            <a:avLst/>
+          </a:prstGeom>
+          <a:noFill/>
+        </p:spPr>
+        <p:txBody>
+          <a:bodyPr wrap="none" rtlCol="0">
+            <a:spAutoFit/>
+          </a:bodyPr>
+          <a:lstStyle/>
+          <a:p>
+            <a:r>
+              <a:rPr lang="zh-CN" altLang="en-US" sz="1600" dirty="0">
+                <a:latin typeface="微软雅黑" panose="020B0503020204020204" pitchFamily="34" charset="-122"/>
+                <a:ea typeface="微软雅黑" panose="020B0503020204020204" pitchFamily="34" charset="-122"/>
+              </a:rPr>
+              <a:t>结果分析</a:t>
+            </a:r>
+          </a:p>
+        </p:txBody>
+      </p:sp>
+      <p:sp>
+        <p:nvSpPr>
+          <p:cNvPr id="10" name="圆角矩形 9"/>
+          <p:cNvSpPr/>
+          <p:nvPr/>
+        </p:nvSpPr>
+        <p:spPr>
+          <a:xfrm>
+            <a:off x="971600" y="27432"/>
+            <a:ext cx="2541537" cy="332656"/>
+          </a:xfrm>
+          <a:prstGeom prst="roundRect">
+            <a:avLst>
+              <a:gd name="adj" fmla="val 46904"/>
+            </a:avLst>
+          </a:prstGeom>
+          <a:ln>
+            <a:noFill/>
+          </a:ln>
+        </p:spPr>
+        <p:style>
+          <a:lnRef idx="2">
+            <a:schemeClr val="accent1">
+              <a:shade val="50000"/>
+            </a:schemeClr>
+          </a:lnRef>
+          <a:fillRef idx="1001">
+            <a:schemeClr val="dk2"/>
+          </a:fillRef>
+          <a:effectRef idx="0">
+            <a:schemeClr val="accent1"/>
+          </a:effectRef>
+          <a:fontRef idx="minor">
+            <a:schemeClr val="lt1"/>
+          </a:fontRef>
+        </p:style>
+        <p:txBody>
+          <a:bodyPr rtlCol="0" anchor="ctr"/>
+          <a:lstStyle/>
+          <a:p>
+            <a:pPr algn="ctr"/>
+            <a:r>
+              <a:rPr lang="zh-CN" altLang="en-US" dirty="0">
+                <a:solidFill>
+                  <a:schemeClr val="bg1"/>
+                </a:solidFill>
+                <a:latin typeface="微软雅黑" panose="020B0503020204020204" pitchFamily="34" charset="-122"/>
+                <a:ea typeface="微软雅黑" panose="020B0503020204020204" pitchFamily="34" charset="-122"/>
+              </a:rPr>
+              <a:t>实验结果分析</a:t>
+            </a:r>
+          </a:p>
+        </p:txBody>
+      </p:sp>
+      <p:grpSp>
+        <p:nvGrpSpPr>
+          <p:cNvPr id="7" name="组合 6"/>
+          <p:cNvGrpSpPr/>
+          <p:nvPr/>
+        </p:nvGrpSpPr>
+        <p:grpSpPr>
+          <a:xfrm rot="1612617">
+            <a:off x="8178802" y="44619"/>
+            <a:ext cx="141497" cy="1576388"/>
+            <a:chOff x="4464560" y="1504216"/>
+            <a:chExt cx="340608" cy="3644968"/>
+          </a:xfrm>
+        </p:grpSpPr>
+        <p:sp>
+          <p:nvSpPr>
+            <p:cNvPr id="3" name="矩形 2"/>
+            <p:cNvSpPr/>
+            <p:nvPr/>
+          </p:nvSpPr>
+          <p:spPr>
+            <a:xfrm>
+              <a:off x="4568617" y="1719815"/>
+              <a:ext cx="144016" cy="2646008"/>
+            </a:xfrm>
+            <a:prstGeom prst="rect">
+              <a:avLst/>
+            </a:prstGeom>
+            <a:solidFill>
+              <a:schemeClr val="bg1">
+                <a:lumMod val="65000"/>
+              </a:schemeClr>
+            </a:solidFill>
+            <a:ln>
+              <a:noFill/>
+            </a:ln>
+          </p:spPr>
+          <p:style>
+            <a:lnRef idx="2">
+              <a:schemeClr val="accent1">
+                <a:shade val="50000"/>
+              </a:schemeClr>
+            </a:lnRef>
+            <a:fillRef idx="1">
+              <a:schemeClr val="accent1"/>
+            </a:fillRef>
+            <a:effectRef idx="0">
+              <a:schemeClr val="accent1"/>
+            </a:effectRef>
+            <a:fontRef idx="minor">
+              <a:schemeClr val="lt1"/>
+            </a:fontRef>
+          </p:style>
+          <p:txBody>
+            <a:bodyPr rtlCol="0" anchor="ctr"/>
+            <a:lstStyle/>
+            <a:p>
+              <a:pPr algn="ctr"/>
+              <a:endParaRPr lang="zh-CN" altLang="en-US"/>
+            </a:p>
+          </p:txBody>
+        </p:sp>
+        <p:sp>
+          <p:nvSpPr>
+            <p:cNvPr id="11" name="矩形 10"/>
+            <p:cNvSpPr/>
+            <p:nvPr/>
+          </p:nvSpPr>
+          <p:spPr>
+            <a:xfrm>
+              <a:off x="4464560" y="1719815"/>
+              <a:ext cx="72008" cy="2646008"/>
+            </a:xfrm>
+            <a:prstGeom prst="rect">
+              <a:avLst/>
+            </a:prstGeom>
+            <a:solidFill>
+              <a:schemeClr val="bg1">
+                <a:lumMod val="65000"/>
+              </a:schemeClr>
+            </a:solidFill>
+            <a:ln>
+              <a:noFill/>
+            </a:ln>
+          </p:spPr>
+          <p:style>
+            <a:lnRef idx="2">
+              <a:schemeClr val="accent1">
+                <a:shade val="50000"/>
+              </a:schemeClr>
+            </a:lnRef>
+            <a:fillRef idx="1">
+              <a:schemeClr val="accent1"/>
+            </a:fillRef>
+            <a:effectRef idx="0">
+              <a:schemeClr val="accent1"/>
+            </a:effectRef>
+            <a:fontRef idx="minor">
+              <a:schemeClr val="lt1"/>
+            </a:fontRef>
+          </p:style>
+          <p:txBody>
+            <a:bodyPr rtlCol="0" anchor="ctr"/>
+            <a:lstStyle/>
+            <a:p>
+              <a:pPr algn="ctr"/>
+              <a:endParaRPr lang="zh-CN" altLang="en-US"/>
+            </a:p>
+          </p:txBody>
+        </p:sp>
+        <p:sp>
+          <p:nvSpPr>
+            <p:cNvPr id="13" name="矩形 12"/>
+            <p:cNvSpPr/>
+            <p:nvPr/>
+          </p:nvSpPr>
+          <p:spPr>
+            <a:xfrm>
+              <a:off x="4733160" y="1719096"/>
+              <a:ext cx="72008" cy="2646008"/>
+            </a:xfrm>
+            <a:prstGeom prst="rect">
+              <a:avLst/>
+            </a:prstGeom>
+            <a:solidFill>
+              <a:schemeClr val="bg1">
+                <a:lumMod val="65000"/>
+              </a:schemeClr>
+            </a:solidFill>
+            <a:ln>
+              <a:noFill/>
+            </a:ln>
+          </p:spPr>
+          <p:style>
+            <a:lnRef idx="2">
+              <a:schemeClr val="accent1">
+                <a:shade val="50000"/>
+              </a:schemeClr>
+            </a:lnRef>
+            <a:fillRef idx="1">
+              <a:schemeClr val="accent1"/>
+            </a:fillRef>
+            <a:effectRef idx="0">
+              <a:schemeClr val="accent1"/>
+            </a:effectRef>
+            <a:fontRef idx="minor">
+              <a:schemeClr val="lt1"/>
+            </a:fontRef>
+          </p:style>
+          <p:txBody>
+            <a:bodyPr rtlCol="0" anchor="ctr"/>
+            <a:lstStyle/>
+            <a:p>
+              <a:pPr algn="ctr"/>
+              <a:endParaRPr lang="zh-CN" altLang="en-US"/>
+            </a:p>
+          </p:txBody>
+        </p:sp>
+        <p:sp>
+          <p:nvSpPr>
+            <p:cNvPr id="4" name="圆角矩形 3"/>
+            <p:cNvSpPr/>
+            <p:nvPr/>
+          </p:nvSpPr>
+          <p:spPr>
+            <a:xfrm>
+              <a:off x="4464560" y="1504216"/>
+              <a:ext cx="340608" cy="191261"/>
+            </a:xfrm>
+            <a:prstGeom prst="roundRect">
+              <a:avLst/>
+            </a:prstGeom>
+            <a:solidFill>
+              <a:schemeClr val="bg1">
+                <a:lumMod val="65000"/>
+              </a:schemeClr>
+            </a:solidFill>
+            <a:ln>
+              <a:noFill/>
+            </a:ln>
+          </p:spPr>
+          <p:style>
+            <a:lnRef idx="2">
+              <a:schemeClr val="accent1">
+                <a:shade val="50000"/>
+              </a:schemeClr>
+            </a:lnRef>
+            <a:fillRef idx="1">
+              <a:schemeClr val="accent1"/>
+            </a:fillRef>
+            <a:effectRef idx="0">
+              <a:schemeClr val="accent1"/>
+            </a:effectRef>
+            <a:fontRef idx="minor">
+              <a:schemeClr val="lt1"/>
+            </a:fontRef>
+          </p:style>
+          <p:txBody>
+            <a:bodyPr rtlCol="0" anchor="ctr"/>
+            <a:lstStyle/>
+            <a:p>
+              <a:pPr algn="ctr"/>
+              <a:endParaRPr lang="zh-CN" altLang="en-US"/>
+            </a:p>
+          </p:txBody>
+        </p:sp>
+        <p:sp>
+          <p:nvSpPr>
+            <p:cNvPr id="5" name="任意多边形 4"/>
+            <p:cNvSpPr/>
+            <p:nvPr/>
+          </p:nvSpPr>
+          <p:spPr>
+            <a:xfrm>
+              <a:off x="4470272" y="4390232"/>
+              <a:ext cx="325752" cy="758952"/>
+            </a:xfrm>
+            <a:custGeom>
+              <a:avLst/>
+              <a:gdLst>
+                <a:gd name="connsiteX0" fmla="*/ 0 w 292608"/>
+                <a:gd name="connsiteY0" fmla="*/ 0 h 749808"/>
+                <a:gd name="connsiteX1" fmla="*/ 146304 w 292608"/>
+                <a:gd name="connsiteY1" fmla="*/ 749808 h 749808"/>
+                <a:gd name="connsiteX2" fmla="*/ 292608 w 292608"/>
+                <a:gd name="connsiteY2" fmla="*/ 36576 h 749808"/>
+                <a:gd name="connsiteX3" fmla="*/ 0 w 292608"/>
+                <a:gd name="connsiteY3" fmla="*/ 0 h 749808"/>
+                <a:gd name="connsiteX0" fmla="*/ 0 w 301752"/>
+                <a:gd name="connsiteY0" fmla="*/ 9144 h 758952"/>
+                <a:gd name="connsiteX1" fmla="*/ 146304 w 301752"/>
+                <a:gd name="connsiteY1" fmla="*/ 758952 h 758952"/>
+                <a:gd name="connsiteX2" fmla="*/ 301752 w 301752"/>
+                <a:gd name="connsiteY2" fmla="*/ 0 h 758952"/>
+                <a:gd name="connsiteX3" fmla="*/ 0 w 301752"/>
+                <a:gd name="connsiteY3" fmla="*/ 9144 h 758952"/>
+              </a:gdLst>
+              <a:ahLst/>
+              <a:cxnLst>
+                <a:cxn ang="0">
+                  <a:pos x="connsiteX0" y="connsiteY0"/>
+                </a:cxn>
+                <a:cxn ang="0">
+                  <a:pos x="connsiteX1" y="connsiteY1"/>
+                </a:cxn>
+                <a:cxn ang="0">
+                  <a:pos x="connsiteX2" y="connsiteY2"/>
+                </a:cxn>
+                <a:cxn ang="0">
+                  <a:pos x="connsiteX3" y="connsiteY3"/>
+                </a:cxn>
+              </a:cxnLst>
+              <a:rect l="l" t="t" r="r" b="b"/>
+              <a:pathLst>
+                <a:path w="301752" h="758952">
+                  <a:moveTo>
+                    <a:pt x="0" y="9144"/>
+                  </a:moveTo>
+                  <a:lnTo>
+                    <a:pt x="146304" y="758952"/>
+                  </a:lnTo>
+                  <a:lnTo>
+                    <a:pt x="301752" y="0"/>
+                  </a:lnTo>
+                  <a:lnTo>
+                    <a:pt x="0" y="9144"/>
+                  </a:lnTo>
+                  <a:close/>
+                </a:path>
+              </a:pathLst>
+            </a:custGeom>
+            <a:solidFill>
+              <a:schemeClr val="bg1">
+                <a:lumMod val="65000"/>
+              </a:schemeClr>
+            </a:solidFill>
+            <a:ln>
+              <a:noFill/>
+            </a:ln>
+          </p:spPr>
+          <p:style>
+            <a:lnRef idx="2">
+              <a:schemeClr val="accent1">
+                <a:shade val="50000"/>
+              </a:schemeClr>
+            </a:lnRef>
+            <a:fillRef idx="1">
+              <a:schemeClr val="accent1"/>
+            </a:fillRef>
+            <a:effectRef idx="0">
+              <a:schemeClr val="accent1"/>
+            </a:effectRef>
+            <a:fontRef idx="minor">
+              <a:schemeClr val="lt1"/>
+            </a:fontRef>
+          </p:style>
+          <p:txBody>
+            <a:bodyPr rtlCol="0" anchor="ctr"/>
+            <a:lstStyle/>
+            <a:p>
+              <a:pPr algn="ctr"/>
+              <a:endParaRPr lang="zh-CN" altLang="en-US"/>
+            </a:p>
+          </p:txBody>
+        </p:sp>
+      </p:grpSp>
+      <p:sp>
+        <p:nvSpPr>
+          <p:cNvPr id="16" name="任意多边形 15"/>
+          <p:cNvSpPr/>
+          <p:nvPr/>
+        </p:nvSpPr>
+        <p:spPr>
+          <a:xfrm>
+            <a:off x="8460432" y="-137160"/>
+            <a:ext cx="801630" cy="794512"/>
+          </a:xfrm>
+          <a:custGeom>
+            <a:avLst/>
+            <a:gdLst>
+              <a:gd name="connsiteX0" fmla="*/ 420624 w 777240"/>
+              <a:gd name="connsiteY0" fmla="*/ 9144 h 850392"/>
+              <a:gd name="connsiteX1" fmla="*/ 0 w 777240"/>
+              <a:gd name="connsiteY1" fmla="*/ 841248 h 850392"/>
+              <a:gd name="connsiteX2" fmla="*/ 777240 w 777240"/>
+              <a:gd name="connsiteY2" fmla="*/ 850392 h 850392"/>
+              <a:gd name="connsiteX3" fmla="*/ 777240 w 777240"/>
+              <a:gd name="connsiteY3" fmla="*/ 0 h 850392"/>
+              <a:gd name="connsiteX4" fmla="*/ 420624 w 777240"/>
+              <a:gd name="connsiteY4" fmla="*/ 9144 h 850392"/>
+              <a:gd name="connsiteX0" fmla="*/ 393192 w 749808"/>
+              <a:gd name="connsiteY0" fmla="*/ 9144 h 850392"/>
+              <a:gd name="connsiteX1" fmla="*/ 0 w 749808"/>
+              <a:gd name="connsiteY1" fmla="*/ 786384 h 850392"/>
+              <a:gd name="connsiteX2" fmla="*/ 749808 w 749808"/>
+              <a:gd name="connsiteY2" fmla="*/ 850392 h 850392"/>
+              <a:gd name="connsiteX3" fmla="*/ 749808 w 749808"/>
+              <a:gd name="connsiteY3" fmla="*/ 0 h 850392"/>
+              <a:gd name="connsiteX4" fmla="*/ 393192 w 749808"/>
+              <a:gd name="connsiteY4" fmla="*/ 9144 h 850392"/>
+              <a:gd name="connsiteX0" fmla="*/ 393192 w 749808"/>
+              <a:gd name="connsiteY0" fmla="*/ 9144 h 786384"/>
+              <a:gd name="connsiteX1" fmla="*/ 0 w 749808"/>
+              <a:gd name="connsiteY1" fmla="*/ 786384 h 786384"/>
+              <a:gd name="connsiteX2" fmla="*/ 749808 w 749808"/>
+              <a:gd name="connsiteY2" fmla="*/ 786384 h 786384"/>
+              <a:gd name="connsiteX3" fmla="*/ 749808 w 749808"/>
+              <a:gd name="connsiteY3" fmla="*/ 0 h 786384"/>
+              <a:gd name="connsiteX4" fmla="*/ 393192 w 749808"/>
+              <a:gd name="connsiteY4" fmla="*/ 9144 h 786384"/>
+              <a:gd name="connsiteX0" fmla="*/ 393192 w 749808"/>
+              <a:gd name="connsiteY0" fmla="*/ 9144 h 786384"/>
+              <a:gd name="connsiteX1" fmla="*/ 0 w 749808"/>
+              <a:gd name="connsiteY1" fmla="*/ 786384 h 786384"/>
+              <a:gd name="connsiteX2" fmla="*/ 749808 w 749808"/>
+              <a:gd name="connsiteY2" fmla="*/ 786384 h 786384"/>
+              <a:gd name="connsiteX3" fmla="*/ 749808 w 749808"/>
+              <a:gd name="connsiteY3" fmla="*/ 0 h 786384"/>
+              <a:gd name="connsiteX4" fmla="*/ 393192 w 749808"/>
+              <a:gd name="connsiteY4" fmla="*/ 9144 h 786384"/>
+              <a:gd name="connsiteX0" fmla="*/ 393192 w 749808"/>
+              <a:gd name="connsiteY0" fmla="*/ 9144 h 822960"/>
+              <a:gd name="connsiteX1" fmla="*/ 0 w 749808"/>
+              <a:gd name="connsiteY1" fmla="*/ 786384 h 822960"/>
+              <a:gd name="connsiteX2" fmla="*/ 740664 w 749808"/>
+              <a:gd name="connsiteY2" fmla="*/ 822960 h 822960"/>
+              <a:gd name="connsiteX3" fmla="*/ 749808 w 749808"/>
+              <a:gd name="connsiteY3" fmla="*/ 0 h 822960"/>
+              <a:gd name="connsiteX4" fmla="*/ 393192 w 749808"/>
+              <a:gd name="connsiteY4" fmla="*/ 9144 h 822960"/>
+              <a:gd name="connsiteX0" fmla="*/ 393192 w 786384"/>
+              <a:gd name="connsiteY0" fmla="*/ 9144 h 786384"/>
+              <a:gd name="connsiteX1" fmla="*/ 0 w 786384"/>
+              <a:gd name="connsiteY1" fmla="*/ 786384 h 786384"/>
+              <a:gd name="connsiteX2" fmla="*/ 786384 w 786384"/>
+              <a:gd name="connsiteY2" fmla="*/ 758952 h 786384"/>
+              <a:gd name="connsiteX3" fmla="*/ 749808 w 786384"/>
+              <a:gd name="connsiteY3" fmla="*/ 0 h 786384"/>
+              <a:gd name="connsiteX4" fmla="*/ 393192 w 786384"/>
+              <a:gd name="connsiteY4" fmla="*/ 9144 h 786384"/>
+              <a:gd name="connsiteX0" fmla="*/ 393192 w 795528"/>
+              <a:gd name="connsiteY0" fmla="*/ 9144 h 786384"/>
+              <a:gd name="connsiteX1" fmla="*/ 0 w 795528"/>
+              <a:gd name="connsiteY1" fmla="*/ 786384 h 786384"/>
+              <a:gd name="connsiteX2" fmla="*/ 795528 w 795528"/>
+              <a:gd name="connsiteY2" fmla="*/ 786384 h 786384"/>
+              <a:gd name="connsiteX3" fmla="*/ 749808 w 795528"/>
+              <a:gd name="connsiteY3" fmla="*/ 0 h 786384"/>
+              <a:gd name="connsiteX4" fmla="*/ 393192 w 795528"/>
+              <a:gd name="connsiteY4" fmla="*/ 9144 h 786384"/>
+              <a:gd name="connsiteX0" fmla="*/ 393192 w 801630"/>
+              <a:gd name="connsiteY0" fmla="*/ 9144 h 794512"/>
+              <a:gd name="connsiteX1" fmla="*/ 0 w 801630"/>
+              <a:gd name="connsiteY1" fmla="*/ 786384 h 794512"/>
+              <a:gd name="connsiteX2" fmla="*/ 795528 w 801630"/>
+              <a:gd name="connsiteY2" fmla="*/ 786384 h 794512"/>
+              <a:gd name="connsiteX3" fmla="*/ 749808 w 801630"/>
+              <a:gd name="connsiteY3" fmla="*/ 0 h 794512"/>
+              <a:gd name="connsiteX4" fmla="*/ 393192 w 801630"/>
+              <a:gd name="connsiteY4" fmla="*/ 9144 h 794512"/>
+            </a:gdLst>
+            <a:ahLst/>
+            <a:cxnLst>
+              <a:cxn ang="0">
+                <a:pos x="connsiteX0" y="connsiteY0"/>
+              </a:cxn>
+              <a:cxn ang="0">
+                <a:pos x="connsiteX1" y="connsiteY1"/>
+              </a:cxn>
+              <a:cxn ang="0">
+                <a:pos x="connsiteX2" y="connsiteY2"/>
+              </a:cxn>
+              <a:cxn ang="0">
+                <a:pos x="connsiteX3" y="connsiteY3"/>
+              </a:cxn>
+              <a:cxn ang="0">
+                <a:pos x="connsiteX4" y="connsiteY4"/>
+              </a:cxn>
+            </a:cxnLst>
+            <a:rect l="l" t="t" r="r" b="b"/>
+            <a:pathLst>
+              <a:path w="801630" h="794512">
+                <a:moveTo>
+                  <a:pt x="393192" y="9144"/>
+                </a:moveTo>
+                <a:lnTo>
+                  <a:pt x="0" y="786384"/>
+                </a:lnTo>
+                <a:cubicBezTo>
+                  <a:pt x="265176" y="786384"/>
+                  <a:pt x="868680" y="804672"/>
+                  <a:pt x="795528" y="786384"/>
+                </a:cubicBezTo>
+                <a:lnTo>
+                  <a:pt x="749808" y="0"/>
+                </a:lnTo>
+                <a:lnTo>
+                  <a:pt x="393192" y="9144"/>
+                </a:lnTo>
+                <a:close/>
+              </a:path>
+            </a:pathLst>
+          </a:custGeom>
+          <a:solidFill>
+            <a:schemeClr val="tx2">
+              <a:lumMod val="60000"/>
+              <a:lumOff val="40000"/>
+            </a:schemeClr>
+          </a:solidFill>
+          <a:ln>
+            <a:noFill/>
+          </a:ln>
+        </p:spPr>
+        <p:style>
+          <a:lnRef idx="2">
+            <a:schemeClr val="accent1">
+              <a:shade val="50000"/>
+            </a:schemeClr>
+          </a:lnRef>
+          <a:fillRef idx="1">
+            <a:schemeClr val="accent1"/>
+          </a:fillRef>
+          <a:effectRef idx="0">
+            <a:schemeClr val="accent1"/>
+          </a:effectRef>
+          <a:fontRef idx="minor">
+            <a:schemeClr val="lt1"/>
+          </a:fontRef>
+        </p:style>
+        <p:txBody>
+          <a:bodyPr rtlCol="0" anchor="ctr"/>
+          <a:lstStyle/>
+          <a:p>
+            <a:pPr algn="ctr"/>
+            <a:endParaRPr lang="zh-CN" altLang="en-US"/>
+          </a:p>
+        </p:txBody>
+      </p:sp>
       <p:pic>
         <p:nvPicPr>
           <p:cNvPr id="18" name="图片 17">
@@ -23328,6 +25027,16 @@
             <a:lstStyle/>
             <a:p>
               <a:r>
+                <a:rPr lang="zh-CN" altLang="en-US" sz="1400">
+                  <a:solidFill>
+                    <a:srgbClr val="FF0000"/>
+                  </a:solidFill>
+                  <a:latin typeface="微软雅黑" panose="020B0503020204020204" pitchFamily="34" charset="-122"/>
+                  <a:ea typeface="微软雅黑" panose="020B0503020204020204" pitchFamily="34" charset="-122"/>
+                </a:rPr>
+                <a:t>基本</a:t>
+              </a:r>
+              <a:r>
                 <a:rPr lang="zh-CN" altLang="en-US" sz="1400" dirty="0">
                   <a:solidFill>
                     <a:srgbClr val="FF0000"/>
@@ -23335,7 +25044,7 @@
                   <a:latin typeface="微软雅黑" panose="020B0503020204020204" pitchFamily="34" charset="-122"/>
                   <a:ea typeface="微软雅黑" panose="020B0503020204020204" pitchFamily="34" charset="-122"/>
                 </a:rPr>
-                <a:t>较明显的正向异常，可以判断为</a:t>
+                <a:t>可以判断为</a:t>
               </a:r>
               <a:r>
                 <a:rPr lang="en-US" altLang="zh-CN" sz="1400" dirty="0">
@@ -23417,7 +25126,7 @@
                                     </p:set>
                                     <p:animEffect transition="in" filter="fade">
                                       <p:cBhvr>
-                                        <p:cTn id="7" dur="750"/>
+                                        <p:cTn id="7" dur="500"/>
                                         <p:tgtEl>
                                           <p:spTgt spid="26"/>
                                         </p:tgtEl>
@@ -23425,7 +25134,7 @@
                                     </p:animEffect>
                                     <p:anim calcmode="lin" valueType="num">
                                       <p:cBhvr>
-                                        <p:cTn id="8" dur="750" fill="hold"/>
+                                        <p:cTn id="8" dur="500" fill="hold"/>
                                         <p:tgtEl>
                                           <p:spTgt spid="26"/>
                                         </p:tgtEl>
@@ -23448,7 +25157,7 @@
                                     </p:anim>
                                     <p:anim calcmode="lin" valueType="num">
                                       <p:cBhvr>
-                                        <p:cTn id="9" dur="750" fill="hold"/>
+                                        <p:cTn id="9" dur="500" fill="hold"/>
                                         <p:tgtEl>
                                           <p:spTgt spid="26"/>
                                         </p:tgtEl>
@@ -23503,743 +25212,6 @@
 </p:sld>
 </file>
 
-<file path=ppt/slides/slide19.xml><?xml version="1.0" encoding="utf-8"?>
-<p:sld xmlns:a="http://schemas.openxmlformats.org/drawingml/2006/main" xmlns:r="http://schemas.openxmlformats.org/officeDocument/2006/relationships" xmlns:p="http://schemas.openxmlformats.org/presentationml/2006/main">
-  <p:cSld>
-    <p:spTree>
-      <p:nvGrpSpPr>
-        <p:cNvPr id="1" name=""/>
-        <p:cNvGrpSpPr/>
-        <p:nvPr/>
-      </p:nvGrpSpPr>
-      <p:grpSpPr>
-        <a:xfrm>
-          <a:off x="0" y="0"/>
-          <a:ext cx="0" cy="0"/>
-          <a:chOff x="0" y="0"/>
-          <a:chExt cx="0" cy="0"/>
-        </a:xfrm>
-      </p:grpSpPr>
-      <p:sp>
-        <p:nvSpPr>
-          <p:cNvPr id="37" name="矩形 36"/>
-          <p:cNvSpPr/>
-          <p:nvPr/>
-        </p:nvSpPr>
-        <p:spPr>
-          <a:xfrm>
-            <a:off x="0" y="-106002"/>
-            <a:ext cx="9192115" cy="6964002"/>
-          </a:xfrm>
-          <a:prstGeom prst="rect">
-            <a:avLst/>
-          </a:prstGeom>
-          <a:ln>
-            <a:noFill/>
-          </a:ln>
-        </p:spPr>
-        <p:style>
-          <a:lnRef idx="2">
-            <a:schemeClr val="accent1">
-              <a:shade val="50000"/>
-            </a:schemeClr>
-          </a:lnRef>
-          <a:fillRef idx="1001">
-            <a:schemeClr val="dk2"/>
-          </a:fillRef>
-          <a:effectRef idx="0">
-            <a:schemeClr val="accent1"/>
-          </a:effectRef>
-          <a:fontRef idx="minor">
-            <a:schemeClr val="lt1"/>
-          </a:fontRef>
-        </p:style>
-        <p:txBody>
-          <a:bodyPr rtlCol="0" anchor="ctr"/>
-          <a:lstStyle/>
-          <a:p>
-            <a:pPr algn="ctr"/>
-            <a:endParaRPr lang="zh-CN" altLang="en-US" dirty="0"/>
-          </a:p>
-        </p:txBody>
-      </p:sp>
-      <p:sp>
-        <p:nvSpPr>
-          <p:cNvPr id="13" name="矩形 12"/>
-          <p:cNvSpPr/>
-          <p:nvPr/>
-        </p:nvSpPr>
-        <p:spPr>
-          <a:xfrm>
-            <a:off x="0" y="2132856"/>
-            <a:ext cx="2915816" cy="1872208"/>
-          </a:xfrm>
-          <a:prstGeom prst="rect">
-            <a:avLst/>
-          </a:prstGeom>
-          <a:solidFill>
-            <a:schemeClr val="tx2">
-              <a:lumMod val="75000"/>
-            </a:schemeClr>
-          </a:solidFill>
-          <a:ln>
-            <a:noFill/>
-          </a:ln>
-        </p:spPr>
-        <p:style>
-          <a:lnRef idx="2">
-            <a:schemeClr val="accent1">
-              <a:shade val="50000"/>
-            </a:schemeClr>
-          </a:lnRef>
-          <a:fillRef idx="1">
-            <a:schemeClr val="accent1"/>
-          </a:fillRef>
-          <a:effectRef idx="0">
-            <a:schemeClr val="accent1"/>
-          </a:effectRef>
-          <a:fontRef idx="minor">
-            <a:schemeClr val="lt1"/>
-          </a:fontRef>
-        </p:style>
-        <p:txBody>
-          <a:bodyPr rtlCol="0" anchor="ctr"/>
-          <a:lstStyle/>
-          <a:p>
-            <a:pPr algn="ctr"/>
-            <a:endParaRPr lang="zh-CN" altLang="en-US"/>
-          </a:p>
-        </p:txBody>
-      </p:sp>
-      <p:sp>
-        <p:nvSpPr>
-          <p:cNvPr id="15" name="椭圆 14"/>
-          <p:cNvSpPr/>
-          <p:nvPr/>
-        </p:nvSpPr>
-        <p:spPr>
-          <a:xfrm>
-            <a:off x="1835696" y="1860730"/>
-            <a:ext cx="2416460" cy="2416460"/>
-          </a:xfrm>
-          <a:prstGeom prst="ellipse">
-            <a:avLst/>
-          </a:prstGeom>
-          <a:ln>
-            <a:noFill/>
-          </a:ln>
-        </p:spPr>
-        <p:style>
-          <a:lnRef idx="2">
-            <a:schemeClr val="accent1">
-              <a:shade val="50000"/>
-            </a:schemeClr>
-          </a:lnRef>
-          <a:fillRef idx="1001">
-            <a:schemeClr val="dk2"/>
-          </a:fillRef>
-          <a:effectRef idx="0">
-            <a:schemeClr val="accent1"/>
-          </a:effectRef>
-          <a:fontRef idx="minor">
-            <a:schemeClr val="lt1"/>
-          </a:fontRef>
-        </p:style>
-        <p:txBody>
-          <a:bodyPr rtlCol="0" anchor="ctr"/>
-          <a:lstStyle/>
-          <a:p>
-            <a:pPr algn="ctr"/>
-            <a:endParaRPr lang="zh-CN" altLang="en-US"/>
-          </a:p>
-        </p:txBody>
-      </p:sp>
-      <p:cxnSp>
-        <p:nvCxnSpPr>
-          <p:cNvPr id="5" name="直接连接符 4"/>
-          <p:cNvCxnSpPr/>
-          <p:nvPr/>
-        </p:nvCxnSpPr>
-        <p:spPr>
-          <a:xfrm>
-            <a:off x="4067944" y="2977788"/>
-            <a:ext cx="2808312" cy="9582"/>
-          </a:xfrm>
-          <a:prstGeom prst="line">
-            <a:avLst/>
-          </a:prstGeom>
-          <a:ln>
-            <a:solidFill>
-              <a:schemeClr val="bg1">
-                <a:lumMod val="95000"/>
-              </a:schemeClr>
-            </a:solidFill>
-            <a:prstDash val="sysDash"/>
-          </a:ln>
-        </p:spPr>
-        <p:style>
-          <a:lnRef idx="1">
-            <a:schemeClr val="accent1"/>
-          </a:lnRef>
-          <a:fillRef idx="0">
-            <a:schemeClr val="accent1"/>
-          </a:fillRef>
-          <a:effectRef idx="0">
-            <a:schemeClr val="accent1"/>
-          </a:effectRef>
-          <a:fontRef idx="minor">
-            <a:schemeClr val="tx1"/>
-          </a:fontRef>
-        </p:style>
-      </p:cxnSp>
-      <p:sp>
-        <p:nvSpPr>
-          <p:cNvPr id="12" name="椭圆 11"/>
-          <p:cNvSpPr/>
-          <p:nvPr/>
-        </p:nvSpPr>
-        <p:spPr>
-          <a:xfrm>
-            <a:off x="2195736" y="2204864"/>
-            <a:ext cx="1728192" cy="1728192"/>
-          </a:xfrm>
-          <a:prstGeom prst="ellipse">
-            <a:avLst/>
-          </a:prstGeom>
-          <a:solidFill>
-            <a:schemeClr val="bg1"/>
-          </a:solidFill>
-          <a:ln>
-            <a:noFill/>
-          </a:ln>
-        </p:spPr>
-        <p:style>
-          <a:lnRef idx="2">
-            <a:schemeClr val="accent1">
-              <a:shade val="50000"/>
-            </a:schemeClr>
-          </a:lnRef>
-          <a:fillRef idx="1">
-            <a:schemeClr val="accent1"/>
-          </a:fillRef>
-          <a:effectRef idx="0">
-            <a:schemeClr val="accent1"/>
-          </a:effectRef>
-          <a:fontRef idx="minor">
-            <a:schemeClr val="lt1"/>
-          </a:fontRef>
-        </p:style>
-        <p:txBody>
-          <a:bodyPr rtlCol="0" anchor="ctr"/>
-          <a:lstStyle/>
-          <a:p>
-            <a:pPr algn="ctr"/>
-            <a:endParaRPr lang="zh-CN" altLang="en-US"/>
-          </a:p>
-        </p:txBody>
-      </p:sp>
-      <p:sp>
-        <p:nvSpPr>
-          <p:cNvPr id="14" name="TextBox 13"/>
-          <p:cNvSpPr txBox="1"/>
-          <p:nvPr/>
-        </p:nvSpPr>
-        <p:spPr>
-          <a:xfrm>
-            <a:off x="4245253" y="2473732"/>
-            <a:ext cx="1620957" cy="523220"/>
-          </a:xfrm>
-          <a:prstGeom prst="rect">
-            <a:avLst/>
-          </a:prstGeom>
-          <a:noFill/>
-        </p:spPr>
-        <p:txBody>
-          <a:bodyPr wrap="none" rtlCol="0">
-            <a:spAutoFit/>
-          </a:bodyPr>
-          <a:lstStyle/>
-          <a:p>
-            <a:r>
-              <a:rPr lang="zh-CN" altLang="en-US" sz="2800" dirty="0">
-                <a:solidFill>
-                  <a:schemeClr val="bg1">
-                    <a:lumMod val="95000"/>
-                  </a:schemeClr>
-                </a:solidFill>
-                <a:latin typeface="微软雅黑" panose="020B0503020204020204" pitchFamily="34" charset="-122"/>
-                <a:ea typeface="微软雅黑" panose="020B0503020204020204" pitchFamily="34" charset="-122"/>
-              </a:rPr>
-              <a:t>论文总结</a:t>
-            </a:r>
-          </a:p>
-        </p:txBody>
-      </p:sp>
-      <p:sp>
-        <p:nvSpPr>
-          <p:cNvPr id="17" name="燕尾形 16"/>
-          <p:cNvSpPr/>
-          <p:nvPr/>
-        </p:nvSpPr>
-        <p:spPr>
-          <a:xfrm>
-            <a:off x="4101237" y="2663334"/>
-            <a:ext cx="144016" cy="170438"/>
-          </a:xfrm>
-          <a:prstGeom prst="chevron">
-            <a:avLst/>
-          </a:prstGeom>
-          <a:solidFill>
-            <a:schemeClr val="bg1"/>
-          </a:solidFill>
-          <a:ln>
-            <a:noFill/>
-          </a:ln>
-        </p:spPr>
-        <p:style>
-          <a:lnRef idx="2">
-            <a:schemeClr val="accent1">
-              <a:shade val="50000"/>
-            </a:schemeClr>
-          </a:lnRef>
-          <a:fillRef idx="1">
-            <a:schemeClr val="accent1"/>
-          </a:fillRef>
-          <a:effectRef idx="0">
-            <a:schemeClr val="accent1"/>
-          </a:effectRef>
-          <a:fontRef idx="minor">
-            <a:schemeClr val="lt1"/>
-          </a:fontRef>
-        </p:style>
-        <p:txBody>
-          <a:bodyPr rtlCol="0" anchor="ctr"/>
-          <a:lstStyle/>
-          <a:p>
-            <a:pPr algn="ctr"/>
-            <a:endParaRPr lang="zh-CN" altLang="en-US">
-              <a:solidFill>
-                <a:schemeClr val="tx1"/>
-              </a:solidFill>
-            </a:endParaRPr>
-          </a:p>
-        </p:txBody>
-      </p:sp>
-      <p:grpSp>
-        <p:nvGrpSpPr>
-          <p:cNvPr id="10" name="Group 4"/>
-          <p:cNvGrpSpPr>
-            <a:grpSpLocks noChangeAspect="1"/>
-          </p:cNvGrpSpPr>
-          <p:nvPr/>
-        </p:nvGrpSpPr>
-        <p:grpSpPr bwMode="auto">
-          <a:xfrm>
-            <a:off x="2639678" y="2474577"/>
-            <a:ext cx="851058" cy="1153303"/>
-            <a:chOff x="2773" y="2014"/>
-            <a:chExt cx="214" cy="290"/>
-          </a:xfrm>
-          <a:solidFill>
-            <a:schemeClr val="tx2">
-              <a:lumMod val="75000"/>
-            </a:schemeClr>
-          </a:solidFill>
-        </p:grpSpPr>
-        <p:sp>
-          <p:nvSpPr>
-            <p:cNvPr id="11" name="Freeform 5"/>
-            <p:cNvSpPr>
-              <a:spLocks/>
-            </p:cNvSpPr>
-            <p:nvPr/>
-          </p:nvSpPr>
-          <p:spPr bwMode="auto">
-            <a:xfrm>
-              <a:off x="2773" y="2052"/>
-              <a:ext cx="214" cy="252"/>
-            </a:xfrm>
-            <a:custGeom>
-              <a:avLst/>
-              <a:gdLst>
-                <a:gd name="T0" fmla="*/ 185 w 214"/>
-                <a:gd name="T1" fmla="*/ 0 h 252"/>
-                <a:gd name="T2" fmla="*/ 214 w 214"/>
-                <a:gd name="T3" fmla="*/ 0 h 252"/>
-                <a:gd name="T4" fmla="*/ 214 w 214"/>
-                <a:gd name="T5" fmla="*/ 252 h 252"/>
-                <a:gd name="T6" fmla="*/ 0 w 214"/>
-                <a:gd name="T7" fmla="*/ 252 h 252"/>
-                <a:gd name="T8" fmla="*/ 0 w 214"/>
-                <a:gd name="T9" fmla="*/ 0 h 252"/>
-                <a:gd name="T10" fmla="*/ 29 w 214"/>
-                <a:gd name="T11" fmla="*/ 0 h 252"/>
-                <a:gd name="T12" fmla="*/ 0 60000 65536"/>
-                <a:gd name="T13" fmla="*/ 0 60000 65536"/>
-                <a:gd name="T14" fmla="*/ 0 60000 65536"/>
-                <a:gd name="T15" fmla="*/ 0 60000 65536"/>
-                <a:gd name="T16" fmla="*/ 0 60000 65536"/>
-                <a:gd name="T17" fmla="*/ 0 60000 65536"/>
-                <a:gd name="T18" fmla="*/ 0 w 214"/>
-                <a:gd name="T19" fmla="*/ 0 h 252"/>
-                <a:gd name="T20" fmla="*/ 214 w 214"/>
-                <a:gd name="T21" fmla="*/ 252 h 252"/>
-              </a:gdLst>
-              <a:ahLst/>
-              <a:cxnLst>
-                <a:cxn ang="T12">
-                  <a:pos x="T0" y="T1"/>
-                </a:cxn>
-                <a:cxn ang="T13">
-                  <a:pos x="T2" y="T3"/>
-                </a:cxn>
-                <a:cxn ang="T14">
-                  <a:pos x="T4" y="T5"/>
-                </a:cxn>
-                <a:cxn ang="T15">
-                  <a:pos x="T6" y="T7"/>
-                </a:cxn>
-                <a:cxn ang="T16">
-                  <a:pos x="T8" y="T9"/>
-                </a:cxn>
-                <a:cxn ang="T17">
-                  <a:pos x="T10" y="T11"/>
-                </a:cxn>
-              </a:cxnLst>
-              <a:rect l="T18" t="T19" r="T20" b="T21"/>
-              <a:pathLst>
-                <a:path w="214" h="252">
-                  <a:moveTo>
-                    <a:pt x="185" y="0"/>
-                  </a:moveTo>
-                  <a:lnTo>
-                    <a:pt x="214" y="0"/>
-                  </a:lnTo>
-                  <a:lnTo>
-                    <a:pt x="214" y="252"/>
-                  </a:lnTo>
-                  <a:lnTo>
-                    <a:pt x="0" y="252"/>
-                  </a:lnTo>
-                  <a:lnTo>
-                    <a:pt x="0" y="0"/>
-                  </a:lnTo>
-                  <a:lnTo>
-                    <a:pt x="29" y="0"/>
-                  </a:lnTo>
-                </a:path>
-              </a:pathLst>
-            </a:custGeom>
-            <a:grpFill/>
-            <a:ln w="76200">
-              <a:solidFill>
-                <a:srgbClr val="FFFFFF"/>
-              </a:solidFill>
-              <a:miter lim="800000"/>
-              <a:headEnd/>
-              <a:tailEnd/>
-            </a:ln>
-            <a:extLst/>
-          </p:spPr>
-          <p:txBody>
-            <a:bodyPr/>
-            <a:lstStyle/>
-            <a:p>
-              <a:endParaRPr lang="zh-CN" altLang="en-US"/>
-            </a:p>
-          </p:txBody>
-        </p:sp>
-        <p:sp>
-          <p:nvSpPr>
-            <p:cNvPr id="18" name="Freeform 6"/>
-            <p:cNvSpPr>
-              <a:spLocks/>
-            </p:cNvSpPr>
-            <p:nvPr/>
-          </p:nvSpPr>
-          <p:spPr bwMode="auto">
-            <a:xfrm>
-              <a:off x="2831" y="2014"/>
-              <a:ext cx="98" cy="58"/>
-            </a:xfrm>
-            <a:custGeom>
-              <a:avLst/>
-              <a:gdLst>
-                <a:gd name="T0" fmla="*/ 3530 w 40"/>
-                <a:gd name="T1" fmla="*/ 1974 h 24"/>
-                <a:gd name="T2" fmla="*/ 3530 w 40"/>
-                <a:gd name="T3" fmla="*/ 648 h 24"/>
-                <a:gd name="T4" fmla="*/ 2484 w 40"/>
-                <a:gd name="T5" fmla="*/ 648 h 24"/>
-                <a:gd name="T6" fmla="*/ 1764 w 40"/>
-                <a:gd name="T7" fmla="*/ 0 h 24"/>
-                <a:gd name="T8" fmla="*/ 1044 w 40"/>
-                <a:gd name="T9" fmla="*/ 648 h 24"/>
-                <a:gd name="T10" fmla="*/ 0 w 40"/>
-                <a:gd name="T11" fmla="*/ 648 h 24"/>
-                <a:gd name="T12" fmla="*/ 0 w 40"/>
-                <a:gd name="T13" fmla="*/ 1974 h 24"/>
-                <a:gd name="T14" fmla="*/ 3530 w 40"/>
-                <a:gd name="T15" fmla="*/ 1974 h 24"/>
-                <a:gd name="T16" fmla="*/ 0 60000 65536"/>
-                <a:gd name="T17" fmla="*/ 0 60000 65536"/>
-                <a:gd name="T18" fmla="*/ 0 60000 65536"/>
-                <a:gd name="T19" fmla="*/ 0 60000 65536"/>
-                <a:gd name="T20" fmla="*/ 0 60000 65536"/>
-                <a:gd name="T21" fmla="*/ 0 60000 65536"/>
-                <a:gd name="T22" fmla="*/ 0 60000 65536"/>
-                <a:gd name="T23" fmla="*/ 0 60000 65536"/>
-                <a:gd name="T24" fmla="*/ 0 w 40"/>
-                <a:gd name="T25" fmla="*/ 0 h 24"/>
-                <a:gd name="T26" fmla="*/ 40 w 40"/>
-                <a:gd name="T27" fmla="*/ 24 h 24"/>
-              </a:gdLst>
-              <a:ahLst/>
-              <a:cxnLst>
-                <a:cxn ang="T16">
-                  <a:pos x="T0" y="T1"/>
-                </a:cxn>
-                <a:cxn ang="T17">
-                  <a:pos x="T2" y="T3"/>
-                </a:cxn>
-                <a:cxn ang="T18">
-                  <a:pos x="T4" y="T5"/>
-                </a:cxn>
-                <a:cxn ang="T19">
-                  <a:pos x="T6" y="T7"/>
-                </a:cxn>
-                <a:cxn ang="T20">
-                  <a:pos x="T8" y="T9"/>
-                </a:cxn>
-                <a:cxn ang="T21">
-                  <a:pos x="T10" y="T11"/>
-                </a:cxn>
-                <a:cxn ang="T22">
-                  <a:pos x="T12" y="T13"/>
-                </a:cxn>
-                <a:cxn ang="T23">
-                  <a:pos x="T14" y="T15"/>
-                </a:cxn>
-              </a:cxnLst>
-              <a:rect l="T24" t="T25" r="T26" b="T27"/>
-              <a:pathLst>
-                <a:path w="40" h="24">
-                  <a:moveTo>
-                    <a:pt x="40" y="24"/>
-                  </a:moveTo>
-                  <a:cubicBezTo>
-                    <a:pt x="40" y="8"/>
-                    <a:pt x="40" y="8"/>
-                    <a:pt x="40" y="8"/>
-                  </a:cubicBezTo>
-                  <a:cubicBezTo>
-                    <a:pt x="28" y="8"/>
-                    <a:pt x="28" y="8"/>
-                    <a:pt x="28" y="8"/>
-                  </a:cubicBezTo>
-                  <a:cubicBezTo>
-                    <a:pt x="28" y="4"/>
-                    <a:pt x="24" y="0"/>
-                    <a:pt x="20" y="0"/>
-                  </a:cubicBezTo>
-                  <a:cubicBezTo>
-                    <a:pt x="16" y="0"/>
-                    <a:pt x="12" y="4"/>
-                    <a:pt x="12" y="8"/>
-                  </a:cubicBezTo>
-                  <a:cubicBezTo>
-                    <a:pt x="0" y="8"/>
-                    <a:pt x="0" y="8"/>
-                    <a:pt x="0" y="8"/>
-                  </a:cubicBezTo>
-                  <a:cubicBezTo>
-                    <a:pt x="0" y="24"/>
-                    <a:pt x="0" y="24"/>
-                    <a:pt x="0" y="24"/>
-                  </a:cubicBezTo>
-                  <a:lnTo>
-                    <a:pt x="40" y="24"/>
-                  </a:lnTo>
-                  <a:close/>
-                </a:path>
-              </a:pathLst>
-            </a:custGeom>
-            <a:grpFill/>
-            <a:ln w="76200">
-              <a:solidFill>
-                <a:srgbClr val="FFFFFF"/>
-              </a:solidFill>
-              <a:miter lim="800000"/>
-              <a:headEnd/>
-              <a:tailEnd/>
-            </a:ln>
-            <a:extLst/>
-          </p:spPr>
-          <p:txBody>
-            <a:bodyPr/>
-            <a:lstStyle/>
-            <a:p>
-              <a:endParaRPr lang="zh-CN" altLang="en-US"/>
-            </a:p>
-          </p:txBody>
-        </p:sp>
-        <p:sp>
-          <p:nvSpPr>
-            <p:cNvPr id="19" name="Line 7"/>
-            <p:cNvSpPr>
-              <a:spLocks noChangeShapeType="1"/>
-            </p:cNvSpPr>
-            <p:nvPr/>
-          </p:nvSpPr>
-          <p:spPr bwMode="auto">
-            <a:xfrm flipH="1">
-              <a:off x="2822" y="2168"/>
-              <a:ext cx="117" cy="0"/>
-            </a:xfrm>
-            <a:prstGeom prst="line">
-              <a:avLst/>
-            </a:prstGeom>
-            <a:grpFill/>
-            <a:ln w="76200">
-              <a:solidFill>
-                <a:srgbClr val="FFFFFF"/>
-              </a:solidFill>
-              <a:miter lim="800000"/>
-              <a:headEnd/>
-              <a:tailEnd/>
-            </a:ln>
-            <a:extLst/>
-          </p:spPr>
-          <p:txBody>
-            <a:bodyPr/>
-            <a:lstStyle/>
-            <a:p>
-              <a:endParaRPr lang="zh-CN" altLang="en-US"/>
-            </a:p>
-          </p:txBody>
-        </p:sp>
-        <p:sp>
-          <p:nvSpPr>
-            <p:cNvPr id="20" name="Line 8"/>
-            <p:cNvSpPr>
-              <a:spLocks noChangeShapeType="1"/>
-            </p:cNvSpPr>
-            <p:nvPr/>
-          </p:nvSpPr>
-          <p:spPr bwMode="auto">
-            <a:xfrm flipH="1">
-              <a:off x="2822" y="2207"/>
-              <a:ext cx="117" cy="0"/>
-            </a:xfrm>
-            <a:prstGeom prst="line">
-              <a:avLst/>
-            </a:prstGeom>
-            <a:grpFill/>
-            <a:ln w="76200">
-              <a:solidFill>
-                <a:srgbClr val="FFFFFF"/>
-              </a:solidFill>
-              <a:miter lim="800000"/>
-              <a:headEnd/>
-              <a:tailEnd/>
-            </a:ln>
-            <a:extLst/>
-          </p:spPr>
-          <p:txBody>
-            <a:bodyPr/>
-            <a:lstStyle/>
-            <a:p>
-              <a:endParaRPr lang="zh-CN" altLang="en-US"/>
-            </a:p>
-          </p:txBody>
-        </p:sp>
-        <p:sp>
-          <p:nvSpPr>
-            <p:cNvPr id="21" name="Line 9"/>
-            <p:cNvSpPr>
-              <a:spLocks noChangeShapeType="1"/>
-            </p:cNvSpPr>
-            <p:nvPr/>
-          </p:nvSpPr>
-          <p:spPr bwMode="auto">
-            <a:xfrm flipH="1">
-              <a:off x="2822" y="2246"/>
-              <a:ext cx="117" cy="0"/>
-            </a:xfrm>
-            <a:prstGeom prst="line">
-              <a:avLst/>
-            </a:prstGeom>
-            <a:grpFill/>
-            <a:ln w="76200">
-              <a:solidFill>
-                <a:srgbClr val="FFFFFF"/>
-              </a:solidFill>
-              <a:miter lim="800000"/>
-              <a:headEnd/>
-              <a:tailEnd/>
-            </a:ln>
-            <a:extLst/>
-          </p:spPr>
-          <p:txBody>
-            <a:bodyPr/>
-            <a:lstStyle/>
-            <a:p>
-              <a:endParaRPr lang="zh-CN" altLang="en-US"/>
-            </a:p>
-          </p:txBody>
-        </p:sp>
-        <p:sp>
-          <p:nvSpPr>
-            <p:cNvPr id="22" name="Line 10"/>
-            <p:cNvSpPr>
-              <a:spLocks noChangeShapeType="1"/>
-            </p:cNvSpPr>
-            <p:nvPr/>
-          </p:nvSpPr>
-          <p:spPr bwMode="auto">
-            <a:xfrm flipH="1">
-              <a:off x="2822" y="2130"/>
-              <a:ext cx="117" cy="0"/>
-            </a:xfrm>
-            <a:prstGeom prst="line">
-              <a:avLst/>
-            </a:prstGeom>
-            <a:grpFill/>
-            <a:ln w="76200">
-              <a:solidFill>
-                <a:srgbClr val="FFFFFF"/>
-              </a:solidFill>
-              <a:miter lim="800000"/>
-              <a:headEnd/>
-              <a:tailEnd/>
-            </a:ln>
-            <a:extLst/>
-          </p:spPr>
-          <p:txBody>
-            <a:bodyPr/>
-            <a:lstStyle/>
-            <a:p>
-              <a:endParaRPr lang="zh-CN" altLang="en-US"/>
-            </a:p>
-          </p:txBody>
-        </p:sp>
-      </p:grpSp>
-    </p:spTree>
-    <p:extLst>
-      <p:ext uri="{BB962C8B-B14F-4D97-AF65-F5344CB8AC3E}">
-        <p14:creationId xmlns:p14="http://schemas.microsoft.com/office/powerpoint/2010/main" val="2927947138"/>
-      </p:ext>
-    </p:extLst>
-  </p:cSld>
-  <p:clrMapOvr>
-    <a:masterClrMapping/>
-  </p:clrMapOvr>
-  <p:transition spd="med">
-    <p:push dir="u"/>
-  </p:transition>
-</p:sld>
-</file>
-
 <file path=ppt/slides/slide2.xml><?xml version="1.0" encoding="utf-8"?>
 <p:sld xmlns:a="http://schemas.openxmlformats.org/drawingml/2006/main" xmlns:r="http://schemas.openxmlformats.org/officeDocument/2006/relationships" xmlns:p="http://schemas.openxmlformats.org/presentationml/2006/main">
   <p:cSld>
@@ -24265,7 +25237,7 @@
         </p:nvSpPr>
         <p:spPr>
           <a:xfrm>
-            <a:off x="0" y="-106002"/>
+            <a:off x="-36512" y="-78618"/>
             <a:ext cx="9192115" cy="6964002"/>
           </a:xfrm>
           <a:prstGeom prst="rect">
@@ -26948,6 +27920,743 @@
         </p:nvSpPr>
         <p:spPr>
           <a:xfrm>
+            <a:off x="0" y="-106002"/>
+            <a:ext cx="9192115" cy="6964002"/>
+          </a:xfrm>
+          <a:prstGeom prst="rect">
+            <a:avLst/>
+          </a:prstGeom>
+          <a:ln>
+            <a:noFill/>
+          </a:ln>
+        </p:spPr>
+        <p:style>
+          <a:lnRef idx="2">
+            <a:schemeClr val="accent1">
+              <a:shade val="50000"/>
+            </a:schemeClr>
+          </a:lnRef>
+          <a:fillRef idx="1001">
+            <a:schemeClr val="dk2"/>
+          </a:fillRef>
+          <a:effectRef idx="0">
+            <a:schemeClr val="accent1"/>
+          </a:effectRef>
+          <a:fontRef idx="minor">
+            <a:schemeClr val="lt1"/>
+          </a:fontRef>
+        </p:style>
+        <p:txBody>
+          <a:bodyPr rtlCol="0" anchor="ctr"/>
+          <a:lstStyle/>
+          <a:p>
+            <a:pPr algn="ctr"/>
+            <a:endParaRPr lang="zh-CN" altLang="en-US" dirty="0"/>
+          </a:p>
+        </p:txBody>
+      </p:sp>
+      <p:sp>
+        <p:nvSpPr>
+          <p:cNvPr id="13" name="矩形 12"/>
+          <p:cNvSpPr/>
+          <p:nvPr/>
+        </p:nvSpPr>
+        <p:spPr>
+          <a:xfrm>
+            <a:off x="0" y="2132856"/>
+            <a:ext cx="2915816" cy="1872208"/>
+          </a:xfrm>
+          <a:prstGeom prst="rect">
+            <a:avLst/>
+          </a:prstGeom>
+          <a:solidFill>
+            <a:schemeClr val="tx2">
+              <a:lumMod val="75000"/>
+            </a:schemeClr>
+          </a:solidFill>
+          <a:ln>
+            <a:noFill/>
+          </a:ln>
+        </p:spPr>
+        <p:style>
+          <a:lnRef idx="2">
+            <a:schemeClr val="accent1">
+              <a:shade val="50000"/>
+            </a:schemeClr>
+          </a:lnRef>
+          <a:fillRef idx="1">
+            <a:schemeClr val="accent1"/>
+          </a:fillRef>
+          <a:effectRef idx="0">
+            <a:schemeClr val="accent1"/>
+          </a:effectRef>
+          <a:fontRef idx="minor">
+            <a:schemeClr val="lt1"/>
+          </a:fontRef>
+        </p:style>
+        <p:txBody>
+          <a:bodyPr rtlCol="0" anchor="ctr"/>
+          <a:lstStyle/>
+          <a:p>
+            <a:pPr algn="ctr"/>
+            <a:endParaRPr lang="zh-CN" altLang="en-US"/>
+          </a:p>
+        </p:txBody>
+      </p:sp>
+      <p:sp>
+        <p:nvSpPr>
+          <p:cNvPr id="15" name="椭圆 14"/>
+          <p:cNvSpPr/>
+          <p:nvPr/>
+        </p:nvSpPr>
+        <p:spPr>
+          <a:xfrm>
+            <a:off x="1835696" y="1860730"/>
+            <a:ext cx="2416460" cy="2416460"/>
+          </a:xfrm>
+          <a:prstGeom prst="ellipse">
+            <a:avLst/>
+          </a:prstGeom>
+          <a:ln>
+            <a:noFill/>
+          </a:ln>
+        </p:spPr>
+        <p:style>
+          <a:lnRef idx="2">
+            <a:schemeClr val="accent1">
+              <a:shade val="50000"/>
+            </a:schemeClr>
+          </a:lnRef>
+          <a:fillRef idx="1001">
+            <a:schemeClr val="dk2"/>
+          </a:fillRef>
+          <a:effectRef idx="0">
+            <a:schemeClr val="accent1"/>
+          </a:effectRef>
+          <a:fontRef idx="minor">
+            <a:schemeClr val="lt1"/>
+          </a:fontRef>
+        </p:style>
+        <p:txBody>
+          <a:bodyPr rtlCol="0" anchor="ctr"/>
+          <a:lstStyle/>
+          <a:p>
+            <a:pPr algn="ctr"/>
+            <a:endParaRPr lang="zh-CN" altLang="en-US"/>
+          </a:p>
+        </p:txBody>
+      </p:sp>
+      <p:cxnSp>
+        <p:nvCxnSpPr>
+          <p:cNvPr id="5" name="直接连接符 4"/>
+          <p:cNvCxnSpPr/>
+          <p:nvPr/>
+        </p:nvCxnSpPr>
+        <p:spPr>
+          <a:xfrm>
+            <a:off x="4067944" y="2977788"/>
+            <a:ext cx="2808312" cy="9582"/>
+          </a:xfrm>
+          <a:prstGeom prst="line">
+            <a:avLst/>
+          </a:prstGeom>
+          <a:ln>
+            <a:solidFill>
+              <a:schemeClr val="bg1">
+                <a:lumMod val="95000"/>
+              </a:schemeClr>
+            </a:solidFill>
+            <a:prstDash val="sysDash"/>
+          </a:ln>
+        </p:spPr>
+        <p:style>
+          <a:lnRef idx="1">
+            <a:schemeClr val="accent1"/>
+          </a:lnRef>
+          <a:fillRef idx="0">
+            <a:schemeClr val="accent1"/>
+          </a:fillRef>
+          <a:effectRef idx="0">
+            <a:schemeClr val="accent1"/>
+          </a:effectRef>
+          <a:fontRef idx="minor">
+            <a:schemeClr val="tx1"/>
+          </a:fontRef>
+        </p:style>
+      </p:cxnSp>
+      <p:sp>
+        <p:nvSpPr>
+          <p:cNvPr id="12" name="椭圆 11"/>
+          <p:cNvSpPr/>
+          <p:nvPr/>
+        </p:nvSpPr>
+        <p:spPr>
+          <a:xfrm>
+            <a:off x="2195736" y="2204864"/>
+            <a:ext cx="1728192" cy="1728192"/>
+          </a:xfrm>
+          <a:prstGeom prst="ellipse">
+            <a:avLst/>
+          </a:prstGeom>
+          <a:solidFill>
+            <a:schemeClr val="bg1"/>
+          </a:solidFill>
+          <a:ln>
+            <a:noFill/>
+          </a:ln>
+        </p:spPr>
+        <p:style>
+          <a:lnRef idx="2">
+            <a:schemeClr val="accent1">
+              <a:shade val="50000"/>
+            </a:schemeClr>
+          </a:lnRef>
+          <a:fillRef idx="1">
+            <a:schemeClr val="accent1"/>
+          </a:fillRef>
+          <a:effectRef idx="0">
+            <a:schemeClr val="accent1"/>
+          </a:effectRef>
+          <a:fontRef idx="minor">
+            <a:schemeClr val="lt1"/>
+          </a:fontRef>
+        </p:style>
+        <p:txBody>
+          <a:bodyPr rtlCol="0" anchor="ctr"/>
+          <a:lstStyle/>
+          <a:p>
+            <a:pPr algn="ctr"/>
+            <a:endParaRPr lang="zh-CN" altLang="en-US"/>
+          </a:p>
+        </p:txBody>
+      </p:sp>
+      <p:sp>
+        <p:nvSpPr>
+          <p:cNvPr id="14" name="TextBox 13"/>
+          <p:cNvSpPr txBox="1"/>
+          <p:nvPr/>
+        </p:nvSpPr>
+        <p:spPr>
+          <a:xfrm>
+            <a:off x="4245253" y="2473732"/>
+            <a:ext cx="1620957" cy="523220"/>
+          </a:xfrm>
+          <a:prstGeom prst="rect">
+            <a:avLst/>
+          </a:prstGeom>
+          <a:noFill/>
+        </p:spPr>
+        <p:txBody>
+          <a:bodyPr wrap="none" rtlCol="0">
+            <a:spAutoFit/>
+          </a:bodyPr>
+          <a:lstStyle/>
+          <a:p>
+            <a:r>
+              <a:rPr lang="zh-CN" altLang="en-US" sz="2800" dirty="0">
+                <a:solidFill>
+                  <a:schemeClr val="bg1">
+                    <a:lumMod val="95000"/>
+                  </a:schemeClr>
+                </a:solidFill>
+                <a:latin typeface="微软雅黑" panose="020B0503020204020204" pitchFamily="34" charset="-122"/>
+                <a:ea typeface="微软雅黑" panose="020B0503020204020204" pitchFamily="34" charset="-122"/>
+              </a:rPr>
+              <a:t>论文总结</a:t>
+            </a:r>
+          </a:p>
+        </p:txBody>
+      </p:sp>
+      <p:sp>
+        <p:nvSpPr>
+          <p:cNvPr id="17" name="燕尾形 16"/>
+          <p:cNvSpPr/>
+          <p:nvPr/>
+        </p:nvSpPr>
+        <p:spPr>
+          <a:xfrm>
+            <a:off x="4101237" y="2663334"/>
+            <a:ext cx="144016" cy="170438"/>
+          </a:xfrm>
+          <a:prstGeom prst="chevron">
+            <a:avLst/>
+          </a:prstGeom>
+          <a:solidFill>
+            <a:schemeClr val="bg1"/>
+          </a:solidFill>
+          <a:ln>
+            <a:noFill/>
+          </a:ln>
+        </p:spPr>
+        <p:style>
+          <a:lnRef idx="2">
+            <a:schemeClr val="accent1">
+              <a:shade val="50000"/>
+            </a:schemeClr>
+          </a:lnRef>
+          <a:fillRef idx="1">
+            <a:schemeClr val="accent1"/>
+          </a:fillRef>
+          <a:effectRef idx="0">
+            <a:schemeClr val="accent1"/>
+          </a:effectRef>
+          <a:fontRef idx="minor">
+            <a:schemeClr val="lt1"/>
+          </a:fontRef>
+        </p:style>
+        <p:txBody>
+          <a:bodyPr rtlCol="0" anchor="ctr"/>
+          <a:lstStyle/>
+          <a:p>
+            <a:pPr algn="ctr"/>
+            <a:endParaRPr lang="zh-CN" altLang="en-US">
+              <a:solidFill>
+                <a:schemeClr val="tx1"/>
+              </a:solidFill>
+            </a:endParaRPr>
+          </a:p>
+        </p:txBody>
+      </p:sp>
+      <p:grpSp>
+        <p:nvGrpSpPr>
+          <p:cNvPr id="10" name="Group 4"/>
+          <p:cNvGrpSpPr>
+            <a:grpSpLocks noChangeAspect="1"/>
+          </p:cNvGrpSpPr>
+          <p:nvPr/>
+        </p:nvGrpSpPr>
+        <p:grpSpPr bwMode="auto">
+          <a:xfrm>
+            <a:off x="2639678" y="2474577"/>
+            <a:ext cx="851058" cy="1153303"/>
+            <a:chOff x="2773" y="2014"/>
+            <a:chExt cx="214" cy="290"/>
+          </a:xfrm>
+          <a:solidFill>
+            <a:schemeClr val="tx2">
+              <a:lumMod val="75000"/>
+            </a:schemeClr>
+          </a:solidFill>
+        </p:grpSpPr>
+        <p:sp>
+          <p:nvSpPr>
+            <p:cNvPr id="11" name="Freeform 5"/>
+            <p:cNvSpPr>
+              <a:spLocks/>
+            </p:cNvSpPr>
+            <p:nvPr/>
+          </p:nvSpPr>
+          <p:spPr bwMode="auto">
+            <a:xfrm>
+              <a:off x="2773" y="2052"/>
+              <a:ext cx="214" cy="252"/>
+            </a:xfrm>
+            <a:custGeom>
+              <a:avLst/>
+              <a:gdLst>
+                <a:gd name="T0" fmla="*/ 185 w 214"/>
+                <a:gd name="T1" fmla="*/ 0 h 252"/>
+                <a:gd name="T2" fmla="*/ 214 w 214"/>
+                <a:gd name="T3" fmla="*/ 0 h 252"/>
+                <a:gd name="T4" fmla="*/ 214 w 214"/>
+                <a:gd name="T5" fmla="*/ 252 h 252"/>
+                <a:gd name="T6" fmla="*/ 0 w 214"/>
+                <a:gd name="T7" fmla="*/ 252 h 252"/>
+                <a:gd name="T8" fmla="*/ 0 w 214"/>
+                <a:gd name="T9" fmla="*/ 0 h 252"/>
+                <a:gd name="T10" fmla="*/ 29 w 214"/>
+                <a:gd name="T11" fmla="*/ 0 h 252"/>
+                <a:gd name="T12" fmla="*/ 0 60000 65536"/>
+                <a:gd name="T13" fmla="*/ 0 60000 65536"/>
+                <a:gd name="T14" fmla="*/ 0 60000 65536"/>
+                <a:gd name="T15" fmla="*/ 0 60000 65536"/>
+                <a:gd name="T16" fmla="*/ 0 60000 65536"/>
+                <a:gd name="T17" fmla="*/ 0 60000 65536"/>
+                <a:gd name="T18" fmla="*/ 0 w 214"/>
+                <a:gd name="T19" fmla="*/ 0 h 252"/>
+                <a:gd name="T20" fmla="*/ 214 w 214"/>
+                <a:gd name="T21" fmla="*/ 252 h 252"/>
+              </a:gdLst>
+              <a:ahLst/>
+              <a:cxnLst>
+                <a:cxn ang="T12">
+                  <a:pos x="T0" y="T1"/>
+                </a:cxn>
+                <a:cxn ang="T13">
+                  <a:pos x="T2" y="T3"/>
+                </a:cxn>
+                <a:cxn ang="T14">
+                  <a:pos x="T4" y="T5"/>
+                </a:cxn>
+                <a:cxn ang="T15">
+                  <a:pos x="T6" y="T7"/>
+                </a:cxn>
+                <a:cxn ang="T16">
+                  <a:pos x="T8" y="T9"/>
+                </a:cxn>
+                <a:cxn ang="T17">
+                  <a:pos x="T10" y="T11"/>
+                </a:cxn>
+              </a:cxnLst>
+              <a:rect l="T18" t="T19" r="T20" b="T21"/>
+              <a:pathLst>
+                <a:path w="214" h="252">
+                  <a:moveTo>
+                    <a:pt x="185" y="0"/>
+                  </a:moveTo>
+                  <a:lnTo>
+                    <a:pt x="214" y="0"/>
+                  </a:lnTo>
+                  <a:lnTo>
+                    <a:pt x="214" y="252"/>
+                  </a:lnTo>
+                  <a:lnTo>
+                    <a:pt x="0" y="252"/>
+                  </a:lnTo>
+                  <a:lnTo>
+                    <a:pt x="0" y="0"/>
+                  </a:lnTo>
+                  <a:lnTo>
+                    <a:pt x="29" y="0"/>
+                  </a:lnTo>
+                </a:path>
+              </a:pathLst>
+            </a:custGeom>
+            <a:grpFill/>
+            <a:ln w="76200">
+              <a:solidFill>
+                <a:srgbClr val="FFFFFF"/>
+              </a:solidFill>
+              <a:miter lim="800000"/>
+              <a:headEnd/>
+              <a:tailEnd/>
+            </a:ln>
+            <a:extLst/>
+          </p:spPr>
+          <p:txBody>
+            <a:bodyPr/>
+            <a:lstStyle/>
+            <a:p>
+              <a:endParaRPr lang="zh-CN" altLang="en-US"/>
+            </a:p>
+          </p:txBody>
+        </p:sp>
+        <p:sp>
+          <p:nvSpPr>
+            <p:cNvPr id="18" name="Freeform 6"/>
+            <p:cNvSpPr>
+              <a:spLocks/>
+            </p:cNvSpPr>
+            <p:nvPr/>
+          </p:nvSpPr>
+          <p:spPr bwMode="auto">
+            <a:xfrm>
+              <a:off x="2831" y="2014"/>
+              <a:ext cx="98" cy="58"/>
+            </a:xfrm>
+            <a:custGeom>
+              <a:avLst/>
+              <a:gdLst>
+                <a:gd name="T0" fmla="*/ 3530 w 40"/>
+                <a:gd name="T1" fmla="*/ 1974 h 24"/>
+                <a:gd name="T2" fmla="*/ 3530 w 40"/>
+                <a:gd name="T3" fmla="*/ 648 h 24"/>
+                <a:gd name="T4" fmla="*/ 2484 w 40"/>
+                <a:gd name="T5" fmla="*/ 648 h 24"/>
+                <a:gd name="T6" fmla="*/ 1764 w 40"/>
+                <a:gd name="T7" fmla="*/ 0 h 24"/>
+                <a:gd name="T8" fmla="*/ 1044 w 40"/>
+                <a:gd name="T9" fmla="*/ 648 h 24"/>
+                <a:gd name="T10" fmla="*/ 0 w 40"/>
+                <a:gd name="T11" fmla="*/ 648 h 24"/>
+                <a:gd name="T12" fmla="*/ 0 w 40"/>
+                <a:gd name="T13" fmla="*/ 1974 h 24"/>
+                <a:gd name="T14" fmla="*/ 3530 w 40"/>
+                <a:gd name="T15" fmla="*/ 1974 h 24"/>
+                <a:gd name="T16" fmla="*/ 0 60000 65536"/>
+                <a:gd name="T17" fmla="*/ 0 60000 65536"/>
+                <a:gd name="T18" fmla="*/ 0 60000 65536"/>
+                <a:gd name="T19" fmla="*/ 0 60000 65536"/>
+                <a:gd name="T20" fmla="*/ 0 60000 65536"/>
+                <a:gd name="T21" fmla="*/ 0 60000 65536"/>
+                <a:gd name="T22" fmla="*/ 0 60000 65536"/>
+                <a:gd name="T23" fmla="*/ 0 60000 65536"/>
+                <a:gd name="T24" fmla="*/ 0 w 40"/>
+                <a:gd name="T25" fmla="*/ 0 h 24"/>
+                <a:gd name="T26" fmla="*/ 40 w 40"/>
+                <a:gd name="T27" fmla="*/ 24 h 24"/>
+              </a:gdLst>
+              <a:ahLst/>
+              <a:cxnLst>
+                <a:cxn ang="T16">
+                  <a:pos x="T0" y="T1"/>
+                </a:cxn>
+                <a:cxn ang="T17">
+                  <a:pos x="T2" y="T3"/>
+                </a:cxn>
+                <a:cxn ang="T18">
+                  <a:pos x="T4" y="T5"/>
+                </a:cxn>
+                <a:cxn ang="T19">
+                  <a:pos x="T6" y="T7"/>
+                </a:cxn>
+                <a:cxn ang="T20">
+                  <a:pos x="T8" y="T9"/>
+                </a:cxn>
+                <a:cxn ang="T21">
+                  <a:pos x="T10" y="T11"/>
+                </a:cxn>
+                <a:cxn ang="T22">
+                  <a:pos x="T12" y="T13"/>
+                </a:cxn>
+                <a:cxn ang="T23">
+                  <a:pos x="T14" y="T15"/>
+                </a:cxn>
+              </a:cxnLst>
+              <a:rect l="T24" t="T25" r="T26" b="T27"/>
+              <a:pathLst>
+                <a:path w="40" h="24">
+                  <a:moveTo>
+                    <a:pt x="40" y="24"/>
+                  </a:moveTo>
+                  <a:cubicBezTo>
+                    <a:pt x="40" y="8"/>
+                    <a:pt x="40" y="8"/>
+                    <a:pt x="40" y="8"/>
+                  </a:cubicBezTo>
+                  <a:cubicBezTo>
+                    <a:pt x="28" y="8"/>
+                    <a:pt x="28" y="8"/>
+                    <a:pt x="28" y="8"/>
+                  </a:cubicBezTo>
+                  <a:cubicBezTo>
+                    <a:pt x="28" y="4"/>
+                    <a:pt x="24" y="0"/>
+                    <a:pt x="20" y="0"/>
+                  </a:cubicBezTo>
+                  <a:cubicBezTo>
+                    <a:pt x="16" y="0"/>
+                    <a:pt x="12" y="4"/>
+                    <a:pt x="12" y="8"/>
+                  </a:cubicBezTo>
+                  <a:cubicBezTo>
+                    <a:pt x="0" y="8"/>
+                    <a:pt x="0" y="8"/>
+                    <a:pt x="0" y="8"/>
+                  </a:cubicBezTo>
+                  <a:cubicBezTo>
+                    <a:pt x="0" y="24"/>
+                    <a:pt x="0" y="24"/>
+                    <a:pt x="0" y="24"/>
+                  </a:cubicBezTo>
+                  <a:lnTo>
+                    <a:pt x="40" y="24"/>
+                  </a:lnTo>
+                  <a:close/>
+                </a:path>
+              </a:pathLst>
+            </a:custGeom>
+            <a:grpFill/>
+            <a:ln w="76200">
+              <a:solidFill>
+                <a:srgbClr val="FFFFFF"/>
+              </a:solidFill>
+              <a:miter lim="800000"/>
+              <a:headEnd/>
+              <a:tailEnd/>
+            </a:ln>
+            <a:extLst/>
+          </p:spPr>
+          <p:txBody>
+            <a:bodyPr/>
+            <a:lstStyle/>
+            <a:p>
+              <a:endParaRPr lang="zh-CN" altLang="en-US"/>
+            </a:p>
+          </p:txBody>
+        </p:sp>
+        <p:sp>
+          <p:nvSpPr>
+            <p:cNvPr id="19" name="Line 7"/>
+            <p:cNvSpPr>
+              <a:spLocks noChangeShapeType="1"/>
+            </p:cNvSpPr>
+            <p:nvPr/>
+          </p:nvSpPr>
+          <p:spPr bwMode="auto">
+            <a:xfrm flipH="1">
+              <a:off x="2822" y="2168"/>
+              <a:ext cx="117" cy="0"/>
+            </a:xfrm>
+            <a:prstGeom prst="line">
+              <a:avLst/>
+            </a:prstGeom>
+            <a:grpFill/>
+            <a:ln w="76200">
+              <a:solidFill>
+                <a:srgbClr val="FFFFFF"/>
+              </a:solidFill>
+              <a:miter lim="800000"/>
+              <a:headEnd/>
+              <a:tailEnd/>
+            </a:ln>
+            <a:extLst/>
+          </p:spPr>
+          <p:txBody>
+            <a:bodyPr/>
+            <a:lstStyle/>
+            <a:p>
+              <a:endParaRPr lang="zh-CN" altLang="en-US"/>
+            </a:p>
+          </p:txBody>
+        </p:sp>
+        <p:sp>
+          <p:nvSpPr>
+            <p:cNvPr id="20" name="Line 8"/>
+            <p:cNvSpPr>
+              <a:spLocks noChangeShapeType="1"/>
+            </p:cNvSpPr>
+            <p:nvPr/>
+          </p:nvSpPr>
+          <p:spPr bwMode="auto">
+            <a:xfrm flipH="1">
+              <a:off x="2822" y="2207"/>
+              <a:ext cx="117" cy="0"/>
+            </a:xfrm>
+            <a:prstGeom prst="line">
+              <a:avLst/>
+            </a:prstGeom>
+            <a:grpFill/>
+            <a:ln w="76200">
+              <a:solidFill>
+                <a:srgbClr val="FFFFFF"/>
+              </a:solidFill>
+              <a:miter lim="800000"/>
+              <a:headEnd/>
+              <a:tailEnd/>
+            </a:ln>
+            <a:extLst/>
+          </p:spPr>
+          <p:txBody>
+            <a:bodyPr/>
+            <a:lstStyle/>
+            <a:p>
+              <a:endParaRPr lang="zh-CN" altLang="en-US"/>
+            </a:p>
+          </p:txBody>
+        </p:sp>
+        <p:sp>
+          <p:nvSpPr>
+            <p:cNvPr id="21" name="Line 9"/>
+            <p:cNvSpPr>
+              <a:spLocks noChangeShapeType="1"/>
+            </p:cNvSpPr>
+            <p:nvPr/>
+          </p:nvSpPr>
+          <p:spPr bwMode="auto">
+            <a:xfrm flipH="1">
+              <a:off x="2822" y="2246"/>
+              <a:ext cx="117" cy="0"/>
+            </a:xfrm>
+            <a:prstGeom prst="line">
+              <a:avLst/>
+            </a:prstGeom>
+            <a:grpFill/>
+            <a:ln w="76200">
+              <a:solidFill>
+                <a:srgbClr val="FFFFFF"/>
+              </a:solidFill>
+              <a:miter lim="800000"/>
+              <a:headEnd/>
+              <a:tailEnd/>
+            </a:ln>
+            <a:extLst/>
+          </p:spPr>
+          <p:txBody>
+            <a:bodyPr/>
+            <a:lstStyle/>
+            <a:p>
+              <a:endParaRPr lang="zh-CN" altLang="en-US"/>
+            </a:p>
+          </p:txBody>
+        </p:sp>
+        <p:sp>
+          <p:nvSpPr>
+            <p:cNvPr id="22" name="Line 10"/>
+            <p:cNvSpPr>
+              <a:spLocks noChangeShapeType="1"/>
+            </p:cNvSpPr>
+            <p:nvPr/>
+          </p:nvSpPr>
+          <p:spPr bwMode="auto">
+            <a:xfrm flipH="1">
+              <a:off x="2822" y="2130"/>
+              <a:ext cx="117" cy="0"/>
+            </a:xfrm>
+            <a:prstGeom prst="line">
+              <a:avLst/>
+            </a:prstGeom>
+            <a:grpFill/>
+            <a:ln w="76200">
+              <a:solidFill>
+                <a:srgbClr val="FFFFFF"/>
+              </a:solidFill>
+              <a:miter lim="800000"/>
+              <a:headEnd/>
+              <a:tailEnd/>
+            </a:ln>
+            <a:extLst/>
+          </p:spPr>
+          <p:txBody>
+            <a:bodyPr/>
+            <a:lstStyle/>
+            <a:p>
+              <a:endParaRPr lang="zh-CN" altLang="en-US"/>
+            </a:p>
+          </p:txBody>
+        </p:sp>
+      </p:grpSp>
+    </p:spTree>
+    <p:extLst>
+      <p:ext uri="{BB962C8B-B14F-4D97-AF65-F5344CB8AC3E}">
+        <p14:creationId xmlns:p14="http://schemas.microsoft.com/office/powerpoint/2010/main" val="2927947138"/>
+      </p:ext>
+    </p:extLst>
+  </p:cSld>
+  <p:clrMapOvr>
+    <a:masterClrMapping/>
+  </p:clrMapOvr>
+  <p:transition spd="med">
+    <p:push dir="u"/>
+  </p:transition>
+</p:sld>
+</file>
+
+<file path=ppt/slides/slide21.xml><?xml version="1.0" encoding="utf-8"?>
+<p:sld xmlns:a="http://schemas.openxmlformats.org/drawingml/2006/main" xmlns:r="http://schemas.openxmlformats.org/officeDocument/2006/relationships" xmlns:p="http://schemas.openxmlformats.org/presentationml/2006/main">
+  <p:cSld>
+    <p:spTree>
+      <p:nvGrpSpPr>
+        <p:cNvPr id="1" name=""/>
+        <p:cNvGrpSpPr/>
+        <p:nvPr/>
+      </p:nvGrpSpPr>
+      <p:grpSpPr>
+        <a:xfrm>
+          <a:off x="0" y="0"/>
+          <a:ext cx="0" cy="0"/>
+          <a:chOff x="0" y="0"/>
+          <a:chExt cx="0" cy="0"/>
+        </a:xfrm>
+      </p:grpSpPr>
+      <p:sp>
+        <p:nvSpPr>
+          <p:cNvPr id="37" name="矩形 36"/>
+          <p:cNvSpPr/>
+          <p:nvPr/>
+        </p:nvSpPr>
+        <p:spPr>
+          <a:xfrm>
             <a:off x="0" y="-87325"/>
             <a:ext cx="9192115" cy="6964002"/>
           </a:xfrm>
@@ -28265,7 +29974,7 @@
 </p:sld>
 </file>
 
-<file path=ppt/slides/slide21.xml><?xml version="1.0" encoding="utf-8"?>
+<file path=ppt/slides/slide22.xml><?xml version="1.0" encoding="utf-8"?>
 <p:sld xmlns:a="http://schemas.openxmlformats.org/drawingml/2006/main" xmlns:r="http://schemas.openxmlformats.org/officeDocument/2006/relationships" xmlns:p="http://schemas.openxmlformats.org/presentationml/2006/main">
   <p:cSld>
     <p:spTree>
@@ -32997,7 +34706,7 @@
 </p:sld>
 </file>
 
-<file path=ppt/slides/slide22.xml><?xml version="1.0" encoding="utf-8"?>
+<file path=ppt/slides/slide23.xml><?xml version="1.0" encoding="utf-8"?>
 <p:sld xmlns:a="http://schemas.openxmlformats.org/drawingml/2006/main" xmlns:r="http://schemas.openxmlformats.org/officeDocument/2006/relationships" xmlns:p="http://schemas.openxmlformats.org/presentationml/2006/main">
   <p:cSld>
     <p:spTree>
@@ -40994,7 +42703,7 @@
         </p:nvSpPr>
         <p:spPr>
           <a:xfrm>
-            <a:off x="-36512" y="-6610"/>
+            <a:off x="-72906" y="-6610"/>
             <a:ext cx="9192115" cy="6964002"/>
           </a:xfrm>
           <a:prstGeom prst="rect">
@@ -41670,7 +43379,7 @@
         <p:spPr>
           <a:xfrm>
             <a:off x="971600" y="1566132"/>
-            <a:ext cx="4016356" cy="400110"/>
+            <a:ext cx="1443024" cy="400110"/>
           </a:xfrm>
           <a:prstGeom prst="rect">
             <a:avLst/>
@@ -41684,32 +43393,18 @@
           <a:lstStyle/>
           <a:p>
             <a:r>
-              <a:rPr lang="zh-CN" altLang="en-US" sz="2000" dirty="0">
-                <a:latin typeface="微软雅黑" panose="020B0503020204020204" pitchFamily="34" charset="-122"/>
-                <a:ea typeface="微软雅黑" panose="020B0503020204020204" pitchFamily="34" charset="-122"/>
-              </a:rPr>
-              <a:t>初始扰动（</a:t>
-            </a:r>
-            <a:r>
               <a:rPr lang="en-US" altLang="zh-CN" sz="2000" dirty="0">
                 <a:latin typeface="微软雅黑" panose="020B0503020204020204" pitchFamily="34" charset="-122"/>
                 <a:ea typeface="微软雅黑" panose="020B0503020204020204" pitchFamily="34" charset="-122"/>
               </a:rPr>
-              <a:t>Initial P</a:t>
-            </a:r>
-            <a:r>
-              <a:rPr lang="en-US" sz="2000" dirty="0">
-                <a:latin typeface="微软雅黑" panose="020B0503020204020204" pitchFamily="34" charset="-122"/>
-                <a:ea typeface="微软雅黑" panose="020B0503020204020204" pitchFamily="34" charset="-122"/>
-              </a:rPr>
-              <a:t>erturbation</a:t>
+              <a:t>CNOP</a:t>
             </a:r>
             <a:r>
               <a:rPr lang="zh-CN" altLang="en-US" sz="2000" dirty="0">
                 <a:latin typeface="微软雅黑" panose="020B0503020204020204" pitchFamily="34" charset="-122"/>
                 <a:ea typeface="微软雅黑" panose="020B0503020204020204" pitchFamily="34" charset="-122"/>
               </a:rPr>
-              <a:t>）</a:t>
+              <a:t>方法</a:t>
             </a:r>
           </a:p>
         </p:txBody>
@@ -41723,7 +43418,7 @@
         <p:spPr>
           <a:xfrm>
             <a:off x="977461" y="4149080"/>
-            <a:ext cx="4172937" cy="400110"/>
+            <a:ext cx="1056700" cy="400110"/>
           </a:xfrm>
           <a:prstGeom prst="rect">
             <a:avLst/>
@@ -41737,26 +43432,16 @@
           <a:lstStyle/>
           <a:p>
             <a:r>
-              <a:rPr lang="zh-CN" altLang="en-US" sz="2000" dirty="0">
-                <a:latin typeface="微软雅黑" panose="020B0503020204020204" pitchFamily="34" charset="-122"/>
-                <a:ea typeface="微软雅黑" panose="020B0503020204020204" pitchFamily="34" charset="-122"/>
-              </a:rPr>
-              <a:t>智能算法（</a:t>
-            </a:r>
-            <a:r>
               <a:rPr lang="en-US" altLang="zh-CN" sz="2000" dirty="0">
                 <a:latin typeface="微软雅黑" panose="020B0503020204020204" pitchFamily="34" charset="-122"/>
                 <a:ea typeface="微软雅黑" panose="020B0503020204020204" pitchFamily="34" charset="-122"/>
               </a:rPr>
-              <a:t>Artificial Algorithm</a:t>
+              <a:t>CTS-SS</a:t>
             </a:r>
-            <a:r>
-              <a:rPr lang="zh-CN" altLang="en-US" sz="2000" dirty="0">
-                <a:latin typeface="微软雅黑" panose="020B0503020204020204" pitchFamily="34" charset="-122"/>
-                <a:ea typeface="微软雅黑" panose="020B0503020204020204" pitchFamily="34" charset="-122"/>
-              </a:rPr>
-              <a:t>）</a:t>
-            </a:r>
+            <a:endParaRPr lang="zh-CN" altLang="en-US" sz="2000" dirty="0">
+              <a:latin typeface="微软雅黑" panose="020B0503020204020204" pitchFamily="34" charset="-122"/>
+              <a:ea typeface="微软雅黑" panose="020B0503020204020204" pitchFamily="34" charset="-122"/>
+            </a:endParaRPr>
           </a:p>
         </p:txBody>
       </p:sp>
@@ -41769,7 +43454,7 @@
         <p:spPr>
           <a:xfrm>
             <a:off x="2119494" y="4645947"/>
-            <a:ext cx="4036682" cy="923330"/>
+            <a:ext cx="1517660" cy="923330"/>
           </a:xfrm>
           <a:prstGeom prst="rect">
             <a:avLst/>
@@ -41794,41 +43479,7 @@
                 <a:latin typeface="微软雅黑" panose="020B0503020204020204" pitchFamily="34" charset="-122"/>
                 <a:ea typeface="微软雅黑" panose="020B0503020204020204" pitchFamily="34" charset="-122"/>
               </a:rPr>
-              <a:t>最优化问题的一种求解思路</a:t>
-            </a:r>
-            <a:endParaRPr lang="en-US" altLang="zh-CN" sz="1200" dirty="0">
-              <a:latin typeface="微软雅黑" panose="020B0503020204020204" pitchFamily="34" charset="-122"/>
-              <a:ea typeface="微软雅黑" panose="020B0503020204020204" pitchFamily="34" charset="-122"/>
-            </a:endParaRPr>
-          </a:p>
-          <a:p>
-            <a:pPr marL="171450" indent="-171450">
-              <a:lnSpc>
-                <a:spcPct val="150000"/>
-              </a:lnSpc>
-              <a:buFont typeface="Arial" panose="020B0604020202020204" pitchFamily="34" charset="0"/>
-              <a:buChar char="•"/>
-            </a:pPr>
-            <a:r>
-              <a:rPr lang="zh-CN" altLang="en-US" sz="1200" dirty="0">
-                <a:latin typeface="微软雅黑" panose="020B0503020204020204" pitchFamily="34" charset="-122"/>
-                <a:ea typeface="微软雅黑" panose="020B0503020204020204" pitchFamily="34" charset="-122"/>
-              </a:rPr>
-              <a:t>将智能算法应用于</a:t>
-            </a:r>
-            <a:r>
-              <a:rPr lang="en-US" altLang="zh-CN" sz="1200" dirty="0">
-                <a:latin typeface="微软雅黑" panose="020B0503020204020204" pitchFamily="34" charset="-122"/>
-                <a:ea typeface="微软雅黑" panose="020B0503020204020204" pitchFamily="34" charset="-122"/>
-              </a:rPr>
-              <a:t>CNOP</a:t>
-            </a:r>
-            <a:r>
-              <a:rPr lang="zh-CN" altLang="en-US" sz="1200" dirty="0">
-                <a:latin typeface="微软雅黑" panose="020B0503020204020204" pitchFamily="34" charset="-122"/>
-                <a:ea typeface="微软雅黑" panose="020B0503020204020204" pitchFamily="34" charset="-122"/>
-              </a:rPr>
-              <a:t>求解（本课题组相关工作）</a:t>
+              <a:t>连续禁忌搜索</a:t>
             </a:r>
             <a:endParaRPr lang="en-US" altLang="zh-CN" sz="1200" dirty="0">
               <a:latin typeface="微软雅黑" panose="020B0503020204020204" pitchFamily="34" charset="-122"/>
@@ -41848,21 +43499,23 @@
                 <a:latin typeface="微软雅黑" panose="020B0503020204020204" pitchFamily="34" charset="-122"/>
                 <a:ea typeface="微软雅黑" panose="020B0503020204020204" pitchFamily="34" charset="-122"/>
               </a:rPr>
-              <a:t>CTS-SS(</a:t>
+              <a:t>Sine Maps</a:t>
             </a:r>
-            <a:r>
-              <a:rPr lang="zh-CN" altLang="en-US" sz="1200" dirty="0">
-                <a:latin typeface="微软雅黑" panose="020B0503020204020204" pitchFamily="34" charset="-122"/>
-                <a:ea typeface="微软雅黑" panose="020B0503020204020204" pitchFamily="34" charset="-122"/>
-              </a:rPr>
-              <a:t>一种改进的连续禁忌搜索算法</a:t>
-            </a:r>
+          </a:p>
+          <a:p>
+            <a:pPr marL="171450" indent="-171450">
+              <a:lnSpc>
+                <a:spcPct val="150000"/>
+              </a:lnSpc>
+              <a:buFont typeface="Arial" panose="020B0604020202020204" pitchFamily="34" charset="0"/>
+              <a:buChar char="•"/>
+            </a:pPr>
             <a:r>
               <a:rPr lang="en-US" altLang="zh-CN" sz="1200" dirty="0">
                 <a:latin typeface="微软雅黑" panose="020B0503020204020204" pitchFamily="34" charset="-122"/>
                 <a:ea typeface="微软雅黑" panose="020B0503020204020204" pitchFamily="34" charset="-122"/>
               </a:rPr>
-              <a:t>)</a:t>
+              <a:t>Staged Strategy</a:t>
             </a:r>
           </a:p>
         </p:txBody>
@@ -42002,7 +43655,7 @@
         </p:nvSpPr>
         <p:spPr>
           <a:xfrm>
-            <a:off x="2119494" y="2077704"/>
+            <a:off x="2119494" y="2068795"/>
             <a:ext cx="5251759" cy="646331"/>
           </a:xfrm>
           <a:prstGeom prst="rect">

--- a/FinalPaper/毕业答辩.pptx
+++ b/FinalPaper/毕业答辩.pptx
@@ -45217,7 +45217,7 @@
                                     </p:set>
                                     <p:animEffect transition="in" filter="fade">
                                       <p:cBhvr>
-                                        <p:cTn id="7" dur="750"/>
+                                        <p:cTn id="7" dur="500"/>
                                         <p:tgtEl>
                                           <p:spTgt spid="9"/>
                                         </p:tgtEl>
@@ -45225,7 +45225,7 @@
                                     </p:animEffect>
                                     <p:anim calcmode="lin" valueType="num">
                                       <p:cBhvr>
-                                        <p:cTn id="8" dur="750" fill="hold"/>
+                                        <p:cTn id="8" dur="500" fill="hold"/>
                                         <p:tgtEl>
                                           <p:spTgt spid="9"/>
                                         </p:tgtEl>
@@ -45248,7 +45248,7 @@
                                     </p:anim>
                                     <p:anim calcmode="lin" valueType="num">
                                       <p:cBhvr>
-                                        <p:cTn id="9" dur="750" fill="hold"/>
+                                        <p:cTn id="9" dur="500" fill="hold"/>
                                         <p:tgtEl>
                                           <p:spTgt spid="9"/>
                                         </p:tgtEl>

--- a/FinalPaper/毕业答辩.pptx
+++ b/FinalPaper/毕业答辩.pptx
@@ -9955,7 +9955,7 @@
           <p:cNvPr id="116" name="直接连接符 115">
             <a:extLst>
               <a:ext uri="{FF2B5EF4-FFF2-40B4-BE49-F238E27FC236}">
-                <a16:creationId xmlns:a16="http://schemas.microsoft.com/office/drawing/2014/main" id="{935B4380-C8CD-4AEE-BFB0-D8B729F00EFC}"/>
+                <a16:creationId xmlns:a16="http://schemas.microsoft.com/office/drawing/2014/main" xmlns="" id="{935B4380-C8CD-4AEE-BFB0-D8B729F00EFC}"/>
               </a:ext>
             </a:extLst>
           </p:cNvPr>
@@ -10001,7 +10001,7 @@
           <p:cNvPr id="89" name="Freeform 325">
             <a:extLst>
               <a:ext uri="{FF2B5EF4-FFF2-40B4-BE49-F238E27FC236}">
-                <a16:creationId xmlns:a16="http://schemas.microsoft.com/office/drawing/2014/main" id="{68C0778E-22E1-4C0C-A17B-06709E6DAB2F}"/>
+                <a16:creationId xmlns:a16="http://schemas.microsoft.com/office/drawing/2014/main" xmlns="" id="{68C0778E-22E1-4C0C-A17B-06709E6DAB2F}"/>
               </a:ext>
             </a:extLst>
           </p:cNvPr>
@@ -10609,7 +10609,7 @@
           <p:cNvPr id="92" name="Freeform 312">
             <a:extLst>
               <a:ext uri="{FF2B5EF4-FFF2-40B4-BE49-F238E27FC236}">
-                <a16:creationId xmlns:a16="http://schemas.microsoft.com/office/drawing/2014/main" id="{2A1B9DA8-986D-41A5-BF6C-668C33AF0106}"/>
+                <a16:creationId xmlns:a16="http://schemas.microsoft.com/office/drawing/2014/main" xmlns="" id="{2A1B9DA8-986D-41A5-BF6C-668C33AF0106}"/>
               </a:ext>
             </a:extLst>
           </p:cNvPr>
@@ -11613,7 +11613,7 @@
           <p:cNvPr id="94" name="Freeform 121">
             <a:extLst>
               <a:ext uri="{FF2B5EF4-FFF2-40B4-BE49-F238E27FC236}">
-                <a16:creationId xmlns:a16="http://schemas.microsoft.com/office/drawing/2014/main" id="{B93A3FCA-7723-41E1-B0FD-8E2D1F9214AF}"/>
+                <a16:creationId xmlns:a16="http://schemas.microsoft.com/office/drawing/2014/main" xmlns="" id="{B93A3FCA-7723-41E1-B0FD-8E2D1F9214AF}"/>
               </a:ext>
             </a:extLst>
           </p:cNvPr>
@@ -11920,6 +11920,13 @@
   <p:transition spd="med">
     <p:push dir="u"/>
   </p:transition>
+  <p:timing>
+    <p:tnLst>
+      <p:par>
+        <p:cTn id="1" dur="indefinite" restart="never" nodeType="tmRoot"/>
+      </p:par>
+    </p:tnLst>
+  </p:timing>
 </p:sld>
 </file>
 
@@ -12600,7 +12607,7 @@
           <p:cNvPr id="14" name="TextBox 46">
             <a:extLst>
               <a:ext uri="{FF2B5EF4-FFF2-40B4-BE49-F238E27FC236}">
-                <a16:creationId xmlns:a16="http://schemas.microsoft.com/office/drawing/2014/main" id="{038ACC64-63F6-420B-A042-E14A9A7C9394}"/>
+                <a16:creationId xmlns:a16="http://schemas.microsoft.com/office/drawing/2014/main" xmlns="" id="{038ACC64-63F6-420B-A042-E14A9A7C9394}"/>
               </a:ext>
             </a:extLst>
           </p:cNvPr>
@@ -12666,7 +12673,7 @@
           <p:cNvPr id="17" name="文本框 16">
             <a:extLst>
               <a:ext uri="{FF2B5EF4-FFF2-40B4-BE49-F238E27FC236}">
-                <a16:creationId xmlns:a16="http://schemas.microsoft.com/office/drawing/2014/main" id="{E6F4ECFA-13B3-48DE-9E3E-DF7BBDA53533}"/>
+                <a16:creationId xmlns:a16="http://schemas.microsoft.com/office/drawing/2014/main" xmlns="" id="{E6F4ECFA-13B3-48DE-9E3E-DF7BBDA53533}"/>
               </a:ext>
             </a:extLst>
           </p:cNvPr>
@@ -12730,7 +12737,7 @@
           <p:cNvPr id="2" name="矩形 1">
             <a:extLst>
               <a:ext uri="{FF2B5EF4-FFF2-40B4-BE49-F238E27FC236}">
-                <a16:creationId xmlns:a16="http://schemas.microsoft.com/office/drawing/2014/main" id="{4420292E-33FF-4264-AB0D-02351FB20E36}"/>
+                <a16:creationId xmlns:a16="http://schemas.microsoft.com/office/drawing/2014/main" xmlns="" id="{4420292E-33FF-4264-AB0D-02351FB20E36}"/>
               </a:ext>
             </a:extLst>
           </p:cNvPr>
@@ -12800,7 +12807,7 @@
           <p:cNvPr id="18" name="下箭头 32">
             <a:extLst>
               <a:ext uri="{FF2B5EF4-FFF2-40B4-BE49-F238E27FC236}">
-                <a16:creationId xmlns:a16="http://schemas.microsoft.com/office/drawing/2014/main" id="{58C148CE-C64E-469D-8722-275221F9D022}"/>
+                <a16:creationId xmlns:a16="http://schemas.microsoft.com/office/drawing/2014/main" xmlns="" id="{58C148CE-C64E-469D-8722-275221F9D022}"/>
               </a:ext>
             </a:extLst>
           </p:cNvPr>
@@ -12854,7 +12861,7 @@
           <p:cNvPr id="9" name="文本框 8">
             <a:extLst>
               <a:ext uri="{FF2B5EF4-FFF2-40B4-BE49-F238E27FC236}">
-                <a16:creationId xmlns:a16="http://schemas.microsoft.com/office/drawing/2014/main" id="{54F12738-BEC8-4788-993E-3A7BE34EF640}"/>
+                <a16:creationId xmlns:a16="http://schemas.microsoft.com/office/drawing/2014/main" xmlns="" id="{54F12738-BEC8-4788-993E-3A7BE34EF640}"/>
               </a:ext>
             </a:extLst>
           </p:cNvPr>
@@ -12889,7 +12896,7 @@
           <p:cNvPr id="20" name="文本框 19">
             <a:extLst>
               <a:ext uri="{FF2B5EF4-FFF2-40B4-BE49-F238E27FC236}">
-                <a16:creationId xmlns:a16="http://schemas.microsoft.com/office/drawing/2014/main" id="{C2538DF4-FB90-4911-B44A-A6F7C1648B61}"/>
+                <a16:creationId xmlns:a16="http://schemas.microsoft.com/office/drawing/2014/main" xmlns="" id="{C2538DF4-FB90-4911-B44A-A6F7C1648B61}"/>
               </a:ext>
             </a:extLst>
           </p:cNvPr>
@@ -12924,7 +12931,7 @@
           <p:cNvPr id="21" name="文本框 20">
             <a:extLst>
               <a:ext uri="{FF2B5EF4-FFF2-40B4-BE49-F238E27FC236}">
-                <a16:creationId xmlns:a16="http://schemas.microsoft.com/office/drawing/2014/main" id="{1E91F165-E54A-425D-BFAD-F08B52B24551}"/>
+                <a16:creationId xmlns:a16="http://schemas.microsoft.com/office/drawing/2014/main" xmlns="" id="{1E91F165-E54A-425D-BFAD-F08B52B24551}"/>
               </a:ext>
             </a:extLst>
           </p:cNvPr>
@@ -12964,7 +12971,7 @@
           <p:cNvPr id="23" name="矩形 22">
             <a:extLst>
               <a:ext uri="{FF2B5EF4-FFF2-40B4-BE49-F238E27FC236}">
-                <a16:creationId xmlns:a16="http://schemas.microsoft.com/office/drawing/2014/main" id="{D8EC7A10-C9A7-4C09-A9ED-B0400D102A74}"/>
+                <a16:creationId xmlns:a16="http://schemas.microsoft.com/office/drawing/2014/main" xmlns="" id="{D8EC7A10-C9A7-4C09-A9ED-B0400D102A74}"/>
               </a:ext>
             </a:extLst>
           </p:cNvPr>
@@ -13034,7 +13041,7 @@
           <p:cNvPr id="24" name="文本框 23">
             <a:extLst>
               <a:ext uri="{FF2B5EF4-FFF2-40B4-BE49-F238E27FC236}">
-                <a16:creationId xmlns:a16="http://schemas.microsoft.com/office/drawing/2014/main" id="{2657C0C8-F42A-4F20-A478-79138EC817E1}"/>
+                <a16:creationId xmlns:a16="http://schemas.microsoft.com/office/drawing/2014/main" xmlns="" id="{2657C0C8-F42A-4F20-A478-79138EC817E1}"/>
               </a:ext>
             </a:extLst>
           </p:cNvPr>
@@ -13069,7 +13076,7 @@
           <p:cNvPr id="25" name="文本框 24">
             <a:extLst>
               <a:ext uri="{FF2B5EF4-FFF2-40B4-BE49-F238E27FC236}">
-                <a16:creationId xmlns:a16="http://schemas.microsoft.com/office/drawing/2014/main" id="{76C335F0-957C-4BE8-B64D-D2B41BFBEF30}"/>
+                <a16:creationId xmlns:a16="http://schemas.microsoft.com/office/drawing/2014/main" xmlns="" id="{76C335F0-957C-4BE8-B64D-D2B41BFBEF30}"/>
               </a:ext>
             </a:extLst>
           </p:cNvPr>
@@ -13121,7 +13128,7 @@
           <p:cNvPr id="26" name="下箭头 32">
             <a:extLst>
               <a:ext uri="{FF2B5EF4-FFF2-40B4-BE49-F238E27FC236}">
-                <a16:creationId xmlns:a16="http://schemas.microsoft.com/office/drawing/2014/main" id="{31193F67-61DF-4F75-A6E0-14E0AF212675}"/>
+                <a16:creationId xmlns:a16="http://schemas.microsoft.com/office/drawing/2014/main" xmlns="" id="{31193F67-61DF-4F75-A6E0-14E0AF212675}"/>
               </a:ext>
             </a:extLst>
           </p:cNvPr>
@@ -13175,7 +13182,7 @@
           <p:cNvPr id="22" name="文本框 21">
             <a:extLst>
               <a:ext uri="{FF2B5EF4-FFF2-40B4-BE49-F238E27FC236}">
-                <a16:creationId xmlns:a16="http://schemas.microsoft.com/office/drawing/2014/main" id="{E566D48D-20DC-4C7A-B36F-1B2DA1A605C4}"/>
+                <a16:creationId xmlns:a16="http://schemas.microsoft.com/office/drawing/2014/main" xmlns="" id="{E566D48D-20DC-4C7A-B36F-1B2DA1A605C4}"/>
               </a:ext>
             </a:extLst>
           </p:cNvPr>
@@ -13217,7 +13224,7 @@
           <p:cNvPr id="27" name="文本框 26">
             <a:extLst>
               <a:ext uri="{FF2B5EF4-FFF2-40B4-BE49-F238E27FC236}">
-                <a16:creationId xmlns:a16="http://schemas.microsoft.com/office/drawing/2014/main" id="{747D2FD7-951A-415D-87F1-6947B8DB7888}"/>
+                <a16:creationId xmlns:a16="http://schemas.microsoft.com/office/drawing/2014/main" xmlns="" id="{747D2FD7-951A-415D-87F1-6947B8DB7888}"/>
               </a:ext>
             </a:extLst>
           </p:cNvPr>
@@ -13261,7 +13268,7 @@
           <p:cNvPr id="30" name="下箭头 32">
             <a:extLst>
               <a:ext uri="{FF2B5EF4-FFF2-40B4-BE49-F238E27FC236}">
-                <a16:creationId xmlns:a16="http://schemas.microsoft.com/office/drawing/2014/main" id="{EAB50E5D-2EF6-4520-9081-7BBDE39756EE}"/>
+                <a16:creationId xmlns:a16="http://schemas.microsoft.com/office/drawing/2014/main" xmlns="" id="{EAB50E5D-2EF6-4520-9081-7BBDE39756EE}"/>
               </a:ext>
             </a:extLst>
           </p:cNvPr>
@@ -13315,7 +13322,7 @@
           <p:cNvPr id="31" name="文本框 30">
             <a:extLst>
               <a:ext uri="{FF2B5EF4-FFF2-40B4-BE49-F238E27FC236}">
-                <a16:creationId xmlns:a16="http://schemas.microsoft.com/office/drawing/2014/main" id="{C9F2FA20-2F65-41C6-8B08-2023C9261F99}"/>
+                <a16:creationId xmlns:a16="http://schemas.microsoft.com/office/drawing/2014/main" xmlns="" id="{C9F2FA20-2F65-41C6-8B08-2023C9261F99}"/>
               </a:ext>
             </a:extLst>
           </p:cNvPr>
@@ -13364,7 +13371,7 @@
           <p:cNvPr id="32" name="矩形 31">
             <a:extLst>
               <a:ext uri="{FF2B5EF4-FFF2-40B4-BE49-F238E27FC236}">
-                <a16:creationId xmlns:a16="http://schemas.microsoft.com/office/drawing/2014/main" id="{10A05179-4B68-4E00-928A-8BE5394A0437}"/>
+                <a16:creationId xmlns:a16="http://schemas.microsoft.com/office/drawing/2014/main" xmlns="" id="{10A05179-4B68-4E00-928A-8BE5394A0437}"/>
               </a:ext>
             </a:extLst>
           </p:cNvPr>
@@ -13462,6 +13469,13 @@
   <p:transition spd="med">
     <p:push dir="u"/>
   </p:transition>
+  <p:timing>
+    <p:tnLst>
+      <p:par>
+        <p:cTn id="1" dur="indefinite" restart="never" nodeType="tmRoot"/>
+      </p:par>
+    </p:tnLst>
+  </p:timing>
 </p:sld>
 </file>
 
@@ -14142,7 +14156,7 @@
           <p:cNvPr id="14" name="TextBox 46">
             <a:extLst>
               <a:ext uri="{FF2B5EF4-FFF2-40B4-BE49-F238E27FC236}">
-                <a16:creationId xmlns:a16="http://schemas.microsoft.com/office/drawing/2014/main" id="{76E85F30-8AC3-4FC8-961C-DD7C5D54F1B4}"/>
+                <a16:creationId xmlns:a16="http://schemas.microsoft.com/office/drawing/2014/main" xmlns="" id="{76E85F30-8AC3-4FC8-961C-DD7C5D54F1B4}"/>
               </a:ext>
             </a:extLst>
           </p:cNvPr>
@@ -14208,7 +14222,7 @@
           <p:cNvPr id="18" name="椭圆 17">
             <a:extLst>
               <a:ext uri="{FF2B5EF4-FFF2-40B4-BE49-F238E27FC236}">
-                <a16:creationId xmlns:a16="http://schemas.microsoft.com/office/drawing/2014/main" id="{B7B16E4E-68BC-4039-ABFF-F43B5AF56593}"/>
+                <a16:creationId xmlns:a16="http://schemas.microsoft.com/office/drawing/2014/main" xmlns="" id="{B7B16E4E-68BC-4039-ABFF-F43B5AF56593}"/>
               </a:ext>
             </a:extLst>
           </p:cNvPr>
@@ -14268,7 +14282,7 @@
           <p:cNvPr id="19" name="椭圆 18">
             <a:extLst>
               <a:ext uri="{FF2B5EF4-FFF2-40B4-BE49-F238E27FC236}">
-                <a16:creationId xmlns:a16="http://schemas.microsoft.com/office/drawing/2014/main" id="{37A85B23-5DB4-448D-BC63-06003239C69F}"/>
+                <a16:creationId xmlns:a16="http://schemas.microsoft.com/office/drawing/2014/main" xmlns="" id="{37A85B23-5DB4-448D-BC63-06003239C69F}"/>
               </a:ext>
             </a:extLst>
           </p:cNvPr>
@@ -14335,7 +14349,7 @@
           <p:cNvPr id="20" name="椭圆 19">
             <a:extLst>
               <a:ext uri="{FF2B5EF4-FFF2-40B4-BE49-F238E27FC236}">
-                <a16:creationId xmlns:a16="http://schemas.microsoft.com/office/drawing/2014/main" id="{1D722065-9A8B-458D-A298-791A00364630}"/>
+                <a16:creationId xmlns:a16="http://schemas.microsoft.com/office/drawing/2014/main" xmlns="" id="{1D722065-9A8B-458D-A298-791A00364630}"/>
               </a:ext>
             </a:extLst>
           </p:cNvPr>
@@ -14395,7 +14409,7 @@
           <p:cNvPr id="21" name="椭圆 20">
             <a:extLst>
               <a:ext uri="{FF2B5EF4-FFF2-40B4-BE49-F238E27FC236}">
-                <a16:creationId xmlns:a16="http://schemas.microsoft.com/office/drawing/2014/main" id="{B161BB54-4481-4401-B68E-EF1FEC029EB7}"/>
+                <a16:creationId xmlns:a16="http://schemas.microsoft.com/office/drawing/2014/main" xmlns="" id="{B161BB54-4481-4401-B68E-EF1FEC029EB7}"/>
               </a:ext>
             </a:extLst>
           </p:cNvPr>
@@ -14455,7 +14469,7 @@
           <p:cNvPr id="22" name="椭圆 21">
             <a:extLst>
               <a:ext uri="{FF2B5EF4-FFF2-40B4-BE49-F238E27FC236}">
-                <a16:creationId xmlns:a16="http://schemas.microsoft.com/office/drawing/2014/main" id="{0DE1F784-39AB-4F7D-995B-F2E3D99FD6EF}"/>
+                <a16:creationId xmlns:a16="http://schemas.microsoft.com/office/drawing/2014/main" xmlns="" id="{0DE1F784-39AB-4F7D-995B-F2E3D99FD6EF}"/>
               </a:ext>
             </a:extLst>
           </p:cNvPr>
@@ -14515,7 +14529,7 @@
           <p:cNvPr id="23" name="直接箭头连接符 22">
             <a:extLst>
               <a:ext uri="{FF2B5EF4-FFF2-40B4-BE49-F238E27FC236}">
-                <a16:creationId xmlns:a16="http://schemas.microsoft.com/office/drawing/2014/main" id="{950452EA-494C-4E54-AE31-57E6C6DAE04F}"/>
+                <a16:creationId xmlns:a16="http://schemas.microsoft.com/office/drawing/2014/main" xmlns="" id="{950452EA-494C-4E54-AE31-57E6C6DAE04F}"/>
               </a:ext>
             </a:extLst>
           </p:cNvPr>
@@ -14560,7 +14574,7 @@
           <p:cNvPr id="24" name="直接箭头连接符 23">
             <a:extLst>
               <a:ext uri="{FF2B5EF4-FFF2-40B4-BE49-F238E27FC236}">
-                <a16:creationId xmlns:a16="http://schemas.microsoft.com/office/drawing/2014/main" id="{D18624C8-798D-4A01-B56C-752FE874063E}"/>
+                <a16:creationId xmlns:a16="http://schemas.microsoft.com/office/drawing/2014/main" xmlns="" id="{D18624C8-798D-4A01-B56C-752FE874063E}"/>
               </a:ext>
             </a:extLst>
           </p:cNvPr>
@@ -14605,7 +14619,7 @@
           <p:cNvPr id="25" name="下箭头 32">
             <a:extLst>
               <a:ext uri="{FF2B5EF4-FFF2-40B4-BE49-F238E27FC236}">
-                <a16:creationId xmlns:a16="http://schemas.microsoft.com/office/drawing/2014/main" id="{57DF651C-C077-4109-AB1A-3E3B73231054}"/>
+                <a16:creationId xmlns:a16="http://schemas.microsoft.com/office/drawing/2014/main" xmlns="" id="{57DF651C-C077-4109-AB1A-3E3B73231054}"/>
               </a:ext>
             </a:extLst>
           </p:cNvPr>
@@ -14659,7 +14673,7 @@
           <p:cNvPr id="26" name="下箭头 33">
             <a:extLst>
               <a:ext uri="{FF2B5EF4-FFF2-40B4-BE49-F238E27FC236}">
-                <a16:creationId xmlns:a16="http://schemas.microsoft.com/office/drawing/2014/main" id="{721091C1-C5AC-42A8-9B94-3CE5C4D966DA}"/>
+                <a16:creationId xmlns:a16="http://schemas.microsoft.com/office/drawing/2014/main" xmlns="" id="{721091C1-C5AC-42A8-9B94-3CE5C4D966DA}"/>
               </a:ext>
             </a:extLst>
           </p:cNvPr>
@@ -14713,7 +14727,7 @@
           <p:cNvPr id="27" name="虚尾箭头 8">
             <a:extLst>
               <a:ext uri="{FF2B5EF4-FFF2-40B4-BE49-F238E27FC236}">
-                <a16:creationId xmlns:a16="http://schemas.microsoft.com/office/drawing/2014/main" id="{57081B68-1D81-4C1A-8691-0E9EA922F717}"/>
+                <a16:creationId xmlns:a16="http://schemas.microsoft.com/office/drawing/2014/main" xmlns="" id="{57081B68-1D81-4C1A-8691-0E9EA922F717}"/>
               </a:ext>
             </a:extLst>
           </p:cNvPr>
@@ -14767,7 +14781,7 @@
           <p:cNvPr id="2" name="文本框 1">
             <a:extLst>
               <a:ext uri="{FF2B5EF4-FFF2-40B4-BE49-F238E27FC236}">
-                <a16:creationId xmlns:a16="http://schemas.microsoft.com/office/drawing/2014/main" id="{38DDB060-B2D0-4E7F-8E41-09236DB7411A}"/>
+                <a16:creationId xmlns:a16="http://schemas.microsoft.com/office/drawing/2014/main" xmlns="" id="{38DDB060-B2D0-4E7F-8E41-09236DB7411A}"/>
               </a:ext>
             </a:extLst>
           </p:cNvPr>
@@ -14809,7 +14823,7 @@
           <p:cNvPr id="9" name="文本框 8">
             <a:extLst>
               <a:ext uri="{FF2B5EF4-FFF2-40B4-BE49-F238E27FC236}">
-                <a16:creationId xmlns:a16="http://schemas.microsoft.com/office/drawing/2014/main" id="{291919B3-699D-492B-A5D7-2F7763716C66}"/>
+                <a16:creationId xmlns:a16="http://schemas.microsoft.com/office/drawing/2014/main" xmlns="" id="{291919B3-699D-492B-A5D7-2F7763716C66}"/>
               </a:ext>
             </a:extLst>
           </p:cNvPr>
@@ -14851,7 +14865,7 @@
           <p:cNvPr id="29" name="文本框 28">
             <a:extLst>
               <a:ext uri="{FF2B5EF4-FFF2-40B4-BE49-F238E27FC236}">
-                <a16:creationId xmlns:a16="http://schemas.microsoft.com/office/drawing/2014/main" id="{B5BC488E-33AE-48C1-BC65-F00BF29E6C26}"/>
+                <a16:creationId xmlns:a16="http://schemas.microsoft.com/office/drawing/2014/main" xmlns="" id="{B5BC488E-33AE-48C1-BC65-F00BF29E6C26}"/>
               </a:ext>
             </a:extLst>
           </p:cNvPr>
@@ -14900,7 +14914,7 @@
           <p:cNvPr id="30" name="文本框 29">
             <a:extLst>
               <a:ext uri="{FF2B5EF4-FFF2-40B4-BE49-F238E27FC236}">
-                <a16:creationId xmlns:a16="http://schemas.microsoft.com/office/drawing/2014/main" id="{274926F2-3D43-409E-820D-A0FA5EE1433E}"/>
+                <a16:creationId xmlns:a16="http://schemas.microsoft.com/office/drawing/2014/main" xmlns="" id="{274926F2-3D43-409E-820D-A0FA5EE1433E}"/>
               </a:ext>
             </a:extLst>
           </p:cNvPr>
@@ -14942,7 +14956,7 @@
           <p:cNvPr id="31" name="文本框 30">
             <a:extLst>
               <a:ext uri="{FF2B5EF4-FFF2-40B4-BE49-F238E27FC236}">
-                <a16:creationId xmlns:a16="http://schemas.microsoft.com/office/drawing/2014/main" id="{310930CC-3490-4139-9EBA-7A9F8699EEE8}"/>
+                <a16:creationId xmlns:a16="http://schemas.microsoft.com/office/drawing/2014/main" xmlns="" id="{310930CC-3490-4139-9EBA-7A9F8699EEE8}"/>
               </a:ext>
             </a:extLst>
           </p:cNvPr>
@@ -15734,7 +15748,7 @@
           <p:cNvPr id="14" name="TextBox 46">
             <a:extLst>
               <a:ext uri="{FF2B5EF4-FFF2-40B4-BE49-F238E27FC236}">
-                <a16:creationId xmlns:a16="http://schemas.microsoft.com/office/drawing/2014/main" id="{55883CF2-AF6F-490F-8A55-D365665B6802}"/>
+                <a16:creationId xmlns:a16="http://schemas.microsoft.com/office/drawing/2014/main" xmlns="" id="{55883CF2-AF6F-490F-8A55-D365665B6802}"/>
               </a:ext>
             </a:extLst>
           </p:cNvPr>
@@ -15800,7 +15814,7 @@
           <p:cNvPr id="2" name="文本框 1">
             <a:extLst>
               <a:ext uri="{FF2B5EF4-FFF2-40B4-BE49-F238E27FC236}">
-                <a16:creationId xmlns:a16="http://schemas.microsoft.com/office/drawing/2014/main" id="{95ECA6DA-B419-47EC-A2E9-314358DEDCCE}"/>
+                <a16:creationId xmlns:a16="http://schemas.microsoft.com/office/drawing/2014/main" xmlns="" id="{95ECA6DA-B419-47EC-A2E9-314358DEDCCE}"/>
               </a:ext>
             </a:extLst>
           </p:cNvPr>
@@ -15863,7 +15877,7 @@
           <p:cNvPr id="15" name="图片 14">
             <a:extLst>
               <a:ext uri="{FF2B5EF4-FFF2-40B4-BE49-F238E27FC236}">
-                <a16:creationId xmlns:a16="http://schemas.microsoft.com/office/drawing/2014/main" id="{DB2353C9-B125-4CDA-A10A-8A826EB987AF}"/>
+                <a16:creationId xmlns:a16="http://schemas.microsoft.com/office/drawing/2014/main" xmlns="" id="{DB2353C9-B125-4CDA-A10A-8A826EB987AF}"/>
               </a:ext>
             </a:extLst>
           </p:cNvPr>
@@ -15893,7 +15907,7 @@
           <p:cNvPr id="18" name="文本框 17">
             <a:extLst>
               <a:ext uri="{FF2B5EF4-FFF2-40B4-BE49-F238E27FC236}">
-                <a16:creationId xmlns:a16="http://schemas.microsoft.com/office/drawing/2014/main" id="{505937C2-AF81-4708-A5A0-4DA79AFE57F7}"/>
+                <a16:creationId xmlns:a16="http://schemas.microsoft.com/office/drawing/2014/main" xmlns="" id="{505937C2-AF81-4708-A5A0-4DA79AFE57F7}"/>
               </a:ext>
             </a:extLst>
           </p:cNvPr>
@@ -15935,7 +15949,7 @@
           <p:cNvPr id="19" name="下箭头 33">
             <a:extLst>
               <a:ext uri="{FF2B5EF4-FFF2-40B4-BE49-F238E27FC236}">
-                <a16:creationId xmlns:a16="http://schemas.microsoft.com/office/drawing/2014/main" id="{E36EBEC0-3999-46EA-BF2F-7982E559EFCA}"/>
+                <a16:creationId xmlns:a16="http://schemas.microsoft.com/office/drawing/2014/main" xmlns="" id="{E36EBEC0-3999-46EA-BF2F-7982E559EFCA}"/>
               </a:ext>
             </a:extLst>
           </p:cNvPr>
@@ -15989,7 +16003,7 @@
           <p:cNvPr id="20" name="下箭头 33">
             <a:extLst>
               <a:ext uri="{FF2B5EF4-FFF2-40B4-BE49-F238E27FC236}">
-                <a16:creationId xmlns:a16="http://schemas.microsoft.com/office/drawing/2014/main" id="{A032B688-77E3-4E8D-AA1E-AA28BF4CBE8F}"/>
+                <a16:creationId xmlns:a16="http://schemas.microsoft.com/office/drawing/2014/main" xmlns="" id="{A032B688-77E3-4E8D-AA1E-AA28BF4CBE8F}"/>
               </a:ext>
             </a:extLst>
           </p:cNvPr>
@@ -16043,7 +16057,7 @@
           <p:cNvPr id="22" name="矩形 21">
             <a:extLst>
               <a:ext uri="{FF2B5EF4-FFF2-40B4-BE49-F238E27FC236}">
-                <a16:creationId xmlns:a16="http://schemas.microsoft.com/office/drawing/2014/main" id="{5CC3C712-78FC-42AB-9483-273DB1B5C976}"/>
+                <a16:creationId xmlns:a16="http://schemas.microsoft.com/office/drawing/2014/main" xmlns="" id="{5CC3C712-78FC-42AB-9483-273DB1B5C976}"/>
               </a:ext>
             </a:extLst>
           </p:cNvPr>
@@ -16139,7 +16153,7 @@
           <p:cNvPr id="23" name="图片 22">
             <a:extLst>
               <a:ext uri="{FF2B5EF4-FFF2-40B4-BE49-F238E27FC236}">
-                <a16:creationId xmlns:a16="http://schemas.microsoft.com/office/drawing/2014/main" id="{708BBB37-0F81-4419-8A27-031133068451}"/>
+                <a16:creationId xmlns:a16="http://schemas.microsoft.com/office/drawing/2014/main" xmlns="" id="{708BBB37-0F81-4419-8A27-031133068451}"/>
               </a:ext>
             </a:extLst>
           </p:cNvPr>
@@ -18800,7 +18814,7 @@
           <p:cNvPr id="29" name="文本框 28">
             <a:extLst>
               <a:ext uri="{FF2B5EF4-FFF2-40B4-BE49-F238E27FC236}">
-                <a16:creationId xmlns:a16="http://schemas.microsoft.com/office/drawing/2014/main" id="{AD20217F-3D79-48B1-9E12-0CF7277C6B9A}"/>
+                <a16:creationId xmlns:a16="http://schemas.microsoft.com/office/drawing/2014/main" xmlns="" id="{AD20217F-3D79-48B1-9E12-0CF7277C6B9A}"/>
               </a:ext>
             </a:extLst>
           </p:cNvPr>
@@ -20104,7 +20118,7 @@
           <p:cNvPr id="16" name="TextBox 15">
             <a:extLst>
               <a:ext uri="{FF2B5EF4-FFF2-40B4-BE49-F238E27FC236}">
-                <a16:creationId xmlns:a16="http://schemas.microsoft.com/office/drawing/2014/main" id="{6DF13735-4081-4307-8A75-E9E41F37B168}"/>
+                <a16:creationId xmlns:a16="http://schemas.microsoft.com/office/drawing/2014/main" xmlns="" id="{6DF13735-4081-4307-8A75-E9E41F37B168}"/>
               </a:ext>
             </a:extLst>
           </p:cNvPr>
@@ -20873,7 +20887,7 @@
           <p:cNvPr id="2" name="表格 1">
             <a:extLst>
               <a:ext uri="{FF2B5EF4-FFF2-40B4-BE49-F238E27FC236}">
-                <a16:creationId xmlns:a16="http://schemas.microsoft.com/office/drawing/2014/main" id="{529F8A63-27D1-4E30-AF80-F1B9DDB2EBCB}"/>
+                <a16:creationId xmlns:a16="http://schemas.microsoft.com/office/drawing/2014/main" xmlns="" id="{529F8A63-27D1-4E30-AF80-F1B9DDB2EBCB}"/>
               </a:ext>
             </a:extLst>
           </p:cNvPr>
@@ -20902,28 +20916,28 @@
                 <a:gridCol w="1555373">
                   <a:extLst>
                     <a:ext uri="{9D8B030D-6E8A-4147-A177-3AD203B41FA5}">
-                      <a16:colId xmlns:a16="http://schemas.microsoft.com/office/drawing/2014/main" val="3046491277"/>
+                      <a16:colId xmlns:a16="http://schemas.microsoft.com/office/drawing/2014/main" xmlns="" val="3046491277"/>
                     </a:ext>
                   </a:extLst>
                 </a:gridCol>
                 <a:gridCol w="1555373">
                   <a:extLst>
                     <a:ext uri="{9D8B030D-6E8A-4147-A177-3AD203B41FA5}">
-                      <a16:colId xmlns:a16="http://schemas.microsoft.com/office/drawing/2014/main" val="3181357374"/>
+                      <a16:colId xmlns:a16="http://schemas.microsoft.com/office/drawing/2014/main" xmlns="" val="3181357374"/>
                     </a:ext>
                   </a:extLst>
                 </a:gridCol>
                 <a:gridCol w="1555373">
                   <a:extLst>
                     <a:ext uri="{9D8B030D-6E8A-4147-A177-3AD203B41FA5}">
-                      <a16:colId xmlns:a16="http://schemas.microsoft.com/office/drawing/2014/main" val="323473221"/>
+                      <a16:colId xmlns:a16="http://schemas.microsoft.com/office/drawing/2014/main" xmlns="" val="323473221"/>
                     </a:ext>
                   </a:extLst>
                 </a:gridCol>
                 <a:gridCol w="1555373">
                   <a:extLst>
                     <a:ext uri="{9D8B030D-6E8A-4147-A177-3AD203B41FA5}">
-                      <a16:colId xmlns:a16="http://schemas.microsoft.com/office/drawing/2014/main" val="1764454887"/>
+                      <a16:colId xmlns:a16="http://schemas.microsoft.com/office/drawing/2014/main" xmlns="" val="1764454887"/>
                     </a:ext>
                   </a:extLst>
                 </a:gridCol>
@@ -21025,7 +21039,7 @@
                 </a:tc>
                 <a:extLst>
                   <a:ext uri="{0D108BD9-81ED-4DB2-BD59-A6C34878D82A}">
-                    <a16:rowId xmlns:a16="http://schemas.microsoft.com/office/drawing/2014/main" val="3264120260"/>
+                    <a16:rowId xmlns:a16="http://schemas.microsoft.com/office/drawing/2014/main" xmlns="" val="3264120260"/>
                   </a:ext>
                 </a:extLst>
               </a:tr>
@@ -21107,7 +21121,7 @@
                 </a:tc>
                 <a:extLst>
                   <a:ext uri="{0D108BD9-81ED-4DB2-BD59-A6C34878D82A}">
-                    <a16:rowId xmlns:a16="http://schemas.microsoft.com/office/drawing/2014/main" val="693590304"/>
+                    <a16:rowId xmlns:a16="http://schemas.microsoft.com/office/drawing/2014/main" xmlns="" val="693590304"/>
                   </a:ext>
                 </a:extLst>
               </a:tr>
@@ -21189,7 +21203,7 @@
                 </a:tc>
                 <a:extLst>
                   <a:ext uri="{0D108BD9-81ED-4DB2-BD59-A6C34878D82A}">
-                    <a16:rowId xmlns:a16="http://schemas.microsoft.com/office/drawing/2014/main" val="4082461953"/>
+                    <a16:rowId xmlns:a16="http://schemas.microsoft.com/office/drawing/2014/main" xmlns="" val="4082461953"/>
                   </a:ext>
                 </a:extLst>
               </a:tr>
@@ -21271,7 +21285,7 @@
                 </a:tc>
                 <a:extLst>
                   <a:ext uri="{0D108BD9-81ED-4DB2-BD59-A6C34878D82A}">
-                    <a16:rowId xmlns:a16="http://schemas.microsoft.com/office/drawing/2014/main" val="436428789"/>
+                    <a16:rowId xmlns:a16="http://schemas.microsoft.com/office/drawing/2014/main" xmlns="" val="436428789"/>
                   </a:ext>
                 </a:extLst>
               </a:tr>
@@ -21387,7 +21401,7 @@
                 </a:tc>
                 <a:extLst>
                   <a:ext uri="{0D108BD9-81ED-4DB2-BD59-A6C34878D82A}">
-                    <a16:rowId xmlns:a16="http://schemas.microsoft.com/office/drawing/2014/main" val="3443909576"/>
+                    <a16:rowId xmlns:a16="http://schemas.microsoft.com/office/drawing/2014/main" xmlns="" val="3443909576"/>
                   </a:ext>
                 </a:extLst>
               </a:tr>
@@ -21400,7 +21414,7 @@
           <p:cNvPr id="43" name="文本框 42">
             <a:extLst>
               <a:ext uri="{FF2B5EF4-FFF2-40B4-BE49-F238E27FC236}">
-                <a16:creationId xmlns:a16="http://schemas.microsoft.com/office/drawing/2014/main" id="{1E32A157-9103-4EE9-83CC-106ECEEB4640}"/>
+                <a16:creationId xmlns:a16="http://schemas.microsoft.com/office/drawing/2014/main" xmlns="" id="{1E32A157-9103-4EE9-83CC-106ECEEB4640}"/>
               </a:ext>
             </a:extLst>
           </p:cNvPr>
@@ -21442,7 +21456,7 @@
           <p:cNvPr id="45" name="文本框 44">
             <a:extLst>
               <a:ext uri="{FF2B5EF4-FFF2-40B4-BE49-F238E27FC236}">
-                <a16:creationId xmlns:a16="http://schemas.microsoft.com/office/drawing/2014/main" id="{01139506-E134-4BC1-AAEE-241BD364136D}"/>
+                <a16:creationId xmlns:a16="http://schemas.microsoft.com/office/drawing/2014/main" xmlns="" id="{01139506-E134-4BC1-AAEE-241BD364136D}"/>
               </a:ext>
             </a:extLst>
           </p:cNvPr>
@@ -21484,7 +21498,7 @@
           <p:cNvPr id="14" name="图片 13">
             <a:extLst>
               <a:ext uri="{FF2B5EF4-FFF2-40B4-BE49-F238E27FC236}">
-                <a16:creationId xmlns:a16="http://schemas.microsoft.com/office/drawing/2014/main" id="{3CA7271E-F7A3-4190-BBC9-215E5C26F1D2}"/>
+                <a16:creationId xmlns:a16="http://schemas.microsoft.com/office/drawing/2014/main" xmlns="" id="{3CA7271E-F7A3-4190-BBC9-215E5C26F1D2}"/>
               </a:ext>
             </a:extLst>
           </p:cNvPr>
@@ -22202,7 +22216,7 @@
           <p:cNvPr id="33" name="图片 32">
             <a:extLst>
               <a:ext uri="{FF2B5EF4-FFF2-40B4-BE49-F238E27FC236}">
-                <a16:creationId xmlns:a16="http://schemas.microsoft.com/office/drawing/2014/main" id="{9C6813BB-5555-405D-9450-66AB68F4E3E0}"/>
+                <a16:creationId xmlns:a16="http://schemas.microsoft.com/office/drawing/2014/main" xmlns="" id="{9C6813BB-5555-405D-9450-66AB68F4E3E0}"/>
               </a:ext>
             </a:extLst>
           </p:cNvPr>
@@ -22236,7 +22250,7 @@
           <p:cNvPr id="34" name="文本框 33">
             <a:extLst>
               <a:ext uri="{FF2B5EF4-FFF2-40B4-BE49-F238E27FC236}">
-                <a16:creationId xmlns:a16="http://schemas.microsoft.com/office/drawing/2014/main" id="{2B061277-8924-45C2-ABEA-18B51F81A5B0}"/>
+                <a16:creationId xmlns:a16="http://schemas.microsoft.com/office/drawing/2014/main" xmlns="" id="{2B061277-8924-45C2-ABEA-18B51F81A5B0}"/>
               </a:ext>
             </a:extLst>
           </p:cNvPr>
@@ -22292,7 +22306,7 @@
           <p:cNvPr id="19" name="图片 18">
             <a:extLst>
               <a:ext uri="{FF2B5EF4-FFF2-40B4-BE49-F238E27FC236}">
-                <a16:creationId xmlns:a16="http://schemas.microsoft.com/office/drawing/2014/main" id="{CE86F1B3-AD1E-4F6E-81DA-82FB81E6B79D}"/>
+                <a16:creationId xmlns:a16="http://schemas.microsoft.com/office/drawing/2014/main" xmlns="" id="{CE86F1B3-AD1E-4F6E-81DA-82FB81E6B79D}"/>
               </a:ext>
             </a:extLst>
           </p:cNvPr>
@@ -22326,7 +22340,7 @@
           <p:cNvPr id="20" name="文本框 19">
             <a:extLst>
               <a:ext uri="{FF2B5EF4-FFF2-40B4-BE49-F238E27FC236}">
-                <a16:creationId xmlns:a16="http://schemas.microsoft.com/office/drawing/2014/main" id="{1BEED469-1CF8-4109-B300-64C04DB3CEEC}"/>
+                <a16:creationId xmlns:a16="http://schemas.microsoft.com/office/drawing/2014/main" xmlns="" id="{1BEED469-1CF8-4109-B300-64C04DB3CEEC}"/>
               </a:ext>
             </a:extLst>
           </p:cNvPr>
@@ -22382,7 +22396,7 @@
           <p:cNvPr id="24" name="组合 23">
             <a:extLst>
               <a:ext uri="{FF2B5EF4-FFF2-40B4-BE49-F238E27FC236}">
-                <a16:creationId xmlns:a16="http://schemas.microsoft.com/office/drawing/2014/main" id="{2C52F46E-A416-430E-9976-C033F5A0E3D8}"/>
+                <a16:creationId xmlns:a16="http://schemas.microsoft.com/office/drawing/2014/main" xmlns="" id="{2C52F46E-A416-430E-9976-C033F5A0E3D8}"/>
               </a:ext>
             </a:extLst>
           </p:cNvPr>
@@ -22402,7 +22416,7 @@
             <p:cNvPr id="2" name="矩形 1">
               <a:extLst>
                 <a:ext uri="{FF2B5EF4-FFF2-40B4-BE49-F238E27FC236}">
-                  <a16:creationId xmlns:a16="http://schemas.microsoft.com/office/drawing/2014/main" id="{4AD83D79-2F49-4998-A677-A70E36EF1315}"/>
+                  <a16:creationId xmlns:a16="http://schemas.microsoft.com/office/drawing/2014/main" xmlns="" id="{4AD83D79-2F49-4998-A677-A70E36EF1315}"/>
                 </a:ext>
               </a:extLst>
             </p:cNvPr>
@@ -22454,7 +22468,7 @@
             <p:cNvPr id="18" name="矩形 17">
               <a:extLst>
                 <a:ext uri="{FF2B5EF4-FFF2-40B4-BE49-F238E27FC236}">
-                  <a16:creationId xmlns:a16="http://schemas.microsoft.com/office/drawing/2014/main" id="{63CFB48C-33DF-4D3B-B065-1B31E2DB25C2}"/>
+                  <a16:creationId xmlns:a16="http://schemas.microsoft.com/office/drawing/2014/main" xmlns="" id="{63CFB48C-33DF-4D3B-B065-1B31E2DB25C2}"/>
                 </a:ext>
               </a:extLst>
             </p:cNvPr>
@@ -22506,7 +22520,7 @@
             <p:cNvPr id="12" name="直接箭头连接符 11">
               <a:extLst>
                 <a:ext uri="{FF2B5EF4-FFF2-40B4-BE49-F238E27FC236}">
-                  <a16:creationId xmlns:a16="http://schemas.microsoft.com/office/drawing/2014/main" id="{E1937D5A-17C6-4F21-BC1A-FFCC1762F3C6}"/>
+                  <a16:creationId xmlns:a16="http://schemas.microsoft.com/office/drawing/2014/main" xmlns="" id="{E1937D5A-17C6-4F21-BC1A-FFCC1762F3C6}"/>
                 </a:ext>
               </a:extLst>
             </p:cNvPr>
@@ -22550,7 +22564,7 @@
             <p:cNvPr id="23" name="直接箭头连接符 22">
               <a:extLst>
                 <a:ext uri="{FF2B5EF4-FFF2-40B4-BE49-F238E27FC236}">
-                  <a16:creationId xmlns:a16="http://schemas.microsoft.com/office/drawing/2014/main" id="{7EA1ED8F-9FD8-4F48-B7C5-455D94C2D077}"/>
+                  <a16:creationId xmlns:a16="http://schemas.microsoft.com/office/drawing/2014/main" xmlns="" id="{7EA1ED8F-9FD8-4F48-B7C5-455D94C2D077}"/>
                 </a:ext>
               </a:extLst>
             </p:cNvPr>
@@ -22594,7 +22608,7 @@
             <p:cNvPr id="22" name="文本框 21">
               <a:extLst>
                 <a:ext uri="{FF2B5EF4-FFF2-40B4-BE49-F238E27FC236}">
-                  <a16:creationId xmlns:a16="http://schemas.microsoft.com/office/drawing/2014/main" id="{829DFA88-1E87-4E9E-84ED-6A07111FAA66}"/>
+                  <a16:creationId xmlns:a16="http://schemas.microsoft.com/office/drawing/2014/main" xmlns="" id="{829DFA88-1E87-4E9E-84ED-6A07111FAA66}"/>
                 </a:ext>
               </a:extLst>
             </p:cNvPr>
@@ -23480,7 +23494,7 @@
           <p:cNvPr id="19" name="文本框 18">
             <a:extLst>
               <a:ext uri="{FF2B5EF4-FFF2-40B4-BE49-F238E27FC236}">
-                <a16:creationId xmlns:a16="http://schemas.microsoft.com/office/drawing/2014/main" id="{0D82BFAC-BB4C-4ECD-868F-B60624128845}"/>
+                <a16:creationId xmlns:a16="http://schemas.microsoft.com/office/drawing/2014/main" xmlns="" id="{0D82BFAC-BB4C-4ECD-868F-B60624128845}"/>
               </a:ext>
             </a:extLst>
           </p:cNvPr>
@@ -23557,7 +23571,7 @@
           <p:cNvPr id="15" name="图片 14">
             <a:extLst>
               <a:ext uri="{FF2B5EF4-FFF2-40B4-BE49-F238E27FC236}">
-                <a16:creationId xmlns:a16="http://schemas.microsoft.com/office/drawing/2014/main" id="{F1F216F5-99D0-4323-BC1C-9D445E7FF4BE}"/>
+                <a16:creationId xmlns:a16="http://schemas.microsoft.com/office/drawing/2014/main" xmlns="" id="{F1F216F5-99D0-4323-BC1C-9D445E7FF4BE}"/>
               </a:ext>
             </a:extLst>
           </p:cNvPr>
@@ -23587,7 +23601,7 @@
           <p:cNvPr id="20" name="组合 19">
             <a:extLst>
               <a:ext uri="{FF2B5EF4-FFF2-40B4-BE49-F238E27FC236}">
-                <a16:creationId xmlns:a16="http://schemas.microsoft.com/office/drawing/2014/main" id="{8C620BFB-62AA-4A25-B7F5-D24E714BE021}"/>
+                <a16:creationId xmlns:a16="http://schemas.microsoft.com/office/drawing/2014/main" xmlns="" id="{8C620BFB-62AA-4A25-B7F5-D24E714BE021}"/>
               </a:ext>
             </a:extLst>
           </p:cNvPr>
@@ -23607,7 +23621,7 @@
             <p:cNvPr id="17" name="矩形 16">
               <a:extLst>
                 <a:ext uri="{FF2B5EF4-FFF2-40B4-BE49-F238E27FC236}">
-                  <a16:creationId xmlns:a16="http://schemas.microsoft.com/office/drawing/2014/main" id="{6417E2AB-A47C-4FA0-83E6-9B6DDFA50FCE}"/>
+                  <a16:creationId xmlns:a16="http://schemas.microsoft.com/office/drawing/2014/main" xmlns="" id="{6417E2AB-A47C-4FA0-83E6-9B6DDFA50FCE}"/>
                 </a:ext>
               </a:extLst>
             </p:cNvPr>
@@ -23659,7 +23673,7 @@
             <p:cNvPr id="27" name="矩形 26">
               <a:extLst>
                 <a:ext uri="{FF2B5EF4-FFF2-40B4-BE49-F238E27FC236}">
-                  <a16:creationId xmlns:a16="http://schemas.microsoft.com/office/drawing/2014/main" id="{5A56DA1A-9750-4FE4-A853-413CED60EEF2}"/>
+                  <a16:creationId xmlns:a16="http://schemas.microsoft.com/office/drawing/2014/main" xmlns="" id="{5A56DA1A-9750-4FE4-A853-413CED60EEF2}"/>
                 </a:ext>
               </a:extLst>
             </p:cNvPr>
@@ -23711,7 +23725,7 @@
             <p:cNvPr id="28" name="直接箭头连接符 27">
               <a:extLst>
                 <a:ext uri="{FF2B5EF4-FFF2-40B4-BE49-F238E27FC236}">
-                  <a16:creationId xmlns:a16="http://schemas.microsoft.com/office/drawing/2014/main" id="{A6240AF8-4D90-40AF-9E25-7C95B13B7F38}"/>
+                  <a16:creationId xmlns:a16="http://schemas.microsoft.com/office/drawing/2014/main" xmlns="" id="{A6240AF8-4D90-40AF-9E25-7C95B13B7F38}"/>
                 </a:ext>
               </a:extLst>
             </p:cNvPr>
@@ -23755,7 +23769,7 @@
             <p:cNvPr id="29" name="直接箭头连接符 28">
               <a:extLst>
                 <a:ext uri="{FF2B5EF4-FFF2-40B4-BE49-F238E27FC236}">
-                  <a16:creationId xmlns:a16="http://schemas.microsoft.com/office/drawing/2014/main" id="{C35E8E2E-5827-49BA-9815-81C4B1C1BFA8}"/>
+                  <a16:creationId xmlns:a16="http://schemas.microsoft.com/office/drawing/2014/main" xmlns="" id="{C35E8E2E-5827-49BA-9815-81C4B1C1BFA8}"/>
                 </a:ext>
               </a:extLst>
             </p:cNvPr>
@@ -23799,7 +23813,7 @@
             <p:cNvPr id="30" name="文本框 29">
               <a:extLst>
                 <a:ext uri="{FF2B5EF4-FFF2-40B4-BE49-F238E27FC236}">
-                  <a16:creationId xmlns:a16="http://schemas.microsoft.com/office/drawing/2014/main" id="{4FC5A471-AA48-45EC-80F1-78251BDFAB66}"/>
+                  <a16:creationId xmlns:a16="http://schemas.microsoft.com/office/drawing/2014/main" xmlns="" id="{4FC5A471-AA48-45EC-80F1-78251BDFAB66}"/>
                 </a:ext>
               </a:extLst>
             </p:cNvPr>
@@ -24684,7 +24698,7 @@
           <p:cNvPr id="18" name="图片 17">
             <a:extLst>
               <a:ext uri="{FF2B5EF4-FFF2-40B4-BE49-F238E27FC236}">
-                <a16:creationId xmlns:a16="http://schemas.microsoft.com/office/drawing/2014/main" id="{C73F9C32-7C93-416C-BFD7-5485EDC64959}"/>
+                <a16:creationId xmlns:a16="http://schemas.microsoft.com/office/drawing/2014/main" xmlns="" id="{C73F9C32-7C93-416C-BFD7-5485EDC64959}"/>
               </a:ext>
             </a:extLst>
           </p:cNvPr>
@@ -24714,7 +24728,7 @@
           <p:cNvPr id="19" name="文本框 18">
             <a:extLst>
               <a:ext uri="{FF2B5EF4-FFF2-40B4-BE49-F238E27FC236}">
-                <a16:creationId xmlns:a16="http://schemas.microsoft.com/office/drawing/2014/main" id="{0D82BFAC-BB4C-4ECD-868F-B60624128845}"/>
+                <a16:creationId xmlns:a16="http://schemas.microsoft.com/office/drawing/2014/main" xmlns="" id="{0D82BFAC-BB4C-4ECD-868F-B60624128845}"/>
               </a:ext>
             </a:extLst>
           </p:cNvPr>
@@ -24791,7 +24805,7 @@
           <p:cNvPr id="26" name="组合 25">
             <a:extLst>
               <a:ext uri="{FF2B5EF4-FFF2-40B4-BE49-F238E27FC236}">
-                <a16:creationId xmlns:a16="http://schemas.microsoft.com/office/drawing/2014/main" id="{91614314-30B0-47DD-8B99-D0489868A781}"/>
+                <a16:creationId xmlns:a16="http://schemas.microsoft.com/office/drawing/2014/main" xmlns="" id="{91614314-30B0-47DD-8B99-D0489868A781}"/>
               </a:ext>
             </a:extLst>
           </p:cNvPr>
@@ -24811,7 +24825,7 @@
             <p:cNvPr id="2" name="矩形 1">
               <a:extLst>
                 <a:ext uri="{FF2B5EF4-FFF2-40B4-BE49-F238E27FC236}">
-                  <a16:creationId xmlns:a16="http://schemas.microsoft.com/office/drawing/2014/main" id="{8E0DA11D-3BE9-489A-9CDD-1ACB602FC393}"/>
+                  <a16:creationId xmlns:a16="http://schemas.microsoft.com/office/drawing/2014/main" xmlns="" id="{8E0DA11D-3BE9-489A-9CDD-1ACB602FC393}"/>
                 </a:ext>
               </a:extLst>
             </p:cNvPr>
@@ -24863,7 +24877,7 @@
             <p:cNvPr id="21" name="矩形 20">
               <a:extLst>
                 <a:ext uri="{FF2B5EF4-FFF2-40B4-BE49-F238E27FC236}">
-                  <a16:creationId xmlns:a16="http://schemas.microsoft.com/office/drawing/2014/main" id="{40747C36-DD7F-48C8-9819-511282630C51}"/>
+                  <a16:creationId xmlns:a16="http://schemas.microsoft.com/office/drawing/2014/main" xmlns="" id="{40747C36-DD7F-48C8-9819-511282630C51}"/>
                 </a:ext>
               </a:extLst>
             </p:cNvPr>
@@ -24915,7 +24929,7 @@
             <p:cNvPr id="14" name="直接箭头连接符 13">
               <a:extLst>
                 <a:ext uri="{FF2B5EF4-FFF2-40B4-BE49-F238E27FC236}">
-                  <a16:creationId xmlns:a16="http://schemas.microsoft.com/office/drawing/2014/main" id="{F4B10F6E-96A1-4954-992B-933026FB7C4A}"/>
+                  <a16:creationId xmlns:a16="http://schemas.microsoft.com/office/drawing/2014/main" xmlns="" id="{F4B10F6E-96A1-4954-992B-933026FB7C4A}"/>
                 </a:ext>
               </a:extLst>
             </p:cNvPr>
@@ -24959,7 +24973,7 @@
             <p:cNvPr id="25" name="直接箭头连接符 24">
               <a:extLst>
                 <a:ext uri="{FF2B5EF4-FFF2-40B4-BE49-F238E27FC236}">
-                  <a16:creationId xmlns:a16="http://schemas.microsoft.com/office/drawing/2014/main" id="{8441FEE0-13A3-4506-A2DE-B1838BFC00AD}"/>
+                  <a16:creationId xmlns:a16="http://schemas.microsoft.com/office/drawing/2014/main" xmlns="" id="{8441FEE0-13A3-4506-A2DE-B1838BFC00AD}"/>
                 </a:ext>
               </a:extLst>
             </p:cNvPr>
@@ -25003,7 +25017,7 @@
             <p:cNvPr id="24" name="文本框 23">
               <a:extLst>
                 <a:ext uri="{FF2B5EF4-FFF2-40B4-BE49-F238E27FC236}">
-                  <a16:creationId xmlns:a16="http://schemas.microsoft.com/office/drawing/2014/main" id="{97C07B51-A4CF-4C7A-9336-24C37804B626}"/>
+                  <a16:creationId xmlns:a16="http://schemas.microsoft.com/office/drawing/2014/main" xmlns="" id="{97C07B51-A4CF-4C7A-9336-24C37804B626}"/>
                 </a:ext>
               </a:extLst>
             </p:cNvPr>
@@ -27892,6 +27906,13 @@
   <p:transition spd="med">
     <p:push dir="u"/>
   </p:transition>
+  <p:timing>
+    <p:tnLst>
+      <p:par>
+        <p:cTn id="1" dur="indefinite" restart="never" nodeType="tmRoot"/>
+      </p:par>
+    </p:tnLst>
+  </p:timing>
 </p:sld>
 </file>
 
@@ -29335,7 +29356,7 @@
           <p:cNvPr id="2" name="组合 1">
             <a:extLst>
               <a:ext uri="{FF2B5EF4-FFF2-40B4-BE49-F238E27FC236}">
-                <a16:creationId xmlns:a16="http://schemas.microsoft.com/office/drawing/2014/main" id="{64CBD4F7-1657-4E1B-8B15-F33986A04978}"/>
+                <a16:creationId xmlns:a16="http://schemas.microsoft.com/office/drawing/2014/main" xmlns="" id="{64CBD4F7-1657-4E1B-8B15-F33986A04978}"/>
               </a:ext>
             </a:extLst>
           </p:cNvPr>
@@ -29731,7 +29752,7 @@
           <p:cNvPr id="9" name="文本框 8">
             <a:extLst>
               <a:ext uri="{FF2B5EF4-FFF2-40B4-BE49-F238E27FC236}">
-                <a16:creationId xmlns:a16="http://schemas.microsoft.com/office/drawing/2014/main" id="{B5FAEB35-1AB6-458B-910A-804A18C27754}"/>
+                <a16:creationId xmlns:a16="http://schemas.microsoft.com/office/drawing/2014/main" xmlns="" id="{B5FAEB35-1AB6-458B-910A-804A18C27754}"/>
               </a:ext>
             </a:extLst>
           </p:cNvPr>
@@ -29773,7 +29794,7 @@
           <p:cNvPr id="14" name="文本框 13">
             <a:extLst>
               <a:ext uri="{FF2B5EF4-FFF2-40B4-BE49-F238E27FC236}">
-                <a16:creationId xmlns:a16="http://schemas.microsoft.com/office/drawing/2014/main" id="{00C2AEDF-DACA-4E39-BADB-6030CB900A5A}"/>
+                <a16:creationId xmlns:a16="http://schemas.microsoft.com/office/drawing/2014/main" xmlns="" id="{00C2AEDF-DACA-4E39-BADB-6030CB900A5A}"/>
               </a:ext>
             </a:extLst>
           </p:cNvPr>
@@ -34073,7 +34094,7 @@
           <p:cNvPr id="69" name="肘形连接符 5">
             <a:extLst>
               <a:ext uri="{FF2B5EF4-FFF2-40B4-BE49-F238E27FC236}">
-                <a16:creationId xmlns:a16="http://schemas.microsoft.com/office/drawing/2014/main" id="{6E3EF5E8-A41D-4A0C-BA85-13326B1DC03D}"/>
+                <a16:creationId xmlns:a16="http://schemas.microsoft.com/office/drawing/2014/main" xmlns="" id="{6E3EF5E8-A41D-4A0C-BA85-13326B1DC03D}"/>
               </a:ext>
             </a:extLst>
           </p:cNvPr>
@@ -34118,7 +34139,7 @@
           <p:cNvPr id="70" name="圆角矩形 9">
             <a:extLst>
               <a:ext uri="{FF2B5EF4-FFF2-40B4-BE49-F238E27FC236}">
-                <a16:creationId xmlns:a16="http://schemas.microsoft.com/office/drawing/2014/main" id="{42D852E7-3C2A-448D-B660-D5287E9DD131}"/>
+                <a16:creationId xmlns:a16="http://schemas.microsoft.com/office/drawing/2014/main" xmlns="" id="{42D852E7-3C2A-448D-B660-D5287E9DD131}"/>
               </a:ext>
             </a:extLst>
           </p:cNvPr>
@@ -34175,7 +34196,7 @@
           <p:cNvPr id="85" name="组合 84">
             <a:extLst>
               <a:ext uri="{FF2B5EF4-FFF2-40B4-BE49-F238E27FC236}">
-                <a16:creationId xmlns:a16="http://schemas.microsoft.com/office/drawing/2014/main" id="{309E8460-1398-482A-BD98-6C1A326749B7}"/>
+                <a16:creationId xmlns:a16="http://schemas.microsoft.com/office/drawing/2014/main" xmlns="" id="{309E8460-1398-482A-BD98-6C1A326749B7}"/>
               </a:ext>
             </a:extLst>
           </p:cNvPr>
@@ -34195,7 +34216,7 @@
             <p:cNvPr id="89" name="矩形 88">
               <a:extLst>
                 <a:ext uri="{FF2B5EF4-FFF2-40B4-BE49-F238E27FC236}">
-                  <a16:creationId xmlns:a16="http://schemas.microsoft.com/office/drawing/2014/main" id="{94BB0ACF-B73F-4A98-A92D-91A6020DEB66}"/>
+                  <a16:creationId xmlns:a16="http://schemas.microsoft.com/office/drawing/2014/main" xmlns="" id="{94BB0ACF-B73F-4A98-A92D-91A6020DEB66}"/>
                 </a:ext>
               </a:extLst>
             </p:cNvPr>
@@ -34249,7 +34270,7 @@
             <p:cNvPr id="90" name="矩形 89">
               <a:extLst>
                 <a:ext uri="{FF2B5EF4-FFF2-40B4-BE49-F238E27FC236}">
-                  <a16:creationId xmlns:a16="http://schemas.microsoft.com/office/drawing/2014/main" id="{C01BEEAA-419E-4C33-A3F3-1C80240C9D88}"/>
+                  <a16:creationId xmlns:a16="http://schemas.microsoft.com/office/drawing/2014/main" xmlns="" id="{C01BEEAA-419E-4C33-A3F3-1C80240C9D88}"/>
                 </a:ext>
               </a:extLst>
             </p:cNvPr>
@@ -34303,7 +34324,7 @@
             <p:cNvPr id="91" name="矩形 90">
               <a:extLst>
                 <a:ext uri="{FF2B5EF4-FFF2-40B4-BE49-F238E27FC236}">
-                  <a16:creationId xmlns:a16="http://schemas.microsoft.com/office/drawing/2014/main" id="{DC88F859-1FCD-41B9-A987-A212F3488293}"/>
+                  <a16:creationId xmlns:a16="http://schemas.microsoft.com/office/drawing/2014/main" xmlns="" id="{DC88F859-1FCD-41B9-A987-A212F3488293}"/>
                 </a:ext>
               </a:extLst>
             </p:cNvPr>
@@ -34357,7 +34378,7 @@
             <p:cNvPr id="92" name="圆角矩形 3">
               <a:extLst>
                 <a:ext uri="{FF2B5EF4-FFF2-40B4-BE49-F238E27FC236}">
-                  <a16:creationId xmlns:a16="http://schemas.microsoft.com/office/drawing/2014/main" id="{210F8E0A-6B67-4EC6-90CB-E5E347033170}"/>
+                  <a16:creationId xmlns:a16="http://schemas.microsoft.com/office/drawing/2014/main" xmlns="" id="{210F8E0A-6B67-4EC6-90CB-E5E347033170}"/>
                 </a:ext>
               </a:extLst>
             </p:cNvPr>
@@ -34411,7 +34432,7 @@
             <p:cNvPr id="93" name="任意多边形 4">
               <a:extLst>
                 <a:ext uri="{FF2B5EF4-FFF2-40B4-BE49-F238E27FC236}">
-                  <a16:creationId xmlns:a16="http://schemas.microsoft.com/office/drawing/2014/main" id="{2108CCC9-D333-4C9D-A693-9BADC71044DD}"/>
+                  <a16:creationId xmlns:a16="http://schemas.microsoft.com/office/drawing/2014/main" xmlns="" id="{2108CCC9-D333-4C9D-A693-9BADC71044DD}"/>
                 </a:ext>
               </a:extLst>
             </p:cNvPr>
@@ -34517,7 +34538,7 @@
           <p:cNvPr id="94" name="任意多边形 15">
             <a:extLst>
               <a:ext uri="{FF2B5EF4-FFF2-40B4-BE49-F238E27FC236}">
-                <a16:creationId xmlns:a16="http://schemas.microsoft.com/office/drawing/2014/main" id="{3E39BC38-BC17-49EE-8123-7267781440F9}"/>
+                <a16:creationId xmlns:a16="http://schemas.microsoft.com/office/drawing/2014/main" xmlns="" id="{3E39BC38-BC17-49EE-8123-7267781440F9}"/>
               </a:ext>
             </a:extLst>
           </p:cNvPr>
@@ -34846,7 +34867,7 @@
           <p:cNvPr id="85" name="组合 84">
             <a:extLst>
               <a:ext uri="{FF2B5EF4-FFF2-40B4-BE49-F238E27FC236}">
-                <a16:creationId xmlns:a16="http://schemas.microsoft.com/office/drawing/2014/main" id="{D8162933-80C7-42C8-A2E0-ADC5DBE0AAF8}"/>
+                <a16:creationId xmlns:a16="http://schemas.microsoft.com/office/drawing/2014/main" xmlns="" id="{D8162933-80C7-42C8-A2E0-ADC5DBE0AAF8}"/>
               </a:ext>
             </a:extLst>
           </p:cNvPr>
@@ -34866,7 +34887,7 @@
             <p:cNvPr id="90" name="Freeform 5050">
               <a:extLst>
                 <a:ext uri="{FF2B5EF4-FFF2-40B4-BE49-F238E27FC236}">
-                  <a16:creationId xmlns:a16="http://schemas.microsoft.com/office/drawing/2014/main" id="{9ADB6ABD-41B3-417A-8416-AD0BFC1CE24A}"/>
+                  <a16:creationId xmlns:a16="http://schemas.microsoft.com/office/drawing/2014/main" xmlns="" id="{9ADB6ABD-41B3-417A-8416-AD0BFC1CE24A}"/>
                 </a:ext>
               </a:extLst>
             </p:cNvPr>
@@ -35017,7 +35038,7 @@
             <p:cNvPr id="91" name="Freeform 5051">
               <a:extLst>
                 <a:ext uri="{FF2B5EF4-FFF2-40B4-BE49-F238E27FC236}">
-                  <a16:creationId xmlns:a16="http://schemas.microsoft.com/office/drawing/2014/main" id="{E8D57D70-B0E1-4E9B-B3CE-05BDD6C12B01}"/>
+                  <a16:creationId xmlns:a16="http://schemas.microsoft.com/office/drawing/2014/main" xmlns="" id="{E8D57D70-B0E1-4E9B-B3CE-05BDD6C12B01}"/>
                 </a:ext>
               </a:extLst>
             </p:cNvPr>
@@ -35116,7 +35137,7 @@
             <p:cNvPr id="93" name="Freeform 5052">
               <a:extLst>
                 <a:ext uri="{FF2B5EF4-FFF2-40B4-BE49-F238E27FC236}">
-                  <a16:creationId xmlns:a16="http://schemas.microsoft.com/office/drawing/2014/main" id="{F501DBEA-5932-4AAA-91CD-A217B10B86AF}"/>
+                  <a16:creationId xmlns:a16="http://schemas.microsoft.com/office/drawing/2014/main" xmlns="" id="{F501DBEA-5932-4AAA-91CD-A217B10B86AF}"/>
                 </a:ext>
               </a:extLst>
             </p:cNvPr>
@@ -35219,7 +35240,7 @@
             <p:cNvPr id="96" name="Freeform 5053">
               <a:extLst>
                 <a:ext uri="{FF2B5EF4-FFF2-40B4-BE49-F238E27FC236}">
-                  <a16:creationId xmlns:a16="http://schemas.microsoft.com/office/drawing/2014/main" id="{047816D0-B14C-48BB-A4F6-4469FEA87E51}"/>
+                  <a16:creationId xmlns:a16="http://schemas.microsoft.com/office/drawing/2014/main" xmlns="" id="{047816D0-B14C-48BB-A4F6-4469FEA87E51}"/>
                 </a:ext>
               </a:extLst>
             </p:cNvPr>
@@ -35323,7 +35344,7 @@
             <p:cNvPr id="97" name="Freeform 5054">
               <a:extLst>
                 <a:ext uri="{FF2B5EF4-FFF2-40B4-BE49-F238E27FC236}">
-                  <a16:creationId xmlns:a16="http://schemas.microsoft.com/office/drawing/2014/main" id="{491B0594-9A1B-40AB-AD88-B0F95853F3C6}"/>
+                  <a16:creationId xmlns:a16="http://schemas.microsoft.com/office/drawing/2014/main" xmlns="" id="{491B0594-9A1B-40AB-AD88-B0F95853F3C6}"/>
                 </a:ext>
               </a:extLst>
             </p:cNvPr>
@@ -35431,7 +35452,7 @@
             <p:cNvPr id="98" name="Picture 5055">
               <a:extLst>
                 <a:ext uri="{FF2B5EF4-FFF2-40B4-BE49-F238E27FC236}">
-                  <a16:creationId xmlns:a16="http://schemas.microsoft.com/office/drawing/2014/main" id="{A8BB8A95-FBEB-47B5-BCFD-DCD8DFBA8D07}"/>
+                  <a16:creationId xmlns:a16="http://schemas.microsoft.com/office/drawing/2014/main" xmlns="" id="{A8BB8A95-FBEB-47B5-BCFD-DCD8DFBA8D07}"/>
                 </a:ext>
               </a:extLst>
             </p:cNvPr>
@@ -35491,7 +35512,7 @@
             <p:cNvPr id="99" name="Rectangle 5056">
               <a:extLst>
                 <a:ext uri="{FF2B5EF4-FFF2-40B4-BE49-F238E27FC236}">
-                  <a16:creationId xmlns:a16="http://schemas.microsoft.com/office/drawing/2014/main" id="{B84F7221-554D-435D-9F3A-0D81D8A28FE9}"/>
+                  <a16:creationId xmlns:a16="http://schemas.microsoft.com/office/drawing/2014/main" xmlns="" id="{B84F7221-554D-435D-9F3A-0D81D8A28FE9}"/>
                 </a:ext>
               </a:extLst>
             </p:cNvPr>
@@ -35544,7 +35565,7 @@
             <p:cNvPr id="100" name="Rectangle 5057">
               <a:extLst>
                 <a:ext uri="{FF2B5EF4-FFF2-40B4-BE49-F238E27FC236}">
-                  <a16:creationId xmlns:a16="http://schemas.microsoft.com/office/drawing/2014/main" id="{1906CC60-61BE-4164-9811-BF028A047023}"/>
+                  <a16:creationId xmlns:a16="http://schemas.microsoft.com/office/drawing/2014/main" xmlns="" id="{1906CC60-61BE-4164-9811-BF028A047023}"/>
                 </a:ext>
               </a:extLst>
             </p:cNvPr>
@@ -35602,7 +35623,7 @@
             <p:cNvPr id="101" name="Rectangle 5058">
               <a:extLst>
                 <a:ext uri="{FF2B5EF4-FFF2-40B4-BE49-F238E27FC236}">
-                  <a16:creationId xmlns:a16="http://schemas.microsoft.com/office/drawing/2014/main" id="{EE07C14D-5F21-4749-AFAE-A06798A97948}"/>
+                  <a16:creationId xmlns:a16="http://schemas.microsoft.com/office/drawing/2014/main" xmlns="" id="{EE07C14D-5F21-4749-AFAE-A06798A97948}"/>
                 </a:ext>
               </a:extLst>
             </p:cNvPr>
@@ -35655,7 +35676,7 @@
             <p:cNvPr id="103" name="Rectangle 5059">
               <a:extLst>
                 <a:ext uri="{FF2B5EF4-FFF2-40B4-BE49-F238E27FC236}">
-                  <a16:creationId xmlns:a16="http://schemas.microsoft.com/office/drawing/2014/main" id="{9A656733-4C70-47BC-A335-BC8979802F25}"/>
+                  <a16:creationId xmlns:a16="http://schemas.microsoft.com/office/drawing/2014/main" xmlns="" id="{9A656733-4C70-47BC-A335-BC8979802F25}"/>
                 </a:ext>
               </a:extLst>
             </p:cNvPr>
@@ -35713,7 +35734,7 @@
             <p:cNvPr id="112" name="Freeform 5060">
               <a:extLst>
                 <a:ext uri="{FF2B5EF4-FFF2-40B4-BE49-F238E27FC236}">
-                  <a16:creationId xmlns:a16="http://schemas.microsoft.com/office/drawing/2014/main" id="{0BB879EE-0D50-4DDF-9229-3B82D1B6FE75}"/>
+                  <a16:creationId xmlns:a16="http://schemas.microsoft.com/office/drawing/2014/main" xmlns="" id="{0BB879EE-0D50-4DDF-9229-3B82D1B6FE75}"/>
                 </a:ext>
               </a:extLst>
             </p:cNvPr>
@@ -35844,7 +35865,7 @@
             <p:cNvPr id="113" name="Freeform 5061">
               <a:extLst>
                 <a:ext uri="{FF2B5EF4-FFF2-40B4-BE49-F238E27FC236}">
-                  <a16:creationId xmlns:a16="http://schemas.microsoft.com/office/drawing/2014/main" id="{3FD535D1-640A-4D83-ADCE-4409AE7883B9}"/>
+                  <a16:creationId xmlns:a16="http://schemas.microsoft.com/office/drawing/2014/main" xmlns="" id="{3FD535D1-640A-4D83-ADCE-4409AE7883B9}"/>
                 </a:ext>
               </a:extLst>
             </p:cNvPr>
@@ -35965,7 +35986,7 @@
             <p:cNvPr id="114" name="Freeform 5062">
               <a:extLst>
                 <a:ext uri="{FF2B5EF4-FFF2-40B4-BE49-F238E27FC236}">
-                  <a16:creationId xmlns:a16="http://schemas.microsoft.com/office/drawing/2014/main" id="{E257816A-42D7-4F6D-B398-FF814521E646}"/>
+                  <a16:creationId xmlns:a16="http://schemas.microsoft.com/office/drawing/2014/main" xmlns="" id="{E257816A-42D7-4F6D-B398-FF814521E646}"/>
                 </a:ext>
               </a:extLst>
             </p:cNvPr>
@@ -36076,7 +36097,7 @@
             <p:cNvPr id="115" name="Oval 5063">
               <a:extLst>
                 <a:ext uri="{FF2B5EF4-FFF2-40B4-BE49-F238E27FC236}">
-                  <a16:creationId xmlns:a16="http://schemas.microsoft.com/office/drawing/2014/main" id="{2A3491A3-1122-4F0E-897B-6EB1DC4579C4}"/>
+                  <a16:creationId xmlns:a16="http://schemas.microsoft.com/office/drawing/2014/main" xmlns="" id="{2A3491A3-1122-4F0E-897B-6EB1DC4579C4}"/>
                 </a:ext>
               </a:extLst>
             </p:cNvPr>
@@ -36129,7 +36150,7 @@
             <p:cNvPr id="117" name="Freeform 5064">
               <a:extLst>
                 <a:ext uri="{FF2B5EF4-FFF2-40B4-BE49-F238E27FC236}">
-                  <a16:creationId xmlns:a16="http://schemas.microsoft.com/office/drawing/2014/main" id="{1EA1303A-AE7D-4028-8D46-210911E98DAE}"/>
+                  <a16:creationId xmlns:a16="http://schemas.microsoft.com/office/drawing/2014/main" xmlns="" id="{1EA1303A-AE7D-4028-8D46-210911E98DAE}"/>
                 </a:ext>
               </a:extLst>
             </p:cNvPr>
@@ -36226,7 +36247,7 @@
             <p:cNvPr id="118" name="Freeform 5065">
               <a:extLst>
                 <a:ext uri="{FF2B5EF4-FFF2-40B4-BE49-F238E27FC236}">
-                  <a16:creationId xmlns:a16="http://schemas.microsoft.com/office/drawing/2014/main" id="{3BAFA55B-133E-44F7-890B-4977D713FE74}"/>
+                  <a16:creationId xmlns:a16="http://schemas.microsoft.com/office/drawing/2014/main" xmlns="" id="{3BAFA55B-133E-44F7-890B-4977D713FE74}"/>
                 </a:ext>
               </a:extLst>
             </p:cNvPr>
@@ -36527,7 +36548,7 @@
             <p:cNvPr id="119" name="Freeform 5066">
               <a:extLst>
                 <a:ext uri="{FF2B5EF4-FFF2-40B4-BE49-F238E27FC236}">
-                  <a16:creationId xmlns:a16="http://schemas.microsoft.com/office/drawing/2014/main" id="{6BDCDED4-1C0C-472F-AB61-B730ADE4E35B}"/>
+                  <a16:creationId xmlns:a16="http://schemas.microsoft.com/office/drawing/2014/main" xmlns="" id="{6BDCDED4-1C0C-472F-AB61-B730ADE4E35B}"/>
                 </a:ext>
               </a:extLst>
             </p:cNvPr>
@@ -36619,7 +36640,7 @@
             <p:cNvPr id="120" name="Freeform 5067">
               <a:extLst>
                 <a:ext uri="{FF2B5EF4-FFF2-40B4-BE49-F238E27FC236}">
-                  <a16:creationId xmlns:a16="http://schemas.microsoft.com/office/drawing/2014/main" id="{0072E574-DE2D-4CDE-A7B0-64936D01F2CD}"/>
+                  <a16:creationId xmlns:a16="http://schemas.microsoft.com/office/drawing/2014/main" xmlns="" id="{0072E574-DE2D-4CDE-A7B0-64936D01F2CD}"/>
                 </a:ext>
               </a:extLst>
             </p:cNvPr>
@@ -36760,7 +36781,7 @@
             <p:cNvPr id="121" name="Freeform 5068">
               <a:extLst>
                 <a:ext uri="{FF2B5EF4-FFF2-40B4-BE49-F238E27FC236}">
-                  <a16:creationId xmlns:a16="http://schemas.microsoft.com/office/drawing/2014/main" id="{F8E66B8D-81C3-48F7-911E-1111728B53F4}"/>
+                  <a16:creationId xmlns:a16="http://schemas.microsoft.com/office/drawing/2014/main" xmlns="" id="{F8E66B8D-81C3-48F7-911E-1111728B53F4}"/>
                 </a:ext>
               </a:extLst>
             </p:cNvPr>
@@ -36891,7 +36912,7 @@
             <p:cNvPr id="122" name="Freeform 5069">
               <a:extLst>
                 <a:ext uri="{FF2B5EF4-FFF2-40B4-BE49-F238E27FC236}">
-                  <a16:creationId xmlns:a16="http://schemas.microsoft.com/office/drawing/2014/main" id="{9A9E65BF-D6DF-4991-88CB-49B4C4A6A114}"/>
+                  <a16:creationId xmlns:a16="http://schemas.microsoft.com/office/drawing/2014/main" xmlns="" id="{9A9E65BF-D6DF-4991-88CB-49B4C4A6A114}"/>
                 </a:ext>
               </a:extLst>
             </p:cNvPr>
@@ -37022,7 +37043,7 @@
             <p:cNvPr id="123" name="Freeform 5070">
               <a:extLst>
                 <a:ext uri="{FF2B5EF4-FFF2-40B4-BE49-F238E27FC236}">
-                  <a16:creationId xmlns:a16="http://schemas.microsoft.com/office/drawing/2014/main" id="{25EB44D5-DFC4-4722-BE6D-DB0FE6012796}"/>
+                  <a16:creationId xmlns:a16="http://schemas.microsoft.com/office/drawing/2014/main" xmlns="" id="{25EB44D5-DFC4-4722-BE6D-DB0FE6012796}"/>
                 </a:ext>
               </a:extLst>
             </p:cNvPr>
@@ -37133,7 +37154,7 @@
             <p:cNvPr id="124" name="Freeform 5071">
               <a:extLst>
                 <a:ext uri="{FF2B5EF4-FFF2-40B4-BE49-F238E27FC236}">
-                  <a16:creationId xmlns:a16="http://schemas.microsoft.com/office/drawing/2014/main" id="{0F3EABA5-E1F7-4961-9EDB-16536059C5E6}"/>
+                  <a16:creationId xmlns:a16="http://schemas.microsoft.com/office/drawing/2014/main" xmlns="" id="{0F3EABA5-E1F7-4961-9EDB-16536059C5E6}"/>
                 </a:ext>
               </a:extLst>
             </p:cNvPr>
@@ -37274,7 +37295,7 @@
             <p:cNvPr id="125" name="Freeform 5072">
               <a:extLst>
                 <a:ext uri="{FF2B5EF4-FFF2-40B4-BE49-F238E27FC236}">
-                  <a16:creationId xmlns:a16="http://schemas.microsoft.com/office/drawing/2014/main" id="{0124A301-A012-42BB-9E10-98E9E9A0B3E5}"/>
+                  <a16:creationId xmlns:a16="http://schemas.microsoft.com/office/drawing/2014/main" xmlns="" id="{0124A301-A012-42BB-9E10-98E9E9A0B3E5}"/>
                 </a:ext>
               </a:extLst>
             </p:cNvPr>
@@ -37415,7 +37436,7 @@
             <p:cNvPr id="126" name="Freeform 5073">
               <a:extLst>
                 <a:ext uri="{FF2B5EF4-FFF2-40B4-BE49-F238E27FC236}">
-                  <a16:creationId xmlns:a16="http://schemas.microsoft.com/office/drawing/2014/main" id="{6596769E-E520-4263-8FE2-4D1BF279985B}"/>
+                  <a16:creationId xmlns:a16="http://schemas.microsoft.com/office/drawing/2014/main" xmlns="" id="{6596769E-E520-4263-8FE2-4D1BF279985B}"/>
                 </a:ext>
               </a:extLst>
             </p:cNvPr>
@@ -37526,7 +37547,7 @@
             <p:cNvPr id="127" name="Oval 5074">
               <a:extLst>
                 <a:ext uri="{FF2B5EF4-FFF2-40B4-BE49-F238E27FC236}">
-                  <a16:creationId xmlns:a16="http://schemas.microsoft.com/office/drawing/2014/main" id="{D8A6CE1A-FE9F-40C3-BF85-3D8542CD07D4}"/>
+                  <a16:creationId xmlns:a16="http://schemas.microsoft.com/office/drawing/2014/main" xmlns="" id="{D8A6CE1A-FE9F-40C3-BF85-3D8542CD07D4}"/>
                 </a:ext>
               </a:extLst>
             </p:cNvPr>
@@ -37579,7 +37600,7 @@
             <p:cNvPr id="128" name="Freeform 5075">
               <a:extLst>
                 <a:ext uri="{FF2B5EF4-FFF2-40B4-BE49-F238E27FC236}">
-                  <a16:creationId xmlns:a16="http://schemas.microsoft.com/office/drawing/2014/main" id="{5B789EFC-3A44-4E98-948C-EAE3213A182A}"/>
+                  <a16:creationId xmlns:a16="http://schemas.microsoft.com/office/drawing/2014/main" xmlns="" id="{5B789EFC-3A44-4E98-948C-EAE3213A182A}"/>
                 </a:ext>
               </a:extLst>
             </p:cNvPr>
@@ -37708,7 +37729,7 @@
             <p:cNvPr id="129" name="Freeform 5076">
               <a:extLst>
                 <a:ext uri="{FF2B5EF4-FFF2-40B4-BE49-F238E27FC236}">
-                  <a16:creationId xmlns:a16="http://schemas.microsoft.com/office/drawing/2014/main" id="{9A883855-9085-4DCC-807E-D7B67DBAA826}"/>
+                  <a16:creationId xmlns:a16="http://schemas.microsoft.com/office/drawing/2014/main" xmlns="" id="{9A883855-9085-4DCC-807E-D7B67DBAA826}"/>
                 </a:ext>
               </a:extLst>
             </p:cNvPr>
@@ -37971,7 +37992,7 @@
             <p:cNvPr id="130" name="Freeform 5077">
               <a:extLst>
                 <a:ext uri="{FF2B5EF4-FFF2-40B4-BE49-F238E27FC236}">
-                  <a16:creationId xmlns:a16="http://schemas.microsoft.com/office/drawing/2014/main" id="{6850B246-183A-4047-8DF6-634FC8EC8E9E}"/>
+                  <a16:creationId xmlns:a16="http://schemas.microsoft.com/office/drawing/2014/main" xmlns="" id="{6850B246-183A-4047-8DF6-634FC8EC8E9E}"/>
                 </a:ext>
               </a:extLst>
             </p:cNvPr>
@@ -38100,7 +38121,7 @@
             <p:cNvPr id="131" name="Freeform 5078">
               <a:extLst>
                 <a:ext uri="{FF2B5EF4-FFF2-40B4-BE49-F238E27FC236}">
-                  <a16:creationId xmlns:a16="http://schemas.microsoft.com/office/drawing/2014/main" id="{163F6144-EB5F-41C9-8C16-73A4C57075FD}"/>
+                  <a16:creationId xmlns:a16="http://schemas.microsoft.com/office/drawing/2014/main" xmlns="" id="{163F6144-EB5F-41C9-8C16-73A4C57075FD}"/>
                 </a:ext>
               </a:extLst>
             </p:cNvPr>
@@ -38229,7 +38250,7 @@
             <p:cNvPr id="132" name="Freeform 5079">
               <a:extLst>
                 <a:ext uri="{FF2B5EF4-FFF2-40B4-BE49-F238E27FC236}">
-                  <a16:creationId xmlns:a16="http://schemas.microsoft.com/office/drawing/2014/main" id="{0E577277-EA68-4F86-B610-8DA869DD919B}"/>
+                  <a16:creationId xmlns:a16="http://schemas.microsoft.com/office/drawing/2014/main" xmlns="" id="{0E577277-EA68-4F86-B610-8DA869DD919B}"/>
                 </a:ext>
               </a:extLst>
             </p:cNvPr>
@@ -38358,7 +38379,7 @@
             <p:cNvPr id="133" name="Freeform 5080">
               <a:extLst>
                 <a:ext uri="{FF2B5EF4-FFF2-40B4-BE49-F238E27FC236}">
-                  <a16:creationId xmlns:a16="http://schemas.microsoft.com/office/drawing/2014/main" id="{1DF4288A-E70D-430E-A3BE-692E1FA00250}"/>
+                  <a16:creationId xmlns:a16="http://schemas.microsoft.com/office/drawing/2014/main" xmlns="" id="{1DF4288A-E70D-430E-A3BE-692E1FA00250}"/>
                 </a:ext>
               </a:extLst>
             </p:cNvPr>
@@ -38789,7 +38810,7 @@
             <p:cNvPr id="134" name="Rectangle 5081">
               <a:extLst>
                 <a:ext uri="{FF2B5EF4-FFF2-40B4-BE49-F238E27FC236}">
-                  <a16:creationId xmlns:a16="http://schemas.microsoft.com/office/drawing/2014/main" id="{AD2C886A-B357-4C6D-81ED-C897D63B798B}"/>
+                  <a16:creationId xmlns:a16="http://schemas.microsoft.com/office/drawing/2014/main" xmlns="" id="{AD2C886A-B357-4C6D-81ED-C897D63B798B}"/>
                 </a:ext>
               </a:extLst>
             </p:cNvPr>
@@ -38842,7 +38863,7 @@
             <p:cNvPr id="135" name="Rectangle 5082">
               <a:extLst>
                 <a:ext uri="{FF2B5EF4-FFF2-40B4-BE49-F238E27FC236}">
-                  <a16:creationId xmlns:a16="http://schemas.microsoft.com/office/drawing/2014/main" id="{C790A76D-A3D8-4FB2-9A61-E22F19BB9776}"/>
+                  <a16:creationId xmlns:a16="http://schemas.microsoft.com/office/drawing/2014/main" xmlns="" id="{C790A76D-A3D8-4FB2-9A61-E22F19BB9776}"/>
                 </a:ext>
               </a:extLst>
             </p:cNvPr>
@@ -38895,7 +38916,7 @@
             <p:cNvPr id="136" name="Freeform 5083">
               <a:extLst>
                 <a:ext uri="{FF2B5EF4-FFF2-40B4-BE49-F238E27FC236}">
-                  <a16:creationId xmlns:a16="http://schemas.microsoft.com/office/drawing/2014/main" id="{EDC52490-DE64-4728-A1CC-064777A24172}"/>
+                  <a16:creationId xmlns:a16="http://schemas.microsoft.com/office/drawing/2014/main" xmlns="" id="{EDC52490-DE64-4728-A1CC-064777A24172}"/>
                 </a:ext>
               </a:extLst>
             </p:cNvPr>
@@ -39366,7 +39387,7 @@
             <p:cNvPr id="137" name="Freeform 5084">
               <a:extLst>
                 <a:ext uri="{FF2B5EF4-FFF2-40B4-BE49-F238E27FC236}">
-                  <a16:creationId xmlns:a16="http://schemas.microsoft.com/office/drawing/2014/main" id="{455A5C20-1CCC-45E1-9C2A-27E54A95F0CE}"/>
+                  <a16:creationId xmlns:a16="http://schemas.microsoft.com/office/drawing/2014/main" xmlns="" id="{455A5C20-1CCC-45E1-9C2A-27E54A95F0CE}"/>
                 </a:ext>
               </a:extLst>
             </p:cNvPr>
@@ -39479,7 +39500,7 @@
           <p:cNvPr id="2" name="矩形 1">
             <a:extLst>
               <a:ext uri="{FF2B5EF4-FFF2-40B4-BE49-F238E27FC236}">
-                <a16:creationId xmlns:a16="http://schemas.microsoft.com/office/drawing/2014/main" id="{2CD961E7-B027-4695-A439-A77701B45E58}"/>
+                <a16:creationId xmlns:a16="http://schemas.microsoft.com/office/drawing/2014/main" xmlns="" id="{2CD961E7-B027-4695-A439-A77701B45E58}"/>
               </a:ext>
             </a:extLst>
           </p:cNvPr>
@@ -41045,6 +41066,13 @@
   <p:transition spd="med">
     <p:push dir="u"/>
   </p:transition>
+  <p:timing>
+    <p:tnLst>
+      <p:par>
+        <p:cTn id="1" dur="indefinite" restart="never" nodeType="tmRoot"/>
+      </p:par>
+    </p:tnLst>
+  </p:timing>
 </p:sld>
 </file>
 
@@ -42675,6 +42703,13 @@
   <p:transition spd="med">
     <p:push dir="u"/>
   </p:transition>
+  <p:timing>
+    <p:tnLst>
+      <p:par>
+        <p:cTn id="1" dur="indefinite" restart="never" nodeType="tmRoot"/>
+      </p:par>
+    </p:tnLst>
+  </p:timing>
 </p:sld>
 </file>
 
@@ -43525,7 +43560,7 @@
           <p:cNvPr id="41" name="TextBox 61">
             <a:extLst>
               <a:ext uri="{FF2B5EF4-FFF2-40B4-BE49-F238E27FC236}">
-                <a16:creationId xmlns:a16="http://schemas.microsoft.com/office/drawing/2014/main" id="{0BC71808-54A6-4054-83C8-D2934E8E834C}"/>
+                <a16:creationId xmlns:a16="http://schemas.microsoft.com/office/drawing/2014/main" xmlns="" id="{0BC71808-54A6-4054-83C8-D2934E8E834C}"/>
               </a:ext>
             </a:extLst>
           </p:cNvPr>
@@ -43577,7 +43612,7 @@
           <p:cNvPr id="51" name="TextBox 65">
             <a:extLst>
               <a:ext uri="{FF2B5EF4-FFF2-40B4-BE49-F238E27FC236}">
-                <a16:creationId xmlns:a16="http://schemas.microsoft.com/office/drawing/2014/main" id="{BA67980A-A26E-45C6-B6CD-D26B985B4168}"/>
+                <a16:creationId xmlns:a16="http://schemas.microsoft.com/office/drawing/2014/main" xmlns="" id="{BA67980A-A26E-45C6-B6CD-D26B985B4168}"/>
               </a:ext>
             </a:extLst>
           </p:cNvPr>
@@ -43646,7 +43681,7 @@
           <p:cNvPr id="54" name="TextBox 65">
             <a:extLst>
               <a:ext uri="{FF2B5EF4-FFF2-40B4-BE49-F238E27FC236}">
-                <a16:creationId xmlns:a16="http://schemas.microsoft.com/office/drawing/2014/main" id="{02AE4DDF-D462-4148-BAC7-DB93F3D3DD21}"/>
+                <a16:creationId xmlns:a16="http://schemas.microsoft.com/office/drawing/2014/main" xmlns="" id="{02AE4DDF-D462-4148-BAC7-DB93F3D3DD21}"/>
               </a:ext>
             </a:extLst>
           </p:cNvPr>
@@ -43751,6 +43786,13 @@
   <p:transition spd="med">
     <p:push dir="u"/>
   </p:transition>
+  <p:timing>
+    <p:tnLst>
+      <p:par>
+        <p:cTn id="1" dur="indefinite" restart="never" nodeType="tmRoot"/>
+      </p:par>
+    </p:tnLst>
+  </p:timing>
 </p:sld>
 </file>
 
@@ -44416,7 +44458,7 @@
           <p:cNvPr id="2" name="矩形 1">
             <a:extLst>
               <a:ext uri="{FF2B5EF4-FFF2-40B4-BE49-F238E27FC236}">
-                <a16:creationId xmlns:a16="http://schemas.microsoft.com/office/drawing/2014/main" id="{0AA6D2C9-5976-422B-A661-AF060040B2E2}"/>
+                <a16:creationId xmlns:a16="http://schemas.microsoft.com/office/drawing/2014/main" xmlns="" id="{0AA6D2C9-5976-422B-A661-AF060040B2E2}"/>
               </a:ext>
             </a:extLst>
           </p:cNvPr>
@@ -44548,7 +44590,7 @@
           <p:cNvPr id="27" name="TextBox 7">
             <a:extLst>
               <a:ext uri="{FF2B5EF4-FFF2-40B4-BE49-F238E27FC236}">
-                <a16:creationId xmlns:a16="http://schemas.microsoft.com/office/drawing/2014/main" id="{FE1C372A-1ED4-4CDC-B790-1F78510B9C62}"/>
+                <a16:creationId xmlns:a16="http://schemas.microsoft.com/office/drawing/2014/main" xmlns="" id="{FE1C372A-1ED4-4CDC-B790-1F78510B9C62}"/>
               </a:ext>
             </a:extLst>
           </p:cNvPr>
@@ -44586,7 +44628,7 @@
           <p:cNvPr id="9" name="组合 8">
             <a:extLst>
               <a:ext uri="{FF2B5EF4-FFF2-40B4-BE49-F238E27FC236}">
-                <a16:creationId xmlns:a16="http://schemas.microsoft.com/office/drawing/2014/main" id="{4C28100E-A12B-47A9-81BC-806EFFD64E60}"/>
+                <a16:creationId xmlns:a16="http://schemas.microsoft.com/office/drawing/2014/main" xmlns="" id="{4C28100E-A12B-47A9-81BC-806EFFD64E60}"/>
               </a:ext>
             </a:extLst>
           </p:cNvPr>
@@ -44606,7 +44648,7 @@
             <p:cNvPr id="32" name="直接箭头连接符 31">
               <a:extLst>
                 <a:ext uri="{FF2B5EF4-FFF2-40B4-BE49-F238E27FC236}">
-                  <a16:creationId xmlns:a16="http://schemas.microsoft.com/office/drawing/2014/main" id="{CC8EC2C4-01DD-4697-B494-A1E1A9A14F47}"/>
+                  <a16:creationId xmlns:a16="http://schemas.microsoft.com/office/drawing/2014/main" xmlns="" id="{CC8EC2C4-01DD-4697-B494-A1E1A9A14F47}"/>
                 </a:ext>
               </a:extLst>
             </p:cNvPr>
@@ -44652,7 +44694,7 @@
             <p:cNvPr id="33" name="直接箭头连接符 32">
               <a:extLst>
                 <a:ext uri="{FF2B5EF4-FFF2-40B4-BE49-F238E27FC236}">
-                  <a16:creationId xmlns:a16="http://schemas.microsoft.com/office/drawing/2014/main" id="{C3C9D9A9-4FBD-45FC-AD11-95E1F034FABF}"/>
+                  <a16:creationId xmlns:a16="http://schemas.microsoft.com/office/drawing/2014/main" xmlns="" id="{C3C9D9A9-4FBD-45FC-AD11-95E1F034FABF}"/>
                 </a:ext>
               </a:extLst>
             </p:cNvPr>
@@ -44698,7 +44740,7 @@
             <p:cNvPr id="48" name="直接箭头连接符 47">
               <a:extLst>
                 <a:ext uri="{FF2B5EF4-FFF2-40B4-BE49-F238E27FC236}">
-                  <a16:creationId xmlns:a16="http://schemas.microsoft.com/office/drawing/2014/main" id="{04FFC272-FAA7-4626-B9A0-8CFE571CB7E8}"/>
+                  <a16:creationId xmlns:a16="http://schemas.microsoft.com/office/drawing/2014/main" xmlns="" id="{04FFC272-FAA7-4626-B9A0-8CFE571CB7E8}"/>
                 </a:ext>
               </a:extLst>
             </p:cNvPr>
@@ -44744,7 +44786,7 @@
             <p:cNvPr id="50" name="圆角矩形 24">
               <a:extLst>
                 <a:ext uri="{FF2B5EF4-FFF2-40B4-BE49-F238E27FC236}">
-                  <a16:creationId xmlns:a16="http://schemas.microsoft.com/office/drawing/2014/main" id="{C8729CE6-C307-42CB-9901-07527381FAB2}"/>
+                  <a16:creationId xmlns:a16="http://schemas.microsoft.com/office/drawing/2014/main" xmlns="" id="{C8729CE6-C307-42CB-9901-07527381FAB2}"/>
                 </a:ext>
               </a:extLst>
             </p:cNvPr>
@@ -44826,7 +44868,7 @@
             <p:cNvPr id="51" name="圆角矩形 24">
               <a:extLst>
                 <a:ext uri="{FF2B5EF4-FFF2-40B4-BE49-F238E27FC236}">
-                  <a16:creationId xmlns:a16="http://schemas.microsoft.com/office/drawing/2014/main" id="{96082CC1-8126-4D17-869D-F40976CDEF5B}"/>
+                  <a16:creationId xmlns:a16="http://schemas.microsoft.com/office/drawing/2014/main" xmlns="" id="{96082CC1-8126-4D17-869D-F40976CDEF5B}"/>
                 </a:ext>
               </a:extLst>
             </p:cNvPr>
@@ -44908,7 +44950,7 @@
             <p:cNvPr id="8" name="组合 7">
               <a:extLst>
                 <a:ext uri="{FF2B5EF4-FFF2-40B4-BE49-F238E27FC236}">
-                  <a16:creationId xmlns:a16="http://schemas.microsoft.com/office/drawing/2014/main" id="{42EAE014-DF34-4D66-A21C-3F7D03BF9D67}"/>
+                  <a16:creationId xmlns:a16="http://schemas.microsoft.com/office/drawing/2014/main" xmlns="" id="{42EAE014-DF34-4D66-A21C-3F7D03BF9D67}"/>
                 </a:ext>
               </a:extLst>
             </p:cNvPr>
@@ -44928,7 +44970,7 @@
               <p:cNvPr id="44" name="直接箭头连接符 43">
                 <a:extLst>
                   <a:ext uri="{FF2B5EF4-FFF2-40B4-BE49-F238E27FC236}">
-                    <a16:creationId xmlns:a16="http://schemas.microsoft.com/office/drawing/2014/main" id="{E738DA61-C26B-44AC-9C33-7C586BAA6442}"/>
+                    <a16:creationId xmlns:a16="http://schemas.microsoft.com/office/drawing/2014/main" xmlns="" id="{E738DA61-C26B-44AC-9C33-7C586BAA6442}"/>
                   </a:ext>
                 </a:extLst>
               </p:cNvPr>
@@ -44974,7 +45016,7 @@
               <p:cNvPr id="52" name="圆角矩形 24">
                 <a:extLst>
                   <a:ext uri="{FF2B5EF4-FFF2-40B4-BE49-F238E27FC236}">
-                    <a16:creationId xmlns:a16="http://schemas.microsoft.com/office/drawing/2014/main" id="{ED16B0DE-82E7-41D4-B044-A51EFCA392E1}"/>
+                    <a16:creationId xmlns:a16="http://schemas.microsoft.com/office/drawing/2014/main" xmlns="" id="{ED16B0DE-82E7-41D4-B044-A51EFCA392E1}"/>
                   </a:ext>
                 </a:extLst>
               </p:cNvPr>
@@ -45057,7 +45099,7 @@
             <p:cNvPr id="53" name="圆角矩形 24">
               <a:extLst>
                 <a:ext uri="{FF2B5EF4-FFF2-40B4-BE49-F238E27FC236}">
-                  <a16:creationId xmlns:a16="http://schemas.microsoft.com/office/drawing/2014/main" id="{03B6EDBA-56AB-45A1-9AB6-95BEDCF4F9F9}"/>
+                  <a16:creationId xmlns:a16="http://schemas.microsoft.com/office/drawing/2014/main" xmlns="" id="{03B6EDBA-56AB-45A1-9AB6-95BEDCF4F9F9}"/>
                 </a:ext>
               </a:extLst>
             </p:cNvPr>
@@ -45750,6 +45792,13 @@
   <p:transition spd="med">
     <p:push dir="u"/>
   </p:transition>
+  <p:timing>
+    <p:tnLst>
+      <p:par>
+        <p:cTn id="1" dur="indefinite" restart="never" nodeType="tmRoot"/>
+      </p:par>
+    </p:tnLst>
+  </p:timing>
 </p:sld>
 </file>
 
@@ -46497,187 +46546,6 @@
           </a:p>
         </p:txBody>
       </p:sp>
-      <p:sp>
-        <p:nvSpPr>
-          <p:cNvPr id="45" name="TextBox 49"/>
-          <p:cNvSpPr txBox="1">
-            <a:spLocks noChangeArrowheads="1"/>
-          </p:cNvSpPr>
-          <p:nvPr/>
-        </p:nvSpPr>
-        <p:spPr bwMode="auto">
-          <a:xfrm>
-            <a:off x="1361179" y="3144395"/>
-            <a:ext cx="2468936" cy="379448"/>
-          </a:xfrm>
-          <a:prstGeom prst="rect">
-            <a:avLst/>
-          </a:prstGeom>
-          <a:noFill/>
-          <a:ln>
-            <a:noFill/>
-          </a:ln>
-          <a:extLst>
-            <a:ext uri="{909E8E84-426E-40DD-AFC4-6F175D3DCCD1}">
-              <a14:hiddenFill xmlns:a14="http://schemas.microsoft.com/office/drawing/2010/main">
-                <a:solidFill>
-                  <a:srgbClr val="FFFFFF"/>
-                </a:solidFill>
-              </a14:hiddenFill>
-            </a:ext>
-            <a:ext uri="{91240B29-F687-4F45-9708-019B960494DF}">
-              <a14:hiddenLine xmlns:a14="http://schemas.microsoft.com/office/drawing/2010/main" w="9525">
-                <a:solidFill>
-                  <a:srgbClr val="000000"/>
-                </a:solidFill>
-                <a:miter lim="800000"/>
-                <a:headEnd/>
-                <a:tailEnd/>
-              </a14:hiddenLine>
-            </a:ext>
-          </a:extLst>
-        </p:spPr>
-        <p:txBody>
-          <a:bodyPr wrap="none"/>
-          <a:lstStyle>
-            <a:lvl1pPr>
-              <a:defRPr>
-                <a:solidFill>
-                  <a:schemeClr val="tx1"/>
-                </a:solidFill>
-                <a:latin typeface="Arial Narrow" pitchFamily="34" charset="0"/>
-                <a:ea typeface="微软雅黑" pitchFamily="34" charset="-122"/>
-              </a:defRPr>
-            </a:lvl1pPr>
-            <a:lvl2pPr marL="742950" indent="-285750">
-              <a:defRPr>
-                <a:solidFill>
-                  <a:schemeClr val="tx1"/>
-                </a:solidFill>
-                <a:latin typeface="Arial Narrow" pitchFamily="34" charset="0"/>
-                <a:ea typeface="微软雅黑" pitchFamily="34" charset="-122"/>
-              </a:defRPr>
-            </a:lvl2pPr>
-            <a:lvl3pPr marL="1143000" indent="-228600">
-              <a:defRPr>
-                <a:solidFill>
-                  <a:schemeClr val="tx1"/>
-                </a:solidFill>
-                <a:latin typeface="Arial Narrow" pitchFamily="34" charset="0"/>
-                <a:ea typeface="微软雅黑" pitchFamily="34" charset="-122"/>
-              </a:defRPr>
-            </a:lvl3pPr>
-            <a:lvl4pPr marL="1600200" indent="-228600">
-              <a:defRPr>
-                <a:solidFill>
-                  <a:schemeClr val="tx1"/>
-                </a:solidFill>
-                <a:latin typeface="Arial Narrow" pitchFamily="34" charset="0"/>
-                <a:ea typeface="微软雅黑" pitchFamily="34" charset="-122"/>
-              </a:defRPr>
-            </a:lvl4pPr>
-            <a:lvl5pPr marL="2057400" indent="-228600">
-              <a:defRPr>
-                <a:solidFill>
-                  <a:schemeClr val="tx1"/>
-                </a:solidFill>
-                <a:latin typeface="Arial Narrow" pitchFamily="34" charset="0"/>
-                <a:ea typeface="微软雅黑" pitchFamily="34" charset="-122"/>
-              </a:defRPr>
-            </a:lvl5pPr>
-            <a:lvl6pPr marL="2514600" indent="-228600" fontAlgn="base">
-              <a:spcBef>
-                <a:spcPct val="0"/>
-              </a:spcBef>
-              <a:spcAft>
-                <a:spcPct val="0"/>
-              </a:spcAft>
-              <a:defRPr>
-                <a:solidFill>
-                  <a:schemeClr val="tx1"/>
-                </a:solidFill>
-                <a:latin typeface="Arial Narrow" pitchFamily="34" charset="0"/>
-                <a:ea typeface="微软雅黑" pitchFamily="34" charset="-122"/>
-              </a:defRPr>
-            </a:lvl6pPr>
-            <a:lvl7pPr marL="2971800" indent="-228600" fontAlgn="base">
-              <a:spcBef>
-                <a:spcPct val="0"/>
-              </a:spcBef>
-              <a:spcAft>
-                <a:spcPct val="0"/>
-              </a:spcAft>
-              <a:defRPr>
-                <a:solidFill>
-                  <a:schemeClr val="tx1"/>
-                </a:solidFill>
-                <a:latin typeface="Arial Narrow" pitchFamily="34" charset="0"/>
-                <a:ea typeface="微软雅黑" pitchFamily="34" charset="-122"/>
-              </a:defRPr>
-            </a:lvl7pPr>
-            <a:lvl8pPr marL="3429000" indent="-228600" fontAlgn="base">
-              <a:spcBef>
-                <a:spcPct val="0"/>
-              </a:spcBef>
-              <a:spcAft>
-                <a:spcPct val="0"/>
-              </a:spcAft>
-              <a:defRPr>
-                <a:solidFill>
-                  <a:schemeClr val="tx1"/>
-                </a:solidFill>
-                <a:latin typeface="Arial Narrow" pitchFamily="34" charset="0"/>
-                <a:ea typeface="微软雅黑" pitchFamily="34" charset="-122"/>
-              </a:defRPr>
-            </a:lvl8pPr>
-            <a:lvl9pPr marL="3886200" indent="-228600" fontAlgn="base">
-              <a:spcBef>
-                <a:spcPct val="0"/>
-              </a:spcBef>
-              <a:spcAft>
-                <a:spcPct val="0"/>
-              </a:spcAft>
-              <a:defRPr>
-                <a:solidFill>
-                  <a:schemeClr val="tx1"/>
-                </a:solidFill>
-                <a:latin typeface="Arial Narrow" pitchFamily="34" charset="0"/>
-                <a:ea typeface="微软雅黑" pitchFamily="34" charset="-122"/>
-              </a:defRPr>
-            </a:lvl9pPr>
-          </a:lstStyle>
-          <a:p>
-            <a:pPr eaLnBrk="1" hangingPunct="1"/>
-            <a:r>
-              <a:rPr lang="zh-CN" altLang="en-US" sz="1200" dirty="0">
-                <a:solidFill>
-                  <a:srgbClr val="909090"/>
-                </a:solidFill>
-                <a:latin typeface="微软雅黑" pitchFamily="34" charset="-122"/>
-              </a:rPr>
-              <a:t>模式运算量过大，运行前需要</a:t>
-            </a:r>
-            <a:endParaRPr lang="en-US" altLang="zh-CN" sz="1200" dirty="0">
-              <a:solidFill>
-                <a:srgbClr val="909090"/>
-              </a:solidFill>
-              <a:latin typeface="微软雅黑" pitchFamily="34" charset="-122"/>
-            </a:endParaRPr>
-          </a:p>
-          <a:p>
-            <a:pPr eaLnBrk="1" hangingPunct="1"/>
-            <a:r>
-              <a:rPr lang="zh-CN" altLang="en-US" sz="1200" dirty="0">
-                <a:solidFill>
-                  <a:srgbClr val="909090"/>
-                </a:solidFill>
-                <a:latin typeface="微软雅黑" pitchFamily="34" charset="-122"/>
-              </a:rPr>
-              <a:t>先移植到超算中心。</a:t>
-            </a:r>
-          </a:p>
-        </p:txBody>
-      </p:sp>
       <p:cxnSp>
         <p:nvCxnSpPr>
           <p:cNvPr id="46" name="肘形连接符 21"/>
@@ -51609,561 +51477,6 @@
           </a:extLst>
         </p:spPr>
       </p:cxnSp>
-      <p:sp>
-        <p:nvSpPr>
-          <p:cNvPr id="53" name="TextBox 14"/>
-          <p:cNvSpPr txBox="1">
-            <a:spLocks noChangeArrowheads="1"/>
-          </p:cNvSpPr>
-          <p:nvPr/>
-        </p:nvSpPr>
-        <p:spPr bwMode="auto">
-          <a:xfrm>
-            <a:off x="5954099" y="2679541"/>
-            <a:ext cx="1554822" cy="379449"/>
-          </a:xfrm>
-          <a:prstGeom prst="rect">
-            <a:avLst/>
-          </a:prstGeom>
-          <a:noFill/>
-          <a:ln>
-            <a:noFill/>
-          </a:ln>
-          <a:extLst>
-            <a:ext uri="{909E8E84-426E-40DD-AFC4-6F175D3DCCD1}">
-              <a14:hiddenFill xmlns:a14="http://schemas.microsoft.com/office/drawing/2010/main">
-                <a:solidFill>
-                  <a:srgbClr val="FFFFFF"/>
-                </a:solidFill>
-              </a14:hiddenFill>
-            </a:ext>
-            <a:ext uri="{91240B29-F687-4F45-9708-019B960494DF}">
-              <a14:hiddenLine xmlns:a14="http://schemas.microsoft.com/office/drawing/2010/main" w="9525">
-                <a:solidFill>
-                  <a:srgbClr val="000000"/>
-                </a:solidFill>
-                <a:miter lim="800000"/>
-                <a:headEnd/>
-                <a:tailEnd/>
-              </a14:hiddenLine>
-            </a:ext>
-          </a:extLst>
-        </p:spPr>
-        <p:txBody>
-          <a:bodyPr wrap="none"/>
-          <a:lstStyle>
-            <a:lvl1pPr>
-              <a:defRPr>
-                <a:solidFill>
-                  <a:schemeClr val="tx1"/>
-                </a:solidFill>
-                <a:latin typeface="Arial Narrow" pitchFamily="34" charset="0"/>
-                <a:ea typeface="微软雅黑" pitchFamily="34" charset="-122"/>
-              </a:defRPr>
-            </a:lvl1pPr>
-            <a:lvl2pPr marL="742950" indent="-285750">
-              <a:defRPr>
-                <a:solidFill>
-                  <a:schemeClr val="tx1"/>
-                </a:solidFill>
-                <a:latin typeface="Arial Narrow" pitchFamily="34" charset="0"/>
-                <a:ea typeface="微软雅黑" pitchFamily="34" charset="-122"/>
-              </a:defRPr>
-            </a:lvl2pPr>
-            <a:lvl3pPr marL="1143000" indent="-228600">
-              <a:defRPr>
-                <a:solidFill>
-                  <a:schemeClr val="tx1"/>
-                </a:solidFill>
-                <a:latin typeface="Arial Narrow" pitchFamily="34" charset="0"/>
-                <a:ea typeface="微软雅黑" pitchFamily="34" charset="-122"/>
-              </a:defRPr>
-            </a:lvl3pPr>
-            <a:lvl4pPr marL="1600200" indent="-228600">
-              <a:defRPr>
-                <a:solidFill>
-                  <a:schemeClr val="tx1"/>
-                </a:solidFill>
-                <a:latin typeface="Arial Narrow" pitchFamily="34" charset="0"/>
-                <a:ea typeface="微软雅黑" pitchFamily="34" charset="-122"/>
-              </a:defRPr>
-            </a:lvl4pPr>
-            <a:lvl5pPr marL="2057400" indent="-228600">
-              <a:defRPr>
-                <a:solidFill>
-                  <a:schemeClr val="tx1"/>
-                </a:solidFill>
-                <a:latin typeface="Arial Narrow" pitchFamily="34" charset="0"/>
-                <a:ea typeface="微软雅黑" pitchFamily="34" charset="-122"/>
-              </a:defRPr>
-            </a:lvl5pPr>
-            <a:lvl6pPr marL="2514600" indent="-228600" fontAlgn="base">
-              <a:spcBef>
-                <a:spcPct val="0"/>
-              </a:spcBef>
-              <a:spcAft>
-                <a:spcPct val="0"/>
-              </a:spcAft>
-              <a:defRPr>
-                <a:solidFill>
-                  <a:schemeClr val="tx1"/>
-                </a:solidFill>
-                <a:latin typeface="Arial Narrow" pitchFamily="34" charset="0"/>
-                <a:ea typeface="微软雅黑" pitchFamily="34" charset="-122"/>
-              </a:defRPr>
-            </a:lvl6pPr>
-            <a:lvl7pPr marL="2971800" indent="-228600" fontAlgn="base">
-              <a:spcBef>
-                <a:spcPct val="0"/>
-              </a:spcBef>
-              <a:spcAft>
-                <a:spcPct val="0"/>
-              </a:spcAft>
-              <a:defRPr>
-                <a:solidFill>
-                  <a:schemeClr val="tx1"/>
-                </a:solidFill>
-                <a:latin typeface="Arial Narrow" pitchFamily="34" charset="0"/>
-                <a:ea typeface="微软雅黑" pitchFamily="34" charset="-122"/>
-              </a:defRPr>
-            </a:lvl7pPr>
-            <a:lvl8pPr marL="3429000" indent="-228600" fontAlgn="base">
-              <a:spcBef>
-                <a:spcPct val="0"/>
-              </a:spcBef>
-              <a:spcAft>
-                <a:spcPct val="0"/>
-              </a:spcAft>
-              <a:defRPr>
-                <a:solidFill>
-                  <a:schemeClr val="tx1"/>
-                </a:solidFill>
-                <a:latin typeface="Arial Narrow" pitchFamily="34" charset="0"/>
-                <a:ea typeface="微软雅黑" pitchFamily="34" charset="-122"/>
-              </a:defRPr>
-            </a:lvl8pPr>
-            <a:lvl9pPr marL="3886200" indent="-228600" fontAlgn="base">
-              <a:spcBef>
-                <a:spcPct val="0"/>
-              </a:spcBef>
-              <a:spcAft>
-                <a:spcPct val="0"/>
-              </a:spcAft>
-              <a:defRPr>
-                <a:solidFill>
-                  <a:schemeClr val="tx1"/>
-                </a:solidFill>
-                <a:latin typeface="Arial Narrow" pitchFamily="34" charset="0"/>
-                <a:ea typeface="微软雅黑" pitchFamily="34" charset="-122"/>
-              </a:defRPr>
-            </a:lvl9pPr>
-          </a:lstStyle>
-          <a:p>
-            <a:pPr algn="just" eaLnBrk="1" hangingPunct="1"/>
-            <a:r>
-              <a:rPr lang="zh-CN" altLang="en-US" sz="1200" dirty="0">
-                <a:solidFill>
-                  <a:srgbClr val="909090"/>
-                </a:solidFill>
-                <a:latin typeface="微软雅黑" pitchFamily="34" charset="-122"/>
-              </a:rPr>
-              <a:t>模式是在服务器上动态运行的，</a:t>
-            </a:r>
-            <a:endParaRPr lang="en-US" altLang="zh-CN" sz="1200" dirty="0">
-              <a:solidFill>
-                <a:srgbClr val="909090"/>
-              </a:solidFill>
-              <a:latin typeface="微软雅黑" pitchFamily="34" charset="-122"/>
-            </a:endParaRPr>
-          </a:p>
-          <a:p>
-            <a:pPr algn="just" eaLnBrk="1" hangingPunct="1"/>
-            <a:r>
-              <a:rPr lang="zh-CN" altLang="en-US" sz="1200" dirty="0">
-                <a:solidFill>
-                  <a:srgbClr val="909090"/>
-                </a:solidFill>
-                <a:latin typeface="微软雅黑" pitchFamily="34" charset="-122"/>
-              </a:rPr>
-              <a:t>如何实现轮询以及时获得结果。</a:t>
-            </a:r>
-            <a:endParaRPr lang="en-US" altLang="zh-CN" sz="1200" dirty="0">
-              <a:solidFill>
-                <a:srgbClr val="909090"/>
-              </a:solidFill>
-              <a:latin typeface="微软雅黑" pitchFamily="34" charset="-122"/>
-            </a:endParaRPr>
-          </a:p>
-        </p:txBody>
-      </p:sp>
-      <p:sp>
-        <p:nvSpPr>
-          <p:cNvPr id="55" name="TextBox 34"/>
-          <p:cNvSpPr txBox="1">
-            <a:spLocks noChangeArrowheads="1"/>
-          </p:cNvSpPr>
-          <p:nvPr/>
-        </p:nvSpPr>
-        <p:spPr bwMode="auto">
-          <a:xfrm>
-            <a:off x="1677469" y="4385095"/>
-            <a:ext cx="1554822" cy="379448"/>
-          </a:xfrm>
-          <a:prstGeom prst="rect">
-            <a:avLst/>
-          </a:prstGeom>
-          <a:noFill/>
-          <a:ln>
-            <a:noFill/>
-          </a:ln>
-          <a:extLst>
-            <a:ext uri="{909E8E84-426E-40DD-AFC4-6F175D3DCCD1}">
-              <a14:hiddenFill xmlns:a14="http://schemas.microsoft.com/office/drawing/2010/main">
-                <a:solidFill>
-                  <a:srgbClr val="FFFFFF"/>
-                </a:solidFill>
-              </a14:hiddenFill>
-            </a:ext>
-            <a:ext uri="{91240B29-F687-4F45-9708-019B960494DF}">
-              <a14:hiddenLine xmlns:a14="http://schemas.microsoft.com/office/drawing/2010/main" w="9525">
-                <a:solidFill>
-                  <a:srgbClr val="000000"/>
-                </a:solidFill>
-                <a:miter lim="800000"/>
-                <a:headEnd/>
-                <a:tailEnd/>
-              </a14:hiddenLine>
-            </a:ext>
-          </a:extLst>
-        </p:spPr>
-        <p:txBody>
-          <a:bodyPr wrap="none"/>
-          <a:lstStyle>
-            <a:lvl1pPr>
-              <a:defRPr>
-                <a:solidFill>
-                  <a:schemeClr val="tx1"/>
-                </a:solidFill>
-                <a:latin typeface="Arial Narrow" pitchFamily="34" charset="0"/>
-                <a:ea typeface="微软雅黑" pitchFamily="34" charset="-122"/>
-              </a:defRPr>
-            </a:lvl1pPr>
-            <a:lvl2pPr marL="742950" indent="-285750">
-              <a:defRPr>
-                <a:solidFill>
-                  <a:schemeClr val="tx1"/>
-                </a:solidFill>
-                <a:latin typeface="Arial Narrow" pitchFamily="34" charset="0"/>
-                <a:ea typeface="微软雅黑" pitchFamily="34" charset="-122"/>
-              </a:defRPr>
-            </a:lvl2pPr>
-            <a:lvl3pPr marL="1143000" indent="-228600">
-              <a:defRPr>
-                <a:solidFill>
-                  <a:schemeClr val="tx1"/>
-                </a:solidFill>
-                <a:latin typeface="Arial Narrow" pitchFamily="34" charset="0"/>
-                <a:ea typeface="微软雅黑" pitchFamily="34" charset="-122"/>
-              </a:defRPr>
-            </a:lvl3pPr>
-            <a:lvl4pPr marL="1600200" indent="-228600">
-              <a:defRPr>
-                <a:solidFill>
-                  <a:schemeClr val="tx1"/>
-                </a:solidFill>
-                <a:latin typeface="Arial Narrow" pitchFamily="34" charset="0"/>
-                <a:ea typeface="微软雅黑" pitchFamily="34" charset="-122"/>
-              </a:defRPr>
-            </a:lvl4pPr>
-            <a:lvl5pPr marL="2057400" indent="-228600">
-              <a:defRPr>
-                <a:solidFill>
-                  <a:schemeClr val="tx1"/>
-                </a:solidFill>
-                <a:latin typeface="Arial Narrow" pitchFamily="34" charset="0"/>
-                <a:ea typeface="微软雅黑" pitchFamily="34" charset="-122"/>
-              </a:defRPr>
-            </a:lvl5pPr>
-            <a:lvl6pPr marL="2514600" indent="-228600" fontAlgn="base">
-              <a:spcBef>
-                <a:spcPct val="0"/>
-              </a:spcBef>
-              <a:spcAft>
-                <a:spcPct val="0"/>
-              </a:spcAft>
-              <a:defRPr>
-                <a:solidFill>
-                  <a:schemeClr val="tx1"/>
-                </a:solidFill>
-                <a:latin typeface="Arial Narrow" pitchFamily="34" charset="0"/>
-                <a:ea typeface="微软雅黑" pitchFamily="34" charset="-122"/>
-              </a:defRPr>
-            </a:lvl6pPr>
-            <a:lvl7pPr marL="2971800" indent="-228600" fontAlgn="base">
-              <a:spcBef>
-                <a:spcPct val="0"/>
-              </a:spcBef>
-              <a:spcAft>
-                <a:spcPct val="0"/>
-              </a:spcAft>
-              <a:defRPr>
-                <a:solidFill>
-                  <a:schemeClr val="tx1"/>
-                </a:solidFill>
-                <a:latin typeface="Arial Narrow" pitchFamily="34" charset="0"/>
-                <a:ea typeface="微软雅黑" pitchFamily="34" charset="-122"/>
-              </a:defRPr>
-            </a:lvl7pPr>
-            <a:lvl8pPr marL="3429000" indent="-228600" fontAlgn="base">
-              <a:spcBef>
-                <a:spcPct val="0"/>
-              </a:spcBef>
-              <a:spcAft>
-                <a:spcPct val="0"/>
-              </a:spcAft>
-              <a:defRPr>
-                <a:solidFill>
-                  <a:schemeClr val="tx1"/>
-                </a:solidFill>
-                <a:latin typeface="Arial Narrow" pitchFamily="34" charset="0"/>
-                <a:ea typeface="微软雅黑" pitchFamily="34" charset="-122"/>
-              </a:defRPr>
-            </a:lvl8pPr>
-            <a:lvl9pPr marL="3886200" indent="-228600" fontAlgn="base">
-              <a:spcBef>
-                <a:spcPct val="0"/>
-              </a:spcBef>
-              <a:spcAft>
-                <a:spcPct val="0"/>
-              </a:spcAft>
-              <a:defRPr>
-                <a:solidFill>
-                  <a:schemeClr val="tx1"/>
-                </a:solidFill>
-                <a:latin typeface="Arial Narrow" pitchFamily="34" charset="0"/>
-                <a:ea typeface="微软雅黑" pitchFamily="34" charset="-122"/>
-              </a:defRPr>
-            </a:lvl9pPr>
-          </a:lstStyle>
-          <a:p>
-            <a:pPr eaLnBrk="1" hangingPunct="1"/>
-            <a:r>
-              <a:rPr lang="zh-CN" altLang="en-US" sz="1200" dirty="0">
-                <a:solidFill>
-                  <a:srgbClr val="909090"/>
-                </a:solidFill>
-                <a:latin typeface="微软雅黑" pitchFamily="34" charset="-122"/>
-              </a:rPr>
-              <a:t>原始数据维度过高，直接应用</a:t>
-            </a:r>
-            <a:endParaRPr lang="en-US" altLang="zh-CN" sz="1200" dirty="0">
-              <a:solidFill>
-                <a:srgbClr val="909090"/>
-              </a:solidFill>
-              <a:latin typeface="微软雅黑" pitchFamily="34" charset="-122"/>
-            </a:endParaRPr>
-          </a:p>
-          <a:p>
-            <a:pPr eaLnBrk="1" hangingPunct="1"/>
-            <a:r>
-              <a:rPr lang="zh-CN" altLang="en-US" sz="1200" dirty="0">
-                <a:solidFill>
-                  <a:srgbClr val="909090"/>
-                </a:solidFill>
-                <a:latin typeface="微软雅黑" pitchFamily="34" charset="-122"/>
-              </a:rPr>
-              <a:t>智能算法求解难以收敛。</a:t>
-            </a:r>
-          </a:p>
-        </p:txBody>
-      </p:sp>
-      <p:sp>
-        <p:nvSpPr>
-          <p:cNvPr id="57" name="TextBox 36"/>
-          <p:cNvSpPr txBox="1">
-            <a:spLocks noChangeArrowheads="1"/>
-          </p:cNvSpPr>
-          <p:nvPr/>
-        </p:nvSpPr>
-        <p:spPr bwMode="auto">
-          <a:xfrm>
-            <a:off x="5963719" y="4104756"/>
-            <a:ext cx="1554822" cy="379448"/>
-          </a:xfrm>
-          <a:prstGeom prst="rect">
-            <a:avLst/>
-          </a:prstGeom>
-          <a:noFill/>
-          <a:ln>
-            <a:noFill/>
-          </a:ln>
-          <a:extLst>
-            <a:ext uri="{909E8E84-426E-40DD-AFC4-6F175D3DCCD1}">
-              <a14:hiddenFill xmlns:a14="http://schemas.microsoft.com/office/drawing/2010/main">
-                <a:solidFill>
-                  <a:srgbClr val="FFFFFF"/>
-                </a:solidFill>
-              </a14:hiddenFill>
-            </a:ext>
-            <a:ext uri="{91240B29-F687-4F45-9708-019B960494DF}">
-              <a14:hiddenLine xmlns:a14="http://schemas.microsoft.com/office/drawing/2010/main" w="9525">
-                <a:solidFill>
-                  <a:srgbClr val="000000"/>
-                </a:solidFill>
-                <a:miter lim="800000"/>
-                <a:headEnd/>
-                <a:tailEnd/>
-              </a14:hiddenLine>
-            </a:ext>
-          </a:extLst>
-        </p:spPr>
-        <p:txBody>
-          <a:bodyPr wrap="none"/>
-          <a:lstStyle>
-            <a:lvl1pPr>
-              <a:defRPr>
-                <a:solidFill>
-                  <a:schemeClr val="tx1"/>
-                </a:solidFill>
-                <a:latin typeface="Arial Narrow" pitchFamily="34" charset="0"/>
-                <a:ea typeface="微软雅黑" pitchFamily="34" charset="-122"/>
-              </a:defRPr>
-            </a:lvl1pPr>
-            <a:lvl2pPr marL="742950" indent="-285750">
-              <a:defRPr>
-                <a:solidFill>
-                  <a:schemeClr val="tx1"/>
-                </a:solidFill>
-                <a:latin typeface="Arial Narrow" pitchFamily="34" charset="0"/>
-                <a:ea typeface="微软雅黑" pitchFamily="34" charset="-122"/>
-              </a:defRPr>
-            </a:lvl2pPr>
-            <a:lvl3pPr marL="1143000" indent="-228600">
-              <a:defRPr>
-                <a:solidFill>
-                  <a:schemeClr val="tx1"/>
-                </a:solidFill>
-                <a:latin typeface="Arial Narrow" pitchFamily="34" charset="0"/>
-                <a:ea typeface="微软雅黑" pitchFamily="34" charset="-122"/>
-              </a:defRPr>
-            </a:lvl3pPr>
-            <a:lvl4pPr marL="1600200" indent="-228600">
-              <a:defRPr>
-                <a:solidFill>
-                  <a:schemeClr val="tx1"/>
-                </a:solidFill>
-                <a:latin typeface="Arial Narrow" pitchFamily="34" charset="0"/>
-                <a:ea typeface="微软雅黑" pitchFamily="34" charset="-122"/>
-              </a:defRPr>
-            </a:lvl4pPr>
-            <a:lvl5pPr marL="2057400" indent="-228600">
-              <a:defRPr>
-                <a:solidFill>
-                  <a:schemeClr val="tx1"/>
-                </a:solidFill>
-                <a:latin typeface="Arial Narrow" pitchFamily="34" charset="0"/>
-                <a:ea typeface="微软雅黑" pitchFamily="34" charset="-122"/>
-              </a:defRPr>
-            </a:lvl5pPr>
-            <a:lvl6pPr marL="2514600" indent="-228600" fontAlgn="base">
-              <a:spcBef>
-                <a:spcPct val="0"/>
-              </a:spcBef>
-              <a:spcAft>
-                <a:spcPct val="0"/>
-              </a:spcAft>
-              <a:defRPr>
-                <a:solidFill>
-                  <a:schemeClr val="tx1"/>
-                </a:solidFill>
-                <a:latin typeface="Arial Narrow" pitchFamily="34" charset="0"/>
-                <a:ea typeface="微软雅黑" pitchFamily="34" charset="-122"/>
-              </a:defRPr>
-            </a:lvl6pPr>
-            <a:lvl7pPr marL="2971800" indent="-228600" fontAlgn="base">
-              <a:spcBef>
-                <a:spcPct val="0"/>
-              </a:spcBef>
-              <a:spcAft>
-                <a:spcPct val="0"/>
-              </a:spcAft>
-              <a:defRPr>
-                <a:solidFill>
-                  <a:schemeClr val="tx1"/>
-                </a:solidFill>
-                <a:latin typeface="Arial Narrow" pitchFamily="34" charset="0"/>
-                <a:ea typeface="微软雅黑" pitchFamily="34" charset="-122"/>
-              </a:defRPr>
-            </a:lvl7pPr>
-            <a:lvl8pPr marL="3429000" indent="-228600" fontAlgn="base">
-              <a:spcBef>
-                <a:spcPct val="0"/>
-              </a:spcBef>
-              <a:spcAft>
-                <a:spcPct val="0"/>
-              </a:spcAft>
-              <a:defRPr>
-                <a:solidFill>
-                  <a:schemeClr val="tx1"/>
-                </a:solidFill>
-                <a:latin typeface="Arial Narrow" pitchFamily="34" charset="0"/>
-                <a:ea typeface="微软雅黑" pitchFamily="34" charset="-122"/>
-              </a:defRPr>
-            </a:lvl8pPr>
-            <a:lvl9pPr marL="3886200" indent="-228600" fontAlgn="base">
-              <a:spcBef>
-                <a:spcPct val="0"/>
-              </a:spcBef>
-              <a:spcAft>
-                <a:spcPct val="0"/>
-              </a:spcAft>
-              <a:defRPr>
-                <a:solidFill>
-                  <a:schemeClr val="tx1"/>
-                </a:solidFill>
-                <a:latin typeface="Arial Narrow" pitchFamily="34" charset="0"/>
-                <a:ea typeface="微软雅黑" pitchFamily="34" charset="-122"/>
-              </a:defRPr>
-            </a:lvl9pPr>
-          </a:lstStyle>
-          <a:p>
-            <a:pPr algn="just" eaLnBrk="1" hangingPunct="1"/>
-            <a:r>
-              <a:rPr lang="zh-CN" altLang="en-US" sz="1200">
-                <a:solidFill>
-                  <a:srgbClr val="909090"/>
-                </a:solidFill>
-                <a:latin typeface="微软雅黑" pitchFamily="34" charset="-122"/>
-              </a:rPr>
-              <a:t>如何判断结果，其是</a:t>
-            </a:r>
-            <a:endParaRPr lang="en-US" altLang="zh-CN" sz="1200">
-              <a:solidFill>
-                <a:srgbClr val="909090"/>
-              </a:solidFill>
-              <a:latin typeface="微软雅黑" pitchFamily="34" charset="-122"/>
-            </a:endParaRPr>
-          </a:p>
-          <a:p>
-            <a:pPr algn="just" eaLnBrk="1" hangingPunct="1"/>
-            <a:r>
-              <a:rPr lang="zh-CN" altLang="en-US" sz="1200">
-                <a:solidFill>
-                  <a:srgbClr val="909090"/>
-                </a:solidFill>
-                <a:latin typeface="微软雅黑" pitchFamily="34" charset="-122"/>
-              </a:rPr>
-              <a:t>否为最快增长初始误差？</a:t>
-            </a:r>
-            <a:endParaRPr lang="zh-CN" altLang="en-US" sz="1200" dirty="0">
-              <a:solidFill>
-                <a:srgbClr val="909090"/>
-              </a:solidFill>
-              <a:latin typeface="微软雅黑" pitchFamily="34" charset="-122"/>
-            </a:endParaRPr>
-          </a:p>
-        </p:txBody>
-      </p:sp>
       <p:cxnSp>
         <p:nvCxnSpPr>
           <p:cNvPr id="58" name="直接连接符 34"/>
@@ -52464,6 +51777,13 @@
   <p:transition spd="med">
     <p:push dir="u"/>
   </p:transition>
+  <p:timing>
+    <p:tnLst>
+      <p:par>
+        <p:cTn id="1" dur="indefinite" restart="never" nodeType="tmRoot"/>
+      </p:par>
+    </p:tnLst>
+  </p:timing>
 </p:sld>
 </file>
 
@@ -53149,7 +52469,7 @@
           <p:cNvPr id="31" name="TextBox 46">
             <a:extLst>
               <a:ext uri="{FF2B5EF4-FFF2-40B4-BE49-F238E27FC236}">
-                <a16:creationId xmlns:a16="http://schemas.microsoft.com/office/drawing/2014/main" id="{18A57166-29B5-42C1-8CC5-9A0A1F8B67CA}"/>
+                <a16:creationId xmlns:a16="http://schemas.microsoft.com/office/drawing/2014/main" xmlns="" id="{18A57166-29B5-42C1-8CC5-9A0A1F8B67CA}"/>
               </a:ext>
             </a:extLst>
           </p:cNvPr>
@@ -53215,7 +52535,7 @@
           <p:cNvPr id="17" name="椭圆 16">
             <a:extLst>
               <a:ext uri="{FF2B5EF4-FFF2-40B4-BE49-F238E27FC236}">
-                <a16:creationId xmlns:a16="http://schemas.microsoft.com/office/drawing/2014/main" id="{85111A73-AD6B-469F-9E88-C81FF847F1FE}"/>
+                <a16:creationId xmlns:a16="http://schemas.microsoft.com/office/drawing/2014/main" xmlns="" id="{85111A73-AD6B-469F-9E88-C81FF847F1FE}"/>
               </a:ext>
             </a:extLst>
           </p:cNvPr>
@@ -53275,7 +52595,7 @@
           <p:cNvPr id="20" name="椭圆 19">
             <a:extLst>
               <a:ext uri="{FF2B5EF4-FFF2-40B4-BE49-F238E27FC236}">
-                <a16:creationId xmlns:a16="http://schemas.microsoft.com/office/drawing/2014/main" id="{CA08FD24-B804-45B3-BBF1-380A318C5622}"/>
+                <a16:creationId xmlns:a16="http://schemas.microsoft.com/office/drawing/2014/main" xmlns="" id="{CA08FD24-B804-45B3-BBF1-380A318C5622}"/>
               </a:ext>
             </a:extLst>
           </p:cNvPr>
@@ -53335,7 +52655,7 @@
           <p:cNvPr id="21" name="TextBox 18">
             <a:extLst>
               <a:ext uri="{FF2B5EF4-FFF2-40B4-BE49-F238E27FC236}">
-                <a16:creationId xmlns:a16="http://schemas.microsoft.com/office/drawing/2014/main" id="{CD21A070-833C-4A7F-BE73-0F85BA03B90C}"/>
+                <a16:creationId xmlns:a16="http://schemas.microsoft.com/office/drawing/2014/main" xmlns="" id="{CD21A070-833C-4A7F-BE73-0F85BA03B90C}"/>
               </a:ext>
             </a:extLst>
           </p:cNvPr>
@@ -53401,7 +52721,7 @@
           <p:cNvPr id="38" name="椭圆 37">
             <a:extLst>
               <a:ext uri="{FF2B5EF4-FFF2-40B4-BE49-F238E27FC236}">
-                <a16:creationId xmlns:a16="http://schemas.microsoft.com/office/drawing/2014/main" id="{132A8913-20CA-4D97-8E93-ACC422FDE821}"/>
+                <a16:creationId xmlns:a16="http://schemas.microsoft.com/office/drawing/2014/main" xmlns="" id="{132A8913-20CA-4D97-8E93-ACC422FDE821}"/>
               </a:ext>
             </a:extLst>
           </p:cNvPr>
@@ -53461,7 +52781,7 @@
           <p:cNvPr id="40" name="直接箭头连接符 39">
             <a:extLst>
               <a:ext uri="{FF2B5EF4-FFF2-40B4-BE49-F238E27FC236}">
-                <a16:creationId xmlns:a16="http://schemas.microsoft.com/office/drawing/2014/main" id="{544B5F2B-8D8C-4128-B4EA-F16956397889}"/>
+                <a16:creationId xmlns:a16="http://schemas.microsoft.com/office/drawing/2014/main" xmlns="" id="{544B5F2B-8D8C-4128-B4EA-F16956397889}"/>
               </a:ext>
             </a:extLst>
           </p:cNvPr>
@@ -53508,7 +52828,7 @@
           <p:cNvPr id="43" name="文本框 42">
             <a:extLst>
               <a:ext uri="{FF2B5EF4-FFF2-40B4-BE49-F238E27FC236}">
-                <a16:creationId xmlns:a16="http://schemas.microsoft.com/office/drawing/2014/main" id="{7FD6F372-8778-42EF-8FC4-382C660CC451}"/>
+                <a16:creationId xmlns:a16="http://schemas.microsoft.com/office/drawing/2014/main" xmlns="" id="{7FD6F372-8778-42EF-8FC4-382C660CC451}"/>
               </a:ext>
             </a:extLst>
           </p:cNvPr>
@@ -53550,7 +52870,7 @@
           <p:cNvPr id="44" name="椭圆 43">
             <a:extLst>
               <a:ext uri="{FF2B5EF4-FFF2-40B4-BE49-F238E27FC236}">
-                <a16:creationId xmlns:a16="http://schemas.microsoft.com/office/drawing/2014/main" id="{2B2FD749-3DD4-4550-9193-04E8779A7557}"/>
+                <a16:creationId xmlns:a16="http://schemas.microsoft.com/office/drawing/2014/main" xmlns="" id="{2B2FD749-3DD4-4550-9193-04E8779A7557}"/>
               </a:ext>
             </a:extLst>
           </p:cNvPr>
@@ -53610,7 +52930,7 @@
           <p:cNvPr id="45" name="直接箭头连接符 44">
             <a:extLst>
               <a:ext uri="{FF2B5EF4-FFF2-40B4-BE49-F238E27FC236}">
-                <a16:creationId xmlns:a16="http://schemas.microsoft.com/office/drawing/2014/main" id="{2CA35CF2-E632-46CD-8162-BEDF1EB2D190}"/>
+                <a16:creationId xmlns:a16="http://schemas.microsoft.com/office/drawing/2014/main" xmlns="" id="{2CA35CF2-E632-46CD-8162-BEDF1EB2D190}"/>
               </a:ext>
             </a:extLst>
           </p:cNvPr>
@@ -53657,7 +52977,7 @@
           <p:cNvPr id="47" name="椭圆 46">
             <a:extLst>
               <a:ext uri="{FF2B5EF4-FFF2-40B4-BE49-F238E27FC236}">
-                <a16:creationId xmlns:a16="http://schemas.microsoft.com/office/drawing/2014/main" id="{0F6F6D76-DCF7-43CE-83B4-10367064A8A1}"/>
+                <a16:creationId xmlns:a16="http://schemas.microsoft.com/office/drawing/2014/main" xmlns="" id="{0F6F6D76-DCF7-43CE-83B4-10367064A8A1}"/>
               </a:ext>
             </a:extLst>
           </p:cNvPr>
@@ -53717,7 +53037,7 @@
           <p:cNvPr id="52" name="椭圆 51">
             <a:extLst>
               <a:ext uri="{FF2B5EF4-FFF2-40B4-BE49-F238E27FC236}">
-                <a16:creationId xmlns:a16="http://schemas.microsoft.com/office/drawing/2014/main" id="{A1E7B33C-E090-4135-A887-0D73F237B35A}"/>
+                <a16:creationId xmlns:a16="http://schemas.microsoft.com/office/drawing/2014/main" xmlns="" id="{A1E7B33C-E090-4135-A887-0D73F237B35A}"/>
               </a:ext>
             </a:extLst>
           </p:cNvPr>
@@ -53777,7 +53097,7 @@
           <p:cNvPr id="59" name="直接箭头连接符 58">
             <a:extLst>
               <a:ext uri="{FF2B5EF4-FFF2-40B4-BE49-F238E27FC236}">
-                <a16:creationId xmlns:a16="http://schemas.microsoft.com/office/drawing/2014/main" id="{4D95AD33-E381-4C49-9BDB-46C92B7DFAF8}"/>
+                <a16:creationId xmlns:a16="http://schemas.microsoft.com/office/drawing/2014/main" xmlns="" id="{4D95AD33-E381-4C49-9BDB-46C92B7DFAF8}"/>
               </a:ext>
             </a:extLst>
           </p:cNvPr>
@@ -53824,7 +53144,7 @@
           <p:cNvPr id="61" name="直接箭头连接符 60">
             <a:extLst>
               <a:ext uri="{FF2B5EF4-FFF2-40B4-BE49-F238E27FC236}">
-                <a16:creationId xmlns:a16="http://schemas.microsoft.com/office/drawing/2014/main" id="{5380B8CA-B47E-46AA-A0FF-E953E7DE4232}"/>
+                <a16:creationId xmlns:a16="http://schemas.microsoft.com/office/drawing/2014/main" xmlns="" id="{5380B8CA-B47E-46AA-A0FF-E953E7DE4232}"/>
               </a:ext>
             </a:extLst>
           </p:cNvPr>
@@ -53871,7 +53191,7 @@
           <p:cNvPr id="65" name="直接箭头连接符 64">
             <a:extLst>
               <a:ext uri="{FF2B5EF4-FFF2-40B4-BE49-F238E27FC236}">
-                <a16:creationId xmlns:a16="http://schemas.microsoft.com/office/drawing/2014/main" id="{90295542-F75D-4871-AC20-2B5264C7F62F}"/>
+                <a16:creationId xmlns:a16="http://schemas.microsoft.com/office/drawing/2014/main" xmlns="" id="{90295542-F75D-4871-AC20-2B5264C7F62F}"/>
               </a:ext>
             </a:extLst>
           </p:cNvPr>
@@ -53926,6 +53246,13 @@
   <p:transition spd="med">
     <p:push dir="u"/>
   </p:transition>
+  <p:timing>
+    <p:tnLst>
+      <p:par>
+        <p:cTn id="1" dur="indefinite" restart="never" nodeType="tmRoot"/>
+      </p:par>
+    </p:tnLst>
+  </p:timing>
 </p:sld>
 </file>
 

--- a/FinalPaper/毕业答辩.pptx
+++ b/FinalPaper/毕业答辩.pptx
@@ -5,7 +5,7 @@
     <p:sldMasterId id="2147483696" r:id="rId1"/>
   </p:sldMasterIdLst>
   <p:notesMasterIdLst>
-    <p:notesMasterId r:id="rId25"/>
+    <p:notesMasterId r:id="rId26"/>
   </p:notesMasterIdLst>
   <p:sldIdLst>
     <p:sldId id="295" r:id="rId2"/>
@@ -25,17 +25,18 @@
     <p:sldId id="285" r:id="rId16"/>
     <p:sldId id="283" r:id="rId17"/>
     <p:sldId id="284" r:id="rId18"/>
-    <p:sldId id="305" r:id="rId19"/>
-    <p:sldId id="304" r:id="rId20"/>
-    <p:sldId id="292" r:id="rId21"/>
-    <p:sldId id="293" r:id="rId22"/>
-    <p:sldId id="303" r:id="rId23"/>
-    <p:sldId id="302" r:id="rId24"/>
+    <p:sldId id="306" r:id="rId19"/>
+    <p:sldId id="305" r:id="rId20"/>
+    <p:sldId id="304" r:id="rId21"/>
+    <p:sldId id="292" r:id="rId22"/>
+    <p:sldId id="293" r:id="rId23"/>
+    <p:sldId id="303" r:id="rId24"/>
+    <p:sldId id="302" r:id="rId25"/>
   </p:sldIdLst>
   <p:sldSz cx="9144000" cy="6858000" type="screen4x3"/>
   <p:notesSz cx="6858000" cy="9144000"/>
   <p:custDataLst>
-    <p:tags r:id="rId26"/>
+    <p:tags r:id="rId27"/>
   </p:custDataLst>
   <p:defaultTextStyle>
     <a:defPPr>
@@ -237,7 +238,7 @@
           <a:p>
             <a:fld id="{3BAE5F92-84F3-453A-A2D0-DF016B3E2CD2}" type="datetimeFigureOut">
               <a:rPr lang="zh-CN" altLang="en-US" smtClean="0"/>
-              <a:t>2017/6/5</a:t>
+              <a:t>2017/6/6</a:t>
             </a:fld>
             <a:endParaRPr lang="zh-CN" altLang="en-US"/>
           </a:p>
@@ -1334,7 +1335,7 @@
     </p:spTree>
     <p:extLst>
       <p:ext uri="{BB962C8B-B14F-4D97-AF65-F5344CB8AC3E}">
-        <p14:creationId xmlns:p14="http://schemas.microsoft.com/office/powerpoint/2010/main" val="2459754872"/>
+        <p14:creationId xmlns:p14="http://schemas.microsoft.com/office/powerpoint/2010/main" val="1912598675"/>
       </p:ext>
     </p:extLst>
   </p:cSld>
@@ -1418,7 +1419,7 @@
     </p:spTree>
     <p:extLst>
       <p:ext uri="{BB962C8B-B14F-4D97-AF65-F5344CB8AC3E}">
-        <p14:creationId xmlns:p14="http://schemas.microsoft.com/office/powerpoint/2010/main" val="2882732469"/>
+        <p14:creationId xmlns:p14="http://schemas.microsoft.com/office/powerpoint/2010/main" val="2459754872"/>
       </p:ext>
     </p:extLst>
   </p:cSld>
@@ -1586,7 +1587,7 @@
     </p:spTree>
     <p:extLst>
       <p:ext uri="{BB962C8B-B14F-4D97-AF65-F5344CB8AC3E}">
-        <p14:creationId xmlns:p14="http://schemas.microsoft.com/office/powerpoint/2010/main" val="1929178683"/>
+        <p14:creationId xmlns:p14="http://schemas.microsoft.com/office/powerpoint/2010/main" val="2882732469"/>
       </p:ext>
     </p:extLst>
   </p:cSld>
@@ -1670,7 +1671,7 @@
     </p:spTree>
     <p:extLst>
       <p:ext uri="{BB962C8B-B14F-4D97-AF65-F5344CB8AC3E}">
-        <p14:creationId xmlns:p14="http://schemas.microsoft.com/office/powerpoint/2010/main" val="1131837639"/>
+        <p14:creationId xmlns:p14="http://schemas.microsoft.com/office/powerpoint/2010/main" val="1929178683"/>
       </p:ext>
     </p:extLst>
   </p:cSld>
@@ -1724,7 +1725,7 @@
           <a:bodyPr/>
           <a:lstStyle/>
           <a:p>
-            <a:endParaRPr lang="zh-CN" altLang="en-US" dirty="0"/>
+            <a:endParaRPr lang="zh-CN" altLang="en-US"/>
           </a:p>
         </p:txBody>
       </p:sp>
@@ -1754,7 +1755,7 @@
     </p:spTree>
     <p:extLst>
       <p:ext uri="{BB962C8B-B14F-4D97-AF65-F5344CB8AC3E}">
-        <p14:creationId xmlns:p14="http://schemas.microsoft.com/office/powerpoint/2010/main" val="3177658496"/>
+        <p14:creationId xmlns:p14="http://schemas.microsoft.com/office/powerpoint/2010/main" val="1131837639"/>
       </p:ext>
     </p:extLst>
   </p:cSld>
@@ -1830,6 +1831,90 @@
             <a:fld id="{231D8317-3E66-4CBC-B0CB-E0D7DB0EAD7C}" type="slidenum">
               <a:rPr lang="zh-CN" altLang="en-US" smtClean="0"/>
               <a:t>22</a:t>
+            </a:fld>
+            <a:endParaRPr lang="zh-CN" altLang="en-US"/>
+          </a:p>
+        </p:txBody>
+      </p:sp>
+    </p:spTree>
+    <p:extLst>
+      <p:ext uri="{BB962C8B-B14F-4D97-AF65-F5344CB8AC3E}">
+        <p14:creationId xmlns:p14="http://schemas.microsoft.com/office/powerpoint/2010/main" val="3177658496"/>
+      </p:ext>
+    </p:extLst>
+  </p:cSld>
+  <p:clrMapOvr>
+    <a:masterClrMapping/>
+  </p:clrMapOvr>
+</p:notes>
+</file>
+
+<file path=ppt/notesSlides/notesSlide24.xml><?xml version="1.0" encoding="utf-8"?>
+<p:notes xmlns:a="http://schemas.openxmlformats.org/drawingml/2006/main" xmlns:r="http://schemas.openxmlformats.org/officeDocument/2006/relationships" xmlns:p="http://schemas.openxmlformats.org/presentationml/2006/main">
+  <p:cSld>
+    <p:spTree>
+      <p:nvGrpSpPr>
+        <p:cNvPr id="1" name=""/>
+        <p:cNvGrpSpPr/>
+        <p:nvPr/>
+      </p:nvGrpSpPr>
+      <p:grpSpPr>
+        <a:xfrm>
+          <a:off x="0" y="0"/>
+          <a:ext cx="0" cy="0"/>
+          <a:chOff x="0" y="0"/>
+          <a:chExt cx="0" cy="0"/>
+        </a:xfrm>
+      </p:grpSpPr>
+      <p:sp>
+        <p:nvSpPr>
+          <p:cNvPr id="2" name="幻灯片图像占位符 1"/>
+          <p:cNvSpPr>
+            <a:spLocks noGrp="1" noRot="1" noChangeAspect="1"/>
+          </p:cNvSpPr>
+          <p:nvPr>
+            <p:ph type="sldImg"/>
+          </p:nvPr>
+        </p:nvSpPr>
+        <p:spPr/>
+      </p:sp>
+      <p:sp>
+        <p:nvSpPr>
+          <p:cNvPr id="3" name="备注占位符 2"/>
+          <p:cNvSpPr>
+            <a:spLocks noGrp="1"/>
+          </p:cNvSpPr>
+          <p:nvPr>
+            <p:ph type="body" idx="1"/>
+          </p:nvPr>
+        </p:nvSpPr>
+        <p:spPr/>
+        <p:txBody>
+          <a:bodyPr/>
+          <a:lstStyle/>
+          <a:p>
+            <a:endParaRPr lang="zh-CN" altLang="en-US" dirty="0"/>
+          </a:p>
+        </p:txBody>
+      </p:sp>
+      <p:sp>
+        <p:nvSpPr>
+          <p:cNvPr id="4" name="灯片编号占位符 3"/>
+          <p:cNvSpPr>
+            <a:spLocks noGrp="1"/>
+          </p:cNvSpPr>
+          <p:nvPr>
+            <p:ph type="sldNum" sz="quarter" idx="10"/>
+          </p:nvPr>
+        </p:nvSpPr>
+        <p:spPr/>
+        <p:txBody>
+          <a:bodyPr/>
+          <a:lstStyle/>
+          <a:p>
+            <a:fld id="{231D8317-3E66-4CBC-B0CB-E0D7DB0EAD7C}" type="slidenum">
+              <a:rPr lang="zh-CN" altLang="en-US" smtClean="0"/>
+              <a:t>23</a:t>
             </a:fld>
             <a:endParaRPr lang="zh-CN" altLang="en-US"/>
           </a:p>
@@ -2615,7 +2700,7 @@
           <a:p>
             <a:fld id="{530820CF-B880-4189-942D-D702A7CBA730}" type="datetimeFigureOut">
               <a:rPr lang="zh-CN" altLang="en-US" smtClean="0"/>
-              <a:t>2017/6/5</a:t>
+              <a:t>2017/6/6</a:t>
             </a:fld>
             <a:endParaRPr lang="zh-CN" altLang="en-US"/>
           </a:p>
@@ -2786,7 +2871,7 @@
           <a:p>
             <a:fld id="{530820CF-B880-4189-942D-D702A7CBA730}" type="datetimeFigureOut">
               <a:rPr lang="zh-CN" altLang="en-US" smtClean="0"/>
-              <a:t>2017/6/5</a:t>
+              <a:t>2017/6/6</a:t>
             </a:fld>
             <a:endParaRPr lang="zh-CN" altLang="en-US"/>
           </a:p>
@@ -2967,7 +3052,7 @@
           <a:p>
             <a:fld id="{530820CF-B880-4189-942D-D702A7CBA730}" type="datetimeFigureOut">
               <a:rPr lang="zh-CN" altLang="en-US" smtClean="0"/>
-              <a:t>2017/6/5</a:t>
+              <a:t>2017/6/6</a:t>
             </a:fld>
             <a:endParaRPr lang="zh-CN" altLang="en-US"/>
           </a:p>
@@ -3138,7 +3223,7 @@
           <a:p>
             <a:fld id="{530820CF-B880-4189-942D-D702A7CBA730}" type="datetimeFigureOut">
               <a:rPr lang="zh-CN" altLang="en-US" smtClean="0"/>
-              <a:t>2017/6/5</a:t>
+              <a:t>2017/6/6</a:t>
             </a:fld>
             <a:endParaRPr lang="zh-CN" altLang="en-US"/>
           </a:p>
@@ -3386,7 +3471,7 @@
           <a:p>
             <a:fld id="{530820CF-B880-4189-942D-D702A7CBA730}" type="datetimeFigureOut">
               <a:rPr lang="zh-CN" altLang="en-US" smtClean="0"/>
-              <a:t>2017/6/5</a:t>
+              <a:t>2017/6/6</a:t>
             </a:fld>
             <a:endParaRPr lang="zh-CN" altLang="en-US"/>
           </a:p>
@@ -3674,7 +3759,7 @@
           <a:p>
             <a:fld id="{530820CF-B880-4189-942D-D702A7CBA730}" type="datetimeFigureOut">
               <a:rPr lang="zh-CN" altLang="en-US" smtClean="0"/>
-              <a:t>2017/6/5</a:t>
+              <a:t>2017/6/6</a:t>
             </a:fld>
             <a:endParaRPr lang="zh-CN" altLang="en-US"/>
           </a:p>
@@ -4096,7 +4181,7 @@
           <a:p>
             <a:fld id="{530820CF-B880-4189-942D-D702A7CBA730}" type="datetimeFigureOut">
               <a:rPr lang="zh-CN" altLang="en-US" smtClean="0"/>
-              <a:t>2017/6/5</a:t>
+              <a:t>2017/6/6</a:t>
             </a:fld>
             <a:endParaRPr lang="zh-CN" altLang="en-US"/>
           </a:p>
@@ -4216,7 +4301,7 @@
           <a:p>
             <a:fld id="{530820CF-B880-4189-942D-D702A7CBA730}" type="datetimeFigureOut">
               <a:rPr lang="zh-CN" altLang="en-US" smtClean="0"/>
-              <a:t>2017/6/5</a:t>
+              <a:t>2017/6/6</a:t>
             </a:fld>
             <a:endParaRPr lang="zh-CN" altLang="en-US"/>
           </a:p>
@@ -4314,7 +4399,7 @@
           <a:p>
             <a:fld id="{530820CF-B880-4189-942D-D702A7CBA730}" type="datetimeFigureOut">
               <a:rPr lang="zh-CN" altLang="en-US" smtClean="0"/>
-              <a:t>2017/6/5</a:t>
+              <a:t>2017/6/6</a:t>
             </a:fld>
             <a:endParaRPr lang="zh-CN" altLang="en-US"/>
           </a:p>
@@ -4592,7 +4677,7 @@
           <a:p>
             <a:fld id="{530820CF-B880-4189-942D-D702A7CBA730}" type="datetimeFigureOut">
               <a:rPr lang="zh-CN" altLang="en-US" smtClean="0"/>
-              <a:t>2017/6/5</a:t>
+              <a:t>2017/6/6</a:t>
             </a:fld>
             <a:endParaRPr lang="zh-CN" altLang="en-US"/>
           </a:p>
@@ -4847,7 +4932,7 @@
           <a:p>
             <a:fld id="{530820CF-B880-4189-942D-D702A7CBA730}" type="datetimeFigureOut">
               <a:rPr lang="zh-CN" altLang="en-US" smtClean="0"/>
-              <a:t>2017/6/5</a:t>
+              <a:t>2017/6/6</a:t>
             </a:fld>
             <a:endParaRPr lang="zh-CN" altLang="en-US"/>
           </a:p>
@@ -5061,7 +5146,7 @@
           <a:p>
             <a:fld id="{530820CF-B880-4189-942D-D702A7CBA730}" type="datetimeFigureOut">
               <a:rPr lang="zh-CN" altLang="en-US" smtClean="0"/>
-              <a:t>2017/6/5</a:t>
+              <a:t>2017/6/6</a:t>
             </a:fld>
             <a:endParaRPr lang="zh-CN" altLang="en-US"/>
           </a:p>
@@ -9955,7 +10040,7 @@
           <p:cNvPr id="116" name="直接连接符 115">
             <a:extLst>
               <a:ext uri="{FF2B5EF4-FFF2-40B4-BE49-F238E27FC236}">
-                <a16:creationId xmlns:a16="http://schemas.microsoft.com/office/drawing/2014/main" xmlns="" id="{935B4380-C8CD-4AEE-BFB0-D8B729F00EFC}"/>
+                <a16:creationId xmlns:a16="http://schemas.microsoft.com/office/drawing/2014/main" id="{935B4380-C8CD-4AEE-BFB0-D8B729F00EFC}"/>
               </a:ext>
             </a:extLst>
           </p:cNvPr>
@@ -10001,7 +10086,7 @@
           <p:cNvPr id="89" name="Freeform 325">
             <a:extLst>
               <a:ext uri="{FF2B5EF4-FFF2-40B4-BE49-F238E27FC236}">
-                <a16:creationId xmlns:a16="http://schemas.microsoft.com/office/drawing/2014/main" xmlns="" id="{68C0778E-22E1-4C0C-A17B-06709E6DAB2F}"/>
+                <a16:creationId xmlns:a16="http://schemas.microsoft.com/office/drawing/2014/main" id="{68C0778E-22E1-4C0C-A17B-06709E6DAB2F}"/>
               </a:ext>
             </a:extLst>
           </p:cNvPr>
@@ -10609,7 +10694,7 @@
           <p:cNvPr id="92" name="Freeform 312">
             <a:extLst>
               <a:ext uri="{FF2B5EF4-FFF2-40B4-BE49-F238E27FC236}">
-                <a16:creationId xmlns:a16="http://schemas.microsoft.com/office/drawing/2014/main" xmlns="" id="{2A1B9DA8-986D-41A5-BF6C-668C33AF0106}"/>
+                <a16:creationId xmlns:a16="http://schemas.microsoft.com/office/drawing/2014/main" id="{2A1B9DA8-986D-41A5-BF6C-668C33AF0106}"/>
               </a:ext>
             </a:extLst>
           </p:cNvPr>
@@ -11613,7 +11698,7 @@
           <p:cNvPr id="94" name="Freeform 121">
             <a:extLst>
               <a:ext uri="{FF2B5EF4-FFF2-40B4-BE49-F238E27FC236}">
-                <a16:creationId xmlns:a16="http://schemas.microsoft.com/office/drawing/2014/main" xmlns="" id="{B93A3FCA-7723-41E1-B0FD-8E2D1F9214AF}"/>
+                <a16:creationId xmlns:a16="http://schemas.microsoft.com/office/drawing/2014/main" id="{B93A3FCA-7723-41E1-B0FD-8E2D1F9214AF}"/>
               </a:ext>
             </a:extLst>
           </p:cNvPr>
@@ -11920,13 +12005,6 @@
   <p:transition spd="med">
     <p:push dir="u"/>
   </p:transition>
-  <p:timing>
-    <p:tnLst>
-      <p:par>
-        <p:cTn id="1" dur="indefinite" restart="never" nodeType="tmRoot"/>
-      </p:par>
-    </p:tnLst>
-  </p:timing>
 </p:sld>
 </file>
 
@@ -12607,7 +12685,7 @@
           <p:cNvPr id="14" name="TextBox 46">
             <a:extLst>
               <a:ext uri="{FF2B5EF4-FFF2-40B4-BE49-F238E27FC236}">
-                <a16:creationId xmlns:a16="http://schemas.microsoft.com/office/drawing/2014/main" xmlns="" id="{038ACC64-63F6-420B-A042-E14A9A7C9394}"/>
+                <a16:creationId xmlns:a16="http://schemas.microsoft.com/office/drawing/2014/main" id="{038ACC64-63F6-420B-A042-E14A9A7C9394}"/>
               </a:ext>
             </a:extLst>
           </p:cNvPr>
@@ -12673,7 +12751,7 @@
           <p:cNvPr id="17" name="文本框 16">
             <a:extLst>
               <a:ext uri="{FF2B5EF4-FFF2-40B4-BE49-F238E27FC236}">
-                <a16:creationId xmlns:a16="http://schemas.microsoft.com/office/drawing/2014/main" xmlns="" id="{E6F4ECFA-13B3-48DE-9E3E-DF7BBDA53533}"/>
+                <a16:creationId xmlns:a16="http://schemas.microsoft.com/office/drawing/2014/main" id="{E6F4ECFA-13B3-48DE-9E3E-DF7BBDA53533}"/>
               </a:ext>
             </a:extLst>
           </p:cNvPr>
@@ -12737,7 +12815,7 @@
           <p:cNvPr id="2" name="矩形 1">
             <a:extLst>
               <a:ext uri="{FF2B5EF4-FFF2-40B4-BE49-F238E27FC236}">
-                <a16:creationId xmlns:a16="http://schemas.microsoft.com/office/drawing/2014/main" xmlns="" id="{4420292E-33FF-4264-AB0D-02351FB20E36}"/>
+                <a16:creationId xmlns:a16="http://schemas.microsoft.com/office/drawing/2014/main" id="{4420292E-33FF-4264-AB0D-02351FB20E36}"/>
               </a:ext>
             </a:extLst>
           </p:cNvPr>
@@ -12807,7 +12885,7 @@
           <p:cNvPr id="18" name="下箭头 32">
             <a:extLst>
               <a:ext uri="{FF2B5EF4-FFF2-40B4-BE49-F238E27FC236}">
-                <a16:creationId xmlns:a16="http://schemas.microsoft.com/office/drawing/2014/main" xmlns="" id="{58C148CE-C64E-469D-8722-275221F9D022}"/>
+                <a16:creationId xmlns:a16="http://schemas.microsoft.com/office/drawing/2014/main" id="{58C148CE-C64E-469D-8722-275221F9D022}"/>
               </a:ext>
             </a:extLst>
           </p:cNvPr>
@@ -12861,7 +12939,7 @@
           <p:cNvPr id="9" name="文本框 8">
             <a:extLst>
               <a:ext uri="{FF2B5EF4-FFF2-40B4-BE49-F238E27FC236}">
-                <a16:creationId xmlns:a16="http://schemas.microsoft.com/office/drawing/2014/main" xmlns="" id="{54F12738-BEC8-4788-993E-3A7BE34EF640}"/>
+                <a16:creationId xmlns:a16="http://schemas.microsoft.com/office/drawing/2014/main" id="{54F12738-BEC8-4788-993E-3A7BE34EF640}"/>
               </a:ext>
             </a:extLst>
           </p:cNvPr>
@@ -12896,7 +12974,7 @@
           <p:cNvPr id="20" name="文本框 19">
             <a:extLst>
               <a:ext uri="{FF2B5EF4-FFF2-40B4-BE49-F238E27FC236}">
-                <a16:creationId xmlns:a16="http://schemas.microsoft.com/office/drawing/2014/main" xmlns="" id="{C2538DF4-FB90-4911-B44A-A6F7C1648B61}"/>
+                <a16:creationId xmlns:a16="http://schemas.microsoft.com/office/drawing/2014/main" id="{C2538DF4-FB90-4911-B44A-A6F7C1648B61}"/>
               </a:ext>
             </a:extLst>
           </p:cNvPr>
@@ -12931,7 +13009,7 @@
           <p:cNvPr id="21" name="文本框 20">
             <a:extLst>
               <a:ext uri="{FF2B5EF4-FFF2-40B4-BE49-F238E27FC236}">
-                <a16:creationId xmlns:a16="http://schemas.microsoft.com/office/drawing/2014/main" xmlns="" id="{1E91F165-E54A-425D-BFAD-F08B52B24551}"/>
+                <a16:creationId xmlns:a16="http://schemas.microsoft.com/office/drawing/2014/main" id="{1E91F165-E54A-425D-BFAD-F08B52B24551}"/>
               </a:ext>
             </a:extLst>
           </p:cNvPr>
@@ -12971,7 +13049,7 @@
           <p:cNvPr id="23" name="矩形 22">
             <a:extLst>
               <a:ext uri="{FF2B5EF4-FFF2-40B4-BE49-F238E27FC236}">
-                <a16:creationId xmlns:a16="http://schemas.microsoft.com/office/drawing/2014/main" xmlns="" id="{D8EC7A10-C9A7-4C09-A9ED-B0400D102A74}"/>
+                <a16:creationId xmlns:a16="http://schemas.microsoft.com/office/drawing/2014/main" id="{D8EC7A10-C9A7-4C09-A9ED-B0400D102A74}"/>
               </a:ext>
             </a:extLst>
           </p:cNvPr>
@@ -13041,7 +13119,7 @@
           <p:cNvPr id="24" name="文本框 23">
             <a:extLst>
               <a:ext uri="{FF2B5EF4-FFF2-40B4-BE49-F238E27FC236}">
-                <a16:creationId xmlns:a16="http://schemas.microsoft.com/office/drawing/2014/main" xmlns="" id="{2657C0C8-F42A-4F20-A478-79138EC817E1}"/>
+                <a16:creationId xmlns:a16="http://schemas.microsoft.com/office/drawing/2014/main" id="{2657C0C8-F42A-4F20-A478-79138EC817E1}"/>
               </a:ext>
             </a:extLst>
           </p:cNvPr>
@@ -13076,7 +13154,7 @@
           <p:cNvPr id="25" name="文本框 24">
             <a:extLst>
               <a:ext uri="{FF2B5EF4-FFF2-40B4-BE49-F238E27FC236}">
-                <a16:creationId xmlns:a16="http://schemas.microsoft.com/office/drawing/2014/main" xmlns="" id="{76C335F0-957C-4BE8-B64D-D2B41BFBEF30}"/>
+                <a16:creationId xmlns:a16="http://schemas.microsoft.com/office/drawing/2014/main" id="{76C335F0-957C-4BE8-B64D-D2B41BFBEF30}"/>
               </a:ext>
             </a:extLst>
           </p:cNvPr>
@@ -13128,7 +13206,7 @@
           <p:cNvPr id="26" name="下箭头 32">
             <a:extLst>
               <a:ext uri="{FF2B5EF4-FFF2-40B4-BE49-F238E27FC236}">
-                <a16:creationId xmlns:a16="http://schemas.microsoft.com/office/drawing/2014/main" xmlns="" id="{31193F67-61DF-4F75-A6E0-14E0AF212675}"/>
+                <a16:creationId xmlns:a16="http://schemas.microsoft.com/office/drawing/2014/main" id="{31193F67-61DF-4F75-A6E0-14E0AF212675}"/>
               </a:ext>
             </a:extLst>
           </p:cNvPr>
@@ -13182,7 +13260,7 @@
           <p:cNvPr id="22" name="文本框 21">
             <a:extLst>
               <a:ext uri="{FF2B5EF4-FFF2-40B4-BE49-F238E27FC236}">
-                <a16:creationId xmlns:a16="http://schemas.microsoft.com/office/drawing/2014/main" xmlns="" id="{E566D48D-20DC-4C7A-B36F-1B2DA1A605C4}"/>
+                <a16:creationId xmlns:a16="http://schemas.microsoft.com/office/drawing/2014/main" id="{E566D48D-20DC-4C7A-B36F-1B2DA1A605C4}"/>
               </a:ext>
             </a:extLst>
           </p:cNvPr>
@@ -13224,7 +13302,7 @@
           <p:cNvPr id="27" name="文本框 26">
             <a:extLst>
               <a:ext uri="{FF2B5EF4-FFF2-40B4-BE49-F238E27FC236}">
-                <a16:creationId xmlns:a16="http://schemas.microsoft.com/office/drawing/2014/main" xmlns="" id="{747D2FD7-951A-415D-87F1-6947B8DB7888}"/>
+                <a16:creationId xmlns:a16="http://schemas.microsoft.com/office/drawing/2014/main" id="{747D2FD7-951A-415D-87F1-6947B8DB7888}"/>
               </a:ext>
             </a:extLst>
           </p:cNvPr>
@@ -13268,7 +13346,7 @@
           <p:cNvPr id="30" name="下箭头 32">
             <a:extLst>
               <a:ext uri="{FF2B5EF4-FFF2-40B4-BE49-F238E27FC236}">
-                <a16:creationId xmlns:a16="http://schemas.microsoft.com/office/drawing/2014/main" xmlns="" id="{EAB50E5D-2EF6-4520-9081-7BBDE39756EE}"/>
+                <a16:creationId xmlns:a16="http://schemas.microsoft.com/office/drawing/2014/main" id="{EAB50E5D-2EF6-4520-9081-7BBDE39756EE}"/>
               </a:ext>
             </a:extLst>
           </p:cNvPr>
@@ -13322,7 +13400,7 @@
           <p:cNvPr id="31" name="文本框 30">
             <a:extLst>
               <a:ext uri="{FF2B5EF4-FFF2-40B4-BE49-F238E27FC236}">
-                <a16:creationId xmlns:a16="http://schemas.microsoft.com/office/drawing/2014/main" xmlns="" id="{C9F2FA20-2F65-41C6-8B08-2023C9261F99}"/>
+                <a16:creationId xmlns:a16="http://schemas.microsoft.com/office/drawing/2014/main" id="{C9F2FA20-2F65-41C6-8B08-2023C9261F99}"/>
               </a:ext>
             </a:extLst>
           </p:cNvPr>
@@ -13371,7 +13449,7 @@
           <p:cNvPr id="32" name="矩形 31">
             <a:extLst>
               <a:ext uri="{FF2B5EF4-FFF2-40B4-BE49-F238E27FC236}">
-                <a16:creationId xmlns:a16="http://schemas.microsoft.com/office/drawing/2014/main" xmlns="" id="{10A05179-4B68-4E00-928A-8BE5394A0437}"/>
+                <a16:creationId xmlns:a16="http://schemas.microsoft.com/office/drawing/2014/main" id="{10A05179-4B68-4E00-928A-8BE5394A0437}"/>
               </a:ext>
             </a:extLst>
           </p:cNvPr>
@@ -13469,13 +13547,6 @@
   <p:transition spd="med">
     <p:push dir="u"/>
   </p:transition>
-  <p:timing>
-    <p:tnLst>
-      <p:par>
-        <p:cTn id="1" dur="indefinite" restart="never" nodeType="tmRoot"/>
-      </p:par>
-    </p:tnLst>
-  </p:timing>
 </p:sld>
 </file>
 
@@ -14156,7 +14227,7 @@
           <p:cNvPr id="14" name="TextBox 46">
             <a:extLst>
               <a:ext uri="{FF2B5EF4-FFF2-40B4-BE49-F238E27FC236}">
-                <a16:creationId xmlns:a16="http://schemas.microsoft.com/office/drawing/2014/main" xmlns="" id="{76E85F30-8AC3-4FC8-961C-DD7C5D54F1B4}"/>
+                <a16:creationId xmlns:a16="http://schemas.microsoft.com/office/drawing/2014/main" id="{76E85F30-8AC3-4FC8-961C-DD7C5D54F1B4}"/>
               </a:ext>
             </a:extLst>
           </p:cNvPr>
@@ -14222,7 +14293,7 @@
           <p:cNvPr id="18" name="椭圆 17">
             <a:extLst>
               <a:ext uri="{FF2B5EF4-FFF2-40B4-BE49-F238E27FC236}">
-                <a16:creationId xmlns:a16="http://schemas.microsoft.com/office/drawing/2014/main" xmlns="" id="{B7B16E4E-68BC-4039-ABFF-F43B5AF56593}"/>
+                <a16:creationId xmlns:a16="http://schemas.microsoft.com/office/drawing/2014/main" id="{B7B16E4E-68BC-4039-ABFF-F43B5AF56593}"/>
               </a:ext>
             </a:extLst>
           </p:cNvPr>
@@ -14282,7 +14353,7 @@
           <p:cNvPr id="19" name="椭圆 18">
             <a:extLst>
               <a:ext uri="{FF2B5EF4-FFF2-40B4-BE49-F238E27FC236}">
-                <a16:creationId xmlns:a16="http://schemas.microsoft.com/office/drawing/2014/main" xmlns="" id="{37A85B23-5DB4-448D-BC63-06003239C69F}"/>
+                <a16:creationId xmlns:a16="http://schemas.microsoft.com/office/drawing/2014/main" id="{37A85B23-5DB4-448D-BC63-06003239C69F}"/>
               </a:ext>
             </a:extLst>
           </p:cNvPr>
@@ -14349,7 +14420,7 @@
           <p:cNvPr id="20" name="椭圆 19">
             <a:extLst>
               <a:ext uri="{FF2B5EF4-FFF2-40B4-BE49-F238E27FC236}">
-                <a16:creationId xmlns:a16="http://schemas.microsoft.com/office/drawing/2014/main" xmlns="" id="{1D722065-9A8B-458D-A298-791A00364630}"/>
+                <a16:creationId xmlns:a16="http://schemas.microsoft.com/office/drawing/2014/main" id="{1D722065-9A8B-458D-A298-791A00364630}"/>
               </a:ext>
             </a:extLst>
           </p:cNvPr>
@@ -14409,7 +14480,7 @@
           <p:cNvPr id="21" name="椭圆 20">
             <a:extLst>
               <a:ext uri="{FF2B5EF4-FFF2-40B4-BE49-F238E27FC236}">
-                <a16:creationId xmlns:a16="http://schemas.microsoft.com/office/drawing/2014/main" xmlns="" id="{B161BB54-4481-4401-B68E-EF1FEC029EB7}"/>
+                <a16:creationId xmlns:a16="http://schemas.microsoft.com/office/drawing/2014/main" id="{B161BB54-4481-4401-B68E-EF1FEC029EB7}"/>
               </a:ext>
             </a:extLst>
           </p:cNvPr>
@@ -14469,7 +14540,7 @@
           <p:cNvPr id="22" name="椭圆 21">
             <a:extLst>
               <a:ext uri="{FF2B5EF4-FFF2-40B4-BE49-F238E27FC236}">
-                <a16:creationId xmlns:a16="http://schemas.microsoft.com/office/drawing/2014/main" xmlns="" id="{0DE1F784-39AB-4F7D-995B-F2E3D99FD6EF}"/>
+                <a16:creationId xmlns:a16="http://schemas.microsoft.com/office/drawing/2014/main" id="{0DE1F784-39AB-4F7D-995B-F2E3D99FD6EF}"/>
               </a:ext>
             </a:extLst>
           </p:cNvPr>
@@ -14529,7 +14600,7 @@
           <p:cNvPr id="23" name="直接箭头连接符 22">
             <a:extLst>
               <a:ext uri="{FF2B5EF4-FFF2-40B4-BE49-F238E27FC236}">
-                <a16:creationId xmlns:a16="http://schemas.microsoft.com/office/drawing/2014/main" xmlns="" id="{950452EA-494C-4E54-AE31-57E6C6DAE04F}"/>
+                <a16:creationId xmlns:a16="http://schemas.microsoft.com/office/drawing/2014/main" id="{950452EA-494C-4E54-AE31-57E6C6DAE04F}"/>
               </a:ext>
             </a:extLst>
           </p:cNvPr>
@@ -14574,7 +14645,7 @@
           <p:cNvPr id="24" name="直接箭头连接符 23">
             <a:extLst>
               <a:ext uri="{FF2B5EF4-FFF2-40B4-BE49-F238E27FC236}">
-                <a16:creationId xmlns:a16="http://schemas.microsoft.com/office/drawing/2014/main" xmlns="" id="{D18624C8-798D-4A01-B56C-752FE874063E}"/>
+                <a16:creationId xmlns:a16="http://schemas.microsoft.com/office/drawing/2014/main" id="{D18624C8-798D-4A01-B56C-752FE874063E}"/>
               </a:ext>
             </a:extLst>
           </p:cNvPr>
@@ -14619,7 +14690,7 @@
           <p:cNvPr id="25" name="下箭头 32">
             <a:extLst>
               <a:ext uri="{FF2B5EF4-FFF2-40B4-BE49-F238E27FC236}">
-                <a16:creationId xmlns:a16="http://schemas.microsoft.com/office/drawing/2014/main" xmlns="" id="{57DF651C-C077-4109-AB1A-3E3B73231054}"/>
+                <a16:creationId xmlns:a16="http://schemas.microsoft.com/office/drawing/2014/main" id="{57DF651C-C077-4109-AB1A-3E3B73231054}"/>
               </a:ext>
             </a:extLst>
           </p:cNvPr>
@@ -14673,7 +14744,7 @@
           <p:cNvPr id="26" name="下箭头 33">
             <a:extLst>
               <a:ext uri="{FF2B5EF4-FFF2-40B4-BE49-F238E27FC236}">
-                <a16:creationId xmlns:a16="http://schemas.microsoft.com/office/drawing/2014/main" xmlns="" id="{721091C1-C5AC-42A8-9B94-3CE5C4D966DA}"/>
+                <a16:creationId xmlns:a16="http://schemas.microsoft.com/office/drawing/2014/main" id="{721091C1-C5AC-42A8-9B94-3CE5C4D966DA}"/>
               </a:ext>
             </a:extLst>
           </p:cNvPr>
@@ -14727,7 +14798,7 @@
           <p:cNvPr id="27" name="虚尾箭头 8">
             <a:extLst>
               <a:ext uri="{FF2B5EF4-FFF2-40B4-BE49-F238E27FC236}">
-                <a16:creationId xmlns:a16="http://schemas.microsoft.com/office/drawing/2014/main" xmlns="" id="{57081B68-1D81-4C1A-8691-0E9EA922F717}"/>
+                <a16:creationId xmlns:a16="http://schemas.microsoft.com/office/drawing/2014/main" id="{57081B68-1D81-4C1A-8691-0E9EA922F717}"/>
               </a:ext>
             </a:extLst>
           </p:cNvPr>
@@ -14781,7 +14852,7 @@
           <p:cNvPr id="2" name="文本框 1">
             <a:extLst>
               <a:ext uri="{FF2B5EF4-FFF2-40B4-BE49-F238E27FC236}">
-                <a16:creationId xmlns:a16="http://schemas.microsoft.com/office/drawing/2014/main" xmlns="" id="{38DDB060-B2D0-4E7F-8E41-09236DB7411A}"/>
+                <a16:creationId xmlns:a16="http://schemas.microsoft.com/office/drawing/2014/main" id="{38DDB060-B2D0-4E7F-8E41-09236DB7411A}"/>
               </a:ext>
             </a:extLst>
           </p:cNvPr>
@@ -14823,7 +14894,7 @@
           <p:cNvPr id="9" name="文本框 8">
             <a:extLst>
               <a:ext uri="{FF2B5EF4-FFF2-40B4-BE49-F238E27FC236}">
-                <a16:creationId xmlns:a16="http://schemas.microsoft.com/office/drawing/2014/main" xmlns="" id="{291919B3-699D-492B-A5D7-2F7763716C66}"/>
+                <a16:creationId xmlns:a16="http://schemas.microsoft.com/office/drawing/2014/main" id="{291919B3-699D-492B-A5D7-2F7763716C66}"/>
               </a:ext>
             </a:extLst>
           </p:cNvPr>
@@ -14865,7 +14936,7 @@
           <p:cNvPr id="29" name="文本框 28">
             <a:extLst>
               <a:ext uri="{FF2B5EF4-FFF2-40B4-BE49-F238E27FC236}">
-                <a16:creationId xmlns:a16="http://schemas.microsoft.com/office/drawing/2014/main" xmlns="" id="{B5BC488E-33AE-48C1-BC65-F00BF29E6C26}"/>
+                <a16:creationId xmlns:a16="http://schemas.microsoft.com/office/drawing/2014/main" id="{B5BC488E-33AE-48C1-BC65-F00BF29E6C26}"/>
               </a:ext>
             </a:extLst>
           </p:cNvPr>
@@ -14914,7 +14985,7 @@
           <p:cNvPr id="30" name="文本框 29">
             <a:extLst>
               <a:ext uri="{FF2B5EF4-FFF2-40B4-BE49-F238E27FC236}">
-                <a16:creationId xmlns:a16="http://schemas.microsoft.com/office/drawing/2014/main" xmlns="" id="{274926F2-3D43-409E-820D-A0FA5EE1433E}"/>
+                <a16:creationId xmlns:a16="http://schemas.microsoft.com/office/drawing/2014/main" id="{274926F2-3D43-409E-820D-A0FA5EE1433E}"/>
               </a:ext>
             </a:extLst>
           </p:cNvPr>
@@ -14956,7 +15027,7 @@
           <p:cNvPr id="31" name="文本框 30">
             <a:extLst>
               <a:ext uri="{FF2B5EF4-FFF2-40B4-BE49-F238E27FC236}">
-                <a16:creationId xmlns:a16="http://schemas.microsoft.com/office/drawing/2014/main" xmlns="" id="{310930CC-3490-4139-9EBA-7A9F8699EEE8}"/>
+                <a16:creationId xmlns:a16="http://schemas.microsoft.com/office/drawing/2014/main" id="{310930CC-3490-4139-9EBA-7A9F8699EEE8}"/>
               </a:ext>
             </a:extLst>
           </p:cNvPr>
@@ -15748,7 +15819,7 @@
           <p:cNvPr id="14" name="TextBox 46">
             <a:extLst>
               <a:ext uri="{FF2B5EF4-FFF2-40B4-BE49-F238E27FC236}">
-                <a16:creationId xmlns:a16="http://schemas.microsoft.com/office/drawing/2014/main" xmlns="" id="{55883CF2-AF6F-490F-8A55-D365665B6802}"/>
+                <a16:creationId xmlns:a16="http://schemas.microsoft.com/office/drawing/2014/main" id="{55883CF2-AF6F-490F-8A55-D365665B6802}"/>
               </a:ext>
             </a:extLst>
           </p:cNvPr>
@@ -15814,7 +15885,7 @@
           <p:cNvPr id="2" name="文本框 1">
             <a:extLst>
               <a:ext uri="{FF2B5EF4-FFF2-40B4-BE49-F238E27FC236}">
-                <a16:creationId xmlns:a16="http://schemas.microsoft.com/office/drawing/2014/main" xmlns="" id="{95ECA6DA-B419-47EC-A2E9-314358DEDCCE}"/>
+                <a16:creationId xmlns:a16="http://schemas.microsoft.com/office/drawing/2014/main" id="{95ECA6DA-B419-47EC-A2E9-314358DEDCCE}"/>
               </a:ext>
             </a:extLst>
           </p:cNvPr>
@@ -15877,7 +15948,7 @@
           <p:cNvPr id="15" name="图片 14">
             <a:extLst>
               <a:ext uri="{FF2B5EF4-FFF2-40B4-BE49-F238E27FC236}">
-                <a16:creationId xmlns:a16="http://schemas.microsoft.com/office/drawing/2014/main" xmlns="" id="{DB2353C9-B125-4CDA-A10A-8A826EB987AF}"/>
+                <a16:creationId xmlns:a16="http://schemas.microsoft.com/office/drawing/2014/main" id="{DB2353C9-B125-4CDA-A10A-8A826EB987AF}"/>
               </a:ext>
             </a:extLst>
           </p:cNvPr>
@@ -15907,7 +15978,7 @@
           <p:cNvPr id="18" name="文本框 17">
             <a:extLst>
               <a:ext uri="{FF2B5EF4-FFF2-40B4-BE49-F238E27FC236}">
-                <a16:creationId xmlns:a16="http://schemas.microsoft.com/office/drawing/2014/main" xmlns="" id="{505937C2-AF81-4708-A5A0-4DA79AFE57F7}"/>
+                <a16:creationId xmlns:a16="http://schemas.microsoft.com/office/drawing/2014/main" id="{505937C2-AF81-4708-A5A0-4DA79AFE57F7}"/>
               </a:ext>
             </a:extLst>
           </p:cNvPr>
@@ -15949,7 +16020,7 @@
           <p:cNvPr id="19" name="下箭头 33">
             <a:extLst>
               <a:ext uri="{FF2B5EF4-FFF2-40B4-BE49-F238E27FC236}">
-                <a16:creationId xmlns:a16="http://schemas.microsoft.com/office/drawing/2014/main" xmlns="" id="{E36EBEC0-3999-46EA-BF2F-7982E559EFCA}"/>
+                <a16:creationId xmlns:a16="http://schemas.microsoft.com/office/drawing/2014/main" id="{E36EBEC0-3999-46EA-BF2F-7982E559EFCA}"/>
               </a:ext>
             </a:extLst>
           </p:cNvPr>
@@ -16003,7 +16074,7 @@
           <p:cNvPr id="20" name="下箭头 33">
             <a:extLst>
               <a:ext uri="{FF2B5EF4-FFF2-40B4-BE49-F238E27FC236}">
-                <a16:creationId xmlns:a16="http://schemas.microsoft.com/office/drawing/2014/main" xmlns="" id="{A032B688-77E3-4E8D-AA1E-AA28BF4CBE8F}"/>
+                <a16:creationId xmlns:a16="http://schemas.microsoft.com/office/drawing/2014/main" id="{A032B688-77E3-4E8D-AA1E-AA28BF4CBE8F}"/>
               </a:ext>
             </a:extLst>
           </p:cNvPr>
@@ -16057,7 +16128,7 @@
           <p:cNvPr id="22" name="矩形 21">
             <a:extLst>
               <a:ext uri="{FF2B5EF4-FFF2-40B4-BE49-F238E27FC236}">
-                <a16:creationId xmlns:a16="http://schemas.microsoft.com/office/drawing/2014/main" xmlns="" id="{5CC3C712-78FC-42AB-9483-273DB1B5C976}"/>
+                <a16:creationId xmlns:a16="http://schemas.microsoft.com/office/drawing/2014/main" id="{5CC3C712-78FC-42AB-9483-273DB1B5C976}"/>
               </a:ext>
             </a:extLst>
           </p:cNvPr>
@@ -16153,7 +16224,7 @@
           <p:cNvPr id="23" name="图片 22">
             <a:extLst>
               <a:ext uri="{FF2B5EF4-FFF2-40B4-BE49-F238E27FC236}">
-                <a16:creationId xmlns:a16="http://schemas.microsoft.com/office/drawing/2014/main" xmlns="" id="{708BBB37-0F81-4419-8A27-031133068451}"/>
+                <a16:creationId xmlns:a16="http://schemas.microsoft.com/office/drawing/2014/main" id="{708BBB37-0F81-4419-8A27-031133068451}"/>
               </a:ext>
             </a:extLst>
           </p:cNvPr>
@@ -18814,7 +18885,7 @@
           <p:cNvPr id="29" name="文本框 28">
             <a:extLst>
               <a:ext uri="{FF2B5EF4-FFF2-40B4-BE49-F238E27FC236}">
-                <a16:creationId xmlns:a16="http://schemas.microsoft.com/office/drawing/2014/main" xmlns="" id="{AD20217F-3D79-48B1-9E12-0CF7277C6B9A}"/>
+                <a16:creationId xmlns:a16="http://schemas.microsoft.com/office/drawing/2014/main" id="{AD20217F-3D79-48B1-9E12-0CF7277C6B9A}"/>
               </a:ext>
             </a:extLst>
           </p:cNvPr>
@@ -20118,7 +20189,7 @@
           <p:cNvPr id="16" name="TextBox 15">
             <a:extLst>
               <a:ext uri="{FF2B5EF4-FFF2-40B4-BE49-F238E27FC236}">
-                <a16:creationId xmlns:a16="http://schemas.microsoft.com/office/drawing/2014/main" xmlns="" id="{6DF13735-4081-4307-8A75-E9E41F37B168}"/>
+                <a16:creationId xmlns:a16="http://schemas.microsoft.com/office/drawing/2014/main" id="{6DF13735-4081-4307-8A75-E9E41F37B168}"/>
               </a:ext>
             </a:extLst>
           </p:cNvPr>
@@ -20887,7 +20958,7 @@
           <p:cNvPr id="2" name="表格 1">
             <a:extLst>
               <a:ext uri="{FF2B5EF4-FFF2-40B4-BE49-F238E27FC236}">
-                <a16:creationId xmlns:a16="http://schemas.microsoft.com/office/drawing/2014/main" xmlns="" id="{529F8A63-27D1-4E30-AF80-F1B9DDB2EBCB}"/>
+                <a16:creationId xmlns:a16="http://schemas.microsoft.com/office/drawing/2014/main" id="{529F8A63-27D1-4E30-AF80-F1B9DDB2EBCB}"/>
               </a:ext>
             </a:extLst>
           </p:cNvPr>
@@ -20916,28 +20987,28 @@
                 <a:gridCol w="1555373">
                   <a:extLst>
                     <a:ext uri="{9D8B030D-6E8A-4147-A177-3AD203B41FA5}">
-                      <a16:colId xmlns:a16="http://schemas.microsoft.com/office/drawing/2014/main" xmlns="" val="3046491277"/>
+                      <a16:colId xmlns:a16="http://schemas.microsoft.com/office/drawing/2014/main" val="3046491277"/>
                     </a:ext>
                   </a:extLst>
                 </a:gridCol>
                 <a:gridCol w="1555373">
                   <a:extLst>
                     <a:ext uri="{9D8B030D-6E8A-4147-A177-3AD203B41FA5}">
-                      <a16:colId xmlns:a16="http://schemas.microsoft.com/office/drawing/2014/main" xmlns="" val="3181357374"/>
+                      <a16:colId xmlns:a16="http://schemas.microsoft.com/office/drawing/2014/main" val="3181357374"/>
                     </a:ext>
                   </a:extLst>
                 </a:gridCol>
                 <a:gridCol w="1555373">
                   <a:extLst>
                     <a:ext uri="{9D8B030D-6E8A-4147-A177-3AD203B41FA5}">
-                      <a16:colId xmlns:a16="http://schemas.microsoft.com/office/drawing/2014/main" xmlns="" val="323473221"/>
+                      <a16:colId xmlns:a16="http://schemas.microsoft.com/office/drawing/2014/main" val="323473221"/>
                     </a:ext>
                   </a:extLst>
                 </a:gridCol>
                 <a:gridCol w="1555373">
                   <a:extLst>
                     <a:ext uri="{9D8B030D-6E8A-4147-A177-3AD203B41FA5}">
-                      <a16:colId xmlns:a16="http://schemas.microsoft.com/office/drawing/2014/main" xmlns="" val="1764454887"/>
+                      <a16:colId xmlns:a16="http://schemas.microsoft.com/office/drawing/2014/main" val="1764454887"/>
                     </a:ext>
                   </a:extLst>
                 </a:gridCol>
@@ -21039,7 +21110,7 @@
                 </a:tc>
                 <a:extLst>
                   <a:ext uri="{0D108BD9-81ED-4DB2-BD59-A6C34878D82A}">
-                    <a16:rowId xmlns:a16="http://schemas.microsoft.com/office/drawing/2014/main" xmlns="" val="3264120260"/>
+                    <a16:rowId xmlns:a16="http://schemas.microsoft.com/office/drawing/2014/main" val="3264120260"/>
                   </a:ext>
                 </a:extLst>
               </a:tr>
@@ -21121,7 +21192,7 @@
                 </a:tc>
                 <a:extLst>
                   <a:ext uri="{0D108BD9-81ED-4DB2-BD59-A6C34878D82A}">
-                    <a16:rowId xmlns:a16="http://schemas.microsoft.com/office/drawing/2014/main" xmlns="" val="693590304"/>
+                    <a16:rowId xmlns:a16="http://schemas.microsoft.com/office/drawing/2014/main" val="693590304"/>
                   </a:ext>
                 </a:extLst>
               </a:tr>
@@ -21203,7 +21274,7 @@
                 </a:tc>
                 <a:extLst>
                   <a:ext uri="{0D108BD9-81ED-4DB2-BD59-A6C34878D82A}">
-                    <a16:rowId xmlns:a16="http://schemas.microsoft.com/office/drawing/2014/main" xmlns="" val="4082461953"/>
+                    <a16:rowId xmlns:a16="http://schemas.microsoft.com/office/drawing/2014/main" val="4082461953"/>
                   </a:ext>
                 </a:extLst>
               </a:tr>
@@ -21285,7 +21356,7 @@
                 </a:tc>
                 <a:extLst>
                   <a:ext uri="{0D108BD9-81ED-4DB2-BD59-A6C34878D82A}">
-                    <a16:rowId xmlns:a16="http://schemas.microsoft.com/office/drawing/2014/main" xmlns="" val="436428789"/>
+                    <a16:rowId xmlns:a16="http://schemas.microsoft.com/office/drawing/2014/main" val="436428789"/>
                   </a:ext>
                 </a:extLst>
               </a:tr>
@@ -21401,7 +21472,7 @@
                 </a:tc>
                 <a:extLst>
                   <a:ext uri="{0D108BD9-81ED-4DB2-BD59-A6C34878D82A}">
-                    <a16:rowId xmlns:a16="http://schemas.microsoft.com/office/drawing/2014/main" xmlns="" val="3443909576"/>
+                    <a16:rowId xmlns:a16="http://schemas.microsoft.com/office/drawing/2014/main" val="3443909576"/>
                   </a:ext>
                 </a:extLst>
               </a:tr>
@@ -21414,7 +21485,7 @@
           <p:cNvPr id="43" name="文本框 42">
             <a:extLst>
               <a:ext uri="{FF2B5EF4-FFF2-40B4-BE49-F238E27FC236}">
-                <a16:creationId xmlns:a16="http://schemas.microsoft.com/office/drawing/2014/main" xmlns="" id="{1E32A157-9103-4EE9-83CC-106ECEEB4640}"/>
+                <a16:creationId xmlns:a16="http://schemas.microsoft.com/office/drawing/2014/main" id="{1E32A157-9103-4EE9-83CC-106ECEEB4640}"/>
               </a:ext>
             </a:extLst>
           </p:cNvPr>
@@ -21456,7 +21527,7 @@
           <p:cNvPr id="45" name="文本框 44">
             <a:extLst>
               <a:ext uri="{FF2B5EF4-FFF2-40B4-BE49-F238E27FC236}">
-                <a16:creationId xmlns:a16="http://schemas.microsoft.com/office/drawing/2014/main" xmlns="" id="{01139506-E134-4BC1-AAEE-241BD364136D}"/>
+                <a16:creationId xmlns:a16="http://schemas.microsoft.com/office/drawing/2014/main" id="{01139506-E134-4BC1-AAEE-241BD364136D}"/>
               </a:ext>
             </a:extLst>
           </p:cNvPr>
@@ -21498,7 +21569,7 @@
           <p:cNvPr id="14" name="图片 13">
             <a:extLst>
               <a:ext uri="{FF2B5EF4-FFF2-40B4-BE49-F238E27FC236}">
-                <a16:creationId xmlns:a16="http://schemas.microsoft.com/office/drawing/2014/main" xmlns="" id="{3CA7271E-F7A3-4190-BBC9-215E5C26F1D2}"/>
+                <a16:creationId xmlns:a16="http://schemas.microsoft.com/office/drawing/2014/main" id="{3CA7271E-F7A3-4190-BBC9-215E5C26F1D2}"/>
               </a:ext>
             </a:extLst>
           </p:cNvPr>
@@ -22216,7 +22287,7 @@
           <p:cNvPr id="33" name="图片 32">
             <a:extLst>
               <a:ext uri="{FF2B5EF4-FFF2-40B4-BE49-F238E27FC236}">
-                <a16:creationId xmlns:a16="http://schemas.microsoft.com/office/drawing/2014/main" xmlns="" id="{9C6813BB-5555-405D-9450-66AB68F4E3E0}"/>
+                <a16:creationId xmlns:a16="http://schemas.microsoft.com/office/drawing/2014/main" id="{9C6813BB-5555-405D-9450-66AB68F4E3E0}"/>
               </a:ext>
             </a:extLst>
           </p:cNvPr>
@@ -22250,7 +22321,7 @@
           <p:cNvPr id="34" name="文本框 33">
             <a:extLst>
               <a:ext uri="{FF2B5EF4-FFF2-40B4-BE49-F238E27FC236}">
-                <a16:creationId xmlns:a16="http://schemas.microsoft.com/office/drawing/2014/main" xmlns="" id="{2B061277-8924-45C2-ABEA-18B51F81A5B0}"/>
+                <a16:creationId xmlns:a16="http://schemas.microsoft.com/office/drawing/2014/main" id="{2B061277-8924-45C2-ABEA-18B51F81A5B0}"/>
               </a:ext>
             </a:extLst>
           </p:cNvPr>
@@ -22306,7 +22377,7 @@
           <p:cNvPr id="19" name="图片 18">
             <a:extLst>
               <a:ext uri="{FF2B5EF4-FFF2-40B4-BE49-F238E27FC236}">
-                <a16:creationId xmlns:a16="http://schemas.microsoft.com/office/drawing/2014/main" xmlns="" id="{CE86F1B3-AD1E-4F6E-81DA-82FB81E6B79D}"/>
+                <a16:creationId xmlns:a16="http://schemas.microsoft.com/office/drawing/2014/main" id="{CE86F1B3-AD1E-4F6E-81DA-82FB81E6B79D}"/>
               </a:ext>
             </a:extLst>
           </p:cNvPr>
@@ -22340,7 +22411,7 @@
           <p:cNvPr id="20" name="文本框 19">
             <a:extLst>
               <a:ext uri="{FF2B5EF4-FFF2-40B4-BE49-F238E27FC236}">
-                <a16:creationId xmlns:a16="http://schemas.microsoft.com/office/drawing/2014/main" xmlns="" id="{1BEED469-1CF8-4109-B300-64C04DB3CEEC}"/>
+                <a16:creationId xmlns:a16="http://schemas.microsoft.com/office/drawing/2014/main" id="{1BEED469-1CF8-4109-B300-64C04DB3CEEC}"/>
               </a:ext>
             </a:extLst>
           </p:cNvPr>
@@ -22396,7 +22467,7 @@
           <p:cNvPr id="24" name="组合 23">
             <a:extLst>
               <a:ext uri="{FF2B5EF4-FFF2-40B4-BE49-F238E27FC236}">
-                <a16:creationId xmlns:a16="http://schemas.microsoft.com/office/drawing/2014/main" xmlns="" id="{2C52F46E-A416-430E-9976-C033F5A0E3D8}"/>
+                <a16:creationId xmlns:a16="http://schemas.microsoft.com/office/drawing/2014/main" id="{2C52F46E-A416-430E-9976-C033F5A0E3D8}"/>
               </a:ext>
             </a:extLst>
           </p:cNvPr>
@@ -22416,7 +22487,7 @@
             <p:cNvPr id="2" name="矩形 1">
               <a:extLst>
                 <a:ext uri="{FF2B5EF4-FFF2-40B4-BE49-F238E27FC236}">
-                  <a16:creationId xmlns:a16="http://schemas.microsoft.com/office/drawing/2014/main" xmlns="" id="{4AD83D79-2F49-4998-A677-A70E36EF1315}"/>
+                  <a16:creationId xmlns:a16="http://schemas.microsoft.com/office/drawing/2014/main" id="{4AD83D79-2F49-4998-A677-A70E36EF1315}"/>
                 </a:ext>
               </a:extLst>
             </p:cNvPr>
@@ -22468,7 +22539,7 @@
             <p:cNvPr id="18" name="矩形 17">
               <a:extLst>
                 <a:ext uri="{FF2B5EF4-FFF2-40B4-BE49-F238E27FC236}">
-                  <a16:creationId xmlns:a16="http://schemas.microsoft.com/office/drawing/2014/main" xmlns="" id="{63CFB48C-33DF-4D3B-B065-1B31E2DB25C2}"/>
+                  <a16:creationId xmlns:a16="http://schemas.microsoft.com/office/drawing/2014/main" id="{63CFB48C-33DF-4D3B-B065-1B31E2DB25C2}"/>
                 </a:ext>
               </a:extLst>
             </p:cNvPr>
@@ -22520,7 +22591,7 @@
             <p:cNvPr id="12" name="直接箭头连接符 11">
               <a:extLst>
                 <a:ext uri="{FF2B5EF4-FFF2-40B4-BE49-F238E27FC236}">
-                  <a16:creationId xmlns:a16="http://schemas.microsoft.com/office/drawing/2014/main" xmlns="" id="{E1937D5A-17C6-4F21-BC1A-FFCC1762F3C6}"/>
+                  <a16:creationId xmlns:a16="http://schemas.microsoft.com/office/drawing/2014/main" id="{E1937D5A-17C6-4F21-BC1A-FFCC1762F3C6}"/>
                 </a:ext>
               </a:extLst>
             </p:cNvPr>
@@ -22564,7 +22635,7 @@
             <p:cNvPr id="23" name="直接箭头连接符 22">
               <a:extLst>
                 <a:ext uri="{FF2B5EF4-FFF2-40B4-BE49-F238E27FC236}">
-                  <a16:creationId xmlns:a16="http://schemas.microsoft.com/office/drawing/2014/main" xmlns="" id="{7EA1ED8F-9FD8-4F48-B7C5-455D94C2D077}"/>
+                  <a16:creationId xmlns:a16="http://schemas.microsoft.com/office/drawing/2014/main" id="{7EA1ED8F-9FD8-4F48-B7C5-455D94C2D077}"/>
                 </a:ext>
               </a:extLst>
             </p:cNvPr>
@@ -22608,7 +22679,7 @@
             <p:cNvPr id="22" name="文本框 21">
               <a:extLst>
                 <a:ext uri="{FF2B5EF4-FFF2-40B4-BE49-F238E27FC236}">
-                  <a16:creationId xmlns:a16="http://schemas.microsoft.com/office/drawing/2014/main" xmlns="" id="{829DFA88-1E87-4E9E-84ED-6A07111FAA66}"/>
+                  <a16:creationId xmlns:a16="http://schemas.microsoft.com/office/drawing/2014/main" id="{829DFA88-1E87-4E9E-84ED-6A07111FAA66}"/>
                 </a:ext>
               </a:extLst>
             </p:cNvPr>
@@ -22842,7 +22913,7 @@
         </p:nvSpPr>
         <p:spPr>
           <a:xfrm>
-            <a:off x="-36512" y="-78618"/>
+            <a:off x="-36512" y="-27384"/>
             <a:ext cx="9192115" cy="6964002"/>
           </a:xfrm>
           <a:prstGeom prst="rect">
@@ -23494,7 +23565,7 @@
           <p:cNvPr id="19" name="文本框 18">
             <a:extLst>
               <a:ext uri="{FF2B5EF4-FFF2-40B4-BE49-F238E27FC236}">
-                <a16:creationId xmlns:a16="http://schemas.microsoft.com/office/drawing/2014/main" xmlns="" id="{0D82BFAC-BB4C-4ECD-868F-B60624128845}"/>
+                <a16:creationId xmlns:a16="http://schemas.microsoft.com/office/drawing/2014/main" id="{0D82BFAC-BB4C-4ECD-868F-B60624128845}"/>
               </a:ext>
             </a:extLst>
           </p:cNvPr>
@@ -23522,7 +23593,7 @@
                 <a:latin typeface="微软雅黑" panose="020B0503020204020204" pitchFamily="34" charset="-122"/>
                 <a:ea typeface="微软雅黑" panose="020B0503020204020204" pitchFamily="34" charset="-122"/>
               </a:rPr>
-              <a:t>第三季度</a:t>
+              <a:t>第一季度</a:t>
             </a:r>
             <a:r>
               <a:rPr lang="en-US" altLang="zh-CN" sz="1200" dirty="0">
@@ -23568,10 +23639,10 @@
       </p:sp>
       <p:pic>
         <p:nvPicPr>
-          <p:cNvPr id="15" name="图片 14">
+          <p:cNvPr id="2" name="图片 1">
             <a:extLst>
               <a:ext uri="{FF2B5EF4-FFF2-40B4-BE49-F238E27FC236}">
-                <a16:creationId xmlns:a16="http://schemas.microsoft.com/office/drawing/2014/main" xmlns="" id="{F1F216F5-99D0-4323-BC1C-9D445E7FF4BE}"/>
+                <a16:creationId xmlns:a16="http://schemas.microsoft.com/office/drawing/2014/main" id="{959A4850-EFCF-41B8-A815-F9923883D9E4}"/>
               </a:ext>
             </a:extLst>
           </p:cNvPr>
@@ -23588,8 +23659,8 @@
         </p:blipFill>
         <p:spPr>
           <a:xfrm>
-            <a:off x="1217169" y="1621210"/>
-            <a:ext cx="6684752" cy="3873167"/>
+            <a:off x="1092545" y="1715371"/>
+            <a:ext cx="7188268" cy="3339800"/>
           </a:xfrm>
           <a:prstGeom prst="rect">
             <a:avLst/>
@@ -23598,10 +23669,10 @@
       </p:pic>
       <p:grpSp>
         <p:nvGrpSpPr>
-          <p:cNvPr id="20" name="组合 19">
+          <p:cNvPr id="23" name="组合 22">
             <a:extLst>
               <a:ext uri="{FF2B5EF4-FFF2-40B4-BE49-F238E27FC236}">
-                <a16:creationId xmlns:a16="http://schemas.microsoft.com/office/drawing/2014/main" xmlns="" id="{8C620BFB-62AA-4A25-B7F5-D24E714BE021}"/>
+                <a16:creationId xmlns:a16="http://schemas.microsoft.com/office/drawing/2014/main" id="{933D935F-1A3F-4F3F-9E59-E7213E28A96F}"/>
               </a:ext>
             </a:extLst>
           </p:cNvPr>
@@ -23610,18 +23681,18 @@
         </p:nvGrpSpPr>
         <p:grpSpPr>
           <a:xfrm>
-            <a:off x="1691680" y="2805938"/>
-            <a:ext cx="6291600" cy="2670500"/>
-            <a:chOff x="1691680" y="2805938"/>
-            <a:chExt cx="6291600" cy="2670500"/>
+            <a:off x="1711408" y="3385271"/>
+            <a:ext cx="6460992" cy="2336050"/>
+            <a:chOff x="1522288" y="2924944"/>
+            <a:chExt cx="6460992" cy="2336050"/>
           </a:xfrm>
         </p:grpSpPr>
         <p:sp>
           <p:nvSpPr>
-            <p:cNvPr id="17" name="矩形 16">
+            <p:cNvPr id="24" name="矩形 23">
               <a:extLst>
                 <a:ext uri="{FF2B5EF4-FFF2-40B4-BE49-F238E27FC236}">
-                  <a16:creationId xmlns:a16="http://schemas.microsoft.com/office/drawing/2014/main" xmlns="" id="{6417E2AB-A47C-4FA0-83E6-9B6DDFA50FCE}"/>
+                  <a16:creationId xmlns:a16="http://schemas.microsoft.com/office/drawing/2014/main" id="{19AE8A0D-6F33-4098-B7FB-423FE428AC2B}"/>
                 </a:ext>
               </a:extLst>
             </p:cNvPr>
@@ -23630,8 +23701,8 @@
           </p:nvSpPr>
           <p:spPr>
             <a:xfrm>
-              <a:off x="1691680" y="2805938"/>
-              <a:ext cx="792088" cy="457665"/>
+              <a:off x="1522288" y="2924944"/>
+              <a:ext cx="720080" cy="375464"/>
             </a:xfrm>
             <a:prstGeom prst="rect">
               <a:avLst/>
@@ -23670,10 +23741,10 @@
         </p:sp>
         <p:sp>
           <p:nvSpPr>
-            <p:cNvPr id="27" name="矩形 26">
+            <p:cNvPr id="25" name="矩形 24">
               <a:extLst>
                 <a:ext uri="{FF2B5EF4-FFF2-40B4-BE49-F238E27FC236}">
-                  <a16:creationId xmlns:a16="http://schemas.microsoft.com/office/drawing/2014/main" xmlns="" id="{5A56DA1A-9750-4FE4-A853-413CED60EEF2}"/>
+                  <a16:creationId xmlns:a16="http://schemas.microsoft.com/office/drawing/2014/main" id="{E4D7CBD3-3653-44FD-98E8-163D05715E48}"/>
                 </a:ext>
               </a:extLst>
             </p:cNvPr>
@@ -23682,8 +23753,8 @@
           </p:nvSpPr>
           <p:spPr>
             <a:xfrm>
-              <a:off x="5220072" y="2866689"/>
-              <a:ext cx="792088" cy="457665"/>
+              <a:off x="5272715" y="2924944"/>
+              <a:ext cx="720080" cy="375464"/>
             </a:xfrm>
             <a:prstGeom prst="rect">
               <a:avLst/>
@@ -23722,10 +23793,10 @@
         </p:sp>
         <p:cxnSp>
           <p:nvCxnSpPr>
-            <p:cNvPr id="28" name="直接箭头连接符 27">
+            <p:cNvPr id="26" name="直接箭头连接符 25">
               <a:extLst>
                 <a:ext uri="{FF2B5EF4-FFF2-40B4-BE49-F238E27FC236}">
-                  <a16:creationId xmlns:a16="http://schemas.microsoft.com/office/drawing/2014/main" xmlns="" id="{A6240AF8-4D90-40AF-9E25-7C95B13B7F38}"/>
+                  <a16:creationId xmlns:a16="http://schemas.microsoft.com/office/drawing/2014/main" id="{50ADEF3F-732C-4155-8B68-E842DACAD936}"/>
                 </a:ext>
               </a:extLst>
             </p:cNvPr>
@@ -23766,10 +23837,10 @@
         </p:cxnSp>
         <p:cxnSp>
           <p:nvCxnSpPr>
-            <p:cNvPr id="29" name="直接箭头连接符 28">
+            <p:cNvPr id="31" name="直接箭头连接符 30">
               <a:extLst>
                 <a:ext uri="{FF2B5EF4-FFF2-40B4-BE49-F238E27FC236}">
-                  <a16:creationId xmlns:a16="http://schemas.microsoft.com/office/drawing/2014/main" xmlns="" id="{C35E8E2E-5827-49BA-9815-81C4B1C1BFA8}"/>
+                  <a16:creationId xmlns:a16="http://schemas.microsoft.com/office/drawing/2014/main" id="{8F81283D-628E-4BF4-9FD9-B9EEF1876533}"/>
                 </a:ext>
               </a:extLst>
             </p:cNvPr>
@@ -23810,10 +23881,10 @@
         </p:cxnSp>
         <p:sp>
           <p:nvSpPr>
-            <p:cNvPr id="30" name="文本框 29">
+            <p:cNvPr id="32" name="文本框 31">
               <a:extLst>
                 <a:ext uri="{FF2B5EF4-FFF2-40B4-BE49-F238E27FC236}">
-                  <a16:creationId xmlns:a16="http://schemas.microsoft.com/office/drawing/2014/main" xmlns="" id="{4FC5A471-AA48-45EC-80F1-78251BDFAB66}"/>
+                  <a16:creationId xmlns:a16="http://schemas.microsoft.com/office/drawing/2014/main" id="{23B9A179-5FBD-45E8-B7ED-DBC62BB88909}"/>
                 </a:ext>
               </a:extLst>
             </p:cNvPr>
@@ -23823,7 +23894,7 @@
           <p:spPr>
             <a:xfrm>
               <a:off x="6372200" y="4737774"/>
-              <a:ext cx="1611080" cy="738664"/>
+              <a:ext cx="1611080" cy="523220"/>
             </a:xfrm>
             <a:prstGeom prst="rect">
               <a:avLst/>
@@ -23844,26 +23915,7 @@
                   <a:latin typeface="微软雅黑" panose="020B0503020204020204" pitchFamily="34" charset="-122"/>
                   <a:ea typeface="微软雅黑" panose="020B0503020204020204" pitchFamily="34" charset="-122"/>
                 </a:rPr>
-                <a:t>明显的正向异常，</a:t>
-              </a:r>
-              <a:endParaRPr lang="en-US" altLang="zh-CN" sz="1400" dirty="0">
-                <a:solidFill>
-                  <a:srgbClr val="FF0000"/>
-                </a:solidFill>
-                <a:latin typeface="微软雅黑" panose="020B0503020204020204" pitchFamily="34" charset="-122"/>
-                <a:ea typeface="微软雅黑" panose="020B0503020204020204" pitchFamily="34" charset="-122"/>
-              </a:endParaRPr>
-            </a:p>
-            <a:p>
-              <a:r>
-                <a:rPr lang="zh-CN" altLang="en-US" sz="1400" dirty="0">
-                  <a:solidFill>
-                    <a:srgbClr val="FF0000"/>
-                  </a:solidFill>
-                  <a:latin typeface="微软雅黑" panose="020B0503020204020204" pitchFamily="34" charset="-122"/>
-                  <a:ea typeface="微软雅黑" panose="020B0503020204020204" pitchFamily="34" charset="-122"/>
-                </a:rPr>
-                <a:t>在中东太平洋有较大发展</a:t>
+                <a:t>初始扰动发展并不明显</a:t>
               </a:r>
               <a:endParaRPr lang="en-US" sz="1400" dirty="0">
                 <a:solidFill>
@@ -23876,10 +23928,40 @@
           </p:txBody>
         </p:sp>
       </p:grpSp>
+      <p:pic>
+        <p:nvPicPr>
+          <p:cNvPr id="14" name="图片 13">
+            <a:extLst>
+              <a:ext uri="{FF2B5EF4-FFF2-40B4-BE49-F238E27FC236}">
+                <a16:creationId xmlns:a16="http://schemas.microsoft.com/office/drawing/2014/main" id="{1FCC50BB-8086-4CCC-8F66-539C3F883EBD}"/>
+              </a:ext>
+            </a:extLst>
+          </p:cNvPr>
+          <p:cNvPicPr>
+            <a:picLocks noChangeAspect="1"/>
+          </p:cNvPicPr>
+          <p:nvPr/>
+        </p:nvPicPr>
+        <p:blipFill>
+          <a:blip r:embed="rId4"/>
+          <a:stretch>
+            <a:fillRect/>
+          </a:stretch>
+        </p:blipFill>
+        <p:spPr>
+          <a:xfrm>
+            <a:off x="3083354" y="5046000"/>
+            <a:ext cx="2952381" cy="447619"/>
+          </a:xfrm>
+          <a:prstGeom prst="rect">
+            <a:avLst/>
+          </a:prstGeom>
+        </p:spPr>
+      </p:pic>
     </p:spTree>
     <p:extLst>
       <p:ext uri="{BB962C8B-B14F-4D97-AF65-F5344CB8AC3E}">
-        <p14:creationId xmlns:p14="http://schemas.microsoft.com/office/powerpoint/2010/main" val="1137339214"/>
+        <p14:creationId xmlns:p14="http://schemas.microsoft.com/office/powerpoint/2010/main" val="2485806392"/>
       </p:ext>
     </p:extLst>
   </p:cSld>
@@ -23923,7 +24005,7 @@
                                           </p:stCondLst>
                                         </p:cTn>
                                         <p:tgtEl>
-                                          <p:spTgt spid="20"/>
+                                          <p:spTgt spid="23"/>
                                         </p:tgtEl>
                                         <p:attrNameLst>
                                           <p:attrName>style.visibility</p:attrName>
@@ -23937,7 +24019,7 @@
                                       <p:cBhvr>
                                         <p:cTn id="7" dur="500"/>
                                         <p:tgtEl>
-                                          <p:spTgt spid="20"/>
+                                          <p:spTgt spid="23"/>
                                         </p:tgtEl>
                                       </p:cBhvr>
                                     </p:animEffect>
@@ -23945,7 +24027,7 @@
                                       <p:cBhvr>
                                         <p:cTn id="8" dur="500" fill="hold"/>
                                         <p:tgtEl>
-                                          <p:spTgt spid="20"/>
+                                          <p:spTgt spid="23"/>
                                         </p:tgtEl>
                                         <p:attrNameLst>
                                           <p:attrName>ppt_x</p:attrName>
@@ -23968,7 +24050,7 @@
                                       <p:cBhvr>
                                         <p:cTn id="9" dur="500" fill="hold"/>
                                         <p:tgtEl>
-                                          <p:spTgt spid="20"/>
+                                          <p:spTgt spid="23"/>
                                         </p:tgtEl>
                                         <p:attrNameLst>
                                           <p:attrName>ppt_y</p:attrName>
@@ -24693,42 +24775,12 @@
           </a:p>
         </p:txBody>
       </p:sp>
-      <p:pic>
-        <p:nvPicPr>
-          <p:cNvPr id="18" name="图片 17">
-            <a:extLst>
-              <a:ext uri="{FF2B5EF4-FFF2-40B4-BE49-F238E27FC236}">
-                <a16:creationId xmlns:a16="http://schemas.microsoft.com/office/drawing/2014/main" xmlns="" id="{C73F9C32-7C93-416C-BFD7-5485EDC64959}"/>
-              </a:ext>
-            </a:extLst>
-          </p:cNvPr>
-          <p:cNvPicPr>
-            <a:picLocks noChangeAspect="1"/>
-          </p:cNvPicPr>
-          <p:nvPr/>
-        </p:nvPicPr>
-        <p:blipFill>
-          <a:blip r:embed="rId3"/>
-          <a:stretch>
-            <a:fillRect/>
-          </a:stretch>
-        </p:blipFill>
-        <p:spPr>
-          <a:xfrm>
-            <a:off x="830488" y="1578762"/>
-            <a:ext cx="7031611" cy="3734911"/>
-          </a:xfrm>
-          <a:prstGeom prst="rect">
-            <a:avLst/>
-          </a:prstGeom>
-        </p:spPr>
-      </p:pic>
       <p:sp>
         <p:nvSpPr>
           <p:cNvPr id="19" name="文本框 18">
             <a:extLst>
               <a:ext uri="{FF2B5EF4-FFF2-40B4-BE49-F238E27FC236}">
-                <a16:creationId xmlns:a16="http://schemas.microsoft.com/office/drawing/2014/main" xmlns="" id="{0D82BFAC-BB4C-4ECD-868F-B60624128845}"/>
+                <a16:creationId xmlns:a16="http://schemas.microsoft.com/office/drawing/2014/main" id="{0D82BFAC-BB4C-4ECD-868F-B60624128845}"/>
               </a:ext>
             </a:extLst>
           </p:cNvPr>
@@ -24737,8 +24789,8 @@
         </p:nvSpPr>
         <p:spPr>
           <a:xfrm>
-            <a:off x="2699791" y="5517232"/>
-            <a:ext cx="3293004" cy="276999"/>
+            <a:off x="2699790" y="5517232"/>
+            <a:ext cx="3600401" cy="276999"/>
           </a:xfrm>
           <a:prstGeom prst="rect">
             <a:avLst/>
@@ -24756,7 +24808,7 @@
                 <a:latin typeface="微软雅黑" panose="020B0503020204020204" pitchFamily="34" charset="-122"/>
                 <a:ea typeface="微软雅黑" panose="020B0503020204020204" pitchFamily="34" charset="-122"/>
               </a:rPr>
-              <a:t>全年</a:t>
+              <a:t>第三季度</a:t>
             </a:r>
             <a:r>
               <a:rPr lang="en-US" altLang="zh-CN" sz="1200" dirty="0">
@@ -24800,12 +24852,42 @@
           </a:p>
         </p:txBody>
       </p:sp>
+      <p:pic>
+        <p:nvPicPr>
+          <p:cNvPr id="15" name="图片 14">
+            <a:extLst>
+              <a:ext uri="{FF2B5EF4-FFF2-40B4-BE49-F238E27FC236}">
+                <a16:creationId xmlns:a16="http://schemas.microsoft.com/office/drawing/2014/main" id="{F1F216F5-99D0-4323-BC1C-9D445E7FF4BE}"/>
+              </a:ext>
+            </a:extLst>
+          </p:cNvPr>
+          <p:cNvPicPr>
+            <a:picLocks noChangeAspect="1"/>
+          </p:cNvPicPr>
+          <p:nvPr/>
+        </p:nvPicPr>
+        <p:blipFill>
+          <a:blip r:embed="rId3"/>
+          <a:stretch>
+            <a:fillRect/>
+          </a:stretch>
+        </p:blipFill>
+        <p:spPr>
+          <a:xfrm>
+            <a:off x="1217169" y="1621210"/>
+            <a:ext cx="6684752" cy="3873167"/>
+          </a:xfrm>
+          <a:prstGeom prst="rect">
+            <a:avLst/>
+          </a:prstGeom>
+        </p:spPr>
+      </p:pic>
       <p:grpSp>
         <p:nvGrpSpPr>
-          <p:cNvPr id="26" name="组合 25">
+          <p:cNvPr id="20" name="组合 19">
             <a:extLst>
               <a:ext uri="{FF2B5EF4-FFF2-40B4-BE49-F238E27FC236}">
-                <a16:creationId xmlns:a16="http://schemas.microsoft.com/office/drawing/2014/main" xmlns="" id="{91614314-30B0-47DD-8B99-D0489868A781}"/>
+                <a16:creationId xmlns:a16="http://schemas.microsoft.com/office/drawing/2014/main" id="{8C620BFB-62AA-4A25-B7F5-D24E714BE021}"/>
               </a:ext>
             </a:extLst>
           </p:cNvPr>
@@ -24814,18 +24896,18 @@
         </p:nvGrpSpPr>
         <p:grpSpPr>
           <a:xfrm>
-            <a:off x="1522288" y="2924944"/>
-            <a:ext cx="6460992" cy="2336050"/>
-            <a:chOff x="1522288" y="2924944"/>
-            <a:chExt cx="6460992" cy="2336050"/>
+            <a:off x="1691680" y="2805938"/>
+            <a:ext cx="6291600" cy="2670500"/>
+            <a:chOff x="1691680" y="2805938"/>
+            <a:chExt cx="6291600" cy="2670500"/>
           </a:xfrm>
         </p:grpSpPr>
         <p:sp>
           <p:nvSpPr>
-            <p:cNvPr id="2" name="矩形 1">
+            <p:cNvPr id="17" name="矩形 16">
               <a:extLst>
                 <a:ext uri="{FF2B5EF4-FFF2-40B4-BE49-F238E27FC236}">
-                  <a16:creationId xmlns:a16="http://schemas.microsoft.com/office/drawing/2014/main" xmlns="" id="{8E0DA11D-3BE9-489A-9CDD-1ACB602FC393}"/>
+                  <a16:creationId xmlns:a16="http://schemas.microsoft.com/office/drawing/2014/main" id="{6417E2AB-A47C-4FA0-83E6-9B6DDFA50FCE}"/>
                 </a:ext>
               </a:extLst>
             </p:cNvPr>
@@ -24834,8 +24916,8 @@
           </p:nvSpPr>
           <p:spPr>
             <a:xfrm>
-              <a:off x="1522288" y="2924944"/>
-              <a:ext cx="720080" cy="375464"/>
+              <a:off x="1691680" y="2805938"/>
+              <a:ext cx="792088" cy="457665"/>
             </a:xfrm>
             <a:prstGeom prst="rect">
               <a:avLst/>
@@ -24874,10 +24956,10 @@
         </p:sp>
         <p:sp>
           <p:nvSpPr>
-            <p:cNvPr id="21" name="矩形 20">
+            <p:cNvPr id="27" name="矩形 26">
               <a:extLst>
                 <a:ext uri="{FF2B5EF4-FFF2-40B4-BE49-F238E27FC236}">
-                  <a16:creationId xmlns:a16="http://schemas.microsoft.com/office/drawing/2014/main" xmlns="" id="{40747C36-DD7F-48C8-9819-511282630C51}"/>
+                  <a16:creationId xmlns:a16="http://schemas.microsoft.com/office/drawing/2014/main" id="{5A56DA1A-9750-4FE4-A853-413CED60EEF2}"/>
                 </a:ext>
               </a:extLst>
             </p:cNvPr>
@@ -24886,8 +24968,8 @@
           </p:nvSpPr>
           <p:spPr>
             <a:xfrm>
-              <a:off x="5272715" y="2924944"/>
-              <a:ext cx="720080" cy="375464"/>
+              <a:off x="5220072" y="2866689"/>
+              <a:ext cx="792088" cy="457665"/>
             </a:xfrm>
             <a:prstGeom prst="rect">
               <a:avLst/>
@@ -24926,10 +25008,10 @@
         </p:sp>
         <p:cxnSp>
           <p:nvCxnSpPr>
-            <p:cNvPr id="14" name="直接箭头连接符 13">
+            <p:cNvPr id="28" name="直接箭头连接符 27">
               <a:extLst>
                 <a:ext uri="{FF2B5EF4-FFF2-40B4-BE49-F238E27FC236}">
-                  <a16:creationId xmlns:a16="http://schemas.microsoft.com/office/drawing/2014/main" xmlns="" id="{F4B10F6E-96A1-4954-992B-933026FB7C4A}"/>
+                  <a16:creationId xmlns:a16="http://schemas.microsoft.com/office/drawing/2014/main" id="{A6240AF8-4D90-40AF-9E25-7C95B13B7F38}"/>
                 </a:ext>
               </a:extLst>
             </p:cNvPr>
@@ -24970,10 +25052,10 @@
         </p:cxnSp>
         <p:cxnSp>
           <p:nvCxnSpPr>
-            <p:cNvPr id="25" name="直接箭头连接符 24">
+            <p:cNvPr id="29" name="直接箭头连接符 28">
               <a:extLst>
                 <a:ext uri="{FF2B5EF4-FFF2-40B4-BE49-F238E27FC236}">
-                  <a16:creationId xmlns:a16="http://schemas.microsoft.com/office/drawing/2014/main" xmlns="" id="{8441FEE0-13A3-4506-A2DE-B1838BFC00AD}"/>
+                  <a16:creationId xmlns:a16="http://schemas.microsoft.com/office/drawing/2014/main" id="{C35E8E2E-5827-49BA-9815-81C4B1C1BFA8}"/>
                 </a:ext>
               </a:extLst>
             </p:cNvPr>
@@ -25014,10 +25096,10 @@
         </p:cxnSp>
         <p:sp>
           <p:nvSpPr>
-            <p:cNvPr id="24" name="文本框 23">
+            <p:cNvPr id="30" name="文本框 29">
               <a:extLst>
                 <a:ext uri="{FF2B5EF4-FFF2-40B4-BE49-F238E27FC236}">
-                  <a16:creationId xmlns:a16="http://schemas.microsoft.com/office/drawing/2014/main" xmlns="" id="{97C07B51-A4CF-4C7A-9336-24C37804B626}"/>
+                  <a16:creationId xmlns:a16="http://schemas.microsoft.com/office/drawing/2014/main" id="{4FC5A471-AA48-45EC-80F1-78251BDFAB66}"/>
                 </a:ext>
               </a:extLst>
             </p:cNvPr>
@@ -25027,7 +25109,7 @@
           <p:spPr>
             <a:xfrm>
               <a:off x="6372200" y="4737774"/>
-              <a:ext cx="1611080" cy="523220"/>
+              <a:ext cx="1611080" cy="738664"/>
             </a:xfrm>
             <a:prstGeom prst="rect">
               <a:avLst/>
@@ -25041,15 +25123,24 @@
             <a:lstStyle/>
             <a:p>
               <a:r>
-                <a:rPr lang="zh-CN" altLang="en-US" sz="1400">
+                <a:rPr lang="zh-CN" altLang="en-US" sz="1400" dirty="0">
                   <a:solidFill>
                     <a:srgbClr val="FF0000"/>
                   </a:solidFill>
                   <a:latin typeface="微软雅黑" panose="020B0503020204020204" pitchFamily="34" charset="-122"/>
                   <a:ea typeface="微软雅黑" panose="020B0503020204020204" pitchFamily="34" charset="-122"/>
                 </a:rPr>
-                <a:t>基本</a:t>
+                <a:t>扰动明显增加，</a:t>
               </a:r>
+              <a:endParaRPr lang="en-US" altLang="zh-CN" sz="1400" dirty="0">
+                <a:solidFill>
+                  <a:srgbClr val="FF0000"/>
+                </a:solidFill>
+                <a:latin typeface="微软雅黑" panose="020B0503020204020204" pitchFamily="34" charset="-122"/>
+                <a:ea typeface="微软雅黑" panose="020B0503020204020204" pitchFamily="34" charset="-122"/>
+              </a:endParaRPr>
+            </a:p>
+            <a:p>
               <a:r>
                 <a:rPr lang="zh-CN" altLang="en-US" sz="1400" dirty="0">
                   <a:solidFill>
@@ -25058,17 +25149,7 @@
                   <a:latin typeface="微软雅黑" panose="020B0503020204020204" pitchFamily="34" charset="-122"/>
                   <a:ea typeface="微软雅黑" panose="020B0503020204020204" pitchFamily="34" charset="-122"/>
                 </a:rPr>
-                <a:t>可以判断为</a:t>
-              </a:r>
-              <a:r>
-                <a:rPr lang="en-US" altLang="zh-CN" sz="1400" dirty="0">
-                  <a:solidFill>
-                    <a:srgbClr val="FF0000"/>
-                  </a:solidFill>
-                  <a:latin typeface="微软雅黑" panose="020B0503020204020204" pitchFamily="34" charset="-122"/>
-                  <a:ea typeface="微软雅黑" panose="020B0503020204020204" pitchFamily="34" charset="-122"/>
-                </a:rPr>
-                <a:t>OGE</a:t>
+                <a:t>在中东太平洋有较大发展</a:t>
               </a:r>
               <a:endParaRPr lang="en-US" sz="1400" dirty="0">
                 <a:solidFill>
@@ -25084,7 +25165,7 @@
     </p:spTree>
     <p:extLst>
       <p:ext uri="{BB962C8B-B14F-4D97-AF65-F5344CB8AC3E}">
-        <p14:creationId xmlns:p14="http://schemas.microsoft.com/office/powerpoint/2010/main" val="584532135"/>
+        <p14:creationId xmlns:p14="http://schemas.microsoft.com/office/powerpoint/2010/main" val="1137339214"/>
       </p:ext>
     </p:extLst>
   </p:cSld>
@@ -25128,7 +25209,7 @@
                                           </p:stCondLst>
                                         </p:cTn>
                                         <p:tgtEl>
-                                          <p:spTgt spid="26"/>
+                                          <p:spTgt spid="20"/>
                                         </p:tgtEl>
                                         <p:attrNameLst>
                                           <p:attrName>style.visibility</p:attrName>
@@ -25142,7 +25223,7 @@
                                       <p:cBhvr>
                                         <p:cTn id="7" dur="500"/>
                                         <p:tgtEl>
-                                          <p:spTgt spid="26"/>
+                                          <p:spTgt spid="20"/>
                                         </p:tgtEl>
                                       </p:cBhvr>
                                     </p:animEffect>
@@ -25150,7 +25231,7 @@
                                       <p:cBhvr>
                                         <p:cTn id="8" dur="500" fill="hold"/>
                                         <p:tgtEl>
-                                          <p:spTgt spid="26"/>
+                                          <p:spTgt spid="20"/>
                                         </p:tgtEl>
                                         <p:attrNameLst>
                                           <p:attrName>ppt_x</p:attrName>
@@ -25173,7 +25254,7 @@
                                       <p:cBhvr>
                                         <p:cTn id="9" dur="500" fill="hold"/>
                                         <p:tgtEl>
-                                          <p:spTgt spid="26"/>
+                                          <p:spTgt spid="20"/>
                                         </p:tgtEl>
                                         <p:attrNameLst>
                                           <p:attrName>ppt_y</p:attrName>
@@ -26264,8 +26345,8 @@
         </p:nvSpPr>
         <p:spPr>
           <a:xfrm>
-            <a:off x="4302067" y="1124744"/>
-            <a:ext cx="646331" cy="369332"/>
+            <a:off x="4285895" y="1142791"/>
+            <a:ext cx="595035" cy="338554"/>
           </a:xfrm>
           <a:prstGeom prst="rect">
             <a:avLst/>
@@ -26279,7 +26360,7 @@
           <a:lstStyle/>
           <a:p>
             <a:r>
-              <a:rPr lang="zh-CN" altLang="en-US" dirty="0">
+              <a:rPr lang="zh-CN" altLang="en-US" sz="1600" dirty="0">
                 <a:solidFill>
                   <a:schemeClr val="tx1">
                     <a:lumMod val="85000"/>
@@ -27906,17 +27987,1205 @@
   <p:transition spd="med">
     <p:push dir="u"/>
   </p:transition>
+</p:sld>
+</file>
+
+<file path=ppt/slides/slide20.xml><?xml version="1.0" encoding="utf-8"?>
+<p:sld xmlns:a="http://schemas.openxmlformats.org/drawingml/2006/main" xmlns:r="http://schemas.openxmlformats.org/officeDocument/2006/relationships" xmlns:p="http://schemas.openxmlformats.org/presentationml/2006/main">
+  <p:cSld>
+    <p:spTree>
+      <p:nvGrpSpPr>
+        <p:cNvPr id="1" name=""/>
+        <p:cNvGrpSpPr/>
+        <p:nvPr/>
+      </p:nvGrpSpPr>
+      <p:grpSpPr>
+        <a:xfrm>
+          <a:off x="0" y="0"/>
+          <a:ext cx="0" cy="0"/>
+          <a:chOff x="0" y="0"/>
+          <a:chExt cx="0" cy="0"/>
+        </a:xfrm>
+      </p:grpSpPr>
+      <p:sp>
+        <p:nvSpPr>
+          <p:cNvPr id="37" name="矩形 36"/>
+          <p:cNvSpPr/>
+          <p:nvPr/>
+        </p:nvSpPr>
+        <p:spPr>
+          <a:xfrm>
+            <a:off x="-36512" y="-78618"/>
+            <a:ext cx="9192115" cy="6964002"/>
+          </a:xfrm>
+          <a:prstGeom prst="rect">
+            <a:avLst/>
+          </a:prstGeom>
+          <a:solidFill>
+            <a:schemeClr val="bg1">
+              <a:lumMod val="95000"/>
+            </a:schemeClr>
+          </a:solidFill>
+          <a:ln>
+            <a:noFill/>
+          </a:ln>
+        </p:spPr>
+        <p:style>
+          <a:lnRef idx="2">
+            <a:schemeClr val="accent1">
+              <a:shade val="50000"/>
+            </a:schemeClr>
+          </a:lnRef>
+          <a:fillRef idx="1">
+            <a:schemeClr val="accent1"/>
+          </a:fillRef>
+          <a:effectRef idx="0">
+            <a:schemeClr val="accent1"/>
+          </a:effectRef>
+          <a:fontRef idx="minor">
+            <a:schemeClr val="lt1"/>
+          </a:fontRef>
+        </p:style>
+        <p:txBody>
+          <a:bodyPr rtlCol="0" anchor="ctr"/>
+          <a:lstStyle/>
+          <a:p>
+            <a:pPr algn="ctr"/>
+            <a:endParaRPr lang="zh-CN" altLang="en-US" dirty="0">
+              <a:solidFill>
+                <a:schemeClr val="bg1"/>
+              </a:solidFill>
+            </a:endParaRPr>
+          </a:p>
+        </p:txBody>
+      </p:sp>
+      <p:cxnSp>
+        <p:nvCxnSpPr>
+          <p:cNvPr id="6" name="肘形连接符 5"/>
+          <p:cNvCxnSpPr/>
+          <p:nvPr/>
+        </p:nvCxnSpPr>
+        <p:spPr>
+          <a:xfrm>
+            <a:off x="971600" y="404664"/>
+            <a:ext cx="7200800" cy="216024"/>
+          </a:xfrm>
+          <a:prstGeom prst="bentConnector3">
+            <a:avLst/>
+          </a:prstGeom>
+          <a:ln w="19050">
+            <a:solidFill>
+              <a:schemeClr val="tx1">
+                <a:lumMod val="85000"/>
+                <a:lumOff val="15000"/>
+              </a:schemeClr>
+            </a:solidFill>
+            <a:prstDash val="sysDot"/>
+          </a:ln>
+        </p:spPr>
+        <p:style>
+          <a:lnRef idx="1">
+            <a:schemeClr val="accent1"/>
+          </a:lnRef>
+          <a:fillRef idx="0">
+            <a:schemeClr val="accent1"/>
+          </a:fillRef>
+          <a:effectRef idx="0">
+            <a:schemeClr val="accent1"/>
+          </a:effectRef>
+          <a:fontRef idx="minor">
+            <a:schemeClr val="tx1"/>
+          </a:fontRef>
+        </p:style>
+      </p:cxnSp>
+      <p:sp>
+        <p:nvSpPr>
+          <p:cNvPr id="8" name="TextBox 7"/>
+          <p:cNvSpPr txBox="1"/>
+          <p:nvPr/>
+        </p:nvSpPr>
+        <p:spPr>
+          <a:xfrm>
+            <a:off x="6804248" y="282134"/>
+            <a:ext cx="1005403" cy="338554"/>
+          </a:xfrm>
+          <a:prstGeom prst="rect">
+            <a:avLst/>
+          </a:prstGeom>
+          <a:noFill/>
+        </p:spPr>
+        <p:txBody>
+          <a:bodyPr wrap="none" rtlCol="0">
+            <a:spAutoFit/>
+          </a:bodyPr>
+          <a:lstStyle/>
+          <a:p>
+            <a:r>
+              <a:rPr lang="zh-CN" altLang="en-US" sz="1600" dirty="0">
+                <a:latin typeface="微软雅黑" panose="020B0503020204020204" pitchFamily="34" charset="-122"/>
+                <a:ea typeface="微软雅黑" panose="020B0503020204020204" pitchFamily="34" charset="-122"/>
+              </a:rPr>
+              <a:t>结果分析</a:t>
+            </a:r>
+          </a:p>
+        </p:txBody>
+      </p:sp>
+      <p:sp>
+        <p:nvSpPr>
+          <p:cNvPr id="10" name="圆角矩形 9"/>
+          <p:cNvSpPr/>
+          <p:nvPr/>
+        </p:nvSpPr>
+        <p:spPr>
+          <a:xfrm>
+            <a:off x="971600" y="27432"/>
+            <a:ext cx="2541537" cy="332656"/>
+          </a:xfrm>
+          <a:prstGeom prst="roundRect">
+            <a:avLst>
+              <a:gd name="adj" fmla="val 46904"/>
+            </a:avLst>
+          </a:prstGeom>
+          <a:ln>
+            <a:noFill/>
+          </a:ln>
+        </p:spPr>
+        <p:style>
+          <a:lnRef idx="2">
+            <a:schemeClr val="accent1">
+              <a:shade val="50000"/>
+            </a:schemeClr>
+          </a:lnRef>
+          <a:fillRef idx="1001">
+            <a:schemeClr val="dk2"/>
+          </a:fillRef>
+          <a:effectRef idx="0">
+            <a:schemeClr val="accent1"/>
+          </a:effectRef>
+          <a:fontRef idx="minor">
+            <a:schemeClr val="lt1"/>
+          </a:fontRef>
+        </p:style>
+        <p:txBody>
+          <a:bodyPr rtlCol="0" anchor="ctr"/>
+          <a:lstStyle/>
+          <a:p>
+            <a:pPr algn="ctr"/>
+            <a:r>
+              <a:rPr lang="zh-CN" altLang="en-US" dirty="0">
+                <a:solidFill>
+                  <a:schemeClr val="bg1"/>
+                </a:solidFill>
+                <a:latin typeface="微软雅黑" panose="020B0503020204020204" pitchFamily="34" charset="-122"/>
+                <a:ea typeface="微软雅黑" panose="020B0503020204020204" pitchFamily="34" charset="-122"/>
+              </a:rPr>
+              <a:t>实验结果分析</a:t>
+            </a:r>
+          </a:p>
+        </p:txBody>
+      </p:sp>
+      <p:grpSp>
+        <p:nvGrpSpPr>
+          <p:cNvPr id="7" name="组合 6"/>
+          <p:cNvGrpSpPr/>
+          <p:nvPr/>
+        </p:nvGrpSpPr>
+        <p:grpSpPr>
+          <a:xfrm rot="1612617">
+            <a:off x="8178802" y="44619"/>
+            <a:ext cx="141497" cy="1576388"/>
+            <a:chOff x="4464560" y="1504216"/>
+            <a:chExt cx="340608" cy="3644968"/>
+          </a:xfrm>
+        </p:grpSpPr>
+        <p:sp>
+          <p:nvSpPr>
+            <p:cNvPr id="3" name="矩形 2"/>
+            <p:cNvSpPr/>
+            <p:nvPr/>
+          </p:nvSpPr>
+          <p:spPr>
+            <a:xfrm>
+              <a:off x="4568617" y="1719815"/>
+              <a:ext cx="144016" cy="2646008"/>
+            </a:xfrm>
+            <a:prstGeom prst="rect">
+              <a:avLst/>
+            </a:prstGeom>
+            <a:solidFill>
+              <a:schemeClr val="bg1">
+                <a:lumMod val="65000"/>
+              </a:schemeClr>
+            </a:solidFill>
+            <a:ln>
+              <a:noFill/>
+            </a:ln>
+          </p:spPr>
+          <p:style>
+            <a:lnRef idx="2">
+              <a:schemeClr val="accent1">
+                <a:shade val="50000"/>
+              </a:schemeClr>
+            </a:lnRef>
+            <a:fillRef idx="1">
+              <a:schemeClr val="accent1"/>
+            </a:fillRef>
+            <a:effectRef idx="0">
+              <a:schemeClr val="accent1"/>
+            </a:effectRef>
+            <a:fontRef idx="minor">
+              <a:schemeClr val="lt1"/>
+            </a:fontRef>
+          </p:style>
+          <p:txBody>
+            <a:bodyPr rtlCol="0" anchor="ctr"/>
+            <a:lstStyle/>
+            <a:p>
+              <a:pPr algn="ctr"/>
+              <a:endParaRPr lang="zh-CN" altLang="en-US"/>
+            </a:p>
+          </p:txBody>
+        </p:sp>
+        <p:sp>
+          <p:nvSpPr>
+            <p:cNvPr id="11" name="矩形 10"/>
+            <p:cNvSpPr/>
+            <p:nvPr/>
+          </p:nvSpPr>
+          <p:spPr>
+            <a:xfrm>
+              <a:off x="4464560" y="1719815"/>
+              <a:ext cx="72008" cy="2646008"/>
+            </a:xfrm>
+            <a:prstGeom prst="rect">
+              <a:avLst/>
+            </a:prstGeom>
+            <a:solidFill>
+              <a:schemeClr val="bg1">
+                <a:lumMod val="65000"/>
+              </a:schemeClr>
+            </a:solidFill>
+            <a:ln>
+              <a:noFill/>
+            </a:ln>
+          </p:spPr>
+          <p:style>
+            <a:lnRef idx="2">
+              <a:schemeClr val="accent1">
+                <a:shade val="50000"/>
+              </a:schemeClr>
+            </a:lnRef>
+            <a:fillRef idx="1">
+              <a:schemeClr val="accent1"/>
+            </a:fillRef>
+            <a:effectRef idx="0">
+              <a:schemeClr val="accent1"/>
+            </a:effectRef>
+            <a:fontRef idx="minor">
+              <a:schemeClr val="lt1"/>
+            </a:fontRef>
+          </p:style>
+          <p:txBody>
+            <a:bodyPr rtlCol="0" anchor="ctr"/>
+            <a:lstStyle/>
+            <a:p>
+              <a:pPr algn="ctr"/>
+              <a:endParaRPr lang="zh-CN" altLang="en-US"/>
+            </a:p>
+          </p:txBody>
+        </p:sp>
+        <p:sp>
+          <p:nvSpPr>
+            <p:cNvPr id="13" name="矩形 12"/>
+            <p:cNvSpPr/>
+            <p:nvPr/>
+          </p:nvSpPr>
+          <p:spPr>
+            <a:xfrm>
+              <a:off x="4733160" y="1719096"/>
+              <a:ext cx="72008" cy="2646008"/>
+            </a:xfrm>
+            <a:prstGeom prst="rect">
+              <a:avLst/>
+            </a:prstGeom>
+            <a:solidFill>
+              <a:schemeClr val="bg1">
+                <a:lumMod val="65000"/>
+              </a:schemeClr>
+            </a:solidFill>
+            <a:ln>
+              <a:noFill/>
+            </a:ln>
+          </p:spPr>
+          <p:style>
+            <a:lnRef idx="2">
+              <a:schemeClr val="accent1">
+                <a:shade val="50000"/>
+              </a:schemeClr>
+            </a:lnRef>
+            <a:fillRef idx="1">
+              <a:schemeClr val="accent1"/>
+            </a:fillRef>
+            <a:effectRef idx="0">
+              <a:schemeClr val="accent1"/>
+            </a:effectRef>
+            <a:fontRef idx="minor">
+              <a:schemeClr val="lt1"/>
+            </a:fontRef>
+          </p:style>
+          <p:txBody>
+            <a:bodyPr rtlCol="0" anchor="ctr"/>
+            <a:lstStyle/>
+            <a:p>
+              <a:pPr algn="ctr"/>
+              <a:endParaRPr lang="zh-CN" altLang="en-US"/>
+            </a:p>
+          </p:txBody>
+        </p:sp>
+        <p:sp>
+          <p:nvSpPr>
+            <p:cNvPr id="4" name="圆角矩形 3"/>
+            <p:cNvSpPr/>
+            <p:nvPr/>
+          </p:nvSpPr>
+          <p:spPr>
+            <a:xfrm>
+              <a:off x="4464560" y="1504216"/>
+              <a:ext cx="340608" cy="191261"/>
+            </a:xfrm>
+            <a:prstGeom prst="roundRect">
+              <a:avLst/>
+            </a:prstGeom>
+            <a:solidFill>
+              <a:schemeClr val="bg1">
+                <a:lumMod val="65000"/>
+              </a:schemeClr>
+            </a:solidFill>
+            <a:ln>
+              <a:noFill/>
+            </a:ln>
+          </p:spPr>
+          <p:style>
+            <a:lnRef idx="2">
+              <a:schemeClr val="accent1">
+                <a:shade val="50000"/>
+              </a:schemeClr>
+            </a:lnRef>
+            <a:fillRef idx="1">
+              <a:schemeClr val="accent1"/>
+            </a:fillRef>
+            <a:effectRef idx="0">
+              <a:schemeClr val="accent1"/>
+            </a:effectRef>
+            <a:fontRef idx="minor">
+              <a:schemeClr val="lt1"/>
+            </a:fontRef>
+          </p:style>
+          <p:txBody>
+            <a:bodyPr rtlCol="0" anchor="ctr"/>
+            <a:lstStyle/>
+            <a:p>
+              <a:pPr algn="ctr"/>
+              <a:endParaRPr lang="zh-CN" altLang="en-US"/>
+            </a:p>
+          </p:txBody>
+        </p:sp>
+        <p:sp>
+          <p:nvSpPr>
+            <p:cNvPr id="5" name="任意多边形 4"/>
+            <p:cNvSpPr/>
+            <p:nvPr/>
+          </p:nvSpPr>
+          <p:spPr>
+            <a:xfrm>
+              <a:off x="4470272" y="4390232"/>
+              <a:ext cx="325752" cy="758952"/>
+            </a:xfrm>
+            <a:custGeom>
+              <a:avLst/>
+              <a:gdLst>
+                <a:gd name="connsiteX0" fmla="*/ 0 w 292608"/>
+                <a:gd name="connsiteY0" fmla="*/ 0 h 749808"/>
+                <a:gd name="connsiteX1" fmla="*/ 146304 w 292608"/>
+                <a:gd name="connsiteY1" fmla="*/ 749808 h 749808"/>
+                <a:gd name="connsiteX2" fmla="*/ 292608 w 292608"/>
+                <a:gd name="connsiteY2" fmla="*/ 36576 h 749808"/>
+                <a:gd name="connsiteX3" fmla="*/ 0 w 292608"/>
+                <a:gd name="connsiteY3" fmla="*/ 0 h 749808"/>
+                <a:gd name="connsiteX0" fmla="*/ 0 w 301752"/>
+                <a:gd name="connsiteY0" fmla="*/ 9144 h 758952"/>
+                <a:gd name="connsiteX1" fmla="*/ 146304 w 301752"/>
+                <a:gd name="connsiteY1" fmla="*/ 758952 h 758952"/>
+                <a:gd name="connsiteX2" fmla="*/ 301752 w 301752"/>
+                <a:gd name="connsiteY2" fmla="*/ 0 h 758952"/>
+                <a:gd name="connsiteX3" fmla="*/ 0 w 301752"/>
+                <a:gd name="connsiteY3" fmla="*/ 9144 h 758952"/>
+              </a:gdLst>
+              <a:ahLst/>
+              <a:cxnLst>
+                <a:cxn ang="0">
+                  <a:pos x="connsiteX0" y="connsiteY0"/>
+                </a:cxn>
+                <a:cxn ang="0">
+                  <a:pos x="connsiteX1" y="connsiteY1"/>
+                </a:cxn>
+                <a:cxn ang="0">
+                  <a:pos x="connsiteX2" y="connsiteY2"/>
+                </a:cxn>
+                <a:cxn ang="0">
+                  <a:pos x="connsiteX3" y="connsiteY3"/>
+                </a:cxn>
+              </a:cxnLst>
+              <a:rect l="l" t="t" r="r" b="b"/>
+              <a:pathLst>
+                <a:path w="301752" h="758952">
+                  <a:moveTo>
+                    <a:pt x="0" y="9144"/>
+                  </a:moveTo>
+                  <a:lnTo>
+                    <a:pt x="146304" y="758952"/>
+                  </a:lnTo>
+                  <a:lnTo>
+                    <a:pt x="301752" y="0"/>
+                  </a:lnTo>
+                  <a:lnTo>
+                    <a:pt x="0" y="9144"/>
+                  </a:lnTo>
+                  <a:close/>
+                </a:path>
+              </a:pathLst>
+            </a:custGeom>
+            <a:solidFill>
+              <a:schemeClr val="bg1">
+                <a:lumMod val="65000"/>
+              </a:schemeClr>
+            </a:solidFill>
+            <a:ln>
+              <a:noFill/>
+            </a:ln>
+          </p:spPr>
+          <p:style>
+            <a:lnRef idx="2">
+              <a:schemeClr val="accent1">
+                <a:shade val="50000"/>
+              </a:schemeClr>
+            </a:lnRef>
+            <a:fillRef idx="1">
+              <a:schemeClr val="accent1"/>
+            </a:fillRef>
+            <a:effectRef idx="0">
+              <a:schemeClr val="accent1"/>
+            </a:effectRef>
+            <a:fontRef idx="minor">
+              <a:schemeClr val="lt1"/>
+            </a:fontRef>
+          </p:style>
+          <p:txBody>
+            <a:bodyPr rtlCol="0" anchor="ctr"/>
+            <a:lstStyle/>
+            <a:p>
+              <a:pPr algn="ctr"/>
+              <a:endParaRPr lang="zh-CN" altLang="en-US"/>
+            </a:p>
+          </p:txBody>
+        </p:sp>
+      </p:grpSp>
+      <p:sp>
+        <p:nvSpPr>
+          <p:cNvPr id="16" name="任意多边形 15"/>
+          <p:cNvSpPr/>
+          <p:nvPr/>
+        </p:nvSpPr>
+        <p:spPr>
+          <a:xfrm>
+            <a:off x="8460432" y="-137160"/>
+            <a:ext cx="801630" cy="794512"/>
+          </a:xfrm>
+          <a:custGeom>
+            <a:avLst/>
+            <a:gdLst>
+              <a:gd name="connsiteX0" fmla="*/ 420624 w 777240"/>
+              <a:gd name="connsiteY0" fmla="*/ 9144 h 850392"/>
+              <a:gd name="connsiteX1" fmla="*/ 0 w 777240"/>
+              <a:gd name="connsiteY1" fmla="*/ 841248 h 850392"/>
+              <a:gd name="connsiteX2" fmla="*/ 777240 w 777240"/>
+              <a:gd name="connsiteY2" fmla="*/ 850392 h 850392"/>
+              <a:gd name="connsiteX3" fmla="*/ 777240 w 777240"/>
+              <a:gd name="connsiteY3" fmla="*/ 0 h 850392"/>
+              <a:gd name="connsiteX4" fmla="*/ 420624 w 777240"/>
+              <a:gd name="connsiteY4" fmla="*/ 9144 h 850392"/>
+              <a:gd name="connsiteX0" fmla="*/ 393192 w 749808"/>
+              <a:gd name="connsiteY0" fmla="*/ 9144 h 850392"/>
+              <a:gd name="connsiteX1" fmla="*/ 0 w 749808"/>
+              <a:gd name="connsiteY1" fmla="*/ 786384 h 850392"/>
+              <a:gd name="connsiteX2" fmla="*/ 749808 w 749808"/>
+              <a:gd name="connsiteY2" fmla="*/ 850392 h 850392"/>
+              <a:gd name="connsiteX3" fmla="*/ 749808 w 749808"/>
+              <a:gd name="connsiteY3" fmla="*/ 0 h 850392"/>
+              <a:gd name="connsiteX4" fmla="*/ 393192 w 749808"/>
+              <a:gd name="connsiteY4" fmla="*/ 9144 h 850392"/>
+              <a:gd name="connsiteX0" fmla="*/ 393192 w 749808"/>
+              <a:gd name="connsiteY0" fmla="*/ 9144 h 786384"/>
+              <a:gd name="connsiteX1" fmla="*/ 0 w 749808"/>
+              <a:gd name="connsiteY1" fmla="*/ 786384 h 786384"/>
+              <a:gd name="connsiteX2" fmla="*/ 749808 w 749808"/>
+              <a:gd name="connsiteY2" fmla="*/ 786384 h 786384"/>
+              <a:gd name="connsiteX3" fmla="*/ 749808 w 749808"/>
+              <a:gd name="connsiteY3" fmla="*/ 0 h 786384"/>
+              <a:gd name="connsiteX4" fmla="*/ 393192 w 749808"/>
+              <a:gd name="connsiteY4" fmla="*/ 9144 h 786384"/>
+              <a:gd name="connsiteX0" fmla="*/ 393192 w 749808"/>
+              <a:gd name="connsiteY0" fmla="*/ 9144 h 786384"/>
+              <a:gd name="connsiteX1" fmla="*/ 0 w 749808"/>
+              <a:gd name="connsiteY1" fmla="*/ 786384 h 786384"/>
+              <a:gd name="connsiteX2" fmla="*/ 749808 w 749808"/>
+              <a:gd name="connsiteY2" fmla="*/ 786384 h 786384"/>
+              <a:gd name="connsiteX3" fmla="*/ 749808 w 749808"/>
+              <a:gd name="connsiteY3" fmla="*/ 0 h 786384"/>
+              <a:gd name="connsiteX4" fmla="*/ 393192 w 749808"/>
+              <a:gd name="connsiteY4" fmla="*/ 9144 h 786384"/>
+              <a:gd name="connsiteX0" fmla="*/ 393192 w 749808"/>
+              <a:gd name="connsiteY0" fmla="*/ 9144 h 822960"/>
+              <a:gd name="connsiteX1" fmla="*/ 0 w 749808"/>
+              <a:gd name="connsiteY1" fmla="*/ 786384 h 822960"/>
+              <a:gd name="connsiteX2" fmla="*/ 740664 w 749808"/>
+              <a:gd name="connsiteY2" fmla="*/ 822960 h 822960"/>
+              <a:gd name="connsiteX3" fmla="*/ 749808 w 749808"/>
+              <a:gd name="connsiteY3" fmla="*/ 0 h 822960"/>
+              <a:gd name="connsiteX4" fmla="*/ 393192 w 749808"/>
+              <a:gd name="connsiteY4" fmla="*/ 9144 h 822960"/>
+              <a:gd name="connsiteX0" fmla="*/ 393192 w 786384"/>
+              <a:gd name="connsiteY0" fmla="*/ 9144 h 786384"/>
+              <a:gd name="connsiteX1" fmla="*/ 0 w 786384"/>
+              <a:gd name="connsiteY1" fmla="*/ 786384 h 786384"/>
+              <a:gd name="connsiteX2" fmla="*/ 786384 w 786384"/>
+              <a:gd name="connsiteY2" fmla="*/ 758952 h 786384"/>
+              <a:gd name="connsiteX3" fmla="*/ 749808 w 786384"/>
+              <a:gd name="connsiteY3" fmla="*/ 0 h 786384"/>
+              <a:gd name="connsiteX4" fmla="*/ 393192 w 786384"/>
+              <a:gd name="connsiteY4" fmla="*/ 9144 h 786384"/>
+              <a:gd name="connsiteX0" fmla="*/ 393192 w 795528"/>
+              <a:gd name="connsiteY0" fmla="*/ 9144 h 786384"/>
+              <a:gd name="connsiteX1" fmla="*/ 0 w 795528"/>
+              <a:gd name="connsiteY1" fmla="*/ 786384 h 786384"/>
+              <a:gd name="connsiteX2" fmla="*/ 795528 w 795528"/>
+              <a:gd name="connsiteY2" fmla="*/ 786384 h 786384"/>
+              <a:gd name="connsiteX3" fmla="*/ 749808 w 795528"/>
+              <a:gd name="connsiteY3" fmla="*/ 0 h 786384"/>
+              <a:gd name="connsiteX4" fmla="*/ 393192 w 795528"/>
+              <a:gd name="connsiteY4" fmla="*/ 9144 h 786384"/>
+              <a:gd name="connsiteX0" fmla="*/ 393192 w 801630"/>
+              <a:gd name="connsiteY0" fmla="*/ 9144 h 794512"/>
+              <a:gd name="connsiteX1" fmla="*/ 0 w 801630"/>
+              <a:gd name="connsiteY1" fmla="*/ 786384 h 794512"/>
+              <a:gd name="connsiteX2" fmla="*/ 795528 w 801630"/>
+              <a:gd name="connsiteY2" fmla="*/ 786384 h 794512"/>
+              <a:gd name="connsiteX3" fmla="*/ 749808 w 801630"/>
+              <a:gd name="connsiteY3" fmla="*/ 0 h 794512"/>
+              <a:gd name="connsiteX4" fmla="*/ 393192 w 801630"/>
+              <a:gd name="connsiteY4" fmla="*/ 9144 h 794512"/>
+            </a:gdLst>
+            <a:ahLst/>
+            <a:cxnLst>
+              <a:cxn ang="0">
+                <a:pos x="connsiteX0" y="connsiteY0"/>
+              </a:cxn>
+              <a:cxn ang="0">
+                <a:pos x="connsiteX1" y="connsiteY1"/>
+              </a:cxn>
+              <a:cxn ang="0">
+                <a:pos x="connsiteX2" y="connsiteY2"/>
+              </a:cxn>
+              <a:cxn ang="0">
+                <a:pos x="connsiteX3" y="connsiteY3"/>
+              </a:cxn>
+              <a:cxn ang="0">
+                <a:pos x="connsiteX4" y="connsiteY4"/>
+              </a:cxn>
+            </a:cxnLst>
+            <a:rect l="l" t="t" r="r" b="b"/>
+            <a:pathLst>
+              <a:path w="801630" h="794512">
+                <a:moveTo>
+                  <a:pt x="393192" y="9144"/>
+                </a:moveTo>
+                <a:lnTo>
+                  <a:pt x="0" y="786384"/>
+                </a:lnTo>
+                <a:cubicBezTo>
+                  <a:pt x="265176" y="786384"/>
+                  <a:pt x="868680" y="804672"/>
+                  <a:pt x="795528" y="786384"/>
+                </a:cubicBezTo>
+                <a:lnTo>
+                  <a:pt x="749808" y="0"/>
+                </a:lnTo>
+                <a:lnTo>
+                  <a:pt x="393192" y="9144"/>
+                </a:lnTo>
+                <a:close/>
+              </a:path>
+            </a:pathLst>
+          </a:custGeom>
+          <a:solidFill>
+            <a:schemeClr val="tx2">
+              <a:lumMod val="60000"/>
+              <a:lumOff val="40000"/>
+            </a:schemeClr>
+          </a:solidFill>
+          <a:ln>
+            <a:noFill/>
+          </a:ln>
+        </p:spPr>
+        <p:style>
+          <a:lnRef idx="2">
+            <a:schemeClr val="accent1">
+              <a:shade val="50000"/>
+            </a:schemeClr>
+          </a:lnRef>
+          <a:fillRef idx="1">
+            <a:schemeClr val="accent1"/>
+          </a:fillRef>
+          <a:effectRef idx="0">
+            <a:schemeClr val="accent1"/>
+          </a:effectRef>
+          <a:fontRef idx="minor">
+            <a:schemeClr val="lt1"/>
+          </a:fontRef>
+        </p:style>
+        <p:txBody>
+          <a:bodyPr rtlCol="0" anchor="ctr"/>
+          <a:lstStyle/>
+          <a:p>
+            <a:pPr algn="ctr"/>
+            <a:endParaRPr lang="zh-CN" altLang="en-US"/>
+          </a:p>
+        </p:txBody>
+      </p:sp>
+      <p:pic>
+        <p:nvPicPr>
+          <p:cNvPr id="18" name="图片 17">
+            <a:extLst>
+              <a:ext uri="{FF2B5EF4-FFF2-40B4-BE49-F238E27FC236}">
+                <a16:creationId xmlns:a16="http://schemas.microsoft.com/office/drawing/2014/main" id="{C73F9C32-7C93-416C-BFD7-5485EDC64959}"/>
+              </a:ext>
+            </a:extLst>
+          </p:cNvPr>
+          <p:cNvPicPr>
+            <a:picLocks noChangeAspect="1"/>
+          </p:cNvPicPr>
+          <p:nvPr/>
+        </p:nvPicPr>
+        <p:blipFill>
+          <a:blip r:embed="rId3"/>
+          <a:stretch>
+            <a:fillRect/>
+          </a:stretch>
+        </p:blipFill>
+        <p:spPr>
+          <a:xfrm>
+            <a:off x="830488" y="1578762"/>
+            <a:ext cx="7031611" cy="3734911"/>
+          </a:xfrm>
+          <a:prstGeom prst="rect">
+            <a:avLst/>
+          </a:prstGeom>
+        </p:spPr>
+      </p:pic>
+      <p:sp>
+        <p:nvSpPr>
+          <p:cNvPr id="19" name="文本框 18">
+            <a:extLst>
+              <a:ext uri="{FF2B5EF4-FFF2-40B4-BE49-F238E27FC236}">
+                <a16:creationId xmlns:a16="http://schemas.microsoft.com/office/drawing/2014/main" id="{0D82BFAC-BB4C-4ECD-868F-B60624128845}"/>
+              </a:ext>
+            </a:extLst>
+          </p:cNvPr>
+          <p:cNvSpPr txBox="1"/>
+          <p:nvPr/>
+        </p:nvSpPr>
+        <p:spPr>
+          <a:xfrm>
+            <a:off x="2699791" y="5517232"/>
+            <a:ext cx="3293004" cy="276999"/>
+          </a:xfrm>
+          <a:prstGeom prst="rect">
+            <a:avLst/>
+          </a:prstGeom>
+          <a:noFill/>
+        </p:spPr>
+        <p:txBody>
+          <a:bodyPr wrap="square" rtlCol="0">
+            <a:spAutoFit/>
+          </a:bodyPr>
+          <a:lstStyle/>
+          <a:p>
+            <a:r>
+              <a:rPr lang="zh-CN" altLang="en-US" sz="1200" dirty="0">
+                <a:latin typeface="微软雅黑" panose="020B0503020204020204" pitchFamily="34" charset="-122"/>
+                <a:ea typeface="微软雅黑" panose="020B0503020204020204" pitchFamily="34" charset="-122"/>
+              </a:rPr>
+              <a:t>全年</a:t>
+            </a:r>
+            <a:r>
+              <a:rPr lang="en-US" altLang="zh-CN" sz="1200" dirty="0">
+                <a:latin typeface="微软雅黑" panose="020B0503020204020204" pitchFamily="34" charset="-122"/>
+                <a:ea typeface="微软雅黑" panose="020B0503020204020204" pitchFamily="34" charset="-122"/>
+              </a:rPr>
+              <a:t>SSTA</a:t>
+            </a:r>
+            <a:r>
+              <a:rPr lang="zh-CN" altLang="en-US" sz="1200" dirty="0">
+                <a:latin typeface="微软雅黑" panose="020B0503020204020204" pitchFamily="34" charset="-122"/>
+                <a:ea typeface="微软雅黑" panose="020B0503020204020204" pitchFamily="34" charset="-122"/>
+              </a:rPr>
+              <a:t>对比</a:t>
+            </a:r>
+            <a:r>
+              <a:rPr lang="en-US" altLang="zh-CN" sz="1200" dirty="0">
+                <a:latin typeface="微软雅黑" panose="020B0503020204020204" pitchFamily="34" charset="-122"/>
+                <a:ea typeface="微软雅黑" panose="020B0503020204020204" pitchFamily="34" charset="-122"/>
+              </a:rPr>
+              <a:t>(</a:t>
+            </a:r>
+            <a:r>
+              <a:rPr lang="zh-CN" altLang="en-US" sz="1200" dirty="0">
+                <a:latin typeface="微软雅黑" panose="020B0503020204020204" pitchFamily="34" charset="-122"/>
+                <a:ea typeface="微软雅黑" panose="020B0503020204020204" pitchFamily="34" charset="-122"/>
+              </a:rPr>
+              <a:t>左侧未加扰动，右侧叠加扰动</a:t>
+            </a:r>
+            <a:r>
+              <a:rPr lang="en-US" altLang="zh-CN" sz="1200" dirty="0">
+                <a:latin typeface="微软雅黑" panose="020B0503020204020204" pitchFamily="34" charset="-122"/>
+                <a:ea typeface="微软雅黑" panose="020B0503020204020204" pitchFamily="34" charset="-122"/>
+              </a:rPr>
+              <a:t>)</a:t>
+            </a:r>
+            <a:endParaRPr lang="en-US" sz="1200" dirty="0">
+              <a:latin typeface="微软雅黑" panose="020B0503020204020204" pitchFamily="34" charset="-122"/>
+              <a:ea typeface="微软雅黑" panose="020B0503020204020204" pitchFamily="34" charset="-122"/>
+            </a:endParaRPr>
+          </a:p>
+        </p:txBody>
+      </p:sp>
+      <p:grpSp>
+        <p:nvGrpSpPr>
+          <p:cNvPr id="26" name="组合 25">
+            <a:extLst>
+              <a:ext uri="{FF2B5EF4-FFF2-40B4-BE49-F238E27FC236}">
+                <a16:creationId xmlns:a16="http://schemas.microsoft.com/office/drawing/2014/main" id="{91614314-30B0-47DD-8B99-D0489868A781}"/>
+              </a:ext>
+            </a:extLst>
+          </p:cNvPr>
+          <p:cNvGrpSpPr/>
+          <p:nvPr/>
+        </p:nvGrpSpPr>
+        <p:grpSpPr>
+          <a:xfrm>
+            <a:off x="1522288" y="2924944"/>
+            <a:ext cx="6460992" cy="2336050"/>
+            <a:chOff x="1522288" y="2924944"/>
+            <a:chExt cx="6460992" cy="2336050"/>
+          </a:xfrm>
+        </p:grpSpPr>
+        <p:sp>
+          <p:nvSpPr>
+            <p:cNvPr id="2" name="矩形 1">
+              <a:extLst>
+                <a:ext uri="{FF2B5EF4-FFF2-40B4-BE49-F238E27FC236}">
+                  <a16:creationId xmlns:a16="http://schemas.microsoft.com/office/drawing/2014/main" id="{8E0DA11D-3BE9-489A-9CDD-1ACB602FC393}"/>
+                </a:ext>
+              </a:extLst>
+            </p:cNvPr>
+            <p:cNvSpPr/>
+            <p:nvPr/>
+          </p:nvSpPr>
+          <p:spPr>
+            <a:xfrm>
+              <a:off x="1522288" y="2924944"/>
+              <a:ext cx="720080" cy="375464"/>
+            </a:xfrm>
+            <a:prstGeom prst="rect">
+              <a:avLst/>
+            </a:prstGeom>
+            <a:noFill/>
+            <a:ln w="19050">
+              <a:solidFill>
+                <a:srgbClr val="FF0000"/>
+              </a:solidFill>
+            </a:ln>
+          </p:spPr>
+          <p:style>
+            <a:lnRef idx="2">
+              <a:schemeClr val="accent1">
+                <a:shade val="50000"/>
+              </a:schemeClr>
+            </a:lnRef>
+            <a:fillRef idx="1">
+              <a:schemeClr val="accent1"/>
+            </a:fillRef>
+            <a:effectRef idx="0">
+              <a:schemeClr val="accent1"/>
+            </a:effectRef>
+            <a:fontRef idx="minor">
+              <a:schemeClr val="lt1"/>
+            </a:fontRef>
+          </p:style>
+          <p:txBody>
+            <a:bodyPr rtlCol="0" anchor="ctr"/>
+            <a:lstStyle/>
+            <a:p>
+              <a:pPr algn="ctr"/>
+              <a:endParaRPr lang="en-US"/>
+            </a:p>
+          </p:txBody>
+        </p:sp>
+        <p:sp>
+          <p:nvSpPr>
+            <p:cNvPr id="21" name="矩形 20">
+              <a:extLst>
+                <a:ext uri="{FF2B5EF4-FFF2-40B4-BE49-F238E27FC236}">
+                  <a16:creationId xmlns:a16="http://schemas.microsoft.com/office/drawing/2014/main" id="{40747C36-DD7F-48C8-9819-511282630C51}"/>
+                </a:ext>
+              </a:extLst>
+            </p:cNvPr>
+            <p:cNvSpPr/>
+            <p:nvPr/>
+          </p:nvSpPr>
+          <p:spPr>
+            <a:xfrm>
+              <a:off x="5272715" y="2924944"/>
+              <a:ext cx="720080" cy="375464"/>
+            </a:xfrm>
+            <a:prstGeom prst="rect">
+              <a:avLst/>
+            </a:prstGeom>
+            <a:noFill/>
+            <a:ln w="19050">
+              <a:solidFill>
+                <a:srgbClr val="FF0000"/>
+              </a:solidFill>
+            </a:ln>
+          </p:spPr>
+          <p:style>
+            <a:lnRef idx="2">
+              <a:schemeClr val="accent1">
+                <a:shade val="50000"/>
+              </a:schemeClr>
+            </a:lnRef>
+            <a:fillRef idx="1">
+              <a:schemeClr val="accent1"/>
+            </a:fillRef>
+            <a:effectRef idx="0">
+              <a:schemeClr val="accent1"/>
+            </a:effectRef>
+            <a:fontRef idx="minor">
+              <a:schemeClr val="lt1"/>
+            </a:fontRef>
+          </p:style>
+          <p:txBody>
+            <a:bodyPr rtlCol="0" anchor="ctr"/>
+            <a:lstStyle/>
+            <a:p>
+              <a:pPr algn="ctr"/>
+              <a:endParaRPr lang="en-US"/>
+            </a:p>
+          </p:txBody>
+        </p:sp>
+        <p:cxnSp>
+          <p:nvCxnSpPr>
+            <p:cNvPr id="14" name="直接箭头连接符 13">
+              <a:extLst>
+                <a:ext uri="{FF2B5EF4-FFF2-40B4-BE49-F238E27FC236}">
+                  <a16:creationId xmlns:a16="http://schemas.microsoft.com/office/drawing/2014/main" id="{F4B10F6E-96A1-4954-992B-933026FB7C4A}"/>
+                </a:ext>
+              </a:extLst>
+            </p:cNvPr>
+            <p:cNvCxnSpPr>
+              <a:cxnSpLocks/>
+            </p:cNvCxnSpPr>
+            <p:nvPr/>
+          </p:nvCxnSpPr>
+          <p:spPr>
+            <a:xfrm flipH="1" flipV="1">
+              <a:off x="2123728" y="3300408"/>
+              <a:ext cx="4248472" cy="1424736"/>
+            </a:xfrm>
+            <a:prstGeom prst="straightConnector1">
+              <a:avLst/>
+            </a:prstGeom>
+            <a:ln>
+              <a:solidFill>
+                <a:srgbClr val="FF0000"/>
+              </a:solidFill>
+              <a:tailEnd type="triangle"/>
+            </a:ln>
+          </p:spPr>
+          <p:style>
+            <a:lnRef idx="1">
+              <a:schemeClr val="accent2"/>
+            </a:lnRef>
+            <a:fillRef idx="0">
+              <a:schemeClr val="accent2"/>
+            </a:fillRef>
+            <a:effectRef idx="0">
+              <a:schemeClr val="accent2"/>
+            </a:effectRef>
+            <a:fontRef idx="minor">
+              <a:schemeClr val="tx1"/>
+            </a:fontRef>
+          </p:style>
+        </p:cxnSp>
+        <p:cxnSp>
+          <p:nvCxnSpPr>
+            <p:cNvPr id="25" name="直接箭头连接符 24">
+              <a:extLst>
+                <a:ext uri="{FF2B5EF4-FFF2-40B4-BE49-F238E27FC236}">
+                  <a16:creationId xmlns:a16="http://schemas.microsoft.com/office/drawing/2014/main" id="{8441FEE0-13A3-4506-A2DE-B1838BFC00AD}"/>
+                </a:ext>
+              </a:extLst>
+            </p:cNvPr>
+            <p:cNvCxnSpPr>
+              <a:cxnSpLocks/>
+            </p:cNvCxnSpPr>
+            <p:nvPr/>
+          </p:nvCxnSpPr>
+          <p:spPr>
+            <a:xfrm flipH="1" flipV="1">
+              <a:off x="5632756" y="3313038"/>
+              <a:ext cx="739444" cy="1424736"/>
+            </a:xfrm>
+            <a:prstGeom prst="straightConnector1">
+              <a:avLst/>
+            </a:prstGeom>
+            <a:ln>
+              <a:solidFill>
+                <a:srgbClr val="FF0000"/>
+              </a:solidFill>
+              <a:tailEnd type="triangle"/>
+            </a:ln>
+          </p:spPr>
+          <p:style>
+            <a:lnRef idx="1">
+              <a:schemeClr val="accent2"/>
+            </a:lnRef>
+            <a:fillRef idx="0">
+              <a:schemeClr val="accent2"/>
+            </a:fillRef>
+            <a:effectRef idx="0">
+              <a:schemeClr val="accent2"/>
+            </a:effectRef>
+            <a:fontRef idx="minor">
+              <a:schemeClr val="tx1"/>
+            </a:fontRef>
+          </p:style>
+        </p:cxnSp>
+        <p:sp>
+          <p:nvSpPr>
+            <p:cNvPr id="24" name="文本框 23">
+              <a:extLst>
+                <a:ext uri="{FF2B5EF4-FFF2-40B4-BE49-F238E27FC236}">
+                  <a16:creationId xmlns:a16="http://schemas.microsoft.com/office/drawing/2014/main" id="{97C07B51-A4CF-4C7A-9336-24C37804B626}"/>
+                </a:ext>
+              </a:extLst>
+            </p:cNvPr>
+            <p:cNvSpPr txBox="1"/>
+            <p:nvPr/>
+          </p:nvSpPr>
+          <p:spPr>
+            <a:xfrm>
+              <a:off x="6372200" y="4737774"/>
+              <a:ext cx="1611080" cy="523220"/>
+            </a:xfrm>
+            <a:prstGeom prst="rect">
+              <a:avLst/>
+            </a:prstGeom>
+            <a:noFill/>
+          </p:spPr>
+          <p:txBody>
+            <a:bodyPr wrap="square" rtlCol="0">
+              <a:spAutoFit/>
+            </a:bodyPr>
+            <a:lstStyle/>
+            <a:p>
+              <a:r>
+                <a:rPr lang="zh-CN" altLang="en-US" sz="1400" dirty="0">
+                  <a:solidFill>
+                    <a:srgbClr val="FF0000"/>
+                  </a:solidFill>
+                  <a:latin typeface="微软雅黑" panose="020B0503020204020204" pitchFamily="34" charset="-122"/>
+                  <a:ea typeface="微软雅黑" panose="020B0503020204020204" pitchFamily="34" charset="-122"/>
+                </a:rPr>
+                <a:t>发展最快，基本可以判断为</a:t>
+              </a:r>
+              <a:r>
+                <a:rPr lang="en-US" altLang="zh-CN" sz="1400" dirty="0">
+                  <a:solidFill>
+                    <a:srgbClr val="FF0000"/>
+                  </a:solidFill>
+                  <a:latin typeface="微软雅黑" panose="020B0503020204020204" pitchFamily="34" charset="-122"/>
+                  <a:ea typeface="微软雅黑" panose="020B0503020204020204" pitchFamily="34" charset="-122"/>
+                </a:rPr>
+                <a:t>OGE</a:t>
+              </a:r>
+              <a:endParaRPr lang="en-US" sz="1400" dirty="0">
+                <a:solidFill>
+                  <a:srgbClr val="FF0000"/>
+                </a:solidFill>
+                <a:latin typeface="微软雅黑" panose="020B0503020204020204" pitchFamily="34" charset="-122"/>
+                <a:ea typeface="微软雅黑" panose="020B0503020204020204" pitchFamily="34" charset="-122"/>
+              </a:endParaRPr>
+            </a:p>
+          </p:txBody>
+        </p:sp>
+      </p:grpSp>
+    </p:spTree>
+    <p:extLst>
+      <p:ext uri="{BB962C8B-B14F-4D97-AF65-F5344CB8AC3E}">
+        <p14:creationId xmlns:p14="http://schemas.microsoft.com/office/powerpoint/2010/main" val="584532135"/>
+      </p:ext>
+    </p:extLst>
+  </p:cSld>
+  <p:clrMapOvr>
+    <a:masterClrMapping/>
+  </p:clrMapOvr>
+  <p:transition spd="med">
+    <p:push dir="u"/>
+  </p:transition>
   <p:timing>
     <p:tnLst>
       <p:par>
-        <p:cTn id="1" dur="indefinite" restart="never" nodeType="tmRoot"/>
+        <p:cTn id="1" dur="indefinite" restart="never" nodeType="tmRoot">
+          <p:childTnLst>
+            <p:seq concurrent="1" nextAc="seek">
+              <p:cTn id="2" dur="indefinite" nodeType="mainSeq">
+                <p:childTnLst>
+                  <p:par>
+                    <p:cTn id="3" fill="hold">
+                      <p:stCondLst>
+                        <p:cond delay="indefinite"/>
+                      </p:stCondLst>
+                      <p:childTnLst>
+                        <p:par>
+                          <p:cTn id="4" fill="hold">
+                            <p:stCondLst>
+                              <p:cond delay="0"/>
+                            </p:stCondLst>
+                            <p:childTnLst>
+                              <p:par>
+                                <p:cTn id="5" presetID="42" presetClass="entr" presetSubtype="0" fill="hold" nodeType="clickEffect">
+                                  <p:stCondLst>
+                                    <p:cond delay="0"/>
+                                  </p:stCondLst>
+                                  <p:childTnLst>
+                                    <p:set>
+                                      <p:cBhvr>
+                                        <p:cTn id="6" dur="1" fill="hold">
+                                          <p:stCondLst>
+                                            <p:cond delay="0"/>
+                                          </p:stCondLst>
+                                        </p:cTn>
+                                        <p:tgtEl>
+                                          <p:spTgt spid="26"/>
+                                        </p:tgtEl>
+                                        <p:attrNameLst>
+                                          <p:attrName>style.visibility</p:attrName>
+                                        </p:attrNameLst>
+                                      </p:cBhvr>
+                                      <p:to>
+                                        <p:strVal val="visible"/>
+                                      </p:to>
+                                    </p:set>
+                                    <p:animEffect transition="in" filter="fade">
+                                      <p:cBhvr>
+                                        <p:cTn id="7" dur="500"/>
+                                        <p:tgtEl>
+                                          <p:spTgt spid="26"/>
+                                        </p:tgtEl>
+                                      </p:cBhvr>
+                                    </p:animEffect>
+                                    <p:anim calcmode="lin" valueType="num">
+                                      <p:cBhvr>
+                                        <p:cTn id="8" dur="500" fill="hold"/>
+                                        <p:tgtEl>
+                                          <p:spTgt spid="26"/>
+                                        </p:tgtEl>
+                                        <p:attrNameLst>
+                                          <p:attrName>ppt_x</p:attrName>
+                                        </p:attrNameLst>
+                                      </p:cBhvr>
+                                      <p:tavLst>
+                                        <p:tav tm="0">
+                                          <p:val>
+                                            <p:strVal val="#ppt_x"/>
+                                          </p:val>
+                                        </p:tav>
+                                        <p:tav tm="100000">
+                                          <p:val>
+                                            <p:strVal val="#ppt_x"/>
+                                          </p:val>
+                                        </p:tav>
+                                      </p:tavLst>
+                                    </p:anim>
+                                    <p:anim calcmode="lin" valueType="num">
+                                      <p:cBhvr>
+                                        <p:cTn id="9" dur="500" fill="hold"/>
+                                        <p:tgtEl>
+                                          <p:spTgt spid="26"/>
+                                        </p:tgtEl>
+                                        <p:attrNameLst>
+                                          <p:attrName>ppt_y</p:attrName>
+                                        </p:attrNameLst>
+                                      </p:cBhvr>
+                                      <p:tavLst>
+                                        <p:tav tm="0">
+                                          <p:val>
+                                            <p:strVal val="#ppt_y+.1"/>
+                                          </p:val>
+                                        </p:tav>
+                                        <p:tav tm="100000">
+                                          <p:val>
+                                            <p:strVal val="#ppt_y"/>
+                                          </p:val>
+                                        </p:tav>
+                                      </p:tavLst>
+                                    </p:anim>
+                                  </p:childTnLst>
+                                </p:cTn>
+                              </p:par>
+                            </p:childTnLst>
+                          </p:cTn>
+                        </p:par>
+                      </p:childTnLst>
+                    </p:cTn>
+                  </p:par>
+                </p:childTnLst>
+              </p:cTn>
+              <p:prevCondLst>
+                <p:cond evt="onPrev" delay="0">
+                  <p:tgtEl>
+                    <p:sldTgt/>
+                  </p:tgtEl>
+                </p:cond>
+              </p:prevCondLst>
+              <p:nextCondLst>
+                <p:cond evt="onNext" delay="0">
+                  <p:tgtEl>
+                    <p:sldTgt/>
+                  </p:tgtEl>
+                </p:cond>
+              </p:nextCondLst>
+            </p:seq>
+          </p:childTnLst>
+        </p:cTn>
       </p:par>
     </p:tnLst>
   </p:timing>
 </p:sld>
 </file>
 
-<file path=ppt/slides/slide20.xml><?xml version="1.0" encoding="utf-8"?>
+<file path=ppt/slides/slide21.xml><?xml version="1.0" encoding="utf-8"?>
 <p:sld xmlns:a="http://schemas.openxmlformats.org/drawingml/2006/main" xmlns:r="http://schemas.openxmlformats.org/officeDocument/2006/relationships" xmlns:p="http://schemas.openxmlformats.org/presentationml/2006/main">
   <p:cSld>
     <p:spTree>
@@ -28653,7 +29922,7 @@
 </p:sld>
 </file>
 
-<file path=ppt/slides/slide21.xml><?xml version="1.0" encoding="utf-8"?>
+<file path=ppt/slides/slide22.xml><?xml version="1.0" encoding="utf-8"?>
 <p:sld xmlns:a="http://schemas.openxmlformats.org/drawingml/2006/main" xmlns:r="http://schemas.openxmlformats.org/officeDocument/2006/relationships" xmlns:p="http://schemas.openxmlformats.org/presentationml/2006/main">
   <p:cSld>
     <p:spTree>
@@ -29356,7 +30625,7 @@
           <p:cNvPr id="2" name="组合 1">
             <a:extLst>
               <a:ext uri="{FF2B5EF4-FFF2-40B4-BE49-F238E27FC236}">
-                <a16:creationId xmlns:a16="http://schemas.microsoft.com/office/drawing/2014/main" xmlns="" id="{64CBD4F7-1657-4E1B-8B15-F33986A04978}"/>
+                <a16:creationId xmlns:a16="http://schemas.microsoft.com/office/drawing/2014/main" id="{64CBD4F7-1657-4E1B-8B15-F33986A04978}"/>
               </a:ext>
             </a:extLst>
           </p:cNvPr>
@@ -29752,7 +31021,7 @@
           <p:cNvPr id="9" name="文本框 8">
             <a:extLst>
               <a:ext uri="{FF2B5EF4-FFF2-40B4-BE49-F238E27FC236}">
-                <a16:creationId xmlns:a16="http://schemas.microsoft.com/office/drawing/2014/main" xmlns="" id="{B5FAEB35-1AB6-458B-910A-804A18C27754}"/>
+                <a16:creationId xmlns:a16="http://schemas.microsoft.com/office/drawing/2014/main" id="{B5FAEB35-1AB6-458B-910A-804A18C27754}"/>
               </a:ext>
             </a:extLst>
           </p:cNvPr>
@@ -29794,7 +31063,7 @@
           <p:cNvPr id="14" name="文本框 13">
             <a:extLst>
               <a:ext uri="{FF2B5EF4-FFF2-40B4-BE49-F238E27FC236}">
-                <a16:creationId xmlns:a16="http://schemas.microsoft.com/office/drawing/2014/main" xmlns="" id="{00C2AEDF-DACA-4E39-BADB-6030CB900A5A}"/>
+                <a16:creationId xmlns:a16="http://schemas.microsoft.com/office/drawing/2014/main" id="{00C2AEDF-DACA-4E39-BADB-6030CB900A5A}"/>
               </a:ext>
             </a:extLst>
           </p:cNvPr>
@@ -29995,7 +31264,7 @@
 </p:sld>
 </file>
 
-<file path=ppt/slides/slide22.xml><?xml version="1.0" encoding="utf-8"?>
+<file path=ppt/slides/slide23.xml><?xml version="1.0" encoding="utf-8"?>
 <p:sld xmlns:a="http://schemas.openxmlformats.org/drawingml/2006/main" xmlns:r="http://schemas.openxmlformats.org/officeDocument/2006/relationships" xmlns:p="http://schemas.openxmlformats.org/presentationml/2006/main">
   <p:cSld>
     <p:spTree>
@@ -34094,7 +35363,7 @@
           <p:cNvPr id="69" name="肘形连接符 5">
             <a:extLst>
               <a:ext uri="{FF2B5EF4-FFF2-40B4-BE49-F238E27FC236}">
-                <a16:creationId xmlns:a16="http://schemas.microsoft.com/office/drawing/2014/main" xmlns="" id="{6E3EF5E8-A41D-4A0C-BA85-13326B1DC03D}"/>
+                <a16:creationId xmlns:a16="http://schemas.microsoft.com/office/drawing/2014/main" id="{6E3EF5E8-A41D-4A0C-BA85-13326B1DC03D}"/>
               </a:ext>
             </a:extLst>
           </p:cNvPr>
@@ -34139,7 +35408,7 @@
           <p:cNvPr id="70" name="圆角矩形 9">
             <a:extLst>
               <a:ext uri="{FF2B5EF4-FFF2-40B4-BE49-F238E27FC236}">
-                <a16:creationId xmlns:a16="http://schemas.microsoft.com/office/drawing/2014/main" xmlns="" id="{42D852E7-3C2A-448D-B660-D5287E9DD131}"/>
+                <a16:creationId xmlns:a16="http://schemas.microsoft.com/office/drawing/2014/main" id="{42D852E7-3C2A-448D-B660-D5287E9DD131}"/>
               </a:ext>
             </a:extLst>
           </p:cNvPr>
@@ -34196,7 +35465,7 @@
           <p:cNvPr id="85" name="组合 84">
             <a:extLst>
               <a:ext uri="{FF2B5EF4-FFF2-40B4-BE49-F238E27FC236}">
-                <a16:creationId xmlns:a16="http://schemas.microsoft.com/office/drawing/2014/main" xmlns="" id="{309E8460-1398-482A-BD98-6C1A326749B7}"/>
+                <a16:creationId xmlns:a16="http://schemas.microsoft.com/office/drawing/2014/main" id="{309E8460-1398-482A-BD98-6C1A326749B7}"/>
               </a:ext>
             </a:extLst>
           </p:cNvPr>
@@ -34216,7 +35485,7 @@
             <p:cNvPr id="89" name="矩形 88">
               <a:extLst>
                 <a:ext uri="{FF2B5EF4-FFF2-40B4-BE49-F238E27FC236}">
-                  <a16:creationId xmlns:a16="http://schemas.microsoft.com/office/drawing/2014/main" xmlns="" id="{94BB0ACF-B73F-4A98-A92D-91A6020DEB66}"/>
+                  <a16:creationId xmlns:a16="http://schemas.microsoft.com/office/drawing/2014/main" id="{94BB0ACF-B73F-4A98-A92D-91A6020DEB66}"/>
                 </a:ext>
               </a:extLst>
             </p:cNvPr>
@@ -34270,7 +35539,7 @@
             <p:cNvPr id="90" name="矩形 89">
               <a:extLst>
                 <a:ext uri="{FF2B5EF4-FFF2-40B4-BE49-F238E27FC236}">
-                  <a16:creationId xmlns:a16="http://schemas.microsoft.com/office/drawing/2014/main" xmlns="" id="{C01BEEAA-419E-4C33-A3F3-1C80240C9D88}"/>
+                  <a16:creationId xmlns:a16="http://schemas.microsoft.com/office/drawing/2014/main" id="{C01BEEAA-419E-4C33-A3F3-1C80240C9D88}"/>
                 </a:ext>
               </a:extLst>
             </p:cNvPr>
@@ -34324,7 +35593,7 @@
             <p:cNvPr id="91" name="矩形 90">
               <a:extLst>
                 <a:ext uri="{FF2B5EF4-FFF2-40B4-BE49-F238E27FC236}">
-                  <a16:creationId xmlns:a16="http://schemas.microsoft.com/office/drawing/2014/main" xmlns="" id="{DC88F859-1FCD-41B9-A987-A212F3488293}"/>
+                  <a16:creationId xmlns:a16="http://schemas.microsoft.com/office/drawing/2014/main" id="{DC88F859-1FCD-41B9-A987-A212F3488293}"/>
                 </a:ext>
               </a:extLst>
             </p:cNvPr>
@@ -34378,7 +35647,7 @@
             <p:cNvPr id="92" name="圆角矩形 3">
               <a:extLst>
                 <a:ext uri="{FF2B5EF4-FFF2-40B4-BE49-F238E27FC236}">
-                  <a16:creationId xmlns:a16="http://schemas.microsoft.com/office/drawing/2014/main" xmlns="" id="{210F8E0A-6B67-4EC6-90CB-E5E347033170}"/>
+                  <a16:creationId xmlns:a16="http://schemas.microsoft.com/office/drawing/2014/main" id="{210F8E0A-6B67-4EC6-90CB-E5E347033170}"/>
                 </a:ext>
               </a:extLst>
             </p:cNvPr>
@@ -34432,7 +35701,7 @@
             <p:cNvPr id="93" name="任意多边形 4">
               <a:extLst>
                 <a:ext uri="{FF2B5EF4-FFF2-40B4-BE49-F238E27FC236}">
-                  <a16:creationId xmlns:a16="http://schemas.microsoft.com/office/drawing/2014/main" xmlns="" id="{2108CCC9-D333-4C9D-A693-9BADC71044DD}"/>
+                  <a16:creationId xmlns:a16="http://schemas.microsoft.com/office/drawing/2014/main" id="{2108CCC9-D333-4C9D-A693-9BADC71044DD}"/>
                 </a:ext>
               </a:extLst>
             </p:cNvPr>
@@ -34538,7 +35807,7 @@
           <p:cNvPr id="94" name="任意多边形 15">
             <a:extLst>
               <a:ext uri="{FF2B5EF4-FFF2-40B4-BE49-F238E27FC236}">
-                <a16:creationId xmlns:a16="http://schemas.microsoft.com/office/drawing/2014/main" xmlns="" id="{3E39BC38-BC17-49EE-8123-7267781440F9}"/>
+                <a16:creationId xmlns:a16="http://schemas.microsoft.com/office/drawing/2014/main" id="{3E39BC38-BC17-49EE-8123-7267781440F9}"/>
               </a:ext>
             </a:extLst>
           </p:cNvPr>
@@ -34727,7 +35996,7 @@
 </p:sld>
 </file>
 
-<file path=ppt/slides/slide23.xml><?xml version="1.0" encoding="utf-8"?>
+<file path=ppt/slides/slide24.xml><?xml version="1.0" encoding="utf-8"?>
 <p:sld xmlns:a="http://schemas.openxmlformats.org/drawingml/2006/main" xmlns:r="http://schemas.openxmlformats.org/officeDocument/2006/relationships" xmlns:p="http://schemas.openxmlformats.org/presentationml/2006/main">
   <p:cSld>
     <p:spTree>
@@ -34867,7 +36136,7 @@
           <p:cNvPr id="85" name="组合 84">
             <a:extLst>
               <a:ext uri="{FF2B5EF4-FFF2-40B4-BE49-F238E27FC236}">
-                <a16:creationId xmlns:a16="http://schemas.microsoft.com/office/drawing/2014/main" xmlns="" id="{D8162933-80C7-42C8-A2E0-ADC5DBE0AAF8}"/>
+                <a16:creationId xmlns:a16="http://schemas.microsoft.com/office/drawing/2014/main" id="{D8162933-80C7-42C8-A2E0-ADC5DBE0AAF8}"/>
               </a:ext>
             </a:extLst>
           </p:cNvPr>
@@ -34887,7 +36156,7 @@
             <p:cNvPr id="90" name="Freeform 5050">
               <a:extLst>
                 <a:ext uri="{FF2B5EF4-FFF2-40B4-BE49-F238E27FC236}">
-                  <a16:creationId xmlns:a16="http://schemas.microsoft.com/office/drawing/2014/main" xmlns="" id="{9ADB6ABD-41B3-417A-8416-AD0BFC1CE24A}"/>
+                  <a16:creationId xmlns:a16="http://schemas.microsoft.com/office/drawing/2014/main" id="{9ADB6ABD-41B3-417A-8416-AD0BFC1CE24A}"/>
                 </a:ext>
               </a:extLst>
             </p:cNvPr>
@@ -35038,7 +36307,7 @@
             <p:cNvPr id="91" name="Freeform 5051">
               <a:extLst>
                 <a:ext uri="{FF2B5EF4-FFF2-40B4-BE49-F238E27FC236}">
-                  <a16:creationId xmlns:a16="http://schemas.microsoft.com/office/drawing/2014/main" xmlns="" id="{E8D57D70-B0E1-4E9B-B3CE-05BDD6C12B01}"/>
+                  <a16:creationId xmlns:a16="http://schemas.microsoft.com/office/drawing/2014/main" id="{E8D57D70-B0E1-4E9B-B3CE-05BDD6C12B01}"/>
                 </a:ext>
               </a:extLst>
             </p:cNvPr>
@@ -35137,7 +36406,7 @@
             <p:cNvPr id="93" name="Freeform 5052">
               <a:extLst>
                 <a:ext uri="{FF2B5EF4-FFF2-40B4-BE49-F238E27FC236}">
-                  <a16:creationId xmlns:a16="http://schemas.microsoft.com/office/drawing/2014/main" xmlns="" id="{F501DBEA-5932-4AAA-91CD-A217B10B86AF}"/>
+                  <a16:creationId xmlns:a16="http://schemas.microsoft.com/office/drawing/2014/main" id="{F501DBEA-5932-4AAA-91CD-A217B10B86AF}"/>
                 </a:ext>
               </a:extLst>
             </p:cNvPr>
@@ -35240,7 +36509,7 @@
             <p:cNvPr id="96" name="Freeform 5053">
               <a:extLst>
                 <a:ext uri="{FF2B5EF4-FFF2-40B4-BE49-F238E27FC236}">
-                  <a16:creationId xmlns:a16="http://schemas.microsoft.com/office/drawing/2014/main" xmlns="" id="{047816D0-B14C-48BB-A4F6-4469FEA87E51}"/>
+                  <a16:creationId xmlns:a16="http://schemas.microsoft.com/office/drawing/2014/main" id="{047816D0-B14C-48BB-A4F6-4469FEA87E51}"/>
                 </a:ext>
               </a:extLst>
             </p:cNvPr>
@@ -35344,7 +36613,7 @@
             <p:cNvPr id="97" name="Freeform 5054">
               <a:extLst>
                 <a:ext uri="{FF2B5EF4-FFF2-40B4-BE49-F238E27FC236}">
-                  <a16:creationId xmlns:a16="http://schemas.microsoft.com/office/drawing/2014/main" xmlns="" id="{491B0594-9A1B-40AB-AD88-B0F95853F3C6}"/>
+                  <a16:creationId xmlns:a16="http://schemas.microsoft.com/office/drawing/2014/main" id="{491B0594-9A1B-40AB-AD88-B0F95853F3C6}"/>
                 </a:ext>
               </a:extLst>
             </p:cNvPr>
@@ -35452,7 +36721,7 @@
             <p:cNvPr id="98" name="Picture 5055">
               <a:extLst>
                 <a:ext uri="{FF2B5EF4-FFF2-40B4-BE49-F238E27FC236}">
-                  <a16:creationId xmlns:a16="http://schemas.microsoft.com/office/drawing/2014/main" xmlns="" id="{A8BB8A95-FBEB-47B5-BCFD-DCD8DFBA8D07}"/>
+                  <a16:creationId xmlns:a16="http://schemas.microsoft.com/office/drawing/2014/main" id="{A8BB8A95-FBEB-47B5-BCFD-DCD8DFBA8D07}"/>
                 </a:ext>
               </a:extLst>
             </p:cNvPr>
@@ -35512,7 +36781,7 @@
             <p:cNvPr id="99" name="Rectangle 5056">
               <a:extLst>
                 <a:ext uri="{FF2B5EF4-FFF2-40B4-BE49-F238E27FC236}">
-                  <a16:creationId xmlns:a16="http://schemas.microsoft.com/office/drawing/2014/main" xmlns="" id="{B84F7221-554D-435D-9F3A-0D81D8A28FE9}"/>
+                  <a16:creationId xmlns:a16="http://schemas.microsoft.com/office/drawing/2014/main" id="{B84F7221-554D-435D-9F3A-0D81D8A28FE9}"/>
                 </a:ext>
               </a:extLst>
             </p:cNvPr>
@@ -35565,7 +36834,7 @@
             <p:cNvPr id="100" name="Rectangle 5057">
               <a:extLst>
                 <a:ext uri="{FF2B5EF4-FFF2-40B4-BE49-F238E27FC236}">
-                  <a16:creationId xmlns:a16="http://schemas.microsoft.com/office/drawing/2014/main" xmlns="" id="{1906CC60-61BE-4164-9811-BF028A047023}"/>
+                  <a16:creationId xmlns:a16="http://schemas.microsoft.com/office/drawing/2014/main" id="{1906CC60-61BE-4164-9811-BF028A047023}"/>
                 </a:ext>
               </a:extLst>
             </p:cNvPr>
@@ -35623,7 +36892,7 @@
             <p:cNvPr id="101" name="Rectangle 5058">
               <a:extLst>
                 <a:ext uri="{FF2B5EF4-FFF2-40B4-BE49-F238E27FC236}">
-                  <a16:creationId xmlns:a16="http://schemas.microsoft.com/office/drawing/2014/main" xmlns="" id="{EE07C14D-5F21-4749-AFAE-A06798A97948}"/>
+                  <a16:creationId xmlns:a16="http://schemas.microsoft.com/office/drawing/2014/main" id="{EE07C14D-5F21-4749-AFAE-A06798A97948}"/>
                 </a:ext>
               </a:extLst>
             </p:cNvPr>
@@ -35676,7 +36945,7 @@
             <p:cNvPr id="103" name="Rectangle 5059">
               <a:extLst>
                 <a:ext uri="{FF2B5EF4-FFF2-40B4-BE49-F238E27FC236}">
-                  <a16:creationId xmlns:a16="http://schemas.microsoft.com/office/drawing/2014/main" xmlns="" id="{9A656733-4C70-47BC-A335-BC8979802F25}"/>
+                  <a16:creationId xmlns:a16="http://schemas.microsoft.com/office/drawing/2014/main" id="{9A656733-4C70-47BC-A335-BC8979802F25}"/>
                 </a:ext>
               </a:extLst>
             </p:cNvPr>
@@ -35734,7 +37003,7 @@
             <p:cNvPr id="112" name="Freeform 5060">
               <a:extLst>
                 <a:ext uri="{FF2B5EF4-FFF2-40B4-BE49-F238E27FC236}">
-                  <a16:creationId xmlns:a16="http://schemas.microsoft.com/office/drawing/2014/main" xmlns="" id="{0BB879EE-0D50-4DDF-9229-3B82D1B6FE75}"/>
+                  <a16:creationId xmlns:a16="http://schemas.microsoft.com/office/drawing/2014/main" id="{0BB879EE-0D50-4DDF-9229-3B82D1B6FE75}"/>
                 </a:ext>
               </a:extLst>
             </p:cNvPr>
@@ -35865,7 +37134,7 @@
             <p:cNvPr id="113" name="Freeform 5061">
               <a:extLst>
                 <a:ext uri="{FF2B5EF4-FFF2-40B4-BE49-F238E27FC236}">
-                  <a16:creationId xmlns:a16="http://schemas.microsoft.com/office/drawing/2014/main" xmlns="" id="{3FD535D1-640A-4D83-ADCE-4409AE7883B9}"/>
+                  <a16:creationId xmlns:a16="http://schemas.microsoft.com/office/drawing/2014/main" id="{3FD535D1-640A-4D83-ADCE-4409AE7883B9}"/>
                 </a:ext>
               </a:extLst>
             </p:cNvPr>
@@ -35986,7 +37255,7 @@
             <p:cNvPr id="114" name="Freeform 5062">
               <a:extLst>
                 <a:ext uri="{FF2B5EF4-FFF2-40B4-BE49-F238E27FC236}">
-                  <a16:creationId xmlns:a16="http://schemas.microsoft.com/office/drawing/2014/main" xmlns="" id="{E257816A-42D7-4F6D-B398-FF814521E646}"/>
+                  <a16:creationId xmlns:a16="http://schemas.microsoft.com/office/drawing/2014/main" id="{E257816A-42D7-4F6D-B398-FF814521E646}"/>
                 </a:ext>
               </a:extLst>
             </p:cNvPr>
@@ -36097,7 +37366,7 @@
             <p:cNvPr id="115" name="Oval 5063">
               <a:extLst>
                 <a:ext uri="{FF2B5EF4-FFF2-40B4-BE49-F238E27FC236}">
-                  <a16:creationId xmlns:a16="http://schemas.microsoft.com/office/drawing/2014/main" xmlns="" id="{2A3491A3-1122-4F0E-897B-6EB1DC4579C4}"/>
+                  <a16:creationId xmlns:a16="http://schemas.microsoft.com/office/drawing/2014/main" id="{2A3491A3-1122-4F0E-897B-6EB1DC4579C4}"/>
                 </a:ext>
               </a:extLst>
             </p:cNvPr>
@@ -36150,7 +37419,7 @@
             <p:cNvPr id="117" name="Freeform 5064">
               <a:extLst>
                 <a:ext uri="{FF2B5EF4-FFF2-40B4-BE49-F238E27FC236}">
-                  <a16:creationId xmlns:a16="http://schemas.microsoft.com/office/drawing/2014/main" xmlns="" id="{1EA1303A-AE7D-4028-8D46-210911E98DAE}"/>
+                  <a16:creationId xmlns:a16="http://schemas.microsoft.com/office/drawing/2014/main" id="{1EA1303A-AE7D-4028-8D46-210911E98DAE}"/>
                 </a:ext>
               </a:extLst>
             </p:cNvPr>
@@ -36247,7 +37516,7 @@
             <p:cNvPr id="118" name="Freeform 5065">
               <a:extLst>
                 <a:ext uri="{FF2B5EF4-FFF2-40B4-BE49-F238E27FC236}">
-                  <a16:creationId xmlns:a16="http://schemas.microsoft.com/office/drawing/2014/main" xmlns="" id="{3BAFA55B-133E-44F7-890B-4977D713FE74}"/>
+                  <a16:creationId xmlns:a16="http://schemas.microsoft.com/office/drawing/2014/main" id="{3BAFA55B-133E-44F7-890B-4977D713FE74}"/>
                 </a:ext>
               </a:extLst>
             </p:cNvPr>
@@ -36548,7 +37817,7 @@
             <p:cNvPr id="119" name="Freeform 5066">
               <a:extLst>
                 <a:ext uri="{FF2B5EF4-FFF2-40B4-BE49-F238E27FC236}">
-                  <a16:creationId xmlns:a16="http://schemas.microsoft.com/office/drawing/2014/main" xmlns="" id="{6BDCDED4-1C0C-472F-AB61-B730ADE4E35B}"/>
+                  <a16:creationId xmlns:a16="http://schemas.microsoft.com/office/drawing/2014/main" id="{6BDCDED4-1C0C-472F-AB61-B730ADE4E35B}"/>
                 </a:ext>
               </a:extLst>
             </p:cNvPr>
@@ -36640,7 +37909,7 @@
             <p:cNvPr id="120" name="Freeform 5067">
               <a:extLst>
                 <a:ext uri="{FF2B5EF4-FFF2-40B4-BE49-F238E27FC236}">
-                  <a16:creationId xmlns:a16="http://schemas.microsoft.com/office/drawing/2014/main" xmlns="" id="{0072E574-DE2D-4CDE-A7B0-64936D01F2CD}"/>
+                  <a16:creationId xmlns:a16="http://schemas.microsoft.com/office/drawing/2014/main" id="{0072E574-DE2D-4CDE-A7B0-64936D01F2CD}"/>
                 </a:ext>
               </a:extLst>
             </p:cNvPr>
@@ -36781,7 +38050,7 @@
             <p:cNvPr id="121" name="Freeform 5068">
               <a:extLst>
                 <a:ext uri="{FF2B5EF4-FFF2-40B4-BE49-F238E27FC236}">
-                  <a16:creationId xmlns:a16="http://schemas.microsoft.com/office/drawing/2014/main" xmlns="" id="{F8E66B8D-81C3-48F7-911E-1111728B53F4}"/>
+                  <a16:creationId xmlns:a16="http://schemas.microsoft.com/office/drawing/2014/main" id="{F8E66B8D-81C3-48F7-911E-1111728B53F4}"/>
                 </a:ext>
               </a:extLst>
             </p:cNvPr>
@@ -36912,7 +38181,7 @@
             <p:cNvPr id="122" name="Freeform 5069">
               <a:extLst>
                 <a:ext uri="{FF2B5EF4-FFF2-40B4-BE49-F238E27FC236}">
-                  <a16:creationId xmlns:a16="http://schemas.microsoft.com/office/drawing/2014/main" xmlns="" id="{9A9E65BF-D6DF-4991-88CB-49B4C4A6A114}"/>
+                  <a16:creationId xmlns:a16="http://schemas.microsoft.com/office/drawing/2014/main" id="{9A9E65BF-D6DF-4991-88CB-49B4C4A6A114}"/>
                 </a:ext>
               </a:extLst>
             </p:cNvPr>
@@ -37043,7 +38312,7 @@
             <p:cNvPr id="123" name="Freeform 5070">
               <a:extLst>
                 <a:ext uri="{FF2B5EF4-FFF2-40B4-BE49-F238E27FC236}">
-                  <a16:creationId xmlns:a16="http://schemas.microsoft.com/office/drawing/2014/main" xmlns="" id="{25EB44D5-DFC4-4722-BE6D-DB0FE6012796}"/>
+                  <a16:creationId xmlns:a16="http://schemas.microsoft.com/office/drawing/2014/main" id="{25EB44D5-DFC4-4722-BE6D-DB0FE6012796}"/>
                 </a:ext>
               </a:extLst>
             </p:cNvPr>
@@ -37154,7 +38423,7 @@
             <p:cNvPr id="124" name="Freeform 5071">
               <a:extLst>
                 <a:ext uri="{FF2B5EF4-FFF2-40B4-BE49-F238E27FC236}">
-                  <a16:creationId xmlns:a16="http://schemas.microsoft.com/office/drawing/2014/main" xmlns="" id="{0F3EABA5-E1F7-4961-9EDB-16536059C5E6}"/>
+                  <a16:creationId xmlns:a16="http://schemas.microsoft.com/office/drawing/2014/main" id="{0F3EABA5-E1F7-4961-9EDB-16536059C5E6}"/>
                 </a:ext>
               </a:extLst>
             </p:cNvPr>
@@ -37295,7 +38564,7 @@
             <p:cNvPr id="125" name="Freeform 5072">
               <a:extLst>
                 <a:ext uri="{FF2B5EF4-FFF2-40B4-BE49-F238E27FC236}">
-                  <a16:creationId xmlns:a16="http://schemas.microsoft.com/office/drawing/2014/main" xmlns="" id="{0124A301-A012-42BB-9E10-98E9E9A0B3E5}"/>
+                  <a16:creationId xmlns:a16="http://schemas.microsoft.com/office/drawing/2014/main" id="{0124A301-A012-42BB-9E10-98E9E9A0B3E5}"/>
                 </a:ext>
               </a:extLst>
             </p:cNvPr>
@@ -37436,7 +38705,7 @@
             <p:cNvPr id="126" name="Freeform 5073">
               <a:extLst>
                 <a:ext uri="{FF2B5EF4-FFF2-40B4-BE49-F238E27FC236}">
-                  <a16:creationId xmlns:a16="http://schemas.microsoft.com/office/drawing/2014/main" xmlns="" id="{6596769E-E520-4263-8FE2-4D1BF279985B}"/>
+                  <a16:creationId xmlns:a16="http://schemas.microsoft.com/office/drawing/2014/main" id="{6596769E-E520-4263-8FE2-4D1BF279985B}"/>
                 </a:ext>
               </a:extLst>
             </p:cNvPr>
@@ -37547,7 +38816,7 @@
             <p:cNvPr id="127" name="Oval 5074">
               <a:extLst>
                 <a:ext uri="{FF2B5EF4-FFF2-40B4-BE49-F238E27FC236}">
-                  <a16:creationId xmlns:a16="http://schemas.microsoft.com/office/drawing/2014/main" xmlns="" id="{D8A6CE1A-FE9F-40C3-BF85-3D8542CD07D4}"/>
+                  <a16:creationId xmlns:a16="http://schemas.microsoft.com/office/drawing/2014/main" id="{D8A6CE1A-FE9F-40C3-BF85-3D8542CD07D4}"/>
                 </a:ext>
               </a:extLst>
             </p:cNvPr>
@@ -37600,7 +38869,7 @@
             <p:cNvPr id="128" name="Freeform 5075">
               <a:extLst>
                 <a:ext uri="{FF2B5EF4-FFF2-40B4-BE49-F238E27FC236}">
-                  <a16:creationId xmlns:a16="http://schemas.microsoft.com/office/drawing/2014/main" xmlns="" id="{5B789EFC-3A44-4E98-948C-EAE3213A182A}"/>
+                  <a16:creationId xmlns:a16="http://schemas.microsoft.com/office/drawing/2014/main" id="{5B789EFC-3A44-4E98-948C-EAE3213A182A}"/>
                 </a:ext>
               </a:extLst>
             </p:cNvPr>
@@ -37729,7 +38998,7 @@
             <p:cNvPr id="129" name="Freeform 5076">
               <a:extLst>
                 <a:ext uri="{FF2B5EF4-FFF2-40B4-BE49-F238E27FC236}">
-                  <a16:creationId xmlns:a16="http://schemas.microsoft.com/office/drawing/2014/main" xmlns="" id="{9A883855-9085-4DCC-807E-D7B67DBAA826}"/>
+                  <a16:creationId xmlns:a16="http://schemas.microsoft.com/office/drawing/2014/main" id="{9A883855-9085-4DCC-807E-D7B67DBAA826}"/>
                 </a:ext>
               </a:extLst>
             </p:cNvPr>
@@ -37992,7 +39261,7 @@
             <p:cNvPr id="130" name="Freeform 5077">
               <a:extLst>
                 <a:ext uri="{FF2B5EF4-FFF2-40B4-BE49-F238E27FC236}">
-                  <a16:creationId xmlns:a16="http://schemas.microsoft.com/office/drawing/2014/main" xmlns="" id="{6850B246-183A-4047-8DF6-634FC8EC8E9E}"/>
+                  <a16:creationId xmlns:a16="http://schemas.microsoft.com/office/drawing/2014/main" id="{6850B246-183A-4047-8DF6-634FC8EC8E9E}"/>
                 </a:ext>
               </a:extLst>
             </p:cNvPr>
@@ -38121,7 +39390,7 @@
             <p:cNvPr id="131" name="Freeform 5078">
               <a:extLst>
                 <a:ext uri="{FF2B5EF4-FFF2-40B4-BE49-F238E27FC236}">
-                  <a16:creationId xmlns:a16="http://schemas.microsoft.com/office/drawing/2014/main" xmlns="" id="{163F6144-EB5F-41C9-8C16-73A4C57075FD}"/>
+                  <a16:creationId xmlns:a16="http://schemas.microsoft.com/office/drawing/2014/main" id="{163F6144-EB5F-41C9-8C16-73A4C57075FD}"/>
                 </a:ext>
               </a:extLst>
             </p:cNvPr>
@@ -38250,7 +39519,7 @@
             <p:cNvPr id="132" name="Freeform 5079">
               <a:extLst>
                 <a:ext uri="{FF2B5EF4-FFF2-40B4-BE49-F238E27FC236}">
-                  <a16:creationId xmlns:a16="http://schemas.microsoft.com/office/drawing/2014/main" xmlns="" id="{0E577277-EA68-4F86-B610-8DA869DD919B}"/>
+                  <a16:creationId xmlns:a16="http://schemas.microsoft.com/office/drawing/2014/main" id="{0E577277-EA68-4F86-B610-8DA869DD919B}"/>
                 </a:ext>
               </a:extLst>
             </p:cNvPr>
@@ -38379,7 +39648,7 @@
             <p:cNvPr id="133" name="Freeform 5080">
               <a:extLst>
                 <a:ext uri="{FF2B5EF4-FFF2-40B4-BE49-F238E27FC236}">
-                  <a16:creationId xmlns:a16="http://schemas.microsoft.com/office/drawing/2014/main" xmlns="" id="{1DF4288A-E70D-430E-A3BE-692E1FA00250}"/>
+                  <a16:creationId xmlns:a16="http://schemas.microsoft.com/office/drawing/2014/main" id="{1DF4288A-E70D-430E-A3BE-692E1FA00250}"/>
                 </a:ext>
               </a:extLst>
             </p:cNvPr>
@@ -38810,7 +40079,7 @@
             <p:cNvPr id="134" name="Rectangle 5081">
               <a:extLst>
                 <a:ext uri="{FF2B5EF4-FFF2-40B4-BE49-F238E27FC236}">
-                  <a16:creationId xmlns:a16="http://schemas.microsoft.com/office/drawing/2014/main" xmlns="" id="{AD2C886A-B357-4C6D-81ED-C897D63B798B}"/>
+                  <a16:creationId xmlns:a16="http://schemas.microsoft.com/office/drawing/2014/main" id="{AD2C886A-B357-4C6D-81ED-C897D63B798B}"/>
                 </a:ext>
               </a:extLst>
             </p:cNvPr>
@@ -38863,7 +40132,7 @@
             <p:cNvPr id="135" name="Rectangle 5082">
               <a:extLst>
                 <a:ext uri="{FF2B5EF4-FFF2-40B4-BE49-F238E27FC236}">
-                  <a16:creationId xmlns:a16="http://schemas.microsoft.com/office/drawing/2014/main" xmlns="" id="{C790A76D-A3D8-4FB2-9A61-E22F19BB9776}"/>
+                  <a16:creationId xmlns:a16="http://schemas.microsoft.com/office/drawing/2014/main" id="{C790A76D-A3D8-4FB2-9A61-E22F19BB9776}"/>
                 </a:ext>
               </a:extLst>
             </p:cNvPr>
@@ -38916,7 +40185,7 @@
             <p:cNvPr id="136" name="Freeform 5083">
               <a:extLst>
                 <a:ext uri="{FF2B5EF4-FFF2-40B4-BE49-F238E27FC236}">
-                  <a16:creationId xmlns:a16="http://schemas.microsoft.com/office/drawing/2014/main" xmlns="" id="{EDC52490-DE64-4728-A1CC-064777A24172}"/>
+                  <a16:creationId xmlns:a16="http://schemas.microsoft.com/office/drawing/2014/main" id="{EDC52490-DE64-4728-A1CC-064777A24172}"/>
                 </a:ext>
               </a:extLst>
             </p:cNvPr>
@@ -39387,7 +40656,7 @@
             <p:cNvPr id="137" name="Freeform 5084">
               <a:extLst>
                 <a:ext uri="{FF2B5EF4-FFF2-40B4-BE49-F238E27FC236}">
-                  <a16:creationId xmlns:a16="http://schemas.microsoft.com/office/drawing/2014/main" xmlns="" id="{455A5C20-1CCC-45E1-9C2A-27E54A95F0CE}"/>
+                  <a16:creationId xmlns:a16="http://schemas.microsoft.com/office/drawing/2014/main" id="{455A5C20-1CCC-45E1-9C2A-27E54A95F0CE}"/>
                 </a:ext>
               </a:extLst>
             </p:cNvPr>
@@ -39500,7 +40769,7 @@
           <p:cNvPr id="2" name="矩形 1">
             <a:extLst>
               <a:ext uri="{FF2B5EF4-FFF2-40B4-BE49-F238E27FC236}">
-                <a16:creationId xmlns:a16="http://schemas.microsoft.com/office/drawing/2014/main" xmlns="" id="{2CD961E7-B027-4695-A439-A77701B45E58}"/>
+                <a16:creationId xmlns:a16="http://schemas.microsoft.com/office/drawing/2014/main" id="{2CD961E7-B027-4695-A439-A77701B45E58}"/>
               </a:ext>
             </a:extLst>
           </p:cNvPr>
@@ -41066,13 +42335,6 @@
   <p:transition spd="med">
     <p:push dir="u"/>
   </p:transition>
-  <p:timing>
-    <p:tnLst>
-      <p:par>
-        <p:cTn id="1" dur="indefinite" restart="never" nodeType="tmRoot"/>
-      </p:par>
-    </p:tnLst>
-  </p:timing>
 </p:sld>
 </file>
 
@@ -42637,7 +43899,7 @@
         </p:nvSpPr>
         <p:spPr>
           <a:xfrm>
-            <a:off x="5076056" y="4343375"/>
+            <a:off x="5085336" y="4267343"/>
             <a:ext cx="2646878" cy="461665"/>
           </a:xfrm>
           <a:prstGeom prst="rect">
@@ -42703,13 +43965,6 @@
   <p:transition spd="med">
     <p:push dir="u"/>
   </p:transition>
-  <p:timing>
-    <p:tnLst>
-      <p:par>
-        <p:cTn id="1" dur="indefinite" restart="never" nodeType="tmRoot"/>
-      </p:par>
-    </p:tnLst>
-  </p:timing>
 </p:sld>
 </file>
 
@@ -43560,7 +44815,7 @@
           <p:cNvPr id="41" name="TextBox 61">
             <a:extLst>
               <a:ext uri="{FF2B5EF4-FFF2-40B4-BE49-F238E27FC236}">
-                <a16:creationId xmlns:a16="http://schemas.microsoft.com/office/drawing/2014/main" xmlns="" id="{0BC71808-54A6-4054-83C8-D2934E8E834C}"/>
+                <a16:creationId xmlns:a16="http://schemas.microsoft.com/office/drawing/2014/main" id="{0BC71808-54A6-4054-83C8-D2934E8E834C}"/>
               </a:ext>
             </a:extLst>
           </p:cNvPr>
@@ -43612,7 +44867,7 @@
           <p:cNvPr id="51" name="TextBox 65">
             <a:extLst>
               <a:ext uri="{FF2B5EF4-FFF2-40B4-BE49-F238E27FC236}">
-                <a16:creationId xmlns:a16="http://schemas.microsoft.com/office/drawing/2014/main" xmlns="" id="{BA67980A-A26E-45C6-B6CD-D26B985B4168}"/>
+                <a16:creationId xmlns:a16="http://schemas.microsoft.com/office/drawing/2014/main" id="{BA67980A-A26E-45C6-B6CD-D26B985B4168}"/>
               </a:ext>
             </a:extLst>
           </p:cNvPr>
@@ -43681,7 +44936,7 @@
           <p:cNvPr id="54" name="TextBox 65">
             <a:extLst>
               <a:ext uri="{FF2B5EF4-FFF2-40B4-BE49-F238E27FC236}">
-                <a16:creationId xmlns:a16="http://schemas.microsoft.com/office/drawing/2014/main" xmlns="" id="{02AE4DDF-D462-4148-BAC7-DB93F3D3DD21}"/>
+                <a16:creationId xmlns:a16="http://schemas.microsoft.com/office/drawing/2014/main" id="{02AE4DDF-D462-4148-BAC7-DB93F3D3DD21}"/>
               </a:ext>
             </a:extLst>
           </p:cNvPr>
@@ -43786,13 +45041,6 @@
   <p:transition spd="med">
     <p:push dir="u"/>
   </p:transition>
-  <p:timing>
-    <p:tnLst>
-      <p:par>
-        <p:cTn id="1" dur="indefinite" restart="never" nodeType="tmRoot"/>
-      </p:par>
-    </p:tnLst>
-  </p:timing>
 </p:sld>
 </file>
 
@@ -44458,7 +45706,7 @@
           <p:cNvPr id="2" name="矩形 1">
             <a:extLst>
               <a:ext uri="{FF2B5EF4-FFF2-40B4-BE49-F238E27FC236}">
-                <a16:creationId xmlns:a16="http://schemas.microsoft.com/office/drawing/2014/main" xmlns="" id="{0AA6D2C9-5976-422B-A661-AF060040B2E2}"/>
+                <a16:creationId xmlns:a16="http://schemas.microsoft.com/office/drawing/2014/main" id="{0AA6D2C9-5976-422B-A661-AF060040B2E2}"/>
               </a:ext>
             </a:extLst>
           </p:cNvPr>
@@ -44590,7 +45838,7 @@
           <p:cNvPr id="27" name="TextBox 7">
             <a:extLst>
               <a:ext uri="{FF2B5EF4-FFF2-40B4-BE49-F238E27FC236}">
-                <a16:creationId xmlns:a16="http://schemas.microsoft.com/office/drawing/2014/main" xmlns="" id="{FE1C372A-1ED4-4CDC-B790-1F78510B9C62}"/>
+                <a16:creationId xmlns:a16="http://schemas.microsoft.com/office/drawing/2014/main" id="{FE1C372A-1ED4-4CDC-B790-1F78510B9C62}"/>
               </a:ext>
             </a:extLst>
           </p:cNvPr>
@@ -44628,7 +45876,7 @@
           <p:cNvPr id="9" name="组合 8">
             <a:extLst>
               <a:ext uri="{FF2B5EF4-FFF2-40B4-BE49-F238E27FC236}">
-                <a16:creationId xmlns:a16="http://schemas.microsoft.com/office/drawing/2014/main" xmlns="" id="{4C28100E-A12B-47A9-81BC-806EFFD64E60}"/>
+                <a16:creationId xmlns:a16="http://schemas.microsoft.com/office/drawing/2014/main" id="{4C28100E-A12B-47A9-81BC-806EFFD64E60}"/>
               </a:ext>
             </a:extLst>
           </p:cNvPr>
@@ -44648,7 +45896,7 @@
             <p:cNvPr id="32" name="直接箭头连接符 31">
               <a:extLst>
                 <a:ext uri="{FF2B5EF4-FFF2-40B4-BE49-F238E27FC236}">
-                  <a16:creationId xmlns:a16="http://schemas.microsoft.com/office/drawing/2014/main" xmlns="" id="{CC8EC2C4-01DD-4697-B494-A1E1A9A14F47}"/>
+                  <a16:creationId xmlns:a16="http://schemas.microsoft.com/office/drawing/2014/main" id="{CC8EC2C4-01DD-4697-B494-A1E1A9A14F47}"/>
                 </a:ext>
               </a:extLst>
             </p:cNvPr>
@@ -44694,7 +45942,7 @@
             <p:cNvPr id="33" name="直接箭头连接符 32">
               <a:extLst>
                 <a:ext uri="{FF2B5EF4-FFF2-40B4-BE49-F238E27FC236}">
-                  <a16:creationId xmlns:a16="http://schemas.microsoft.com/office/drawing/2014/main" xmlns="" id="{C3C9D9A9-4FBD-45FC-AD11-95E1F034FABF}"/>
+                  <a16:creationId xmlns:a16="http://schemas.microsoft.com/office/drawing/2014/main" id="{C3C9D9A9-4FBD-45FC-AD11-95E1F034FABF}"/>
                 </a:ext>
               </a:extLst>
             </p:cNvPr>
@@ -44740,7 +45988,7 @@
             <p:cNvPr id="48" name="直接箭头连接符 47">
               <a:extLst>
                 <a:ext uri="{FF2B5EF4-FFF2-40B4-BE49-F238E27FC236}">
-                  <a16:creationId xmlns:a16="http://schemas.microsoft.com/office/drawing/2014/main" xmlns="" id="{04FFC272-FAA7-4626-B9A0-8CFE571CB7E8}"/>
+                  <a16:creationId xmlns:a16="http://schemas.microsoft.com/office/drawing/2014/main" id="{04FFC272-FAA7-4626-B9A0-8CFE571CB7E8}"/>
                 </a:ext>
               </a:extLst>
             </p:cNvPr>
@@ -44786,7 +46034,7 @@
             <p:cNvPr id="50" name="圆角矩形 24">
               <a:extLst>
                 <a:ext uri="{FF2B5EF4-FFF2-40B4-BE49-F238E27FC236}">
-                  <a16:creationId xmlns:a16="http://schemas.microsoft.com/office/drawing/2014/main" xmlns="" id="{C8729CE6-C307-42CB-9901-07527381FAB2}"/>
+                  <a16:creationId xmlns:a16="http://schemas.microsoft.com/office/drawing/2014/main" id="{C8729CE6-C307-42CB-9901-07527381FAB2}"/>
                 </a:ext>
               </a:extLst>
             </p:cNvPr>
@@ -44868,7 +46116,7 @@
             <p:cNvPr id="51" name="圆角矩形 24">
               <a:extLst>
                 <a:ext uri="{FF2B5EF4-FFF2-40B4-BE49-F238E27FC236}">
-                  <a16:creationId xmlns:a16="http://schemas.microsoft.com/office/drawing/2014/main" xmlns="" id="{96082CC1-8126-4D17-869D-F40976CDEF5B}"/>
+                  <a16:creationId xmlns:a16="http://schemas.microsoft.com/office/drawing/2014/main" id="{96082CC1-8126-4D17-869D-F40976CDEF5B}"/>
                 </a:ext>
               </a:extLst>
             </p:cNvPr>
@@ -44950,7 +46198,7 @@
             <p:cNvPr id="8" name="组合 7">
               <a:extLst>
                 <a:ext uri="{FF2B5EF4-FFF2-40B4-BE49-F238E27FC236}">
-                  <a16:creationId xmlns:a16="http://schemas.microsoft.com/office/drawing/2014/main" xmlns="" id="{42EAE014-DF34-4D66-A21C-3F7D03BF9D67}"/>
+                  <a16:creationId xmlns:a16="http://schemas.microsoft.com/office/drawing/2014/main" id="{42EAE014-DF34-4D66-A21C-3F7D03BF9D67}"/>
                 </a:ext>
               </a:extLst>
             </p:cNvPr>
@@ -44970,7 +46218,7 @@
               <p:cNvPr id="44" name="直接箭头连接符 43">
                 <a:extLst>
                   <a:ext uri="{FF2B5EF4-FFF2-40B4-BE49-F238E27FC236}">
-                    <a16:creationId xmlns:a16="http://schemas.microsoft.com/office/drawing/2014/main" xmlns="" id="{E738DA61-C26B-44AC-9C33-7C586BAA6442}"/>
+                    <a16:creationId xmlns:a16="http://schemas.microsoft.com/office/drawing/2014/main" id="{E738DA61-C26B-44AC-9C33-7C586BAA6442}"/>
                   </a:ext>
                 </a:extLst>
               </p:cNvPr>
@@ -45016,7 +46264,7 @@
               <p:cNvPr id="52" name="圆角矩形 24">
                 <a:extLst>
                   <a:ext uri="{FF2B5EF4-FFF2-40B4-BE49-F238E27FC236}">
-                    <a16:creationId xmlns:a16="http://schemas.microsoft.com/office/drawing/2014/main" xmlns="" id="{ED16B0DE-82E7-41D4-B044-A51EFCA392E1}"/>
+                    <a16:creationId xmlns:a16="http://schemas.microsoft.com/office/drawing/2014/main" id="{ED16B0DE-82E7-41D4-B044-A51EFCA392E1}"/>
                   </a:ext>
                 </a:extLst>
               </p:cNvPr>
@@ -45099,7 +46347,7 @@
             <p:cNvPr id="53" name="圆角矩形 24">
               <a:extLst>
                 <a:ext uri="{FF2B5EF4-FFF2-40B4-BE49-F238E27FC236}">
-                  <a16:creationId xmlns:a16="http://schemas.microsoft.com/office/drawing/2014/main" xmlns="" id="{03B6EDBA-56AB-45A1-9AB6-95BEDCF4F9F9}"/>
+                  <a16:creationId xmlns:a16="http://schemas.microsoft.com/office/drawing/2014/main" id="{03B6EDBA-56AB-45A1-9AB6-95BEDCF4F9F9}"/>
                 </a:ext>
               </a:extLst>
             </p:cNvPr>
@@ -45792,13 +47040,6 @@
   <p:transition spd="med">
     <p:push dir="u"/>
   </p:transition>
-  <p:timing>
-    <p:tnLst>
-      <p:par>
-        <p:cTn id="1" dur="indefinite" restart="never" nodeType="tmRoot"/>
-      </p:par>
-    </p:tnLst>
-  </p:timing>
 </p:sld>
 </file>
 
@@ -51777,13 +53018,6 @@
   <p:transition spd="med">
     <p:push dir="u"/>
   </p:transition>
-  <p:timing>
-    <p:tnLst>
-      <p:par>
-        <p:cTn id="1" dur="indefinite" restart="never" nodeType="tmRoot"/>
-      </p:par>
-    </p:tnLst>
-  </p:timing>
 </p:sld>
 </file>
 
@@ -52469,7 +53703,7 @@
           <p:cNvPr id="31" name="TextBox 46">
             <a:extLst>
               <a:ext uri="{FF2B5EF4-FFF2-40B4-BE49-F238E27FC236}">
-                <a16:creationId xmlns:a16="http://schemas.microsoft.com/office/drawing/2014/main" xmlns="" id="{18A57166-29B5-42C1-8CC5-9A0A1F8B67CA}"/>
+                <a16:creationId xmlns:a16="http://schemas.microsoft.com/office/drawing/2014/main" id="{18A57166-29B5-42C1-8CC5-9A0A1F8B67CA}"/>
               </a:ext>
             </a:extLst>
           </p:cNvPr>
@@ -52535,7 +53769,7 @@
           <p:cNvPr id="17" name="椭圆 16">
             <a:extLst>
               <a:ext uri="{FF2B5EF4-FFF2-40B4-BE49-F238E27FC236}">
-                <a16:creationId xmlns:a16="http://schemas.microsoft.com/office/drawing/2014/main" xmlns="" id="{85111A73-AD6B-469F-9E88-C81FF847F1FE}"/>
+                <a16:creationId xmlns:a16="http://schemas.microsoft.com/office/drawing/2014/main" id="{85111A73-AD6B-469F-9E88-C81FF847F1FE}"/>
               </a:ext>
             </a:extLst>
           </p:cNvPr>
@@ -52595,7 +53829,7 @@
           <p:cNvPr id="20" name="椭圆 19">
             <a:extLst>
               <a:ext uri="{FF2B5EF4-FFF2-40B4-BE49-F238E27FC236}">
-                <a16:creationId xmlns:a16="http://schemas.microsoft.com/office/drawing/2014/main" xmlns="" id="{CA08FD24-B804-45B3-BBF1-380A318C5622}"/>
+                <a16:creationId xmlns:a16="http://schemas.microsoft.com/office/drawing/2014/main" id="{CA08FD24-B804-45B3-BBF1-380A318C5622}"/>
               </a:ext>
             </a:extLst>
           </p:cNvPr>
@@ -52655,7 +53889,7 @@
           <p:cNvPr id="21" name="TextBox 18">
             <a:extLst>
               <a:ext uri="{FF2B5EF4-FFF2-40B4-BE49-F238E27FC236}">
-                <a16:creationId xmlns:a16="http://schemas.microsoft.com/office/drawing/2014/main" xmlns="" id="{CD21A070-833C-4A7F-BE73-0F85BA03B90C}"/>
+                <a16:creationId xmlns:a16="http://schemas.microsoft.com/office/drawing/2014/main" id="{CD21A070-833C-4A7F-BE73-0F85BA03B90C}"/>
               </a:ext>
             </a:extLst>
           </p:cNvPr>
@@ -52721,7 +53955,7 @@
           <p:cNvPr id="38" name="椭圆 37">
             <a:extLst>
               <a:ext uri="{FF2B5EF4-FFF2-40B4-BE49-F238E27FC236}">
-                <a16:creationId xmlns:a16="http://schemas.microsoft.com/office/drawing/2014/main" xmlns="" id="{132A8913-20CA-4D97-8E93-ACC422FDE821}"/>
+                <a16:creationId xmlns:a16="http://schemas.microsoft.com/office/drawing/2014/main" id="{132A8913-20CA-4D97-8E93-ACC422FDE821}"/>
               </a:ext>
             </a:extLst>
           </p:cNvPr>
@@ -52781,7 +54015,7 @@
           <p:cNvPr id="40" name="直接箭头连接符 39">
             <a:extLst>
               <a:ext uri="{FF2B5EF4-FFF2-40B4-BE49-F238E27FC236}">
-                <a16:creationId xmlns:a16="http://schemas.microsoft.com/office/drawing/2014/main" xmlns="" id="{544B5F2B-8D8C-4128-B4EA-F16956397889}"/>
+                <a16:creationId xmlns:a16="http://schemas.microsoft.com/office/drawing/2014/main" id="{544B5F2B-8D8C-4128-B4EA-F16956397889}"/>
               </a:ext>
             </a:extLst>
           </p:cNvPr>
@@ -52828,7 +54062,7 @@
           <p:cNvPr id="43" name="文本框 42">
             <a:extLst>
               <a:ext uri="{FF2B5EF4-FFF2-40B4-BE49-F238E27FC236}">
-                <a16:creationId xmlns:a16="http://schemas.microsoft.com/office/drawing/2014/main" xmlns="" id="{7FD6F372-8778-42EF-8FC4-382C660CC451}"/>
+                <a16:creationId xmlns:a16="http://schemas.microsoft.com/office/drawing/2014/main" id="{7FD6F372-8778-42EF-8FC4-382C660CC451}"/>
               </a:ext>
             </a:extLst>
           </p:cNvPr>
@@ -52870,7 +54104,7 @@
           <p:cNvPr id="44" name="椭圆 43">
             <a:extLst>
               <a:ext uri="{FF2B5EF4-FFF2-40B4-BE49-F238E27FC236}">
-                <a16:creationId xmlns:a16="http://schemas.microsoft.com/office/drawing/2014/main" xmlns="" id="{2B2FD749-3DD4-4550-9193-04E8779A7557}"/>
+                <a16:creationId xmlns:a16="http://schemas.microsoft.com/office/drawing/2014/main" id="{2B2FD749-3DD4-4550-9193-04E8779A7557}"/>
               </a:ext>
             </a:extLst>
           </p:cNvPr>
@@ -52930,7 +54164,7 @@
           <p:cNvPr id="45" name="直接箭头连接符 44">
             <a:extLst>
               <a:ext uri="{FF2B5EF4-FFF2-40B4-BE49-F238E27FC236}">
-                <a16:creationId xmlns:a16="http://schemas.microsoft.com/office/drawing/2014/main" xmlns="" id="{2CA35CF2-E632-46CD-8162-BEDF1EB2D190}"/>
+                <a16:creationId xmlns:a16="http://schemas.microsoft.com/office/drawing/2014/main" id="{2CA35CF2-E632-46CD-8162-BEDF1EB2D190}"/>
               </a:ext>
             </a:extLst>
           </p:cNvPr>
@@ -52977,7 +54211,7 @@
           <p:cNvPr id="47" name="椭圆 46">
             <a:extLst>
               <a:ext uri="{FF2B5EF4-FFF2-40B4-BE49-F238E27FC236}">
-                <a16:creationId xmlns:a16="http://schemas.microsoft.com/office/drawing/2014/main" xmlns="" id="{0F6F6D76-DCF7-43CE-83B4-10367064A8A1}"/>
+                <a16:creationId xmlns:a16="http://schemas.microsoft.com/office/drawing/2014/main" id="{0F6F6D76-DCF7-43CE-83B4-10367064A8A1}"/>
               </a:ext>
             </a:extLst>
           </p:cNvPr>
@@ -53037,7 +54271,7 @@
           <p:cNvPr id="52" name="椭圆 51">
             <a:extLst>
               <a:ext uri="{FF2B5EF4-FFF2-40B4-BE49-F238E27FC236}">
-                <a16:creationId xmlns:a16="http://schemas.microsoft.com/office/drawing/2014/main" xmlns="" id="{A1E7B33C-E090-4135-A887-0D73F237B35A}"/>
+                <a16:creationId xmlns:a16="http://schemas.microsoft.com/office/drawing/2014/main" id="{A1E7B33C-E090-4135-A887-0D73F237B35A}"/>
               </a:ext>
             </a:extLst>
           </p:cNvPr>
@@ -53097,7 +54331,7 @@
           <p:cNvPr id="59" name="直接箭头连接符 58">
             <a:extLst>
               <a:ext uri="{FF2B5EF4-FFF2-40B4-BE49-F238E27FC236}">
-                <a16:creationId xmlns:a16="http://schemas.microsoft.com/office/drawing/2014/main" xmlns="" id="{4D95AD33-E381-4C49-9BDB-46C92B7DFAF8}"/>
+                <a16:creationId xmlns:a16="http://schemas.microsoft.com/office/drawing/2014/main" id="{4D95AD33-E381-4C49-9BDB-46C92B7DFAF8}"/>
               </a:ext>
             </a:extLst>
           </p:cNvPr>
@@ -53144,7 +54378,7 @@
           <p:cNvPr id="61" name="直接箭头连接符 60">
             <a:extLst>
               <a:ext uri="{FF2B5EF4-FFF2-40B4-BE49-F238E27FC236}">
-                <a16:creationId xmlns:a16="http://schemas.microsoft.com/office/drawing/2014/main" xmlns="" id="{5380B8CA-B47E-46AA-A0FF-E953E7DE4232}"/>
+                <a16:creationId xmlns:a16="http://schemas.microsoft.com/office/drawing/2014/main" id="{5380B8CA-B47E-46AA-A0FF-E953E7DE4232}"/>
               </a:ext>
             </a:extLst>
           </p:cNvPr>
@@ -53191,7 +54425,7 @@
           <p:cNvPr id="65" name="直接箭头连接符 64">
             <a:extLst>
               <a:ext uri="{FF2B5EF4-FFF2-40B4-BE49-F238E27FC236}">
-                <a16:creationId xmlns:a16="http://schemas.microsoft.com/office/drawing/2014/main" xmlns="" id="{90295542-F75D-4871-AC20-2B5264C7F62F}"/>
+                <a16:creationId xmlns:a16="http://schemas.microsoft.com/office/drawing/2014/main" id="{90295542-F75D-4871-AC20-2B5264C7F62F}"/>
               </a:ext>
             </a:extLst>
           </p:cNvPr>
@@ -53246,13 +54480,6 @@
   <p:transition spd="med">
     <p:push dir="u"/>
   </p:transition>
-  <p:timing>
-    <p:tnLst>
-      <p:par>
-        <p:cTn id="1" dur="indefinite" restart="never" nodeType="tmRoot"/>
-      </p:par>
-    </p:tnLst>
-  </p:timing>
 </p:sld>
 </file>
 

--- a/FinalPaper/毕业答辩.pptx
+++ b/FinalPaper/毕业答辩.pptx
@@ -10040,7 +10040,7 @@
           <p:cNvPr id="116" name="直接连接符 115">
             <a:extLst>
               <a:ext uri="{FF2B5EF4-FFF2-40B4-BE49-F238E27FC236}">
-                <a16:creationId xmlns:a16="http://schemas.microsoft.com/office/drawing/2014/main" id="{935B4380-C8CD-4AEE-BFB0-D8B729F00EFC}"/>
+                <a16:creationId xmlns:a16="http://schemas.microsoft.com/office/drawing/2014/main" xmlns="" id="{935B4380-C8CD-4AEE-BFB0-D8B729F00EFC}"/>
               </a:ext>
             </a:extLst>
           </p:cNvPr>
@@ -10086,7 +10086,7 @@
           <p:cNvPr id="89" name="Freeform 325">
             <a:extLst>
               <a:ext uri="{FF2B5EF4-FFF2-40B4-BE49-F238E27FC236}">
-                <a16:creationId xmlns:a16="http://schemas.microsoft.com/office/drawing/2014/main" id="{68C0778E-22E1-4C0C-A17B-06709E6DAB2F}"/>
+                <a16:creationId xmlns:a16="http://schemas.microsoft.com/office/drawing/2014/main" xmlns="" id="{68C0778E-22E1-4C0C-A17B-06709E6DAB2F}"/>
               </a:ext>
             </a:extLst>
           </p:cNvPr>
@@ -10694,7 +10694,7 @@
           <p:cNvPr id="92" name="Freeform 312">
             <a:extLst>
               <a:ext uri="{FF2B5EF4-FFF2-40B4-BE49-F238E27FC236}">
-                <a16:creationId xmlns:a16="http://schemas.microsoft.com/office/drawing/2014/main" id="{2A1B9DA8-986D-41A5-BF6C-668C33AF0106}"/>
+                <a16:creationId xmlns:a16="http://schemas.microsoft.com/office/drawing/2014/main" xmlns="" id="{2A1B9DA8-986D-41A5-BF6C-668C33AF0106}"/>
               </a:ext>
             </a:extLst>
           </p:cNvPr>
@@ -11698,7 +11698,7 @@
           <p:cNvPr id="94" name="Freeform 121">
             <a:extLst>
               <a:ext uri="{FF2B5EF4-FFF2-40B4-BE49-F238E27FC236}">
-                <a16:creationId xmlns:a16="http://schemas.microsoft.com/office/drawing/2014/main" id="{B93A3FCA-7723-41E1-B0FD-8E2D1F9214AF}"/>
+                <a16:creationId xmlns:a16="http://schemas.microsoft.com/office/drawing/2014/main" xmlns="" id="{B93A3FCA-7723-41E1-B0FD-8E2D1F9214AF}"/>
               </a:ext>
             </a:extLst>
           </p:cNvPr>
@@ -12685,7 +12685,7 @@
           <p:cNvPr id="14" name="TextBox 46">
             <a:extLst>
               <a:ext uri="{FF2B5EF4-FFF2-40B4-BE49-F238E27FC236}">
-                <a16:creationId xmlns:a16="http://schemas.microsoft.com/office/drawing/2014/main" id="{038ACC64-63F6-420B-A042-E14A9A7C9394}"/>
+                <a16:creationId xmlns:a16="http://schemas.microsoft.com/office/drawing/2014/main" xmlns="" id="{038ACC64-63F6-420B-A042-E14A9A7C9394}"/>
               </a:ext>
             </a:extLst>
           </p:cNvPr>
@@ -12751,7 +12751,7 @@
           <p:cNvPr id="17" name="文本框 16">
             <a:extLst>
               <a:ext uri="{FF2B5EF4-FFF2-40B4-BE49-F238E27FC236}">
-                <a16:creationId xmlns:a16="http://schemas.microsoft.com/office/drawing/2014/main" id="{E6F4ECFA-13B3-48DE-9E3E-DF7BBDA53533}"/>
+                <a16:creationId xmlns:a16="http://schemas.microsoft.com/office/drawing/2014/main" xmlns="" id="{E6F4ECFA-13B3-48DE-9E3E-DF7BBDA53533}"/>
               </a:ext>
             </a:extLst>
           </p:cNvPr>
@@ -12815,7 +12815,7 @@
           <p:cNvPr id="2" name="矩形 1">
             <a:extLst>
               <a:ext uri="{FF2B5EF4-FFF2-40B4-BE49-F238E27FC236}">
-                <a16:creationId xmlns:a16="http://schemas.microsoft.com/office/drawing/2014/main" id="{4420292E-33FF-4264-AB0D-02351FB20E36}"/>
+                <a16:creationId xmlns:a16="http://schemas.microsoft.com/office/drawing/2014/main" xmlns="" id="{4420292E-33FF-4264-AB0D-02351FB20E36}"/>
               </a:ext>
             </a:extLst>
           </p:cNvPr>
@@ -12885,7 +12885,7 @@
           <p:cNvPr id="18" name="下箭头 32">
             <a:extLst>
               <a:ext uri="{FF2B5EF4-FFF2-40B4-BE49-F238E27FC236}">
-                <a16:creationId xmlns:a16="http://schemas.microsoft.com/office/drawing/2014/main" id="{58C148CE-C64E-469D-8722-275221F9D022}"/>
+                <a16:creationId xmlns:a16="http://schemas.microsoft.com/office/drawing/2014/main" xmlns="" id="{58C148CE-C64E-469D-8722-275221F9D022}"/>
               </a:ext>
             </a:extLst>
           </p:cNvPr>
@@ -12939,7 +12939,7 @@
           <p:cNvPr id="9" name="文本框 8">
             <a:extLst>
               <a:ext uri="{FF2B5EF4-FFF2-40B4-BE49-F238E27FC236}">
-                <a16:creationId xmlns:a16="http://schemas.microsoft.com/office/drawing/2014/main" id="{54F12738-BEC8-4788-993E-3A7BE34EF640}"/>
+                <a16:creationId xmlns:a16="http://schemas.microsoft.com/office/drawing/2014/main" xmlns="" id="{54F12738-BEC8-4788-993E-3A7BE34EF640}"/>
               </a:ext>
             </a:extLst>
           </p:cNvPr>
@@ -12974,7 +12974,7 @@
           <p:cNvPr id="20" name="文本框 19">
             <a:extLst>
               <a:ext uri="{FF2B5EF4-FFF2-40B4-BE49-F238E27FC236}">
-                <a16:creationId xmlns:a16="http://schemas.microsoft.com/office/drawing/2014/main" id="{C2538DF4-FB90-4911-B44A-A6F7C1648B61}"/>
+                <a16:creationId xmlns:a16="http://schemas.microsoft.com/office/drawing/2014/main" xmlns="" id="{C2538DF4-FB90-4911-B44A-A6F7C1648B61}"/>
               </a:ext>
             </a:extLst>
           </p:cNvPr>
@@ -13009,7 +13009,7 @@
           <p:cNvPr id="21" name="文本框 20">
             <a:extLst>
               <a:ext uri="{FF2B5EF4-FFF2-40B4-BE49-F238E27FC236}">
-                <a16:creationId xmlns:a16="http://schemas.microsoft.com/office/drawing/2014/main" id="{1E91F165-E54A-425D-BFAD-F08B52B24551}"/>
+                <a16:creationId xmlns:a16="http://schemas.microsoft.com/office/drawing/2014/main" xmlns="" id="{1E91F165-E54A-425D-BFAD-F08B52B24551}"/>
               </a:ext>
             </a:extLst>
           </p:cNvPr>
@@ -13049,7 +13049,7 @@
           <p:cNvPr id="23" name="矩形 22">
             <a:extLst>
               <a:ext uri="{FF2B5EF4-FFF2-40B4-BE49-F238E27FC236}">
-                <a16:creationId xmlns:a16="http://schemas.microsoft.com/office/drawing/2014/main" id="{D8EC7A10-C9A7-4C09-A9ED-B0400D102A74}"/>
+                <a16:creationId xmlns:a16="http://schemas.microsoft.com/office/drawing/2014/main" xmlns="" id="{D8EC7A10-C9A7-4C09-A9ED-B0400D102A74}"/>
               </a:ext>
             </a:extLst>
           </p:cNvPr>
@@ -13119,7 +13119,7 @@
           <p:cNvPr id="24" name="文本框 23">
             <a:extLst>
               <a:ext uri="{FF2B5EF4-FFF2-40B4-BE49-F238E27FC236}">
-                <a16:creationId xmlns:a16="http://schemas.microsoft.com/office/drawing/2014/main" id="{2657C0C8-F42A-4F20-A478-79138EC817E1}"/>
+                <a16:creationId xmlns:a16="http://schemas.microsoft.com/office/drawing/2014/main" xmlns="" id="{2657C0C8-F42A-4F20-A478-79138EC817E1}"/>
               </a:ext>
             </a:extLst>
           </p:cNvPr>
@@ -13154,7 +13154,7 @@
           <p:cNvPr id="25" name="文本框 24">
             <a:extLst>
               <a:ext uri="{FF2B5EF4-FFF2-40B4-BE49-F238E27FC236}">
-                <a16:creationId xmlns:a16="http://schemas.microsoft.com/office/drawing/2014/main" id="{76C335F0-957C-4BE8-B64D-D2B41BFBEF30}"/>
+                <a16:creationId xmlns:a16="http://schemas.microsoft.com/office/drawing/2014/main" xmlns="" id="{76C335F0-957C-4BE8-B64D-D2B41BFBEF30}"/>
               </a:ext>
             </a:extLst>
           </p:cNvPr>
@@ -13206,7 +13206,7 @@
           <p:cNvPr id="26" name="下箭头 32">
             <a:extLst>
               <a:ext uri="{FF2B5EF4-FFF2-40B4-BE49-F238E27FC236}">
-                <a16:creationId xmlns:a16="http://schemas.microsoft.com/office/drawing/2014/main" id="{31193F67-61DF-4F75-A6E0-14E0AF212675}"/>
+                <a16:creationId xmlns:a16="http://schemas.microsoft.com/office/drawing/2014/main" xmlns="" id="{31193F67-61DF-4F75-A6E0-14E0AF212675}"/>
               </a:ext>
             </a:extLst>
           </p:cNvPr>
@@ -13260,7 +13260,7 @@
           <p:cNvPr id="22" name="文本框 21">
             <a:extLst>
               <a:ext uri="{FF2B5EF4-FFF2-40B4-BE49-F238E27FC236}">
-                <a16:creationId xmlns:a16="http://schemas.microsoft.com/office/drawing/2014/main" id="{E566D48D-20DC-4C7A-B36F-1B2DA1A605C4}"/>
+                <a16:creationId xmlns:a16="http://schemas.microsoft.com/office/drawing/2014/main" xmlns="" id="{E566D48D-20DC-4C7A-B36F-1B2DA1A605C4}"/>
               </a:ext>
             </a:extLst>
           </p:cNvPr>
@@ -13302,7 +13302,7 @@
           <p:cNvPr id="27" name="文本框 26">
             <a:extLst>
               <a:ext uri="{FF2B5EF4-FFF2-40B4-BE49-F238E27FC236}">
-                <a16:creationId xmlns:a16="http://schemas.microsoft.com/office/drawing/2014/main" id="{747D2FD7-951A-415D-87F1-6947B8DB7888}"/>
+                <a16:creationId xmlns:a16="http://schemas.microsoft.com/office/drawing/2014/main" xmlns="" id="{747D2FD7-951A-415D-87F1-6947B8DB7888}"/>
               </a:ext>
             </a:extLst>
           </p:cNvPr>
@@ -13346,7 +13346,7 @@
           <p:cNvPr id="30" name="下箭头 32">
             <a:extLst>
               <a:ext uri="{FF2B5EF4-FFF2-40B4-BE49-F238E27FC236}">
-                <a16:creationId xmlns:a16="http://schemas.microsoft.com/office/drawing/2014/main" id="{EAB50E5D-2EF6-4520-9081-7BBDE39756EE}"/>
+                <a16:creationId xmlns:a16="http://schemas.microsoft.com/office/drawing/2014/main" xmlns="" id="{EAB50E5D-2EF6-4520-9081-7BBDE39756EE}"/>
               </a:ext>
             </a:extLst>
           </p:cNvPr>
@@ -13400,7 +13400,7 @@
           <p:cNvPr id="31" name="文本框 30">
             <a:extLst>
               <a:ext uri="{FF2B5EF4-FFF2-40B4-BE49-F238E27FC236}">
-                <a16:creationId xmlns:a16="http://schemas.microsoft.com/office/drawing/2014/main" id="{C9F2FA20-2F65-41C6-8B08-2023C9261F99}"/>
+                <a16:creationId xmlns:a16="http://schemas.microsoft.com/office/drawing/2014/main" xmlns="" id="{C9F2FA20-2F65-41C6-8B08-2023C9261F99}"/>
               </a:ext>
             </a:extLst>
           </p:cNvPr>
@@ -13449,7 +13449,7 @@
           <p:cNvPr id="32" name="矩形 31">
             <a:extLst>
               <a:ext uri="{FF2B5EF4-FFF2-40B4-BE49-F238E27FC236}">
-                <a16:creationId xmlns:a16="http://schemas.microsoft.com/office/drawing/2014/main" id="{10A05179-4B68-4E00-928A-8BE5394A0437}"/>
+                <a16:creationId xmlns:a16="http://schemas.microsoft.com/office/drawing/2014/main" xmlns="" id="{10A05179-4B68-4E00-928A-8BE5394A0437}"/>
               </a:ext>
             </a:extLst>
           </p:cNvPr>
@@ -14227,7 +14227,7 @@
           <p:cNvPr id="14" name="TextBox 46">
             <a:extLst>
               <a:ext uri="{FF2B5EF4-FFF2-40B4-BE49-F238E27FC236}">
-                <a16:creationId xmlns:a16="http://schemas.microsoft.com/office/drawing/2014/main" id="{76E85F30-8AC3-4FC8-961C-DD7C5D54F1B4}"/>
+                <a16:creationId xmlns:a16="http://schemas.microsoft.com/office/drawing/2014/main" xmlns="" id="{76E85F30-8AC3-4FC8-961C-DD7C5D54F1B4}"/>
               </a:ext>
             </a:extLst>
           </p:cNvPr>
@@ -14293,7 +14293,7 @@
           <p:cNvPr id="18" name="椭圆 17">
             <a:extLst>
               <a:ext uri="{FF2B5EF4-FFF2-40B4-BE49-F238E27FC236}">
-                <a16:creationId xmlns:a16="http://schemas.microsoft.com/office/drawing/2014/main" id="{B7B16E4E-68BC-4039-ABFF-F43B5AF56593}"/>
+                <a16:creationId xmlns:a16="http://schemas.microsoft.com/office/drawing/2014/main" xmlns="" id="{B7B16E4E-68BC-4039-ABFF-F43B5AF56593}"/>
               </a:ext>
             </a:extLst>
           </p:cNvPr>
@@ -14353,7 +14353,7 @@
           <p:cNvPr id="19" name="椭圆 18">
             <a:extLst>
               <a:ext uri="{FF2B5EF4-FFF2-40B4-BE49-F238E27FC236}">
-                <a16:creationId xmlns:a16="http://schemas.microsoft.com/office/drawing/2014/main" id="{37A85B23-5DB4-448D-BC63-06003239C69F}"/>
+                <a16:creationId xmlns:a16="http://schemas.microsoft.com/office/drawing/2014/main" xmlns="" id="{37A85B23-5DB4-448D-BC63-06003239C69F}"/>
               </a:ext>
             </a:extLst>
           </p:cNvPr>
@@ -14420,7 +14420,7 @@
           <p:cNvPr id="20" name="椭圆 19">
             <a:extLst>
               <a:ext uri="{FF2B5EF4-FFF2-40B4-BE49-F238E27FC236}">
-                <a16:creationId xmlns:a16="http://schemas.microsoft.com/office/drawing/2014/main" id="{1D722065-9A8B-458D-A298-791A00364630}"/>
+                <a16:creationId xmlns:a16="http://schemas.microsoft.com/office/drawing/2014/main" xmlns="" id="{1D722065-9A8B-458D-A298-791A00364630}"/>
               </a:ext>
             </a:extLst>
           </p:cNvPr>
@@ -14480,7 +14480,7 @@
           <p:cNvPr id="21" name="椭圆 20">
             <a:extLst>
               <a:ext uri="{FF2B5EF4-FFF2-40B4-BE49-F238E27FC236}">
-                <a16:creationId xmlns:a16="http://schemas.microsoft.com/office/drawing/2014/main" id="{B161BB54-4481-4401-B68E-EF1FEC029EB7}"/>
+                <a16:creationId xmlns:a16="http://schemas.microsoft.com/office/drawing/2014/main" xmlns="" id="{B161BB54-4481-4401-B68E-EF1FEC029EB7}"/>
               </a:ext>
             </a:extLst>
           </p:cNvPr>
@@ -14540,7 +14540,7 @@
           <p:cNvPr id="22" name="椭圆 21">
             <a:extLst>
               <a:ext uri="{FF2B5EF4-FFF2-40B4-BE49-F238E27FC236}">
-                <a16:creationId xmlns:a16="http://schemas.microsoft.com/office/drawing/2014/main" id="{0DE1F784-39AB-4F7D-995B-F2E3D99FD6EF}"/>
+                <a16:creationId xmlns:a16="http://schemas.microsoft.com/office/drawing/2014/main" xmlns="" id="{0DE1F784-39AB-4F7D-995B-F2E3D99FD6EF}"/>
               </a:ext>
             </a:extLst>
           </p:cNvPr>
@@ -14600,7 +14600,7 @@
           <p:cNvPr id="23" name="直接箭头连接符 22">
             <a:extLst>
               <a:ext uri="{FF2B5EF4-FFF2-40B4-BE49-F238E27FC236}">
-                <a16:creationId xmlns:a16="http://schemas.microsoft.com/office/drawing/2014/main" id="{950452EA-494C-4E54-AE31-57E6C6DAE04F}"/>
+                <a16:creationId xmlns:a16="http://schemas.microsoft.com/office/drawing/2014/main" xmlns="" id="{950452EA-494C-4E54-AE31-57E6C6DAE04F}"/>
               </a:ext>
             </a:extLst>
           </p:cNvPr>
@@ -14645,7 +14645,7 @@
           <p:cNvPr id="24" name="直接箭头连接符 23">
             <a:extLst>
               <a:ext uri="{FF2B5EF4-FFF2-40B4-BE49-F238E27FC236}">
-                <a16:creationId xmlns:a16="http://schemas.microsoft.com/office/drawing/2014/main" id="{D18624C8-798D-4A01-B56C-752FE874063E}"/>
+                <a16:creationId xmlns:a16="http://schemas.microsoft.com/office/drawing/2014/main" xmlns="" id="{D18624C8-798D-4A01-B56C-752FE874063E}"/>
               </a:ext>
             </a:extLst>
           </p:cNvPr>
@@ -14690,7 +14690,7 @@
           <p:cNvPr id="25" name="下箭头 32">
             <a:extLst>
               <a:ext uri="{FF2B5EF4-FFF2-40B4-BE49-F238E27FC236}">
-                <a16:creationId xmlns:a16="http://schemas.microsoft.com/office/drawing/2014/main" id="{57DF651C-C077-4109-AB1A-3E3B73231054}"/>
+                <a16:creationId xmlns:a16="http://schemas.microsoft.com/office/drawing/2014/main" xmlns="" id="{57DF651C-C077-4109-AB1A-3E3B73231054}"/>
               </a:ext>
             </a:extLst>
           </p:cNvPr>
@@ -14744,7 +14744,7 @@
           <p:cNvPr id="26" name="下箭头 33">
             <a:extLst>
               <a:ext uri="{FF2B5EF4-FFF2-40B4-BE49-F238E27FC236}">
-                <a16:creationId xmlns:a16="http://schemas.microsoft.com/office/drawing/2014/main" id="{721091C1-C5AC-42A8-9B94-3CE5C4D966DA}"/>
+                <a16:creationId xmlns:a16="http://schemas.microsoft.com/office/drawing/2014/main" xmlns="" id="{721091C1-C5AC-42A8-9B94-3CE5C4D966DA}"/>
               </a:ext>
             </a:extLst>
           </p:cNvPr>
@@ -14798,7 +14798,7 @@
           <p:cNvPr id="27" name="虚尾箭头 8">
             <a:extLst>
               <a:ext uri="{FF2B5EF4-FFF2-40B4-BE49-F238E27FC236}">
-                <a16:creationId xmlns:a16="http://schemas.microsoft.com/office/drawing/2014/main" id="{57081B68-1D81-4C1A-8691-0E9EA922F717}"/>
+                <a16:creationId xmlns:a16="http://schemas.microsoft.com/office/drawing/2014/main" xmlns="" id="{57081B68-1D81-4C1A-8691-0E9EA922F717}"/>
               </a:ext>
             </a:extLst>
           </p:cNvPr>
@@ -14852,7 +14852,7 @@
           <p:cNvPr id="2" name="文本框 1">
             <a:extLst>
               <a:ext uri="{FF2B5EF4-FFF2-40B4-BE49-F238E27FC236}">
-                <a16:creationId xmlns:a16="http://schemas.microsoft.com/office/drawing/2014/main" id="{38DDB060-B2D0-4E7F-8E41-09236DB7411A}"/>
+                <a16:creationId xmlns:a16="http://schemas.microsoft.com/office/drawing/2014/main" xmlns="" id="{38DDB060-B2D0-4E7F-8E41-09236DB7411A}"/>
               </a:ext>
             </a:extLst>
           </p:cNvPr>
@@ -14894,7 +14894,7 @@
           <p:cNvPr id="9" name="文本框 8">
             <a:extLst>
               <a:ext uri="{FF2B5EF4-FFF2-40B4-BE49-F238E27FC236}">
-                <a16:creationId xmlns:a16="http://schemas.microsoft.com/office/drawing/2014/main" id="{291919B3-699D-492B-A5D7-2F7763716C66}"/>
+                <a16:creationId xmlns:a16="http://schemas.microsoft.com/office/drawing/2014/main" xmlns="" id="{291919B3-699D-492B-A5D7-2F7763716C66}"/>
               </a:ext>
             </a:extLst>
           </p:cNvPr>
@@ -14936,7 +14936,7 @@
           <p:cNvPr id="29" name="文本框 28">
             <a:extLst>
               <a:ext uri="{FF2B5EF4-FFF2-40B4-BE49-F238E27FC236}">
-                <a16:creationId xmlns:a16="http://schemas.microsoft.com/office/drawing/2014/main" id="{B5BC488E-33AE-48C1-BC65-F00BF29E6C26}"/>
+                <a16:creationId xmlns:a16="http://schemas.microsoft.com/office/drawing/2014/main" xmlns="" id="{B5BC488E-33AE-48C1-BC65-F00BF29E6C26}"/>
               </a:ext>
             </a:extLst>
           </p:cNvPr>
@@ -14985,7 +14985,7 @@
           <p:cNvPr id="30" name="文本框 29">
             <a:extLst>
               <a:ext uri="{FF2B5EF4-FFF2-40B4-BE49-F238E27FC236}">
-                <a16:creationId xmlns:a16="http://schemas.microsoft.com/office/drawing/2014/main" id="{274926F2-3D43-409E-820D-A0FA5EE1433E}"/>
+                <a16:creationId xmlns:a16="http://schemas.microsoft.com/office/drawing/2014/main" xmlns="" id="{274926F2-3D43-409E-820D-A0FA5EE1433E}"/>
               </a:ext>
             </a:extLst>
           </p:cNvPr>
@@ -15027,7 +15027,7 @@
           <p:cNvPr id="31" name="文本框 30">
             <a:extLst>
               <a:ext uri="{FF2B5EF4-FFF2-40B4-BE49-F238E27FC236}">
-                <a16:creationId xmlns:a16="http://schemas.microsoft.com/office/drawing/2014/main" id="{310930CC-3490-4139-9EBA-7A9F8699EEE8}"/>
+                <a16:creationId xmlns:a16="http://schemas.microsoft.com/office/drawing/2014/main" xmlns="" id="{310930CC-3490-4139-9EBA-7A9F8699EEE8}"/>
               </a:ext>
             </a:extLst>
           </p:cNvPr>
@@ -15819,7 +15819,7 @@
           <p:cNvPr id="14" name="TextBox 46">
             <a:extLst>
               <a:ext uri="{FF2B5EF4-FFF2-40B4-BE49-F238E27FC236}">
-                <a16:creationId xmlns:a16="http://schemas.microsoft.com/office/drawing/2014/main" id="{55883CF2-AF6F-490F-8A55-D365665B6802}"/>
+                <a16:creationId xmlns:a16="http://schemas.microsoft.com/office/drawing/2014/main" xmlns="" id="{55883CF2-AF6F-490F-8A55-D365665B6802}"/>
               </a:ext>
             </a:extLst>
           </p:cNvPr>
@@ -15885,7 +15885,7 @@
           <p:cNvPr id="2" name="文本框 1">
             <a:extLst>
               <a:ext uri="{FF2B5EF4-FFF2-40B4-BE49-F238E27FC236}">
-                <a16:creationId xmlns:a16="http://schemas.microsoft.com/office/drawing/2014/main" id="{95ECA6DA-B419-47EC-A2E9-314358DEDCCE}"/>
+                <a16:creationId xmlns:a16="http://schemas.microsoft.com/office/drawing/2014/main" xmlns="" id="{95ECA6DA-B419-47EC-A2E9-314358DEDCCE}"/>
               </a:ext>
             </a:extLst>
           </p:cNvPr>
@@ -15948,7 +15948,7 @@
           <p:cNvPr id="15" name="图片 14">
             <a:extLst>
               <a:ext uri="{FF2B5EF4-FFF2-40B4-BE49-F238E27FC236}">
-                <a16:creationId xmlns:a16="http://schemas.microsoft.com/office/drawing/2014/main" id="{DB2353C9-B125-4CDA-A10A-8A826EB987AF}"/>
+                <a16:creationId xmlns:a16="http://schemas.microsoft.com/office/drawing/2014/main" xmlns="" id="{DB2353C9-B125-4CDA-A10A-8A826EB987AF}"/>
               </a:ext>
             </a:extLst>
           </p:cNvPr>
@@ -15978,7 +15978,7 @@
           <p:cNvPr id="18" name="文本框 17">
             <a:extLst>
               <a:ext uri="{FF2B5EF4-FFF2-40B4-BE49-F238E27FC236}">
-                <a16:creationId xmlns:a16="http://schemas.microsoft.com/office/drawing/2014/main" id="{505937C2-AF81-4708-A5A0-4DA79AFE57F7}"/>
+                <a16:creationId xmlns:a16="http://schemas.microsoft.com/office/drawing/2014/main" xmlns="" id="{505937C2-AF81-4708-A5A0-4DA79AFE57F7}"/>
               </a:ext>
             </a:extLst>
           </p:cNvPr>
@@ -16020,7 +16020,7 @@
           <p:cNvPr id="19" name="下箭头 33">
             <a:extLst>
               <a:ext uri="{FF2B5EF4-FFF2-40B4-BE49-F238E27FC236}">
-                <a16:creationId xmlns:a16="http://schemas.microsoft.com/office/drawing/2014/main" id="{E36EBEC0-3999-46EA-BF2F-7982E559EFCA}"/>
+                <a16:creationId xmlns:a16="http://schemas.microsoft.com/office/drawing/2014/main" xmlns="" id="{E36EBEC0-3999-46EA-BF2F-7982E559EFCA}"/>
               </a:ext>
             </a:extLst>
           </p:cNvPr>
@@ -16074,7 +16074,7 @@
           <p:cNvPr id="20" name="下箭头 33">
             <a:extLst>
               <a:ext uri="{FF2B5EF4-FFF2-40B4-BE49-F238E27FC236}">
-                <a16:creationId xmlns:a16="http://schemas.microsoft.com/office/drawing/2014/main" id="{A032B688-77E3-4E8D-AA1E-AA28BF4CBE8F}"/>
+                <a16:creationId xmlns:a16="http://schemas.microsoft.com/office/drawing/2014/main" xmlns="" id="{A032B688-77E3-4E8D-AA1E-AA28BF4CBE8F}"/>
               </a:ext>
             </a:extLst>
           </p:cNvPr>
@@ -16128,7 +16128,7 @@
           <p:cNvPr id="22" name="矩形 21">
             <a:extLst>
               <a:ext uri="{FF2B5EF4-FFF2-40B4-BE49-F238E27FC236}">
-                <a16:creationId xmlns:a16="http://schemas.microsoft.com/office/drawing/2014/main" id="{5CC3C712-78FC-42AB-9483-273DB1B5C976}"/>
+                <a16:creationId xmlns:a16="http://schemas.microsoft.com/office/drawing/2014/main" xmlns="" id="{5CC3C712-78FC-42AB-9483-273DB1B5C976}"/>
               </a:ext>
             </a:extLst>
           </p:cNvPr>
@@ -16224,7 +16224,7 @@
           <p:cNvPr id="23" name="图片 22">
             <a:extLst>
               <a:ext uri="{FF2B5EF4-FFF2-40B4-BE49-F238E27FC236}">
-                <a16:creationId xmlns:a16="http://schemas.microsoft.com/office/drawing/2014/main" id="{708BBB37-0F81-4419-8A27-031133068451}"/>
+                <a16:creationId xmlns:a16="http://schemas.microsoft.com/office/drawing/2014/main" xmlns="" id="{708BBB37-0F81-4419-8A27-031133068451}"/>
               </a:ext>
             </a:extLst>
           </p:cNvPr>
@@ -18885,7 +18885,7 @@
           <p:cNvPr id="29" name="文本框 28">
             <a:extLst>
               <a:ext uri="{FF2B5EF4-FFF2-40B4-BE49-F238E27FC236}">
-                <a16:creationId xmlns:a16="http://schemas.microsoft.com/office/drawing/2014/main" id="{AD20217F-3D79-48B1-9E12-0CF7277C6B9A}"/>
+                <a16:creationId xmlns:a16="http://schemas.microsoft.com/office/drawing/2014/main" xmlns="" id="{AD20217F-3D79-48B1-9E12-0CF7277C6B9A}"/>
               </a:ext>
             </a:extLst>
           </p:cNvPr>
@@ -20189,7 +20189,7 @@
           <p:cNvPr id="16" name="TextBox 15">
             <a:extLst>
               <a:ext uri="{FF2B5EF4-FFF2-40B4-BE49-F238E27FC236}">
-                <a16:creationId xmlns:a16="http://schemas.microsoft.com/office/drawing/2014/main" id="{6DF13735-4081-4307-8A75-E9E41F37B168}"/>
+                <a16:creationId xmlns:a16="http://schemas.microsoft.com/office/drawing/2014/main" xmlns="" id="{6DF13735-4081-4307-8A75-E9E41F37B168}"/>
               </a:ext>
             </a:extLst>
           </p:cNvPr>
@@ -20958,7 +20958,7 @@
           <p:cNvPr id="2" name="表格 1">
             <a:extLst>
               <a:ext uri="{FF2B5EF4-FFF2-40B4-BE49-F238E27FC236}">
-                <a16:creationId xmlns:a16="http://schemas.microsoft.com/office/drawing/2014/main" id="{529F8A63-27D1-4E30-AF80-F1B9DDB2EBCB}"/>
+                <a16:creationId xmlns:a16="http://schemas.microsoft.com/office/drawing/2014/main" xmlns="" id="{529F8A63-27D1-4E30-AF80-F1B9DDB2EBCB}"/>
               </a:ext>
             </a:extLst>
           </p:cNvPr>
@@ -20987,28 +20987,28 @@
                 <a:gridCol w="1555373">
                   <a:extLst>
                     <a:ext uri="{9D8B030D-6E8A-4147-A177-3AD203B41FA5}">
-                      <a16:colId xmlns:a16="http://schemas.microsoft.com/office/drawing/2014/main" val="3046491277"/>
+                      <a16:colId xmlns:a16="http://schemas.microsoft.com/office/drawing/2014/main" xmlns="" val="3046491277"/>
                     </a:ext>
                   </a:extLst>
                 </a:gridCol>
                 <a:gridCol w="1555373">
                   <a:extLst>
                     <a:ext uri="{9D8B030D-6E8A-4147-A177-3AD203B41FA5}">
-                      <a16:colId xmlns:a16="http://schemas.microsoft.com/office/drawing/2014/main" val="3181357374"/>
+                      <a16:colId xmlns:a16="http://schemas.microsoft.com/office/drawing/2014/main" xmlns="" val="3181357374"/>
                     </a:ext>
                   </a:extLst>
                 </a:gridCol>
                 <a:gridCol w="1555373">
                   <a:extLst>
                     <a:ext uri="{9D8B030D-6E8A-4147-A177-3AD203B41FA5}">
-                      <a16:colId xmlns:a16="http://schemas.microsoft.com/office/drawing/2014/main" val="323473221"/>
+                      <a16:colId xmlns:a16="http://schemas.microsoft.com/office/drawing/2014/main" xmlns="" val="323473221"/>
                     </a:ext>
                   </a:extLst>
                 </a:gridCol>
                 <a:gridCol w="1555373">
                   <a:extLst>
                     <a:ext uri="{9D8B030D-6E8A-4147-A177-3AD203B41FA5}">
-                      <a16:colId xmlns:a16="http://schemas.microsoft.com/office/drawing/2014/main" val="1764454887"/>
+                      <a16:colId xmlns:a16="http://schemas.microsoft.com/office/drawing/2014/main" xmlns="" val="1764454887"/>
                     </a:ext>
                   </a:extLst>
                 </a:gridCol>
@@ -21110,7 +21110,7 @@
                 </a:tc>
                 <a:extLst>
                   <a:ext uri="{0D108BD9-81ED-4DB2-BD59-A6C34878D82A}">
-                    <a16:rowId xmlns:a16="http://schemas.microsoft.com/office/drawing/2014/main" val="3264120260"/>
+                    <a16:rowId xmlns:a16="http://schemas.microsoft.com/office/drawing/2014/main" xmlns="" val="3264120260"/>
                   </a:ext>
                 </a:extLst>
               </a:tr>
@@ -21192,7 +21192,7 @@
                 </a:tc>
                 <a:extLst>
                   <a:ext uri="{0D108BD9-81ED-4DB2-BD59-A6C34878D82A}">
-                    <a16:rowId xmlns:a16="http://schemas.microsoft.com/office/drawing/2014/main" val="693590304"/>
+                    <a16:rowId xmlns:a16="http://schemas.microsoft.com/office/drawing/2014/main" xmlns="" val="693590304"/>
                   </a:ext>
                 </a:extLst>
               </a:tr>
@@ -21274,7 +21274,7 @@
                 </a:tc>
                 <a:extLst>
                   <a:ext uri="{0D108BD9-81ED-4DB2-BD59-A6C34878D82A}">
-                    <a16:rowId xmlns:a16="http://schemas.microsoft.com/office/drawing/2014/main" val="4082461953"/>
+                    <a16:rowId xmlns:a16="http://schemas.microsoft.com/office/drawing/2014/main" xmlns="" val="4082461953"/>
                   </a:ext>
                 </a:extLst>
               </a:tr>
@@ -21356,7 +21356,7 @@
                 </a:tc>
                 <a:extLst>
                   <a:ext uri="{0D108BD9-81ED-4DB2-BD59-A6C34878D82A}">
-                    <a16:rowId xmlns:a16="http://schemas.microsoft.com/office/drawing/2014/main" val="436428789"/>
+                    <a16:rowId xmlns:a16="http://schemas.microsoft.com/office/drawing/2014/main" xmlns="" val="436428789"/>
                   </a:ext>
                 </a:extLst>
               </a:tr>
@@ -21472,7 +21472,7 @@
                 </a:tc>
                 <a:extLst>
                   <a:ext uri="{0D108BD9-81ED-4DB2-BD59-A6C34878D82A}">
-                    <a16:rowId xmlns:a16="http://schemas.microsoft.com/office/drawing/2014/main" val="3443909576"/>
+                    <a16:rowId xmlns:a16="http://schemas.microsoft.com/office/drawing/2014/main" xmlns="" val="3443909576"/>
                   </a:ext>
                 </a:extLst>
               </a:tr>
@@ -21485,7 +21485,7 @@
           <p:cNvPr id="43" name="文本框 42">
             <a:extLst>
               <a:ext uri="{FF2B5EF4-FFF2-40B4-BE49-F238E27FC236}">
-                <a16:creationId xmlns:a16="http://schemas.microsoft.com/office/drawing/2014/main" id="{1E32A157-9103-4EE9-83CC-106ECEEB4640}"/>
+                <a16:creationId xmlns:a16="http://schemas.microsoft.com/office/drawing/2014/main" xmlns="" id="{1E32A157-9103-4EE9-83CC-106ECEEB4640}"/>
               </a:ext>
             </a:extLst>
           </p:cNvPr>
@@ -21527,7 +21527,7 @@
           <p:cNvPr id="45" name="文本框 44">
             <a:extLst>
               <a:ext uri="{FF2B5EF4-FFF2-40B4-BE49-F238E27FC236}">
-                <a16:creationId xmlns:a16="http://schemas.microsoft.com/office/drawing/2014/main" id="{01139506-E134-4BC1-AAEE-241BD364136D}"/>
+                <a16:creationId xmlns:a16="http://schemas.microsoft.com/office/drawing/2014/main" xmlns="" id="{01139506-E134-4BC1-AAEE-241BD364136D}"/>
               </a:ext>
             </a:extLst>
           </p:cNvPr>
@@ -21569,7 +21569,7 @@
           <p:cNvPr id="14" name="图片 13">
             <a:extLst>
               <a:ext uri="{FF2B5EF4-FFF2-40B4-BE49-F238E27FC236}">
-                <a16:creationId xmlns:a16="http://schemas.microsoft.com/office/drawing/2014/main" id="{3CA7271E-F7A3-4190-BBC9-215E5C26F1D2}"/>
+                <a16:creationId xmlns:a16="http://schemas.microsoft.com/office/drawing/2014/main" xmlns="" id="{3CA7271E-F7A3-4190-BBC9-215E5C26F1D2}"/>
               </a:ext>
             </a:extLst>
           </p:cNvPr>
@@ -22287,7 +22287,7 @@
           <p:cNvPr id="33" name="图片 32">
             <a:extLst>
               <a:ext uri="{FF2B5EF4-FFF2-40B4-BE49-F238E27FC236}">
-                <a16:creationId xmlns:a16="http://schemas.microsoft.com/office/drawing/2014/main" id="{9C6813BB-5555-405D-9450-66AB68F4E3E0}"/>
+                <a16:creationId xmlns:a16="http://schemas.microsoft.com/office/drawing/2014/main" xmlns="" id="{9C6813BB-5555-405D-9450-66AB68F4E3E0}"/>
               </a:ext>
             </a:extLst>
           </p:cNvPr>
@@ -22321,7 +22321,7 @@
           <p:cNvPr id="34" name="文本框 33">
             <a:extLst>
               <a:ext uri="{FF2B5EF4-FFF2-40B4-BE49-F238E27FC236}">
-                <a16:creationId xmlns:a16="http://schemas.microsoft.com/office/drawing/2014/main" id="{2B061277-8924-45C2-ABEA-18B51F81A5B0}"/>
+                <a16:creationId xmlns:a16="http://schemas.microsoft.com/office/drawing/2014/main" xmlns="" id="{2B061277-8924-45C2-ABEA-18B51F81A5B0}"/>
               </a:ext>
             </a:extLst>
           </p:cNvPr>
@@ -22377,7 +22377,7 @@
           <p:cNvPr id="19" name="图片 18">
             <a:extLst>
               <a:ext uri="{FF2B5EF4-FFF2-40B4-BE49-F238E27FC236}">
-                <a16:creationId xmlns:a16="http://schemas.microsoft.com/office/drawing/2014/main" id="{CE86F1B3-AD1E-4F6E-81DA-82FB81E6B79D}"/>
+                <a16:creationId xmlns:a16="http://schemas.microsoft.com/office/drawing/2014/main" xmlns="" id="{CE86F1B3-AD1E-4F6E-81DA-82FB81E6B79D}"/>
               </a:ext>
             </a:extLst>
           </p:cNvPr>
@@ -22411,7 +22411,7 @@
           <p:cNvPr id="20" name="文本框 19">
             <a:extLst>
               <a:ext uri="{FF2B5EF4-FFF2-40B4-BE49-F238E27FC236}">
-                <a16:creationId xmlns:a16="http://schemas.microsoft.com/office/drawing/2014/main" id="{1BEED469-1CF8-4109-B300-64C04DB3CEEC}"/>
+                <a16:creationId xmlns:a16="http://schemas.microsoft.com/office/drawing/2014/main" xmlns="" id="{1BEED469-1CF8-4109-B300-64C04DB3CEEC}"/>
               </a:ext>
             </a:extLst>
           </p:cNvPr>
@@ -22467,7 +22467,7 @@
           <p:cNvPr id="24" name="组合 23">
             <a:extLst>
               <a:ext uri="{FF2B5EF4-FFF2-40B4-BE49-F238E27FC236}">
-                <a16:creationId xmlns:a16="http://schemas.microsoft.com/office/drawing/2014/main" id="{2C52F46E-A416-430E-9976-C033F5A0E3D8}"/>
+                <a16:creationId xmlns:a16="http://schemas.microsoft.com/office/drawing/2014/main" xmlns="" id="{2C52F46E-A416-430E-9976-C033F5A0E3D8}"/>
               </a:ext>
             </a:extLst>
           </p:cNvPr>
@@ -22487,7 +22487,7 @@
             <p:cNvPr id="2" name="矩形 1">
               <a:extLst>
                 <a:ext uri="{FF2B5EF4-FFF2-40B4-BE49-F238E27FC236}">
-                  <a16:creationId xmlns:a16="http://schemas.microsoft.com/office/drawing/2014/main" id="{4AD83D79-2F49-4998-A677-A70E36EF1315}"/>
+                  <a16:creationId xmlns:a16="http://schemas.microsoft.com/office/drawing/2014/main" xmlns="" id="{4AD83D79-2F49-4998-A677-A70E36EF1315}"/>
                 </a:ext>
               </a:extLst>
             </p:cNvPr>
@@ -22539,7 +22539,7 @@
             <p:cNvPr id="18" name="矩形 17">
               <a:extLst>
                 <a:ext uri="{FF2B5EF4-FFF2-40B4-BE49-F238E27FC236}">
-                  <a16:creationId xmlns:a16="http://schemas.microsoft.com/office/drawing/2014/main" id="{63CFB48C-33DF-4D3B-B065-1B31E2DB25C2}"/>
+                  <a16:creationId xmlns:a16="http://schemas.microsoft.com/office/drawing/2014/main" xmlns="" id="{63CFB48C-33DF-4D3B-B065-1B31E2DB25C2}"/>
                 </a:ext>
               </a:extLst>
             </p:cNvPr>
@@ -22591,7 +22591,7 @@
             <p:cNvPr id="12" name="直接箭头连接符 11">
               <a:extLst>
                 <a:ext uri="{FF2B5EF4-FFF2-40B4-BE49-F238E27FC236}">
-                  <a16:creationId xmlns:a16="http://schemas.microsoft.com/office/drawing/2014/main" id="{E1937D5A-17C6-4F21-BC1A-FFCC1762F3C6}"/>
+                  <a16:creationId xmlns:a16="http://schemas.microsoft.com/office/drawing/2014/main" xmlns="" id="{E1937D5A-17C6-4F21-BC1A-FFCC1762F3C6}"/>
                 </a:ext>
               </a:extLst>
             </p:cNvPr>
@@ -22635,7 +22635,7 @@
             <p:cNvPr id="23" name="直接箭头连接符 22">
               <a:extLst>
                 <a:ext uri="{FF2B5EF4-FFF2-40B4-BE49-F238E27FC236}">
-                  <a16:creationId xmlns:a16="http://schemas.microsoft.com/office/drawing/2014/main" id="{7EA1ED8F-9FD8-4F48-B7C5-455D94C2D077}"/>
+                  <a16:creationId xmlns:a16="http://schemas.microsoft.com/office/drawing/2014/main" xmlns="" id="{7EA1ED8F-9FD8-4F48-B7C5-455D94C2D077}"/>
                 </a:ext>
               </a:extLst>
             </p:cNvPr>
@@ -22679,7 +22679,7 @@
             <p:cNvPr id="22" name="文本框 21">
               <a:extLst>
                 <a:ext uri="{FF2B5EF4-FFF2-40B4-BE49-F238E27FC236}">
-                  <a16:creationId xmlns:a16="http://schemas.microsoft.com/office/drawing/2014/main" id="{829DFA88-1E87-4E9E-84ED-6A07111FAA66}"/>
+                  <a16:creationId xmlns:a16="http://schemas.microsoft.com/office/drawing/2014/main" xmlns="" id="{829DFA88-1E87-4E9E-84ED-6A07111FAA66}"/>
                 </a:ext>
               </a:extLst>
             </p:cNvPr>
@@ -23565,7 +23565,7 @@
           <p:cNvPr id="19" name="文本框 18">
             <a:extLst>
               <a:ext uri="{FF2B5EF4-FFF2-40B4-BE49-F238E27FC236}">
-                <a16:creationId xmlns:a16="http://schemas.microsoft.com/office/drawing/2014/main" id="{0D82BFAC-BB4C-4ECD-868F-B60624128845}"/>
+                <a16:creationId xmlns:a16="http://schemas.microsoft.com/office/drawing/2014/main" xmlns="" id="{0D82BFAC-BB4C-4ECD-868F-B60624128845}"/>
               </a:ext>
             </a:extLst>
           </p:cNvPr>
@@ -23642,7 +23642,7 @@
           <p:cNvPr id="2" name="图片 1">
             <a:extLst>
               <a:ext uri="{FF2B5EF4-FFF2-40B4-BE49-F238E27FC236}">
-                <a16:creationId xmlns:a16="http://schemas.microsoft.com/office/drawing/2014/main" id="{959A4850-EFCF-41B8-A815-F9923883D9E4}"/>
+                <a16:creationId xmlns:a16="http://schemas.microsoft.com/office/drawing/2014/main" xmlns="" id="{959A4850-EFCF-41B8-A815-F9923883D9E4}"/>
               </a:ext>
             </a:extLst>
           </p:cNvPr>
@@ -23672,7 +23672,7 @@
           <p:cNvPr id="23" name="组合 22">
             <a:extLst>
               <a:ext uri="{FF2B5EF4-FFF2-40B4-BE49-F238E27FC236}">
-                <a16:creationId xmlns:a16="http://schemas.microsoft.com/office/drawing/2014/main" id="{933D935F-1A3F-4F3F-9E59-E7213E28A96F}"/>
+                <a16:creationId xmlns:a16="http://schemas.microsoft.com/office/drawing/2014/main" xmlns="" id="{933D935F-1A3F-4F3F-9E59-E7213E28A96F}"/>
               </a:ext>
             </a:extLst>
           </p:cNvPr>
@@ -23692,7 +23692,7 @@
             <p:cNvPr id="24" name="矩形 23">
               <a:extLst>
                 <a:ext uri="{FF2B5EF4-FFF2-40B4-BE49-F238E27FC236}">
-                  <a16:creationId xmlns:a16="http://schemas.microsoft.com/office/drawing/2014/main" id="{19AE8A0D-6F33-4098-B7FB-423FE428AC2B}"/>
+                  <a16:creationId xmlns:a16="http://schemas.microsoft.com/office/drawing/2014/main" xmlns="" id="{19AE8A0D-6F33-4098-B7FB-423FE428AC2B}"/>
                 </a:ext>
               </a:extLst>
             </p:cNvPr>
@@ -23744,7 +23744,7 @@
             <p:cNvPr id="25" name="矩形 24">
               <a:extLst>
                 <a:ext uri="{FF2B5EF4-FFF2-40B4-BE49-F238E27FC236}">
-                  <a16:creationId xmlns:a16="http://schemas.microsoft.com/office/drawing/2014/main" id="{E4D7CBD3-3653-44FD-98E8-163D05715E48}"/>
+                  <a16:creationId xmlns:a16="http://schemas.microsoft.com/office/drawing/2014/main" xmlns="" id="{E4D7CBD3-3653-44FD-98E8-163D05715E48}"/>
                 </a:ext>
               </a:extLst>
             </p:cNvPr>
@@ -23796,7 +23796,7 @@
             <p:cNvPr id="26" name="直接箭头连接符 25">
               <a:extLst>
                 <a:ext uri="{FF2B5EF4-FFF2-40B4-BE49-F238E27FC236}">
-                  <a16:creationId xmlns:a16="http://schemas.microsoft.com/office/drawing/2014/main" id="{50ADEF3F-732C-4155-8B68-E842DACAD936}"/>
+                  <a16:creationId xmlns:a16="http://schemas.microsoft.com/office/drawing/2014/main" xmlns="" id="{50ADEF3F-732C-4155-8B68-E842DACAD936}"/>
                 </a:ext>
               </a:extLst>
             </p:cNvPr>
@@ -23840,7 +23840,7 @@
             <p:cNvPr id="31" name="直接箭头连接符 30">
               <a:extLst>
                 <a:ext uri="{FF2B5EF4-FFF2-40B4-BE49-F238E27FC236}">
-                  <a16:creationId xmlns:a16="http://schemas.microsoft.com/office/drawing/2014/main" id="{8F81283D-628E-4BF4-9FD9-B9EEF1876533}"/>
+                  <a16:creationId xmlns:a16="http://schemas.microsoft.com/office/drawing/2014/main" xmlns="" id="{8F81283D-628E-4BF4-9FD9-B9EEF1876533}"/>
                 </a:ext>
               </a:extLst>
             </p:cNvPr>
@@ -23884,7 +23884,7 @@
             <p:cNvPr id="32" name="文本框 31">
               <a:extLst>
                 <a:ext uri="{FF2B5EF4-FFF2-40B4-BE49-F238E27FC236}">
-                  <a16:creationId xmlns:a16="http://schemas.microsoft.com/office/drawing/2014/main" id="{23B9A179-5FBD-45E8-B7ED-DBC62BB88909}"/>
+                  <a16:creationId xmlns:a16="http://schemas.microsoft.com/office/drawing/2014/main" xmlns="" id="{23B9A179-5FBD-45E8-B7ED-DBC62BB88909}"/>
                 </a:ext>
               </a:extLst>
             </p:cNvPr>
@@ -23933,7 +23933,7 @@
           <p:cNvPr id="14" name="图片 13">
             <a:extLst>
               <a:ext uri="{FF2B5EF4-FFF2-40B4-BE49-F238E27FC236}">
-                <a16:creationId xmlns:a16="http://schemas.microsoft.com/office/drawing/2014/main" id="{1FCC50BB-8086-4CCC-8F66-539C3F883EBD}"/>
+                <a16:creationId xmlns:a16="http://schemas.microsoft.com/office/drawing/2014/main" xmlns="" id="{1FCC50BB-8086-4CCC-8F66-539C3F883EBD}"/>
               </a:ext>
             </a:extLst>
           </p:cNvPr>
@@ -24780,7 +24780,7 @@
           <p:cNvPr id="19" name="文本框 18">
             <a:extLst>
               <a:ext uri="{FF2B5EF4-FFF2-40B4-BE49-F238E27FC236}">
-                <a16:creationId xmlns:a16="http://schemas.microsoft.com/office/drawing/2014/main" id="{0D82BFAC-BB4C-4ECD-868F-B60624128845}"/>
+                <a16:creationId xmlns:a16="http://schemas.microsoft.com/office/drawing/2014/main" xmlns="" id="{0D82BFAC-BB4C-4ECD-868F-B60624128845}"/>
               </a:ext>
             </a:extLst>
           </p:cNvPr>
@@ -24857,7 +24857,7 @@
           <p:cNvPr id="15" name="图片 14">
             <a:extLst>
               <a:ext uri="{FF2B5EF4-FFF2-40B4-BE49-F238E27FC236}">
-                <a16:creationId xmlns:a16="http://schemas.microsoft.com/office/drawing/2014/main" id="{F1F216F5-99D0-4323-BC1C-9D445E7FF4BE}"/>
+                <a16:creationId xmlns:a16="http://schemas.microsoft.com/office/drawing/2014/main" xmlns="" id="{F1F216F5-99D0-4323-BC1C-9D445E7FF4BE}"/>
               </a:ext>
             </a:extLst>
           </p:cNvPr>
@@ -24887,7 +24887,7 @@
           <p:cNvPr id="20" name="组合 19">
             <a:extLst>
               <a:ext uri="{FF2B5EF4-FFF2-40B4-BE49-F238E27FC236}">
-                <a16:creationId xmlns:a16="http://schemas.microsoft.com/office/drawing/2014/main" id="{8C620BFB-62AA-4A25-B7F5-D24E714BE021}"/>
+                <a16:creationId xmlns:a16="http://schemas.microsoft.com/office/drawing/2014/main" xmlns="" id="{8C620BFB-62AA-4A25-B7F5-D24E714BE021}"/>
               </a:ext>
             </a:extLst>
           </p:cNvPr>
@@ -24907,7 +24907,7 @@
             <p:cNvPr id="17" name="矩形 16">
               <a:extLst>
                 <a:ext uri="{FF2B5EF4-FFF2-40B4-BE49-F238E27FC236}">
-                  <a16:creationId xmlns:a16="http://schemas.microsoft.com/office/drawing/2014/main" id="{6417E2AB-A47C-4FA0-83E6-9B6DDFA50FCE}"/>
+                  <a16:creationId xmlns:a16="http://schemas.microsoft.com/office/drawing/2014/main" xmlns="" id="{6417E2AB-A47C-4FA0-83E6-9B6DDFA50FCE}"/>
                 </a:ext>
               </a:extLst>
             </p:cNvPr>
@@ -24959,7 +24959,7 @@
             <p:cNvPr id="27" name="矩形 26">
               <a:extLst>
                 <a:ext uri="{FF2B5EF4-FFF2-40B4-BE49-F238E27FC236}">
-                  <a16:creationId xmlns:a16="http://schemas.microsoft.com/office/drawing/2014/main" id="{5A56DA1A-9750-4FE4-A853-413CED60EEF2}"/>
+                  <a16:creationId xmlns:a16="http://schemas.microsoft.com/office/drawing/2014/main" xmlns="" id="{5A56DA1A-9750-4FE4-A853-413CED60EEF2}"/>
                 </a:ext>
               </a:extLst>
             </p:cNvPr>
@@ -25011,7 +25011,7 @@
             <p:cNvPr id="28" name="直接箭头连接符 27">
               <a:extLst>
                 <a:ext uri="{FF2B5EF4-FFF2-40B4-BE49-F238E27FC236}">
-                  <a16:creationId xmlns:a16="http://schemas.microsoft.com/office/drawing/2014/main" id="{A6240AF8-4D90-40AF-9E25-7C95B13B7F38}"/>
+                  <a16:creationId xmlns:a16="http://schemas.microsoft.com/office/drawing/2014/main" xmlns="" id="{A6240AF8-4D90-40AF-9E25-7C95B13B7F38}"/>
                 </a:ext>
               </a:extLst>
             </p:cNvPr>
@@ -25055,7 +25055,7 @@
             <p:cNvPr id="29" name="直接箭头连接符 28">
               <a:extLst>
                 <a:ext uri="{FF2B5EF4-FFF2-40B4-BE49-F238E27FC236}">
-                  <a16:creationId xmlns:a16="http://schemas.microsoft.com/office/drawing/2014/main" id="{C35E8E2E-5827-49BA-9815-81C4B1C1BFA8}"/>
+                  <a16:creationId xmlns:a16="http://schemas.microsoft.com/office/drawing/2014/main" xmlns="" id="{C35E8E2E-5827-49BA-9815-81C4B1C1BFA8}"/>
                 </a:ext>
               </a:extLst>
             </p:cNvPr>
@@ -25099,7 +25099,7 @@
             <p:cNvPr id="30" name="文本框 29">
               <a:extLst>
                 <a:ext uri="{FF2B5EF4-FFF2-40B4-BE49-F238E27FC236}">
-                  <a16:creationId xmlns:a16="http://schemas.microsoft.com/office/drawing/2014/main" id="{4FC5A471-AA48-45EC-80F1-78251BDFAB66}"/>
+                  <a16:creationId xmlns:a16="http://schemas.microsoft.com/office/drawing/2014/main" xmlns="" id="{4FC5A471-AA48-45EC-80F1-78251BDFAB66}"/>
                 </a:ext>
               </a:extLst>
             </p:cNvPr>
@@ -28667,7 +28667,7 @@
           <p:cNvPr id="18" name="图片 17">
             <a:extLst>
               <a:ext uri="{FF2B5EF4-FFF2-40B4-BE49-F238E27FC236}">
-                <a16:creationId xmlns:a16="http://schemas.microsoft.com/office/drawing/2014/main" id="{C73F9C32-7C93-416C-BFD7-5485EDC64959}"/>
+                <a16:creationId xmlns:a16="http://schemas.microsoft.com/office/drawing/2014/main" xmlns="" id="{C73F9C32-7C93-416C-BFD7-5485EDC64959}"/>
               </a:ext>
             </a:extLst>
           </p:cNvPr>
@@ -28697,7 +28697,7 @@
           <p:cNvPr id="19" name="文本框 18">
             <a:extLst>
               <a:ext uri="{FF2B5EF4-FFF2-40B4-BE49-F238E27FC236}">
-                <a16:creationId xmlns:a16="http://schemas.microsoft.com/office/drawing/2014/main" id="{0D82BFAC-BB4C-4ECD-868F-B60624128845}"/>
+                <a16:creationId xmlns:a16="http://schemas.microsoft.com/office/drawing/2014/main" xmlns="" id="{0D82BFAC-BB4C-4ECD-868F-B60624128845}"/>
               </a:ext>
             </a:extLst>
           </p:cNvPr>
@@ -28774,7 +28774,7 @@
           <p:cNvPr id="26" name="组合 25">
             <a:extLst>
               <a:ext uri="{FF2B5EF4-FFF2-40B4-BE49-F238E27FC236}">
-                <a16:creationId xmlns:a16="http://schemas.microsoft.com/office/drawing/2014/main" id="{91614314-30B0-47DD-8B99-D0489868A781}"/>
+                <a16:creationId xmlns:a16="http://schemas.microsoft.com/office/drawing/2014/main" xmlns="" id="{91614314-30B0-47DD-8B99-D0489868A781}"/>
               </a:ext>
             </a:extLst>
           </p:cNvPr>
@@ -28794,7 +28794,7 @@
             <p:cNvPr id="2" name="矩形 1">
               <a:extLst>
                 <a:ext uri="{FF2B5EF4-FFF2-40B4-BE49-F238E27FC236}">
-                  <a16:creationId xmlns:a16="http://schemas.microsoft.com/office/drawing/2014/main" id="{8E0DA11D-3BE9-489A-9CDD-1ACB602FC393}"/>
+                  <a16:creationId xmlns:a16="http://schemas.microsoft.com/office/drawing/2014/main" xmlns="" id="{8E0DA11D-3BE9-489A-9CDD-1ACB602FC393}"/>
                 </a:ext>
               </a:extLst>
             </p:cNvPr>
@@ -28846,7 +28846,7 @@
             <p:cNvPr id="21" name="矩形 20">
               <a:extLst>
                 <a:ext uri="{FF2B5EF4-FFF2-40B4-BE49-F238E27FC236}">
-                  <a16:creationId xmlns:a16="http://schemas.microsoft.com/office/drawing/2014/main" id="{40747C36-DD7F-48C8-9819-511282630C51}"/>
+                  <a16:creationId xmlns:a16="http://schemas.microsoft.com/office/drawing/2014/main" xmlns="" id="{40747C36-DD7F-48C8-9819-511282630C51}"/>
                 </a:ext>
               </a:extLst>
             </p:cNvPr>
@@ -28898,7 +28898,7 @@
             <p:cNvPr id="14" name="直接箭头连接符 13">
               <a:extLst>
                 <a:ext uri="{FF2B5EF4-FFF2-40B4-BE49-F238E27FC236}">
-                  <a16:creationId xmlns:a16="http://schemas.microsoft.com/office/drawing/2014/main" id="{F4B10F6E-96A1-4954-992B-933026FB7C4A}"/>
+                  <a16:creationId xmlns:a16="http://schemas.microsoft.com/office/drawing/2014/main" xmlns="" id="{F4B10F6E-96A1-4954-992B-933026FB7C4A}"/>
                 </a:ext>
               </a:extLst>
             </p:cNvPr>
@@ -28942,7 +28942,7 @@
             <p:cNvPr id="25" name="直接箭头连接符 24">
               <a:extLst>
                 <a:ext uri="{FF2B5EF4-FFF2-40B4-BE49-F238E27FC236}">
-                  <a16:creationId xmlns:a16="http://schemas.microsoft.com/office/drawing/2014/main" id="{8441FEE0-13A3-4506-A2DE-B1838BFC00AD}"/>
+                  <a16:creationId xmlns:a16="http://schemas.microsoft.com/office/drawing/2014/main" xmlns="" id="{8441FEE0-13A3-4506-A2DE-B1838BFC00AD}"/>
                 </a:ext>
               </a:extLst>
             </p:cNvPr>
@@ -28986,7 +28986,7 @@
             <p:cNvPr id="24" name="文本框 23">
               <a:extLst>
                 <a:ext uri="{FF2B5EF4-FFF2-40B4-BE49-F238E27FC236}">
-                  <a16:creationId xmlns:a16="http://schemas.microsoft.com/office/drawing/2014/main" id="{97C07B51-A4CF-4C7A-9336-24C37804B626}"/>
+                  <a16:creationId xmlns:a16="http://schemas.microsoft.com/office/drawing/2014/main" xmlns="" id="{97C07B51-A4CF-4C7A-9336-24C37804B626}"/>
                 </a:ext>
               </a:extLst>
             </p:cNvPr>
@@ -30625,7 +30625,7 @@
           <p:cNvPr id="2" name="组合 1">
             <a:extLst>
               <a:ext uri="{FF2B5EF4-FFF2-40B4-BE49-F238E27FC236}">
-                <a16:creationId xmlns:a16="http://schemas.microsoft.com/office/drawing/2014/main" id="{64CBD4F7-1657-4E1B-8B15-F33986A04978}"/>
+                <a16:creationId xmlns:a16="http://schemas.microsoft.com/office/drawing/2014/main" xmlns="" id="{64CBD4F7-1657-4E1B-8B15-F33986A04978}"/>
               </a:ext>
             </a:extLst>
           </p:cNvPr>
@@ -31021,7 +31021,7 @@
           <p:cNvPr id="9" name="文本框 8">
             <a:extLst>
               <a:ext uri="{FF2B5EF4-FFF2-40B4-BE49-F238E27FC236}">
-                <a16:creationId xmlns:a16="http://schemas.microsoft.com/office/drawing/2014/main" id="{B5FAEB35-1AB6-458B-910A-804A18C27754}"/>
+                <a16:creationId xmlns:a16="http://schemas.microsoft.com/office/drawing/2014/main" xmlns="" id="{B5FAEB35-1AB6-458B-910A-804A18C27754}"/>
               </a:ext>
             </a:extLst>
           </p:cNvPr>
@@ -31063,7 +31063,7 @@
           <p:cNvPr id="14" name="文本框 13">
             <a:extLst>
               <a:ext uri="{FF2B5EF4-FFF2-40B4-BE49-F238E27FC236}">
-                <a16:creationId xmlns:a16="http://schemas.microsoft.com/office/drawing/2014/main" id="{00C2AEDF-DACA-4E39-BADB-6030CB900A5A}"/>
+                <a16:creationId xmlns:a16="http://schemas.microsoft.com/office/drawing/2014/main" xmlns="" id="{00C2AEDF-DACA-4E39-BADB-6030CB900A5A}"/>
               </a:ext>
             </a:extLst>
           </p:cNvPr>
@@ -35363,7 +35363,7 @@
           <p:cNvPr id="69" name="肘形连接符 5">
             <a:extLst>
               <a:ext uri="{FF2B5EF4-FFF2-40B4-BE49-F238E27FC236}">
-                <a16:creationId xmlns:a16="http://schemas.microsoft.com/office/drawing/2014/main" id="{6E3EF5E8-A41D-4A0C-BA85-13326B1DC03D}"/>
+                <a16:creationId xmlns:a16="http://schemas.microsoft.com/office/drawing/2014/main" xmlns="" id="{6E3EF5E8-A41D-4A0C-BA85-13326B1DC03D}"/>
               </a:ext>
             </a:extLst>
           </p:cNvPr>
@@ -35408,7 +35408,7 @@
           <p:cNvPr id="70" name="圆角矩形 9">
             <a:extLst>
               <a:ext uri="{FF2B5EF4-FFF2-40B4-BE49-F238E27FC236}">
-                <a16:creationId xmlns:a16="http://schemas.microsoft.com/office/drawing/2014/main" id="{42D852E7-3C2A-448D-B660-D5287E9DD131}"/>
+                <a16:creationId xmlns:a16="http://schemas.microsoft.com/office/drawing/2014/main" xmlns="" id="{42D852E7-3C2A-448D-B660-D5287E9DD131}"/>
               </a:ext>
             </a:extLst>
           </p:cNvPr>
@@ -35465,7 +35465,7 @@
           <p:cNvPr id="85" name="组合 84">
             <a:extLst>
               <a:ext uri="{FF2B5EF4-FFF2-40B4-BE49-F238E27FC236}">
-                <a16:creationId xmlns:a16="http://schemas.microsoft.com/office/drawing/2014/main" id="{309E8460-1398-482A-BD98-6C1A326749B7}"/>
+                <a16:creationId xmlns:a16="http://schemas.microsoft.com/office/drawing/2014/main" xmlns="" id="{309E8460-1398-482A-BD98-6C1A326749B7}"/>
               </a:ext>
             </a:extLst>
           </p:cNvPr>
@@ -35485,7 +35485,7 @@
             <p:cNvPr id="89" name="矩形 88">
               <a:extLst>
                 <a:ext uri="{FF2B5EF4-FFF2-40B4-BE49-F238E27FC236}">
-                  <a16:creationId xmlns:a16="http://schemas.microsoft.com/office/drawing/2014/main" id="{94BB0ACF-B73F-4A98-A92D-91A6020DEB66}"/>
+                  <a16:creationId xmlns:a16="http://schemas.microsoft.com/office/drawing/2014/main" xmlns="" id="{94BB0ACF-B73F-4A98-A92D-91A6020DEB66}"/>
                 </a:ext>
               </a:extLst>
             </p:cNvPr>
@@ -35539,7 +35539,7 @@
             <p:cNvPr id="90" name="矩形 89">
               <a:extLst>
                 <a:ext uri="{FF2B5EF4-FFF2-40B4-BE49-F238E27FC236}">
-                  <a16:creationId xmlns:a16="http://schemas.microsoft.com/office/drawing/2014/main" id="{C01BEEAA-419E-4C33-A3F3-1C80240C9D88}"/>
+                  <a16:creationId xmlns:a16="http://schemas.microsoft.com/office/drawing/2014/main" xmlns="" id="{C01BEEAA-419E-4C33-A3F3-1C80240C9D88}"/>
                 </a:ext>
               </a:extLst>
             </p:cNvPr>
@@ -35593,7 +35593,7 @@
             <p:cNvPr id="91" name="矩形 90">
               <a:extLst>
                 <a:ext uri="{FF2B5EF4-FFF2-40B4-BE49-F238E27FC236}">
-                  <a16:creationId xmlns:a16="http://schemas.microsoft.com/office/drawing/2014/main" id="{DC88F859-1FCD-41B9-A987-A212F3488293}"/>
+                  <a16:creationId xmlns:a16="http://schemas.microsoft.com/office/drawing/2014/main" xmlns="" id="{DC88F859-1FCD-41B9-A987-A212F3488293}"/>
                 </a:ext>
               </a:extLst>
             </p:cNvPr>
@@ -35647,7 +35647,7 @@
             <p:cNvPr id="92" name="圆角矩形 3">
               <a:extLst>
                 <a:ext uri="{FF2B5EF4-FFF2-40B4-BE49-F238E27FC236}">
-                  <a16:creationId xmlns:a16="http://schemas.microsoft.com/office/drawing/2014/main" id="{210F8E0A-6B67-4EC6-90CB-E5E347033170}"/>
+                  <a16:creationId xmlns:a16="http://schemas.microsoft.com/office/drawing/2014/main" xmlns="" id="{210F8E0A-6B67-4EC6-90CB-E5E347033170}"/>
                 </a:ext>
               </a:extLst>
             </p:cNvPr>
@@ -35701,7 +35701,7 @@
             <p:cNvPr id="93" name="任意多边形 4">
               <a:extLst>
                 <a:ext uri="{FF2B5EF4-FFF2-40B4-BE49-F238E27FC236}">
-                  <a16:creationId xmlns:a16="http://schemas.microsoft.com/office/drawing/2014/main" id="{2108CCC9-D333-4C9D-A693-9BADC71044DD}"/>
+                  <a16:creationId xmlns:a16="http://schemas.microsoft.com/office/drawing/2014/main" xmlns="" id="{2108CCC9-D333-4C9D-A693-9BADC71044DD}"/>
                 </a:ext>
               </a:extLst>
             </p:cNvPr>
@@ -35807,7 +35807,7 @@
           <p:cNvPr id="94" name="任意多边形 15">
             <a:extLst>
               <a:ext uri="{FF2B5EF4-FFF2-40B4-BE49-F238E27FC236}">
-                <a16:creationId xmlns:a16="http://schemas.microsoft.com/office/drawing/2014/main" id="{3E39BC38-BC17-49EE-8123-7267781440F9}"/>
+                <a16:creationId xmlns:a16="http://schemas.microsoft.com/office/drawing/2014/main" xmlns="" id="{3E39BC38-BC17-49EE-8123-7267781440F9}"/>
               </a:ext>
             </a:extLst>
           </p:cNvPr>
@@ -36136,7 +36136,7 @@
           <p:cNvPr id="85" name="组合 84">
             <a:extLst>
               <a:ext uri="{FF2B5EF4-FFF2-40B4-BE49-F238E27FC236}">
-                <a16:creationId xmlns:a16="http://schemas.microsoft.com/office/drawing/2014/main" id="{D8162933-80C7-42C8-A2E0-ADC5DBE0AAF8}"/>
+                <a16:creationId xmlns:a16="http://schemas.microsoft.com/office/drawing/2014/main" xmlns="" id="{D8162933-80C7-42C8-A2E0-ADC5DBE0AAF8}"/>
               </a:ext>
             </a:extLst>
           </p:cNvPr>
@@ -36156,7 +36156,7 @@
             <p:cNvPr id="90" name="Freeform 5050">
               <a:extLst>
                 <a:ext uri="{FF2B5EF4-FFF2-40B4-BE49-F238E27FC236}">
-                  <a16:creationId xmlns:a16="http://schemas.microsoft.com/office/drawing/2014/main" id="{9ADB6ABD-41B3-417A-8416-AD0BFC1CE24A}"/>
+                  <a16:creationId xmlns:a16="http://schemas.microsoft.com/office/drawing/2014/main" xmlns="" id="{9ADB6ABD-41B3-417A-8416-AD0BFC1CE24A}"/>
                 </a:ext>
               </a:extLst>
             </p:cNvPr>
@@ -36307,7 +36307,7 @@
             <p:cNvPr id="91" name="Freeform 5051">
               <a:extLst>
                 <a:ext uri="{FF2B5EF4-FFF2-40B4-BE49-F238E27FC236}">
-                  <a16:creationId xmlns:a16="http://schemas.microsoft.com/office/drawing/2014/main" id="{E8D57D70-B0E1-4E9B-B3CE-05BDD6C12B01}"/>
+                  <a16:creationId xmlns:a16="http://schemas.microsoft.com/office/drawing/2014/main" xmlns="" id="{E8D57D70-B0E1-4E9B-B3CE-05BDD6C12B01}"/>
                 </a:ext>
               </a:extLst>
             </p:cNvPr>
@@ -36406,7 +36406,7 @@
             <p:cNvPr id="93" name="Freeform 5052">
               <a:extLst>
                 <a:ext uri="{FF2B5EF4-FFF2-40B4-BE49-F238E27FC236}">
-                  <a16:creationId xmlns:a16="http://schemas.microsoft.com/office/drawing/2014/main" id="{F501DBEA-5932-4AAA-91CD-A217B10B86AF}"/>
+                  <a16:creationId xmlns:a16="http://schemas.microsoft.com/office/drawing/2014/main" xmlns="" id="{F501DBEA-5932-4AAA-91CD-A217B10B86AF}"/>
                 </a:ext>
               </a:extLst>
             </p:cNvPr>
@@ -36509,7 +36509,7 @@
             <p:cNvPr id="96" name="Freeform 5053">
               <a:extLst>
                 <a:ext uri="{FF2B5EF4-FFF2-40B4-BE49-F238E27FC236}">
-                  <a16:creationId xmlns:a16="http://schemas.microsoft.com/office/drawing/2014/main" id="{047816D0-B14C-48BB-A4F6-4469FEA87E51}"/>
+                  <a16:creationId xmlns:a16="http://schemas.microsoft.com/office/drawing/2014/main" xmlns="" id="{047816D0-B14C-48BB-A4F6-4469FEA87E51}"/>
                 </a:ext>
               </a:extLst>
             </p:cNvPr>
@@ -36613,7 +36613,7 @@
             <p:cNvPr id="97" name="Freeform 5054">
               <a:extLst>
                 <a:ext uri="{FF2B5EF4-FFF2-40B4-BE49-F238E27FC236}">
-                  <a16:creationId xmlns:a16="http://schemas.microsoft.com/office/drawing/2014/main" id="{491B0594-9A1B-40AB-AD88-B0F95853F3C6}"/>
+                  <a16:creationId xmlns:a16="http://schemas.microsoft.com/office/drawing/2014/main" xmlns="" id="{491B0594-9A1B-40AB-AD88-B0F95853F3C6}"/>
                 </a:ext>
               </a:extLst>
             </p:cNvPr>
@@ -36721,7 +36721,7 @@
             <p:cNvPr id="98" name="Picture 5055">
               <a:extLst>
                 <a:ext uri="{FF2B5EF4-FFF2-40B4-BE49-F238E27FC236}">
-                  <a16:creationId xmlns:a16="http://schemas.microsoft.com/office/drawing/2014/main" id="{A8BB8A95-FBEB-47B5-BCFD-DCD8DFBA8D07}"/>
+                  <a16:creationId xmlns:a16="http://schemas.microsoft.com/office/drawing/2014/main" xmlns="" id="{A8BB8A95-FBEB-47B5-BCFD-DCD8DFBA8D07}"/>
                 </a:ext>
               </a:extLst>
             </p:cNvPr>
@@ -36781,7 +36781,7 @@
             <p:cNvPr id="99" name="Rectangle 5056">
               <a:extLst>
                 <a:ext uri="{FF2B5EF4-FFF2-40B4-BE49-F238E27FC236}">
-                  <a16:creationId xmlns:a16="http://schemas.microsoft.com/office/drawing/2014/main" id="{B84F7221-554D-435D-9F3A-0D81D8A28FE9}"/>
+                  <a16:creationId xmlns:a16="http://schemas.microsoft.com/office/drawing/2014/main" xmlns="" id="{B84F7221-554D-435D-9F3A-0D81D8A28FE9}"/>
                 </a:ext>
               </a:extLst>
             </p:cNvPr>
@@ -36834,7 +36834,7 @@
             <p:cNvPr id="100" name="Rectangle 5057">
               <a:extLst>
                 <a:ext uri="{FF2B5EF4-FFF2-40B4-BE49-F238E27FC236}">
-                  <a16:creationId xmlns:a16="http://schemas.microsoft.com/office/drawing/2014/main" id="{1906CC60-61BE-4164-9811-BF028A047023}"/>
+                  <a16:creationId xmlns:a16="http://schemas.microsoft.com/office/drawing/2014/main" xmlns="" id="{1906CC60-61BE-4164-9811-BF028A047023}"/>
                 </a:ext>
               </a:extLst>
             </p:cNvPr>
@@ -36892,7 +36892,7 @@
             <p:cNvPr id="101" name="Rectangle 5058">
               <a:extLst>
                 <a:ext uri="{FF2B5EF4-FFF2-40B4-BE49-F238E27FC236}">
-                  <a16:creationId xmlns:a16="http://schemas.microsoft.com/office/drawing/2014/main" id="{EE07C14D-5F21-4749-AFAE-A06798A97948}"/>
+                  <a16:creationId xmlns:a16="http://schemas.microsoft.com/office/drawing/2014/main" xmlns="" id="{EE07C14D-5F21-4749-AFAE-A06798A97948}"/>
                 </a:ext>
               </a:extLst>
             </p:cNvPr>
@@ -36945,7 +36945,7 @@
             <p:cNvPr id="103" name="Rectangle 5059">
               <a:extLst>
                 <a:ext uri="{FF2B5EF4-FFF2-40B4-BE49-F238E27FC236}">
-                  <a16:creationId xmlns:a16="http://schemas.microsoft.com/office/drawing/2014/main" id="{9A656733-4C70-47BC-A335-BC8979802F25}"/>
+                  <a16:creationId xmlns:a16="http://schemas.microsoft.com/office/drawing/2014/main" xmlns="" id="{9A656733-4C70-47BC-A335-BC8979802F25}"/>
                 </a:ext>
               </a:extLst>
             </p:cNvPr>
@@ -37003,7 +37003,7 @@
             <p:cNvPr id="112" name="Freeform 5060">
               <a:extLst>
                 <a:ext uri="{FF2B5EF4-FFF2-40B4-BE49-F238E27FC236}">
-                  <a16:creationId xmlns:a16="http://schemas.microsoft.com/office/drawing/2014/main" id="{0BB879EE-0D50-4DDF-9229-3B82D1B6FE75}"/>
+                  <a16:creationId xmlns:a16="http://schemas.microsoft.com/office/drawing/2014/main" xmlns="" id="{0BB879EE-0D50-4DDF-9229-3B82D1B6FE75}"/>
                 </a:ext>
               </a:extLst>
             </p:cNvPr>
@@ -37134,7 +37134,7 @@
             <p:cNvPr id="113" name="Freeform 5061">
               <a:extLst>
                 <a:ext uri="{FF2B5EF4-FFF2-40B4-BE49-F238E27FC236}">
-                  <a16:creationId xmlns:a16="http://schemas.microsoft.com/office/drawing/2014/main" id="{3FD535D1-640A-4D83-ADCE-4409AE7883B9}"/>
+                  <a16:creationId xmlns:a16="http://schemas.microsoft.com/office/drawing/2014/main" xmlns="" id="{3FD535D1-640A-4D83-ADCE-4409AE7883B9}"/>
                 </a:ext>
               </a:extLst>
             </p:cNvPr>
@@ -37255,7 +37255,7 @@
             <p:cNvPr id="114" name="Freeform 5062">
               <a:extLst>
                 <a:ext uri="{FF2B5EF4-FFF2-40B4-BE49-F238E27FC236}">
-                  <a16:creationId xmlns:a16="http://schemas.microsoft.com/office/drawing/2014/main" id="{E257816A-42D7-4F6D-B398-FF814521E646}"/>
+                  <a16:creationId xmlns:a16="http://schemas.microsoft.com/office/drawing/2014/main" xmlns="" id="{E257816A-42D7-4F6D-B398-FF814521E646}"/>
                 </a:ext>
               </a:extLst>
             </p:cNvPr>
@@ -37366,7 +37366,7 @@
             <p:cNvPr id="115" name="Oval 5063">
               <a:extLst>
                 <a:ext uri="{FF2B5EF4-FFF2-40B4-BE49-F238E27FC236}">
-                  <a16:creationId xmlns:a16="http://schemas.microsoft.com/office/drawing/2014/main" id="{2A3491A3-1122-4F0E-897B-6EB1DC4579C4}"/>
+                  <a16:creationId xmlns:a16="http://schemas.microsoft.com/office/drawing/2014/main" xmlns="" id="{2A3491A3-1122-4F0E-897B-6EB1DC4579C4}"/>
                 </a:ext>
               </a:extLst>
             </p:cNvPr>
@@ -37419,7 +37419,7 @@
             <p:cNvPr id="117" name="Freeform 5064">
               <a:extLst>
                 <a:ext uri="{FF2B5EF4-FFF2-40B4-BE49-F238E27FC236}">
-                  <a16:creationId xmlns:a16="http://schemas.microsoft.com/office/drawing/2014/main" id="{1EA1303A-AE7D-4028-8D46-210911E98DAE}"/>
+                  <a16:creationId xmlns:a16="http://schemas.microsoft.com/office/drawing/2014/main" xmlns="" id="{1EA1303A-AE7D-4028-8D46-210911E98DAE}"/>
                 </a:ext>
               </a:extLst>
             </p:cNvPr>
@@ -37516,7 +37516,7 @@
             <p:cNvPr id="118" name="Freeform 5065">
               <a:extLst>
                 <a:ext uri="{FF2B5EF4-FFF2-40B4-BE49-F238E27FC236}">
-                  <a16:creationId xmlns:a16="http://schemas.microsoft.com/office/drawing/2014/main" id="{3BAFA55B-133E-44F7-890B-4977D713FE74}"/>
+                  <a16:creationId xmlns:a16="http://schemas.microsoft.com/office/drawing/2014/main" xmlns="" id="{3BAFA55B-133E-44F7-890B-4977D713FE74}"/>
                 </a:ext>
               </a:extLst>
             </p:cNvPr>
@@ -37817,7 +37817,7 @@
             <p:cNvPr id="119" name="Freeform 5066">
               <a:extLst>
                 <a:ext uri="{FF2B5EF4-FFF2-40B4-BE49-F238E27FC236}">
-                  <a16:creationId xmlns:a16="http://schemas.microsoft.com/office/drawing/2014/main" id="{6BDCDED4-1C0C-472F-AB61-B730ADE4E35B}"/>
+                  <a16:creationId xmlns:a16="http://schemas.microsoft.com/office/drawing/2014/main" xmlns="" id="{6BDCDED4-1C0C-472F-AB61-B730ADE4E35B}"/>
                 </a:ext>
               </a:extLst>
             </p:cNvPr>
@@ -37909,7 +37909,7 @@
             <p:cNvPr id="120" name="Freeform 5067">
               <a:extLst>
                 <a:ext uri="{FF2B5EF4-FFF2-40B4-BE49-F238E27FC236}">
-                  <a16:creationId xmlns:a16="http://schemas.microsoft.com/office/drawing/2014/main" id="{0072E574-DE2D-4CDE-A7B0-64936D01F2CD}"/>
+                  <a16:creationId xmlns:a16="http://schemas.microsoft.com/office/drawing/2014/main" xmlns="" id="{0072E574-DE2D-4CDE-A7B0-64936D01F2CD}"/>
                 </a:ext>
               </a:extLst>
             </p:cNvPr>
@@ -38050,7 +38050,7 @@
             <p:cNvPr id="121" name="Freeform 5068">
               <a:extLst>
                 <a:ext uri="{FF2B5EF4-FFF2-40B4-BE49-F238E27FC236}">
-                  <a16:creationId xmlns:a16="http://schemas.microsoft.com/office/drawing/2014/main" id="{F8E66B8D-81C3-48F7-911E-1111728B53F4}"/>
+                  <a16:creationId xmlns:a16="http://schemas.microsoft.com/office/drawing/2014/main" xmlns="" id="{F8E66B8D-81C3-48F7-911E-1111728B53F4}"/>
                 </a:ext>
               </a:extLst>
             </p:cNvPr>
@@ -38181,7 +38181,7 @@
             <p:cNvPr id="122" name="Freeform 5069">
               <a:extLst>
                 <a:ext uri="{FF2B5EF4-FFF2-40B4-BE49-F238E27FC236}">
-                  <a16:creationId xmlns:a16="http://schemas.microsoft.com/office/drawing/2014/main" id="{9A9E65BF-D6DF-4991-88CB-49B4C4A6A114}"/>
+                  <a16:creationId xmlns:a16="http://schemas.microsoft.com/office/drawing/2014/main" xmlns="" id="{9A9E65BF-D6DF-4991-88CB-49B4C4A6A114}"/>
                 </a:ext>
               </a:extLst>
             </p:cNvPr>
@@ -38312,7 +38312,7 @@
             <p:cNvPr id="123" name="Freeform 5070">
               <a:extLst>
                 <a:ext uri="{FF2B5EF4-FFF2-40B4-BE49-F238E27FC236}">
-                  <a16:creationId xmlns:a16="http://schemas.microsoft.com/office/drawing/2014/main" id="{25EB44D5-DFC4-4722-BE6D-DB0FE6012796}"/>
+                  <a16:creationId xmlns:a16="http://schemas.microsoft.com/office/drawing/2014/main" xmlns="" id="{25EB44D5-DFC4-4722-BE6D-DB0FE6012796}"/>
                 </a:ext>
               </a:extLst>
             </p:cNvPr>
@@ -38423,7 +38423,7 @@
             <p:cNvPr id="124" name="Freeform 5071">
               <a:extLst>
                 <a:ext uri="{FF2B5EF4-FFF2-40B4-BE49-F238E27FC236}">
-                  <a16:creationId xmlns:a16="http://schemas.microsoft.com/office/drawing/2014/main" id="{0F3EABA5-E1F7-4961-9EDB-16536059C5E6}"/>
+                  <a16:creationId xmlns:a16="http://schemas.microsoft.com/office/drawing/2014/main" xmlns="" id="{0F3EABA5-E1F7-4961-9EDB-16536059C5E6}"/>
                 </a:ext>
               </a:extLst>
             </p:cNvPr>
@@ -38564,7 +38564,7 @@
             <p:cNvPr id="125" name="Freeform 5072">
               <a:extLst>
                 <a:ext uri="{FF2B5EF4-FFF2-40B4-BE49-F238E27FC236}">
-                  <a16:creationId xmlns:a16="http://schemas.microsoft.com/office/drawing/2014/main" id="{0124A301-A012-42BB-9E10-98E9E9A0B3E5}"/>
+                  <a16:creationId xmlns:a16="http://schemas.microsoft.com/office/drawing/2014/main" xmlns="" id="{0124A301-A012-42BB-9E10-98E9E9A0B3E5}"/>
                 </a:ext>
               </a:extLst>
             </p:cNvPr>
@@ -38705,7 +38705,7 @@
             <p:cNvPr id="126" name="Freeform 5073">
               <a:extLst>
                 <a:ext uri="{FF2B5EF4-FFF2-40B4-BE49-F238E27FC236}">
-                  <a16:creationId xmlns:a16="http://schemas.microsoft.com/office/drawing/2014/main" id="{6596769E-E520-4263-8FE2-4D1BF279985B}"/>
+                  <a16:creationId xmlns:a16="http://schemas.microsoft.com/office/drawing/2014/main" xmlns="" id="{6596769E-E520-4263-8FE2-4D1BF279985B}"/>
                 </a:ext>
               </a:extLst>
             </p:cNvPr>
@@ -38816,7 +38816,7 @@
             <p:cNvPr id="127" name="Oval 5074">
               <a:extLst>
                 <a:ext uri="{FF2B5EF4-FFF2-40B4-BE49-F238E27FC236}">
-                  <a16:creationId xmlns:a16="http://schemas.microsoft.com/office/drawing/2014/main" id="{D8A6CE1A-FE9F-40C3-BF85-3D8542CD07D4}"/>
+                  <a16:creationId xmlns:a16="http://schemas.microsoft.com/office/drawing/2014/main" xmlns="" id="{D8A6CE1A-FE9F-40C3-BF85-3D8542CD07D4}"/>
                 </a:ext>
               </a:extLst>
             </p:cNvPr>
@@ -38869,7 +38869,7 @@
             <p:cNvPr id="128" name="Freeform 5075">
               <a:extLst>
                 <a:ext uri="{FF2B5EF4-FFF2-40B4-BE49-F238E27FC236}">
-                  <a16:creationId xmlns:a16="http://schemas.microsoft.com/office/drawing/2014/main" id="{5B789EFC-3A44-4E98-948C-EAE3213A182A}"/>
+                  <a16:creationId xmlns:a16="http://schemas.microsoft.com/office/drawing/2014/main" xmlns="" id="{5B789EFC-3A44-4E98-948C-EAE3213A182A}"/>
                 </a:ext>
               </a:extLst>
             </p:cNvPr>
@@ -38998,7 +38998,7 @@
             <p:cNvPr id="129" name="Freeform 5076">
               <a:extLst>
                 <a:ext uri="{FF2B5EF4-FFF2-40B4-BE49-F238E27FC236}">
-                  <a16:creationId xmlns:a16="http://schemas.microsoft.com/office/drawing/2014/main" id="{9A883855-9085-4DCC-807E-D7B67DBAA826}"/>
+                  <a16:creationId xmlns:a16="http://schemas.microsoft.com/office/drawing/2014/main" xmlns="" id="{9A883855-9085-4DCC-807E-D7B67DBAA826}"/>
                 </a:ext>
               </a:extLst>
             </p:cNvPr>
@@ -39261,7 +39261,7 @@
             <p:cNvPr id="130" name="Freeform 5077">
               <a:extLst>
                 <a:ext uri="{FF2B5EF4-FFF2-40B4-BE49-F238E27FC236}">
-                  <a16:creationId xmlns:a16="http://schemas.microsoft.com/office/drawing/2014/main" id="{6850B246-183A-4047-8DF6-634FC8EC8E9E}"/>
+                  <a16:creationId xmlns:a16="http://schemas.microsoft.com/office/drawing/2014/main" xmlns="" id="{6850B246-183A-4047-8DF6-634FC8EC8E9E}"/>
                 </a:ext>
               </a:extLst>
             </p:cNvPr>
@@ -39390,7 +39390,7 @@
             <p:cNvPr id="131" name="Freeform 5078">
               <a:extLst>
                 <a:ext uri="{FF2B5EF4-FFF2-40B4-BE49-F238E27FC236}">
-                  <a16:creationId xmlns:a16="http://schemas.microsoft.com/office/drawing/2014/main" id="{163F6144-EB5F-41C9-8C16-73A4C57075FD}"/>
+                  <a16:creationId xmlns:a16="http://schemas.microsoft.com/office/drawing/2014/main" xmlns="" id="{163F6144-EB5F-41C9-8C16-73A4C57075FD}"/>
                 </a:ext>
               </a:extLst>
             </p:cNvPr>
@@ -39519,7 +39519,7 @@
             <p:cNvPr id="132" name="Freeform 5079">
               <a:extLst>
                 <a:ext uri="{FF2B5EF4-FFF2-40B4-BE49-F238E27FC236}">
-                  <a16:creationId xmlns:a16="http://schemas.microsoft.com/office/drawing/2014/main" id="{0E577277-EA68-4F86-B610-8DA869DD919B}"/>
+                  <a16:creationId xmlns:a16="http://schemas.microsoft.com/office/drawing/2014/main" xmlns="" id="{0E577277-EA68-4F86-B610-8DA869DD919B}"/>
                 </a:ext>
               </a:extLst>
             </p:cNvPr>
@@ -39648,7 +39648,7 @@
             <p:cNvPr id="133" name="Freeform 5080">
               <a:extLst>
                 <a:ext uri="{FF2B5EF4-FFF2-40B4-BE49-F238E27FC236}">
-                  <a16:creationId xmlns:a16="http://schemas.microsoft.com/office/drawing/2014/main" id="{1DF4288A-E70D-430E-A3BE-692E1FA00250}"/>
+                  <a16:creationId xmlns:a16="http://schemas.microsoft.com/office/drawing/2014/main" xmlns="" id="{1DF4288A-E70D-430E-A3BE-692E1FA00250}"/>
                 </a:ext>
               </a:extLst>
             </p:cNvPr>
@@ -40079,7 +40079,7 @@
             <p:cNvPr id="134" name="Rectangle 5081">
               <a:extLst>
                 <a:ext uri="{FF2B5EF4-FFF2-40B4-BE49-F238E27FC236}">
-                  <a16:creationId xmlns:a16="http://schemas.microsoft.com/office/drawing/2014/main" id="{AD2C886A-B357-4C6D-81ED-C897D63B798B}"/>
+                  <a16:creationId xmlns:a16="http://schemas.microsoft.com/office/drawing/2014/main" xmlns="" id="{AD2C886A-B357-4C6D-81ED-C897D63B798B}"/>
                 </a:ext>
               </a:extLst>
             </p:cNvPr>
@@ -40132,7 +40132,7 @@
             <p:cNvPr id="135" name="Rectangle 5082">
               <a:extLst>
                 <a:ext uri="{FF2B5EF4-FFF2-40B4-BE49-F238E27FC236}">
-                  <a16:creationId xmlns:a16="http://schemas.microsoft.com/office/drawing/2014/main" id="{C790A76D-A3D8-4FB2-9A61-E22F19BB9776}"/>
+                  <a16:creationId xmlns:a16="http://schemas.microsoft.com/office/drawing/2014/main" xmlns="" id="{C790A76D-A3D8-4FB2-9A61-E22F19BB9776}"/>
                 </a:ext>
               </a:extLst>
             </p:cNvPr>
@@ -40185,7 +40185,7 @@
             <p:cNvPr id="136" name="Freeform 5083">
               <a:extLst>
                 <a:ext uri="{FF2B5EF4-FFF2-40B4-BE49-F238E27FC236}">
-                  <a16:creationId xmlns:a16="http://schemas.microsoft.com/office/drawing/2014/main" id="{EDC52490-DE64-4728-A1CC-064777A24172}"/>
+                  <a16:creationId xmlns:a16="http://schemas.microsoft.com/office/drawing/2014/main" xmlns="" id="{EDC52490-DE64-4728-A1CC-064777A24172}"/>
                 </a:ext>
               </a:extLst>
             </p:cNvPr>
@@ -40656,7 +40656,7 @@
             <p:cNvPr id="137" name="Freeform 5084">
               <a:extLst>
                 <a:ext uri="{FF2B5EF4-FFF2-40B4-BE49-F238E27FC236}">
-                  <a16:creationId xmlns:a16="http://schemas.microsoft.com/office/drawing/2014/main" id="{455A5C20-1CCC-45E1-9C2A-27E54A95F0CE}"/>
+                  <a16:creationId xmlns:a16="http://schemas.microsoft.com/office/drawing/2014/main" xmlns="" id="{455A5C20-1CCC-45E1-9C2A-27E54A95F0CE}"/>
                 </a:ext>
               </a:extLst>
             </p:cNvPr>
@@ -40769,7 +40769,7 @@
           <p:cNvPr id="2" name="矩形 1">
             <a:extLst>
               <a:ext uri="{FF2B5EF4-FFF2-40B4-BE49-F238E27FC236}">
-                <a16:creationId xmlns:a16="http://schemas.microsoft.com/office/drawing/2014/main" id="{2CD961E7-B027-4695-A439-A77701B45E58}"/>
+                <a16:creationId xmlns:a16="http://schemas.microsoft.com/office/drawing/2014/main" xmlns="" id="{2CD961E7-B027-4695-A439-A77701B45E58}"/>
               </a:ext>
             </a:extLst>
           </p:cNvPr>
@@ -44744,7 +44744,7 @@
         <p:spPr>
           <a:xfrm>
             <a:off x="2119494" y="4645947"/>
-            <a:ext cx="1517660" cy="923330"/>
+            <a:ext cx="2622321" cy="923330"/>
           </a:xfrm>
           <a:prstGeom prst="rect">
             <a:avLst/>
@@ -44789,8 +44789,26 @@
                 <a:latin typeface="微软雅黑" panose="020B0503020204020204" pitchFamily="34" charset="-122"/>
                 <a:ea typeface="微软雅黑" panose="020B0503020204020204" pitchFamily="34" charset="-122"/>
               </a:rPr>
-              <a:t>Sine Maps</a:t>
+              <a:t>Sine </a:t>
             </a:r>
+            <a:r>
+              <a:rPr lang="en-US" altLang="zh-CN" sz="1200" dirty="0" smtClean="0">
+                <a:latin typeface="微软雅黑" panose="020B0503020204020204" pitchFamily="34" charset="-122"/>
+                <a:ea typeface="微软雅黑" panose="020B0503020204020204" pitchFamily="34" charset="-122"/>
+              </a:rPr>
+              <a:t>Maps</a:t>
+            </a:r>
+            <a:r>
+              <a:rPr lang="zh-CN" altLang="en-US" sz="1200" dirty="0" smtClean="0">
+                <a:latin typeface="微软雅黑" panose="020B0503020204020204" pitchFamily="34" charset="-122"/>
+                <a:ea typeface="微软雅黑" panose="020B0503020204020204" pitchFamily="34" charset="-122"/>
+              </a:rPr>
+              <a:t>（代替随机初值）</a:t>
+            </a:r>
+            <a:endParaRPr lang="en-US" altLang="zh-CN" sz="1200" dirty="0">
+              <a:latin typeface="微软雅黑" panose="020B0503020204020204" pitchFamily="34" charset="-122"/>
+              <a:ea typeface="微软雅黑" panose="020B0503020204020204" pitchFamily="34" charset="-122"/>
+            </a:endParaRPr>
           </a:p>
           <a:p>
             <a:pPr marL="171450" indent="-171450">
@@ -44805,8 +44823,40 @@
                 <a:latin typeface="微软雅黑" panose="020B0503020204020204" pitchFamily="34" charset="-122"/>
                 <a:ea typeface="微软雅黑" panose="020B0503020204020204" pitchFamily="34" charset="-122"/>
               </a:rPr>
-              <a:t>Staged Strategy</a:t>
+              <a:t>Staged </a:t>
             </a:r>
+            <a:r>
+              <a:rPr lang="en-US" altLang="zh-CN" sz="1200" dirty="0" smtClean="0">
+                <a:latin typeface="微软雅黑" panose="020B0503020204020204" pitchFamily="34" charset="-122"/>
+                <a:ea typeface="微软雅黑" panose="020B0503020204020204" pitchFamily="34" charset="-122"/>
+              </a:rPr>
+              <a:t>Strategy</a:t>
+            </a:r>
+            <a:r>
+              <a:rPr lang="zh-CN" altLang="en-US" sz="1200" dirty="0" smtClean="0">
+                <a:latin typeface="微软雅黑" panose="020B0503020204020204" pitchFamily="34" charset="-122"/>
+                <a:ea typeface="微软雅黑" panose="020B0503020204020204" pitchFamily="34" charset="-122"/>
+              </a:rPr>
+              <a:t>（发散</a:t>
+            </a:r>
+            <a:r>
+              <a:rPr lang="en-US" altLang="zh-CN" sz="1200" dirty="0" smtClean="0">
+                <a:latin typeface="微软雅黑" panose="020B0503020204020204" pitchFamily="34" charset="-122"/>
+                <a:ea typeface="微软雅黑" panose="020B0503020204020204" pitchFamily="34" charset="-122"/>
+              </a:rPr>
+              <a:t>-&gt;</a:t>
+            </a:r>
+            <a:r>
+              <a:rPr lang="zh-CN" altLang="en-US" sz="1200" smtClean="0">
+                <a:latin typeface="微软雅黑" panose="020B0503020204020204" pitchFamily="34" charset="-122"/>
+                <a:ea typeface="微软雅黑" panose="020B0503020204020204" pitchFamily="34" charset="-122"/>
+              </a:rPr>
+              <a:t>集中）</a:t>
+            </a:r>
+            <a:endParaRPr lang="en-US" altLang="zh-CN" sz="1200" dirty="0">
+              <a:latin typeface="微软雅黑" panose="020B0503020204020204" pitchFamily="34" charset="-122"/>
+              <a:ea typeface="微软雅黑" panose="020B0503020204020204" pitchFamily="34" charset="-122"/>
+            </a:endParaRPr>
           </a:p>
         </p:txBody>
       </p:sp>
@@ -44815,7 +44865,7 @@
           <p:cNvPr id="41" name="TextBox 61">
             <a:extLst>
               <a:ext uri="{FF2B5EF4-FFF2-40B4-BE49-F238E27FC236}">
-                <a16:creationId xmlns:a16="http://schemas.microsoft.com/office/drawing/2014/main" id="{0BC71808-54A6-4054-83C8-D2934E8E834C}"/>
+                <a16:creationId xmlns:a16="http://schemas.microsoft.com/office/drawing/2014/main" xmlns="" id="{0BC71808-54A6-4054-83C8-D2934E8E834C}"/>
               </a:ext>
             </a:extLst>
           </p:cNvPr>
@@ -44867,7 +44917,7 @@
           <p:cNvPr id="51" name="TextBox 65">
             <a:extLst>
               <a:ext uri="{FF2B5EF4-FFF2-40B4-BE49-F238E27FC236}">
-                <a16:creationId xmlns:a16="http://schemas.microsoft.com/office/drawing/2014/main" id="{BA67980A-A26E-45C6-B6CD-D26B985B4168}"/>
+                <a16:creationId xmlns:a16="http://schemas.microsoft.com/office/drawing/2014/main" xmlns="" id="{BA67980A-A26E-45C6-B6CD-D26B985B4168}"/>
               </a:ext>
             </a:extLst>
           </p:cNvPr>
@@ -44936,7 +44986,7 @@
           <p:cNvPr id="54" name="TextBox 65">
             <a:extLst>
               <a:ext uri="{FF2B5EF4-FFF2-40B4-BE49-F238E27FC236}">
-                <a16:creationId xmlns:a16="http://schemas.microsoft.com/office/drawing/2014/main" id="{02AE4DDF-D462-4148-BAC7-DB93F3D3DD21}"/>
+                <a16:creationId xmlns:a16="http://schemas.microsoft.com/office/drawing/2014/main" xmlns="" id="{02AE4DDF-D462-4148-BAC7-DB93F3D3DD21}"/>
               </a:ext>
             </a:extLst>
           </p:cNvPr>
@@ -45706,7 +45756,7 @@
           <p:cNvPr id="2" name="矩形 1">
             <a:extLst>
               <a:ext uri="{FF2B5EF4-FFF2-40B4-BE49-F238E27FC236}">
-                <a16:creationId xmlns:a16="http://schemas.microsoft.com/office/drawing/2014/main" id="{0AA6D2C9-5976-422B-A661-AF060040B2E2}"/>
+                <a16:creationId xmlns:a16="http://schemas.microsoft.com/office/drawing/2014/main" xmlns="" id="{0AA6D2C9-5976-422B-A661-AF060040B2E2}"/>
               </a:ext>
             </a:extLst>
           </p:cNvPr>
@@ -45838,7 +45888,7 @@
           <p:cNvPr id="27" name="TextBox 7">
             <a:extLst>
               <a:ext uri="{FF2B5EF4-FFF2-40B4-BE49-F238E27FC236}">
-                <a16:creationId xmlns:a16="http://schemas.microsoft.com/office/drawing/2014/main" id="{FE1C372A-1ED4-4CDC-B790-1F78510B9C62}"/>
+                <a16:creationId xmlns:a16="http://schemas.microsoft.com/office/drawing/2014/main" xmlns="" id="{FE1C372A-1ED4-4CDC-B790-1F78510B9C62}"/>
               </a:ext>
             </a:extLst>
           </p:cNvPr>
@@ -45876,7 +45926,7 @@
           <p:cNvPr id="9" name="组合 8">
             <a:extLst>
               <a:ext uri="{FF2B5EF4-FFF2-40B4-BE49-F238E27FC236}">
-                <a16:creationId xmlns:a16="http://schemas.microsoft.com/office/drawing/2014/main" id="{4C28100E-A12B-47A9-81BC-806EFFD64E60}"/>
+                <a16:creationId xmlns:a16="http://schemas.microsoft.com/office/drawing/2014/main" xmlns="" id="{4C28100E-A12B-47A9-81BC-806EFFD64E60}"/>
               </a:ext>
             </a:extLst>
           </p:cNvPr>
@@ -45896,7 +45946,7 @@
             <p:cNvPr id="32" name="直接箭头连接符 31">
               <a:extLst>
                 <a:ext uri="{FF2B5EF4-FFF2-40B4-BE49-F238E27FC236}">
-                  <a16:creationId xmlns:a16="http://schemas.microsoft.com/office/drawing/2014/main" id="{CC8EC2C4-01DD-4697-B494-A1E1A9A14F47}"/>
+                  <a16:creationId xmlns:a16="http://schemas.microsoft.com/office/drawing/2014/main" xmlns="" id="{CC8EC2C4-01DD-4697-B494-A1E1A9A14F47}"/>
                 </a:ext>
               </a:extLst>
             </p:cNvPr>
@@ -45942,7 +45992,7 @@
             <p:cNvPr id="33" name="直接箭头连接符 32">
               <a:extLst>
                 <a:ext uri="{FF2B5EF4-FFF2-40B4-BE49-F238E27FC236}">
-                  <a16:creationId xmlns:a16="http://schemas.microsoft.com/office/drawing/2014/main" id="{C3C9D9A9-4FBD-45FC-AD11-95E1F034FABF}"/>
+                  <a16:creationId xmlns:a16="http://schemas.microsoft.com/office/drawing/2014/main" xmlns="" id="{C3C9D9A9-4FBD-45FC-AD11-95E1F034FABF}"/>
                 </a:ext>
               </a:extLst>
             </p:cNvPr>
@@ -45988,7 +46038,7 @@
             <p:cNvPr id="48" name="直接箭头连接符 47">
               <a:extLst>
                 <a:ext uri="{FF2B5EF4-FFF2-40B4-BE49-F238E27FC236}">
-                  <a16:creationId xmlns:a16="http://schemas.microsoft.com/office/drawing/2014/main" id="{04FFC272-FAA7-4626-B9A0-8CFE571CB7E8}"/>
+                  <a16:creationId xmlns:a16="http://schemas.microsoft.com/office/drawing/2014/main" xmlns="" id="{04FFC272-FAA7-4626-B9A0-8CFE571CB7E8}"/>
                 </a:ext>
               </a:extLst>
             </p:cNvPr>
@@ -46034,7 +46084,7 @@
             <p:cNvPr id="50" name="圆角矩形 24">
               <a:extLst>
                 <a:ext uri="{FF2B5EF4-FFF2-40B4-BE49-F238E27FC236}">
-                  <a16:creationId xmlns:a16="http://schemas.microsoft.com/office/drawing/2014/main" id="{C8729CE6-C307-42CB-9901-07527381FAB2}"/>
+                  <a16:creationId xmlns:a16="http://schemas.microsoft.com/office/drawing/2014/main" xmlns="" id="{C8729CE6-C307-42CB-9901-07527381FAB2}"/>
                 </a:ext>
               </a:extLst>
             </p:cNvPr>
@@ -46116,7 +46166,7 @@
             <p:cNvPr id="51" name="圆角矩形 24">
               <a:extLst>
                 <a:ext uri="{FF2B5EF4-FFF2-40B4-BE49-F238E27FC236}">
-                  <a16:creationId xmlns:a16="http://schemas.microsoft.com/office/drawing/2014/main" id="{96082CC1-8126-4D17-869D-F40976CDEF5B}"/>
+                  <a16:creationId xmlns:a16="http://schemas.microsoft.com/office/drawing/2014/main" xmlns="" id="{96082CC1-8126-4D17-869D-F40976CDEF5B}"/>
                 </a:ext>
               </a:extLst>
             </p:cNvPr>
@@ -46198,7 +46248,7 @@
             <p:cNvPr id="8" name="组合 7">
               <a:extLst>
                 <a:ext uri="{FF2B5EF4-FFF2-40B4-BE49-F238E27FC236}">
-                  <a16:creationId xmlns:a16="http://schemas.microsoft.com/office/drawing/2014/main" id="{42EAE014-DF34-4D66-A21C-3F7D03BF9D67}"/>
+                  <a16:creationId xmlns:a16="http://schemas.microsoft.com/office/drawing/2014/main" xmlns="" id="{42EAE014-DF34-4D66-A21C-3F7D03BF9D67}"/>
                 </a:ext>
               </a:extLst>
             </p:cNvPr>
@@ -46218,7 +46268,7 @@
               <p:cNvPr id="44" name="直接箭头连接符 43">
                 <a:extLst>
                   <a:ext uri="{FF2B5EF4-FFF2-40B4-BE49-F238E27FC236}">
-                    <a16:creationId xmlns:a16="http://schemas.microsoft.com/office/drawing/2014/main" id="{E738DA61-C26B-44AC-9C33-7C586BAA6442}"/>
+                    <a16:creationId xmlns:a16="http://schemas.microsoft.com/office/drawing/2014/main" xmlns="" id="{E738DA61-C26B-44AC-9C33-7C586BAA6442}"/>
                   </a:ext>
                 </a:extLst>
               </p:cNvPr>
@@ -46264,7 +46314,7 @@
               <p:cNvPr id="52" name="圆角矩形 24">
                 <a:extLst>
                   <a:ext uri="{FF2B5EF4-FFF2-40B4-BE49-F238E27FC236}">
-                    <a16:creationId xmlns:a16="http://schemas.microsoft.com/office/drawing/2014/main" id="{ED16B0DE-82E7-41D4-B044-A51EFCA392E1}"/>
+                    <a16:creationId xmlns:a16="http://schemas.microsoft.com/office/drawing/2014/main" xmlns="" id="{ED16B0DE-82E7-41D4-B044-A51EFCA392E1}"/>
                   </a:ext>
                 </a:extLst>
               </p:cNvPr>
@@ -46347,7 +46397,7 @@
             <p:cNvPr id="53" name="圆角矩形 24">
               <a:extLst>
                 <a:ext uri="{FF2B5EF4-FFF2-40B4-BE49-F238E27FC236}">
-                  <a16:creationId xmlns:a16="http://schemas.microsoft.com/office/drawing/2014/main" id="{03B6EDBA-56AB-45A1-9AB6-95BEDCF4F9F9}"/>
+                  <a16:creationId xmlns:a16="http://schemas.microsoft.com/office/drawing/2014/main" xmlns="" id="{03B6EDBA-56AB-45A1-9AB6-95BEDCF4F9F9}"/>
                 </a:ext>
               </a:extLst>
             </p:cNvPr>
@@ -53703,7 +53753,7 @@
           <p:cNvPr id="31" name="TextBox 46">
             <a:extLst>
               <a:ext uri="{FF2B5EF4-FFF2-40B4-BE49-F238E27FC236}">
-                <a16:creationId xmlns:a16="http://schemas.microsoft.com/office/drawing/2014/main" id="{18A57166-29B5-42C1-8CC5-9A0A1F8B67CA}"/>
+                <a16:creationId xmlns:a16="http://schemas.microsoft.com/office/drawing/2014/main" xmlns="" id="{18A57166-29B5-42C1-8CC5-9A0A1F8B67CA}"/>
               </a:ext>
             </a:extLst>
           </p:cNvPr>
@@ -53769,7 +53819,7 @@
           <p:cNvPr id="17" name="椭圆 16">
             <a:extLst>
               <a:ext uri="{FF2B5EF4-FFF2-40B4-BE49-F238E27FC236}">
-                <a16:creationId xmlns:a16="http://schemas.microsoft.com/office/drawing/2014/main" id="{85111A73-AD6B-469F-9E88-C81FF847F1FE}"/>
+                <a16:creationId xmlns:a16="http://schemas.microsoft.com/office/drawing/2014/main" xmlns="" id="{85111A73-AD6B-469F-9E88-C81FF847F1FE}"/>
               </a:ext>
             </a:extLst>
           </p:cNvPr>
@@ -53829,7 +53879,7 @@
           <p:cNvPr id="20" name="椭圆 19">
             <a:extLst>
               <a:ext uri="{FF2B5EF4-FFF2-40B4-BE49-F238E27FC236}">
-                <a16:creationId xmlns:a16="http://schemas.microsoft.com/office/drawing/2014/main" id="{CA08FD24-B804-45B3-BBF1-380A318C5622}"/>
+                <a16:creationId xmlns:a16="http://schemas.microsoft.com/office/drawing/2014/main" xmlns="" id="{CA08FD24-B804-45B3-BBF1-380A318C5622}"/>
               </a:ext>
             </a:extLst>
           </p:cNvPr>
@@ -53889,7 +53939,7 @@
           <p:cNvPr id="21" name="TextBox 18">
             <a:extLst>
               <a:ext uri="{FF2B5EF4-FFF2-40B4-BE49-F238E27FC236}">
-                <a16:creationId xmlns:a16="http://schemas.microsoft.com/office/drawing/2014/main" id="{CD21A070-833C-4A7F-BE73-0F85BA03B90C}"/>
+                <a16:creationId xmlns:a16="http://schemas.microsoft.com/office/drawing/2014/main" xmlns="" id="{CD21A070-833C-4A7F-BE73-0F85BA03B90C}"/>
               </a:ext>
             </a:extLst>
           </p:cNvPr>
@@ -53955,7 +54005,7 @@
           <p:cNvPr id="38" name="椭圆 37">
             <a:extLst>
               <a:ext uri="{FF2B5EF4-FFF2-40B4-BE49-F238E27FC236}">
-                <a16:creationId xmlns:a16="http://schemas.microsoft.com/office/drawing/2014/main" id="{132A8913-20CA-4D97-8E93-ACC422FDE821}"/>
+                <a16:creationId xmlns:a16="http://schemas.microsoft.com/office/drawing/2014/main" xmlns="" id="{132A8913-20CA-4D97-8E93-ACC422FDE821}"/>
               </a:ext>
             </a:extLst>
           </p:cNvPr>
@@ -54015,7 +54065,7 @@
           <p:cNvPr id="40" name="直接箭头连接符 39">
             <a:extLst>
               <a:ext uri="{FF2B5EF4-FFF2-40B4-BE49-F238E27FC236}">
-                <a16:creationId xmlns:a16="http://schemas.microsoft.com/office/drawing/2014/main" id="{544B5F2B-8D8C-4128-B4EA-F16956397889}"/>
+                <a16:creationId xmlns:a16="http://schemas.microsoft.com/office/drawing/2014/main" xmlns="" id="{544B5F2B-8D8C-4128-B4EA-F16956397889}"/>
               </a:ext>
             </a:extLst>
           </p:cNvPr>
@@ -54062,7 +54112,7 @@
           <p:cNvPr id="43" name="文本框 42">
             <a:extLst>
               <a:ext uri="{FF2B5EF4-FFF2-40B4-BE49-F238E27FC236}">
-                <a16:creationId xmlns:a16="http://schemas.microsoft.com/office/drawing/2014/main" id="{7FD6F372-8778-42EF-8FC4-382C660CC451}"/>
+                <a16:creationId xmlns:a16="http://schemas.microsoft.com/office/drawing/2014/main" xmlns="" id="{7FD6F372-8778-42EF-8FC4-382C660CC451}"/>
               </a:ext>
             </a:extLst>
           </p:cNvPr>
@@ -54104,7 +54154,7 @@
           <p:cNvPr id="44" name="椭圆 43">
             <a:extLst>
               <a:ext uri="{FF2B5EF4-FFF2-40B4-BE49-F238E27FC236}">
-                <a16:creationId xmlns:a16="http://schemas.microsoft.com/office/drawing/2014/main" id="{2B2FD749-3DD4-4550-9193-04E8779A7557}"/>
+                <a16:creationId xmlns:a16="http://schemas.microsoft.com/office/drawing/2014/main" xmlns="" id="{2B2FD749-3DD4-4550-9193-04E8779A7557}"/>
               </a:ext>
             </a:extLst>
           </p:cNvPr>
@@ -54164,7 +54214,7 @@
           <p:cNvPr id="45" name="直接箭头连接符 44">
             <a:extLst>
               <a:ext uri="{FF2B5EF4-FFF2-40B4-BE49-F238E27FC236}">
-                <a16:creationId xmlns:a16="http://schemas.microsoft.com/office/drawing/2014/main" id="{2CA35CF2-E632-46CD-8162-BEDF1EB2D190}"/>
+                <a16:creationId xmlns:a16="http://schemas.microsoft.com/office/drawing/2014/main" xmlns="" id="{2CA35CF2-E632-46CD-8162-BEDF1EB2D190}"/>
               </a:ext>
             </a:extLst>
           </p:cNvPr>
@@ -54211,7 +54261,7 @@
           <p:cNvPr id="47" name="椭圆 46">
             <a:extLst>
               <a:ext uri="{FF2B5EF4-FFF2-40B4-BE49-F238E27FC236}">
-                <a16:creationId xmlns:a16="http://schemas.microsoft.com/office/drawing/2014/main" id="{0F6F6D76-DCF7-43CE-83B4-10367064A8A1}"/>
+                <a16:creationId xmlns:a16="http://schemas.microsoft.com/office/drawing/2014/main" xmlns="" id="{0F6F6D76-DCF7-43CE-83B4-10367064A8A1}"/>
               </a:ext>
             </a:extLst>
           </p:cNvPr>
@@ -54271,7 +54321,7 @@
           <p:cNvPr id="52" name="椭圆 51">
             <a:extLst>
               <a:ext uri="{FF2B5EF4-FFF2-40B4-BE49-F238E27FC236}">
-                <a16:creationId xmlns:a16="http://schemas.microsoft.com/office/drawing/2014/main" id="{A1E7B33C-E090-4135-A887-0D73F237B35A}"/>
+                <a16:creationId xmlns:a16="http://schemas.microsoft.com/office/drawing/2014/main" xmlns="" id="{A1E7B33C-E090-4135-A887-0D73F237B35A}"/>
               </a:ext>
             </a:extLst>
           </p:cNvPr>
@@ -54331,7 +54381,7 @@
           <p:cNvPr id="59" name="直接箭头连接符 58">
             <a:extLst>
               <a:ext uri="{FF2B5EF4-FFF2-40B4-BE49-F238E27FC236}">
-                <a16:creationId xmlns:a16="http://schemas.microsoft.com/office/drawing/2014/main" id="{4D95AD33-E381-4C49-9BDB-46C92B7DFAF8}"/>
+                <a16:creationId xmlns:a16="http://schemas.microsoft.com/office/drawing/2014/main" xmlns="" id="{4D95AD33-E381-4C49-9BDB-46C92B7DFAF8}"/>
               </a:ext>
             </a:extLst>
           </p:cNvPr>
@@ -54378,7 +54428,7 @@
           <p:cNvPr id="61" name="直接箭头连接符 60">
             <a:extLst>
               <a:ext uri="{FF2B5EF4-FFF2-40B4-BE49-F238E27FC236}">
-                <a16:creationId xmlns:a16="http://schemas.microsoft.com/office/drawing/2014/main" id="{5380B8CA-B47E-46AA-A0FF-E953E7DE4232}"/>
+                <a16:creationId xmlns:a16="http://schemas.microsoft.com/office/drawing/2014/main" xmlns="" id="{5380B8CA-B47E-46AA-A0FF-E953E7DE4232}"/>
               </a:ext>
             </a:extLst>
           </p:cNvPr>
@@ -54425,7 +54475,7 @@
           <p:cNvPr id="65" name="直接箭头连接符 64">
             <a:extLst>
               <a:ext uri="{FF2B5EF4-FFF2-40B4-BE49-F238E27FC236}">
-                <a16:creationId xmlns:a16="http://schemas.microsoft.com/office/drawing/2014/main" id="{90295542-F75D-4871-AC20-2B5264C7F62F}"/>
+                <a16:creationId xmlns:a16="http://schemas.microsoft.com/office/drawing/2014/main" xmlns="" id="{90295542-F75D-4871-AC20-2B5264C7F62F}"/>
               </a:ext>
             </a:extLst>
           </p:cNvPr>

--- a/FinalPaper/毕业答辩.pptx
+++ b/FinalPaper/毕业答辩.pptx
@@ -10040,7 +10040,7 @@
           <p:cNvPr id="116" name="直接连接符 115">
             <a:extLst>
               <a:ext uri="{FF2B5EF4-FFF2-40B4-BE49-F238E27FC236}">
-                <a16:creationId xmlns:a16="http://schemas.microsoft.com/office/drawing/2014/main" xmlns="" id="{935B4380-C8CD-4AEE-BFB0-D8B729F00EFC}"/>
+                <a16:creationId xmlns="" xmlns:a16="http://schemas.microsoft.com/office/drawing/2014/main" id="{935B4380-C8CD-4AEE-BFB0-D8B729F00EFC}"/>
               </a:ext>
             </a:extLst>
           </p:cNvPr>
@@ -10086,7 +10086,7 @@
           <p:cNvPr id="89" name="Freeform 325">
             <a:extLst>
               <a:ext uri="{FF2B5EF4-FFF2-40B4-BE49-F238E27FC236}">
-                <a16:creationId xmlns:a16="http://schemas.microsoft.com/office/drawing/2014/main" xmlns="" id="{68C0778E-22E1-4C0C-A17B-06709E6DAB2F}"/>
+                <a16:creationId xmlns="" xmlns:a16="http://schemas.microsoft.com/office/drawing/2014/main" id="{68C0778E-22E1-4C0C-A17B-06709E6DAB2F}"/>
               </a:ext>
             </a:extLst>
           </p:cNvPr>
@@ -10694,7 +10694,7 @@
           <p:cNvPr id="92" name="Freeform 312">
             <a:extLst>
               <a:ext uri="{FF2B5EF4-FFF2-40B4-BE49-F238E27FC236}">
-                <a16:creationId xmlns:a16="http://schemas.microsoft.com/office/drawing/2014/main" xmlns="" id="{2A1B9DA8-986D-41A5-BF6C-668C33AF0106}"/>
+                <a16:creationId xmlns="" xmlns:a16="http://schemas.microsoft.com/office/drawing/2014/main" id="{2A1B9DA8-986D-41A5-BF6C-668C33AF0106}"/>
               </a:ext>
             </a:extLst>
           </p:cNvPr>
@@ -11698,7 +11698,7 @@
           <p:cNvPr id="94" name="Freeform 121">
             <a:extLst>
               <a:ext uri="{FF2B5EF4-FFF2-40B4-BE49-F238E27FC236}">
-                <a16:creationId xmlns:a16="http://schemas.microsoft.com/office/drawing/2014/main" xmlns="" id="{B93A3FCA-7723-41E1-B0FD-8E2D1F9214AF}"/>
+                <a16:creationId xmlns="" xmlns:a16="http://schemas.microsoft.com/office/drawing/2014/main" id="{B93A3FCA-7723-41E1-B0FD-8E2D1F9214AF}"/>
               </a:ext>
             </a:extLst>
           </p:cNvPr>
@@ -12005,6 +12005,13 @@
   <p:transition spd="med">
     <p:push dir="u"/>
   </p:transition>
+  <p:timing>
+    <p:tnLst>
+      <p:par>
+        <p:cTn id="1" dur="indefinite" restart="never" nodeType="tmRoot"/>
+      </p:par>
+    </p:tnLst>
+  </p:timing>
 </p:sld>
 </file>
 
@@ -12685,7 +12692,7 @@
           <p:cNvPr id="14" name="TextBox 46">
             <a:extLst>
               <a:ext uri="{FF2B5EF4-FFF2-40B4-BE49-F238E27FC236}">
-                <a16:creationId xmlns:a16="http://schemas.microsoft.com/office/drawing/2014/main" xmlns="" id="{038ACC64-63F6-420B-A042-E14A9A7C9394}"/>
+                <a16:creationId xmlns="" xmlns:a16="http://schemas.microsoft.com/office/drawing/2014/main" id="{038ACC64-63F6-420B-A042-E14A9A7C9394}"/>
               </a:ext>
             </a:extLst>
           </p:cNvPr>
@@ -12751,7 +12758,7 @@
           <p:cNvPr id="17" name="文本框 16">
             <a:extLst>
               <a:ext uri="{FF2B5EF4-FFF2-40B4-BE49-F238E27FC236}">
-                <a16:creationId xmlns:a16="http://schemas.microsoft.com/office/drawing/2014/main" xmlns="" id="{E6F4ECFA-13B3-48DE-9E3E-DF7BBDA53533}"/>
+                <a16:creationId xmlns="" xmlns:a16="http://schemas.microsoft.com/office/drawing/2014/main" id="{E6F4ECFA-13B3-48DE-9E3E-DF7BBDA53533}"/>
               </a:ext>
             </a:extLst>
           </p:cNvPr>
@@ -12761,7 +12768,7 @@
         <p:spPr>
           <a:xfrm>
             <a:off x="2803319" y="4463590"/>
-            <a:ext cx="3512452" cy="461665"/>
+            <a:ext cx="3512452" cy="276999"/>
           </a:xfrm>
           <a:prstGeom prst="rect">
             <a:avLst/>
@@ -12780,30 +12787,23 @@
                 <a:latin typeface="微软雅黑" panose="020B0503020204020204" pitchFamily="34" charset="-122"/>
                 <a:ea typeface="微软雅黑" panose="020B0503020204020204" pitchFamily="34" charset="-122"/>
               </a:rPr>
-              <a:t>数据获取和降维流程</a:t>
+              <a:t>数据获取和</a:t>
             </a:r>
-            <a:endParaRPr lang="en-US" altLang="zh-CN" sz="1200" dirty="0">
-              <a:latin typeface="微软雅黑" panose="020B0503020204020204" pitchFamily="34" charset="-122"/>
-              <a:ea typeface="微软雅黑" panose="020B0503020204020204" pitchFamily="34" charset="-122"/>
-            </a:endParaRPr>
-          </a:p>
-          <a:p>
-            <a:pPr algn="ctr"/>
             <a:r>
-              <a:rPr lang="zh-CN" altLang="en-US" sz="1200" dirty="0">
+              <a:rPr lang="zh-CN" altLang="en-US" sz="1200">
                 <a:latin typeface="微软雅黑" panose="020B0503020204020204" pitchFamily="34" charset="-122"/>
                 <a:ea typeface="微软雅黑" panose="020B0503020204020204" pitchFamily="34" charset="-122"/>
               </a:rPr>
-              <a:t>（</a:t>
+              <a:t>降维</a:t>
             </a:r>
             <a:r>
-              <a:rPr lang="en-US" altLang="zh-CN" sz="1200" dirty="0">
+              <a:rPr lang="zh-CN" altLang="en-US" sz="1200" smtClean="0">
                 <a:latin typeface="微软雅黑" panose="020B0503020204020204" pitchFamily="34" charset="-122"/>
                 <a:ea typeface="微软雅黑" panose="020B0503020204020204" pitchFamily="34" charset="-122"/>
               </a:rPr>
-              <a:t>Ref: Machine Learning by Andrew Ng)</a:t>
+              <a:t>流程</a:t>
             </a:r>
-            <a:endParaRPr lang="en-US" sz="1200" dirty="0">
+            <a:endParaRPr lang="en-US" altLang="zh-CN" sz="1200" dirty="0">
               <a:latin typeface="微软雅黑" panose="020B0503020204020204" pitchFamily="34" charset="-122"/>
               <a:ea typeface="微软雅黑" panose="020B0503020204020204" pitchFamily="34" charset="-122"/>
             </a:endParaRPr>
@@ -12815,7 +12815,7 @@
           <p:cNvPr id="2" name="矩形 1">
             <a:extLst>
               <a:ext uri="{FF2B5EF4-FFF2-40B4-BE49-F238E27FC236}">
-                <a16:creationId xmlns:a16="http://schemas.microsoft.com/office/drawing/2014/main" xmlns="" id="{4420292E-33FF-4264-AB0D-02351FB20E36}"/>
+                <a16:creationId xmlns="" xmlns:a16="http://schemas.microsoft.com/office/drawing/2014/main" id="{4420292E-33FF-4264-AB0D-02351FB20E36}"/>
               </a:ext>
             </a:extLst>
           </p:cNvPr>
@@ -12885,7 +12885,7 @@
           <p:cNvPr id="18" name="下箭头 32">
             <a:extLst>
               <a:ext uri="{FF2B5EF4-FFF2-40B4-BE49-F238E27FC236}">
-                <a16:creationId xmlns:a16="http://schemas.microsoft.com/office/drawing/2014/main" xmlns="" id="{58C148CE-C64E-469D-8722-275221F9D022}"/>
+                <a16:creationId xmlns="" xmlns:a16="http://schemas.microsoft.com/office/drawing/2014/main" id="{58C148CE-C64E-469D-8722-275221F9D022}"/>
               </a:ext>
             </a:extLst>
           </p:cNvPr>
@@ -12939,7 +12939,7 @@
           <p:cNvPr id="9" name="文本框 8">
             <a:extLst>
               <a:ext uri="{FF2B5EF4-FFF2-40B4-BE49-F238E27FC236}">
-                <a16:creationId xmlns:a16="http://schemas.microsoft.com/office/drawing/2014/main" xmlns="" id="{54F12738-BEC8-4788-993E-3A7BE34EF640}"/>
+                <a16:creationId xmlns="" xmlns:a16="http://schemas.microsoft.com/office/drawing/2014/main" id="{54F12738-BEC8-4788-993E-3A7BE34EF640}"/>
               </a:ext>
             </a:extLst>
           </p:cNvPr>
@@ -12974,7 +12974,7 @@
           <p:cNvPr id="20" name="文本框 19">
             <a:extLst>
               <a:ext uri="{FF2B5EF4-FFF2-40B4-BE49-F238E27FC236}">
-                <a16:creationId xmlns:a16="http://schemas.microsoft.com/office/drawing/2014/main" xmlns="" id="{C2538DF4-FB90-4911-B44A-A6F7C1648B61}"/>
+                <a16:creationId xmlns="" xmlns:a16="http://schemas.microsoft.com/office/drawing/2014/main" id="{C2538DF4-FB90-4911-B44A-A6F7C1648B61}"/>
               </a:ext>
             </a:extLst>
           </p:cNvPr>
@@ -13009,7 +13009,7 @@
           <p:cNvPr id="21" name="文本框 20">
             <a:extLst>
               <a:ext uri="{FF2B5EF4-FFF2-40B4-BE49-F238E27FC236}">
-                <a16:creationId xmlns:a16="http://schemas.microsoft.com/office/drawing/2014/main" xmlns="" id="{1E91F165-E54A-425D-BFAD-F08B52B24551}"/>
+                <a16:creationId xmlns="" xmlns:a16="http://schemas.microsoft.com/office/drawing/2014/main" id="{1E91F165-E54A-425D-BFAD-F08B52B24551}"/>
               </a:ext>
             </a:extLst>
           </p:cNvPr>
@@ -13049,7 +13049,7 @@
           <p:cNvPr id="23" name="矩形 22">
             <a:extLst>
               <a:ext uri="{FF2B5EF4-FFF2-40B4-BE49-F238E27FC236}">
-                <a16:creationId xmlns:a16="http://schemas.microsoft.com/office/drawing/2014/main" xmlns="" id="{D8EC7A10-C9A7-4C09-A9ED-B0400D102A74}"/>
+                <a16:creationId xmlns="" xmlns:a16="http://schemas.microsoft.com/office/drawing/2014/main" id="{D8EC7A10-C9A7-4C09-A9ED-B0400D102A74}"/>
               </a:ext>
             </a:extLst>
           </p:cNvPr>
@@ -13119,7 +13119,7 @@
           <p:cNvPr id="24" name="文本框 23">
             <a:extLst>
               <a:ext uri="{FF2B5EF4-FFF2-40B4-BE49-F238E27FC236}">
-                <a16:creationId xmlns:a16="http://schemas.microsoft.com/office/drawing/2014/main" xmlns="" id="{2657C0C8-F42A-4F20-A478-79138EC817E1}"/>
+                <a16:creationId xmlns="" xmlns:a16="http://schemas.microsoft.com/office/drawing/2014/main" id="{2657C0C8-F42A-4F20-A478-79138EC817E1}"/>
               </a:ext>
             </a:extLst>
           </p:cNvPr>
@@ -13154,7 +13154,7 @@
           <p:cNvPr id="25" name="文本框 24">
             <a:extLst>
               <a:ext uri="{FF2B5EF4-FFF2-40B4-BE49-F238E27FC236}">
-                <a16:creationId xmlns:a16="http://schemas.microsoft.com/office/drawing/2014/main" xmlns="" id="{76C335F0-957C-4BE8-B64D-D2B41BFBEF30}"/>
+                <a16:creationId xmlns="" xmlns:a16="http://schemas.microsoft.com/office/drawing/2014/main" id="{76C335F0-957C-4BE8-B64D-D2B41BFBEF30}"/>
               </a:ext>
             </a:extLst>
           </p:cNvPr>
@@ -13206,7 +13206,7 @@
           <p:cNvPr id="26" name="下箭头 32">
             <a:extLst>
               <a:ext uri="{FF2B5EF4-FFF2-40B4-BE49-F238E27FC236}">
-                <a16:creationId xmlns:a16="http://schemas.microsoft.com/office/drawing/2014/main" xmlns="" id="{31193F67-61DF-4F75-A6E0-14E0AF212675}"/>
+                <a16:creationId xmlns="" xmlns:a16="http://schemas.microsoft.com/office/drawing/2014/main" id="{31193F67-61DF-4F75-A6E0-14E0AF212675}"/>
               </a:ext>
             </a:extLst>
           </p:cNvPr>
@@ -13260,7 +13260,7 @@
           <p:cNvPr id="22" name="文本框 21">
             <a:extLst>
               <a:ext uri="{FF2B5EF4-FFF2-40B4-BE49-F238E27FC236}">
-                <a16:creationId xmlns:a16="http://schemas.microsoft.com/office/drawing/2014/main" xmlns="" id="{E566D48D-20DC-4C7A-B36F-1B2DA1A605C4}"/>
+                <a16:creationId xmlns="" xmlns:a16="http://schemas.microsoft.com/office/drawing/2014/main" id="{E566D48D-20DC-4C7A-B36F-1B2DA1A605C4}"/>
               </a:ext>
             </a:extLst>
           </p:cNvPr>
@@ -13302,7 +13302,7 @@
           <p:cNvPr id="27" name="文本框 26">
             <a:extLst>
               <a:ext uri="{FF2B5EF4-FFF2-40B4-BE49-F238E27FC236}">
-                <a16:creationId xmlns:a16="http://schemas.microsoft.com/office/drawing/2014/main" xmlns="" id="{747D2FD7-951A-415D-87F1-6947B8DB7888}"/>
+                <a16:creationId xmlns="" xmlns:a16="http://schemas.microsoft.com/office/drawing/2014/main" id="{747D2FD7-951A-415D-87F1-6947B8DB7888}"/>
               </a:ext>
             </a:extLst>
           </p:cNvPr>
@@ -13346,7 +13346,7 @@
           <p:cNvPr id="30" name="下箭头 32">
             <a:extLst>
               <a:ext uri="{FF2B5EF4-FFF2-40B4-BE49-F238E27FC236}">
-                <a16:creationId xmlns:a16="http://schemas.microsoft.com/office/drawing/2014/main" xmlns="" id="{EAB50E5D-2EF6-4520-9081-7BBDE39756EE}"/>
+                <a16:creationId xmlns="" xmlns:a16="http://schemas.microsoft.com/office/drawing/2014/main" id="{EAB50E5D-2EF6-4520-9081-7BBDE39756EE}"/>
               </a:ext>
             </a:extLst>
           </p:cNvPr>
@@ -13400,7 +13400,7 @@
           <p:cNvPr id="31" name="文本框 30">
             <a:extLst>
               <a:ext uri="{FF2B5EF4-FFF2-40B4-BE49-F238E27FC236}">
-                <a16:creationId xmlns:a16="http://schemas.microsoft.com/office/drawing/2014/main" xmlns="" id="{C9F2FA20-2F65-41C6-8B08-2023C9261F99}"/>
+                <a16:creationId xmlns="" xmlns:a16="http://schemas.microsoft.com/office/drawing/2014/main" id="{C9F2FA20-2F65-41C6-8B08-2023C9261F99}"/>
               </a:ext>
             </a:extLst>
           </p:cNvPr>
@@ -13449,7 +13449,7 @@
           <p:cNvPr id="32" name="矩形 31">
             <a:extLst>
               <a:ext uri="{FF2B5EF4-FFF2-40B4-BE49-F238E27FC236}">
-                <a16:creationId xmlns:a16="http://schemas.microsoft.com/office/drawing/2014/main" xmlns="" id="{10A05179-4B68-4E00-928A-8BE5394A0437}"/>
+                <a16:creationId xmlns="" xmlns:a16="http://schemas.microsoft.com/office/drawing/2014/main" id="{10A05179-4B68-4E00-928A-8BE5394A0437}"/>
               </a:ext>
             </a:extLst>
           </p:cNvPr>
@@ -13547,6 +13547,13 @@
   <p:transition spd="med">
     <p:push dir="u"/>
   </p:transition>
+  <p:timing>
+    <p:tnLst>
+      <p:par>
+        <p:cTn id="1" dur="indefinite" restart="never" nodeType="tmRoot"/>
+      </p:par>
+    </p:tnLst>
+  </p:timing>
 </p:sld>
 </file>
 
@@ -14227,7 +14234,7 @@
           <p:cNvPr id="14" name="TextBox 46">
             <a:extLst>
               <a:ext uri="{FF2B5EF4-FFF2-40B4-BE49-F238E27FC236}">
-                <a16:creationId xmlns:a16="http://schemas.microsoft.com/office/drawing/2014/main" xmlns="" id="{76E85F30-8AC3-4FC8-961C-DD7C5D54F1B4}"/>
+                <a16:creationId xmlns="" xmlns:a16="http://schemas.microsoft.com/office/drawing/2014/main" id="{76E85F30-8AC3-4FC8-961C-DD7C5D54F1B4}"/>
               </a:ext>
             </a:extLst>
           </p:cNvPr>
@@ -14293,7 +14300,7 @@
           <p:cNvPr id="18" name="椭圆 17">
             <a:extLst>
               <a:ext uri="{FF2B5EF4-FFF2-40B4-BE49-F238E27FC236}">
-                <a16:creationId xmlns:a16="http://schemas.microsoft.com/office/drawing/2014/main" xmlns="" id="{B7B16E4E-68BC-4039-ABFF-F43B5AF56593}"/>
+                <a16:creationId xmlns="" xmlns:a16="http://schemas.microsoft.com/office/drawing/2014/main" id="{B7B16E4E-68BC-4039-ABFF-F43B5AF56593}"/>
               </a:ext>
             </a:extLst>
           </p:cNvPr>
@@ -14353,7 +14360,7 @@
           <p:cNvPr id="19" name="椭圆 18">
             <a:extLst>
               <a:ext uri="{FF2B5EF4-FFF2-40B4-BE49-F238E27FC236}">
-                <a16:creationId xmlns:a16="http://schemas.microsoft.com/office/drawing/2014/main" xmlns="" id="{37A85B23-5DB4-448D-BC63-06003239C69F}"/>
+                <a16:creationId xmlns="" xmlns:a16="http://schemas.microsoft.com/office/drawing/2014/main" id="{37A85B23-5DB4-448D-BC63-06003239C69F}"/>
               </a:ext>
             </a:extLst>
           </p:cNvPr>
@@ -14420,7 +14427,7 @@
           <p:cNvPr id="20" name="椭圆 19">
             <a:extLst>
               <a:ext uri="{FF2B5EF4-FFF2-40B4-BE49-F238E27FC236}">
-                <a16:creationId xmlns:a16="http://schemas.microsoft.com/office/drawing/2014/main" xmlns="" id="{1D722065-9A8B-458D-A298-791A00364630}"/>
+                <a16:creationId xmlns="" xmlns:a16="http://schemas.microsoft.com/office/drawing/2014/main" id="{1D722065-9A8B-458D-A298-791A00364630}"/>
               </a:ext>
             </a:extLst>
           </p:cNvPr>
@@ -14480,7 +14487,7 @@
           <p:cNvPr id="21" name="椭圆 20">
             <a:extLst>
               <a:ext uri="{FF2B5EF4-FFF2-40B4-BE49-F238E27FC236}">
-                <a16:creationId xmlns:a16="http://schemas.microsoft.com/office/drawing/2014/main" xmlns="" id="{B161BB54-4481-4401-B68E-EF1FEC029EB7}"/>
+                <a16:creationId xmlns="" xmlns:a16="http://schemas.microsoft.com/office/drawing/2014/main" id="{B161BB54-4481-4401-B68E-EF1FEC029EB7}"/>
               </a:ext>
             </a:extLst>
           </p:cNvPr>
@@ -14540,7 +14547,7 @@
           <p:cNvPr id="22" name="椭圆 21">
             <a:extLst>
               <a:ext uri="{FF2B5EF4-FFF2-40B4-BE49-F238E27FC236}">
-                <a16:creationId xmlns:a16="http://schemas.microsoft.com/office/drawing/2014/main" xmlns="" id="{0DE1F784-39AB-4F7D-995B-F2E3D99FD6EF}"/>
+                <a16:creationId xmlns="" xmlns:a16="http://schemas.microsoft.com/office/drawing/2014/main" id="{0DE1F784-39AB-4F7D-995B-F2E3D99FD6EF}"/>
               </a:ext>
             </a:extLst>
           </p:cNvPr>
@@ -14600,7 +14607,7 @@
           <p:cNvPr id="23" name="直接箭头连接符 22">
             <a:extLst>
               <a:ext uri="{FF2B5EF4-FFF2-40B4-BE49-F238E27FC236}">
-                <a16:creationId xmlns:a16="http://schemas.microsoft.com/office/drawing/2014/main" xmlns="" id="{950452EA-494C-4E54-AE31-57E6C6DAE04F}"/>
+                <a16:creationId xmlns="" xmlns:a16="http://schemas.microsoft.com/office/drawing/2014/main" id="{950452EA-494C-4E54-AE31-57E6C6DAE04F}"/>
               </a:ext>
             </a:extLst>
           </p:cNvPr>
@@ -14645,7 +14652,7 @@
           <p:cNvPr id="24" name="直接箭头连接符 23">
             <a:extLst>
               <a:ext uri="{FF2B5EF4-FFF2-40B4-BE49-F238E27FC236}">
-                <a16:creationId xmlns:a16="http://schemas.microsoft.com/office/drawing/2014/main" xmlns="" id="{D18624C8-798D-4A01-B56C-752FE874063E}"/>
+                <a16:creationId xmlns="" xmlns:a16="http://schemas.microsoft.com/office/drawing/2014/main" id="{D18624C8-798D-4A01-B56C-752FE874063E}"/>
               </a:ext>
             </a:extLst>
           </p:cNvPr>
@@ -14690,7 +14697,7 @@
           <p:cNvPr id="25" name="下箭头 32">
             <a:extLst>
               <a:ext uri="{FF2B5EF4-FFF2-40B4-BE49-F238E27FC236}">
-                <a16:creationId xmlns:a16="http://schemas.microsoft.com/office/drawing/2014/main" xmlns="" id="{57DF651C-C077-4109-AB1A-3E3B73231054}"/>
+                <a16:creationId xmlns="" xmlns:a16="http://schemas.microsoft.com/office/drawing/2014/main" id="{57DF651C-C077-4109-AB1A-3E3B73231054}"/>
               </a:ext>
             </a:extLst>
           </p:cNvPr>
@@ -14744,7 +14751,7 @@
           <p:cNvPr id="26" name="下箭头 33">
             <a:extLst>
               <a:ext uri="{FF2B5EF4-FFF2-40B4-BE49-F238E27FC236}">
-                <a16:creationId xmlns:a16="http://schemas.microsoft.com/office/drawing/2014/main" xmlns="" id="{721091C1-C5AC-42A8-9B94-3CE5C4D966DA}"/>
+                <a16:creationId xmlns="" xmlns:a16="http://schemas.microsoft.com/office/drawing/2014/main" id="{721091C1-C5AC-42A8-9B94-3CE5C4D966DA}"/>
               </a:ext>
             </a:extLst>
           </p:cNvPr>
@@ -14798,7 +14805,7 @@
           <p:cNvPr id="27" name="虚尾箭头 8">
             <a:extLst>
               <a:ext uri="{FF2B5EF4-FFF2-40B4-BE49-F238E27FC236}">
-                <a16:creationId xmlns:a16="http://schemas.microsoft.com/office/drawing/2014/main" xmlns="" id="{57081B68-1D81-4C1A-8691-0E9EA922F717}"/>
+                <a16:creationId xmlns="" xmlns:a16="http://schemas.microsoft.com/office/drawing/2014/main" id="{57081B68-1D81-4C1A-8691-0E9EA922F717}"/>
               </a:ext>
             </a:extLst>
           </p:cNvPr>
@@ -14852,7 +14859,7 @@
           <p:cNvPr id="2" name="文本框 1">
             <a:extLst>
               <a:ext uri="{FF2B5EF4-FFF2-40B4-BE49-F238E27FC236}">
-                <a16:creationId xmlns:a16="http://schemas.microsoft.com/office/drawing/2014/main" xmlns="" id="{38DDB060-B2D0-4E7F-8E41-09236DB7411A}"/>
+                <a16:creationId xmlns="" xmlns:a16="http://schemas.microsoft.com/office/drawing/2014/main" id="{38DDB060-B2D0-4E7F-8E41-09236DB7411A}"/>
               </a:ext>
             </a:extLst>
           </p:cNvPr>
@@ -14894,7 +14901,7 @@
           <p:cNvPr id="9" name="文本框 8">
             <a:extLst>
               <a:ext uri="{FF2B5EF4-FFF2-40B4-BE49-F238E27FC236}">
-                <a16:creationId xmlns:a16="http://schemas.microsoft.com/office/drawing/2014/main" xmlns="" id="{291919B3-699D-492B-A5D7-2F7763716C66}"/>
+                <a16:creationId xmlns="" xmlns:a16="http://schemas.microsoft.com/office/drawing/2014/main" id="{291919B3-699D-492B-A5D7-2F7763716C66}"/>
               </a:ext>
             </a:extLst>
           </p:cNvPr>
@@ -14936,7 +14943,7 @@
           <p:cNvPr id="29" name="文本框 28">
             <a:extLst>
               <a:ext uri="{FF2B5EF4-FFF2-40B4-BE49-F238E27FC236}">
-                <a16:creationId xmlns:a16="http://schemas.microsoft.com/office/drawing/2014/main" xmlns="" id="{B5BC488E-33AE-48C1-BC65-F00BF29E6C26}"/>
+                <a16:creationId xmlns="" xmlns:a16="http://schemas.microsoft.com/office/drawing/2014/main" id="{B5BC488E-33AE-48C1-BC65-F00BF29E6C26}"/>
               </a:ext>
             </a:extLst>
           </p:cNvPr>
@@ -14985,7 +14992,7 @@
           <p:cNvPr id="30" name="文本框 29">
             <a:extLst>
               <a:ext uri="{FF2B5EF4-FFF2-40B4-BE49-F238E27FC236}">
-                <a16:creationId xmlns:a16="http://schemas.microsoft.com/office/drawing/2014/main" xmlns="" id="{274926F2-3D43-409E-820D-A0FA5EE1433E}"/>
+                <a16:creationId xmlns="" xmlns:a16="http://schemas.microsoft.com/office/drawing/2014/main" id="{274926F2-3D43-409E-820D-A0FA5EE1433E}"/>
               </a:ext>
             </a:extLst>
           </p:cNvPr>
@@ -15027,7 +15034,7 @@
           <p:cNvPr id="31" name="文本框 30">
             <a:extLst>
               <a:ext uri="{FF2B5EF4-FFF2-40B4-BE49-F238E27FC236}">
-                <a16:creationId xmlns:a16="http://schemas.microsoft.com/office/drawing/2014/main" xmlns="" id="{310930CC-3490-4139-9EBA-7A9F8699EEE8}"/>
+                <a16:creationId xmlns="" xmlns:a16="http://schemas.microsoft.com/office/drawing/2014/main" id="{310930CC-3490-4139-9EBA-7A9F8699EEE8}"/>
               </a:ext>
             </a:extLst>
           </p:cNvPr>
@@ -15077,6 +15084,13 @@
   <p:transition spd="med">
     <p:push dir="u"/>
   </p:transition>
+  <p:timing>
+    <p:tnLst>
+      <p:par>
+        <p:cTn id="1" dur="indefinite" restart="never" nodeType="tmRoot"/>
+      </p:par>
+    </p:tnLst>
+  </p:timing>
 </p:sld>
 </file>
 
@@ -15819,7 +15833,7 @@
           <p:cNvPr id="14" name="TextBox 46">
             <a:extLst>
               <a:ext uri="{FF2B5EF4-FFF2-40B4-BE49-F238E27FC236}">
-                <a16:creationId xmlns:a16="http://schemas.microsoft.com/office/drawing/2014/main" xmlns="" id="{55883CF2-AF6F-490F-8A55-D365665B6802}"/>
+                <a16:creationId xmlns="" xmlns:a16="http://schemas.microsoft.com/office/drawing/2014/main" id="{55883CF2-AF6F-490F-8A55-D365665B6802}"/>
               </a:ext>
             </a:extLst>
           </p:cNvPr>
@@ -15885,7 +15899,7 @@
           <p:cNvPr id="2" name="文本框 1">
             <a:extLst>
               <a:ext uri="{FF2B5EF4-FFF2-40B4-BE49-F238E27FC236}">
-                <a16:creationId xmlns:a16="http://schemas.microsoft.com/office/drawing/2014/main" xmlns="" id="{95ECA6DA-B419-47EC-A2E9-314358DEDCCE}"/>
+                <a16:creationId xmlns="" xmlns:a16="http://schemas.microsoft.com/office/drawing/2014/main" id="{95ECA6DA-B419-47EC-A2E9-314358DEDCCE}"/>
               </a:ext>
             </a:extLst>
           </p:cNvPr>
@@ -15948,7 +15962,7 @@
           <p:cNvPr id="15" name="图片 14">
             <a:extLst>
               <a:ext uri="{FF2B5EF4-FFF2-40B4-BE49-F238E27FC236}">
-                <a16:creationId xmlns:a16="http://schemas.microsoft.com/office/drawing/2014/main" xmlns="" id="{DB2353C9-B125-4CDA-A10A-8A826EB987AF}"/>
+                <a16:creationId xmlns="" xmlns:a16="http://schemas.microsoft.com/office/drawing/2014/main" id="{DB2353C9-B125-4CDA-A10A-8A826EB987AF}"/>
               </a:ext>
             </a:extLst>
           </p:cNvPr>
@@ -15978,7 +15992,7 @@
           <p:cNvPr id="18" name="文本框 17">
             <a:extLst>
               <a:ext uri="{FF2B5EF4-FFF2-40B4-BE49-F238E27FC236}">
-                <a16:creationId xmlns:a16="http://schemas.microsoft.com/office/drawing/2014/main" xmlns="" id="{505937C2-AF81-4708-A5A0-4DA79AFE57F7}"/>
+                <a16:creationId xmlns="" xmlns:a16="http://schemas.microsoft.com/office/drawing/2014/main" id="{505937C2-AF81-4708-A5A0-4DA79AFE57F7}"/>
               </a:ext>
             </a:extLst>
           </p:cNvPr>
@@ -16020,7 +16034,7 @@
           <p:cNvPr id="19" name="下箭头 33">
             <a:extLst>
               <a:ext uri="{FF2B5EF4-FFF2-40B4-BE49-F238E27FC236}">
-                <a16:creationId xmlns:a16="http://schemas.microsoft.com/office/drawing/2014/main" xmlns="" id="{E36EBEC0-3999-46EA-BF2F-7982E559EFCA}"/>
+                <a16:creationId xmlns="" xmlns:a16="http://schemas.microsoft.com/office/drawing/2014/main" id="{E36EBEC0-3999-46EA-BF2F-7982E559EFCA}"/>
               </a:ext>
             </a:extLst>
           </p:cNvPr>
@@ -16074,7 +16088,7 @@
           <p:cNvPr id="20" name="下箭头 33">
             <a:extLst>
               <a:ext uri="{FF2B5EF4-FFF2-40B4-BE49-F238E27FC236}">
-                <a16:creationId xmlns:a16="http://schemas.microsoft.com/office/drawing/2014/main" xmlns="" id="{A032B688-77E3-4E8D-AA1E-AA28BF4CBE8F}"/>
+                <a16:creationId xmlns="" xmlns:a16="http://schemas.microsoft.com/office/drawing/2014/main" id="{A032B688-77E3-4E8D-AA1E-AA28BF4CBE8F}"/>
               </a:ext>
             </a:extLst>
           </p:cNvPr>
@@ -16128,7 +16142,7 @@
           <p:cNvPr id="22" name="矩形 21">
             <a:extLst>
               <a:ext uri="{FF2B5EF4-FFF2-40B4-BE49-F238E27FC236}">
-                <a16:creationId xmlns:a16="http://schemas.microsoft.com/office/drawing/2014/main" xmlns="" id="{5CC3C712-78FC-42AB-9483-273DB1B5C976}"/>
+                <a16:creationId xmlns="" xmlns:a16="http://schemas.microsoft.com/office/drawing/2014/main" id="{5CC3C712-78FC-42AB-9483-273DB1B5C976}"/>
               </a:ext>
             </a:extLst>
           </p:cNvPr>
@@ -16224,7 +16238,7 @@
           <p:cNvPr id="23" name="图片 22">
             <a:extLst>
               <a:ext uri="{FF2B5EF4-FFF2-40B4-BE49-F238E27FC236}">
-                <a16:creationId xmlns:a16="http://schemas.microsoft.com/office/drawing/2014/main" xmlns="" id="{708BBB37-0F81-4419-8A27-031133068451}"/>
+                <a16:creationId xmlns="" xmlns:a16="http://schemas.microsoft.com/office/drawing/2014/main" id="{708BBB37-0F81-4419-8A27-031133068451}"/>
               </a:ext>
             </a:extLst>
           </p:cNvPr>
@@ -16262,6 +16276,13 @@
   <p:transition spd="med">
     <p:push dir="u"/>
   </p:transition>
+  <p:timing>
+    <p:tnLst>
+      <p:par>
+        <p:cTn id="1" dur="indefinite" restart="never" nodeType="tmRoot"/>
+      </p:par>
+    </p:tnLst>
+  </p:timing>
 </p:sld>
 </file>
 
@@ -17529,6 +17550,13 @@
   <p:transition spd="med">
     <p:push dir="u"/>
   </p:transition>
+  <p:timing>
+    <p:tnLst>
+      <p:par>
+        <p:cTn id="1" dur="indefinite" restart="never" nodeType="tmRoot"/>
+      </p:par>
+    </p:tnLst>
+  </p:timing>
 </p:sld>
 </file>
 
@@ -17557,7 +17585,7 @@
         </p:nvSpPr>
         <p:spPr>
           <a:xfrm>
-            <a:off x="-28024" y="-137160"/>
+            <a:off x="-28024" y="-78618"/>
             <a:ext cx="9192115" cy="6964002"/>
           </a:xfrm>
           <a:prstGeom prst="rect">
@@ -18885,7 +18913,7 @@
           <p:cNvPr id="29" name="文本框 28">
             <a:extLst>
               <a:ext uri="{FF2B5EF4-FFF2-40B4-BE49-F238E27FC236}">
-                <a16:creationId xmlns:a16="http://schemas.microsoft.com/office/drawing/2014/main" xmlns="" id="{AD20217F-3D79-48B1-9E12-0CF7277C6B9A}"/>
+                <a16:creationId xmlns="" xmlns:a16="http://schemas.microsoft.com/office/drawing/2014/main" id="{AD20217F-3D79-48B1-9E12-0CF7277C6B9A}"/>
               </a:ext>
             </a:extLst>
           </p:cNvPr>
@@ -18935,6 +18963,13 @@
   <p:transition spd="med">
     <p:push dir="u"/>
   </p:transition>
+  <p:timing>
+    <p:tnLst>
+      <p:par>
+        <p:cTn id="1" dur="indefinite" restart="never" nodeType="tmRoot"/>
+      </p:par>
+    </p:tnLst>
+  </p:timing>
 </p:sld>
 </file>
 
@@ -20189,7 +20224,7 @@
           <p:cNvPr id="16" name="TextBox 15">
             <a:extLst>
               <a:ext uri="{FF2B5EF4-FFF2-40B4-BE49-F238E27FC236}">
-                <a16:creationId xmlns:a16="http://schemas.microsoft.com/office/drawing/2014/main" xmlns="" id="{6DF13735-4081-4307-8A75-E9E41F37B168}"/>
+                <a16:creationId xmlns="" xmlns:a16="http://schemas.microsoft.com/office/drawing/2014/main" id="{6DF13735-4081-4307-8A75-E9E41F37B168}"/>
               </a:ext>
             </a:extLst>
           </p:cNvPr>
@@ -20278,6 +20313,13 @@
   <p:transition spd="med">
     <p:push dir="u"/>
   </p:transition>
+  <p:timing>
+    <p:tnLst>
+      <p:par>
+        <p:cTn id="1" dur="indefinite" restart="never" nodeType="tmRoot"/>
+      </p:par>
+    </p:tnLst>
+  </p:timing>
 </p:sld>
 </file>
 
@@ -20958,7 +21000,7 @@
           <p:cNvPr id="2" name="表格 1">
             <a:extLst>
               <a:ext uri="{FF2B5EF4-FFF2-40B4-BE49-F238E27FC236}">
-                <a16:creationId xmlns:a16="http://schemas.microsoft.com/office/drawing/2014/main" xmlns="" id="{529F8A63-27D1-4E30-AF80-F1B9DDB2EBCB}"/>
+                <a16:creationId xmlns="" xmlns:a16="http://schemas.microsoft.com/office/drawing/2014/main" id="{529F8A63-27D1-4E30-AF80-F1B9DDB2EBCB}"/>
               </a:ext>
             </a:extLst>
           </p:cNvPr>
@@ -20987,28 +21029,28 @@
                 <a:gridCol w="1555373">
                   <a:extLst>
                     <a:ext uri="{9D8B030D-6E8A-4147-A177-3AD203B41FA5}">
-                      <a16:colId xmlns:a16="http://schemas.microsoft.com/office/drawing/2014/main" xmlns="" val="3046491277"/>
+                      <a16:colId xmlns="" xmlns:a16="http://schemas.microsoft.com/office/drawing/2014/main" val="3046491277"/>
                     </a:ext>
                   </a:extLst>
                 </a:gridCol>
                 <a:gridCol w="1555373">
                   <a:extLst>
                     <a:ext uri="{9D8B030D-6E8A-4147-A177-3AD203B41FA5}">
-                      <a16:colId xmlns:a16="http://schemas.microsoft.com/office/drawing/2014/main" xmlns="" val="3181357374"/>
+                      <a16:colId xmlns="" xmlns:a16="http://schemas.microsoft.com/office/drawing/2014/main" val="3181357374"/>
                     </a:ext>
                   </a:extLst>
                 </a:gridCol>
                 <a:gridCol w="1555373">
                   <a:extLst>
                     <a:ext uri="{9D8B030D-6E8A-4147-A177-3AD203B41FA5}">
-                      <a16:colId xmlns:a16="http://schemas.microsoft.com/office/drawing/2014/main" xmlns="" val="323473221"/>
+                      <a16:colId xmlns="" xmlns:a16="http://schemas.microsoft.com/office/drawing/2014/main" val="323473221"/>
                     </a:ext>
                   </a:extLst>
                 </a:gridCol>
                 <a:gridCol w="1555373">
                   <a:extLst>
                     <a:ext uri="{9D8B030D-6E8A-4147-A177-3AD203B41FA5}">
-                      <a16:colId xmlns:a16="http://schemas.microsoft.com/office/drawing/2014/main" xmlns="" val="1764454887"/>
+                      <a16:colId xmlns="" xmlns:a16="http://schemas.microsoft.com/office/drawing/2014/main" val="1764454887"/>
                     </a:ext>
                   </a:extLst>
                 </a:gridCol>
@@ -21110,7 +21152,7 @@
                 </a:tc>
                 <a:extLst>
                   <a:ext uri="{0D108BD9-81ED-4DB2-BD59-A6C34878D82A}">
-                    <a16:rowId xmlns:a16="http://schemas.microsoft.com/office/drawing/2014/main" xmlns="" val="3264120260"/>
+                    <a16:rowId xmlns="" xmlns:a16="http://schemas.microsoft.com/office/drawing/2014/main" val="3264120260"/>
                   </a:ext>
                 </a:extLst>
               </a:tr>
@@ -21192,7 +21234,7 @@
                 </a:tc>
                 <a:extLst>
                   <a:ext uri="{0D108BD9-81ED-4DB2-BD59-A6C34878D82A}">
-                    <a16:rowId xmlns:a16="http://schemas.microsoft.com/office/drawing/2014/main" xmlns="" val="693590304"/>
+                    <a16:rowId xmlns="" xmlns:a16="http://schemas.microsoft.com/office/drawing/2014/main" val="693590304"/>
                   </a:ext>
                 </a:extLst>
               </a:tr>
@@ -21274,7 +21316,7 @@
                 </a:tc>
                 <a:extLst>
                   <a:ext uri="{0D108BD9-81ED-4DB2-BD59-A6C34878D82A}">
-                    <a16:rowId xmlns:a16="http://schemas.microsoft.com/office/drawing/2014/main" xmlns="" val="4082461953"/>
+                    <a16:rowId xmlns="" xmlns:a16="http://schemas.microsoft.com/office/drawing/2014/main" val="4082461953"/>
                   </a:ext>
                 </a:extLst>
               </a:tr>
@@ -21356,7 +21398,7 @@
                 </a:tc>
                 <a:extLst>
                   <a:ext uri="{0D108BD9-81ED-4DB2-BD59-A6C34878D82A}">
-                    <a16:rowId xmlns:a16="http://schemas.microsoft.com/office/drawing/2014/main" xmlns="" val="436428789"/>
+                    <a16:rowId xmlns="" xmlns:a16="http://schemas.microsoft.com/office/drawing/2014/main" val="436428789"/>
                   </a:ext>
                 </a:extLst>
               </a:tr>
@@ -21472,7 +21514,7 @@
                 </a:tc>
                 <a:extLst>
                   <a:ext uri="{0D108BD9-81ED-4DB2-BD59-A6C34878D82A}">
-                    <a16:rowId xmlns:a16="http://schemas.microsoft.com/office/drawing/2014/main" xmlns="" val="3443909576"/>
+                    <a16:rowId xmlns="" xmlns:a16="http://schemas.microsoft.com/office/drawing/2014/main" val="3443909576"/>
                   </a:ext>
                 </a:extLst>
               </a:tr>
@@ -21485,7 +21527,7 @@
           <p:cNvPr id="43" name="文本框 42">
             <a:extLst>
               <a:ext uri="{FF2B5EF4-FFF2-40B4-BE49-F238E27FC236}">
-                <a16:creationId xmlns:a16="http://schemas.microsoft.com/office/drawing/2014/main" xmlns="" id="{1E32A157-9103-4EE9-83CC-106ECEEB4640}"/>
+                <a16:creationId xmlns="" xmlns:a16="http://schemas.microsoft.com/office/drawing/2014/main" id="{1E32A157-9103-4EE9-83CC-106ECEEB4640}"/>
               </a:ext>
             </a:extLst>
           </p:cNvPr>
@@ -21527,7 +21569,7 @@
           <p:cNvPr id="45" name="文本框 44">
             <a:extLst>
               <a:ext uri="{FF2B5EF4-FFF2-40B4-BE49-F238E27FC236}">
-                <a16:creationId xmlns:a16="http://schemas.microsoft.com/office/drawing/2014/main" xmlns="" id="{01139506-E134-4BC1-AAEE-241BD364136D}"/>
+                <a16:creationId xmlns="" xmlns:a16="http://schemas.microsoft.com/office/drawing/2014/main" id="{01139506-E134-4BC1-AAEE-241BD364136D}"/>
               </a:ext>
             </a:extLst>
           </p:cNvPr>
@@ -21569,7 +21611,7 @@
           <p:cNvPr id="14" name="图片 13">
             <a:extLst>
               <a:ext uri="{FF2B5EF4-FFF2-40B4-BE49-F238E27FC236}">
-                <a16:creationId xmlns:a16="http://schemas.microsoft.com/office/drawing/2014/main" xmlns="" id="{3CA7271E-F7A3-4190-BBC9-215E5C26F1D2}"/>
+                <a16:creationId xmlns="" xmlns:a16="http://schemas.microsoft.com/office/drawing/2014/main" id="{3CA7271E-F7A3-4190-BBC9-215E5C26F1D2}"/>
               </a:ext>
             </a:extLst>
           </p:cNvPr>
@@ -21607,6 +21649,13 @@
   <p:transition spd="med">
     <p:push dir="u"/>
   </p:transition>
+  <p:timing>
+    <p:tnLst>
+      <p:par>
+        <p:cTn id="1" dur="indefinite" restart="never" nodeType="tmRoot"/>
+      </p:par>
+    </p:tnLst>
+  </p:timing>
 </p:sld>
 </file>
 
@@ -22287,7 +22336,7 @@
           <p:cNvPr id="33" name="图片 32">
             <a:extLst>
               <a:ext uri="{FF2B5EF4-FFF2-40B4-BE49-F238E27FC236}">
-                <a16:creationId xmlns:a16="http://schemas.microsoft.com/office/drawing/2014/main" xmlns="" id="{9C6813BB-5555-405D-9450-66AB68F4E3E0}"/>
+                <a16:creationId xmlns="" xmlns:a16="http://schemas.microsoft.com/office/drawing/2014/main" id="{9C6813BB-5555-405D-9450-66AB68F4E3E0}"/>
               </a:ext>
             </a:extLst>
           </p:cNvPr>
@@ -22321,7 +22370,7 @@
           <p:cNvPr id="34" name="文本框 33">
             <a:extLst>
               <a:ext uri="{FF2B5EF4-FFF2-40B4-BE49-F238E27FC236}">
-                <a16:creationId xmlns:a16="http://schemas.microsoft.com/office/drawing/2014/main" xmlns="" id="{2B061277-8924-45C2-ABEA-18B51F81A5B0}"/>
+                <a16:creationId xmlns="" xmlns:a16="http://schemas.microsoft.com/office/drawing/2014/main" id="{2B061277-8924-45C2-ABEA-18B51F81A5B0}"/>
               </a:ext>
             </a:extLst>
           </p:cNvPr>
@@ -22377,7 +22426,7 @@
           <p:cNvPr id="19" name="图片 18">
             <a:extLst>
               <a:ext uri="{FF2B5EF4-FFF2-40B4-BE49-F238E27FC236}">
-                <a16:creationId xmlns:a16="http://schemas.microsoft.com/office/drawing/2014/main" xmlns="" id="{CE86F1B3-AD1E-4F6E-81DA-82FB81E6B79D}"/>
+                <a16:creationId xmlns="" xmlns:a16="http://schemas.microsoft.com/office/drawing/2014/main" id="{CE86F1B3-AD1E-4F6E-81DA-82FB81E6B79D}"/>
               </a:ext>
             </a:extLst>
           </p:cNvPr>
@@ -22411,7 +22460,7 @@
           <p:cNvPr id="20" name="文本框 19">
             <a:extLst>
               <a:ext uri="{FF2B5EF4-FFF2-40B4-BE49-F238E27FC236}">
-                <a16:creationId xmlns:a16="http://schemas.microsoft.com/office/drawing/2014/main" xmlns="" id="{1BEED469-1CF8-4109-B300-64C04DB3CEEC}"/>
+                <a16:creationId xmlns="" xmlns:a16="http://schemas.microsoft.com/office/drawing/2014/main" id="{1BEED469-1CF8-4109-B300-64C04DB3CEEC}"/>
               </a:ext>
             </a:extLst>
           </p:cNvPr>
@@ -22467,7 +22516,7 @@
           <p:cNvPr id="24" name="组合 23">
             <a:extLst>
               <a:ext uri="{FF2B5EF4-FFF2-40B4-BE49-F238E27FC236}">
-                <a16:creationId xmlns:a16="http://schemas.microsoft.com/office/drawing/2014/main" xmlns="" id="{2C52F46E-A416-430E-9976-C033F5A0E3D8}"/>
+                <a16:creationId xmlns="" xmlns:a16="http://schemas.microsoft.com/office/drawing/2014/main" id="{2C52F46E-A416-430E-9976-C033F5A0E3D8}"/>
               </a:ext>
             </a:extLst>
           </p:cNvPr>
@@ -22487,7 +22536,7 @@
             <p:cNvPr id="2" name="矩形 1">
               <a:extLst>
                 <a:ext uri="{FF2B5EF4-FFF2-40B4-BE49-F238E27FC236}">
-                  <a16:creationId xmlns:a16="http://schemas.microsoft.com/office/drawing/2014/main" xmlns="" id="{4AD83D79-2F49-4998-A677-A70E36EF1315}"/>
+                  <a16:creationId xmlns="" xmlns:a16="http://schemas.microsoft.com/office/drawing/2014/main" id="{4AD83D79-2F49-4998-A677-A70E36EF1315}"/>
                 </a:ext>
               </a:extLst>
             </p:cNvPr>
@@ -22539,7 +22588,7 @@
             <p:cNvPr id="18" name="矩形 17">
               <a:extLst>
                 <a:ext uri="{FF2B5EF4-FFF2-40B4-BE49-F238E27FC236}">
-                  <a16:creationId xmlns:a16="http://schemas.microsoft.com/office/drawing/2014/main" xmlns="" id="{63CFB48C-33DF-4D3B-B065-1B31E2DB25C2}"/>
+                  <a16:creationId xmlns="" xmlns:a16="http://schemas.microsoft.com/office/drawing/2014/main" id="{63CFB48C-33DF-4D3B-B065-1B31E2DB25C2}"/>
                 </a:ext>
               </a:extLst>
             </p:cNvPr>
@@ -22591,7 +22640,7 @@
             <p:cNvPr id="12" name="直接箭头连接符 11">
               <a:extLst>
                 <a:ext uri="{FF2B5EF4-FFF2-40B4-BE49-F238E27FC236}">
-                  <a16:creationId xmlns:a16="http://schemas.microsoft.com/office/drawing/2014/main" xmlns="" id="{E1937D5A-17C6-4F21-BC1A-FFCC1762F3C6}"/>
+                  <a16:creationId xmlns="" xmlns:a16="http://schemas.microsoft.com/office/drawing/2014/main" id="{E1937D5A-17C6-4F21-BC1A-FFCC1762F3C6}"/>
                 </a:ext>
               </a:extLst>
             </p:cNvPr>
@@ -22635,7 +22684,7 @@
             <p:cNvPr id="23" name="直接箭头连接符 22">
               <a:extLst>
                 <a:ext uri="{FF2B5EF4-FFF2-40B4-BE49-F238E27FC236}">
-                  <a16:creationId xmlns:a16="http://schemas.microsoft.com/office/drawing/2014/main" xmlns="" id="{7EA1ED8F-9FD8-4F48-B7C5-455D94C2D077}"/>
+                  <a16:creationId xmlns="" xmlns:a16="http://schemas.microsoft.com/office/drawing/2014/main" id="{7EA1ED8F-9FD8-4F48-B7C5-455D94C2D077}"/>
                 </a:ext>
               </a:extLst>
             </p:cNvPr>
@@ -22679,7 +22728,7 @@
             <p:cNvPr id="22" name="文本框 21">
               <a:extLst>
                 <a:ext uri="{FF2B5EF4-FFF2-40B4-BE49-F238E27FC236}">
-                  <a16:creationId xmlns:a16="http://schemas.microsoft.com/office/drawing/2014/main" xmlns="" id="{829DFA88-1E87-4E9E-84ED-6A07111FAA66}"/>
+                  <a16:creationId xmlns="" xmlns:a16="http://schemas.microsoft.com/office/drawing/2014/main" id="{829DFA88-1E87-4E9E-84ED-6A07111FAA66}"/>
                 </a:ext>
               </a:extLst>
             </p:cNvPr>
@@ -23565,7 +23614,7 @@
           <p:cNvPr id="19" name="文本框 18">
             <a:extLst>
               <a:ext uri="{FF2B5EF4-FFF2-40B4-BE49-F238E27FC236}">
-                <a16:creationId xmlns:a16="http://schemas.microsoft.com/office/drawing/2014/main" xmlns="" id="{0D82BFAC-BB4C-4ECD-868F-B60624128845}"/>
+                <a16:creationId xmlns="" xmlns:a16="http://schemas.microsoft.com/office/drawing/2014/main" id="{0D82BFAC-BB4C-4ECD-868F-B60624128845}"/>
               </a:ext>
             </a:extLst>
           </p:cNvPr>
@@ -23642,7 +23691,7 @@
           <p:cNvPr id="2" name="图片 1">
             <a:extLst>
               <a:ext uri="{FF2B5EF4-FFF2-40B4-BE49-F238E27FC236}">
-                <a16:creationId xmlns:a16="http://schemas.microsoft.com/office/drawing/2014/main" xmlns="" id="{959A4850-EFCF-41B8-A815-F9923883D9E4}"/>
+                <a16:creationId xmlns="" xmlns:a16="http://schemas.microsoft.com/office/drawing/2014/main" id="{959A4850-EFCF-41B8-A815-F9923883D9E4}"/>
               </a:ext>
             </a:extLst>
           </p:cNvPr>
@@ -23672,7 +23721,7 @@
           <p:cNvPr id="23" name="组合 22">
             <a:extLst>
               <a:ext uri="{FF2B5EF4-FFF2-40B4-BE49-F238E27FC236}">
-                <a16:creationId xmlns:a16="http://schemas.microsoft.com/office/drawing/2014/main" xmlns="" id="{933D935F-1A3F-4F3F-9E59-E7213E28A96F}"/>
+                <a16:creationId xmlns="" xmlns:a16="http://schemas.microsoft.com/office/drawing/2014/main" id="{933D935F-1A3F-4F3F-9E59-E7213E28A96F}"/>
               </a:ext>
             </a:extLst>
           </p:cNvPr>
@@ -23692,7 +23741,7 @@
             <p:cNvPr id="24" name="矩形 23">
               <a:extLst>
                 <a:ext uri="{FF2B5EF4-FFF2-40B4-BE49-F238E27FC236}">
-                  <a16:creationId xmlns:a16="http://schemas.microsoft.com/office/drawing/2014/main" xmlns="" id="{19AE8A0D-6F33-4098-B7FB-423FE428AC2B}"/>
+                  <a16:creationId xmlns="" xmlns:a16="http://schemas.microsoft.com/office/drawing/2014/main" id="{19AE8A0D-6F33-4098-B7FB-423FE428AC2B}"/>
                 </a:ext>
               </a:extLst>
             </p:cNvPr>
@@ -23744,7 +23793,7 @@
             <p:cNvPr id="25" name="矩形 24">
               <a:extLst>
                 <a:ext uri="{FF2B5EF4-FFF2-40B4-BE49-F238E27FC236}">
-                  <a16:creationId xmlns:a16="http://schemas.microsoft.com/office/drawing/2014/main" xmlns="" id="{E4D7CBD3-3653-44FD-98E8-163D05715E48}"/>
+                  <a16:creationId xmlns="" xmlns:a16="http://schemas.microsoft.com/office/drawing/2014/main" id="{E4D7CBD3-3653-44FD-98E8-163D05715E48}"/>
                 </a:ext>
               </a:extLst>
             </p:cNvPr>
@@ -23796,7 +23845,7 @@
             <p:cNvPr id="26" name="直接箭头连接符 25">
               <a:extLst>
                 <a:ext uri="{FF2B5EF4-FFF2-40B4-BE49-F238E27FC236}">
-                  <a16:creationId xmlns:a16="http://schemas.microsoft.com/office/drawing/2014/main" xmlns="" id="{50ADEF3F-732C-4155-8B68-E842DACAD936}"/>
+                  <a16:creationId xmlns="" xmlns:a16="http://schemas.microsoft.com/office/drawing/2014/main" id="{50ADEF3F-732C-4155-8B68-E842DACAD936}"/>
                 </a:ext>
               </a:extLst>
             </p:cNvPr>
@@ -23840,7 +23889,7 @@
             <p:cNvPr id="31" name="直接箭头连接符 30">
               <a:extLst>
                 <a:ext uri="{FF2B5EF4-FFF2-40B4-BE49-F238E27FC236}">
-                  <a16:creationId xmlns:a16="http://schemas.microsoft.com/office/drawing/2014/main" xmlns="" id="{8F81283D-628E-4BF4-9FD9-B9EEF1876533}"/>
+                  <a16:creationId xmlns="" xmlns:a16="http://schemas.microsoft.com/office/drawing/2014/main" id="{8F81283D-628E-4BF4-9FD9-B9EEF1876533}"/>
                 </a:ext>
               </a:extLst>
             </p:cNvPr>
@@ -23884,7 +23933,7 @@
             <p:cNvPr id="32" name="文本框 31">
               <a:extLst>
                 <a:ext uri="{FF2B5EF4-FFF2-40B4-BE49-F238E27FC236}">
-                  <a16:creationId xmlns:a16="http://schemas.microsoft.com/office/drawing/2014/main" xmlns="" id="{23B9A179-5FBD-45E8-B7ED-DBC62BB88909}"/>
+                  <a16:creationId xmlns="" xmlns:a16="http://schemas.microsoft.com/office/drawing/2014/main" id="{23B9A179-5FBD-45E8-B7ED-DBC62BB88909}"/>
                 </a:ext>
               </a:extLst>
             </p:cNvPr>
@@ -23933,7 +23982,7 @@
           <p:cNvPr id="14" name="图片 13">
             <a:extLst>
               <a:ext uri="{FF2B5EF4-FFF2-40B4-BE49-F238E27FC236}">
-                <a16:creationId xmlns:a16="http://schemas.microsoft.com/office/drawing/2014/main" xmlns="" id="{1FCC50BB-8086-4CCC-8F66-539C3F883EBD}"/>
+                <a16:creationId xmlns="" xmlns:a16="http://schemas.microsoft.com/office/drawing/2014/main" id="{1FCC50BB-8086-4CCC-8F66-539C3F883EBD}"/>
               </a:ext>
             </a:extLst>
           </p:cNvPr>
@@ -24780,7 +24829,7 @@
           <p:cNvPr id="19" name="文本框 18">
             <a:extLst>
               <a:ext uri="{FF2B5EF4-FFF2-40B4-BE49-F238E27FC236}">
-                <a16:creationId xmlns:a16="http://schemas.microsoft.com/office/drawing/2014/main" xmlns="" id="{0D82BFAC-BB4C-4ECD-868F-B60624128845}"/>
+                <a16:creationId xmlns="" xmlns:a16="http://schemas.microsoft.com/office/drawing/2014/main" id="{0D82BFAC-BB4C-4ECD-868F-B60624128845}"/>
               </a:ext>
             </a:extLst>
           </p:cNvPr>
@@ -24857,7 +24906,7 @@
           <p:cNvPr id="15" name="图片 14">
             <a:extLst>
               <a:ext uri="{FF2B5EF4-FFF2-40B4-BE49-F238E27FC236}">
-                <a16:creationId xmlns:a16="http://schemas.microsoft.com/office/drawing/2014/main" xmlns="" id="{F1F216F5-99D0-4323-BC1C-9D445E7FF4BE}"/>
+                <a16:creationId xmlns="" xmlns:a16="http://schemas.microsoft.com/office/drawing/2014/main" id="{F1F216F5-99D0-4323-BC1C-9D445E7FF4BE}"/>
               </a:ext>
             </a:extLst>
           </p:cNvPr>
@@ -24887,7 +24936,7 @@
           <p:cNvPr id="20" name="组合 19">
             <a:extLst>
               <a:ext uri="{FF2B5EF4-FFF2-40B4-BE49-F238E27FC236}">
-                <a16:creationId xmlns:a16="http://schemas.microsoft.com/office/drawing/2014/main" xmlns="" id="{8C620BFB-62AA-4A25-B7F5-D24E714BE021}"/>
+                <a16:creationId xmlns="" xmlns:a16="http://schemas.microsoft.com/office/drawing/2014/main" id="{8C620BFB-62AA-4A25-B7F5-D24E714BE021}"/>
               </a:ext>
             </a:extLst>
           </p:cNvPr>
@@ -24907,7 +24956,7 @@
             <p:cNvPr id="17" name="矩形 16">
               <a:extLst>
                 <a:ext uri="{FF2B5EF4-FFF2-40B4-BE49-F238E27FC236}">
-                  <a16:creationId xmlns:a16="http://schemas.microsoft.com/office/drawing/2014/main" xmlns="" id="{6417E2AB-A47C-4FA0-83E6-9B6DDFA50FCE}"/>
+                  <a16:creationId xmlns="" xmlns:a16="http://schemas.microsoft.com/office/drawing/2014/main" id="{6417E2AB-A47C-4FA0-83E6-9B6DDFA50FCE}"/>
                 </a:ext>
               </a:extLst>
             </p:cNvPr>
@@ -24959,7 +25008,7 @@
             <p:cNvPr id="27" name="矩形 26">
               <a:extLst>
                 <a:ext uri="{FF2B5EF4-FFF2-40B4-BE49-F238E27FC236}">
-                  <a16:creationId xmlns:a16="http://schemas.microsoft.com/office/drawing/2014/main" xmlns="" id="{5A56DA1A-9750-4FE4-A853-413CED60EEF2}"/>
+                  <a16:creationId xmlns="" xmlns:a16="http://schemas.microsoft.com/office/drawing/2014/main" id="{5A56DA1A-9750-4FE4-A853-413CED60EEF2}"/>
                 </a:ext>
               </a:extLst>
             </p:cNvPr>
@@ -25011,7 +25060,7 @@
             <p:cNvPr id="28" name="直接箭头连接符 27">
               <a:extLst>
                 <a:ext uri="{FF2B5EF4-FFF2-40B4-BE49-F238E27FC236}">
-                  <a16:creationId xmlns:a16="http://schemas.microsoft.com/office/drawing/2014/main" xmlns="" id="{A6240AF8-4D90-40AF-9E25-7C95B13B7F38}"/>
+                  <a16:creationId xmlns="" xmlns:a16="http://schemas.microsoft.com/office/drawing/2014/main" id="{A6240AF8-4D90-40AF-9E25-7C95B13B7F38}"/>
                 </a:ext>
               </a:extLst>
             </p:cNvPr>
@@ -25055,7 +25104,7 @@
             <p:cNvPr id="29" name="直接箭头连接符 28">
               <a:extLst>
                 <a:ext uri="{FF2B5EF4-FFF2-40B4-BE49-F238E27FC236}">
-                  <a16:creationId xmlns:a16="http://schemas.microsoft.com/office/drawing/2014/main" xmlns="" id="{C35E8E2E-5827-49BA-9815-81C4B1C1BFA8}"/>
+                  <a16:creationId xmlns="" xmlns:a16="http://schemas.microsoft.com/office/drawing/2014/main" id="{C35E8E2E-5827-49BA-9815-81C4B1C1BFA8}"/>
                 </a:ext>
               </a:extLst>
             </p:cNvPr>
@@ -25099,7 +25148,7 @@
             <p:cNvPr id="30" name="文本框 29">
               <a:extLst>
                 <a:ext uri="{FF2B5EF4-FFF2-40B4-BE49-F238E27FC236}">
-                  <a16:creationId xmlns:a16="http://schemas.microsoft.com/office/drawing/2014/main" xmlns="" id="{4FC5A471-AA48-45EC-80F1-78251BDFAB66}"/>
+                  <a16:creationId xmlns="" xmlns:a16="http://schemas.microsoft.com/office/drawing/2014/main" id="{4FC5A471-AA48-45EC-80F1-78251BDFAB66}"/>
                 </a:ext>
               </a:extLst>
             </p:cNvPr>
@@ -27987,6 +28036,13 @@
   <p:transition spd="med">
     <p:push dir="u"/>
   </p:transition>
+  <p:timing>
+    <p:tnLst>
+      <p:par>
+        <p:cTn id="1" dur="indefinite" restart="never" nodeType="tmRoot"/>
+      </p:par>
+    </p:tnLst>
+  </p:timing>
 </p:sld>
 </file>
 
@@ -28667,7 +28723,7 @@
           <p:cNvPr id="18" name="图片 17">
             <a:extLst>
               <a:ext uri="{FF2B5EF4-FFF2-40B4-BE49-F238E27FC236}">
-                <a16:creationId xmlns:a16="http://schemas.microsoft.com/office/drawing/2014/main" xmlns="" id="{C73F9C32-7C93-416C-BFD7-5485EDC64959}"/>
+                <a16:creationId xmlns="" xmlns:a16="http://schemas.microsoft.com/office/drawing/2014/main" id="{C73F9C32-7C93-416C-BFD7-5485EDC64959}"/>
               </a:ext>
             </a:extLst>
           </p:cNvPr>
@@ -28697,7 +28753,7 @@
           <p:cNvPr id="19" name="文本框 18">
             <a:extLst>
               <a:ext uri="{FF2B5EF4-FFF2-40B4-BE49-F238E27FC236}">
-                <a16:creationId xmlns:a16="http://schemas.microsoft.com/office/drawing/2014/main" xmlns="" id="{0D82BFAC-BB4C-4ECD-868F-B60624128845}"/>
+                <a16:creationId xmlns="" xmlns:a16="http://schemas.microsoft.com/office/drawing/2014/main" id="{0D82BFAC-BB4C-4ECD-868F-B60624128845}"/>
               </a:ext>
             </a:extLst>
           </p:cNvPr>
@@ -28774,7 +28830,7 @@
           <p:cNvPr id="26" name="组合 25">
             <a:extLst>
               <a:ext uri="{FF2B5EF4-FFF2-40B4-BE49-F238E27FC236}">
-                <a16:creationId xmlns:a16="http://schemas.microsoft.com/office/drawing/2014/main" xmlns="" id="{91614314-30B0-47DD-8B99-D0489868A781}"/>
+                <a16:creationId xmlns="" xmlns:a16="http://schemas.microsoft.com/office/drawing/2014/main" id="{91614314-30B0-47DD-8B99-D0489868A781}"/>
               </a:ext>
             </a:extLst>
           </p:cNvPr>
@@ -28794,7 +28850,7 @@
             <p:cNvPr id="2" name="矩形 1">
               <a:extLst>
                 <a:ext uri="{FF2B5EF4-FFF2-40B4-BE49-F238E27FC236}">
-                  <a16:creationId xmlns:a16="http://schemas.microsoft.com/office/drawing/2014/main" xmlns="" id="{8E0DA11D-3BE9-489A-9CDD-1ACB602FC393}"/>
+                  <a16:creationId xmlns="" xmlns:a16="http://schemas.microsoft.com/office/drawing/2014/main" id="{8E0DA11D-3BE9-489A-9CDD-1ACB602FC393}"/>
                 </a:ext>
               </a:extLst>
             </p:cNvPr>
@@ -28846,7 +28902,7 @@
             <p:cNvPr id="21" name="矩形 20">
               <a:extLst>
                 <a:ext uri="{FF2B5EF4-FFF2-40B4-BE49-F238E27FC236}">
-                  <a16:creationId xmlns:a16="http://schemas.microsoft.com/office/drawing/2014/main" xmlns="" id="{40747C36-DD7F-48C8-9819-511282630C51}"/>
+                  <a16:creationId xmlns="" xmlns:a16="http://schemas.microsoft.com/office/drawing/2014/main" id="{40747C36-DD7F-48C8-9819-511282630C51}"/>
                 </a:ext>
               </a:extLst>
             </p:cNvPr>
@@ -28898,7 +28954,7 @@
             <p:cNvPr id="14" name="直接箭头连接符 13">
               <a:extLst>
                 <a:ext uri="{FF2B5EF4-FFF2-40B4-BE49-F238E27FC236}">
-                  <a16:creationId xmlns:a16="http://schemas.microsoft.com/office/drawing/2014/main" xmlns="" id="{F4B10F6E-96A1-4954-992B-933026FB7C4A}"/>
+                  <a16:creationId xmlns="" xmlns:a16="http://schemas.microsoft.com/office/drawing/2014/main" id="{F4B10F6E-96A1-4954-992B-933026FB7C4A}"/>
                 </a:ext>
               </a:extLst>
             </p:cNvPr>
@@ -28942,7 +28998,7 @@
             <p:cNvPr id="25" name="直接箭头连接符 24">
               <a:extLst>
                 <a:ext uri="{FF2B5EF4-FFF2-40B4-BE49-F238E27FC236}">
-                  <a16:creationId xmlns:a16="http://schemas.microsoft.com/office/drawing/2014/main" xmlns="" id="{8441FEE0-13A3-4506-A2DE-B1838BFC00AD}"/>
+                  <a16:creationId xmlns="" xmlns:a16="http://schemas.microsoft.com/office/drawing/2014/main" id="{8441FEE0-13A3-4506-A2DE-B1838BFC00AD}"/>
                 </a:ext>
               </a:extLst>
             </p:cNvPr>
@@ -28986,7 +29042,7 @@
             <p:cNvPr id="24" name="文本框 23">
               <a:extLst>
                 <a:ext uri="{FF2B5EF4-FFF2-40B4-BE49-F238E27FC236}">
-                  <a16:creationId xmlns:a16="http://schemas.microsoft.com/office/drawing/2014/main" xmlns="" id="{97C07B51-A4CF-4C7A-9336-24C37804B626}"/>
+                  <a16:creationId xmlns="" xmlns:a16="http://schemas.microsoft.com/office/drawing/2014/main" id="{97C07B51-A4CF-4C7A-9336-24C37804B626}"/>
                 </a:ext>
               </a:extLst>
             </p:cNvPr>
@@ -29919,6 +29975,13 @@
   <p:transition spd="med">
     <p:push dir="u"/>
   </p:transition>
+  <p:timing>
+    <p:tnLst>
+      <p:par>
+        <p:cTn id="1" dur="indefinite" restart="never" nodeType="tmRoot"/>
+      </p:par>
+    </p:tnLst>
+  </p:timing>
 </p:sld>
 </file>
 
@@ -30625,7 +30688,7 @@
           <p:cNvPr id="2" name="组合 1">
             <a:extLst>
               <a:ext uri="{FF2B5EF4-FFF2-40B4-BE49-F238E27FC236}">
-                <a16:creationId xmlns:a16="http://schemas.microsoft.com/office/drawing/2014/main" xmlns="" id="{64CBD4F7-1657-4E1B-8B15-F33986A04978}"/>
+                <a16:creationId xmlns="" xmlns:a16="http://schemas.microsoft.com/office/drawing/2014/main" id="{64CBD4F7-1657-4E1B-8B15-F33986A04978}"/>
               </a:ext>
             </a:extLst>
           </p:cNvPr>
@@ -31021,7 +31084,7 @@
           <p:cNvPr id="9" name="文本框 8">
             <a:extLst>
               <a:ext uri="{FF2B5EF4-FFF2-40B4-BE49-F238E27FC236}">
-                <a16:creationId xmlns:a16="http://schemas.microsoft.com/office/drawing/2014/main" xmlns="" id="{B5FAEB35-1AB6-458B-910A-804A18C27754}"/>
+                <a16:creationId xmlns="" xmlns:a16="http://schemas.microsoft.com/office/drawing/2014/main" id="{B5FAEB35-1AB6-458B-910A-804A18C27754}"/>
               </a:ext>
             </a:extLst>
           </p:cNvPr>
@@ -31063,7 +31126,7 @@
           <p:cNvPr id="14" name="文本框 13">
             <a:extLst>
               <a:ext uri="{FF2B5EF4-FFF2-40B4-BE49-F238E27FC236}">
-                <a16:creationId xmlns:a16="http://schemas.microsoft.com/office/drawing/2014/main" xmlns="" id="{00C2AEDF-DACA-4E39-BADB-6030CB900A5A}"/>
+                <a16:creationId xmlns="" xmlns:a16="http://schemas.microsoft.com/office/drawing/2014/main" id="{00C2AEDF-DACA-4E39-BADB-6030CB900A5A}"/>
               </a:ext>
             </a:extLst>
           </p:cNvPr>
@@ -31261,6 +31324,13 @@
   <p:transition spd="med">
     <p:push dir="u"/>
   </p:transition>
+  <p:timing>
+    <p:tnLst>
+      <p:par>
+        <p:cTn id="1" dur="indefinite" restart="never" nodeType="tmRoot"/>
+      </p:par>
+    </p:tnLst>
+  </p:timing>
 </p:sld>
 </file>
 
@@ -35363,7 +35433,7 @@
           <p:cNvPr id="69" name="肘形连接符 5">
             <a:extLst>
               <a:ext uri="{FF2B5EF4-FFF2-40B4-BE49-F238E27FC236}">
-                <a16:creationId xmlns:a16="http://schemas.microsoft.com/office/drawing/2014/main" xmlns="" id="{6E3EF5E8-A41D-4A0C-BA85-13326B1DC03D}"/>
+                <a16:creationId xmlns="" xmlns:a16="http://schemas.microsoft.com/office/drawing/2014/main" id="{6E3EF5E8-A41D-4A0C-BA85-13326B1DC03D}"/>
               </a:ext>
             </a:extLst>
           </p:cNvPr>
@@ -35408,7 +35478,7 @@
           <p:cNvPr id="70" name="圆角矩形 9">
             <a:extLst>
               <a:ext uri="{FF2B5EF4-FFF2-40B4-BE49-F238E27FC236}">
-                <a16:creationId xmlns:a16="http://schemas.microsoft.com/office/drawing/2014/main" xmlns="" id="{42D852E7-3C2A-448D-B660-D5287E9DD131}"/>
+                <a16:creationId xmlns="" xmlns:a16="http://schemas.microsoft.com/office/drawing/2014/main" id="{42D852E7-3C2A-448D-B660-D5287E9DD131}"/>
               </a:ext>
             </a:extLst>
           </p:cNvPr>
@@ -35465,7 +35535,7 @@
           <p:cNvPr id="85" name="组合 84">
             <a:extLst>
               <a:ext uri="{FF2B5EF4-FFF2-40B4-BE49-F238E27FC236}">
-                <a16:creationId xmlns:a16="http://schemas.microsoft.com/office/drawing/2014/main" xmlns="" id="{309E8460-1398-482A-BD98-6C1A326749B7}"/>
+                <a16:creationId xmlns="" xmlns:a16="http://schemas.microsoft.com/office/drawing/2014/main" id="{309E8460-1398-482A-BD98-6C1A326749B7}"/>
               </a:ext>
             </a:extLst>
           </p:cNvPr>
@@ -35485,7 +35555,7 @@
             <p:cNvPr id="89" name="矩形 88">
               <a:extLst>
                 <a:ext uri="{FF2B5EF4-FFF2-40B4-BE49-F238E27FC236}">
-                  <a16:creationId xmlns:a16="http://schemas.microsoft.com/office/drawing/2014/main" xmlns="" id="{94BB0ACF-B73F-4A98-A92D-91A6020DEB66}"/>
+                  <a16:creationId xmlns="" xmlns:a16="http://schemas.microsoft.com/office/drawing/2014/main" id="{94BB0ACF-B73F-4A98-A92D-91A6020DEB66}"/>
                 </a:ext>
               </a:extLst>
             </p:cNvPr>
@@ -35539,7 +35609,7 @@
             <p:cNvPr id="90" name="矩形 89">
               <a:extLst>
                 <a:ext uri="{FF2B5EF4-FFF2-40B4-BE49-F238E27FC236}">
-                  <a16:creationId xmlns:a16="http://schemas.microsoft.com/office/drawing/2014/main" xmlns="" id="{C01BEEAA-419E-4C33-A3F3-1C80240C9D88}"/>
+                  <a16:creationId xmlns="" xmlns:a16="http://schemas.microsoft.com/office/drawing/2014/main" id="{C01BEEAA-419E-4C33-A3F3-1C80240C9D88}"/>
                 </a:ext>
               </a:extLst>
             </p:cNvPr>
@@ -35593,7 +35663,7 @@
             <p:cNvPr id="91" name="矩形 90">
               <a:extLst>
                 <a:ext uri="{FF2B5EF4-FFF2-40B4-BE49-F238E27FC236}">
-                  <a16:creationId xmlns:a16="http://schemas.microsoft.com/office/drawing/2014/main" xmlns="" id="{DC88F859-1FCD-41B9-A987-A212F3488293}"/>
+                  <a16:creationId xmlns="" xmlns:a16="http://schemas.microsoft.com/office/drawing/2014/main" id="{DC88F859-1FCD-41B9-A987-A212F3488293}"/>
                 </a:ext>
               </a:extLst>
             </p:cNvPr>
@@ -35647,7 +35717,7 @@
             <p:cNvPr id="92" name="圆角矩形 3">
               <a:extLst>
                 <a:ext uri="{FF2B5EF4-FFF2-40B4-BE49-F238E27FC236}">
-                  <a16:creationId xmlns:a16="http://schemas.microsoft.com/office/drawing/2014/main" xmlns="" id="{210F8E0A-6B67-4EC6-90CB-E5E347033170}"/>
+                  <a16:creationId xmlns="" xmlns:a16="http://schemas.microsoft.com/office/drawing/2014/main" id="{210F8E0A-6B67-4EC6-90CB-E5E347033170}"/>
                 </a:ext>
               </a:extLst>
             </p:cNvPr>
@@ -35701,7 +35771,7 @@
             <p:cNvPr id="93" name="任意多边形 4">
               <a:extLst>
                 <a:ext uri="{FF2B5EF4-FFF2-40B4-BE49-F238E27FC236}">
-                  <a16:creationId xmlns:a16="http://schemas.microsoft.com/office/drawing/2014/main" xmlns="" id="{2108CCC9-D333-4C9D-A693-9BADC71044DD}"/>
+                  <a16:creationId xmlns="" xmlns:a16="http://schemas.microsoft.com/office/drawing/2014/main" id="{2108CCC9-D333-4C9D-A693-9BADC71044DD}"/>
                 </a:ext>
               </a:extLst>
             </p:cNvPr>
@@ -35807,7 +35877,7 @@
           <p:cNvPr id="94" name="任意多边形 15">
             <a:extLst>
               <a:ext uri="{FF2B5EF4-FFF2-40B4-BE49-F238E27FC236}">
-                <a16:creationId xmlns:a16="http://schemas.microsoft.com/office/drawing/2014/main" xmlns="" id="{3E39BC38-BC17-49EE-8123-7267781440F9}"/>
+                <a16:creationId xmlns="" xmlns:a16="http://schemas.microsoft.com/office/drawing/2014/main" id="{3E39BC38-BC17-49EE-8123-7267781440F9}"/>
               </a:ext>
             </a:extLst>
           </p:cNvPr>
@@ -35993,6 +36063,13 @@
   <p:transition spd="med">
     <p:push dir="u"/>
   </p:transition>
+  <p:timing>
+    <p:tnLst>
+      <p:par>
+        <p:cTn id="1" dur="indefinite" restart="never" nodeType="tmRoot"/>
+      </p:par>
+    </p:tnLst>
+  </p:timing>
 </p:sld>
 </file>
 
@@ -36136,7 +36213,7 @@
           <p:cNvPr id="85" name="组合 84">
             <a:extLst>
               <a:ext uri="{FF2B5EF4-FFF2-40B4-BE49-F238E27FC236}">
-                <a16:creationId xmlns:a16="http://schemas.microsoft.com/office/drawing/2014/main" xmlns="" id="{D8162933-80C7-42C8-A2E0-ADC5DBE0AAF8}"/>
+                <a16:creationId xmlns="" xmlns:a16="http://schemas.microsoft.com/office/drawing/2014/main" id="{D8162933-80C7-42C8-A2E0-ADC5DBE0AAF8}"/>
               </a:ext>
             </a:extLst>
           </p:cNvPr>
@@ -36156,7 +36233,7 @@
             <p:cNvPr id="90" name="Freeform 5050">
               <a:extLst>
                 <a:ext uri="{FF2B5EF4-FFF2-40B4-BE49-F238E27FC236}">
-                  <a16:creationId xmlns:a16="http://schemas.microsoft.com/office/drawing/2014/main" xmlns="" id="{9ADB6ABD-41B3-417A-8416-AD0BFC1CE24A}"/>
+                  <a16:creationId xmlns="" xmlns:a16="http://schemas.microsoft.com/office/drawing/2014/main" id="{9ADB6ABD-41B3-417A-8416-AD0BFC1CE24A}"/>
                 </a:ext>
               </a:extLst>
             </p:cNvPr>
@@ -36307,7 +36384,7 @@
             <p:cNvPr id="91" name="Freeform 5051">
               <a:extLst>
                 <a:ext uri="{FF2B5EF4-FFF2-40B4-BE49-F238E27FC236}">
-                  <a16:creationId xmlns:a16="http://schemas.microsoft.com/office/drawing/2014/main" xmlns="" id="{E8D57D70-B0E1-4E9B-B3CE-05BDD6C12B01}"/>
+                  <a16:creationId xmlns="" xmlns:a16="http://schemas.microsoft.com/office/drawing/2014/main" id="{E8D57D70-B0E1-4E9B-B3CE-05BDD6C12B01}"/>
                 </a:ext>
               </a:extLst>
             </p:cNvPr>
@@ -36406,7 +36483,7 @@
             <p:cNvPr id="93" name="Freeform 5052">
               <a:extLst>
                 <a:ext uri="{FF2B5EF4-FFF2-40B4-BE49-F238E27FC236}">
-                  <a16:creationId xmlns:a16="http://schemas.microsoft.com/office/drawing/2014/main" xmlns="" id="{F501DBEA-5932-4AAA-91CD-A217B10B86AF}"/>
+                  <a16:creationId xmlns="" xmlns:a16="http://schemas.microsoft.com/office/drawing/2014/main" id="{F501DBEA-5932-4AAA-91CD-A217B10B86AF}"/>
                 </a:ext>
               </a:extLst>
             </p:cNvPr>
@@ -36509,7 +36586,7 @@
             <p:cNvPr id="96" name="Freeform 5053">
               <a:extLst>
                 <a:ext uri="{FF2B5EF4-FFF2-40B4-BE49-F238E27FC236}">
-                  <a16:creationId xmlns:a16="http://schemas.microsoft.com/office/drawing/2014/main" xmlns="" id="{047816D0-B14C-48BB-A4F6-4469FEA87E51}"/>
+                  <a16:creationId xmlns="" xmlns:a16="http://schemas.microsoft.com/office/drawing/2014/main" id="{047816D0-B14C-48BB-A4F6-4469FEA87E51}"/>
                 </a:ext>
               </a:extLst>
             </p:cNvPr>
@@ -36613,7 +36690,7 @@
             <p:cNvPr id="97" name="Freeform 5054">
               <a:extLst>
                 <a:ext uri="{FF2B5EF4-FFF2-40B4-BE49-F238E27FC236}">
-                  <a16:creationId xmlns:a16="http://schemas.microsoft.com/office/drawing/2014/main" xmlns="" id="{491B0594-9A1B-40AB-AD88-B0F95853F3C6}"/>
+                  <a16:creationId xmlns="" xmlns:a16="http://schemas.microsoft.com/office/drawing/2014/main" id="{491B0594-9A1B-40AB-AD88-B0F95853F3C6}"/>
                 </a:ext>
               </a:extLst>
             </p:cNvPr>
@@ -36721,7 +36798,7 @@
             <p:cNvPr id="98" name="Picture 5055">
               <a:extLst>
                 <a:ext uri="{FF2B5EF4-FFF2-40B4-BE49-F238E27FC236}">
-                  <a16:creationId xmlns:a16="http://schemas.microsoft.com/office/drawing/2014/main" xmlns="" id="{A8BB8A95-FBEB-47B5-BCFD-DCD8DFBA8D07}"/>
+                  <a16:creationId xmlns="" xmlns:a16="http://schemas.microsoft.com/office/drawing/2014/main" id="{A8BB8A95-FBEB-47B5-BCFD-DCD8DFBA8D07}"/>
                 </a:ext>
               </a:extLst>
             </p:cNvPr>
@@ -36781,7 +36858,7 @@
             <p:cNvPr id="99" name="Rectangle 5056">
               <a:extLst>
                 <a:ext uri="{FF2B5EF4-FFF2-40B4-BE49-F238E27FC236}">
-                  <a16:creationId xmlns:a16="http://schemas.microsoft.com/office/drawing/2014/main" xmlns="" id="{B84F7221-554D-435D-9F3A-0D81D8A28FE9}"/>
+                  <a16:creationId xmlns="" xmlns:a16="http://schemas.microsoft.com/office/drawing/2014/main" id="{B84F7221-554D-435D-9F3A-0D81D8A28FE9}"/>
                 </a:ext>
               </a:extLst>
             </p:cNvPr>
@@ -36834,7 +36911,7 @@
             <p:cNvPr id="100" name="Rectangle 5057">
               <a:extLst>
                 <a:ext uri="{FF2B5EF4-FFF2-40B4-BE49-F238E27FC236}">
-                  <a16:creationId xmlns:a16="http://schemas.microsoft.com/office/drawing/2014/main" xmlns="" id="{1906CC60-61BE-4164-9811-BF028A047023}"/>
+                  <a16:creationId xmlns="" xmlns:a16="http://schemas.microsoft.com/office/drawing/2014/main" id="{1906CC60-61BE-4164-9811-BF028A047023}"/>
                 </a:ext>
               </a:extLst>
             </p:cNvPr>
@@ -36892,7 +36969,7 @@
             <p:cNvPr id="101" name="Rectangle 5058">
               <a:extLst>
                 <a:ext uri="{FF2B5EF4-FFF2-40B4-BE49-F238E27FC236}">
-                  <a16:creationId xmlns:a16="http://schemas.microsoft.com/office/drawing/2014/main" xmlns="" id="{EE07C14D-5F21-4749-AFAE-A06798A97948}"/>
+                  <a16:creationId xmlns="" xmlns:a16="http://schemas.microsoft.com/office/drawing/2014/main" id="{EE07C14D-5F21-4749-AFAE-A06798A97948}"/>
                 </a:ext>
               </a:extLst>
             </p:cNvPr>
@@ -36945,7 +37022,7 @@
             <p:cNvPr id="103" name="Rectangle 5059">
               <a:extLst>
                 <a:ext uri="{FF2B5EF4-FFF2-40B4-BE49-F238E27FC236}">
-                  <a16:creationId xmlns:a16="http://schemas.microsoft.com/office/drawing/2014/main" xmlns="" id="{9A656733-4C70-47BC-A335-BC8979802F25}"/>
+                  <a16:creationId xmlns="" xmlns:a16="http://schemas.microsoft.com/office/drawing/2014/main" id="{9A656733-4C70-47BC-A335-BC8979802F25}"/>
                 </a:ext>
               </a:extLst>
             </p:cNvPr>
@@ -37003,7 +37080,7 @@
             <p:cNvPr id="112" name="Freeform 5060">
               <a:extLst>
                 <a:ext uri="{FF2B5EF4-FFF2-40B4-BE49-F238E27FC236}">
-                  <a16:creationId xmlns:a16="http://schemas.microsoft.com/office/drawing/2014/main" xmlns="" id="{0BB879EE-0D50-4DDF-9229-3B82D1B6FE75}"/>
+                  <a16:creationId xmlns="" xmlns:a16="http://schemas.microsoft.com/office/drawing/2014/main" id="{0BB879EE-0D50-4DDF-9229-3B82D1B6FE75}"/>
                 </a:ext>
               </a:extLst>
             </p:cNvPr>
@@ -37134,7 +37211,7 @@
             <p:cNvPr id="113" name="Freeform 5061">
               <a:extLst>
                 <a:ext uri="{FF2B5EF4-FFF2-40B4-BE49-F238E27FC236}">
-                  <a16:creationId xmlns:a16="http://schemas.microsoft.com/office/drawing/2014/main" xmlns="" id="{3FD535D1-640A-4D83-ADCE-4409AE7883B9}"/>
+                  <a16:creationId xmlns="" xmlns:a16="http://schemas.microsoft.com/office/drawing/2014/main" id="{3FD535D1-640A-4D83-ADCE-4409AE7883B9}"/>
                 </a:ext>
               </a:extLst>
             </p:cNvPr>
@@ -37255,7 +37332,7 @@
             <p:cNvPr id="114" name="Freeform 5062">
               <a:extLst>
                 <a:ext uri="{FF2B5EF4-FFF2-40B4-BE49-F238E27FC236}">
-                  <a16:creationId xmlns:a16="http://schemas.microsoft.com/office/drawing/2014/main" xmlns="" id="{E257816A-42D7-4F6D-B398-FF814521E646}"/>
+                  <a16:creationId xmlns="" xmlns:a16="http://schemas.microsoft.com/office/drawing/2014/main" id="{E257816A-42D7-4F6D-B398-FF814521E646}"/>
                 </a:ext>
               </a:extLst>
             </p:cNvPr>
@@ -37366,7 +37443,7 @@
             <p:cNvPr id="115" name="Oval 5063">
               <a:extLst>
                 <a:ext uri="{FF2B5EF4-FFF2-40B4-BE49-F238E27FC236}">
-                  <a16:creationId xmlns:a16="http://schemas.microsoft.com/office/drawing/2014/main" xmlns="" id="{2A3491A3-1122-4F0E-897B-6EB1DC4579C4}"/>
+                  <a16:creationId xmlns="" xmlns:a16="http://schemas.microsoft.com/office/drawing/2014/main" id="{2A3491A3-1122-4F0E-897B-6EB1DC4579C4}"/>
                 </a:ext>
               </a:extLst>
             </p:cNvPr>
@@ -37419,7 +37496,7 @@
             <p:cNvPr id="117" name="Freeform 5064">
               <a:extLst>
                 <a:ext uri="{FF2B5EF4-FFF2-40B4-BE49-F238E27FC236}">
-                  <a16:creationId xmlns:a16="http://schemas.microsoft.com/office/drawing/2014/main" xmlns="" id="{1EA1303A-AE7D-4028-8D46-210911E98DAE}"/>
+                  <a16:creationId xmlns="" xmlns:a16="http://schemas.microsoft.com/office/drawing/2014/main" id="{1EA1303A-AE7D-4028-8D46-210911E98DAE}"/>
                 </a:ext>
               </a:extLst>
             </p:cNvPr>
@@ -37516,7 +37593,7 @@
             <p:cNvPr id="118" name="Freeform 5065">
               <a:extLst>
                 <a:ext uri="{FF2B5EF4-FFF2-40B4-BE49-F238E27FC236}">
-                  <a16:creationId xmlns:a16="http://schemas.microsoft.com/office/drawing/2014/main" xmlns="" id="{3BAFA55B-133E-44F7-890B-4977D713FE74}"/>
+                  <a16:creationId xmlns="" xmlns:a16="http://schemas.microsoft.com/office/drawing/2014/main" id="{3BAFA55B-133E-44F7-890B-4977D713FE74}"/>
                 </a:ext>
               </a:extLst>
             </p:cNvPr>
@@ -37817,7 +37894,7 @@
             <p:cNvPr id="119" name="Freeform 5066">
               <a:extLst>
                 <a:ext uri="{FF2B5EF4-FFF2-40B4-BE49-F238E27FC236}">
-                  <a16:creationId xmlns:a16="http://schemas.microsoft.com/office/drawing/2014/main" xmlns="" id="{6BDCDED4-1C0C-472F-AB61-B730ADE4E35B}"/>
+                  <a16:creationId xmlns="" xmlns:a16="http://schemas.microsoft.com/office/drawing/2014/main" id="{6BDCDED4-1C0C-472F-AB61-B730ADE4E35B}"/>
                 </a:ext>
               </a:extLst>
             </p:cNvPr>
@@ -37909,7 +37986,7 @@
             <p:cNvPr id="120" name="Freeform 5067">
               <a:extLst>
                 <a:ext uri="{FF2B5EF4-FFF2-40B4-BE49-F238E27FC236}">
-                  <a16:creationId xmlns:a16="http://schemas.microsoft.com/office/drawing/2014/main" xmlns="" id="{0072E574-DE2D-4CDE-A7B0-64936D01F2CD}"/>
+                  <a16:creationId xmlns="" xmlns:a16="http://schemas.microsoft.com/office/drawing/2014/main" id="{0072E574-DE2D-4CDE-A7B0-64936D01F2CD}"/>
                 </a:ext>
               </a:extLst>
             </p:cNvPr>
@@ -38050,7 +38127,7 @@
             <p:cNvPr id="121" name="Freeform 5068">
               <a:extLst>
                 <a:ext uri="{FF2B5EF4-FFF2-40B4-BE49-F238E27FC236}">
-                  <a16:creationId xmlns:a16="http://schemas.microsoft.com/office/drawing/2014/main" xmlns="" id="{F8E66B8D-81C3-48F7-911E-1111728B53F4}"/>
+                  <a16:creationId xmlns="" xmlns:a16="http://schemas.microsoft.com/office/drawing/2014/main" id="{F8E66B8D-81C3-48F7-911E-1111728B53F4}"/>
                 </a:ext>
               </a:extLst>
             </p:cNvPr>
@@ -38181,7 +38258,7 @@
             <p:cNvPr id="122" name="Freeform 5069">
               <a:extLst>
                 <a:ext uri="{FF2B5EF4-FFF2-40B4-BE49-F238E27FC236}">
-                  <a16:creationId xmlns:a16="http://schemas.microsoft.com/office/drawing/2014/main" xmlns="" id="{9A9E65BF-D6DF-4991-88CB-49B4C4A6A114}"/>
+                  <a16:creationId xmlns="" xmlns:a16="http://schemas.microsoft.com/office/drawing/2014/main" id="{9A9E65BF-D6DF-4991-88CB-49B4C4A6A114}"/>
                 </a:ext>
               </a:extLst>
             </p:cNvPr>
@@ -38312,7 +38389,7 @@
             <p:cNvPr id="123" name="Freeform 5070">
               <a:extLst>
                 <a:ext uri="{FF2B5EF4-FFF2-40B4-BE49-F238E27FC236}">
-                  <a16:creationId xmlns:a16="http://schemas.microsoft.com/office/drawing/2014/main" xmlns="" id="{25EB44D5-DFC4-4722-BE6D-DB0FE6012796}"/>
+                  <a16:creationId xmlns="" xmlns:a16="http://schemas.microsoft.com/office/drawing/2014/main" id="{25EB44D5-DFC4-4722-BE6D-DB0FE6012796}"/>
                 </a:ext>
               </a:extLst>
             </p:cNvPr>
@@ -38423,7 +38500,7 @@
             <p:cNvPr id="124" name="Freeform 5071">
               <a:extLst>
                 <a:ext uri="{FF2B5EF4-FFF2-40B4-BE49-F238E27FC236}">
-                  <a16:creationId xmlns:a16="http://schemas.microsoft.com/office/drawing/2014/main" xmlns="" id="{0F3EABA5-E1F7-4961-9EDB-16536059C5E6}"/>
+                  <a16:creationId xmlns="" xmlns:a16="http://schemas.microsoft.com/office/drawing/2014/main" id="{0F3EABA5-E1F7-4961-9EDB-16536059C5E6}"/>
                 </a:ext>
               </a:extLst>
             </p:cNvPr>
@@ -38564,7 +38641,7 @@
             <p:cNvPr id="125" name="Freeform 5072">
               <a:extLst>
                 <a:ext uri="{FF2B5EF4-FFF2-40B4-BE49-F238E27FC236}">
-                  <a16:creationId xmlns:a16="http://schemas.microsoft.com/office/drawing/2014/main" xmlns="" id="{0124A301-A012-42BB-9E10-98E9E9A0B3E5}"/>
+                  <a16:creationId xmlns="" xmlns:a16="http://schemas.microsoft.com/office/drawing/2014/main" id="{0124A301-A012-42BB-9E10-98E9E9A0B3E5}"/>
                 </a:ext>
               </a:extLst>
             </p:cNvPr>
@@ -38705,7 +38782,7 @@
             <p:cNvPr id="126" name="Freeform 5073">
               <a:extLst>
                 <a:ext uri="{FF2B5EF4-FFF2-40B4-BE49-F238E27FC236}">
-                  <a16:creationId xmlns:a16="http://schemas.microsoft.com/office/drawing/2014/main" xmlns="" id="{6596769E-E520-4263-8FE2-4D1BF279985B}"/>
+                  <a16:creationId xmlns="" xmlns:a16="http://schemas.microsoft.com/office/drawing/2014/main" id="{6596769E-E520-4263-8FE2-4D1BF279985B}"/>
                 </a:ext>
               </a:extLst>
             </p:cNvPr>
@@ -38816,7 +38893,7 @@
             <p:cNvPr id="127" name="Oval 5074">
               <a:extLst>
                 <a:ext uri="{FF2B5EF4-FFF2-40B4-BE49-F238E27FC236}">
-                  <a16:creationId xmlns:a16="http://schemas.microsoft.com/office/drawing/2014/main" xmlns="" id="{D8A6CE1A-FE9F-40C3-BF85-3D8542CD07D4}"/>
+                  <a16:creationId xmlns="" xmlns:a16="http://schemas.microsoft.com/office/drawing/2014/main" id="{D8A6CE1A-FE9F-40C3-BF85-3D8542CD07D4}"/>
                 </a:ext>
               </a:extLst>
             </p:cNvPr>
@@ -38869,7 +38946,7 @@
             <p:cNvPr id="128" name="Freeform 5075">
               <a:extLst>
                 <a:ext uri="{FF2B5EF4-FFF2-40B4-BE49-F238E27FC236}">
-                  <a16:creationId xmlns:a16="http://schemas.microsoft.com/office/drawing/2014/main" xmlns="" id="{5B789EFC-3A44-4E98-948C-EAE3213A182A}"/>
+                  <a16:creationId xmlns="" xmlns:a16="http://schemas.microsoft.com/office/drawing/2014/main" id="{5B789EFC-3A44-4E98-948C-EAE3213A182A}"/>
                 </a:ext>
               </a:extLst>
             </p:cNvPr>
@@ -38998,7 +39075,7 @@
             <p:cNvPr id="129" name="Freeform 5076">
               <a:extLst>
                 <a:ext uri="{FF2B5EF4-FFF2-40B4-BE49-F238E27FC236}">
-                  <a16:creationId xmlns:a16="http://schemas.microsoft.com/office/drawing/2014/main" xmlns="" id="{9A883855-9085-4DCC-807E-D7B67DBAA826}"/>
+                  <a16:creationId xmlns="" xmlns:a16="http://schemas.microsoft.com/office/drawing/2014/main" id="{9A883855-9085-4DCC-807E-D7B67DBAA826}"/>
                 </a:ext>
               </a:extLst>
             </p:cNvPr>
@@ -39261,7 +39338,7 @@
             <p:cNvPr id="130" name="Freeform 5077">
               <a:extLst>
                 <a:ext uri="{FF2B5EF4-FFF2-40B4-BE49-F238E27FC236}">
-                  <a16:creationId xmlns:a16="http://schemas.microsoft.com/office/drawing/2014/main" xmlns="" id="{6850B246-183A-4047-8DF6-634FC8EC8E9E}"/>
+                  <a16:creationId xmlns="" xmlns:a16="http://schemas.microsoft.com/office/drawing/2014/main" id="{6850B246-183A-4047-8DF6-634FC8EC8E9E}"/>
                 </a:ext>
               </a:extLst>
             </p:cNvPr>
@@ -39390,7 +39467,7 @@
             <p:cNvPr id="131" name="Freeform 5078">
               <a:extLst>
                 <a:ext uri="{FF2B5EF4-FFF2-40B4-BE49-F238E27FC236}">
-                  <a16:creationId xmlns:a16="http://schemas.microsoft.com/office/drawing/2014/main" xmlns="" id="{163F6144-EB5F-41C9-8C16-73A4C57075FD}"/>
+                  <a16:creationId xmlns="" xmlns:a16="http://schemas.microsoft.com/office/drawing/2014/main" id="{163F6144-EB5F-41C9-8C16-73A4C57075FD}"/>
                 </a:ext>
               </a:extLst>
             </p:cNvPr>
@@ -39519,7 +39596,7 @@
             <p:cNvPr id="132" name="Freeform 5079">
               <a:extLst>
                 <a:ext uri="{FF2B5EF4-FFF2-40B4-BE49-F238E27FC236}">
-                  <a16:creationId xmlns:a16="http://schemas.microsoft.com/office/drawing/2014/main" xmlns="" id="{0E577277-EA68-4F86-B610-8DA869DD919B}"/>
+                  <a16:creationId xmlns="" xmlns:a16="http://schemas.microsoft.com/office/drawing/2014/main" id="{0E577277-EA68-4F86-B610-8DA869DD919B}"/>
                 </a:ext>
               </a:extLst>
             </p:cNvPr>
@@ -39648,7 +39725,7 @@
             <p:cNvPr id="133" name="Freeform 5080">
               <a:extLst>
                 <a:ext uri="{FF2B5EF4-FFF2-40B4-BE49-F238E27FC236}">
-                  <a16:creationId xmlns:a16="http://schemas.microsoft.com/office/drawing/2014/main" xmlns="" id="{1DF4288A-E70D-430E-A3BE-692E1FA00250}"/>
+                  <a16:creationId xmlns="" xmlns:a16="http://schemas.microsoft.com/office/drawing/2014/main" id="{1DF4288A-E70D-430E-A3BE-692E1FA00250}"/>
                 </a:ext>
               </a:extLst>
             </p:cNvPr>
@@ -40079,7 +40156,7 @@
             <p:cNvPr id="134" name="Rectangle 5081">
               <a:extLst>
                 <a:ext uri="{FF2B5EF4-FFF2-40B4-BE49-F238E27FC236}">
-                  <a16:creationId xmlns:a16="http://schemas.microsoft.com/office/drawing/2014/main" xmlns="" id="{AD2C886A-B357-4C6D-81ED-C897D63B798B}"/>
+                  <a16:creationId xmlns="" xmlns:a16="http://schemas.microsoft.com/office/drawing/2014/main" id="{AD2C886A-B357-4C6D-81ED-C897D63B798B}"/>
                 </a:ext>
               </a:extLst>
             </p:cNvPr>
@@ -40132,7 +40209,7 @@
             <p:cNvPr id="135" name="Rectangle 5082">
               <a:extLst>
                 <a:ext uri="{FF2B5EF4-FFF2-40B4-BE49-F238E27FC236}">
-                  <a16:creationId xmlns:a16="http://schemas.microsoft.com/office/drawing/2014/main" xmlns="" id="{C790A76D-A3D8-4FB2-9A61-E22F19BB9776}"/>
+                  <a16:creationId xmlns="" xmlns:a16="http://schemas.microsoft.com/office/drawing/2014/main" id="{C790A76D-A3D8-4FB2-9A61-E22F19BB9776}"/>
                 </a:ext>
               </a:extLst>
             </p:cNvPr>
@@ -40185,7 +40262,7 @@
             <p:cNvPr id="136" name="Freeform 5083">
               <a:extLst>
                 <a:ext uri="{FF2B5EF4-FFF2-40B4-BE49-F238E27FC236}">
-                  <a16:creationId xmlns:a16="http://schemas.microsoft.com/office/drawing/2014/main" xmlns="" id="{EDC52490-DE64-4728-A1CC-064777A24172}"/>
+                  <a16:creationId xmlns="" xmlns:a16="http://schemas.microsoft.com/office/drawing/2014/main" id="{EDC52490-DE64-4728-A1CC-064777A24172}"/>
                 </a:ext>
               </a:extLst>
             </p:cNvPr>
@@ -40656,7 +40733,7 @@
             <p:cNvPr id="137" name="Freeform 5084">
               <a:extLst>
                 <a:ext uri="{FF2B5EF4-FFF2-40B4-BE49-F238E27FC236}">
-                  <a16:creationId xmlns:a16="http://schemas.microsoft.com/office/drawing/2014/main" xmlns="" id="{455A5C20-1CCC-45E1-9C2A-27E54A95F0CE}"/>
+                  <a16:creationId xmlns="" xmlns:a16="http://schemas.microsoft.com/office/drawing/2014/main" id="{455A5C20-1CCC-45E1-9C2A-27E54A95F0CE}"/>
                 </a:ext>
               </a:extLst>
             </p:cNvPr>
@@ -40769,7 +40846,7 @@
           <p:cNvPr id="2" name="矩形 1">
             <a:extLst>
               <a:ext uri="{FF2B5EF4-FFF2-40B4-BE49-F238E27FC236}">
-                <a16:creationId xmlns:a16="http://schemas.microsoft.com/office/drawing/2014/main" xmlns="" id="{2CD961E7-B027-4695-A439-A77701B45E58}"/>
+                <a16:creationId xmlns="" xmlns:a16="http://schemas.microsoft.com/office/drawing/2014/main" id="{2CD961E7-B027-4695-A439-A77701B45E58}"/>
               </a:ext>
             </a:extLst>
           </p:cNvPr>
@@ -40828,6 +40905,13 @@
   <p:transition spd="med">
     <p:push dir="u"/>
   </p:transition>
+  <p:timing>
+    <p:tnLst>
+      <p:par>
+        <p:cTn id="1" dur="indefinite" restart="never" nodeType="tmRoot"/>
+      </p:par>
+    </p:tnLst>
+  </p:timing>
 </p:sld>
 </file>
 
@@ -42335,6 +42419,13 @@
   <p:transition spd="med">
     <p:push dir="u"/>
   </p:transition>
+  <p:timing>
+    <p:tnLst>
+      <p:par>
+        <p:cTn id="1" dur="indefinite" restart="never" nodeType="tmRoot"/>
+      </p:par>
+    </p:tnLst>
+  </p:timing>
 </p:sld>
 </file>
 
@@ -43965,6 +44056,13 @@
   <p:transition spd="med">
     <p:push dir="u"/>
   </p:transition>
+  <p:timing>
+    <p:tnLst>
+      <p:par>
+        <p:cTn id="1" dur="indefinite" restart="never" nodeType="tmRoot"/>
+      </p:par>
+    </p:tnLst>
+  </p:timing>
 </p:sld>
 </file>
 
@@ -43993,7 +44091,7 @@
         </p:nvSpPr>
         <p:spPr>
           <a:xfrm>
-            <a:off x="-72906" y="-6610"/>
+            <a:off x="-11603" y="-6610"/>
             <a:ext cx="9192115" cy="6964002"/>
           </a:xfrm>
           <a:prstGeom prst="rect">
@@ -44865,7 +44963,7 @@
           <p:cNvPr id="41" name="TextBox 61">
             <a:extLst>
               <a:ext uri="{FF2B5EF4-FFF2-40B4-BE49-F238E27FC236}">
-                <a16:creationId xmlns:a16="http://schemas.microsoft.com/office/drawing/2014/main" xmlns="" id="{0BC71808-54A6-4054-83C8-D2934E8E834C}"/>
+                <a16:creationId xmlns="" xmlns:a16="http://schemas.microsoft.com/office/drawing/2014/main" id="{0BC71808-54A6-4054-83C8-D2934E8E834C}"/>
               </a:ext>
             </a:extLst>
           </p:cNvPr>
@@ -44917,7 +45015,7 @@
           <p:cNvPr id="51" name="TextBox 65">
             <a:extLst>
               <a:ext uri="{FF2B5EF4-FFF2-40B4-BE49-F238E27FC236}">
-                <a16:creationId xmlns:a16="http://schemas.microsoft.com/office/drawing/2014/main" xmlns="" id="{BA67980A-A26E-45C6-B6CD-D26B985B4168}"/>
+                <a16:creationId xmlns="" xmlns:a16="http://schemas.microsoft.com/office/drawing/2014/main" id="{BA67980A-A26E-45C6-B6CD-D26B985B4168}"/>
               </a:ext>
             </a:extLst>
           </p:cNvPr>
@@ -44986,7 +45084,7 @@
           <p:cNvPr id="54" name="TextBox 65">
             <a:extLst>
               <a:ext uri="{FF2B5EF4-FFF2-40B4-BE49-F238E27FC236}">
-                <a16:creationId xmlns:a16="http://schemas.microsoft.com/office/drawing/2014/main" xmlns="" id="{02AE4DDF-D462-4148-BAC7-DB93F3D3DD21}"/>
+                <a16:creationId xmlns="" xmlns:a16="http://schemas.microsoft.com/office/drawing/2014/main" id="{02AE4DDF-D462-4148-BAC7-DB93F3D3DD21}"/>
               </a:ext>
             </a:extLst>
           </p:cNvPr>
@@ -45091,6 +45189,13 @@
   <p:transition spd="med">
     <p:push dir="u"/>
   </p:transition>
+  <p:timing>
+    <p:tnLst>
+      <p:par>
+        <p:cTn id="1" dur="indefinite" restart="never" nodeType="tmRoot"/>
+      </p:par>
+    </p:tnLst>
+  </p:timing>
 </p:sld>
 </file>
 
@@ -45756,7 +45861,7 @@
           <p:cNvPr id="2" name="矩形 1">
             <a:extLst>
               <a:ext uri="{FF2B5EF4-FFF2-40B4-BE49-F238E27FC236}">
-                <a16:creationId xmlns:a16="http://schemas.microsoft.com/office/drawing/2014/main" xmlns="" id="{0AA6D2C9-5976-422B-A661-AF060040B2E2}"/>
+                <a16:creationId xmlns="" xmlns:a16="http://schemas.microsoft.com/office/drawing/2014/main" id="{0AA6D2C9-5976-422B-A661-AF060040B2E2}"/>
               </a:ext>
             </a:extLst>
           </p:cNvPr>
@@ -45888,7 +45993,7 @@
           <p:cNvPr id="27" name="TextBox 7">
             <a:extLst>
               <a:ext uri="{FF2B5EF4-FFF2-40B4-BE49-F238E27FC236}">
-                <a16:creationId xmlns:a16="http://schemas.microsoft.com/office/drawing/2014/main" xmlns="" id="{FE1C372A-1ED4-4CDC-B790-1F78510B9C62}"/>
+                <a16:creationId xmlns="" xmlns:a16="http://schemas.microsoft.com/office/drawing/2014/main" id="{FE1C372A-1ED4-4CDC-B790-1F78510B9C62}"/>
               </a:ext>
             </a:extLst>
           </p:cNvPr>
@@ -45926,7 +46031,7 @@
           <p:cNvPr id="9" name="组合 8">
             <a:extLst>
               <a:ext uri="{FF2B5EF4-FFF2-40B4-BE49-F238E27FC236}">
-                <a16:creationId xmlns:a16="http://schemas.microsoft.com/office/drawing/2014/main" xmlns="" id="{4C28100E-A12B-47A9-81BC-806EFFD64E60}"/>
+                <a16:creationId xmlns="" xmlns:a16="http://schemas.microsoft.com/office/drawing/2014/main" id="{4C28100E-A12B-47A9-81BC-806EFFD64E60}"/>
               </a:ext>
             </a:extLst>
           </p:cNvPr>
@@ -45946,7 +46051,7 @@
             <p:cNvPr id="32" name="直接箭头连接符 31">
               <a:extLst>
                 <a:ext uri="{FF2B5EF4-FFF2-40B4-BE49-F238E27FC236}">
-                  <a16:creationId xmlns:a16="http://schemas.microsoft.com/office/drawing/2014/main" xmlns="" id="{CC8EC2C4-01DD-4697-B494-A1E1A9A14F47}"/>
+                  <a16:creationId xmlns="" xmlns:a16="http://schemas.microsoft.com/office/drawing/2014/main" id="{CC8EC2C4-01DD-4697-B494-A1E1A9A14F47}"/>
                 </a:ext>
               </a:extLst>
             </p:cNvPr>
@@ -45992,7 +46097,7 @@
             <p:cNvPr id="33" name="直接箭头连接符 32">
               <a:extLst>
                 <a:ext uri="{FF2B5EF4-FFF2-40B4-BE49-F238E27FC236}">
-                  <a16:creationId xmlns:a16="http://schemas.microsoft.com/office/drawing/2014/main" xmlns="" id="{C3C9D9A9-4FBD-45FC-AD11-95E1F034FABF}"/>
+                  <a16:creationId xmlns="" xmlns:a16="http://schemas.microsoft.com/office/drawing/2014/main" id="{C3C9D9A9-4FBD-45FC-AD11-95E1F034FABF}"/>
                 </a:ext>
               </a:extLst>
             </p:cNvPr>
@@ -46038,7 +46143,7 @@
             <p:cNvPr id="48" name="直接箭头连接符 47">
               <a:extLst>
                 <a:ext uri="{FF2B5EF4-FFF2-40B4-BE49-F238E27FC236}">
-                  <a16:creationId xmlns:a16="http://schemas.microsoft.com/office/drawing/2014/main" xmlns="" id="{04FFC272-FAA7-4626-B9A0-8CFE571CB7E8}"/>
+                  <a16:creationId xmlns="" xmlns:a16="http://schemas.microsoft.com/office/drawing/2014/main" id="{04FFC272-FAA7-4626-B9A0-8CFE571CB7E8}"/>
                 </a:ext>
               </a:extLst>
             </p:cNvPr>
@@ -46084,7 +46189,7 @@
             <p:cNvPr id="50" name="圆角矩形 24">
               <a:extLst>
                 <a:ext uri="{FF2B5EF4-FFF2-40B4-BE49-F238E27FC236}">
-                  <a16:creationId xmlns:a16="http://schemas.microsoft.com/office/drawing/2014/main" xmlns="" id="{C8729CE6-C307-42CB-9901-07527381FAB2}"/>
+                  <a16:creationId xmlns="" xmlns:a16="http://schemas.microsoft.com/office/drawing/2014/main" id="{C8729CE6-C307-42CB-9901-07527381FAB2}"/>
                 </a:ext>
               </a:extLst>
             </p:cNvPr>
@@ -46166,7 +46271,7 @@
             <p:cNvPr id="51" name="圆角矩形 24">
               <a:extLst>
                 <a:ext uri="{FF2B5EF4-FFF2-40B4-BE49-F238E27FC236}">
-                  <a16:creationId xmlns:a16="http://schemas.microsoft.com/office/drawing/2014/main" xmlns="" id="{96082CC1-8126-4D17-869D-F40976CDEF5B}"/>
+                  <a16:creationId xmlns="" xmlns:a16="http://schemas.microsoft.com/office/drawing/2014/main" id="{96082CC1-8126-4D17-869D-F40976CDEF5B}"/>
                 </a:ext>
               </a:extLst>
             </p:cNvPr>
@@ -46248,7 +46353,7 @@
             <p:cNvPr id="8" name="组合 7">
               <a:extLst>
                 <a:ext uri="{FF2B5EF4-FFF2-40B4-BE49-F238E27FC236}">
-                  <a16:creationId xmlns:a16="http://schemas.microsoft.com/office/drawing/2014/main" xmlns="" id="{42EAE014-DF34-4D66-A21C-3F7D03BF9D67}"/>
+                  <a16:creationId xmlns="" xmlns:a16="http://schemas.microsoft.com/office/drawing/2014/main" id="{42EAE014-DF34-4D66-A21C-3F7D03BF9D67}"/>
                 </a:ext>
               </a:extLst>
             </p:cNvPr>
@@ -46268,7 +46373,7 @@
               <p:cNvPr id="44" name="直接箭头连接符 43">
                 <a:extLst>
                   <a:ext uri="{FF2B5EF4-FFF2-40B4-BE49-F238E27FC236}">
-                    <a16:creationId xmlns:a16="http://schemas.microsoft.com/office/drawing/2014/main" xmlns="" id="{E738DA61-C26B-44AC-9C33-7C586BAA6442}"/>
+                    <a16:creationId xmlns="" xmlns:a16="http://schemas.microsoft.com/office/drawing/2014/main" id="{E738DA61-C26B-44AC-9C33-7C586BAA6442}"/>
                   </a:ext>
                 </a:extLst>
               </p:cNvPr>
@@ -46314,7 +46419,7 @@
               <p:cNvPr id="52" name="圆角矩形 24">
                 <a:extLst>
                   <a:ext uri="{FF2B5EF4-FFF2-40B4-BE49-F238E27FC236}">
-                    <a16:creationId xmlns:a16="http://schemas.microsoft.com/office/drawing/2014/main" xmlns="" id="{ED16B0DE-82E7-41D4-B044-A51EFCA392E1}"/>
+                    <a16:creationId xmlns="" xmlns:a16="http://schemas.microsoft.com/office/drawing/2014/main" id="{ED16B0DE-82E7-41D4-B044-A51EFCA392E1}"/>
                   </a:ext>
                 </a:extLst>
               </p:cNvPr>
@@ -46397,7 +46502,7 @@
             <p:cNvPr id="53" name="圆角矩形 24">
               <a:extLst>
                 <a:ext uri="{FF2B5EF4-FFF2-40B4-BE49-F238E27FC236}">
-                  <a16:creationId xmlns:a16="http://schemas.microsoft.com/office/drawing/2014/main" xmlns="" id="{03B6EDBA-56AB-45A1-9AB6-95BEDCF4F9F9}"/>
+                  <a16:creationId xmlns="" xmlns:a16="http://schemas.microsoft.com/office/drawing/2014/main" id="{03B6EDBA-56AB-45A1-9AB6-95BEDCF4F9F9}"/>
                 </a:ext>
               </a:extLst>
             </p:cNvPr>
@@ -46443,24 +46548,34 @@
             <a:lstStyle/>
             <a:p>
               <a:r>
-                <a:rPr lang="zh-CN" altLang="en-US" sz="1400" dirty="0">
+                <a:rPr lang="zh-CN" altLang="en-US" sz="1400" dirty="0" smtClean="0">
                   <a:solidFill>
                     <a:schemeClr val="tx1"/>
                   </a:solidFill>
                   <a:latin typeface="微软雅黑" panose="020B0503020204020204" pitchFamily="34" charset="-122"/>
                   <a:ea typeface="微软雅黑" panose="020B0503020204020204" pitchFamily="34" charset="-122"/>
                 </a:rPr>
-                <a:t>寻找厄尔尼诺</a:t>
+                <a:t>寻找</a:t>
               </a:r>
               <a:r>
-                <a:rPr lang="en-US" altLang="zh-CN" sz="1400" dirty="0">
+                <a:rPr lang="en-US" altLang="zh-CN" sz="1400" dirty="0" smtClean="0">
                   <a:solidFill>
                     <a:schemeClr val="tx1"/>
                   </a:solidFill>
                   <a:latin typeface="微软雅黑" panose="020B0503020204020204" pitchFamily="34" charset="-122"/>
                   <a:ea typeface="微软雅黑" panose="020B0503020204020204" pitchFamily="34" charset="-122"/>
                 </a:rPr>
-                <a:t>-</a:t>
+                <a:t>ENSO</a:t>
+              </a:r>
+              <a:r>
+                <a:rPr lang="zh-CN" altLang="en-US" sz="1400" dirty="0" smtClean="0">
+                  <a:solidFill>
+                    <a:schemeClr val="tx1"/>
+                  </a:solidFill>
+                  <a:latin typeface="微软雅黑" panose="020B0503020204020204" pitchFamily="34" charset="-122"/>
+                  <a:ea typeface="微软雅黑" panose="020B0503020204020204" pitchFamily="34" charset="-122"/>
+                </a:rPr>
+                <a:t>中</a:t>
               </a:r>
               <a:r>
                 <a:rPr lang="zh-CN" altLang="en-US" sz="1400" dirty="0">
@@ -46470,7 +46585,7 @@
                   <a:latin typeface="微软雅黑" panose="020B0503020204020204" pitchFamily="34" charset="-122"/>
                   <a:ea typeface="微软雅黑" panose="020B0503020204020204" pitchFamily="34" charset="-122"/>
                 </a:rPr>
-                <a:t>南方涛动现象中的</a:t>
+                <a:t>的</a:t>
               </a:r>
               <a:r>
                 <a:rPr lang="en-US" altLang="zh-CN" sz="1400" dirty="0">
@@ -47090,6 +47205,13 @@
   <p:transition spd="med">
     <p:push dir="u"/>
   </p:transition>
+  <p:timing>
+    <p:tnLst>
+      <p:par>
+        <p:cTn id="1" dur="indefinite" restart="never" nodeType="tmRoot"/>
+      </p:par>
+    </p:tnLst>
+  </p:timing>
 </p:sld>
 </file>
 
@@ -53068,6 +53190,13 @@
   <p:transition spd="med">
     <p:push dir="u"/>
   </p:transition>
+  <p:timing>
+    <p:tnLst>
+      <p:par>
+        <p:cTn id="1" dur="indefinite" restart="never" nodeType="tmRoot"/>
+      </p:par>
+    </p:tnLst>
+  </p:timing>
 </p:sld>
 </file>
 
@@ -53753,7 +53882,7 @@
           <p:cNvPr id="31" name="TextBox 46">
             <a:extLst>
               <a:ext uri="{FF2B5EF4-FFF2-40B4-BE49-F238E27FC236}">
-                <a16:creationId xmlns:a16="http://schemas.microsoft.com/office/drawing/2014/main" xmlns="" id="{18A57166-29B5-42C1-8CC5-9A0A1F8B67CA}"/>
+                <a16:creationId xmlns="" xmlns:a16="http://schemas.microsoft.com/office/drawing/2014/main" id="{18A57166-29B5-42C1-8CC5-9A0A1F8B67CA}"/>
               </a:ext>
             </a:extLst>
           </p:cNvPr>
@@ -53819,7 +53948,7 @@
           <p:cNvPr id="17" name="椭圆 16">
             <a:extLst>
               <a:ext uri="{FF2B5EF4-FFF2-40B4-BE49-F238E27FC236}">
-                <a16:creationId xmlns:a16="http://schemas.microsoft.com/office/drawing/2014/main" xmlns="" id="{85111A73-AD6B-469F-9E88-C81FF847F1FE}"/>
+                <a16:creationId xmlns="" xmlns:a16="http://schemas.microsoft.com/office/drawing/2014/main" id="{85111A73-AD6B-469F-9E88-C81FF847F1FE}"/>
               </a:ext>
             </a:extLst>
           </p:cNvPr>
@@ -53879,7 +54008,7 @@
           <p:cNvPr id="20" name="椭圆 19">
             <a:extLst>
               <a:ext uri="{FF2B5EF4-FFF2-40B4-BE49-F238E27FC236}">
-                <a16:creationId xmlns:a16="http://schemas.microsoft.com/office/drawing/2014/main" xmlns="" id="{CA08FD24-B804-45B3-BBF1-380A318C5622}"/>
+                <a16:creationId xmlns="" xmlns:a16="http://schemas.microsoft.com/office/drawing/2014/main" id="{CA08FD24-B804-45B3-BBF1-380A318C5622}"/>
               </a:ext>
             </a:extLst>
           </p:cNvPr>
@@ -53939,7 +54068,7 @@
           <p:cNvPr id="21" name="TextBox 18">
             <a:extLst>
               <a:ext uri="{FF2B5EF4-FFF2-40B4-BE49-F238E27FC236}">
-                <a16:creationId xmlns:a16="http://schemas.microsoft.com/office/drawing/2014/main" xmlns="" id="{CD21A070-833C-4A7F-BE73-0F85BA03B90C}"/>
+                <a16:creationId xmlns="" xmlns:a16="http://schemas.microsoft.com/office/drawing/2014/main" id="{CD21A070-833C-4A7F-BE73-0F85BA03B90C}"/>
               </a:ext>
             </a:extLst>
           </p:cNvPr>
@@ -54005,7 +54134,7 @@
           <p:cNvPr id="38" name="椭圆 37">
             <a:extLst>
               <a:ext uri="{FF2B5EF4-FFF2-40B4-BE49-F238E27FC236}">
-                <a16:creationId xmlns:a16="http://schemas.microsoft.com/office/drawing/2014/main" xmlns="" id="{132A8913-20CA-4D97-8E93-ACC422FDE821}"/>
+                <a16:creationId xmlns="" xmlns:a16="http://schemas.microsoft.com/office/drawing/2014/main" id="{132A8913-20CA-4D97-8E93-ACC422FDE821}"/>
               </a:ext>
             </a:extLst>
           </p:cNvPr>
@@ -54065,7 +54194,7 @@
           <p:cNvPr id="40" name="直接箭头连接符 39">
             <a:extLst>
               <a:ext uri="{FF2B5EF4-FFF2-40B4-BE49-F238E27FC236}">
-                <a16:creationId xmlns:a16="http://schemas.microsoft.com/office/drawing/2014/main" xmlns="" id="{544B5F2B-8D8C-4128-B4EA-F16956397889}"/>
+                <a16:creationId xmlns="" xmlns:a16="http://schemas.microsoft.com/office/drawing/2014/main" id="{544B5F2B-8D8C-4128-B4EA-F16956397889}"/>
               </a:ext>
             </a:extLst>
           </p:cNvPr>
@@ -54112,7 +54241,7 @@
           <p:cNvPr id="43" name="文本框 42">
             <a:extLst>
               <a:ext uri="{FF2B5EF4-FFF2-40B4-BE49-F238E27FC236}">
-                <a16:creationId xmlns:a16="http://schemas.microsoft.com/office/drawing/2014/main" xmlns="" id="{7FD6F372-8778-42EF-8FC4-382C660CC451}"/>
+                <a16:creationId xmlns="" xmlns:a16="http://schemas.microsoft.com/office/drawing/2014/main" id="{7FD6F372-8778-42EF-8FC4-382C660CC451}"/>
               </a:ext>
             </a:extLst>
           </p:cNvPr>
@@ -54154,7 +54283,7 @@
           <p:cNvPr id="44" name="椭圆 43">
             <a:extLst>
               <a:ext uri="{FF2B5EF4-FFF2-40B4-BE49-F238E27FC236}">
-                <a16:creationId xmlns:a16="http://schemas.microsoft.com/office/drawing/2014/main" xmlns="" id="{2B2FD749-3DD4-4550-9193-04E8779A7557}"/>
+                <a16:creationId xmlns="" xmlns:a16="http://schemas.microsoft.com/office/drawing/2014/main" id="{2B2FD749-3DD4-4550-9193-04E8779A7557}"/>
               </a:ext>
             </a:extLst>
           </p:cNvPr>
@@ -54214,7 +54343,7 @@
           <p:cNvPr id="45" name="直接箭头连接符 44">
             <a:extLst>
               <a:ext uri="{FF2B5EF4-FFF2-40B4-BE49-F238E27FC236}">
-                <a16:creationId xmlns:a16="http://schemas.microsoft.com/office/drawing/2014/main" xmlns="" id="{2CA35CF2-E632-46CD-8162-BEDF1EB2D190}"/>
+                <a16:creationId xmlns="" xmlns:a16="http://schemas.microsoft.com/office/drawing/2014/main" id="{2CA35CF2-E632-46CD-8162-BEDF1EB2D190}"/>
               </a:ext>
             </a:extLst>
           </p:cNvPr>
@@ -54261,7 +54390,7 @@
           <p:cNvPr id="47" name="椭圆 46">
             <a:extLst>
               <a:ext uri="{FF2B5EF4-FFF2-40B4-BE49-F238E27FC236}">
-                <a16:creationId xmlns:a16="http://schemas.microsoft.com/office/drawing/2014/main" xmlns="" id="{0F6F6D76-DCF7-43CE-83B4-10367064A8A1}"/>
+                <a16:creationId xmlns="" xmlns:a16="http://schemas.microsoft.com/office/drawing/2014/main" id="{0F6F6D76-DCF7-43CE-83B4-10367064A8A1}"/>
               </a:ext>
             </a:extLst>
           </p:cNvPr>
@@ -54321,7 +54450,7 @@
           <p:cNvPr id="52" name="椭圆 51">
             <a:extLst>
               <a:ext uri="{FF2B5EF4-FFF2-40B4-BE49-F238E27FC236}">
-                <a16:creationId xmlns:a16="http://schemas.microsoft.com/office/drawing/2014/main" xmlns="" id="{A1E7B33C-E090-4135-A887-0D73F237B35A}"/>
+                <a16:creationId xmlns="" xmlns:a16="http://schemas.microsoft.com/office/drawing/2014/main" id="{A1E7B33C-E090-4135-A887-0D73F237B35A}"/>
               </a:ext>
             </a:extLst>
           </p:cNvPr>
@@ -54381,7 +54510,7 @@
           <p:cNvPr id="59" name="直接箭头连接符 58">
             <a:extLst>
               <a:ext uri="{FF2B5EF4-FFF2-40B4-BE49-F238E27FC236}">
-                <a16:creationId xmlns:a16="http://schemas.microsoft.com/office/drawing/2014/main" xmlns="" id="{4D95AD33-E381-4C49-9BDB-46C92B7DFAF8}"/>
+                <a16:creationId xmlns="" xmlns:a16="http://schemas.microsoft.com/office/drawing/2014/main" id="{4D95AD33-E381-4C49-9BDB-46C92B7DFAF8}"/>
               </a:ext>
             </a:extLst>
           </p:cNvPr>
@@ -54428,7 +54557,7 @@
           <p:cNvPr id="61" name="直接箭头连接符 60">
             <a:extLst>
               <a:ext uri="{FF2B5EF4-FFF2-40B4-BE49-F238E27FC236}">
-                <a16:creationId xmlns:a16="http://schemas.microsoft.com/office/drawing/2014/main" xmlns="" id="{5380B8CA-B47E-46AA-A0FF-E953E7DE4232}"/>
+                <a16:creationId xmlns="" xmlns:a16="http://schemas.microsoft.com/office/drawing/2014/main" id="{5380B8CA-B47E-46AA-A0FF-E953E7DE4232}"/>
               </a:ext>
             </a:extLst>
           </p:cNvPr>
@@ -54475,7 +54604,7 @@
           <p:cNvPr id="65" name="直接箭头连接符 64">
             <a:extLst>
               <a:ext uri="{FF2B5EF4-FFF2-40B4-BE49-F238E27FC236}">
-                <a16:creationId xmlns:a16="http://schemas.microsoft.com/office/drawing/2014/main" xmlns="" id="{90295542-F75D-4871-AC20-2B5264C7F62F}"/>
+                <a16:creationId xmlns="" xmlns:a16="http://schemas.microsoft.com/office/drawing/2014/main" id="{90295542-F75D-4871-AC20-2B5264C7F62F}"/>
               </a:ext>
             </a:extLst>
           </p:cNvPr>
@@ -54530,6 +54659,13 @@
   <p:transition spd="med">
     <p:push dir="u"/>
   </p:transition>
+  <p:timing>
+    <p:tnLst>
+      <p:par>
+        <p:cTn id="1" dur="indefinite" restart="never" nodeType="tmRoot"/>
+      </p:par>
+    </p:tnLst>
+  </p:timing>
 </p:sld>
 </file>
 

--- a/FinalPaper/毕业答辩.pptx
+++ b/FinalPaper/毕业答辩.pptx
@@ -238,7 +238,7 @@
           <a:p>
             <a:fld id="{3BAE5F92-84F3-453A-A2D0-DF016B3E2CD2}" type="datetimeFigureOut">
               <a:rPr lang="zh-CN" altLang="en-US" smtClean="0"/>
-              <a:t>2017/6/6</a:t>
+              <a:t>2017/6/7</a:t>
             </a:fld>
             <a:endParaRPr lang="zh-CN" altLang="en-US"/>
           </a:p>
@@ -2700,7 +2700,7 @@
           <a:p>
             <a:fld id="{530820CF-B880-4189-942D-D702A7CBA730}" type="datetimeFigureOut">
               <a:rPr lang="zh-CN" altLang="en-US" smtClean="0"/>
-              <a:t>2017/6/6</a:t>
+              <a:t>2017/6/7</a:t>
             </a:fld>
             <a:endParaRPr lang="zh-CN" altLang="en-US"/>
           </a:p>
@@ -2871,7 +2871,7 @@
           <a:p>
             <a:fld id="{530820CF-B880-4189-942D-D702A7CBA730}" type="datetimeFigureOut">
               <a:rPr lang="zh-CN" altLang="en-US" smtClean="0"/>
-              <a:t>2017/6/6</a:t>
+              <a:t>2017/6/7</a:t>
             </a:fld>
             <a:endParaRPr lang="zh-CN" altLang="en-US"/>
           </a:p>
@@ -3052,7 +3052,7 @@
           <a:p>
             <a:fld id="{530820CF-B880-4189-942D-D702A7CBA730}" type="datetimeFigureOut">
               <a:rPr lang="zh-CN" altLang="en-US" smtClean="0"/>
-              <a:t>2017/6/6</a:t>
+              <a:t>2017/6/7</a:t>
             </a:fld>
             <a:endParaRPr lang="zh-CN" altLang="en-US"/>
           </a:p>
@@ -3223,7 +3223,7 @@
           <a:p>
             <a:fld id="{530820CF-B880-4189-942D-D702A7CBA730}" type="datetimeFigureOut">
               <a:rPr lang="zh-CN" altLang="en-US" smtClean="0"/>
-              <a:t>2017/6/6</a:t>
+              <a:t>2017/6/7</a:t>
             </a:fld>
             <a:endParaRPr lang="zh-CN" altLang="en-US"/>
           </a:p>
@@ -3471,7 +3471,7 @@
           <a:p>
             <a:fld id="{530820CF-B880-4189-942D-D702A7CBA730}" type="datetimeFigureOut">
               <a:rPr lang="zh-CN" altLang="en-US" smtClean="0"/>
-              <a:t>2017/6/6</a:t>
+              <a:t>2017/6/7</a:t>
             </a:fld>
             <a:endParaRPr lang="zh-CN" altLang="en-US"/>
           </a:p>
@@ -3759,7 +3759,7 @@
           <a:p>
             <a:fld id="{530820CF-B880-4189-942D-D702A7CBA730}" type="datetimeFigureOut">
               <a:rPr lang="zh-CN" altLang="en-US" smtClean="0"/>
-              <a:t>2017/6/6</a:t>
+              <a:t>2017/6/7</a:t>
             </a:fld>
             <a:endParaRPr lang="zh-CN" altLang="en-US"/>
           </a:p>
@@ -4181,7 +4181,7 @@
           <a:p>
             <a:fld id="{530820CF-B880-4189-942D-D702A7CBA730}" type="datetimeFigureOut">
               <a:rPr lang="zh-CN" altLang="en-US" smtClean="0"/>
-              <a:t>2017/6/6</a:t>
+              <a:t>2017/6/7</a:t>
             </a:fld>
             <a:endParaRPr lang="zh-CN" altLang="en-US"/>
           </a:p>
@@ -4301,7 +4301,7 @@
           <a:p>
             <a:fld id="{530820CF-B880-4189-942D-D702A7CBA730}" type="datetimeFigureOut">
               <a:rPr lang="zh-CN" altLang="en-US" smtClean="0"/>
-              <a:t>2017/6/6</a:t>
+              <a:t>2017/6/7</a:t>
             </a:fld>
             <a:endParaRPr lang="zh-CN" altLang="en-US"/>
           </a:p>
@@ -4399,7 +4399,7 @@
           <a:p>
             <a:fld id="{530820CF-B880-4189-942D-D702A7CBA730}" type="datetimeFigureOut">
               <a:rPr lang="zh-CN" altLang="en-US" smtClean="0"/>
-              <a:t>2017/6/6</a:t>
+              <a:t>2017/6/7</a:t>
             </a:fld>
             <a:endParaRPr lang="zh-CN" altLang="en-US"/>
           </a:p>
@@ -4677,7 +4677,7 @@
           <a:p>
             <a:fld id="{530820CF-B880-4189-942D-D702A7CBA730}" type="datetimeFigureOut">
               <a:rPr lang="zh-CN" altLang="en-US" smtClean="0"/>
-              <a:t>2017/6/6</a:t>
+              <a:t>2017/6/7</a:t>
             </a:fld>
             <a:endParaRPr lang="zh-CN" altLang="en-US"/>
           </a:p>
@@ -4932,7 +4932,7 @@
           <a:p>
             <a:fld id="{530820CF-B880-4189-942D-D702A7CBA730}" type="datetimeFigureOut">
               <a:rPr lang="zh-CN" altLang="en-US" smtClean="0"/>
-              <a:t>2017/6/6</a:t>
+              <a:t>2017/6/7</a:t>
             </a:fld>
             <a:endParaRPr lang="zh-CN" altLang="en-US"/>
           </a:p>
@@ -5146,7 +5146,7 @@
           <a:p>
             <a:fld id="{530820CF-B880-4189-942D-D702A7CBA730}" type="datetimeFigureOut">
               <a:rPr lang="zh-CN" altLang="en-US" smtClean="0"/>
-              <a:t>2017/6/6</a:t>
+              <a:t>2017/6/7</a:t>
             </a:fld>
             <a:endParaRPr lang="zh-CN" altLang="en-US"/>
           </a:p>
@@ -10040,7 +10040,7 @@
           <p:cNvPr id="116" name="直接连接符 115">
             <a:extLst>
               <a:ext uri="{FF2B5EF4-FFF2-40B4-BE49-F238E27FC236}">
-                <a16:creationId xmlns="" xmlns:a16="http://schemas.microsoft.com/office/drawing/2014/main" id="{935B4380-C8CD-4AEE-BFB0-D8B729F00EFC}"/>
+                <a16:creationId xmlns:a16="http://schemas.microsoft.com/office/drawing/2014/main" id="{935B4380-C8CD-4AEE-BFB0-D8B729F00EFC}"/>
               </a:ext>
             </a:extLst>
           </p:cNvPr>
@@ -10086,7 +10086,7 @@
           <p:cNvPr id="89" name="Freeform 325">
             <a:extLst>
               <a:ext uri="{FF2B5EF4-FFF2-40B4-BE49-F238E27FC236}">
-                <a16:creationId xmlns="" xmlns:a16="http://schemas.microsoft.com/office/drawing/2014/main" id="{68C0778E-22E1-4C0C-A17B-06709E6DAB2F}"/>
+                <a16:creationId xmlns:a16="http://schemas.microsoft.com/office/drawing/2014/main" id="{68C0778E-22E1-4C0C-A17B-06709E6DAB2F}"/>
               </a:ext>
             </a:extLst>
           </p:cNvPr>
@@ -10694,7 +10694,7 @@
           <p:cNvPr id="92" name="Freeform 312">
             <a:extLst>
               <a:ext uri="{FF2B5EF4-FFF2-40B4-BE49-F238E27FC236}">
-                <a16:creationId xmlns="" xmlns:a16="http://schemas.microsoft.com/office/drawing/2014/main" id="{2A1B9DA8-986D-41A5-BF6C-668C33AF0106}"/>
+                <a16:creationId xmlns:a16="http://schemas.microsoft.com/office/drawing/2014/main" id="{2A1B9DA8-986D-41A5-BF6C-668C33AF0106}"/>
               </a:ext>
             </a:extLst>
           </p:cNvPr>
@@ -11698,7 +11698,7 @@
           <p:cNvPr id="94" name="Freeform 121">
             <a:extLst>
               <a:ext uri="{FF2B5EF4-FFF2-40B4-BE49-F238E27FC236}">
-                <a16:creationId xmlns="" xmlns:a16="http://schemas.microsoft.com/office/drawing/2014/main" id="{B93A3FCA-7723-41E1-B0FD-8E2D1F9214AF}"/>
+                <a16:creationId xmlns:a16="http://schemas.microsoft.com/office/drawing/2014/main" id="{B93A3FCA-7723-41E1-B0FD-8E2D1F9214AF}"/>
               </a:ext>
             </a:extLst>
           </p:cNvPr>
@@ -12005,13 +12005,6 @@
   <p:transition spd="med">
     <p:push dir="u"/>
   </p:transition>
-  <p:timing>
-    <p:tnLst>
-      <p:par>
-        <p:cTn id="1" dur="indefinite" restart="never" nodeType="tmRoot"/>
-      </p:par>
-    </p:tnLst>
-  </p:timing>
 </p:sld>
 </file>
 
@@ -12692,7 +12685,7 @@
           <p:cNvPr id="14" name="TextBox 46">
             <a:extLst>
               <a:ext uri="{FF2B5EF4-FFF2-40B4-BE49-F238E27FC236}">
-                <a16:creationId xmlns="" xmlns:a16="http://schemas.microsoft.com/office/drawing/2014/main" id="{038ACC64-63F6-420B-A042-E14A9A7C9394}"/>
+                <a16:creationId xmlns:a16="http://schemas.microsoft.com/office/drawing/2014/main" id="{038ACC64-63F6-420B-A042-E14A9A7C9394}"/>
               </a:ext>
             </a:extLst>
           </p:cNvPr>
@@ -12758,7 +12751,7 @@
           <p:cNvPr id="17" name="文本框 16">
             <a:extLst>
               <a:ext uri="{FF2B5EF4-FFF2-40B4-BE49-F238E27FC236}">
-                <a16:creationId xmlns="" xmlns:a16="http://schemas.microsoft.com/office/drawing/2014/main" id="{E6F4ECFA-13B3-48DE-9E3E-DF7BBDA53533}"/>
+                <a16:creationId xmlns:a16="http://schemas.microsoft.com/office/drawing/2014/main" id="{E6F4ECFA-13B3-48DE-9E3E-DF7BBDA53533}"/>
               </a:ext>
             </a:extLst>
           </p:cNvPr>
@@ -12794,14 +12787,7 @@
                 <a:latin typeface="微软雅黑" panose="020B0503020204020204" pitchFamily="34" charset="-122"/>
                 <a:ea typeface="微软雅黑" panose="020B0503020204020204" pitchFamily="34" charset="-122"/>
               </a:rPr>
-              <a:t>降维</a:t>
-            </a:r>
-            <a:r>
-              <a:rPr lang="zh-CN" altLang="en-US" sz="1200" smtClean="0">
-                <a:latin typeface="微软雅黑" panose="020B0503020204020204" pitchFamily="34" charset="-122"/>
-                <a:ea typeface="微软雅黑" panose="020B0503020204020204" pitchFamily="34" charset="-122"/>
-              </a:rPr>
-              <a:t>流程</a:t>
+              <a:t>降维流程</a:t>
             </a:r>
             <a:endParaRPr lang="en-US" altLang="zh-CN" sz="1200" dirty="0">
               <a:latin typeface="微软雅黑" panose="020B0503020204020204" pitchFamily="34" charset="-122"/>
@@ -12815,7 +12801,7 @@
           <p:cNvPr id="2" name="矩形 1">
             <a:extLst>
               <a:ext uri="{FF2B5EF4-FFF2-40B4-BE49-F238E27FC236}">
-                <a16:creationId xmlns="" xmlns:a16="http://schemas.microsoft.com/office/drawing/2014/main" id="{4420292E-33FF-4264-AB0D-02351FB20E36}"/>
+                <a16:creationId xmlns:a16="http://schemas.microsoft.com/office/drawing/2014/main" id="{4420292E-33FF-4264-AB0D-02351FB20E36}"/>
               </a:ext>
             </a:extLst>
           </p:cNvPr>
@@ -12885,7 +12871,7 @@
           <p:cNvPr id="18" name="下箭头 32">
             <a:extLst>
               <a:ext uri="{FF2B5EF4-FFF2-40B4-BE49-F238E27FC236}">
-                <a16:creationId xmlns="" xmlns:a16="http://schemas.microsoft.com/office/drawing/2014/main" id="{58C148CE-C64E-469D-8722-275221F9D022}"/>
+                <a16:creationId xmlns:a16="http://schemas.microsoft.com/office/drawing/2014/main" id="{58C148CE-C64E-469D-8722-275221F9D022}"/>
               </a:ext>
             </a:extLst>
           </p:cNvPr>
@@ -12939,7 +12925,7 @@
           <p:cNvPr id="9" name="文本框 8">
             <a:extLst>
               <a:ext uri="{FF2B5EF4-FFF2-40B4-BE49-F238E27FC236}">
-                <a16:creationId xmlns="" xmlns:a16="http://schemas.microsoft.com/office/drawing/2014/main" id="{54F12738-BEC8-4788-993E-3A7BE34EF640}"/>
+                <a16:creationId xmlns:a16="http://schemas.microsoft.com/office/drawing/2014/main" id="{54F12738-BEC8-4788-993E-3A7BE34EF640}"/>
               </a:ext>
             </a:extLst>
           </p:cNvPr>
@@ -12974,7 +12960,7 @@
           <p:cNvPr id="20" name="文本框 19">
             <a:extLst>
               <a:ext uri="{FF2B5EF4-FFF2-40B4-BE49-F238E27FC236}">
-                <a16:creationId xmlns="" xmlns:a16="http://schemas.microsoft.com/office/drawing/2014/main" id="{C2538DF4-FB90-4911-B44A-A6F7C1648B61}"/>
+                <a16:creationId xmlns:a16="http://schemas.microsoft.com/office/drawing/2014/main" id="{C2538DF4-FB90-4911-B44A-A6F7C1648B61}"/>
               </a:ext>
             </a:extLst>
           </p:cNvPr>
@@ -13009,7 +12995,7 @@
           <p:cNvPr id="21" name="文本框 20">
             <a:extLst>
               <a:ext uri="{FF2B5EF4-FFF2-40B4-BE49-F238E27FC236}">
-                <a16:creationId xmlns="" xmlns:a16="http://schemas.microsoft.com/office/drawing/2014/main" id="{1E91F165-E54A-425D-BFAD-F08B52B24551}"/>
+                <a16:creationId xmlns:a16="http://schemas.microsoft.com/office/drawing/2014/main" id="{1E91F165-E54A-425D-BFAD-F08B52B24551}"/>
               </a:ext>
             </a:extLst>
           </p:cNvPr>
@@ -13049,7 +13035,7 @@
           <p:cNvPr id="23" name="矩形 22">
             <a:extLst>
               <a:ext uri="{FF2B5EF4-FFF2-40B4-BE49-F238E27FC236}">
-                <a16:creationId xmlns="" xmlns:a16="http://schemas.microsoft.com/office/drawing/2014/main" id="{D8EC7A10-C9A7-4C09-A9ED-B0400D102A74}"/>
+                <a16:creationId xmlns:a16="http://schemas.microsoft.com/office/drawing/2014/main" id="{D8EC7A10-C9A7-4C09-A9ED-B0400D102A74}"/>
               </a:ext>
             </a:extLst>
           </p:cNvPr>
@@ -13119,7 +13105,7 @@
           <p:cNvPr id="24" name="文本框 23">
             <a:extLst>
               <a:ext uri="{FF2B5EF4-FFF2-40B4-BE49-F238E27FC236}">
-                <a16:creationId xmlns="" xmlns:a16="http://schemas.microsoft.com/office/drawing/2014/main" id="{2657C0C8-F42A-4F20-A478-79138EC817E1}"/>
+                <a16:creationId xmlns:a16="http://schemas.microsoft.com/office/drawing/2014/main" id="{2657C0C8-F42A-4F20-A478-79138EC817E1}"/>
               </a:ext>
             </a:extLst>
           </p:cNvPr>
@@ -13154,7 +13140,7 @@
           <p:cNvPr id="25" name="文本框 24">
             <a:extLst>
               <a:ext uri="{FF2B5EF4-FFF2-40B4-BE49-F238E27FC236}">
-                <a16:creationId xmlns="" xmlns:a16="http://schemas.microsoft.com/office/drawing/2014/main" id="{76C335F0-957C-4BE8-B64D-D2B41BFBEF30}"/>
+                <a16:creationId xmlns:a16="http://schemas.microsoft.com/office/drawing/2014/main" id="{76C335F0-957C-4BE8-B64D-D2B41BFBEF30}"/>
               </a:ext>
             </a:extLst>
           </p:cNvPr>
@@ -13206,7 +13192,7 @@
           <p:cNvPr id="26" name="下箭头 32">
             <a:extLst>
               <a:ext uri="{FF2B5EF4-FFF2-40B4-BE49-F238E27FC236}">
-                <a16:creationId xmlns="" xmlns:a16="http://schemas.microsoft.com/office/drawing/2014/main" id="{31193F67-61DF-4F75-A6E0-14E0AF212675}"/>
+                <a16:creationId xmlns:a16="http://schemas.microsoft.com/office/drawing/2014/main" id="{31193F67-61DF-4F75-A6E0-14E0AF212675}"/>
               </a:ext>
             </a:extLst>
           </p:cNvPr>
@@ -13260,7 +13246,7 @@
           <p:cNvPr id="22" name="文本框 21">
             <a:extLst>
               <a:ext uri="{FF2B5EF4-FFF2-40B4-BE49-F238E27FC236}">
-                <a16:creationId xmlns="" xmlns:a16="http://schemas.microsoft.com/office/drawing/2014/main" id="{E566D48D-20DC-4C7A-B36F-1B2DA1A605C4}"/>
+                <a16:creationId xmlns:a16="http://schemas.microsoft.com/office/drawing/2014/main" id="{E566D48D-20DC-4C7A-B36F-1B2DA1A605C4}"/>
               </a:ext>
             </a:extLst>
           </p:cNvPr>
@@ -13302,7 +13288,7 @@
           <p:cNvPr id="27" name="文本框 26">
             <a:extLst>
               <a:ext uri="{FF2B5EF4-FFF2-40B4-BE49-F238E27FC236}">
-                <a16:creationId xmlns="" xmlns:a16="http://schemas.microsoft.com/office/drawing/2014/main" id="{747D2FD7-951A-415D-87F1-6947B8DB7888}"/>
+                <a16:creationId xmlns:a16="http://schemas.microsoft.com/office/drawing/2014/main" id="{747D2FD7-951A-415D-87F1-6947B8DB7888}"/>
               </a:ext>
             </a:extLst>
           </p:cNvPr>
@@ -13346,7 +13332,7 @@
           <p:cNvPr id="30" name="下箭头 32">
             <a:extLst>
               <a:ext uri="{FF2B5EF4-FFF2-40B4-BE49-F238E27FC236}">
-                <a16:creationId xmlns="" xmlns:a16="http://schemas.microsoft.com/office/drawing/2014/main" id="{EAB50E5D-2EF6-4520-9081-7BBDE39756EE}"/>
+                <a16:creationId xmlns:a16="http://schemas.microsoft.com/office/drawing/2014/main" id="{EAB50E5D-2EF6-4520-9081-7BBDE39756EE}"/>
               </a:ext>
             </a:extLst>
           </p:cNvPr>
@@ -13400,7 +13386,7 @@
           <p:cNvPr id="31" name="文本框 30">
             <a:extLst>
               <a:ext uri="{FF2B5EF4-FFF2-40B4-BE49-F238E27FC236}">
-                <a16:creationId xmlns="" xmlns:a16="http://schemas.microsoft.com/office/drawing/2014/main" id="{C9F2FA20-2F65-41C6-8B08-2023C9261F99}"/>
+                <a16:creationId xmlns:a16="http://schemas.microsoft.com/office/drawing/2014/main" id="{C9F2FA20-2F65-41C6-8B08-2023C9261F99}"/>
               </a:ext>
             </a:extLst>
           </p:cNvPr>
@@ -13449,7 +13435,7 @@
           <p:cNvPr id="32" name="矩形 31">
             <a:extLst>
               <a:ext uri="{FF2B5EF4-FFF2-40B4-BE49-F238E27FC236}">
-                <a16:creationId xmlns="" xmlns:a16="http://schemas.microsoft.com/office/drawing/2014/main" id="{10A05179-4B68-4E00-928A-8BE5394A0437}"/>
+                <a16:creationId xmlns:a16="http://schemas.microsoft.com/office/drawing/2014/main" id="{10A05179-4B68-4E00-928A-8BE5394A0437}"/>
               </a:ext>
             </a:extLst>
           </p:cNvPr>
@@ -13547,13 +13533,6 @@
   <p:transition spd="med">
     <p:push dir="u"/>
   </p:transition>
-  <p:timing>
-    <p:tnLst>
-      <p:par>
-        <p:cTn id="1" dur="indefinite" restart="never" nodeType="tmRoot"/>
-      </p:par>
-    </p:tnLst>
-  </p:timing>
 </p:sld>
 </file>
 
@@ -14234,7 +14213,7 @@
           <p:cNvPr id="14" name="TextBox 46">
             <a:extLst>
               <a:ext uri="{FF2B5EF4-FFF2-40B4-BE49-F238E27FC236}">
-                <a16:creationId xmlns="" xmlns:a16="http://schemas.microsoft.com/office/drawing/2014/main" id="{76E85F30-8AC3-4FC8-961C-DD7C5D54F1B4}"/>
+                <a16:creationId xmlns:a16="http://schemas.microsoft.com/office/drawing/2014/main" id="{76E85F30-8AC3-4FC8-961C-DD7C5D54F1B4}"/>
               </a:ext>
             </a:extLst>
           </p:cNvPr>
@@ -14300,7 +14279,7 @@
           <p:cNvPr id="18" name="椭圆 17">
             <a:extLst>
               <a:ext uri="{FF2B5EF4-FFF2-40B4-BE49-F238E27FC236}">
-                <a16:creationId xmlns="" xmlns:a16="http://schemas.microsoft.com/office/drawing/2014/main" id="{B7B16E4E-68BC-4039-ABFF-F43B5AF56593}"/>
+                <a16:creationId xmlns:a16="http://schemas.microsoft.com/office/drawing/2014/main" id="{B7B16E4E-68BC-4039-ABFF-F43B5AF56593}"/>
               </a:ext>
             </a:extLst>
           </p:cNvPr>
@@ -14360,7 +14339,7 @@
           <p:cNvPr id="19" name="椭圆 18">
             <a:extLst>
               <a:ext uri="{FF2B5EF4-FFF2-40B4-BE49-F238E27FC236}">
-                <a16:creationId xmlns="" xmlns:a16="http://schemas.microsoft.com/office/drawing/2014/main" id="{37A85B23-5DB4-448D-BC63-06003239C69F}"/>
+                <a16:creationId xmlns:a16="http://schemas.microsoft.com/office/drawing/2014/main" id="{37A85B23-5DB4-448D-BC63-06003239C69F}"/>
               </a:ext>
             </a:extLst>
           </p:cNvPr>
@@ -14427,7 +14406,7 @@
           <p:cNvPr id="20" name="椭圆 19">
             <a:extLst>
               <a:ext uri="{FF2B5EF4-FFF2-40B4-BE49-F238E27FC236}">
-                <a16:creationId xmlns="" xmlns:a16="http://schemas.microsoft.com/office/drawing/2014/main" id="{1D722065-9A8B-458D-A298-791A00364630}"/>
+                <a16:creationId xmlns:a16="http://schemas.microsoft.com/office/drawing/2014/main" id="{1D722065-9A8B-458D-A298-791A00364630}"/>
               </a:ext>
             </a:extLst>
           </p:cNvPr>
@@ -14487,7 +14466,7 @@
           <p:cNvPr id="21" name="椭圆 20">
             <a:extLst>
               <a:ext uri="{FF2B5EF4-FFF2-40B4-BE49-F238E27FC236}">
-                <a16:creationId xmlns="" xmlns:a16="http://schemas.microsoft.com/office/drawing/2014/main" id="{B161BB54-4481-4401-B68E-EF1FEC029EB7}"/>
+                <a16:creationId xmlns:a16="http://schemas.microsoft.com/office/drawing/2014/main" id="{B161BB54-4481-4401-B68E-EF1FEC029EB7}"/>
               </a:ext>
             </a:extLst>
           </p:cNvPr>
@@ -14547,7 +14526,7 @@
           <p:cNvPr id="22" name="椭圆 21">
             <a:extLst>
               <a:ext uri="{FF2B5EF4-FFF2-40B4-BE49-F238E27FC236}">
-                <a16:creationId xmlns="" xmlns:a16="http://schemas.microsoft.com/office/drawing/2014/main" id="{0DE1F784-39AB-4F7D-995B-F2E3D99FD6EF}"/>
+                <a16:creationId xmlns:a16="http://schemas.microsoft.com/office/drawing/2014/main" id="{0DE1F784-39AB-4F7D-995B-F2E3D99FD6EF}"/>
               </a:ext>
             </a:extLst>
           </p:cNvPr>
@@ -14607,7 +14586,7 @@
           <p:cNvPr id="23" name="直接箭头连接符 22">
             <a:extLst>
               <a:ext uri="{FF2B5EF4-FFF2-40B4-BE49-F238E27FC236}">
-                <a16:creationId xmlns="" xmlns:a16="http://schemas.microsoft.com/office/drawing/2014/main" id="{950452EA-494C-4E54-AE31-57E6C6DAE04F}"/>
+                <a16:creationId xmlns:a16="http://schemas.microsoft.com/office/drawing/2014/main" id="{950452EA-494C-4E54-AE31-57E6C6DAE04F}"/>
               </a:ext>
             </a:extLst>
           </p:cNvPr>
@@ -14652,7 +14631,7 @@
           <p:cNvPr id="24" name="直接箭头连接符 23">
             <a:extLst>
               <a:ext uri="{FF2B5EF4-FFF2-40B4-BE49-F238E27FC236}">
-                <a16:creationId xmlns="" xmlns:a16="http://schemas.microsoft.com/office/drawing/2014/main" id="{D18624C8-798D-4A01-B56C-752FE874063E}"/>
+                <a16:creationId xmlns:a16="http://schemas.microsoft.com/office/drawing/2014/main" id="{D18624C8-798D-4A01-B56C-752FE874063E}"/>
               </a:ext>
             </a:extLst>
           </p:cNvPr>
@@ -14697,7 +14676,7 @@
           <p:cNvPr id="25" name="下箭头 32">
             <a:extLst>
               <a:ext uri="{FF2B5EF4-FFF2-40B4-BE49-F238E27FC236}">
-                <a16:creationId xmlns="" xmlns:a16="http://schemas.microsoft.com/office/drawing/2014/main" id="{57DF651C-C077-4109-AB1A-3E3B73231054}"/>
+                <a16:creationId xmlns:a16="http://schemas.microsoft.com/office/drawing/2014/main" id="{57DF651C-C077-4109-AB1A-3E3B73231054}"/>
               </a:ext>
             </a:extLst>
           </p:cNvPr>
@@ -14751,7 +14730,7 @@
           <p:cNvPr id="26" name="下箭头 33">
             <a:extLst>
               <a:ext uri="{FF2B5EF4-FFF2-40B4-BE49-F238E27FC236}">
-                <a16:creationId xmlns="" xmlns:a16="http://schemas.microsoft.com/office/drawing/2014/main" id="{721091C1-C5AC-42A8-9B94-3CE5C4D966DA}"/>
+                <a16:creationId xmlns:a16="http://schemas.microsoft.com/office/drawing/2014/main" id="{721091C1-C5AC-42A8-9B94-3CE5C4D966DA}"/>
               </a:ext>
             </a:extLst>
           </p:cNvPr>
@@ -14805,7 +14784,7 @@
           <p:cNvPr id="27" name="虚尾箭头 8">
             <a:extLst>
               <a:ext uri="{FF2B5EF4-FFF2-40B4-BE49-F238E27FC236}">
-                <a16:creationId xmlns="" xmlns:a16="http://schemas.microsoft.com/office/drawing/2014/main" id="{57081B68-1D81-4C1A-8691-0E9EA922F717}"/>
+                <a16:creationId xmlns:a16="http://schemas.microsoft.com/office/drawing/2014/main" id="{57081B68-1D81-4C1A-8691-0E9EA922F717}"/>
               </a:ext>
             </a:extLst>
           </p:cNvPr>
@@ -14859,7 +14838,7 @@
           <p:cNvPr id="2" name="文本框 1">
             <a:extLst>
               <a:ext uri="{FF2B5EF4-FFF2-40B4-BE49-F238E27FC236}">
-                <a16:creationId xmlns="" xmlns:a16="http://schemas.microsoft.com/office/drawing/2014/main" id="{38DDB060-B2D0-4E7F-8E41-09236DB7411A}"/>
+                <a16:creationId xmlns:a16="http://schemas.microsoft.com/office/drawing/2014/main" id="{38DDB060-B2D0-4E7F-8E41-09236DB7411A}"/>
               </a:ext>
             </a:extLst>
           </p:cNvPr>
@@ -14901,7 +14880,7 @@
           <p:cNvPr id="9" name="文本框 8">
             <a:extLst>
               <a:ext uri="{FF2B5EF4-FFF2-40B4-BE49-F238E27FC236}">
-                <a16:creationId xmlns="" xmlns:a16="http://schemas.microsoft.com/office/drawing/2014/main" id="{291919B3-699D-492B-A5D7-2F7763716C66}"/>
+                <a16:creationId xmlns:a16="http://schemas.microsoft.com/office/drawing/2014/main" id="{291919B3-699D-492B-A5D7-2F7763716C66}"/>
               </a:ext>
             </a:extLst>
           </p:cNvPr>
@@ -14943,7 +14922,7 @@
           <p:cNvPr id="29" name="文本框 28">
             <a:extLst>
               <a:ext uri="{FF2B5EF4-FFF2-40B4-BE49-F238E27FC236}">
-                <a16:creationId xmlns="" xmlns:a16="http://schemas.microsoft.com/office/drawing/2014/main" id="{B5BC488E-33AE-48C1-BC65-F00BF29E6C26}"/>
+                <a16:creationId xmlns:a16="http://schemas.microsoft.com/office/drawing/2014/main" id="{B5BC488E-33AE-48C1-BC65-F00BF29E6C26}"/>
               </a:ext>
             </a:extLst>
           </p:cNvPr>
@@ -14992,7 +14971,7 @@
           <p:cNvPr id="30" name="文本框 29">
             <a:extLst>
               <a:ext uri="{FF2B5EF4-FFF2-40B4-BE49-F238E27FC236}">
-                <a16:creationId xmlns="" xmlns:a16="http://schemas.microsoft.com/office/drawing/2014/main" id="{274926F2-3D43-409E-820D-A0FA5EE1433E}"/>
+                <a16:creationId xmlns:a16="http://schemas.microsoft.com/office/drawing/2014/main" id="{274926F2-3D43-409E-820D-A0FA5EE1433E}"/>
               </a:ext>
             </a:extLst>
           </p:cNvPr>
@@ -15034,7 +15013,7 @@
           <p:cNvPr id="31" name="文本框 30">
             <a:extLst>
               <a:ext uri="{FF2B5EF4-FFF2-40B4-BE49-F238E27FC236}">
-                <a16:creationId xmlns="" xmlns:a16="http://schemas.microsoft.com/office/drawing/2014/main" id="{310930CC-3490-4139-9EBA-7A9F8699EEE8}"/>
+                <a16:creationId xmlns:a16="http://schemas.microsoft.com/office/drawing/2014/main" id="{310930CC-3490-4139-9EBA-7A9F8699EEE8}"/>
               </a:ext>
             </a:extLst>
           </p:cNvPr>
@@ -15084,13 +15063,6 @@
   <p:transition spd="med">
     <p:push dir="u"/>
   </p:transition>
-  <p:timing>
-    <p:tnLst>
-      <p:par>
-        <p:cTn id="1" dur="indefinite" restart="never" nodeType="tmRoot"/>
-      </p:par>
-    </p:tnLst>
-  </p:timing>
 </p:sld>
 </file>
 
@@ -15833,7 +15805,7 @@
           <p:cNvPr id="14" name="TextBox 46">
             <a:extLst>
               <a:ext uri="{FF2B5EF4-FFF2-40B4-BE49-F238E27FC236}">
-                <a16:creationId xmlns="" xmlns:a16="http://schemas.microsoft.com/office/drawing/2014/main" id="{55883CF2-AF6F-490F-8A55-D365665B6802}"/>
+                <a16:creationId xmlns:a16="http://schemas.microsoft.com/office/drawing/2014/main" id="{55883CF2-AF6F-490F-8A55-D365665B6802}"/>
               </a:ext>
             </a:extLst>
           </p:cNvPr>
@@ -15899,7 +15871,7 @@
           <p:cNvPr id="2" name="文本框 1">
             <a:extLst>
               <a:ext uri="{FF2B5EF4-FFF2-40B4-BE49-F238E27FC236}">
-                <a16:creationId xmlns="" xmlns:a16="http://schemas.microsoft.com/office/drawing/2014/main" id="{95ECA6DA-B419-47EC-A2E9-314358DEDCCE}"/>
+                <a16:creationId xmlns:a16="http://schemas.microsoft.com/office/drawing/2014/main" id="{95ECA6DA-B419-47EC-A2E9-314358DEDCCE}"/>
               </a:ext>
             </a:extLst>
           </p:cNvPr>
@@ -15962,7 +15934,7 @@
           <p:cNvPr id="15" name="图片 14">
             <a:extLst>
               <a:ext uri="{FF2B5EF4-FFF2-40B4-BE49-F238E27FC236}">
-                <a16:creationId xmlns="" xmlns:a16="http://schemas.microsoft.com/office/drawing/2014/main" id="{DB2353C9-B125-4CDA-A10A-8A826EB987AF}"/>
+                <a16:creationId xmlns:a16="http://schemas.microsoft.com/office/drawing/2014/main" id="{DB2353C9-B125-4CDA-A10A-8A826EB987AF}"/>
               </a:ext>
             </a:extLst>
           </p:cNvPr>
@@ -15992,7 +15964,7 @@
           <p:cNvPr id="18" name="文本框 17">
             <a:extLst>
               <a:ext uri="{FF2B5EF4-FFF2-40B4-BE49-F238E27FC236}">
-                <a16:creationId xmlns="" xmlns:a16="http://schemas.microsoft.com/office/drawing/2014/main" id="{505937C2-AF81-4708-A5A0-4DA79AFE57F7}"/>
+                <a16:creationId xmlns:a16="http://schemas.microsoft.com/office/drawing/2014/main" id="{505937C2-AF81-4708-A5A0-4DA79AFE57F7}"/>
               </a:ext>
             </a:extLst>
           </p:cNvPr>
@@ -16034,7 +16006,7 @@
           <p:cNvPr id="19" name="下箭头 33">
             <a:extLst>
               <a:ext uri="{FF2B5EF4-FFF2-40B4-BE49-F238E27FC236}">
-                <a16:creationId xmlns="" xmlns:a16="http://schemas.microsoft.com/office/drawing/2014/main" id="{E36EBEC0-3999-46EA-BF2F-7982E559EFCA}"/>
+                <a16:creationId xmlns:a16="http://schemas.microsoft.com/office/drawing/2014/main" id="{E36EBEC0-3999-46EA-BF2F-7982E559EFCA}"/>
               </a:ext>
             </a:extLst>
           </p:cNvPr>
@@ -16088,7 +16060,7 @@
           <p:cNvPr id="20" name="下箭头 33">
             <a:extLst>
               <a:ext uri="{FF2B5EF4-FFF2-40B4-BE49-F238E27FC236}">
-                <a16:creationId xmlns="" xmlns:a16="http://schemas.microsoft.com/office/drawing/2014/main" id="{A032B688-77E3-4E8D-AA1E-AA28BF4CBE8F}"/>
+                <a16:creationId xmlns:a16="http://schemas.microsoft.com/office/drawing/2014/main" id="{A032B688-77E3-4E8D-AA1E-AA28BF4CBE8F}"/>
               </a:ext>
             </a:extLst>
           </p:cNvPr>
@@ -16142,7 +16114,7 @@
           <p:cNvPr id="22" name="矩形 21">
             <a:extLst>
               <a:ext uri="{FF2B5EF4-FFF2-40B4-BE49-F238E27FC236}">
-                <a16:creationId xmlns="" xmlns:a16="http://schemas.microsoft.com/office/drawing/2014/main" id="{5CC3C712-78FC-42AB-9483-273DB1B5C976}"/>
+                <a16:creationId xmlns:a16="http://schemas.microsoft.com/office/drawing/2014/main" id="{5CC3C712-78FC-42AB-9483-273DB1B5C976}"/>
               </a:ext>
             </a:extLst>
           </p:cNvPr>
@@ -16238,7 +16210,7 @@
           <p:cNvPr id="23" name="图片 22">
             <a:extLst>
               <a:ext uri="{FF2B5EF4-FFF2-40B4-BE49-F238E27FC236}">
-                <a16:creationId xmlns="" xmlns:a16="http://schemas.microsoft.com/office/drawing/2014/main" id="{708BBB37-0F81-4419-8A27-031133068451}"/>
+                <a16:creationId xmlns:a16="http://schemas.microsoft.com/office/drawing/2014/main" id="{708BBB37-0F81-4419-8A27-031133068451}"/>
               </a:ext>
             </a:extLst>
           </p:cNvPr>
@@ -16276,13 +16248,6 @@
   <p:transition spd="med">
     <p:push dir="u"/>
   </p:transition>
-  <p:timing>
-    <p:tnLst>
-      <p:par>
-        <p:cTn id="1" dur="indefinite" restart="never" nodeType="tmRoot"/>
-      </p:par>
-    </p:tnLst>
-  </p:timing>
 </p:sld>
 </file>
 
@@ -17550,13 +17515,6 @@
   <p:transition spd="med">
     <p:push dir="u"/>
   </p:transition>
-  <p:timing>
-    <p:tnLst>
-      <p:par>
-        <p:cTn id="1" dur="indefinite" restart="never" nodeType="tmRoot"/>
-      </p:par>
-    </p:tnLst>
-  </p:timing>
 </p:sld>
 </file>
 
@@ -18913,7 +18871,7 @@
           <p:cNvPr id="29" name="文本框 28">
             <a:extLst>
               <a:ext uri="{FF2B5EF4-FFF2-40B4-BE49-F238E27FC236}">
-                <a16:creationId xmlns="" xmlns:a16="http://schemas.microsoft.com/office/drawing/2014/main" id="{AD20217F-3D79-48B1-9E12-0CF7277C6B9A}"/>
+                <a16:creationId xmlns:a16="http://schemas.microsoft.com/office/drawing/2014/main" id="{AD20217F-3D79-48B1-9E12-0CF7277C6B9A}"/>
               </a:ext>
             </a:extLst>
           </p:cNvPr>
@@ -18963,13 +18921,6 @@
   <p:transition spd="med">
     <p:push dir="u"/>
   </p:transition>
-  <p:timing>
-    <p:tnLst>
-      <p:par>
-        <p:cTn id="1" dur="indefinite" restart="never" nodeType="tmRoot"/>
-      </p:par>
-    </p:tnLst>
-  </p:timing>
 </p:sld>
 </file>
 
@@ -20224,7 +20175,7 @@
           <p:cNvPr id="16" name="TextBox 15">
             <a:extLst>
               <a:ext uri="{FF2B5EF4-FFF2-40B4-BE49-F238E27FC236}">
-                <a16:creationId xmlns="" xmlns:a16="http://schemas.microsoft.com/office/drawing/2014/main" id="{6DF13735-4081-4307-8A75-E9E41F37B168}"/>
+                <a16:creationId xmlns:a16="http://schemas.microsoft.com/office/drawing/2014/main" id="{6DF13735-4081-4307-8A75-E9E41F37B168}"/>
               </a:ext>
             </a:extLst>
           </p:cNvPr>
@@ -20313,13 +20264,6 @@
   <p:transition spd="med">
     <p:push dir="u"/>
   </p:transition>
-  <p:timing>
-    <p:tnLst>
-      <p:par>
-        <p:cTn id="1" dur="indefinite" restart="never" nodeType="tmRoot"/>
-      </p:par>
-    </p:tnLst>
-  </p:timing>
 </p:sld>
 </file>
 
@@ -21000,7 +20944,7 @@
           <p:cNvPr id="2" name="表格 1">
             <a:extLst>
               <a:ext uri="{FF2B5EF4-FFF2-40B4-BE49-F238E27FC236}">
-                <a16:creationId xmlns="" xmlns:a16="http://schemas.microsoft.com/office/drawing/2014/main" id="{529F8A63-27D1-4E30-AF80-F1B9DDB2EBCB}"/>
+                <a16:creationId xmlns:a16="http://schemas.microsoft.com/office/drawing/2014/main" id="{529F8A63-27D1-4E30-AF80-F1B9DDB2EBCB}"/>
               </a:ext>
             </a:extLst>
           </p:cNvPr>
@@ -21029,28 +20973,28 @@
                 <a:gridCol w="1555373">
                   <a:extLst>
                     <a:ext uri="{9D8B030D-6E8A-4147-A177-3AD203B41FA5}">
-                      <a16:colId xmlns="" xmlns:a16="http://schemas.microsoft.com/office/drawing/2014/main" val="3046491277"/>
+                      <a16:colId xmlns:a16="http://schemas.microsoft.com/office/drawing/2014/main" val="3046491277"/>
                     </a:ext>
                   </a:extLst>
                 </a:gridCol>
                 <a:gridCol w="1555373">
                   <a:extLst>
                     <a:ext uri="{9D8B030D-6E8A-4147-A177-3AD203B41FA5}">
-                      <a16:colId xmlns="" xmlns:a16="http://schemas.microsoft.com/office/drawing/2014/main" val="3181357374"/>
+                      <a16:colId xmlns:a16="http://schemas.microsoft.com/office/drawing/2014/main" val="3181357374"/>
                     </a:ext>
                   </a:extLst>
                 </a:gridCol>
                 <a:gridCol w="1555373">
                   <a:extLst>
                     <a:ext uri="{9D8B030D-6E8A-4147-A177-3AD203B41FA5}">
-                      <a16:colId xmlns="" xmlns:a16="http://schemas.microsoft.com/office/drawing/2014/main" val="323473221"/>
+                      <a16:colId xmlns:a16="http://schemas.microsoft.com/office/drawing/2014/main" val="323473221"/>
                     </a:ext>
                   </a:extLst>
                 </a:gridCol>
                 <a:gridCol w="1555373">
                   <a:extLst>
                     <a:ext uri="{9D8B030D-6E8A-4147-A177-3AD203B41FA5}">
-                      <a16:colId xmlns="" xmlns:a16="http://schemas.microsoft.com/office/drawing/2014/main" val="1764454887"/>
+                      <a16:colId xmlns:a16="http://schemas.microsoft.com/office/drawing/2014/main" val="1764454887"/>
                     </a:ext>
                   </a:extLst>
                 </a:gridCol>
@@ -21152,7 +21096,7 @@
                 </a:tc>
                 <a:extLst>
                   <a:ext uri="{0D108BD9-81ED-4DB2-BD59-A6C34878D82A}">
-                    <a16:rowId xmlns="" xmlns:a16="http://schemas.microsoft.com/office/drawing/2014/main" val="3264120260"/>
+                    <a16:rowId xmlns:a16="http://schemas.microsoft.com/office/drawing/2014/main" val="3264120260"/>
                   </a:ext>
                 </a:extLst>
               </a:tr>
@@ -21234,7 +21178,7 @@
                 </a:tc>
                 <a:extLst>
                   <a:ext uri="{0D108BD9-81ED-4DB2-BD59-A6C34878D82A}">
-                    <a16:rowId xmlns="" xmlns:a16="http://schemas.microsoft.com/office/drawing/2014/main" val="693590304"/>
+                    <a16:rowId xmlns:a16="http://schemas.microsoft.com/office/drawing/2014/main" val="693590304"/>
                   </a:ext>
                 </a:extLst>
               </a:tr>
@@ -21316,7 +21260,7 @@
                 </a:tc>
                 <a:extLst>
                   <a:ext uri="{0D108BD9-81ED-4DB2-BD59-A6C34878D82A}">
-                    <a16:rowId xmlns="" xmlns:a16="http://schemas.microsoft.com/office/drawing/2014/main" val="4082461953"/>
+                    <a16:rowId xmlns:a16="http://schemas.microsoft.com/office/drawing/2014/main" val="4082461953"/>
                   </a:ext>
                 </a:extLst>
               </a:tr>
@@ -21398,7 +21342,7 @@
                 </a:tc>
                 <a:extLst>
                   <a:ext uri="{0D108BD9-81ED-4DB2-BD59-A6C34878D82A}">
-                    <a16:rowId xmlns="" xmlns:a16="http://schemas.microsoft.com/office/drawing/2014/main" val="436428789"/>
+                    <a16:rowId xmlns:a16="http://schemas.microsoft.com/office/drawing/2014/main" val="436428789"/>
                   </a:ext>
                 </a:extLst>
               </a:tr>
@@ -21514,7 +21458,7 @@
                 </a:tc>
                 <a:extLst>
                   <a:ext uri="{0D108BD9-81ED-4DB2-BD59-A6C34878D82A}">
-                    <a16:rowId xmlns="" xmlns:a16="http://schemas.microsoft.com/office/drawing/2014/main" val="3443909576"/>
+                    <a16:rowId xmlns:a16="http://schemas.microsoft.com/office/drawing/2014/main" val="3443909576"/>
                   </a:ext>
                 </a:extLst>
               </a:tr>
@@ -21527,7 +21471,7 @@
           <p:cNvPr id="43" name="文本框 42">
             <a:extLst>
               <a:ext uri="{FF2B5EF4-FFF2-40B4-BE49-F238E27FC236}">
-                <a16:creationId xmlns="" xmlns:a16="http://schemas.microsoft.com/office/drawing/2014/main" id="{1E32A157-9103-4EE9-83CC-106ECEEB4640}"/>
+                <a16:creationId xmlns:a16="http://schemas.microsoft.com/office/drawing/2014/main" id="{1E32A157-9103-4EE9-83CC-106ECEEB4640}"/>
               </a:ext>
             </a:extLst>
           </p:cNvPr>
@@ -21569,7 +21513,7 @@
           <p:cNvPr id="45" name="文本框 44">
             <a:extLst>
               <a:ext uri="{FF2B5EF4-FFF2-40B4-BE49-F238E27FC236}">
-                <a16:creationId xmlns="" xmlns:a16="http://schemas.microsoft.com/office/drawing/2014/main" id="{01139506-E134-4BC1-AAEE-241BD364136D}"/>
+                <a16:creationId xmlns:a16="http://schemas.microsoft.com/office/drawing/2014/main" id="{01139506-E134-4BC1-AAEE-241BD364136D}"/>
               </a:ext>
             </a:extLst>
           </p:cNvPr>
@@ -21611,7 +21555,7 @@
           <p:cNvPr id="14" name="图片 13">
             <a:extLst>
               <a:ext uri="{FF2B5EF4-FFF2-40B4-BE49-F238E27FC236}">
-                <a16:creationId xmlns="" xmlns:a16="http://schemas.microsoft.com/office/drawing/2014/main" id="{3CA7271E-F7A3-4190-BBC9-215E5C26F1D2}"/>
+                <a16:creationId xmlns:a16="http://schemas.microsoft.com/office/drawing/2014/main" id="{3CA7271E-F7A3-4190-BBC9-215E5C26F1D2}"/>
               </a:ext>
             </a:extLst>
           </p:cNvPr>
@@ -21649,13 +21593,6 @@
   <p:transition spd="med">
     <p:push dir="u"/>
   </p:transition>
-  <p:timing>
-    <p:tnLst>
-      <p:par>
-        <p:cTn id="1" dur="indefinite" restart="never" nodeType="tmRoot"/>
-      </p:par>
-    </p:tnLst>
-  </p:timing>
 </p:sld>
 </file>
 
@@ -22336,7 +22273,7 @@
           <p:cNvPr id="33" name="图片 32">
             <a:extLst>
               <a:ext uri="{FF2B5EF4-FFF2-40B4-BE49-F238E27FC236}">
-                <a16:creationId xmlns="" xmlns:a16="http://schemas.microsoft.com/office/drawing/2014/main" id="{9C6813BB-5555-405D-9450-66AB68F4E3E0}"/>
+                <a16:creationId xmlns:a16="http://schemas.microsoft.com/office/drawing/2014/main" id="{9C6813BB-5555-405D-9450-66AB68F4E3E0}"/>
               </a:ext>
             </a:extLst>
           </p:cNvPr>
@@ -22370,7 +22307,7 @@
           <p:cNvPr id="34" name="文本框 33">
             <a:extLst>
               <a:ext uri="{FF2B5EF4-FFF2-40B4-BE49-F238E27FC236}">
-                <a16:creationId xmlns="" xmlns:a16="http://schemas.microsoft.com/office/drawing/2014/main" id="{2B061277-8924-45C2-ABEA-18B51F81A5B0}"/>
+                <a16:creationId xmlns:a16="http://schemas.microsoft.com/office/drawing/2014/main" id="{2B061277-8924-45C2-ABEA-18B51F81A5B0}"/>
               </a:ext>
             </a:extLst>
           </p:cNvPr>
@@ -22426,7 +22363,7 @@
           <p:cNvPr id="19" name="图片 18">
             <a:extLst>
               <a:ext uri="{FF2B5EF4-FFF2-40B4-BE49-F238E27FC236}">
-                <a16:creationId xmlns="" xmlns:a16="http://schemas.microsoft.com/office/drawing/2014/main" id="{CE86F1B3-AD1E-4F6E-81DA-82FB81E6B79D}"/>
+                <a16:creationId xmlns:a16="http://schemas.microsoft.com/office/drawing/2014/main" id="{CE86F1B3-AD1E-4F6E-81DA-82FB81E6B79D}"/>
               </a:ext>
             </a:extLst>
           </p:cNvPr>
@@ -22460,7 +22397,7 @@
           <p:cNvPr id="20" name="文本框 19">
             <a:extLst>
               <a:ext uri="{FF2B5EF4-FFF2-40B4-BE49-F238E27FC236}">
-                <a16:creationId xmlns="" xmlns:a16="http://schemas.microsoft.com/office/drawing/2014/main" id="{1BEED469-1CF8-4109-B300-64C04DB3CEEC}"/>
+                <a16:creationId xmlns:a16="http://schemas.microsoft.com/office/drawing/2014/main" id="{1BEED469-1CF8-4109-B300-64C04DB3CEEC}"/>
               </a:ext>
             </a:extLst>
           </p:cNvPr>
@@ -22516,7 +22453,7 @@
           <p:cNvPr id="24" name="组合 23">
             <a:extLst>
               <a:ext uri="{FF2B5EF4-FFF2-40B4-BE49-F238E27FC236}">
-                <a16:creationId xmlns="" xmlns:a16="http://schemas.microsoft.com/office/drawing/2014/main" id="{2C52F46E-A416-430E-9976-C033F5A0E3D8}"/>
+                <a16:creationId xmlns:a16="http://schemas.microsoft.com/office/drawing/2014/main" id="{2C52F46E-A416-430E-9976-C033F5A0E3D8}"/>
               </a:ext>
             </a:extLst>
           </p:cNvPr>
@@ -22536,7 +22473,7 @@
             <p:cNvPr id="2" name="矩形 1">
               <a:extLst>
                 <a:ext uri="{FF2B5EF4-FFF2-40B4-BE49-F238E27FC236}">
-                  <a16:creationId xmlns="" xmlns:a16="http://schemas.microsoft.com/office/drawing/2014/main" id="{4AD83D79-2F49-4998-A677-A70E36EF1315}"/>
+                  <a16:creationId xmlns:a16="http://schemas.microsoft.com/office/drawing/2014/main" id="{4AD83D79-2F49-4998-A677-A70E36EF1315}"/>
                 </a:ext>
               </a:extLst>
             </p:cNvPr>
@@ -22588,7 +22525,7 @@
             <p:cNvPr id="18" name="矩形 17">
               <a:extLst>
                 <a:ext uri="{FF2B5EF4-FFF2-40B4-BE49-F238E27FC236}">
-                  <a16:creationId xmlns="" xmlns:a16="http://schemas.microsoft.com/office/drawing/2014/main" id="{63CFB48C-33DF-4D3B-B065-1B31E2DB25C2}"/>
+                  <a16:creationId xmlns:a16="http://schemas.microsoft.com/office/drawing/2014/main" id="{63CFB48C-33DF-4D3B-B065-1B31E2DB25C2}"/>
                 </a:ext>
               </a:extLst>
             </p:cNvPr>
@@ -22640,7 +22577,7 @@
             <p:cNvPr id="12" name="直接箭头连接符 11">
               <a:extLst>
                 <a:ext uri="{FF2B5EF4-FFF2-40B4-BE49-F238E27FC236}">
-                  <a16:creationId xmlns="" xmlns:a16="http://schemas.microsoft.com/office/drawing/2014/main" id="{E1937D5A-17C6-4F21-BC1A-FFCC1762F3C6}"/>
+                  <a16:creationId xmlns:a16="http://schemas.microsoft.com/office/drawing/2014/main" id="{E1937D5A-17C6-4F21-BC1A-FFCC1762F3C6}"/>
                 </a:ext>
               </a:extLst>
             </p:cNvPr>
@@ -22684,7 +22621,7 @@
             <p:cNvPr id="23" name="直接箭头连接符 22">
               <a:extLst>
                 <a:ext uri="{FF2B5EF4-FFF2-40B4-BE49-F238E27FC236}">
-                  <a16:creationId xmlns="" xmlns:a16="http://schemas.microsoft.com/office/drawing/2014/main" id="{7EA1ED8F-9FD8-4F48-B7C5-455D94C2D077}"/>
+                  <a16:creationId xmlns:a16="http://schemas.microsoft.com/office/drawing/2014/main" id="{7EA1ED8F-9FD8-4F48-B7C5-455D94C2D077}"/>
                 </a:ext>
               </a:extLst>
             </p:cNvPr>
@@ -22728,7 +22665,7 @@
             <p:cNvPr id="22" name="文本框 21">
               <a:extLst>
                 <a:ext uri="{FF2B5EF4-FFF2-40B4-BE49-F238E27FC236}">
-                  <a16:creationId xmlns="" xmlns:a16="http://schemas.microsoft.com/office/drawing/2014/main" id="{829DFA88-1E87-4E9E-84ED-6A07111FAA66}"/>
+                  <a16:creationId xmlns:a16="http://schemas.microsoft.com/office/drawing/2014/main" id="{829DFA88-1E87-4E9E-84ED-6A07111FAA66}"/>
                 </a:ext>
               </a:extLst>
             </p:cNvPr>
@@ -22779,7 +22716,7 @@
                   <a:latin typeface="微软雅黑" panose="020B0503020204020204" pitchFamily="34" charset="-122"/>
                   <a:ea typeface="微软雅黑" panose="020B0503020204020204" pitchFamily="34" charset="-122"/>
                 </a:rPr>
-                <a:t>气候态</a:t>
+                <a:t>发展气候态</a:t>
               </a:r>
               <a:endParaRPr lang="en-US" dirty="0">
                 <a:solidFill>
@@ -23614,7 +23551,7 @@
           <p:cNvPr id="19" name="文本框 18">
             <a:extLst>
               <a:ext uri="{FF2B5EF4-FFF2-40B4-BE49-F238E27FC236}">
-                <a16:creationId xmlns="" xmlns:a16="http://schemas.microsoft.com/office/drawing/2014/main" id="{0D82BFAC-BB4C-4ECD-868F-B60624128845}"/>
+                <a16:creationId xmlns:a16="http://schemas.microsoft.com/office/drawing/2014/main" id="{0D82BFAC-BB4C-4ECD-868F-B60624128845}"/>
               </a:ext>
             </a:extLst>
           </p:cNvPr>
@@ -23623,7 +23560,7 @@
         </p:nvSpPr>
         <p:spPr>
           <a:xfrm>
-            <a:off x="2699790" y="5517232"/>
+            <a:off x="3061654" y="5505164"/>
             <a:ext cx="3600401" cy="276999"/>
           </a:xfrm>
           <a:prstGeom prst="rect">
@@ -23638,11 +23575,18 @@
           <a:lstStyle/>
           <a:p>
             <a:r>
+              <a:rPr lang="en-US" altLang="zh-CN" sz="1200" dirty="0">
+                <a:latin typeface="微软雅黑" panose="020B0503020204020204" pitchFamily="34" charset="-122"/>
+                <a:ea typeface="微软雅黑" panose="020B0503020204020204" pitchFamily="34" charset="-122"/>
+              </a:rPr>
+              <a:t>1</a:t>
+            </a:r>
+            <a:r>
               <a:rPr lang="zh-CN" altLang="en-US" sz="1200" dirty="0">
                 <a:latin typeface="微软雅黑" panose="020B0503020204020204" pitchFamily="34" charset="-122"/>
                 <a:ea typeface="微软雅黑" panose="020B0503020204020204" pitchFamily="34" charset="-122"/>
               </a:rPr>
-              <a:t>第一季度</a:t>
+              <a:t>月</a:t>
             </a:r>
             <a:r>
               <a:rPr lang="en-US" altLang="zh-CN" sz="1200" dirty="0">
@@ -23691,7 +23635,7 @@
           <p:cNvPr id="2" name="图片 1">
             <a:extLst>
               <a:ext uri="{FF2B5EF4-FFF2-40B4-BE49-F238E27FC236}">
-                <a16:creationId xmlns="" xmlns:a16="http://schemas.microsoft.com/office/drawing/2014/main" id="{959A4850-EFCF-41B8-A815-F9923883D9E4}"/>
+                <a16:creationId xmlns:a16="http://schemas.microsoft.com/office/drawing/2014/main" id="{959A4850-EFCF-41B8-A815-F9923883D9E4}"/>
               </a:ext>
             </a:extLst>
           </p:cNvPr>
@@ -23721,7 +23665,7 @@
           <p:cNvPr id="23" name="组合 22">
             <a:extLst>
               <a:ext uri="{FF2B5EF4-FFF2-40B4-BE49-F238E27FC236}">
-                <a16:creationId xmlns="" xmlns:a16="http://schemas.microsoft.com/office/drawing/2014/main" id="{933D935F-1A3F-4F3F-9E59-E7213E28A96F}"/>
+                <a16:creationId xmlns:a16="http://schemas.microsoft.com/office/drawing/2014/main" id="{933D935F-1A3F-4F3F-9E59-E7213E28A96F}"/>
               </a:ext>
             </a:extLst>
           </p:cNvPr>
@@ -23741,7 +23685,7 @@
             <p:cNvPr id="24" name="矩形 23">
               <a:extLst>
                 <a:ext uri="{FF2B5EF4-FFF2-40B4-BE49-F238E27FC236}">
-                  <a16:creationId xmlns="" xmlns:a16="http://schemas.microsoft.com/office/drawing/2014/main" id="{19AE8A0D-6F33-4098-B7FB-423FE428AC2B}"/>
+                  <a16:creationId xmlns:a16="http://schemas.microsoft.com/office/drawing/2014/main" id="{19AE8A0D-6F33-4098-B7FB-423FE428AC2B}"/>
                 </a:ext>
               </a:extLst>
             </p:cNvPr>
@@ -23793,7 +23737,7 @@
             <p:cNvPr id="25" name="矩形 24">
               <a:extLst>
                 <a:ext uri="{FF2B5EF4-FFF2-40B4-BE49-F238E27FC236}">
-                  <a16:creationId xmlns="" xmlns:a16="http://schemas.microsoft.com/office/drawing/2014/main" id="{E4D7CBD3-3653-44FD-98E8-163D05715E48}"/>
+                  <a16:creationId xmlns:a16="http://schemas.microsoft.com/office/drawing/2014/main" id="{E4D7CBD3-3653-44FD-98E8-163D05715E48}"/>
                 </a:ext>
               </a:extLst>
             </p:cNvPr>
@@ -23845,7 +23789,7 @@
             <p:cNvPr id="26" name="直接箭头连接符 25">
               <a:extLst>
                 <a:ext uri="{FF2B5EF4-FFF2-40B4-BE49-F238E27FC236}">
-                  <a16:creationId xmlns="" xmlns:a16="http://schemas.microsoft.com/office/drawing/2014/main" id="{50ADEF3F-732C-4155-8B68-E842DACAD936}"/>
+                  <a16:creationId xmlns:a16="http://schemas.microsoft.com/office/drawing/2014/main" id="{50ADEF3F-732C-4155-8B68-E842DACAD936}"/>
                 </a:ext>
               </a:extLst>
             </p:cNvPr>
@@ -23889,7 +23833,7 @@
             <p:cNvPr id="31" name="直接箭头连接符 30">
               <a:extLst>
                 <a:ext uri="{FF2B5EF4-FFF2-40B4-BE49-F238E27FC236}">
-                  <a16:creationId xmlns="" xmlns:a16="http://schemas.microsoft.com/office/drawing/2014/main" id="{8F81283D-628E-4BF4-9FD9-B9EEF1876533}"/>
+                  <a16:creationId xmlns:a16="http://schemas.microsoft.com/office/drawing/2014/main" id="{8F81283D-628E-4BF4-9FD9-B9EEF1876533}"/>
                 </a:ext>
               </a:extLst>
             </p:cNvPr>
@@ -23933,7 +23877,7 @@
             <p:cNvPr id="32" name="文本框 31">
               <a:extLst>
                 <a:ext uri="{FF2B5EF4-FFF2-40B4-BE49-F238E27FC236}">
-                  <a16:creationId xmlns="" xmlns:a16="http://schemas.microsoft.com/office/drawing/2014/main" id="{23B9A179-5FBD-45E8-B7ED-DBC62BB88909}"/>
+                  <a16:creationId xmlns:a16="http://schemas.microsoft.com/office/drawing/2014/main" id="{23B9A179-5FBD-45E8-B7ED-DBC62BB88909}"/>
                 </a:ext>
               </a:extLst>
             </p:cNvPr>
@@ -23982,7 +23926,7 @@
           <p:cNvPr id="14" name="图片 13">
             <a:extLst>
               <a:ext uri="{FF2B5EF4-FFF2-40B4-BE49-F238E27FC236}">
-                <a16:creationId xmlns="" xmlns:a16="http://schemas.microsoft.com/office/drawing/2014/main" id="{1FCC50BB-8086-4CCC-8F66-539C3F883EBD}"/>
+                <a16:creationId xmlns:a16="http://schemas.microsoft.com/office/drawing/2014/main" id="{1FCC50BB-8086-4CCC-8F66-539C3F883EBD}"/>
               </a:ext>
             </a:extLst>
           </p:cNvPr>
@@ -24829,7 +24773,7 @@
           <p:cNvPr id="19" name="文本框 18">
             <a:extLst>
               <a:ext uri="{FF2B5EF4-FFF2-40B4-BE49-F238E27FC236}">
-                <a16:creationId xmlns="" xmlns:a16="http://schemas.microsoft.com/office/drawing/2014/main" id="{0D82BFAC-BB4C-4ECD-868F-B60624128845}"/>
+                <a16:creationId xmlns:a16="http://schemas.microsoft.com/office/drawing/2014/main" id="{0D82BFAC-BB4C-4ECD-868F-B60624128845}"/>
               </a:ext>
             </a:extLst>
           </p:cNvPr>
@@ -24838,7 +24782,7 @@
         </p:nvSpPr>
         <p:spPr>
           <a:xfrm>
-            <a:off x="2699790" y="5517232"/>
+            <a:off x="3059832" y="5521404"/>
             <a:ext cx="3600401" cy="276999"/>
           </a:xfrm>
           <a:prstGeom prst="rect">
@@ -24853,11 +24797,18 @@
           <a:lstStyle/>
           <a:p>
             <a:r>
+              <a:rPr lang="en-US" altLang="zh-CN" sz="1200" dirty="0">
+                <a:latin typeface="微软雅黑" panose="020B0503020204020204" pitchFamily="34" charset="-122"/>
+                <a:ea typeface="微软雅黑" panose="020B0503020204020204" pitchFamily="34" charset="-122"/>
+              </a:rPr>
+              <a:t>9</a:t>
+            </a:r>
+            <a:r>
               <a:rPr lang="zh-CN" altLang="en-US" sz="1200" dirty="0">
                 <a:latin typeface="微软雅黑" panose="020B0503020204020204" pitchFamily="34" charset="-122"/>
                 <a:ea typeface="微软雅黑" panose="020B0503020204020204" pitchFamily="34" charset="-122"/>
               </a:rPr>
-              <a:t>第三季度</a:t>
+              <a:t>月</a:t>
             </a:r>
             <a:r>
               <a:rPr lang="en-US" altLang="zh-CN" sz="1200" dirty="0">
@@ -24906,7 +24857,7 @@
           <p:cNvPr id="15" name="图片 14">
             <a:extLst>
               <a:ext uri="{FF2B5EF4-FFF2-40B4-BE49-F238E27FC236}">
-                <a16:creationId xmlns="" xmlns:a16="http://schemas.microsoft.com/office/drawing/2014/main" id="{F1F216F5-99D0-4323-BC1C-9D445E7FF4BE}"/>
+                <a16:creationId xmlns:a16="http://schemas.microsoft.com/office/drawing/2014/main" id="{F1F216F5-99D0-4323-BC1C-9D445E7FF4BE}"/>
               </a:ext>
             </a:extLst>
           </p:cNvPr>
@@ -24936,7 +24887,7 @@
           <p:cNvPr id="20" name="组合 19">
             <a:extLst>
               <a:ext uri="{FF2B5EF4-FFF2-40B4-BE49-F238E27FC236}">
-                <a16:creationId xmlns="" xmlns:a16="http://schemas.microsoft.com/office/drawing/2014/main" id="{8C620BFB-62AA-4A25-B7F5-D24E714BE021}"/>
+                <a16:creationId xmlns:a16="http://schemas.microsoft.com/office/drawing/2014/main" id="{8C620BFB-62AA-4A25-B7F5-D24E714BE021}"/>
               </a:ext>
             </a:extLst>
           </p:cNvPr>
@@ -24956,7 +24907,7 @@
             <p:cNvPr id="17" name="矩形 16">
               <a:extLst>
                 <a:ext uri="{FF2B5EF4-FFF2-40B4-BE49-F238E27FC236}">
-                  <a16:creationId xmlns="" xmlns:a16="http://schemas.microsoft.com/office/drawing/2014/main" id="{6417E2AB-A47C-4FA0-83E6-9B6DDFA50FCE}"/>
+                  <a16:creationId xmlns:a16="http://schemas.microsoft.com/office/drawing/2014/main" id="{6417E2AB-A47C-4FA0-83E6-9B6DDFA50FCE}"/>
                 </a:ext>
               </a:extLst>
             </p:cNvPr>
@@ -25008,7 +24959,7 @@
             <p:cNvPr id="27" name="矩形 26">
               <a:extLst>
                 <a:ext uri="{FF2B5EF4-FFF2-40B4-BE49-F238E27FC236}">
-                  <a16:creationId xmlns="" xmlns:a16="http://schemas.microsoft.com/office/drawing/2014/main" id="{5A56DA1A-9750-4FE4-A853-413CED60EEF2}"/>
+                  <a16:creationId xmlns:a16="http://schemas.microsoft.com/office/drawing/2014/main" id="{5A56DA1A-9750-4FE4-A853-413CED60EEF2}"/>
                 </a:ext>
               </a:extLst>
             </p:cNvPr>
@@ -25060,7 +25011,7 @@
             <p:cNvPr id="28" name="直接箭头连接符 27">
               <a:extLst>
                 <a:ext uri="{FF2B5EF4-FFF2-40B4-BE49-F238E27FC236}">
-                  <a16:creationId xmlns="" xmlns:a16="http://schemas.microsoft.com/office/drawing/2014/main" id="{A6240AF8-4D90-40AF-9E25-7C95B13B7F38}"/>
+                  <a16:creationId xmlns:a16="http://schemas.microsoft.com/office/drawing/2014/main" id="{A6240AF8-4D90-40AF-9E25-7C95B13B7F38}"/>
                 </a:ext>
               </a:extLst>
             </p:cNvPr>
@@ -25104,7 +25055,7 @@
             <p:cNvPr id="29" name="直接箭头连接符 28">
               <a:extLst>
                 <a:ext uri="{FF2B5EF4-FFF2-40B4-BE49-F238E27FC236}">
-                  <a16:creationId xmlns="" xmlns:a16="http://schemas.microsoft.com/office/drawing/2014/main" id="{C35E8E2E-5827-49BA-9815-81C4B1C1BFA8}"/>
+                  <a16:creationId xmlns:a16="http://schemas.microsoft.com/office/drawing/2014/main" id="{C35E8E2E-5827-49BA-9815-81C4B1C1BFA8}"/>
                 </a:ext>
               </a:extLst>
             </p:cNvPr>
@@ -25148,7 +25099,7 @@
             <p:cNvPr id="30" name="文本框 29">
               <a:extLst>
                 <a:ext uri="{FF2B5EF4-FFF2-40B4-BE49-F238E27FC236}">
-                  <a16:creationId xmlns="" xmlns:a16="http://schemas.microsoft.com/office/drawing/2014/main" id="{4FC5A471-AA48-45EC-80F1-78251BDFAB66}"/>
+                  <a16:creationId xmlns:a16="http://schemas.microsoft.com/office/drawing/2014/main" id="{4FC5A471-AA48-45EC-80F1-78251BDFAB66}"/>
                 </a:ext>
               </a:extLst>
             </p:cNvPr>
@@ -28036,13 +27987,6 @@
   <p:transition spd="med">
     <p:push dir="u"/>
   </p:transition>
-  <p:timing>
-    <p:tnLst>
-      <p:par>
-        <p:cTn id="1" dur="indefinite" restart="never" nodeType="tmRoot"/>
-      </p:par>
-    </p:tnLst>
-  </p:timing>
 </p:sld>
 </file>
 
@@ -28723,7 +28667,7 @@
           <p:cNvPr id="18" name="图片 17">
             <a:extLst>
               <a:ext uri="{FF2B5EF4-FFF2-40B4-BE49-F238E27FC236}">
-                <a16:creationId xmlns="" xmlns:a16="http://schemas.microsoft.com/office/drawing/2014/main" id="{C73F9C32-7C93-416C-BFD7-5485EDC64959}"/>
+                <a16:creationId xmlns:a16="http://schemas.microsoft.com/office/drawing/2014/main" id="{C73F9C32-7C93-416C-BFD7-5485EDC64959}"/>
               </a:ext>
             </a:extLst>
           </p:cNvPr>
@@ -28753,7 +28697,7 @@
           <p:cNvPr id="19" name="文本框 18">
             <a:extLst>
               <a:ext uri="{FF2B5EF4-FFF2-40B4-BE49-F238E27FC236}">
-                <a16:creationId xmlns="" xmlns:a16="http://schemas.microsoft.com/office/drawing/2014/main" id="{0D82BFAC-BB4C-4ECD-868F-B60624128845}"/>
+                <a16:creationId xmlns:a16="http://schemas.microsoft.com/office/drawing/2014/main" id="{0D82BFAC-BB4C-4ECD-868F-B60624128845}"/>
               </a:ext>
             </a:extLst>
           </p:cNvPr>
@@ -28830,7 +28774,7 @@
           <p:cNvPr id="26" name="组合 25">
             <a:extLst>
               <a:ext uri="{FF2B5EF4-FFF2-40B4-BE49-F238E27FC236}">
-                <a16:creationId xmlns="" xmlns:a16="http://schemas.microsoft.com/office/drawing/2014/main" id="{91614314-30B0-47DD-8B99-D0489868A781}"/>
+                <a16:creationId xmlns:a16="http://schemas.microsoft.com/office/drawing/2014/main" id="{91614314-30B0-47DD-8B99-D0489868A781}"/>
               </a:ext>
             </a:extLst>
           </p:cNvPr>
@@ -28840,9 +28784,9 @@
         <p:grpSpPr>
           <a:xfrm>
             <a:off x="1522288" y="2924944"/>
-            <a:ext cx="6460992" cy="2336050"/>
+            <a:ext cx="6460992" cy="2551494"/>
             <a:chOff x="1522288" y="2924944"/>
-            <a:chExt cx="6460992" cy="2336050"/>
+            <a:chExt cx="6460992" cy="2551494"/>
           </a:xfrm>
         </p:grpSpPr>
         <p:sp>
@@ -28850,7 +28794,7 @@
             <p:cNvPr id="2" name="矩形 1">
               <a:extLst>
                 <a:ext uri="{FF2B5EF4-FFF2-40B4-BE49-F238E27FC236}">
-                  <a16:creationId xmlns="" xmlns:a16="http://schemas.microsoft.com/office/drawing/2014/main" id="{8E0DA11D-3BE9-489A-9CDD-1ACB602FC393}"/>
+                  <a16:creationId xmlns:a16="http://schemas.microsoft.com/office/drawing/2014/main" id="{8E0DA11D-3BE9-489A-9CDD-1ACB602FC393}"/>
                 </a:ext>
               </a:extLst>
             </p:cNvPr>
@@ -28902,7 +28846,7 @@
             <p:cNvPr id="21" name="矩形 20">
               <a:extLst>
                 <a:ext uri="{FF2B5EF4-FFF2-40B4-BE49-F238E27FC236}">
-                  <a16:creationId xmlns="" xmlns:a16="http://schemas.microsoft.com/office/drawing/2014/main" id="{40747C36-DD7F-48C8-9819-511282630C51}"/>
+                  <a16:creationId xmlns:a16="http://schemas.microsoft.com/office/drawing/2014/main" id="{40747C36-DD7F-48C8-9819-511282630C51}"/>
                 </a:ext>
               </a:extLst>
             </p:cNvPr>
@@ -28954,7 +28898,7 @@
             <p:cNvPr id="14" name="直接箭头连接符 13">
               <a:extLst>
                 <a:ext uri="{FF2B5EF4-FFF2-40B4-BE49-F238E27FC236}">
-                  <a16:creationId xmlns="" xmlns:a16="http://schemas.microsoft.com/office/drawing/2014/main" id="{F4B10F6E-96A1-4954-992B-933026FB7C4A}"/>
+                  <a16:creationId xmlns:a16="http://schemas.microsoft.com/office/drawing/2014/main" id="{F4B10F6E-96A1-4954-992B-933026FB7C4A}"/>
                 </a:ext>
               </a:extLst>
             </p:cNvPr>
@@ -28998,7 +28942,7 @@
             <p:cNvPr id="25" name="直接箭头连接符 24">
               <a:extLst>
                 <a:ext uri="{FF2B5EF4-FFF2-40B4-BE49-F238E27FC236}">
-                  <a16:creationId xmlns="" xmlns:a16="http://schemas.microsoft.com/office/drawing/2014/main" id="{8441FEE0-13A3-4506-A2DE-B1838BFC00AD}"/>
+                  <a16:creationId xmlns:a16="http://schemas.microsoft.com/office/drawing/2014/main" id="{8441FEE0-13A3-4506-A2DE-B1838BFC00AD}"/>
                 </a:ext>
               </a:extLst>
             </p:cNvPr>
@@ -29042,7 +28986,7 @@
             <p:cNvPr id="24" name="文本框 23">
               <a:extLst>
                 <a:ext uri="{FF2B5EF4-FFF2-40B4-BE49-F238E27FC236}">
-                  <a16:creationId xmlns="" xmlns:a16="http://schemas.microsoft.com/office/drawing/2014/main" id="{97C07B51-A4CF-4C7A-9336-24C37804B626}"/>
+                  <a16:creationId xmlns:a16="http://schemas.microsoft.com/office/drawing/2014/main" id="{97C07B51-A4CF-4C7A-9336-24C37804B626}"/>
                 </a:ext>
               </a:extLst>
             </p:cNvPr>
@@ -29052,7 +28996,7 @@
           <p:spPr>
             <a:xfrm>
               <a:off x="6372200" y="4737774"/>
-              <a:ext cx="1611080" cy="523220"/>
+              <a:ext cx="1611080" cy="738664"/>
             </a:xfrm>
             <a:prstGeom prst="rect">
               <a:avLst/>
@@ -29066,6 +29010,16 @@
             <a:lstStyle/>
             <a:p>
               <a:r>
+                <a:rPr lang="zh-CN" altLang="en-US" sz="1400">
+                  <a:solidFill>
+                    <a:srgbClr val="FF0000"/>
+                  </a:solidFill>
+                  <a:latin typeface="微软雅黑" panose="020B0503020204020204" pitchFamily="34" charset="-122"/>
+                  <a:ea typeface="微软雅黑" panose="020B0503020204020204" pitchFamily="34" charset="-122"/>
+                </a:rPr>
+                <a:t>正向发展</a:t>
+              </a:r>
+              <a:r>
                 <a:rPr lang="zh-CN" altLang="en-US" sz="1400" dirty="0">
                   <a:solidFill>
                     <a:srgbClr val="FF0000"/>
@@ -29073,7 +29027,7 @@
                   <a:latin typeface="微软雅黑" panose="020B0503020204020204" pitchFamily="34" charset="-122"/>
                   <a:ea typeface="微软雅黑" panose="020B0503020204020204" pitchFamily="34" charset="-122"/>
                 </a:rPr>
-                <a:t>发展最快，基本可以判断为</a:t>
+                <a:t>最快，基本可以判断为</a:t>
               </a:r>
               <a:r>
                 <a:rPr lang="en-US" altLang="zh-CN" sz="1400" dirty="0">
@@ -29975,13 +29929,6 @@
   <p:transition spd="med">
     <p:push dir="u"/>
   </p:transition>
-  <p:timing>
-    <p:tnLst>
-      <p:par>
-        <p:cTn id="1" dur="indefinite" restart="never" nodeType="tmRoot"/>
-      </p:par>
-    </p:tnLst>
-  </p:timing>
 </p:sld>
 </file>
 
@@ -30688,7 +30635,7 @@
           <p:cNvPr id="2" name="组合 1">
             <a:extLst>
               <a:ext uri="{FF2B5EF4-FFF2-40B4-BE49-F238E27FC236}">
-                <a16:creationId xmlns="" xmlns:a16="http://schemas.microsoft.com/office/drawing/2014/main" id="{64CBD4F7-1657-4E1B-8B15-F33986A04978}"/>
+                <a16:creationId xmlns:a16="http://schemas.microsoft.com/office/drawing/2014/main" id="{64CBD4F7-1657-4E1B-8B15-F33986A04978}"/>
               </a:ext>
             </a:extLst>
           </p:cNvPr>
@@ -31084,7 +31031,7 @@
           <p:cNvPr id="9" name="文本框 8">
             <a:extLst>
               <a:ext uri="{FF2B5EF4-FFF2-40B4-BE49-F238E27FC236}">
-                <a16:creationId xmlns="" xmlns:a16="http://schemas.microsoft.com/office/drawing/2014/main" id="{B5FAEB35-1AB6-458B-910A-804A18C27754}"/>
+                <a16:creationId xmlns:a16="http://schemas.microsoft.com/office/drawing/2014/main" id="{B5FAEB35-1AB6-458B-910A-804A18C27754}"/>
               </a:ext>
             </a:extLst>
           </p:cNvPr>
@@ -31126,7 +31073,7 @@
           <p:cNvPr id="14" name="文本框 13">
             <a:extLst>
               <a:ext uri="{FF2B5EF4-FFF2-40B4-BE49-F238E27FC236}">
-                <a16:creationId xmlns="" xmlns:a16="http://schemas.microsoft.com/office/drawing/2014/main" id="{00C2AEDF-DACA-4E39-BADB-6030CB900A5A}"/>
+                <a16:creationId xmlns:a16="http://schemas.microsoft.com/office/drawing/2014/main" id="{00C2AEDF-DACA-4E39-BADB-6030CB900A5A}"/>
               </a:ext>
             </a:extLst>
           </p:cNvPr>
@@ -31324,13 +31271,6 @@
   <p:transition spd="med">
     <p:push dir="u"/>
   </p:transition>
-  <p:timing>
-    <p:tnLst>
-      <p:par>
-        <p:cTn id="1" dur="indefinite" restart="never" nodeType="tmRoot"/>
-      </p:par>
-    </p:tnLst>
-  </p:timing>
 </p:sld>
 </file>
 
@@ -35433,7 +35373,7 @@
           <p:cNvPr id="69" name="肘形连接符 5">
             <a:extLst>
               <a:ext uri="{FF2B5EF4-FFF2-40B4-BE49-F238E27FC236}">
-                <a16:creationId xmlns="" xmlns:a16="http://schemas.microsoft.com/office/drawing/2014/main" id="{6E3EF5E8-A41D-4A0C-BA85-13326B1DC03D}"/>
+                <a16:creationId xmlns:a16="http://schemas.microsoft.com/office/drawing/2014/main" id="{6E3EF5E8-A41D-4A0C-BA85-13326B1DC03D}"/>
               </a:ext>
             </a:extLst>
           </p:cNvPr>
@@ -35478,7 +35418,7 @@
           <p:cNvPr id="70" name="圆角矩形 9">
             <a:extLst>
               <a:ext uri="{FF2B5EF4-FFF2-40B4-BE49-F238E27FC236}">
-                <a16:creationId xmlns="" xmlns:a16="http://schemas.microsoft.com/office/drawing/2014/main" id="{42D852E7-3C2A-448D-B660-D5287E9DD131}"/>
+                <a16:creationId xmlns:a16="http://schemas.microsoft.com/office/drawing/2014/main" id="{42D852E7-3C2A-448D-B660-D5287E9DD131}"/>
               </a:ext>
             </a:extLst>
           </p:cNvPr>
@@ -35535,7 +35475,7 @@
           <p:cNvPr id="85" name="组合 84">
             <a:extLst>
               <a:ext uri="{FF2B5EF4-FFF2-40B4-BE49-F238E27FC236}">
-                <a16:creationId xmlns="" xmlns:a16="http://schemas.microsoft.com/office/drawing/2014/main" id="{309E8460-1398-482A-BD98-6C1A326749B7}"/>
+                <a16:creationId xmlns:a16="http://schemas.microsoft.com/office/drawing/2014/main" id="{309E8460-1398-482A-BD98-6C1A326749B7}"/>
               </a:ext>
             </a:extLst>
           </p:cNvPr>
@@ -35555,7 +35495,7 @@
             <p:cNvPr id="89" name="矩形 88">
               <a:extLst>
                 <a:ext uri="{FF2B5EF4-FFF2-40B4-BE49-F238E27FC236}">
-                  <a16:creationId xmlns="" xmlns:a16="http://schemas.microsoft.com/office/drawing/2014/main" id="{94BB0ACF-B73F-4A98-A92D-91A6020DEB66}"/>
+                  <a16:creationId xmlns:a16="http://schemas.microsoft.com/office/drawing/2014/main" id="{94BB0ACF-B73F-4A98-A92D-91A6020DEB66}"/>
                 </a:ext>
               </a:extLst>
             </p:cNvPr>
@@ -35609,7 +35549,7 @@
             <p:cNvPr id="90" name="矩形 89">
               <a:extLst>
                 <a:ext uri="{FF2B5EF4-FFF2-40B4-BE49-F238E27FC236}">
-                  <a16:creationId xmlns="" xmlns:a16="http://schemas.microsoft.com/office/drawing/2014/main" id="{C01BEEAA-419E-4C33-A3F3-1C80240C9D88}"/>
+                  <a16:creationId xmlns:a16="http://schemas.microsoft.com/office/drawing/2014/main" id="{C01BEEAA-419E-4C33-A3F3-1C80240C9D88}"/>
                 </a:ext>
               </a:extLst>
             </p:cNvPr>
@@ -35663,7 +35603,7 @@
             <p:cNvPr id="91" name="矩形 90">
               <a:extLst>
                 <a:ext uri="{FF2B5EF4-FFF2-40B4-BE49-F238E27FC236}">
-                  <a16:creationId xmlns="" xmlns:a16="http://schemas.microsoft.com/office/drawing/2014/main" id="{DC88F859-1FCD-41B9-A987-A212F3488293}"/>
+                  <a16:creationId xmlns:a16="http://schemas.microsoft.com/office/drawing/2014/main" id="{DC88F859-1FCD-41B9-A987-A212F3488293}"/>
                 </a:ext>
               </a:extLst>
             </p:cNvPr>
@@ -35717,7 +35657,7 @@
             <p:cNvPr id="92" name="圆角矩形 3">
               <a:extLst>
                 <a:ext uri="{FF2B5EF4-FFF2-40B4-BE49-F238E27FC236}">
-                  <a16:creationId xmlns="" xmlns:a16="http://schemas.microsoft.com/office/drawing/2014/main" id="{210F8E0A-6B67-4EC6-90CB-E5E347033170}"/>
+                  <a16:creationId xmlns:a16="http://schemas.microsoft.com/office/drawing/2014/main" id="{210F8E0A-6B67-4EC6-90CB-E5E347033170}"/>
                 </a:ext>
               </a:extLst>
             </p:cNvPr>
@@ -35771,7 +35711,7 @@
             <p:cNvPr id="93" name="任意多边形 4">
               <a:extLst>
                 <a:ext uri="{FF2B5EF4-FFF2-40B4-BE49-F238E27FC236}">
-                  <a16:creationId xmlns="" xmlns:a16="http://schemas.microsoft.com/office/drawing/2014/main" id="{2108CCC9-D333-4C9D-A693-9BADC71044DD}"/>
+                  <a16:creationId xmlns:a16="http://schemas.microsoft.com/office/drawing/2014/main" id="{2108CCC9-D333-4C9D-A693-9BADC71044DD}"/>
                 </a:ext>
               </a:extLst>
             </p:cNvPr>
@@ -35877,7 +35817,7 @@
           <p:cNvPr id="94" name="任意多边形 15">
             <a:extLst>
               <a:ext uri="{FF2B5EF4-FFF2-40B4-BE49-F238E27FC236}">
-                <a16:creationId xmlns="" xmlns:a16="http://schemas.microsoft.com/office/drawing/2014/main" id="{3E39BC38-BC17-49EE-8123-7267781440F9}"/>
+                <a16:creationId xmlns:a16="http://schemas.microsoft.com/office/drawing/2014/main" id="{3E39BC38-BC17-49EE-8123-7267781440F9}"/>
               </a:ext>
             </a:extLst>
           </p:cNvPr>
@@ -36063,13 +36003,6 @@
   <p:transition spd="med">
     <p:push dir="u"/>
   </p:transition>
-  <p:timing>
-    <p:tnLst>
-      <p:par>
-        <p:cTn id="1" dur="indefinite" restart="never" nodeType="tmRoot"/>
-      </p:par>
-    </p:tnLst>
-  </p:timing>
 </p:sld>
 </file>
 
@@ -36213,7 +36146,7 @@
           <p:cNvPr id="85" name="组合 84">
             <a:extLst>
               <a:ext uri="{FF2B5EF4-FFF2-40B4-BE49-F238E27FC236}">
-                <a16:creationId xmlns="" xmlns:a16="http://schemas.microsoft.com/office/drawing/2014/main" id="{D8162933-80C7-42C8-A2E0-ADC5DBE0AAF8}"/>
+                <a16:creationId xmlns:a16="http://schemas.microsoft.com/office/drawing/2014/main" id="{D8162933-80C7-42C8-A2E0-ADC5DBE0AAF8}"/>
               </a:ext>
             </a:extLst>
           </p:cNvPr>
@@ -36233,7 +36166,7 @@
             <p:cNvPr id="90" name="Freeform 5050">
               <a:extLst>
                 <a:ext uri="{FF2B5EF4-FFF2-40B4-BE49-F238E27FC236}">
-                  <a16:creationId xmlns="" xmlns:a16="http://schemas.microsoft.com/office/drawing/2014/main" id="{9ADB6ABD-41B3-417A-8416-AD0BFC1CE24A}"/>
+                  <a16:creationId xmlns:a16="http://schemas.microsoft.com/office/drawing/2014/main" id="{9ADB6ABD-41B3-417A-8416-AD0BFC1CE24A}"/>
                 </a:ext>
               </a:extLst>
             </p:cNvPr>
@@ -36384,7 +36317,7 @@
             <p:cNvPr id="91" name="Freeform 5051">
               <a:extLst>
                 <a:ext uri="{FF2B5EF4-FFF2-40B4-BE49-F238E27FC236}">
-                  <a16:creationId xmlns="" xmlns:a16="http://schemas.microsoft.com/office/drawing/2014/main" id="{E8D57D70-B0E1-4E9B-B3CE-05BDD6C12B01}"/>
+                  <a16:creationId xmlns:a16="http://schemas.microsoft.com/office/drawing/2014/main" id="{E8D57D70-B0E1-4E9B-B3CE-05BDD6C12B01}"/>
                 </a:ext>
               </a:extLst>
             </p:cNvPr>
@@ -36483,7 +36416,7 @@
             <p:cNvPr id="93" name="Freeform 5052">
               <a:extLst>
                 <a:ext uri="{FF2B5EF4-FFF2-40B4-BE49-F238E27FC236}">
-                  <a16:creationId xmlns="" xmlns:a16="http://schemas.microsoft.com/office/drawing/2014/main" id="{F501DBEA-5932-4AAA-91CD-A217B10B86AF}"/>
+                  <a16:creationId xmlns:a16="http://schemas.microsoft.com/office/drawing/2014/main" id="{F501DBEA-5932-4AAA-91CD-A217B10B86AF}"/>
                 </a:ext>
               </a:extLst>
             </p:cNvPr>
@@ -36586,7 +36519,7 @@
             <p:cNvPr id="96" name="Freeform 5053">
               <a:extLst>
                 <a:ext uri="{FF2B5EF4-FFF2-40B4-BE49-F238E27FC236}">
-                  <a16:creationId xmlns="" xmlns:a16="http://schemas.microsoft.com/office/drawing/2014/main" id="{047816D0-B14C-48BB-A4F6-4469FEA87E51}"/>
+                  <a16:creationId xmlns:a16="http://schemas.microsoft.com/office/drawing/2014/main" id="{047816D0-B14C-48BB-A4F6-4469FEA87E51}"/>
                 </a:ext>
               </a:extLst>
             </p:cNvPr>
@@ -36690,7 +36623,7 @@
             <p:cNvPr id="97" name="Freeform 5054">
               <a:extLst>
                 <a:ext uri="{FF2B5EF4-FFF2-40B4-BE49-F238E27FC236}">
-                  <a16:creationId xmlns="" xmlns:a16="http://schemas.microsoft.com/office/drawing/2014/main" id="{491B0594-9A1B-40AB-AD88-B0F95853F3C6}"/>
+                  <a16:creationId xmlns:a16="http://schemas.microsoft.com/office/drawing/2014/main" id="{491B0594-9A1B-40AB-AD88-B0F95853F3C6}"/>
                 </a:ext>
               </a:extLst>
             </p:cNvPr>
@@ -36798,7 +36731,7 @@
             <p:cNvPr id="98" name="Picture 5055">
               <a:extLst>
                 <a:ext uri="{FF2B5EF4-FFF2-40B4-BE49-F238E27FC236}">
-                  <a16:creationId xmlns="" xmlns:a16="http://schemas.microsoft.com/office/drawing/2014/main" id="{A8BB8A95-FBEB-47B5-BCFD-DCD8DFBA8D07}"/>
+                  <a16:creationId xmlns:a16="http://schemas.microsoft.com/office/drawing/2014/main" id="{A8BB8A95-FBEB-47B5-BCFD-DCD8DFBA8D07}"/>
                 </a:ext>
               </a:extLst>
             </p:cNvPr>
@@ -36858,7 +36791,7 @@
             <p:cNvPr id="99" name="Rectangle 5056">
               <a:extLst>
                 <a:ext uri="{FF2B5EF4-FFF2-40B4-BE49-F238E27FC236}">
-                  <a16:creationId xmlns="" xmlns:a16="http://schemas.microsoft.com/office/drawing/2014/main" id="{B84F7221-554D-435D-9F3A-0D81D8A28FE9}"/>
+                  <a16:creationId xmlns:a16="http://schemas.microsoft.com/office/drawing/2014/main" id="{B84F7221-554D-435D-9F3A-0D81D8A28FE9}"/>
                 </a:ext>
               </a:extLst>
             </p:cNvPr>
@@ -36911,7 +36844,7 @@
             <p:cNvPr id="100" name="Rectangle 5057">
               <a:extLst>
                 <a:ext uri="{FF2B5EF4-FFF2-40B4-BE49-F238E27FC236}">
-                  <a16:creationId xmlns="" xmlns:a16="http://schemas.microsoft.com/office/drawing/2014/main" id="{1906CC60-61BE-4164-9811-BF028A047023}"/>
+                  <a16:creationId xmlns:a16="http://schemas.microsoft.com/office/drawing/2014/main" id="{1906CC60-61BE-4164-9811-BF028A047023}"/>
                 </a:ext>
               </a:extLst>
             </p:cNvPr>
@@ -36969,7 +36902,7 @@
             <p:cNvPr id="101" name="Rectangle 5058">
               <a:extLst>
                 <a:ext uri="{FF2B5EF4-FFF2-40B4-BE49-F238E27FC236}">
-                  <a16:creationId xmlns="" xmlns:a16="http://schemas.microsoft.com/office/drawing/2014/main" id="{EE07C14D-5F21-4749-AFAE-A06798A97948}"/>
+                  <a16:creationId xmlns:a16="http://schemas.microsoft.com/office/drawing/2014/main" id="{EE07C14D-5F21-4749-AFAE-A06798A97948}"/>
                 </a:ext>
               </a:extLst>
             </p:cNvPr>
@@ -37022,7 +36955,7 @@
             <p:cNvPr id="103" name="Rectangle 5059">
               <a:extLst>
                 <a:ext uri="{FF2B5EF4-FFF2-40B4-BE49-F238E27FC236}">
-                  <a16:creationId xmlns="" xmlns:a16="http://schemas.microsoft.com/office/drawing/2014/main" id="{9A656733-4C70-47BC-A335-BC8979802F25}"/>
+                  <a16:creationId xmlns:a16="http://schemas.microsoft.com/office/drawing/2014/main" id="{9A656733-4C70-47BC-A335-BC8979802F25}"/>
                 </a:ext>
               </a:extLst>
             </p:cNvPr>
@@ -37080,7 +37013,7 @@
             <p:cNvPr id="112" name="Freeform 5060">
               <a:extLst>
                 <a:ext uri="{FF2B5EF4-FFF2-40B4-BE49-F238E27FC236}">
-                  <a16:creationId xmlns="" xmlns:a16="http://schemas.microsoft.com/office/drawing/2014/main" id="{0BB879EE-0D50-4DDF-9229-3B82D1B6FE75}"/>
+                  <a16:creationId xmlns:a16="http://schemas.microsoft.com/office/drawing/2014/main" id="{0BB879EE-0D50-4DDF-9229-3B82D1B6FE75}"/>
                 </a:ext>
               </a:extLst>
             </p:cNvPr>
@@ -37211,7 +37144,7 @@
             <p:cNvPr id="113" name="Freeform 5061">
               <a:extLst>
                 <a:ext uri="{FF2B5EF4-FFF2-40B4-BE49-F238E27FC236}">
-                  <a16:creationId xmlns="" xmlns:a16="http://schemas.microsoft.com/office/drawing/2014/main" id="{3FD535D1-640A-4D83-ADCE-4409AE7883B9}"/>
+                  <a16:creationId xmlns:a16="http://schemas.microsoft.com/office/drawing/2014/main" id="{3FD535D1-640A-4D83-ADCE-4409AE7883B9}"/>
                 </a:ext>
               </a:extLst>
             </p:cNvPr>
@@ -37332,7 +37265,7 @@
             <p:cNvPr id="114" name="Freeform 5062">
               <a:extLst>
                 <a:ext uri="{FF2B5EF4-FFF2-40B4-BE49-F238E27FC236}">
-                  <a16:creationId xmlns="" xmlns:a16="http://schemas.microsoft.com/office/drawing/2014/main" id="{E257816A-42D7-4F6D-B398-FF814521E646}"/>
+                  <a16:creationId xmlns:a16="http://schemas.microsoft.com/office/drawing/2014/main" id="{E257816A-42D7-4F6D-B398-FF814521E646}"/>
                 </a:ext>
               </a:extLst>
             </p:cNvPr>
@@ -37443,7 +37376,7 @@
             <p:cNvPr id="115" name="Oval 5063">
               <a:extLst>
                 <a:ext uri="{FF2B5EF4-FFF2-40B4-BE49-F238E27FC236}">
-                  <a16:creationId xmlns="" xmlns:a16="http://schemas.microsoft.com/office/drawing/2014/main" id="{2A3491A3-1122-4F0E-897B-6EB1DC4579C4}"/>
+                  <a16:creationId xmlns:a16="http://schemas.microsoft.com/office/drawing/2014/main" id="{2A3491A3-1122-4F0E-897B-6EB1DC4579C4}"/>
                 </a:ext>
               </a:extLst>
             </p:cNvPr>
@@ -37496,7 +37429,7 @@
             <p:cNvPr id="117" name="Freeform 5064">
               <a:extLst>
                 <a:ext uri="{FF2B5EF4-FFF2-40B4-BE49-F238E27FC236}">
-                  <a16:creationId xmlns="" xmlns:a16="http://schemas.microsoft.com/office/drawing/2014/main" id="{1EA1303A-AE7D-4028-8D46-210911E98DAE}"/>
+                  <a16:creationId xmlns:a16="http://schemas.microsoft.com/office/drawing/2014/main" id="{1EA1303A-AE7D-4028-8D46-210911E98DAE}"/>
                 </a:ext>
               </a:extLst>
             </p:cNvPr>
@@ -37593,7 +37526,7 @@
             <p:cNvPr id="118" name="Freeform 5065">
               <a:extLst>
                 <a:ext uri="{FF2B5EF4-FFF2-40B4-BE49-F238E27FC236}">
-                  <a16:creationId xmlns="" xmlns:a16="http://schemas.microsoft.com/office/drawing/2014/main" id="{3BAFA55B-133E-44F7-890B-4977D713FE74}"/>
+                  <a16:creationId xmlns:a16="http://schemas.microsoft.com/office/drawing/2014/main" id="{3BAFA55B-133E-44F7-890B-4977D713FE74}"/>
                 </a:ext>
               </a:extLst>
             </p:cNvPr>
@@ -37894,7 +37827,7 @@
             <p:cNvPr id="119" name="Freeform 5066">
               <a:extLst>
                 <a:ext uri="{FF2B5EF4-FFF2-40B4-BE49-F238E27FC236}">
-                  <a16:creationId xmlns="" xmlns:a16="http://schemas.microsoft.com/office/drawing/2014/main" id="{6BDCDED4-1C0C-472F-AB61-B730ADE4E35B}"/>
+                  <a16:creationId xmlns:a16="http://schemas.microsoft.com/office/drawing/2014/main" id="{6BDCDED4-1C0C-472F-AB61-B730ADE4E35B}"/>
                 </a:ext>
               </a:extLst>
             </p:cNvPr>
@@ -37986,7 +37919,7 @@
             <p:cNvPr id="120" name="Freeform 5067">
               <a:extLst>
                 <a:ext uri="{FF2B5EF4-FFF2-40B4-BE49-F238E27FC236}">
-                  <a16:creationId xmlns="" xmlns:a16="http://schemas.microsoft.com/office/drawing/2014/main" id="{0072E574-DE2D-4CDE-A7B0-64936D01F2CD}"/>
+                  <a16:creationId xmlns:a16="http://schemas.microsoft.com/office/drawing/2014/main" id="{0072E574-DE2D-4CDE-A7B0-64936D01F2CD}"/>
                 </a:ext>
               </a:extLst>
             </p:cNvPr>
@@ -38127,7 +38060,7 @@
             <p:cNvPr id="121" name="Freeform 5068">
               <a:extLst>
                 <a:ext uri="{FF2B5EF4-FFF2-40B4-BE49-F238E27FC236}">
-                  <a16:creationId xmlns="" xmlns:a16="http://schemas.microsoft.com/office/drawing/2014/main" id="{F8E66B8D-81C3-48F7-911E-1111728B53F4}"/>
+                  <a16:creationId xmlns:a16="http://schemas.microsoft.com/office/drawing/2014/main" id="{F8E66B8D-81C3-48F7-911E-1111728B53F4}"/>
                 </a:ext>
               </a:extLst>
             </p:cNvPr>
@@ -38258,7 +38191,7 @@
             <p:cNvPr id="122" name="Freeform 5069">
               <a:extLst>
                 <a:ext uri="{FF2B5EF4-FFF2-40B4-BE49-F238E27FC236}">
-                  <a16:creationId xmlns="" xmlns:a16="http://schemas.microsoft.com/office/drawing/2014/main" id="{9A9E65BF-D6DF-4991-88CB-49B4C4A6A114}"/>
+                  <a16:creationId xmlns:a16="http://schemas.microsoft.com/office/drawing/2014/main" id="{9A9E65BF-D6DF-4991-88CB-49B4C4A6A114}"/>
                 </a:ext>
               </a:extLst>
             </p:cNvPr>
@@ -38389,7 +38322,7 @@
             <p:cNvPr id="123" name="Freeform 5070">
               <a:extLst>
                 <a:ext uri="{FF2B5EF4-FFF2-40B4-BE49-F238E27FC236}">
-                  <a16:creationId xmlns="" xmlns:a16="http://schemas.microsoft.com/office/drawing/2014/main" id="{25EB44D5-DFC4-4722-BE6D-DB0FE6012796}"/>
+                  <a16:creationId xmlns:a16="http://schemas.microsoft.com/office/drawing/2014/main" id="{25EB44D5-DFC4-4722-BE6D-DB0FE6012796}"/>
                 </a:ext>
               </a:extLst>
             </p:cNvPr>
@@ -38500,7 +38433,7 @@
             <p:cNvPr id="124" name="Freeform 5071">
               <a:extLst>
                 <a:ext uri="{FF2B5EF4-FFF2-40B4-BE49-F238E27FC236}">
-                  <a16:creationId xmlns="" xmlns:a16="http://schemas.microsoft.com/office/drawing/2014/main" id="{0F3EABA5-E1F7-4961-9EDB-16536059C5E6}"/>
+                  <a16:creationId xmlns:a16="http://schemas.microsoft.com/office/drawing/2014/main" id="{0F3EABA5-E1F7-4961-9EDB-16536059C5E6}"/>
                 </a:ext>
               </a:extLst>
             </p:cNvPr>
@@ -38641,7 +38574,7 @@
             <p:cNvPr id="125" name="Freeform 5072">
               <a:extLst>
                 <a:ext uri="{FF2B5EF4-FFF2-40B4-BE49-F238E27FC236}">
-                  <a16:creationId xmlns="" xmlns:a16="http://schemas.microsoft.com/office/drawing/2014/main" id="{0124A301-A012-42BB-9E10-98E9E9A0B3E5}"/>
+                  <a16:creationId xmlns:a16="http://schemas.microsoft.com/office/drawing/2014/main" id="{0124A301-A012-42BB-9E10-98E9E9A0B3E5}"/>
                 </a:ext>
               </a:extLst>
             </p:cNvPr>
@@ -38782,7 +38715,7 @@
             <p:cNvPr id="126" name="Freeform 5073">
               <a:extLst>
                 <a:ext uri="{FF2B5EF4-FFF2-40B4-BE49-F238E27FC236}">
-                  <a16:creationId xmlns="" xmlns:a16="http://schemas.microsoft.com/office/drawing/2014/main" id="{6596769E-E520-4263-8FE2-4D1BF279985B}"/>
+                  <a16:creationId xmlns:a16="http://schemas.microsoft.com/office/drawing/2014/main" id="{6596769E-E520-4263-8FE2-4D1BF279985B}"/>
                 </a:ext>
               </a:extLst>
             </p:cNvPr>
@@ -38893,7 +38826,7 @@
             <p:cNvPr id="127" name="Oval 5074">
               <a:extLst>
                 <a:ext uri="{FF2B5EF4-FFF2-40B4-BE49-F238E27FC236}">
-                  <a16:creationId xmlns="" xmlns:a16="http://schemas.microsoft.com/office/drawing/2014/main" id="{D8A6CE1A-FE9F-40C3-BF85-3D8542CD07D4}"/>
+                  <a16:creationId xmlns:a16="http://schemas.microsoft.com/office/drawing/2014/main" id="{D8A6CE1A-FE9F-40C3-BF85-3D8542CD07D4}"/>
                 </a:ext>
               </a:extLst>
             </p:cNvPr>
@@ -38946,7 +38879,7 @@
             <p:cNvPr id="128" name="Freeform 5075">
               <a:extLst>
                 <a:ext uri="{FF2B5EF4-FFF2-40B4-BE49-F238E27FC236}">
-                  <a16:creationId xmlns="" xmlns:a16="http://schemas.microsoft.com/office/drawing/2014/main" id="{5B789EFC-3A44-4E98-948C-EAE3213A182A}"/>
+                  <a16:creationId xmlns:a16="http://schemas.microsoft.com/office/drawing/2014/main" id="{5B789EFC-3A44-4E98-948C-EAE3213A182A}"/>
                 </a:ext>
               </a:extLst>
             </p:cNvPr>
@@ -39075,7 +39008,7 @@
             <p:cNvPr id="129" name="Freeform 5076">
               <a:extLst>
                 <a:ext uri="{FF2B5EF4-FFF2-40B4-BE49-F238E27FC236}">
-                  <a16:creationId xmlns="" xmlns:a16="http://schemas.microsoft.com/office/drawing/2014/main" id="{9A883855-9085-4DCC-807E-D7B67DBAA826}"/>
+                  <a16:creationId xmlns:a16="http://schemas.microsoft.com/office/drawing/2014/main" id="{9A883855-9085-4DCC-807E-D7B67DBAA826}"/>
                 </a:ext>
               </a:extLst>
             </p:cNvPr>
@@ -39338,7 +39271,7 @@
             <p:cNvPr id="130" name="Freeform 5077">
               <a:extLst>
                 <a:ext uri="{FF2B5EF4-FFF2-40B4-BE49-F238E27FC236}">
-                  <a16:creationId xmlns="" xmlns:a16="http://schemas.microsoft.com/office/drawing/2014/main" id="{6850B246-183A-4047-8DF6-634FC8EC8E9E}"/>
+                  <a16:creationId xmlns:a16="http://schemas.microsoft.com/office/drawing/2014/main" id="{6850B246-183A-4047-8DF6-634FC8EC8E9E}"/>
                 </a:ext>
               </a:extLst>
             </p:cNvPr>
@@ -39467,7 +39400,7 @@
             <p:cNvPr id="131" name="Freeform 5078">
               <a:extLst>
                 <a:ext uri="{FF2B5EF4-FFF2-40B4-BE49-F238E27FC236}">
-                  <a16:creationId xmlns="" xmlns:a16="http://schemas.microsoft.com/office/drawing/2014/main" id="{163F6144-EB5F-41C9-8C16-73A4C57075FD}"/>
+                  <a16:creationId xmlns:a16="http://schemas.microsoft.com/office/drawing/2014/main" id="{163F6144-EB5F-41C9-8C16-73A4C57075FD}"/>
                 </a:ext>
               </a:extLst>
             </p:cNvPr>
@@ -39596,7 +39529,7 @@
             <p:cNvPr id="132" name="Freeform 5079">
               <a:extLst>
                 <a:ext uri="{FF2B5EF4-FFF2-40B4-BE49-F238E27FC236}">
-                  <a16:creationId xmlns="" xmlns:a16="http://schemas.microsoft.com/office/drawing/2014/main" id="{0E577277-EA68-4F86-B610-8DA869DD919B}"/>
+                  <a16:creationId xmlns:a16="http://schemas.microsoft.com/office/drawing/2014/main" id="{0E577277-EA68-4F86-B610-8DA869DD919B}"/>
                 </a:ext>
               </a:extLst>
             </p:cNvPr>
@@ -39725,7 +39658,7 @@
             <p:cNvPr id="133" name="Freeform 5080">
               <a:extLst>
                 <a:ext uri="{FF2B5EF4-FFF2-40B4-BE49-F238E27FC236}">
-                  <a16:creationId xmlns="" xmlns:a16="http://schemas.microsoft.com/office/drawing/2014/main" id="{1DF4288A-E70D-430E-A3BE-692E1FA00250}"/>
+                  <a16:creationId xmlns:a16="http://schemas.microsoft.com/office/drawing/2014/main" id="{1DF4288A-E70D-430E-A3BE-692E1FA00250}"/>
                 </a:ext>
               </a:extLst>
             </p:cNvPr>
@@ -40156,7 +40089,7 @@
             <p:cNvPr id="134" name="Rectangle 5081">
               <a:extLst>
                 <a:ext uri="{FF2B5EF4-FFF2-40B4-BE49-F238E27FC236}">
-                  <a16:creationId xmlns="" xmlns:a16="http://schemas.microsoft.com/office/drawing/2014/main" id="{AD2C886A-B357-4C6D-81ED-C897D63B798B}"/>
+                  <a16:creationId xmlns:a16="http://schemas.microsoft.com/office/drawing/2014/main" id="{AD2C886A-B357-4C6D-81ED-C897D63B798B}"/>
                 </a:ext>
               </a:extLst>
             </p:cNvPr>
@@ -40209,7 +40142,7 @@
             <p:cNvPr id="135" name="Rectangle 5082">
               <a:extLst>
                 <a:ext uri="{FF2B5EF4-FFF2-40B4-BE49-F238E27FC236}">
-                  <a16:creationId xmlns="" xmlns:a16="http://schemas.microsoft.com/office/drawing/2014/main" id="{C790A76D-A3D8-4FB2-9A61-E22F19BB9776}"/>
+                  <a16:creationId xmlns:a16="http://schemas.microsoft.com/office/drawing/2014/main" id="{C790A76D-A3D8-4FB2-9A61-E22F19BB9776}"/>
                 </a:ext>
               </a:extLst>
             </p:cNvPr>
@@ -40262,7 +40195,7 @@
             <p:cNvPr id="136" name="Freeform 5083">
               <a:extLst>
                 <a:ext uri="{FF2B5EF4-FFF2-40B4-BE49-F238E27FC236}">
-                  <a16:creationId xmlns="" xmlns:a16="http://schemas.microsoft.com/office/drawing/2014/main" id="{EDC52490-DE64-4728-A1CC-064777A24172}"/>
+                  <a16:creationId xmlns:a16="http://schemas.microsoft.com/office/drawing/2014/main" id="{EDC52490-DE64-4728-A1CC-064777A24172}"/>
                 </a:ext>
               </a:extLst>
             </p:cNvPr>
@@ -40733,7 +40666,7 @@
             <p:cNvPr id="137" name="Freeform 5084">
               <a:extLst>
                 <a:ext uri="{FF2B5EF4-FFF2-40B4-BE49-F238E27FC236}">
-                  <a16:creationId xmlns="" xmlns:a16="http://schemas.microsoft.com/office/drawing/2014/main" id="{455A5C20-1CCC-45E1-9C2A-27E54A95F0CE}"/>
+                  <a16:creationId xmlns:a16="http://schemas.microsoft.com/office/drawing/2014/main" id="{455A5C20-1CCC-45E1-9C2A-27E54A95F0CE}"/>
                 </a:ext>
               </a:extLst>
             </p:cNvPr>
@@ -40846,7 +40779,7 @@
           <p:cNvPr id="2" name="矩形 1">
             <a:extLst>
               <a:ext uri="{FF2B5EF4-FFF2-40B4-BE49-F238E27FC236}">
-                <a16:creationId xmlns="" xmlns:a16="http://schemas.microsoft.com/office/drawing/2014/main" id="{2CD961E7-B027-4695-A439-A77701B45E58}"/>
+                <a16:creationId xmlns:a16="http://schemas.microsoft.com/office/drawing/2014/main" id="{2CD961E7-B027-4695-A439-A77701B45E58}"/>
               </a:ext>
             </a:extLst>
           </p:cNvPr>
@@ -40905,13 +40838,6 @@
   <p:transition spd="med">
     <p:push dir="u"/>
   </p:transition>
-  <p:timing>
-    <p:tnLst>
-      <p:par>
-        <p:cTn id="1" dur="indefinite" restart="never" nodeType="tmRoot"/>
-      </p:par>
-    </p:tnLst>
-  </p:timing>
 </p:sld>
 </file>
 
@@ -42419,13 +42345,6 @@
   <p:transition spd="med">
     <p:push dir="u"/>
   </p:transition>
-  <p:timing>
-    <p:tnLst>
-      <p:par>
-        <p:cTn id="1" dur="indefinite" restart="never" nodeType="tmRoot"/>
-      </p:par>
-    </p:tnLst>
-  </p:timing>
 </p:sld>
 </file>
 
@@ -44056,13 +43975,6 @@
   <p:transition spd="med">
     <p:push dir="u"/>
   </p:transition>
-  <p:timing>
-    <p:tnLst>
-      <p:par>
-        <p:cTn id="1" dur="indefinite" restart="never" nodeType="tmRoot"/>
-      </p:par>
-    </p:tnLst>
-  </p:timing>
 </p:sld>
 </file>
 
@@ -44887,17 +44799,10 @@
                 <a:latin typeface="微软雅黑" panose="020B0503020204020204" pitchFamily="34" charset="-122"/>
                 <a:ea typeface="微软雅黑" panose="020B0503020204020204" pitchFamily="34" charset="-122"/>
               </a:rPr>
-              <a:t>Sine </a:t>
+              <a:t>Sine Maps</a:t>
             </a:r>
             <a:r>
-              <a:rPr lang="en-US" altLang="zh-CN" sz="1200" dirty="0" smtClean="0">
-                <a:latin typeface="微软雅黑" panose="020B0503020204020204" pitchFamily="34" charset="-122"/>
-                <a:ea typeface="微软雅黑" panose="020B0503020204020204" pitchFamily="34" charset="-122"/>
-              </a:rPr>
-              <a:t>Maps</a:t>
-            </a:r>
-            <a:r>
-              <a:rPr lang="zh-CN" altLang="en-US" sz="1200" dirty="0" smtClean="0">
+              <a:rPr lang="zh-CN" altLang="en-US" sz="1200" dirty="0">
                 <a:latin typeface="微软雅黑" panose="020B0503020204020204" pitchFamily="34" charset="-122"/>
                 <a:ea typeface="微软雅黑" panose="020B0503020204020204" pitchFamily="34" charset="-122"/>
               </a:rPr>
@@ -44921,31 +44826,24 @@
                 <a:latin typeface="微软雅黑" panose="020B0503020204020204" pitchFamily="34" charset="-122"/>
                 <a:ea typeface="微软雅黑" panose="020B0503020204020204" pitchFamily="34" charset="-122"/>
               </a:rPr>
-              <a:t>Staged </a:t>
+              <a:t>Staged Strategy</a:t>
             </a:r>
             <a:r>
-              <a:rPr lang="en-US" altLang="zh-CN" sz="1200" dirty="0" smtClean="0">
-                <a:latin typeface="微软雅黑" panose="020B0503020204020204" pitchFamily="34" charset="-122"/>
-                <a:ea typeface="微软雅黑" panose="020B0503020204020204" pitchFamily="34" charset="-122"/>
-              </a:rPr>
-              <a:t>Strategy</a:t>
-            </a:r>
-            <a:r>
-              <a:rPr lang="zh-CN" altLang="en-US" sz="1200" dirty="0" smtClean="0">
+              <a:rPr lang="zh-CN" altLang="en-US" sz="1200" dirty="0">
                 <a:latin typeface="微软雅黑" panose="020B0503020204020204" pitchFamily="34" charset="-122"/>
                 <a:ea typeface="微软雅黑" panose="020B0503020204020204" pitchFamily="34" charset="-122"/>
               </a:rPr>
               <a:t>（发散</a:t>
             </a:r>
             <a:r>
-              <a:rPr lang="en-US" altLang="zh-CN" sz="1200" dirty="0" smtClean="0">
+              <a:rPr lang="en-US" altLang="zh-CN" sz="1200" dirty="0">
                 <a:latin typeface="微软雅黑" panose="020B0503020204020204" pitchFamily="34" charset="-122"/>
                 <a:ea typeface="微软雅黑" panose="020B0503020204020204" pitchFamily="34" charset="-122"/>
               </a:rPr>
               <a:t>-&gt;</a:t>
             </a:r>
             <a:r>
-              <a:rPr lang="zh-CN" altLang="en-US" sz="1200" smtClean="0">
+              <a:rPr lang="zh-CN" altLang="en-US" sz="1200">
                 <a:latin typeface="微软雅黑" panose="020B0503020204020204" pitchFamily="34" charset="-122"/>
                 <a:ea typeface="微软雅黑" panose="020B0503020204020204" pitchFamily="34" charset="-122"/>
               </a:rPr>
@@ -44963,7 +44861,7 @@
           <p:cNvPr id="41" name="TextBox 61">
             <a:extLst>
               <a:ext uri="{FF2B5EF4-FFF2-40B4-BE49-F238E27FC236}">
-                <a16:creationId xmlns="" xmlns:a16="http://schemas.microsoft.com/office/drawing/2014/main" id="{0BC71808-54A6-4054-83C8-D2934E8E834C}"/>
+                <a16:creationId xmlns:a16="http://schemas.microsoft.com/office/drawing/2014/main" id="{0BC71808-54A6-4054-83C8-D2934E8E834C}"/>
               </a:ext>
             </a:extLst>
           </p:cNvPr>
@@ -45015,7 +44913,7 @@
           <p:cNvPr id="51" name="TextBox 65">
             <a:extLst>
               <a:ext uri="{FF2B5EF4-FFF2-40B4-BE49-F238E27FC236}">
-                <a16:creationId xmlns="" xmlns:a16="http://schemas.microsoft.com/office/drawing/2014/main" id="{BA67980A-A26E-45C6-B6CD-D26B985B4168}"/>
+                <a16:creationId xmlns:a16="http://schemas.microsoft.com/office/drawing/2014/main" id="{BA67980A-A26E-45C6-B6CD-D26B985B4168}"/>
               </a:ext>
             </a:extLst>
           </p:cNvPr>
@@ -45084,7 +44982,7 @@
           <p:cNvPr id="54" name="TextBox 65">
             <a:extLst>
               <a:ext uri="{FF2B5EF4-FFF2-40B4-BE49-F238E27FC236}">
-                <a16:creationId xmlns="" xmlns:a16="http://schemas.microsoft.com/office/drawing/2014/main" id="{02AE4DDF-D462-4148-BAC7-DB93F3D3DD21}"/>
+                <a16:creationId xmlns:a16="http://schemas.microsoft.com/office/drawing/2014/main" id="{02AE4DDF-D462-4148-BAC7-DB93F3D3DD21}"/>
               </a:ext>
             </a:extLst>
           </p:cNvPr>
@@ -45189,13 +45087,6 @@
   <p:transition spd="med">
     <p:push dir="u"/>
   </p:transition>
-  <p:timing>
-    <p:tnLst>
-      <p:par>
-        <p:cTn id="1" dur="indefinite" restart="never" nodeType="tmRoot"/>
-      </p:par>
-    </p:tnLst>
-  </p:timing>
 </p:sld>
 </file>
 
@@ -45861,7 +45752,7 @@
           <p:cNvPr id="2" name="矩形 1">
             <a:extLst>
               <a:ext uri="{FF2B5EF4-FFF2-40B4-BE49-F238E27FC236}">
-                <a16:creationId xmlns="" xmlns:a16="http://schemas.microsoft.com/office/drawing/2014/main" id="{0AA6D2C9-5976-422B-A661-AF060040B2E2}"/>
+                <a16:creationId xmlns:a16="http://schemas.microsoft.com/office/drawing/2014/main" id="{0AA6D2C9-5976-422B-A661-AF060040B2E2}"/>
               </a:ext>
             </a:extLst>
           </p:cNvPr>
@@ -45993,7 +45884,7 @@
           <p:cNvPr id="27" name="TextBox 7">
             <a:extLst>
               <a:ext uri="{FF2B5EF4-FFF2-40B4-BE49-F238E27FC236}">
-                <a16:creationId xmlns="" xmlns:a16="http://schemas.microsoft.com/office/drawing/2014/main" id="{FE1C372A-1ED4-4CDC-B790-1F78510B9C62}"/>
+                <a16:creationId xmlns:a16="http://schemas.microsoft.com/office/drawing/2014/main" id="{FE1C372A-1ED4-4CDC-B790-1F78510B9C62}"/>
               </a:ext>
             </a:extLst>
           </p:cNvPr>
@@ -46031,7 +45922,7 @@
           <p:cNvPr id="9" name="组合 8">
             <a:extLst>
               <a:ext uri="{FF2B5EF4-FFF2-40B4-BE49-F238E27FC236}">
-                <a16:creationId xmlns="" xmlns:a16="http://schemas.microsoft.com/office/drawing/2014/main" id="{4C28100E-A12B-47A9-81BC-806EFFD64E60}"/>
+                <a16:creationId xmlns:a16="http://schemas.microsoft.com/office/drawing/2014/main" id="{4C28100E-A12B-47A9-81BC-806EFFD64E60}"/>
               </a:ext>
             </a:extLst>
           </p:cNvPr>
@@ -46051,7 +45942,7 @@
             <p:cNvPr id="32" name="直接箭头连接符 31">
               <a:extLst>
                 <a:ext uri="{FF2B5EF4-FFF2-40B4-BE49-F238E27FC236}">
-                  <a16:creationId xmlns="" xmlns:a16="http://schemas.microsoft.com/office/drawing/2014/main" id="{CC8EC2C4-01DD-4697-B494-A1E1A9A14F47}"/>
+                  <a16:creationId xmlns:a16="http://schemas.microsoft.com/office/drawing/2014/main" id="{CC8EC2C4-01DD-4697-B494-A1E1A9A14F47}"/>
                 </a:ext>
               </a:extLst>
             </p:cNvPr>
@@ -46097,7 +45988,7 @@
             <p:cNvPr id="33" name="直接箭头连接符 32">
               <a:extLst>
                 <a:ext uri="{FF2B5EF4-FFF2-40B4-BE49-F238E27FC236}">
-                  <a16:creationId xmlns="" xmlns:a16="http://schemas.microsoft.com/office/drawing/2014/main" id="{C3C9D9A9-4FBD-45FC-AD11-95E1F034FABF}"/>
+                  <a16:creationId xmlns:a16="http://schemas.microsoft.com/office/drawing/2014/main" id="{C3C9D9A9-4FBD-45FC-AD11-95E1F034FABF}"/>
                 </a:ext>
               </a:extLst>
             </p:cNvPr>
@@ -46143,7 +46034,7 @@
             <p:cNvPr id="48" name="直接箭头连接符 47">
               <a:extLst>
                 <a:ext uri="{FF2B5EF4-FFF2-40B4-BE49-F238E27FC236}">
-                  <a16:creationId xmlns="" xmlns:a16="http://schemas.microsoft.com/office/drawing/2014/main" id="{04FFC272-FAA7-4626-B9A0-8CFE571CB7E8}"/>
+                  <a16:creationId xmlns:a16="http://schemas.microsoft.com/office/drawing/2014/main" id="{04FFC272-FAA7-4626-B9A0-8CFE571CB7E8}"/>
                 </a:ext>
               </a:extLst>
             </p:cNvPr>
@@ -46189,7 +46080,7 @@
             <p:cNvPr id="50" name="圆角矩形 24">
               <a:extLst>
                 <a:ext uri="{FF2B5EF4-FFF2-40B4-BE49-F238E27FC236}">
-                  <a16:creationId xmlns="" xmlns:a16="http://schemas.microsoft.com/office/drawing/2014/main" id="{C8729CE6-C307-42CB-9901-07527381FAB2}"/>
+                  <a16:creationId xmlns:a16="http://schemas.microsoft.com/office/drawing/2014/main" id="{C8729CE6-C307-42CB-9901-07527381FAB2}"/>
                 </a:ext>
               </a:extLst>
             </p:cNvPr>
@@ -46271,7 +46162,7 @@
             <p:cNvPr id="51" name="圆角矩形 24">
               <a:extLst>
                 <a:ext uri="{FF2B5EF4-FFF2-40B4-BE49-F238E27FC236}">
-                  <a16:creationId xmlns="" xmlns:a16="http://schemas.microsoft.com/office/drawing/2014/main" id="{96082CC1-8126-4D17-869D-F40976CDEF5B}"/>
+                  <a16:creationId xmlns:a16="http://schemas.microsoft.com/office/drawing/2014/main" id="{96082CC1-8126-4D17-869D-F40976CDEF5B}"/>
                 </a:ext>
               </a:extLst>
             </p:cNvPr>
@@ -46353,7 +46244,7 @@
             <p:cNvPr id="8" name="组合 7">
               <a:extLst>
                 <a:ext uri="{FF2B5EF4-FFF2-40B4-BE49-F238E27FC236}">
-                  <a16:creationId xmlns="" xmlns:a16="http://schemas.microsoft.com/office/drawing/2014/main" id="{42EAE014-DF34-4D66-A21C-3F7D03BF9D67}"/>
+                  <a16:creationId xmlns:a16="http://schemas.microsoft.com/office/drawing/2014/main" id="{42EAE014-DF34-4D66-A21C-3F7D03BF9D67}"/>
                 </a:ext>
               </a:extLst>
             </p:cNvPr>
@@ -46373,7 +46264,7 @@
               <p:cNvPr id="44" name="直接箭头连接符 43">
                 <a:extLst>
                   <a:ext uri="{FF2B5EF4-FFF2-40B4-BE49-F238E27FC236}">
-                    <a16:creationId xmlns="" xmlns:a16="http://schemas.microsoft.com/office/drawing/2014/main" id="{E738DA61-C26B-44AC-9C33-7C586BAA6442}"/>
+                    <a16:creationId xmlns:a16="http://schemas.microsoft.com/office/drawing/2014/main" id="{E738DA61-C26B-44AC-9C33-7C586BAA6442}"/>
                   </a:ext>
                 </a:extLst>
               </p:cNvPr>
@@ -46419,7 +46310,7 @@
               <p:cNvPr id="52" name="圆角矩形 24">
                 <a:extLst>
                   <a:ext uri="{FF2B5EF4-FFF2-40B4-BE49-F238E27FC236}">
-                    <a16:creationId xmlns="" xmlns:a16="http://schemas.microsoft.com/office/drawing/2014/main" id="{ED16B0DE-82E7-41D4-B044-A51EFCA392E1}"/>
+                    <a16:creationId xmlns:a16="http://schemas.microsoft.com/office/drawing/2014/main" id="{ED16B0DE-82E7-41D4-B044-A51EFCA392E1}"/>
                   </a:ext>
                 </a:extLst>
               </p:cNvPr>
@@ -46502,7 +46393,7 @@
             <p:cNvPr id="53" name="圆角矩形 24">
               <a:extLst>
                 <a:ext uri="{FF2B5EF4-FFF2-40B4-BE49-F238E27FC236}">
-                  <a16:creationId xmlns="" xmlns:a16="http://schemas.microsoft.com/office/drawing/2014/main" id="{03B6EDBA-56AB-45A1-9AB6-95BEDCF4F9F9}"/>
+                  <a16:creationId xmlns:a16="http://schemas.microsoft.com/office/drawing/2014/main" id="{03B6EDBA-56AB-45A1-9AB6-95BEDCF4F9F9}"/>
                 </a:ext>
               </a:extLst>
             </p:cNvPr>
@@ -46548,7 +46439,7 @@
             <a:lstStyle/>
             <a:p>
               <a:r>
-                <a:rPr lang="zh-CN" altLang="en-US" sz="1400" dirty="0" smtClean="0">
+                <a:rPr lang="zh-CN" altLang="en-US" sz="1400" dirty="0">
                   <a:solidFill>
                     <a:schemeClr val="tx1"/>
                   </a:solidFill>
@@ -46558,7 +46449,7 @@
                 <a:t>寻找</a:t>
               </a:r>
               <a:r>
-                <a:rPr lang="en-US" altLang="zh-CN" sz="1400" dirty="0" smtClean="0">
+                <a:rPr lang="en-US" altLang="zh-CN" sz="1400" dirty="0">
                   <a:solidFill>
                     <a:schemeClr val="tx1"/>
                   </a:solidFill>
@@ -46568,16 +46459,6 @@
                 <a:t>ENSO</a:t>
               </a:r>
               <a:r>
-                <a:rPr lang="zh-CN" altLang="en-US" sz="1400" dirty="0" smtClean="0">
-                  <a:solidFill>
-                    <a:schemeClr val="tx1"/>
-                  </a:solidFill>
-                  <a:latin typeface="微软雅黑" panose="020B0503020204020204" pitchFamily="34" charset="-122"/>
-                  <a:ea typeface="微软雅黑" panose="020B0503020204020204" pitchFamily="34" charset="-122"/>
-                </a:rPr>
-                <a:t>中</a:t>
-              </a:r>
-              <a:r>
                 <a:rPr lang="zh-CN" altLang="en-US" sz="1400" dirty="0">
                   <a:solidFill>
                     <a:schemeClr val="tx1"/>
@@ -46585,7 +46466,7 @@
                   <a:latin typeface="微软雅黑" panose="020B0503020204020204" pitchFamily="34" charset="-122"/>
                   <a:ea typeface="微软雅黑" panose="020B0503020204020204" pitchFamily="34" charset="-122"/>
                 </a:rPr>
-                <a:t>的</a:t>
+                <a:t>中的</a:t>
               </a:r>
               <a:r>
                 <a:rPr lang="en-US" altLang="zh-CN" sz="1400" dirty="0">
@@ -47205,13 +47086,6 @@
   <p:transition spd="med">
     <p:push dir="u"/>
   </p:transition>
-  <p:timing>
-    <p:tnLst>
-      <p:par>
-        <p:cTn id="1" dur="indefinite" restart="never" nodeType="tmRoot"/>
-      </p:par>
-    </p:tnLst>
-  </p:timing>
 </p:sld>
 </file>
 
@@ -53190,13 +53064,6 @@
   <p:transition spd="med">
     <p:push dir="u"/>
   </p:transition>
-  <p:timing>
-    <p:tnLst>
-      <p:par>
-        <p:cTn id="1" dur="indefinite" restart="never" nodeType="tmRoot"/>
-      </p:par>
-    </p:tnLst>
-  </p:timing>
 </p:sld>
 </file>
 
@@ -53882,7 +53749,7 @@
           <p:cNvPr id="31" name="TextBox 46">
             <a:extLst>
               <a:ext uri="{FF2B5EF4-FFF2-40B4-BE49-F238E27FC236}">
-                <a16:creationId xmlns="" xmlns:a16="http://schemas.microsoft.com/office/drawing/2014/main" id="{18A57166-29B5-42C1-8CC5-9A0A1F8B67CA}"/>
+                <a16:creationId xmlns:a16="http://schemas.microsoft.com/office/drawing/2014/main" id="{18A57166-29B5-42C1-8CC5-9A0A1F8B67CA}"/>
               </a:ext>
             </a:extLst>
           </p:cNvPr>
@@ -53948,7 +53815,7 @@
           <p:cNvPr id="17" name="椭圆 16">
             <a:extLst>
               <a:ext uri="{FF2B5EF4-FFF2-40B4-BE49-F238E27FC236}">
-                <a16:creationId xmlns="" xmlns:a16="http://schemas.microsoft.com/office/drawing/2014/main" id="{85111A73-AD6B-469F-9E88-C81FF847F1FE}"/>
+                <a16:creationId xmlns:a16="http://schemas.microsoft.com/office/drawing/2014/main" id="{85111A73-AD6B-469F-9E88-C81FF847F1FE}"/>
               </a:ext>
             </a:extLst>
           </p:cNvPr>
@@ -54008,7 +53875,7 @@
           <p:cNvPr id="20" name="椭圆 19">
             <a:extLst>
               <a:ext uri="{FF2B5EF4-FFF2-40B4-BE49-F238E27FC236}">
-                <a16:creationId xmlns="" xmlns:a16="http://schemas.microsoft.com/office/drawing/2014/main" id="{CA08FD24-B804-45B3-BBF1-380A318C5622}"/>
+                <a16:creationId xmlns:a16="http://schemas.microsoft.com/office/drawing/2014/main" id="{CA08FD24-B804-45B3-BBF1-380A318C5622}"/>
               </a:ext>
             </a:extLst>
           </p:cNvPr>
@@ -54068,7 +53935,7 @@
           <p:cNvPr id="21" name="TextBox 18">
             <a:extLst>
               <a:ext uri="{FF2B5EF4-FFF2-40B4-BE49-F238E27FC236}">
-                <a16:creationId xmlns="" xmlns:a16="http://schemas.microsoft.com/office/drawing/2014/main" id="{CD21A070-833C-4A7F-BE73-0F85BA03B90C}"/>
+                <a16:creationId xmlns:a16="http://schemas.microsoft.com/office/drawing/2014/main" id="{CD21A070-833C-4A7F-BE73-0F85BA03B90C}"/>
               </a:ext>
             </a:extLst>
           </p:cNvPr>
@@ -54134,7 +54001,7 @@
           <p:cNvPr id="38" name="椭圆 37">
             <a:extLst>
               <a:ext uri="{FF2B5EF4-FFF2-40B4-BE49-F238E27FC236}">
-                <a16:creationId xmlns="" xmlns:a16="http://schemas.microsoft.com/office/drawing/2014/main" id="{132A8913-20CA-4D97-8E93-ACC422FDE821}"/>
+                <a16:creationId xmlns:a16="http://schemas.microsoft.com/office/drawing/2014/main" id="{132A8913-20CA-4D97-8E93-ACC422FDE821}"/>
               </a:ext>
             </a:extLst>
           </p:cNvPr>
@@ -54194,7 +54061,7 @@
           <p:cNvPr id="40" name="直接箭头连接符 39">
             <a:extLst>
               <a:ext uri="{FF2B5EF4-FFF2-40B4-BE49-F238E27FC236}">
-                <a16:creationId xmlns="" xmlns:a16="http://schemas.microsoft.com/office/drawing/2014/main" id="{544B5F2B-8D8C-4128-B4EA-F16956397889}"/>
+                <a16:creationId xmlns:a16="http://schemas.microsoft.com/office/drawing/2014/main" id="{544B5F2B-8D8C-4128-B4EA-F16956397889}"/>
               </a:ext>
             </a:extLst>
           </p:cNvPr>
@@ -54241,7 +54108,7 @@
           <p:cNvPr id="43" name="文本框 42">
             <a:extLst>
               <a:ext uri="{FF2B5EF4-FFF2-40B4-BE49-F238E27FC236}">
-                <a16:creationId xmlns="" xmlns:a16="http://schemas.microsoft.com/office/drawing/2014/main" id="{7FD6F372-8778-42EF-8FC4-382C660CC451}"/>
+                <a16:creationId xmlns:a16="http://schemas.microsoft.com/office/drawing/2014/main" id="{7FD6F372-8778-42EF-8FC4-382C660CC451}"/>
               </a:ext>
             </a:extLst>
           </p:cNvPr>
@@ -54283,7 +54150,7 @@
           <p:cNvPr id="44" name="椭圆 43">
             <a:extLst>
               <a:ext uri="{FF2B5EF4-FFF2-40B4-BE49-F238E27FC236}">
-                <a16:creationId xmlns="" xmlns:a16="http://schemas.microsoft.com/office/drawing/2014/main" id="{2B2FD749-3DD4-4550-9193-04E8779A7557}"/>
+                <a16:creationId xmlns:a16="http://schemas.microsoft.com/office/drawing/2014/main" id="{2B2FD749-3DD4-4550-9193-04E8779A7557}"/>
               </a:ext>
             </a:extLst>
           </p:cNvPr>
@@ -54343,7 +54210,7 @@
           <p:cNvPr id="45" name="直接箭头连接符 44">
             <a:extLst>
               <a:ext uri="{FF2B5EF4-FFF2-40B4-BE49-F238E27FC236}">
-                <a16:creationId xmlns="" xmlns:a16="http://schemas.microsoft.com/office/drawing/2014/main" id="{2CA35CF2-E632-46CD-8162-BEDF1EB2D190}"/>
+                <a16:creationId xmlns:a16="http://schemas.microsoft.com/office/drawing/2014/main" id="{2CA35CF2-E632-46CD-8162-BEDF1EB2D190}"/>
               </a:ext>
             </a:extLst>
           </p:cNvPr>
@@ -54390,7 +54257,7 @@
           <p:cNvPr id="47" name="椭圆 46">
             <a:extLst>
               <a:ext uri="{FF2B5EF4-FFF2-40B4-BE49-F238E27FC236}">
-                <a16:creationId xmlns="" xmlns:a16="http://schemas.microsoft.com/office/drawing/2014/main" id="{0F6F6D76-DCF7-43CE-83B4-10367064A8A1}"/>
+                <a16:creationId xmlns:a16="http://schemas.microsoft.com/office/drawing/2014/main" id="{0F6F6D76-DCF7-43CE-83B4-10367064A8A1}"/>
               </a:ext>
             </a:extLst>
           </p:cNvPr>
@@ -54450,7 +54317,7 @@
           <p:cNvPr id="52" name="椭圆 51">
             <a:extLst>
               <a:ext uri="{FF2B5EF4-FFF2-40B4-BE49-F238E27FC236}">
-                <a16:creationId xmlns="" xmlns:a16="http://schemas.microsoft.com/office/drawing/2014/main" id="{A1E7B33C-E090-4135-A887-0D73F237B35A}"/>
+                <a16:creationId xmlns:a16="http://schemas.microsoft.com/office/drawing/2014/main" id="{A1E7B33C-E090-4135-A887-0D73F237B35A}"/>
               </a:ext>
             </a:extLst>
           </p:cNvPr>
@@ -54510,7 +54377,7 @@
           <p:cNvPr id="59" name="直接箭头连接符 58">
             <a:extLst>
               <a:ext uri="{FF2B5EF4-FFF2-40B4-BE49-F238E27FC236}">
-                <a16:creationId xmlns="" xmlns:a16="http://schemas.microsoft.com/office/drawing/2014/main" id="{4D95AD33-E381-4C49-9BDB-46C92B7DFAF8}"/>
+                <a16:creationId xmlns:a16="http://schemas.microsoft.com/office/drawing/2014/main" id="{4D95AD33-E381-4C49-9BDB-46C92B7DFAF8}"/>
               </a:ext>
             </a:extLst>
           </p:cNvPr>
@@ -54557,7 +54424,7 @@
           <p:cNvPr id="61" name="直接箭头连接符 60">
             <a:extLst>
               <a:ext uri="{FF2B5EF4-FFF2-40B4-BE49-F238E27FC236}">
-                <a16:creationId xmlns="" xmlns:a16="http://schemas.microsoft.com/office/drawing/2014/main" id="{5380B8CA-B47E-46AA-A0FF-E953E7DE4232}"/>
+                <a16:creationId xmlns:a16="http://schemas.microsoft.com/office/drawing/2014/main" id="{5380B8CA-B47E-46AA-A0FF-E953E7DE4232}"/>
               </a:ext>
             </a:extLst>
           </p:cNvPr>
@@ -54604,7 +54471,7 @@
           <p:cNvPr id="65" name="直接箭头连接符 64">
             <a:extLst>
               <a:ext uri="{FF2B5EF4-FFF2-40B4-BE49-F238E27FC236}">
-                <a16:creationId xmlns="" xmlns:a16="http://schemas.microsoft.com/office/drawing/2014/main" id="{90295542-F75D-4871-AC20-2B5264C7F62F}"/>
+                <a16:creationId xmlns:a16="http://schemas.microsoft.com/office/drawing/2014/main" id="{90295542-F75D-4871-AC20-2B5264C7F62F}"/>
               </a:ext>
             </a:extLst>
           </p:cNvPr>
@@ -54659,13 +54526,6 @@
   <p:transition spd="med">
     <p:push dir="u"/>
   </p:transition>
-  <p:timing>
-    <p:tnLst>
-      <p:par>
-        <p:cTn id="1" dur="indefinite" restart="never" nodeType="tmRoot"/>
-      </p:par>
-    </p:tnLst>
-  </p:timing>
 </p:sld>
 </file>
 

--- a/FinalPaper/毕业答辩.pptx
+++ b/FinalPaper/毕业答辩.pptx
@@ -26346,7 +26346,7 @@
         <p:spPr>
           <a:xfrm>
             <a:off x="4285895" y="1142791"/>
-            <a:ext cx="595035" cy="338554"/>
+            <a:ext cx="1005403" cy="338554"/>
           </a:xfrm>
           <a:prstGeom prst="rect">
             <a:avLst/>
@@ -26370,7 +26370,7 @@
                 <a:latin typeface="微软雅黑" panose="020B0503020204020204" pitchFamily="34" charset="-122"/>
                 <a:ea typeface="微软雅黑" panose="020B0503020204020204" pitchFamily="34" charset="-122"/>
               </a:rPr>
-              <a:t>绪论</a:t>
+              <a:t>研究背景</a:t>
             </a:r>
           </a:p>
         </p:txBody>
@@ -41085,7 +41085,7 @@
         <p:spPr>
           <a:xfrm>
             <a:off x="4245253" y="2204864"/>
-            <a:ext cx="902811" cy="523220"/>
+            <a:ext cx="1620957" cy="523220"/>
           </a:xfrm>
           <a:prstGeom prst="rect">
             <a:avLst/>
@@ -41108,7 +41108,7 @@
                 <a:latin typeface="微软雅黑" panose="020B0503020204020204" pitchFamily="34" charset="-122"/>
                 <a:ea typeface="微软雅黑" panose="020B0503020204020204" pitchFamily="34" charset="-122"/>
               </a:rPr>
-              <a:t>绪论</a:t>
+              <a:t>研究背景</a:t>
             </a:r>
           </a:p>
         </p:txBody>
@@ -41176,7 +41176,7 @@
                 <a:latin typeface="微软雅黑" panose="020B0503020204020204" pitchFamily="34" charset="-122"/>
                 <a:ea typeface="微软雅黑" panose="020B0503020204020204" pitchFamily="34" charset="-122"/>
               </a:rPr>
-              <a:t>相关研究综述</a:t>
+              <a:t>研究现状</a:t>
             </a:r>
             <a:endParaRPr lang="en-US" altLang="zh-CN" sz="1400" dirty="0">
               <a:solidFill>
@@ -42574,11 +42574,11 @@
           <a:p>
             <a:pPr algn="ctr"/>
             <a:r>
-              <a:rPr lang="zh-CN" altLang="en-US" dirty="0">
+              <a:rPr lang="zh-CN" altLang="en-US" sz="1400" dirty="0">
                 <a:latin typeface="微软雅黑" panose="020B0503020204020204" pitchFamily="34" charset="-122"/>
                 <a:ea typeface="微软雅黑" panose="020B0503020204020204" pitchFamily="34" charset="-122"/>
               </a:rPr>
-              <a:t>绪论</a:t>
+              <a:t>研究背景</a:t>
             </a:r>
           </a:p>
         </p:txBody>
@@ -44100,7 +44100,7 @@
         <p:spPr>
           <a:xfrm>
             <a:off x="6804248" y="332656"/>
-            <a:ext cx="1261884" cy="307777"/>
+            <a:ext cx="902811" cy="307777"/>
           </a:xfrm>
           <a:prstGeom prst="rect">
             <a:avLst/>
@@ -44118,7 +44118,7 @@
                 <a:latin typeface="微软雅黑" panose="020B0503020204020204" pitchFamily="34" charset="-122"/>
                 <a:ea typeface="微软雅黑" panose="020B0503020204020204" pitchFamily="34" charset="-122"/>
               </a:rPr>
-              <a:t>相关研究综述</a:t>
+              <a:t>相关现状</a:t>
             </a:r>
           </a:p>
         </p:txBody>
@@ -44165,11 +44165,11 @@
           <a:p>
             <a:pPr algn="ctr"/>
             <a:r>
-              <a:rPr lang="zh-CN" altLang="en-US" dirty="0">
+              <a:rPr lang="zh-CN" altLang="en-US" sz="1400" dirty="0">
                 <a:latin typeface="微软雅黑" panose="020B0503020204020204" pitchFamily="34" charset="-122"/>
                 <a:ea typeface="微软雅黑" panose="020B0503020204020204" pitchFamily="34" charset="-122"/>
               </a:rPr>
-              <a:t>绪论</a:t>
+              <a:t>研究背景</a:t>
             </a:r>
           </a:p>
         </p:txBody>
@@ -44923,7 +44923,7 @@
         <p:spPr>
           <a:xfrm>
             <a:off x="2119494" y="3358733"/>
-            <a:ext cx="4051109" cy="646331"/>
+            <a:ext cx="4051109" cy="923330"/>
           </a:xfrm>
           <a:prstGeom prst="rect">
             <a:avLst/>
@@ -44969,6 +44969,47 @@
                 <a:ea typeface="微软雅黑" panose="020B0503020204020204" pitchFamily="34" charset="-122"/>
               </a:rPr>
               <a:t>对气候变化的一种数值模拟，提高气候预报的有力工具</a:t>
+            </a:r>
+            <a:endParaRPr lang="en-US" altLang="zh-CN" sz="1200" dirty="0">
+              <a:latin typeface="微软雅黑" panose="020B0503020204020204" pitchFamily="34" charset="-122"/>
+              <a:ea typeface="微软雅黑" panose="020B0503020204020204" pitchFamily="34" charset="-122"/>
+            </a:endParaRPr>
+          </a:p>
+          <a:p>
+            <a:pPr marL="171450" indent="-171450">
+              <a:lnSpc>
+                <a:spcPct val="150000"/>
+              </a:lnSpc>
+              <a:buFont typeface="Arial" panose="020B0604020202020204" pitchFamily="34" charset="0"/>
+              <a:buChar char="•"/>
+            </a:pPr>
+            <a:r>
+              <a:rPr lang="en-US" altLang="zh-CN" sz="1200" dirty="0">
+                <a:latin typeface="微软雅黑" panose="020B0503020204020204" pitchFamily="34" charset="-122"/>
+                <a:ea typeface="微软雅黑" panose="020B0503020204020204" pitchFamily="34" charset="-122"/>
+              </a:rPr>
+              <a:t>GFDL CM</a:t>
+            </a:r>
+            <a:r>
+              <a:rPr lang="zh-CN" altLang="en-US" sz="1200" dirty="0">
+                <a:latin typeface="微软雅黑" panose="020B0503020204020204" pitchFamily="34" charset="-122"/>
+                <a:ea typeface="微软雅黑" panose="020B0503020204020204" pitchFamily="34" charset="-122"/>
+              </a:rPr>
+              <a:t>模式对</a:t>
+            </a:r>
+            <a:r>
+              <a:rPr lang="en-US" altLang="zh-CN" sz="1200" dirty="0">
+                <a:latin typeface="微软雅黑" panose="020B0503020204020204" pitchFamily="34" charset="-122"/>
+                <a:ea typeface="微软雅黑" panose="020B0503020204020204" pitchFamily="34" charset="-122"/>
+              </a:rPr>
+              <a:t>ENSO</a:t>
+            </a:r>
+            <a:r>
+              <a:rPr lang="zh-CN" altLang="en-US" sz="1200" dirty="0">
+                <a:latin typeface="微软雅黑" panose="020B0503020204020204" pitchFamily="34" charset="-122"/>
+                <a:ea typeface="微软雅黑" panose="020B0503020204020204" pitchFamily="34" charset="-122"/>
+              </a:rPr>
+              <a:t>事件具有较好模拟能力</a:t>
             </a:r>
             <a:endParaRPr lang="en-US" altLang="zh-CN" sz="1200" dirty="0">
               <a:latin typeface="微软雅黑" panose="020B0503020204020204" pitchFamily="34" charset="-122"/>
@@ -45242,11 +45283,11 @@
           <a:p>
             <a:pPr algn="ctr"/>
             <a:r>
-              <a:rPr lang="zh-CN" altLang="en-US" dirty="0">
+              <a:rPr lang="zh-CN" altLang="en-US" sz="1400" dirty="0">
                 <a:latin typeface="微软雅黑" panose="020B0503020204020204" pitchFamily="34" charset="-122"/>
                 <a:ea typeface="微软雅黑" panose="020B0503020204020204" pitchFamily="34" charset="-122"/>
               </a:rPr>
-              <a:t>绪论</a:t>
+              <a:t>研究背景</a:t>
             </a:r>
           </a:p>
         </p:txBody>
@@ -46145,6 +46186,16 @@
             </a:p>
             <a:p>
               <a:r>
+                <a:rPr lang="zh-CN" altLang="en-US" sz="1400">
+                  <a:solidFill>
+                    <a:srgbClr val="FF0000"/>
+                  </a:solidFill>
+                  <a:latin typeface="微软雅黑" panose="020B0503020204020204" pitchFamily="34" charset="-122"/>
+                  <a:ea typeface="微软雅黑" panose="020B0503020204020204" pitchFamily="34" charset="-122"/>
+                </a:rPr>
+                <a:t>（求解算法</a:t>
+              </a:r>
+              <a:r>
                 <a:rPr lang="zh-CN" altLang="en-US" sz="1400" dirty="0">
                   <a:solidFill>
                     <a:srgbClr val="FF0000"/>
@@ -46152,7 +46203,7 @@
                   <a:latin typeface="微软雅黑" panose="020B0503020204020204" pitchFamily="34" charset="-122"/>
                   <a:ea typeface="微软雅黑" panose="020B0503020204020204" pitchFamily="34" charset="-122"/>
                 </a:rPr>
-                <a:t>（寻优算法）</a:t>
+                <a:t>）</a:t>
               </a:r>
             </a:p>
           </p:txBody>
@@ -46382,7 +46433,7 @@
                     <a:latin typeface="微软雅黑" panose="020B0503020204020204" pitchFamily="34" charset="-122"/>
                     <a:ea typeface="微软雅黑" panose="020B0503020204020204" pitchFamily="34" charset="-122"/>
                   </a:rPr>
-                  <a:t>（求解方法）</a:t>
+                  <a:t>（研究方法）</a:t>
                 </a:r>
               </a:p>
             </p:txBody>

--- a/FinalPaper/毕业答辩.pptx
+++ b/FinalPaper/毕业答辩.pptx
@@ -10040,7 +10040,7 @@
           <p:cNvPr id="116" name="直接连接符 115">
             <a:extLst>
               <a:ext uri="{FF2B5EF4-FFF2-40B4-BE49-F238E27FC236}">
-                <a16:creationId xmlns:a16="http://schemas.microsoft.com/office/drawing/2014/main" id="{935B4380-C8CD-4AEE-BFB0-D8B729F00EFC}"/>
+                <a16:creationId xmlns:a16="http://schemas.microsoft.com/office/drawing/2014/main" xmlns="" id="{935B4380-C8CD-4AEE-BFB0-D8B729F00EFC}"/>
               </a:ext>
             </a:extLst>
           </p:cNvPr>
@@ -10086,7 +10086,7 @@
           <p:cNvPr id="89" name="Freeform 325">
             <a:extLst>
               <a:ext uri="{FF2B5EF4-FFF2-40B4-BE49-F238E27FC236}">
-                <a16:creationId xmlns:a16="http://schemas.microsoft.com/office/drawing/2014/main" id="{68C0778E-22E1-4C0C-A17B-06709E6DAB2F}"/>
+                <a16:creationId xmlns:a16="http://schemas.microsoft.com/office/drawing/2014/main" xmlns="" id="{68C0778E-22E1-4C0C-A17B-06709E6DAB2F}"/>
               </a:ext>
             </a:extLst>
           </p:cNvPr>
@@ -10694,7 +10694,7 @@
           <p:cNvPr id="92" name="Freeform 312">
             <a:extLst>
               <a:ext uri="{FF2B5EF4-FFF2-40B4-BE49-F238E27FC236}">
-                <a16:creationId xmlns:a16="http://schemas.microsoft.com/office/drawing/2014/main" id="{2A1B9DA8-986D-41A5-BF6C-668C33AF0106}"/>
+                <a16:creationId xmlns:a16="http://schemas.microsoft.com/office/drawing/2014/main" xmlns="" id="{2A1B9DA8-986D-41A5-BF6C-668C33AF0106}"/>
               </a:ext>
             </a:extLst>
           </p:cNvPr>
@@ -11698,7 +11698,7 @@
           <p:cNvPr id="94" name="Freeform 121">
             <a:extLst>
               <a:ext uri="{FF2B5EF4-FFF2-40B4-BE49-F238E27FC236}">
-                <a16:creationId xmlns:a16="http://schemas.microsoft.com/office/drawing/2014/main" id="{B93A3FCA-7723-41E1-B0FD-8E2D1F9214AF}"/>
+                <a16:creationId xmlns:a16="http://schemas.microsoft.com/office/drawing/2014/main" xmlns="" id="{B93A3FCA-7723-41E1-B0FD-8E2D1F9214AF}"/>
               </a:ext>
             </a:extLst>
           </p:cNvPr>
@@ -12005,6 +12005,13 @@
   <p:transition spd="med">
     <p:push dir="u"/>
   </p:transition>
+  <p:timing>
+    <p:tnLst>
+      <p:par>
+        <p:cTn id="1" dur="indefinite" restart="never" nodeType="tmRoot"/>
+      </p:par>
+    </p:tnLst>
+  </p:timing>
 </p:sld>
 </file>
 
@@ -12685,7 +12692,7 @@
           <p:cNvPr id="14" name="TextBox 46">
             <a:extLst>
               <a:ext uri="{FF2B5EF4-FFF2-40B4-BE49-F238E27FC236}">
-                <a16:creationId xmlns:a16="http://schemas.microsoft.com/office/drawing/2014/main" id="{038ACC64-63F6-420B-A042-E14A9A7C9394}"/>
+                <a16:creationId xmlns:a16="http://schemas.microsoft.com/office/drawing/2014/main" xmlns="" id="{038ACC64-63F6-420B-A042-E14A9A7C9394}"/>
               </a:ext>
             </a:extLst>
           </p:cNvPr>
@@ -12751,7 +12758,7 @@
           <p:cNvPr id="17" name="文本框 16">
             <a:extLst>
               <a:ext uri="{FF2B5EF4-FFF2-40B4-BE49-F238E27FC236}">
-                <a16:creationId xmlns:a16="http://schemas.microsoft.com/office/drawing/2014/main" id="{E6F4ECFA-13B3-48DE-9E3E-DF7BBDA53533}"/>
+                <a16:creationId xmlns:a16="http://schemas.microsoft.com/office/drawing/2014/main" xmlns="" id="{E6F4ECFA-13B3-48DE-9E3E-DF7BBDA53533}"/>
               </a:ext>
             </a:extLst>
           </p:cNvPr>
@@ -12801,7 +12808,7 @@
           <p:cNvPr id="2" name="矩形 1">
             <a:extLst>
               <a:ext uri="{FF2B5EF4-FFF2-40B4-BE49-F238E27FC236}">
-                <a16:creationId xmlns:a16="http://schemas.microsoft.com/office/drawing/2014/main" id="{4420292E-33FF-4264-AB0D-02351FB20E36}"/>
+                <a16:creationId xmlns:a16="http://schemas.microsoft.com/office/drawing/2014/main" xmlns="" id="{4420292E-33FF-4264-AB0D-02351FB20E36}"/>
               </a:ext>
             </a:extLst>
           </p:cNvPr>
@@ -12871,7 +12878,7 @@
           <p:cNvPr id="18" name="下箭头 32">
             <a:extLst>
               <a:ext uri="{FF2B5EF4-FFF2-40B4-BE49-F238E27FC236}">
-                <a16:creationId xmlns:a16="http://schemas.microsoft.com/office/drawing/2014/main" id="{58C148CE-C64E-469D-8722-275221F9D022}"/>
+                <a16:creationId xmlns:a16="http://schemas.microsoft.com/office/drawing/2014/main" xmlns="" id="{58C148CE-C64E-469D-8722-275221F9D022}"/>
               </a:ext>
             </a:extLst>
           </p:cNvPr>
@@ -12925,7 +12932,7 @@
           <p:cNvPr id="9" name="文本框 8">
             <a:extLst>
               <a:ext uri="{FF2B5EF4-FFF2-40B4-BE49-F238E27FC236}">
-                <a16:creationId xmlns:a16="http://schemas.microsoft.com/office/drawing/2014/main" id="{54F12738-BEC8-4788-993E-3A7BE34EF640}"/>
+                <a16:creationId xmlns:a16="http://schemas.microsoft.com/office/drawing/2014/main" xmlns="" id="{54F12738-BEC8-4788-993E-3A7BE34EF640}"/>
               </a:ext>
             </a:extLst>
           </p:cNvPr>
@@ -12960,7 +12967,7 @@
           <p:cNvPr id="20" name="文本框 19">
             <a:extLst>
               <a:ext uri="{FF2B5EF4-FFF2-40B4-BE49-F238E27FC236}">
-                <a16:creationId xmlns:a16="http://schemas.microsoft.com/office/drawing/2014/main" id="{C2538DF4-FB90-4911-B44A-A6F7C1648B61}"/>
+                <a16:creationId xmlns:a16="http://schemas.microsoft.com/office/drawing/2014/main" xmlns="" id="{C2538DF4-FB90-4911-B44A-A6F7C1648B61}"/>
               </a:ext>
             </a:extLst>
           </p:cNvPr>
@@ -12995,7 +13002,7 @@
           <p:cNvPr id="21" name="文本框 20">
             <a:extLst>
               <a:ext uri="{FF2B5EF4-FFF2-40B4-BE49-F238E27FC236}">
-                <a16:creationId xmlns:a16="http://schemas.microsoft.com/office/drawing/2014/main" id="{1E91F165-E54A-425D-BFAD-F08B52B24551}"/>
+                <a16:creationId xmlns:a16="http://schemas.microsoft.com/office/drawing/2014/main" xmlns="" id="{1E91F165-E54A-425D-BFAD-F08B52B24551}"/>
               </a:ext>
             </a:extLst>
           </p:cNvPr>
@@ -13035,7 +13042,7 @@
           <p:cNvPr id="23" name="矩形 22">
             <a:extLst>
               <a:ext uri="{FF2B5EF4-FFF2-40B4-BE49-F238E27FC236}">
-                <a16:creationId xmlns:a16="http://schemas.microsoft.com/office/drawing/2014/main" id="{D8EC7A10-C9A7-4C09-A9ED-B0400D102A74}"/>
+                <a16:creationId xmlns:a16="http://schemas.microsoft.com/office/drawing/2014/main" xmlns="" id="{D8EC7A10-C9A7-4C09-A9ED-B0400D102A74}"/>
               </a:ext>
             </a:extLst>
           </p:cNvPr>
@@ -13105,7 +13112,7 @@
           <p:cNvPr id="24" name="文本框 23">
             <a:extLst>
               <a:ext uri="{FF2B5EF4-FFF2-40B4-BE49-F238E27FC236}">
-                <a16:creationId xmlns:a16="http://schemas.microsoft.com/office/drawing/2014/main" id="{2657C0C8-F42A-4F20-A478-79138EC817E1}"/>
+                <a16:creationId xmlns:a16="http://schemas.microsoft.com/office/drawing/2014/main" xmlns="" id="{2657C0C8-F42A-4F20-A478-79138EC817E1}"/>
               </a:ext>
             </a:extLst>
           </p:cNvPr>
@@ -13140,7 +13147,7 @@
           <p:cNvPr id="25" name="文本框 24">
             <a:extLst>
               <a:ext uri="{FF2B5EF4-FFF2-40B4-BE49-F238E27FC236}">
-                <a16:creationId xmlns:a16="http://schemas.microsoft.com/office/drawing/2014/main" id="{76C335F0-957C-4BE8-B64D-D2B41BFBEF30}"/>
+                <a16:creationId xmlns:a16="http://schemas.microsoft.com/office/drawing/2014/main" xmlns="" id="{76C335F0-957C-4BE8-B64D-D2B41BFBEF30}"/>
               </a:ext>
             </a:extLst>
           </p:cNvPr>
@@ -13192,7 +13199,7 @@
           <p:cNvPr id="26" name="下箭头 32">
             <a:extLst>
               <a:ext uri="{FF2B5EF4-FFF2-40B4-BE49-F238E27FC236}">
-                <a16:creationId xmlns:a16="http://schemas.microsoft.com/office/drawing/2014/main" id="{31193F67-61DF-4F75-A6E0-14E0AF212675}"/>
+                <a16:creationId xmlns:a16="http://schemas.microsoft.com/office/drawing/2014/main" xmlns="" id="{31193F67-61DF-4F75-A6E0-14E0AF212675}"/>
               </a:ext>
             </a:extLst>
           </p:cNvPr>
@@ -13246,7 +13253,7 @@
           <p:cNvPr id="22" name="文本框 21">
             <a:extLst>
               <a:ext uri="{FF2B5EF4-FFF2-40B4-BE49-F238E27FC236}">
-                <a16:creationId xmlns:a16="http://schemas.microsoft.com/office/drawing/2014/main" id="{E566D48D-20DC-4C7A-B36F-1B2DA1A605C4}"/>
+                <a16:creationId xmlns:a16="http://schemas.microsoft.com/office/drawing/2014/main" xmlns="" id="{E566D48D-20DC-4C7A-B36F-1B2DA1A605C4}"/>
               </a:ext>
             </a:extLst>
           </p:cNvPr>
@@ -13288,7 +13295,7 @@
           <p:cNvPr id="27" name="文本框 26">
             <a:extLst>
               <a:ext uri="{FF2B5EF4-FFF2-40B4-BE49-F238E27FC236}">
-                <a16:creationId xmlns:a16="http://schemas.microsoft.com/office/drawing/2014/main" id="{747D2FD7-951A-415D-87F1-6947B8DB7888}"/>
+                <a16:creationId xmlns:a16="http://schemas.microsoft.com/office/drawing/2014/main" xmlns="" id="{747D2FD7-951A-415D-87F1-6947B8DB7888}"/>
               </a:ext>
             </a:extLst>
           </p:cNvPr>
@@ -13332,7 +13339,7 @@
           <p:cNvPr id="30" name="下箭头 32">
             <a:extLst>
               <a:ext uri="{FF2B5EF4-FFF2-40B4-BE49-F238E27FC236}">
-                <a16:creationId xmlns:a16="http://schemas.microsoft.com/office/drawing/2014/main" id="{EAB50E5D-2EF6-4520-9081-7BBDE39756EE}"/>
+                <a16:creationId xmlns:a16="http://schemas.microsoft.com/office/drawing/2014/main" xmlns="" id="{EAB50E5D-2EF6-4520-9081-7BBDE39756EE}"/>
               </a:ext>
             </a:extLst>
           </p:cNvPr>
@@ -13386,7 +13393,7 @@
           <p:cNvPr id="31" name="文本框 30">
             <a:extLst>
               <a:ext uri="{FF2B5EF4-FFF2-40B4-BE49-F238E27FC236}">
-                <a16:creationId xmlns:a16="http://schemas.microsoft.com/office/drawing/2014/main" id="{C9F2FA20-2F65-41C6-8B08-2023C9261F99}"/>
+                <a16:creationId xmlns:a16="http://schemas.microsoft.com/office/drawing/2014/main" xmlns="" id="{C9F2FA20-2F65-41C6-8B08-2023C9261F99}"/>
               </a:ext>
             </a:extLst>
           </p:cNvPr>
@@ -13435,7 +13442,7 @@
           <p:cNvPr id="32" name="矩形 31">
             <a:extLst>
               <a:ext uri="{FF2B5EF4-FFF2-40B4-BE49-F238E27FC236}">
-                <a16:creationId xmlns:a16="http://schemas.microsoft.com/office/drawing/2014/main" id="{10A05179-4B68-4E00-928A-8BE5394A0437}"/>
+                <a16:creationId xmlns:a16="http://schemas.microsoft.com/office/drawing/2014/main" xmlns="" id="{10A05179-4B68-4E00-928A-8BE5394A0437}"/>
               </a:ext>
             </a:extLst>
           </p:cNvPr>
@@ -14213,7 +14220,7 @@
           <p:cNvPr id="14" name="TextBox 46">
             <a:extLst>
               <a:ext uri="{FF2B5EF4-FFF2-40B4-BE49-F238E27FC236}">
-                <a16:creationId xmlns:a16="http://schemas.microsoft.com/office/drawing/2014/main" id="{76E85F30-8AC3-4FC8-961C-DD7C5D54F1B4}"/>
+                <a16:creationId xmlns:a16="http://schemas.microsoft.com/office/drawing/2014/main" xmlns="" id="{76E85F30-8AC3-4FC8-961C-DD7C5D54F1B4}"/>
               </a:ext>
             </a:extLst>
           </p:cNvPr>
@@ -14279,7 +14286,7 @@
           <p:cNvPr id="18" name="椭圆 17">
             <a:extLst>
               <a:ext uri="{FF2B5EF4-FFF2-40B4-BE49-F238E27FC236}">
-                <a16:creationId xmlns:a16="http://schemas.microsoft.com/office/drawing/2014/main" id="{B7B16E4E-68BC-4039-ABFF-F43B5AF56593}"/>
+                <a16:creationId xmlns:a16="http://schemas.microsoft.com/office/drawing/2014/main" xmlns="" id="{B7B16E4E-68BC-4039-ABFF-F43B5AF56593}"/>
               </a:ext>
             </a:extLst>
           </p:cNvPr>
@@ -14339,7 +14346,7 @@
           <p:cNvPr id="19" name="椭圆 18">
             <a:extLst>
               <a:ext uri="{FF2B5EF4-FFF2-40B4-BE49-F238E27FC236}">
-                <a16:creationId xmlns:a16="http://schemas.microsoft.com/office/drawing/2014/main" id="{37A85B23-5DB4-448D-BC63-06003239C69F}"/>
+                <a16:creationId xmlns:a16="http://schemas.microsoft.com/office/drawing/2014/main" xmlns="" id="{37A85B23-5DB4-448D-BC63-06003239C69F}"/>
               </a:ext>
             </a:extLst>
           </p:cNvPr>
@@ -14406,7 +14413,7 @@
           <p:cNvPr id="20" name="椭圆 19">
             <a:extLst>
               <a:ext uri="{FF2B5EF4-FFF2-40B4-BE49-F238E27FC236}">
-                <a16:creationId xmlns:a16="http://schemas.microsoft.com/office/drawing/2014/main" id="{1D722065-9A8B-458D-A298-791A00364630}"/>
+                <a16:creationId xmlns:a16="http://schemas.microsoft.com/office/drawing/2014/main" xmlns="" id="{1D722065-9A8B-458D-A298-791A00364630}"/>
               </a:ext>
             </a:extLst>
           </p:cNvPr>
@@ -14466,7 +14473,7 @@
           <p:cNvPr id="21" name="椭圆 20">
             <a:extLst>
               <a:ext uri="{FF2B5EF4-FFF2-40B4-BE49-F238E27FC236}">
-                <a16:creationId xmlns:a16="http://schemas.microsoft.com/office/drawing/2014/main" id="{B161BB54-4481-4401-B68E-EF1FEC029EB7}"/>
+                <a16:creationId xmlns:a16="http://schemas.microsoft.com/office/drawing/2014/main" xmlns="" id="{B161BB54-4481-4401-B68E-EF1FEC029EB7}"/>
               </a:ext>
             </a:extLst>
           </p:cNvPr>
@@ -14526,7 +14533,7 @@
           <p:cNvPr id="22" name="椭圆 21">
             <a:extLst>
               <a:ext uri="{FF2B5EF4-FFF2-40B4-BE49-F238E27FC236}">
-                <a16:creationId xmlns:a16="http://schemas.microsoft.com/office/drawing/2014/main" id="{0DE1F784-39AB-4F7D-995B-F2E3D99FD6EF}"/>
+                <a16:creationId xmlns:a16="http://schemas.microsoft.com/office/drawing/2014/main" xmlns="" id="{0DE1F784-39AB-4F7D-995B-F2E3D99FD6EF}"/>
               </a:ext>
             </a:extLst>
           </p:cNvPr>
@@ -14586,7 +14593,7 @@
           <p:cNvPr id="23" name="直接箭头连接符 22">
             <a:extLst>
               <a:ext uri="{FF2B5EF4-FFF2-40B4-BE49-F238E27FC236}">
-                <a16:creationId xmlns:a16="http://schemas.microsoft.com/office/drawing/2014/main" id="{950452EA-494C-4E54-AE31-57E6C6DAE04F}"/>
+                <a16:creationId xmlns:a16="http://schemas.microsoft.com/office/drawing/2014/main" xmlns="" id="{950452EA-494C-4E54-AE31-57E6C6DAE04F}"/>
               </a:ext>
             </a:extLst>
           </p:cNvPr>
@@ -14631,7 +14638,7 @@
           <p:cNvPr id="24" name="直接箭头连接符 23">
             <a:extLst>
               <a:ext uri="{FF2B5EF4-FFF2-40B4-BE49-F238E27FC236}">
-                <a16:creationId xmlns:a16="http://schemas.microsoft.com/office/drawing/2014/main" id="{D18624C8-798D-4A01-B56C-752FE874063E}"/>
+                <a16:creationId xmlns:a16="http://schemas.microsoft.com/office/drawing/2014/main" xmlns="" id="{D18624C8-798D-4A01-B56C-752FE874063E}"/>
               </a:ext>
             </a:extLst>
           </p:cNvPr>
@@ -14676,7 +14683,7 @@
           <p:cNvPr id="25" name="下箭头 32">
             <a:extLst>
               <a:ext uri="{FF2B5EF4-FFF2-40B4-BE49-F238E27FC236}">
-                <a16:creationId xmlns:a16="http://schemas.microsoft.com/office/drawing/2014/main" id="{57DF651C-C077-4109-AB1A-3E3B73231054}"/>
+                <a16:creationId xmlns:a16="http://schemas.microsoft.com/office/drawing/2014/main" xmlns="" id="{57DF651C-C077-4109-AB1A-3E3B73231054}"/>
               </a:ext>
             </a:extLst>
           </p:cNvPr>
@@ -14730,7 +14737,7 @@
           <p:cNvPr id="26" name="下箭头 33">
             <a:extLst>
               <a:ext uri="{FF2B5EF4-FFF2-40B4-BE49-F238E27FC236}">
-                <a16:creationId xmlns:a16="http://schemas.microsoft.com/office/drawing/2014/main" id="{721091C1-C5AC-42A8-9B94-3CE5C4D966DA}"/>
+                <a16:creationId xmlns:a16="http://schemas.microsoft.com/office/drawing/2014/main" xmlns="" id="{721091C1-C5AC-42A8-9B94-3CE5C4D966DA}"/>
               </a:ext>
             </a:extLst>
           </p:cNvPr>
@@ -14784,7 +14791,7 @@
           <p:cNvPr id="27" name="虚尾箭头 8">
             <a:extLst>
               <a:ext uri="{FF2B5EF4-FFF2-40B4-BE49-F238E27FC236}">
-                <a16:creationId xmlns:a16="http://schemas.microsoft.com/office/drawing/2014/main" id="{57081B68-1D81-4C1A-8691-0E9EA922F717}"/>
+                <a16:creationId xmlns:a16="http://schemas.microsoft.com/office/drawing/2014/main" xmlns="" id="{57081B68-1D81-4C1A-8691-0E9EA922F717}"/>
               </a:ext>
             </a:extLst>
           </p:cNvPr>
@@ -14838,7 +14845,7 @@
           <p:cNvPr id="2" name="文本框 1">
             <a:extLst>
               <a:ext uri="{FF2B5EF4-FFF2-40B4-BE49-F238E27FC236}">
-                <a16:creationId xmlns:a16="http://schemas.microsoft.com/office/drawing/2014/main" id="{38DDB060-B2D0-4E7F-8E41-09236DB7411A}"/>
+                <a16:creationId xmlns:a16="http://schemas.microsoft.com/office/drawing/2014/main" xmlns="" id="{38DDB060-B2D0-4E7F-8E41-09236DB7411A}"/>
               </a:ext>
             </a:extLst>
           </p:cNvPr>
@@ -14880,7 +14887,7 @@
           <p:cNvPr id="9" name="文本框 8">
             <a:extLst>
               <a:ext uri="{FF2B5EF4-FFF2-40B4-BE49-F238E27FC236}">
-                <a16:creationId xmlns:a16="http://schemas.microsoft.com/office/drawing/2014/main" id="{291919B3-699D-492B-A5D7-2F7763716C66}"/>
+                <a16:creationId xmlns:a16="http://schemas.microsoft.com/office/drawing/2014/main" xmlns="" id="{291919B3-699D-492B-A5D7-2F7763716C66}"/>
               </a:ext>
             </a:extLst>
           </p:cNvPr>
@@ -14922,7 +14929,7 @@
           <p:cNvPr id="29" name="文本框 28">
             <a:extLst>
               <a:ext uri="{FF2B5EF4-FFF2-40B4-BE49-F238E27FC236}">
-                <a16:creationId xmlns:a16="http://schemas.microsoft.com/office/drawing/2014/main" id="{B5BC488E-33AE-48C1-BC65-F00BF29E6C26}"/>
+                <a16:creationId xmlns:a16="http://schemas.microsoft.com/office/drawing/2014/main" xmlns="" id="{B5BC488E-33AE-48C1-BC65-F00BF29E6C26}"/>
               </a:ext>
             </a:extLst>
           </p:cNvPr>
@@ -14971,7 +14978,7 @@
           <p:cNvPr id="30" name="文本框 29">
             <a:extLst>
               <a:ext uri="{FF2B5EF4-FFF2-40B4-BE49-F238E27FC236}">
-                <a16:creationId xmlns:a16="http://schemas.microsoft.com/office/drawing/2014/main" id="{274926F2-3D43-409E-820D-A0FA5EE1433E}"/>
+                <a16:creationId xmlns:a16="http://schemas.microsoft.com/office/drawing/2014/main" xmlns="" id="{274926F2-3D43-409E-820D-A0FA5EE1433E}"/>
               </a:ext>
             </a:extLst>
           </p:cNvPr>
@@ -15013,7 +15020,7 @@
           <p:cNvPr id="31" name="文本框 30">
             <a:extLst>
               <a:ext uri="{FF2B5EF4-FFF2-40B4-BE49-F238E27FC236}">
-                <a16:creationId xmlns:a16="http://schemas.microsoft.com/office/drawing/2014/main" id="{310930CC-3490-4139-9EBA-7A9F8699EEE8}"/>
+                <a16:creationId xmlns:a16="http://schemas.microsoft.com/office/drawing/2014/main" xmlns="" id="{310930CC-3490-4139-9EBA-7A9F8699EEE8}"/>
               </a:ext>
             </a:extLst>
           </p:cNvPr>
@@ -15805,7 +15812,7 @@
           <p:cNvPr id="14" name="TextBox 46">
             <a:extLst>
               <a:ext uri="{FF2B5EF4-FFF2-40B4-BE49-F238E27FC236}">
-                <a16:creationId xmlns:a16="http://schemas.microsoft.com/office/drawing/2014/main" id="{55883CF2-AF6F-490F-8A55-D365665B6802}"/>
+                <a16:creationId xmlns:a16="http://schemas.microsoft.com/office/drawing/2014/main" xmlns="" id="{55883CF2-AF6F-490F-8A55-D365665B6802}"/>
               </a:ext>
             </a:extLst>
           </p:cNvPr>
@@ -15871,7 +15878,7 @@
           <p:cNvPr id="2" name="文本框 1">
             <a:extLst>
               <a:ext uri="{FF2B5EF4-FFF2-40B4-BE49-F238E27FC236}">
-                <a16:creationId xmlns:a16="http://schemas.microsoft.com/office/drawing/2014/main" id="{95ECA6DA-B419-47EC-A2E9-314358DEDCCE}"/>
+                <a16:creationId xmlns:a16="http://schemas.microsoft.com/office/drawing/2014/main" xmlns="" id="{95ECA6DA-B419-47EC-A2E9-314358DEDCCE}"/>
               </a:ext>
             </a:extLst>
           </p:cNvPr>
@@ -15934,7 +15941,7 @@
           <p:cNvPr id="15" name="图片 14">
             <a:extLst>
               <a:ext uri="{FF2B5EF4-FFF2-40B4-BE49-F238E27FC236}">
-                <a16:creationId xmlns:a16="http://schemas.microsoft.com/office/drawing/2014/main" id="{DB2353C9-B125-4CDA-A10A-8A826EB987AF}"/>
+                <a16:creationId xmlns:a16="http://schemas.microsoft.com/office/drawing/2014/main" xmlns="" id="{DB2353C9-B125-4CDA-A10A-8A826EB987AF}"/>
               </a:ext>
             </a:extLst>
           </p:cNvPr>
@@ -15964,7 +15971,7 @@
           <p:cNvPr id="18" name="文本框 17">
             <a:extLst>
               <a:ext uri="{FF2B5EF4-FFF2-40B4-BE49-F238E27FC236}">
-                <a16:creationId xmlns:a16="http://schemas.microsoft.com/office/drawing/2014/main" id="{505937C2-AF81-4708-A5A0-4DA79AFE57F7}"/>
+                <a16:creationId xmlns:a16="http://schemas.microsoft.com/office/drawing/2014/main" xmlns="" id="{505937C2-AF81-4708-A5A0-4DA79AFE57F7}"/>
               </a:ext>
             </a:extLst>
           </p:cNvPr>
@@ -16006,7 +16013,7 @@
           <p:cNvPr id="19" name="下箭头 33">
             <a:extLst>
               <a:ext uri="{FF2B5EF4-FFF2-40B4-BE49-F238E27FC236}">
-                <a16:creationId xmlns:a16="http://schemas.microsoft.com/office/drawing/2014/main" id="{E36EBEC0-3999-46EA-BF2F-7982E559EFCA}"/>
+                <a16:creationId xmlns:a16="http://schemas.microsoft.com/office/drawing/2014/main" xmlns="" id="{E36EBEC0-3999-46EA-BF2F-7982E559EFCA}"/>
               </a:ext>
             </a:extLst>
           </p:cNvPr>
@@ -16060,7 +16067,7 @@
           <p:cNvPr id="20" name="下箭头 33">
             <a:extLst>
               <a:ext uri="{FF2B5EF4-FFF2-40B4-BE49-F238E27FC236}">
-                <a16:creationId xmlns:a16="http://schemas.microsoft.com/office/drawing/2014/main" id="{A032B688-77E3-4E8D-AA1E-AA28BF4CBE8F}"/>
+                <a16:creationId xmlns:a16="http://schemas.microsoft.com/office/drawing/2014/main" xmlns="" id="{A032B688-77E3-4E8D-AA1E-AA28BF4CBE8F}"/>
               </a:ext>
             </a:extLst>
           </p:cNvPr>
@@ -16114,7 +16121,7 @@
           <p:cNvPr id="22" name="矩形 21">
             <a:extLst>
               <a:ext uri="{FF2B5EF4-FFF2-40B4-BE49-F238E27FC236}">
-                <a16:creationId xmlns:a16="http://schemas.microsoft.com/office/drawing/2014/main" id="{5CC3C712-78FC-42AB-9483-273DB1B5C976}"/>
+                <a16:creationId xmlns:a16="http://schemas.microsoft.com/office/drawing/2014/main" xmlns="" id="{5CC3C712-78FC-42AB-9483-273DB1B5C976}"/>
               </a:ext>
             </a:extLst>
           </p:cNvPr>
@@ -16210,7 +16217,7 @@
           <p:cNvPr id="23" name="图片 22">
             <a:extLst>
               <a:ext uri="{FF2B5EF4-FFF2-40B4-BE49-F238E27FC236}">
-                <a16:creationId xmlns:a16="http://schemas.microsoft.com/office/drawing/2014/main" id="{708BBB37-0F81-4419-8A27-031133068451}"/>
+                <a16:creationId xmlns:a16="http://schemas.microsoft.com/office/drawing/2014/main" xmlns="" id="{708BBB37-0F81-4419-8A27-031133068451}"/>
               </a:ext>
             </a:extLst>
           </p:cNvPr>
@@ -18871,7 +18878,7 @@
           <p:cNvPr id="29" name="文本框 28">
             <a:extLst>
               <a:ext uri="{FF2B5EF4-FFF2-40B4-BE49-F238E27FC236}">
-                <a16:creationId xmlns:a16="http://schemas.microsoft.com/office/drawing/2014/main" id="{AD20217F-3D79-48B1-9E12-0CF7277C6B9A}"/>
+                <a16:creationId xmlns:a16="http://schemas.microsoft.com/office/drawing/2014/main" xmlns="" id="{AD20217F-3D79-48B1-9E12-0CF7277C6B9A}"/>
               </a:ext>
             </a:extLst>
           </p:cNvPr>
@@ -20175,7 +20182,7 @@
           <p:cNvPr id="16" name="TextBox 15">
             <a:extLst>
               <a:ext uri="{FF2B5EF4-FFF2-40B4-BE49-F238E27FC236}">
-                <a16:creationId xmlns:a16="http://schemas.microsoft.com/office/drawing/2014/main" id="{6DF13735-4081-4307-8A75-E9E41F37B168}"/>
+                <a16:creationId xmlns:a16="http://schemas.microsoft.com/office/drawing/2014/main" xmlns="" id="{6DF13735-4081-4307-8A75-E9E41F37B168}"/>
               </a:ext>
             </a:extLst>
           </p:cNvPr>
@@ -20944,7 +20951,7 @@
           <p:cNvPr id="2" name="表格 1">
             <a:extLst>
               <a:ext uri="{FF2B5EF4-FFF2-40B4-BE49-F238E27FC236}">
-                <a16:creationId xmlns:a16="http://schemas.microsoft.com/office/drawing/2014/main" id="{529F8A63-27D1-4E30-AF80-F1B9DDB2EBCB}"/>
+                <a16:creationId xmlns:a16="http://schemas.microsoft.com/office/drawing/2014/main" xmlns="" id="{529F8A63-27D1-4E30-AF80-F1B9DDB2EBCB}"/>
               </a:ext>
             </a:extLst>
           </p:cNvPr>
@@ -20973,28 +20980,28 @@
                 <a:gridCol w="1555373">
                   <a:extLst>
                     <a:ext uri="{9D8B030D-6E8A-4147-A177-3AD203B41FA5}">
-                      <a16:colId xmlns:a16="http://schemas.microsoft.com/office/drawing/2014/main" val="3046491277"/>
+                      <a16:colId xmlns:a16="http://schemas.microsoft.com/office/drawing/2014/main" xmlns="" val="3046491277"/>
                     </a:ext>
                   </a:extLst>
                 </a:gridCol>
                 <a:gridCol w="1555373">
                   <a:extLst>
                     <a:ext uri="{9D8B030D-6E8A-4147-A177-3AD203B41FA5}">
-                      <a16:colId xmlns:a16="http://schemas.microsoft.com/office/drawing/2014/main" val="3181357374"/>
+                      <a16:colId xmlns:a16="http://schemas.microsoft.com/office/drawing/2014/main" xmlns="" val="3181357374"/>
                     </a:ext>
                   </a:extLst>
                 </a:gridCol>
                 <a:gridCol w="1555373">
                   <a:extLst>
                     <a:ext uri="{9D8B030D-6E8A-4147-A177-3AD203B41FA5}">
-                      <a16:colId xmlns:a16="http://schemas.microsoft.com/office/drawing/2014/main" val="323473221"/>
+                      <a16:colId xmlns:a16="http://schemas.microsoft.com/office/drawing/2014/main" xmlns="" val="323473221"/>
                     </a:ext>
                   </a:extLst>
                 </a:gridCol>
                 <a:gridCol w="1555373">
                   <a:extLst>
                     <a:ext uri="{9D8B030D-6E8A-4147-A177-3AD203B41FA5}">
-                      <a16:colId xmlns:a16="http://schemas.microsoft.com/office/drawing/2014/main" val="1764454887"/>
+                      <a16:colId xmlns:a16="http://schemas.microsoft.com/office/drawing/2014/main" xmlns="" val="1764454887"/>
                     </a:ext>
                   </a:extLst>
                 </a:gridCol>
@@ -21096,7 +21103,7 @@
                 </a:tc>
                 <a:extLst>
                   <a:ext uri="{0D108BD9-81ED-4DB2-BD59-A6C34878D82A}">
-                    <a16:rowId xmlns:a16="http://schemas.microsoft.com/office/drawing/2014/main" val="3264120260"/>
+                    <a16:rowId xmlns:a16="http://schemas.microsoft.com/office/drawing/2014/main" xmlns="" val="3264120260"/>
                   </a:ext>
                 </a:extLst>
               </a:tr>
@@ -21178,7 +21185,7 @@
                 </a:tc>
                 <a:extLst>
                   <a:ext uri="{0D108BD9-81ED-4DB2-BD59-A6C34878D82A}">
-                    <a16:rowId xmlns:a16="http://schemas.microsoft.com/office/drawing/2014/main" val="693590304"/>
+                    <a16:rowId xmlns:a16="http://schemas.microsoft.com/office/drawing/2014/main" xmlns="" val="693590304"/>
                   </a:ext>
                 </a:extLst>
               </a:tr>
@@ -21260,7 +21267,7 @@
                 </a:tc>
                 <a:extLst>
                   <a:ext uri="{0D108BD9-81ED-4DB2-BD59-A6C34878D82A}">
-                    <a16:rowId xmlns:a16="http://schemas.microsoft.com/office/drawing/2014/main" val="4082461953"/>
+                    <a16:rowId xmlns:a16="http://schemas.microsoft.com/office/drawing/2014/main" xmlns="" val="4082461953"/>
                   </a:ext>
                 </a:extLst>
               </a:tr>
@@ -21342,7 +21349,7 @@
                 </a:tc>
                 <a:extLst>
                   <a:ext uri="{0D108BD9-81ED-4DB2-BD59-A6C34878D82A}">
-                    <a16:rowId xmlns:a16="http://schemas.microsoft.com/office/drawing/2014/main" val="436428789"/>
+                    <a16:rowId xmlns:a16="http://schemas.microsoft.com/office/drawing/2014/main" xmlns="" val="436428789"/>
                   </a:ext>
                 </a:extLst>
               </a:tr>
@@ -21458,7 +21465,7 @@
                 </a:tc>
                 <a:extLst>
                   <a:ext uri="{0D108BD9-81ED-4DB2-BD59-A6C34878D82A}">
-                    <a16:rowId xmlns:a16="http://schemas.microsoft.com/office/drawing/2014/main" val="3443909576"/>
+                    <a16:rowId xmlns:a16="http://schemas.microsoft.com/office/drawing/2014/main" xmlns="" val="3443909576"/>
                   </a:ext>
                 </a:extLst>
               </a:tr>
@@ -21471,7 +21478,7 @@
           <p:cNvPr id="43" name="文本框 42">
             <a:extLst>
               <a:ext uri="{FF2B5EF4-FFF2-40B4-BE49-F238E27FC236}">
-                <a16:creationId xmlns:a16="http://schemas.microsoft.com/office/drawing/2014/main" id="{1E32A157-9103-4EE9-83CC-106ECEEB4640}"/>
+                <a16:creationId xmlns:a16="http://schemas.microsoft.com/office/drawing/2014/main" xmlns="" id="{1E32A157-9103-4EE9-83CC-106ECEEB4640}"/>
               </a:ext>
             </a:extLst>
           </p:cNvPr>
@@ -21513,7 +21520,7 @@
           <p:cNvPr id="45" name="文本框 44">
             <a:extLst>
               <a:ext uri="{FF2B5EF4-FFF2-40B4-BE49-F238E27FC236}">
-                <a16:creationId xmlns:a16="http://schemas.microsoft.com/office/drawing/2014/main" id="{01139506-E134-4BC1-AAEE-241BD364136D}"/>
+                <a16:creationId xmlns:a16="http://schemas.microsoft.com/office/drawing/2014/main" xmlns="" id="{01139506-E134-4BC1-AAEE-241BD364136D}"/>
               </a:ext>
             </a:extLst>
           </p:cNvPr>
@@ -21555,7 +21562,7 @@
           <p:cNvPr id="14" name="图片 13">
             <a:extLst>
               <a:ext uri="{FF2B5EF4-FFF2-40B4-BE49-F238E27FC236}">
-                <a16:creationId xmlns:a16="http://schemas.microsoft.com/office/drawing/2014/main" id="{3CA7271E-F7A3-4190-BBC9-215E5C26F1D2}"/>
+                <a16:creationId xmlns:a16="http://schemas.microsoft.com/office/drawing/2014/main" xmlns="" id="{3CA7271E-F7A3-4190-BBC9-215E5C26F1D2}"/>
               </a:ext>
             </a:extLst>
           </p:cNvPr>
@@ -22273,7 +22280,7 @@
           <p:cNvPr id="33" name="图片 32">
             <a:extLst>
               <a:ext uri="{FF2B5EF4-FFF2-40B4-BE49-F238E27FC236}">
-                <a16:creationId xmlns:a16="http://schemas.microsoft.com/office/drawing/2014/main" id="{9C6813BB-5555-405D-9450-66AB68F4E3E0}"/>
+                <a16:creationId xmlns:a16="http://schemas.microsoft.com/office/drawing/2014/main" xmlns="" id="{9C6813BB-5555-405D-9450-66AB68F4E3E0}"/>
               </a:ext>
             </a:extLst>
           </p:cNvPr>
@@ -22307,7 +22314,7 @@
           <p:cNvPr id="34" name="文本框 33">
             <a:extLst>
               <a:ext uri="{FF2B5EF4-FFF2-40B4-BE49-F238E27FC236}">
-                <a16:creationId xmlns:a16="http://schemas.microsoft.com/office/drawing/2014/main" id="{2B061277-8924-45C2-ABEA-18B51F81A5B0}"/>
+                <a16:creationId xmlns:a16="http://schemas.microsoft.com/office/drawing/2014/main" xmlns="" id="{2B061277-8924-45C2-ABEA-18B51F81A5B0}"/>
               </a:ext>
             </a:extLst>
           </p:cNvPr>
@@ -22363,7 +22370,7 @@
           <p:cNvPr id="19" name="图片 18">
             <a:extLst>
               <a:ext uri="{FF2B5EF4-FFF2-40B4-BE49-F238E27FC236}">
-                <a16:creationId xmlns:a16="http://schemas.microsoft.com/office/drawing/2014/main" id="{CE86F1B3-AD1E-4F6E-81DA-82FB81E6B79D}"/>
+                <a16:creationId xmlns:a16="http://schemas.microsoft.com/office/drawing/2014/main" xmlns="" id="{CE86F1B3-AD1E-4F6E-81DA-82FB81E6B79D}"/>
               </a:ext>
             </a:extLst>
           </p:cNvPr>
@@ -22397,7 +22404,7 @@
           <p:cNvPr id="20" name="文本框 19">
             <a:extLst>
               <a:ext uri="{FF2B5EF4-FFF2-40B4-BE49-F238E27FC236}">
-                <a16:creationId xmlns:a16="http://schemas.microsoft.com/office/drawing/2014/main" id="{1BEED469-1CF8-4109-B300-64C04DB3CEEC}"/>
+                <a16:creationId xmlns:a16="http://schemas.microsoft.com/office/drawing/2014/main" xmlns="" id="{1BEED469-1CF8-4109-B300-64C04DB3CEEC}"/>
               </a:ext>
             </a:extLst>
           </p:cNvPr>
@@ -22453,7 +22460,7 @@
           <p:cNvPr id="24" name="组合 23">
             <a:extLst>
               <a:ext uri="{FF2B5EF4-FFF2-40B4-BE49-F238E27FC236}">
-                <a16:creationId xmlns:a16="http://schemas.microsoft.com/office/drawing/2014/main" id="{2C52F46E-A416-430E-9976-C033F5A0E3D8}"/>
+                <a16:creationId xmlns:a16="http://schemas.microsoft.com/office/drawing/2014/main" xmlns="" id="{2C52F46E-A416-430E-9976-C033F5A0E3D8}"/>
               </a:ext>
             </a:extLst>
           </p:cNvPr>
@@ -22473,7 +22480,7 @@
             <p:cNvPr id="2" name="矩形 1">
               <a:extLst>
                 <a:ext uri="{FF2B5EF4-FFF2-40B4-BE49-F238E27FC236}">
-                  <a16:creationId xmlns:a16="http://schemas.microsoft.com/office/drawing/2014/main" id="{4AD83D79-2F49-4998-A677-A70E36EF1315}"/>
+                  <a16:creationId xmlns:a16="http://schemas.microsoft.com/office/drawing/2014/main" xmlns="" id="{4AD83D79-2F49-4998-A677-A70E36EF1315}"/>
                 </a:ext>
               </a:extLst>
             </p:cNvPr>
@@ -22525,7 +22532,7 @@
             <p:cNvPr id="18" name="矩形 17">
               <a:extLst>
                 <a:ext uri="{FF2B5EF4-FFF2-40B4-BE49-F238E27FC236}">
-                  <a16:creationId xmlns:a16="http://schemas.microsoft.com/office/drawing/2014/main" id="{63CFB48C-33DF-4D3B-B065-1B31E2DB25C2}"/>
+                  <a16:creationId xmlns:a16="http://schemas.microsoft.com/office/drawing/2014/main" xmlns="" id="{63CFB48C-33DF-4D3B-B065-1B31E2DB25C2}"/>
                 </a:ext>
               </a:extLst>
             </p:cNvPr>
@@ -22577,7 +22584,7 @@
             <p:cNvPr id="12" name="直接箭头连接符 11">
               <a:extLst>
                 <a:ext uri="{FF2B5EF4-FFF2-40B4-BE49-F238E27FC236}">
-                  <a16:creationId xmlns:a16="http://schemas.microsoft.com/office/drawing/2014/main" id="{E1937D5A-17C6-4F21-BC1A-FFCC1762F3C6}"/>
+                  <a16:creationId xmlns:a16="http://schemas.microsoft.com/office/drawing/2014/main" xmlns="" id="{E1937D5A-17C6-4F21-BC1A-FFCC1762F3C6}"/>
                 </a:ext>
               </a:extLst>
             </p:cNvPr>
@@ -22621,7 +22628,7 @@
             <p:cNvPr id="23" name="直接箭头连接符 22">
               <a:extLst>
                 <a:ext uri="{FF2B5EF4-FFF2-40B4-BE49-F238E27FC236}">
-                  <a16:creationId xmlns:a16="http://schemas.microsoft.com/office/drawing/2014/main" id="{7EA1ED8F-9FD8-4F48-B7C5-455D94C2D077}"/>
+                  <a16:creationId xmlns:a16="http://schemas.microsoft.com/office/drawing/2014/main" xmlns="" id="{7EA1ED8F-9FD8-4F48-B7C5-455D94C2D077}"/>
                 </a:ext>
               </a:extLst>
             </p:cNvPr>
@@ -22665,7 +22672,7 @@
             <p:cNvPr id="22" name="文本框 21">
               <a:extLst>
                 <a:ext uri="{FF2B5EF4-FFF2-40B4-BE49-F238E27FC236}">
-                  <a16:creationId xmlns:a16="http://schemas.microsoft.com/office/drawing/2014/main" id="{829DFA88-1E87-4E9E-84ED-6A07111FAA66}"/>
+                  <a16:creationId xmlns:a16="http://schemas.microsoft.com/office/drawing/2014/main" xmlns="" id="{829DFA88-1E87-4E9E-84ED-6A07111FAA66}"/>
                 </a:ext>
               </a:extLst>
             </p:cNvPr>
@@ -23551,7 +23558,7 @@
           <p:cNvPr id="19" name="文本框 18">
             <a:extLst>
               <a:ext uri="{FF2B5EF4-FFF2-40B4-BE49-F238E27FC236}">
-                <a16:creationId xmlns:a16="http://schemas.microsoft.com/office/drawing/2014/main" id="{0D82BFAC-BB4C-4ECD-868F-B60624128845}"/>
+                <a16:creationId xmlns:a16="http://schemas.microsoft.com/office/drawing/2014/main" xmlns="" id="{0D82BFAC-BB4C-4ECD-868F-B60624128845}"/>
               </a:ext>
             </a:extLst>
           </p:cNvPr>
@@ -23635,7 +23642,7 @@
           <p:cNvPr id="2" name="图片 1">
             <a:extLst>
               <a:ext uri="{FF2B5EF4-FFF2-40B4-BE49-F238E27FC236}">
-                <a16:creationId xmlns:a16="http://schemas.microsoft.com/office/drawing/2014/main" id="{959A4850-EFCF-41B8-A815-F9923883D9E4}"/>
+                <a16:creationId xmlns:a16="http://schemas.microsoft.com/office/drawing/2014/main" xmlns="" id="{959A4850-EFCF-41B8-A815-F9923883D9E4}"/>
               </a:ext>
             </a:extLst>
           </p:cNvPr>
@@ -23665,7 +23672,7 @@
           <p:cNvPr id="23" name="组合 22">
             <a:extLst>
               <a:ext uri="{FF2B5EF4-FFF2-40B4-BE49-F238E27FC236}">
-                <a16:creationId xmlns:a16="http://schemas.microsoft.com/office/drawing/2014/main" id="{933D935F-1A3F-4F3F-9E59-E7213E28A96F}"/>
+                <a16:creationId xmlns:a16="http://schemas.microsoft.com/office/drawing/2014/main" xmlns="" id="{933D935F-1A3F-4F3F-9E59-E7213E28A96F}"/>
               </a:ext>
             </a:extLst>
           </p:cNvPr>
@@ -23685,7 +23692,7 @@
             <p:cNvPr id="24" name="矩形 23">
               <a:extLst>
                 <a:ext uri="{FF2B5EF4-FFF2-40B4-BE49-F238E27FC236}">
-                  <a16:creationId xmlns:a16="http://schemas.microsoft.com/office/drawing/2014/main" id="{19AE8A0D-6F33-4098-B7FB-423FE428AC2B}"/>
+                  <a16:creationId xmlns:a16="http://schemas.microsoft.com/office/drawing/2014/main" xmlns="" id="{19AE8A0D-6F33-4098-B7FB-423FE428AC2B}"/>
                 </a:ext>
               </a:extLst>
             </p:cNvPr>
@@ -23737,7 +23744,7 @@
             <p:cNvPr id="25" name="矩形 24">
               <a:extLst>
                 <a:ext uri="{FF2B5EF4-FFF2-40B4-BE49-F238E27FC236}">
-                  <a16:creationId xmlns:a16="http://schemas.microsoft.com/office/drawing/2014/main" id="{E4D7CBD3-3653-44FD-98E8-163D05715E48}"/>
+                  <a16:creationId xmlns:a16="http://schemas.microsoft.com/office/drawing/2014/main" xmlns="" id="{E4D7CBD3-3653-44FD-98E8-163D05715E48}"/>
                 </a:ext>
               </a:extLst>
             </p:cNvPr>
@@ -23789,7 +23796,7 @@
             <p:cNvPr id="26" name="直接箭头连接符 25">
               <a:extLst>
                 <a:ext uri="{FF2B5EF4-FFF2-40B4-BE49-F238E27FC236}">
-                  <a16:creationId xmlns:a16="http://schemas.microsoft.com/office/drawing/2014/main" id="{50ADEF3F-732C-4155-8B68-E842DACAD936}"/>
+                  <a16:creationId xmlns:a16="http://schemas.microsoft.com/office/drawing/2014/main" xmlns="" id="{50ADEF3F-732C-4155-8B68-E842DACAD936}"/>
                 </a:ext>
               </a:extLst>
             </p:cNvPr>
@@ -23833,7 +23840,7 @@
             <p:cNvPr id="31" name="直接箭头连接符 30">
               <a:extLst>
                 <a:ext uri="{FF2B5EF4-FFF2-40B4-BE49-F238E27FC236}">
-                  <a16:creationId xmlns:a16="http://schemas.microsoft.com/office/drawing/2014/main" id="{8F81283D-628E-4BF4-9FD9-B9EEF1876533}"/>
+                  <a16:creationId xmlns:a16="http://schemas.microsoft.com/office/drawing/2014/main" xmlns="" id="{8F81283D-628E-4BF4-9FD9-B9EEF1876533}"/>
                 </a:ext>
               </a:extLst>
             </p:cNvPr>
@@ -23877,7 +23884,7 @@
             <p:cNvPr id="32" name="文本框 31">
               <a:extLst>
                 <a:ext uri="{FF2B5EF4-FFF2-40B4-BE49-F238E27FC236}">
-                  <a16:creationId xmlns:a16="http://schemas.microsoft.com/office/drawing/2014/main" id="{23B9A179-5FBD-45E8-B7ED-DBC62BB88909}"/>
+                  <a16:creationId xmlns:a16="http://schemas.microsoft.com/office/drawing/2014/main" xmlns="" id="{23B9A179-5FBD-45E8-B7ED-DBC62BB88909}"/>
                 </a:ext>
               </a:extLst>
             </p:cNvPr>
@@ -23926,7 +23933,7 @@
           <p:cNvPr id="14" name="图片 13">
             <a:extLst>
               <a:ext uri="{FF2B5EF4-FFF2-40B4-BE49-F238E27FC236}">
-                <a16:creationId xmlns:a16="http://schemas.microsoft.com/office/drawing/2014/main" id="{1FCC50BB-8086-4CCC-8F66-539C3F883EBD}"/>
+                <a16:creationId xmlns:a16="http://schemas.microsoft.com/office/drawing/2014/main" xmlns="" id="{1FCC50BB-8086-4CCC-8F66-539C3F883EBD}"/>
               </a:ext>
             </a:extLst>
           </p:cNvPr>
@@ -24773,7 +24780,7 @@
           <p:cNvPr id="19" name="文本框 18">
             <a:extLst>
               <a:ext uri="{FF2B5EF4-FFF2-40B4-BE49-F238E27FC236}">
-                <a16:creationId xmlns:a16="http://schemas.microsoft.com/office/drawing/2014/main" id="{0D82BFAC-BB4C-4ECD-868F-B60624128845}"/>
+                <a16:creationId xmlns:a16="http://schemas.microsoft.com/office/drawing/2014/main" xmlns="" id="{0D82BFAC-BB4C-4ECD-868F-B60624128845}"/>
               </a:ext>
             </a:extLst>
           </p:cNvPr>
@@ -24857,7 +24864,7 @@
           <p:cNvPr id="15" name="图片 14">
             <a:extLst>
               <a:ext uri="{FF2B5EF4-FFF2-40B4-BE49-F238E27FC236}">
-                <a16:creationId xmlns:a16="http://schemas.microsoft.com/office/drawing/2014/main" id="{F1F216F5-99D0-4323-BC1C-9D445E7FF4BE}"/>
+                <a16:creationId xmlns:a16="http://schemas.microsoft.com/office/drawing/2014/main" xmlns="" id="{F1F216F5-99D0-4323-BC1C-9D445E7FF4BE}"/>
               </a:ext>
             </a:extLst>
           </p:cNvPr>
@@ -24887,7 +24894,7 @@
           <p:cNvPr id="20" name="组合 19">
             <a:extLst>
               <a:ext uri="{FF2B5EF4-FFF2-40B4-BE49-F238E27FC236}">
-                <a16:creationId xmlns:a16="http://schemas.microsoft.com/office/drawing/2014/main" id="{8C620BFB-62AA-4A25-B7F5-D24E714BE021}"/>
+                <a16:creationId xmlns:a16="http://schemas.microsoft.com/office/drawing/2014/main" xmlns="" id="{8C620BFB-62AA-4A25-B7F5-D24E714BE021}"/>
               </a:ext>
             </a:extLst>
           </p:cNvPr>
@@ -24907,7 +24914,7 @@
             <p:cNvPr id="17" name="矩形 16">
               <a:extLst>
                 <a:ext uri="{FF2B5EF4-FFF2-40B4-BE49-F238E27FC236}">
-                  <a16:creationId xmlns:a16="http://schemas.microsoft.com/office/drawing/2014/main" id="{6417E2AB-A47C-4FA0-83E6-9B6DDFA50FCE}"/>
+                  <a16:creationId xmlns:a16="http://schemas.microsoft.com/office/drawing/2014/main" xmlns="" id="{6417E2AB-A47C-4FA0-83E6-9B6DDFA50FCE}"/>
                 </a:ext>
               </a:extLst>
             </p:cNvPr>
@@ -24959,7 +24966,7 @@
             <p:cNvPr id="27" name="矩形 26">
               <a:extLst>
                 <a:ext uri="{FF2B5EF4-FFF2-40B4-BE49-F238E27FC236}">
-                  <a16:creationId xmlns:a16="http://schemas.microsoft.com/office/drawing/2014/main" id="{5A56DA1A-9750-4FE4-A853-413CED60EEF2}"/>
+                  <a16:creationId xmlns:a16="http://schemas.microsoft.com/office/drawing/2014/main" xmlns="" id="{5A56DA1A-9750-4FE4-A853-413CED60EEF2}"/>
                 </a:ext>
               </a:extLst>
             </p:cNvPr>
@@ -25011,7 +25018,7 @@
             <p:cNvPr id="28" name="直接箭头连接符 27">
               <a:extLst>
                 <a:ext uri="{FF2B5EF4-FFF2-40B4-BE49-F238E27FC236}">
-                  <a16:creationId xmlns:a16="http://schemas.microsoft.com/office/drawing/2014/main" id="{A6240AF8-4D90-40AF-9E25-7C95B13B7F38}"/>
+                  <a16:creationId xmlns:a16="http://schemas.microsoft.com/office/drawing/2014/main" xmlns="" id="{A6240AF8-4D90-40AF-9E25-7C95B13B7F38}"/>
                 </a:ext>
               </a:extLst>
             </p:cNvPr>
@@ -25055,7 +25062,7 @@
             <p:cNvPr id="29" name="直接箭头连接符 28">
               <a:extLst>
                 <a:ext uri="{FF2B5EF4-FFF2-40B4-BE49-F238E27FC236}">
-                  <a16:creationId xmlns:a16="http://schemas.microsoft.com/office/drawing/2014/main" id="{C35E8E2E-5827-49BA-9815-81C4B1C1BFA8}"/>
+                  <a16:creationId xmlns:a16="http://schemas.microsoft.com/office/drawing/2014/main" xmlns="" id="{C35E8E2E-5827-49BA-9815-81C4B1C1BFA8}"/>
                 </a:ext>
               </a:extLst>
             </p:cNvPr>
@@ -25099,7 +25106,7 @@
             <p:cNvPr id="30" name="文本框 29">
               <a:extLst>
                 <a:ext uri="{FF2B5EF4-FFF2-40B4-BE49-F238E27FC236}">
-                  <a16:creationId xmlns:a16="http://schemas.microsoft.com/office/drawing/2014/main" id="{4FC5A471-AA48-45EC-80F1-78251BDFAB66}"/>
+                  <a16:creationId xmlns:a16="http://schemas.microsoft.com/office/drawing/2014/main" xmlns="" id="{4FC5A471-AA48-45EC-80F1-78251BDFAB66}"/>
                 </a:ext>
               </a:extLst>
             </p:cNvPr>
@@ -27987,6 +27994,13 @@
   <p:transition spd="med">
     <p:push dir="u"/>
   </p:transition>
+  <p:timing>
+    <p:tnLst>
+      <p:par>
+        <p:cTn id="1" dur="indefinite" restart="never" nodeType="tmRoot"/>
+      </p:par>
+    </p:tnLst>
+  </p:timing>
 </p:sld>
 </file>
 
@@ -28667,7 +28681,7 @@
           <p:cNvPr id="18" name="图片 17">
             <a:extLst>
               <a:ext uri="{FF2B5EF4-FFF2-40B4-BE49-F238E27FC236}">
-                <a16:creationId xmlns:a16="http://schemas.microsoft.com/office/drawing/2014/main" id="{C73F9C32-7C93-416C-BFD7-5485EDC64959}"/>
+                <a16:creationId xmlns:a16="http://schemas.microsoft.com/office/drawing/2014/main" xmlns="" id="{C73F9C32-7C93-416C-BFD7-5485EDC64959}"/>
               </a:ext>
             </a:extLst>
           </p:cNvPr>
@@ -28697,7 +28711,7 @@
           <p:cNvPr id="19" name="文本框 18">
             <a:extLst>
               <a:ext uri="{FF2B5EF4-FFF2-40B4-BE49-F238E27FC236}">
-                <a16:creationId xmlns:a16="http://schemas.microsoft.com/office/drawing/2014/main" id="{0D82BFAC-BB4C-4ECD-868F-B60624128845}"/>
+                <a16:creationId xmlns:a16="http://schemas.microsoft.com/office/drawing/2014/main" xmlns="" id="{0D82BFAC-BB4C-4ECD-868F-B60624128845}"/>
               </a:ext>
             </a:extLst>
           </p:cNvPr>
@@ -28774,7 +28788,7 @@
           <p:cNvPr id="26" name="组合 25">
             <a:extLst>
               <a:ext uri="{FF2B5EF4-FFF2-40B4-BE49-F238E27FC236}">
-                <a16:creationId xmlns:a16="http://schemas.microsoft.com/office/drawing/2014/main" id="{91614314-30B0-47DD-8B99-D0489868A781}"/>
+                <a16:creationId xmlns:a16="http://schemas.microsoft.com/office/drawing/2014/main" xmlns="" id="{91614314-30B0-47DD-8B99-D0489868A781}"/>
               </a:ext>
             </a:extLst>
           </p:cNvPr>
@@ -28794,7 +28808,7 @@
             <p:cNvPr id="2" name="矩形 1">
               <a:extLst>
                 <a:ext uri="{FF2B5EF4-FFF2-40B4-BE49-F238E27FC236}">
-                  <a16:creationId xmlns:a16="http://schemas.microsoft.com/office/drawing/2014/main" id="{8E0DA11D-3BE9-489A-9CDD-1ACB602FC393}"/>
+                  <a16:creationId xmlns:a16="http://schemas.microsoft.com/office/drawing/2014/main" xmlns="" id="{8E0DA11D-3BE9-489A-9CDD-1ACB602FC393}"/>
                 </a:ext>
               </a:extLst>
             </p:cNvPr>
@@ -28846,7 +28860,7 @@
             <p:cNvPr id="21" name="矩形 20">
               <a:extLst>
                 <a:ext uri="{FF2B5EF4-FFF2-40B4-BE49-F238E27FC236}">
-                  <a16:creationId xmlns:a16="http://schemas.microsoft.com/office/drawing/2014/main" id="{40747C36-DD7F-48C8-9819-511282630C51}"/>
+                  <a16:creationId xmlns:a16="http://schemas.microsoft.com/office/drawing/2014/main" xmlns="" id="{40747C36-DD7F-48C8-9819-511282630C51}"/>
                 </a:ext>
               </a:extLst>
             </p:cNvPr>
@@ -28898,7 +28912,7 @@
             <p:cNvPr id="14" name="直接箭头连接符 13">
               <a:extLst>
                 <a:ext uri="{FF2B5EF4-FFF2-40B4-BE49-F238E27FC236}">
-                  <a16:creationId xmlns:a16="http://schemas.microsoft.com/office/drawing/2014/main" id="{F4B10F6E-96A1-4954-992B-933026FB7C4A}"/>
+                  <a16:creationId xmlns:a16="http://schemas.microsoft.com/office/drawing/2014/main" xmlns="" id="{F4B10F6E-96A1-4954-992B-933026FB7C4A}"/>
                 </a:ext>
               </a:extLst>
             </p:cNvPr>
@@ -28942,7 +28956,7 @@
             <p:cNvPr id="25" name="直接箭头连接符 24">
               <a:extLst>
                 <a:ext uri="{FF2B5EF4-FFF2-40B4-BE49-F238E27FC236}">
-                  <a16:creationId xmlns:a16="http://schemas.microsoft.com/office/drawing/2014/main" id="{8441FEE0-13A3-4506-A2DE-B1838BFC00AD}"/>
+                  <a16:creationId xmlns:a16="http://schemas.microsoft.com/office/drawing/2014/main" xmlns="" id="{8441FEE0-13A3-4506-A2DE-B1838BFC00AD}"/>
                 </a:ext>
               </a:extLst>
             </p:cNvPr>
@@ -28986,7 +29000,7 @@
             <p:cNvPr id="24" name="文本框 23">
               <a:extLst>
                 <a:ext uri="{FF2B5EF4-FFF2-40B4-BE49-F238E27FC236}">
-                  <a16:creationId xmlns:a16="http://schemas.microsoft.com/office/drawing/2014/main" id="{97C07B51-A4CF-4C7A-9336-24C37804B626}"/>
+                  <a16:creationId xmlns:a16="http://schemas.microsoft.com/office/drawing/2014/main" xmlns="" id="{97C07B51-A4CF-4C7A-9336-24C37804B626}"/>
                 </a:ext>
               </a:extLst>
             </p:cNvPr>
@@ -30635,7 +30649,7 @@
           <p:cNvPr id="2" name="组合 1">
             <a:extLst>
               <a:ext uri="{FF2B5EF4-FFF2-40B4-BE49-F238E27FC236}">
-                <a16:creationId xmlns:a16="http://schemas.microsoft.com/office/drawing/2014/main" id="{64CBD4F7-1657-4E1B-8B15-F33986A04978}"/>
+                <a16:creationId xmlns:a16="http://schemas.microsoft.com/office/drawing/2014/main" xmlns="" id="{64CBD4F7-1657-4E1B-8B15-F33986A04978}"/>
               </a:ext>
             </a:extLst>
           </p:cNvPr>
@@ -31031,7 +31045,7 @@
           <p:cNvPr id="9" name="文本框 8">
             <a:extLst>
               <a:ext uri="{FF2B5EF4-FFF2-40B4-BE49-F238E27FC236}">
-                <a16:creationId xmlns:a16="http://schemas.microsoft.com/office/drawing/2014/main" id="{B5FAEB35-1AB6-458B-910A-804A18C27754}"/>
+                <a16:creationId xmlns:a16="http://schemas.microsoft.com/office/drawing/2014/main" xmlns="" id="{B5FAEB35-1AB6-458B-910A-804A18C27754}"/>
               </a:ext>
             </a:extLst>
           </p:cNvPr>
@@ -31073,7 +31087,7 @@
           <p:cNvPr id="14" name="文本框 13">
             <a:extLst>
               <a:ext uri="{FF2B5EF4-FFF2-40B4-BE49-F238E27FC236}">
-                <a16:creationId xmlns:a16="http://schemas.microsoft.com/office/drawing/2014/main" id="{00C2AEDF-DACA-4E39-BADB-6030CB900A5A}"/>
+                <a16:creationId xmlns:a16="http://schemas.microsoft.com/office/drawing/2014/main" xmlns="" id="{00C2AEDF-DACA-4E39-BADB-6030CB900A5A}"/>
               </a:ext>
             </a:extLst>
           </p:cNvPr>
@@ -35373,7 +35387,7 @@
           <p:cNvPr id="69" name="肘形连接符 5">
             <a:extLst>
               <a:ext uri="{FF2B5EF4-FFF2-40B4-BE49-F238E27FC236}">
-                <a16:creationId xmlns:a16="http://schemas.microsoft.com/office/drawing/2014/main" id="{6E3EF5E8-A41D-4A0C-BA85-13326B1DC03D}"/>
+                <a16:creationId xmlns:a16="http://schemas.microsoft.com/office/drawing/2014/main" xmlns="" id="{6E3EF5E8-A41D-4A0C-BA85-13326B1DC03D}"/>
               </a:ext>
             </a:extLst>
           </p:cNvPr>
@@ -35418,7 +35432,7 @@
           <p:cNvPr id="70" name="圆角矩形 9">
             <a:extLst>
               <a:ext uri="{FF2B5EF4-FFF2-40B4-BE49-F238E27FC236}">
-                <a16:creationId xmlns:a16="http://schemas.microsoft.com/office/drawing/2014/main" id="{42D852E7-3C2A-448D-B660-D5287E9DD131}"/>
+                <a16:creationId xmlns:a16="http://schemas.microsoft.com/office/drawing/2014/main" xmlns="" id="{42D852E7-3C2A-448D-B660-D5287E9DD131}"/>
               </a:ext>
             </a:extLst>
           </p:cNvPr>
@@ -35475,7 +35489,7 @@
           <p:cNvPr id="85" name="组合 84">
             <a:extLst>
               <a:ext uri="{FF2B5EF4-FFF2-40B4-BE49-F238E27FC236}">
-                <a16:creationId xmlns:a16="http://schemas.microsoft.com/office/drawing/2014/main" id="{309E8460-1398-482A-BD98-6C1A326749B7}"/>
+                <a16:creationId xmlns:a16="http://schemas.microsoft.com/office/drawing/2014/main" xmlns="" id="{309E8460-1398-482A-BD98-6C1A326749B7}"/>
               </a:ext>
             </a:extLst>
           </p:cNvPr>
@@ -35495,7 +35509,7 @@
             <p:cNvPr id="89" name="矩形 88">
               <a:extLst>
                 <a:ext uri="{FF2B5EF4-FFF2-40B4-BE49-F238E27FC236}">
-                  <a16:creationId xmlns:a16="http://schemas.microsoft.com/office/drawing/2014/main" id="{94BB0ACF-B73F-4A98-A92D-91A6020DEB66}"/>
+                  <a16:creationId xmlns:a16="http://schemas.microsoft.com/office/drawing/2014/main" xmlns="" id="{94BB0ACF-B73F-4A98-A92D-91A6020DEB66}"/>
                 </a:ext>
               </a:extLst>
             </p:cNvPr>
@@ -35549,7 +35563,7 @@
             <p:cNvPr id="90" name="矩形 89">
               <a:extLst>
                 <a:ext uri="{FF2B5EF4-FFF2-40B4-BE49-F238E27FC236}">
-                  <a16:creationId xmlns:a16="http://schemas.microsoft.com/office/drawing/2014/main" id="{C01BEEAA-419E-4C33-A3F3-1C80240C9D88}"/>
+                  <a16:creationId xmlns:a16="http://schemas.microsoft.com/office/drawing/2014/main" xmlns="" id="{C01BEEAA-419E-4C33-A3F3-1C80240C9D88}"/>
                 </a:ext>
               </a:extLst>
             </p:cNvPr>
@@ -35603,7 +35617,7 @@
             <p:cNvPr id="91" name="矩形 90">
               <a:extLst>
                 <a:ext uri="{FF2B5EF4-FFF2-40B4-BE49-F238E27FC236}">
-                  <a16:creationId xmlns:a16="http://schemas.microsoft.com/office/drawing/2014/main" id="{DC88F859-1FCD-41B9-A987-A212F3488293}"/>
+                  <a16:creationId xmlns:a16="http://schemas.microsoft.com/office/drawing/2014/main" xmlns="" id="{DC88F859-1FCD-41B9-A987-A212F3488293}"/>
                 </a:ext>
               </a:extLst>
             </p:cNvPr>
@@ -35657,7 +35671,7 @@
             <p:cNvPr id="92" name="圆角矩形 3">
               <a:extLst>
                 <a:ext uri="{FF2B5EF4-FFF2-40B4-BE49-F238E27FC236}">
-                  <a16:creationId xmlns:a16="http://schemas.microsoft.com/office/drawing/2014/main" id="{210F8E0A-6B67-4EC6-90CB-E5E347033170}"/>
+                  <a16:creationId xmlns:a16="http://schemas.microsoft.com/office/drawing/2014/main" xmlns="" id="{210F8E0A-6B67-4EC6-90CB-E5E347033170}"/>
                 </a:ext>
               </a:extLst>
             </p:cNvPr>
@@ -35711,7 +35725,7 @@
             <p:cNvPr id="93" name="任意多边形 4">
               <a:extLst>
                 <a:ext uri="{FF2B5EF4-FFF2-40B4-BE49-F238E27FC236}">
-                  <a16:creationId xmlns:a16="http://schemas.microsoft.com/office/drawing/2014/main" id="{2108CCC9-D333-4C9D-A693-9BADC71044DD}"/>
+                  <a16:creationId xmlns:a16="http://schemas.microsoft.com/office/drawing/2014/main" xmlns="" id="{2108CCC9-D333-4C9D-A693-9BADC71044DD}"/>
                 </a:ext>
               </a:extLst>
             </p:cNvPr>
@@ -35817,7 +35831,7 @@
           <p:cNvPr id="94" name="任意多边形 15">
             <a:extLst>
               <a:ext uri="{FF2B5EF4-FFF2-40B4-BE49-F238E27FC236}">
-                <a16:creationId xmlns:a16="http://schemas.microsoft.com/office/drawing/2014/main" id="{3E39BC38-BC17-49EE-8123-7267781440F9}"/>
+                <a16:creationId xmlns:a16="http://schemas.microsoft.com/office/drawing/2014/main" xmlns="" id="{3E39BC38-BC17-49EE-8123-7267781440F9}"/>
               </a:ext>
             </a:extLst>
           </p:cNvPr>
@@ -36146,7 +36160,7 @@
           <p:cNvPr id="85" name="组合 84">
             <a:extLst>
               <a:ext uri="{FF2B5EF4-FFF2-40B4-BE49-F238E27FC236}">
-                <a16:creationId xmlns:a16="http://schemas.microsoft.com/office/drawing/2014/main" id="{D8162933-80C7-42C8-A2E0-ADC5DBE0AAF8}"/>
+                <a16:creationId xmlns:a16="http://schemas.microsoft.com/office/drawing/2014/main" xmlns="" id="{D8162933-80C7-42C8-A2E0-ADC5DBE0AAF8}"/>
               </a:ext>
             </a:extLst>
           </p:cNvPr>
@@ -36166,7 +36180,7 @@
             <p:cNvPr id="90" name="Freeform 5050">
               <a:extLst>
                 <a:ext uri="{FF2B5EF4-FFF2-40B4-BE49-F238E27FC236}">
-                  <a16:creationId xmlns:a16="http://schemas.microsoft.com/office/drawing/2014/main" id="{9ADB6ABD-41B3-417A-8416-AD0BFC1CE24A}"/>
+                  <a16:creationId xmlns:a16="http://schemas.microsoft.com/office/drawing/2014/main" xmlns="" id="{9ADB6ABD-41B3-417A-8416-AD0BFC1CE24A}"/>
                 </a:ext>
               </a:extLst>
             </p:cNvPr>
@@ -36317,7 +36331,7 @@
             <p:cNvPr id="91" name="Freeform 5051">
               <a:extLst>
                 <a:ext uri="{FF2B5EF4-FFF2-40B4-BE49-F238E27FC236}">
-                  <a16:creationId xmlns:a16="http://schemas.microsoft.com/office/drawing/2014/main" id="{E8D57D70-B0E1-4E9B-B3CE-05BDD6C12B01}"/>
+                  <a16:creationId xmlns:a16="http://schemas.microsoft.com/office/drawing/2014/main" xmlns="" id="{E8D57D70-B0E1-4E9B-B3CE-05BDD6C12B01}"/>
                 </a:ext>
               </a:extLst>
             </p:cNvPr>
@@ -36416,7 +36430,7 @@
             <p:cNvPr id="93" name="Freeform 5052">
               <a:extLst>
                 <a:ext uri="{FF2B5EF4-FFF2-40B4-BE49-F238E27FC236}">
-                  <a16:creationId xmlns:a16="http://schemas.microsoft.com/office/drawing/2014/main" id="{F501DBEA-5932-4AAA-91CD-A217B10B86AF}"/>
+                  <a16:creationId xmlns:a16="http://schemas.microsoft.com/office/drawing/2014/main" xmlns="" id="{F501DBEA-5932-4AAA-91CD-A217B10B86AF}"/>
                 </a:ext>
               </a:extLst>
             </p:cNvPr>
@@ -36519,7 +36533,7 @@
             <p:cNvPr id="96" name="Freeform 5053">
               <a:extLst>
                 <a:ext uri="{FF2B5EF4-FFF2-40B4-BE49-F238E27FC236}">
-                  <a16:creationId xmlns:a16="http://schemas.microsoft.com/office/drawing/2014/main" id="{047816D0-B14C-48BB-A4F6-4469FEA87E51}"/>
+                  <a16:creationId xmlns:a16="http://schemas.microsoft.com/office/drawing/2014/main" xmlns="" id="{047816D0-B14C-48BB-A4F6-4469FEA87E51}"/>
                 </a:ext>
               </a:extLst>
             </p:cNvPr>
@@ -36623,7 +36637,7 @@
             <p:cNvPr id="97" name="Freeform 5054">
               <a:extLst>
                 <a:ext uri="{FF2B5EF4-FFF2-40B4-BE49-F238E27FC236}">
-                  <a16:creationId xmlns:a16="http://schemas.microsoft.com/office/drawing/2014/main" id="{491B0594-9A1B-40AB-AD88-B0F95853F3C6}"/>
+                  <a16:creationId xmlns:a16="http://schemas.microsoft.com/office/drawing/2014/main" xmlns="" id="{491B0594-9A1B-40AB-AD88-B0F95853F3C6}"/>
                 </a:ext>
               </a:extLst>
             </p:cNvPr>
@@ -36731,7 +36745,7 @@
             <p:cNvPr id="98" name="Picture 5055">
               <a:extLst>
                 <a:ext uri="{FF2B5EF4-FFF2-40B4-BE49-F238E27FC236}">
-                  <a16:creationId xmlns:a16="http://schemas.microsoft.com/office/drawing/2014/main" id="{A8BB8A95-FBEB-47B5-BCFD-DCD8DFBA8D07}"/>
+                  <a16:creationId xmlns:a16="http://schemas.microsoft.com/office/drawing/2014/main" xmlns="" id="{A8BB8A95-FBEB-47B5-BCFD-DCD8DFBA8D07}"/>
                 </a:ext>
               </a:extLst>
             </p:cNvPr>
@@ -36791,7 +36805,7 @@
             <p:cNvPr id="99" name="Rectangle 5056">
               <a:extLst>
                 <a:ext uri="{FF2B5EF4-FFF2-40B4-BE49-F238E27FC236}">
-                  <a16:creationId xmlns:a16="http://schemas.microsoft.com/office/drawing/2014/main" id="{B84F7221-554D-435D-9F3A-0D81D8A28FE9}"/>
+                  <a16:creationId xmlns:a16="http://schemas.microsoft.com/office/drawing/2014/main" xmlns="" id="{B84F7221-554D-435D-9F3A-0D81D8A28FE9}"/>
                 </a:ext>
               </a:extLst>
             </p:cNvPr>
@@ -36844,7 +36858,7 @@
             <p:cNvPr id="100" name="Rectangle 5057">
               <a:extLst>
                 <a:ext uri="{FF2B5EF4-FFF2-40B4-BE49-F238E27FC236}">
-                  <a16:creationId xmlns:a16="http://schemas.microsoft.com/office/drawing/2014/main" id="{1906CC60-61BE-4164-9811-BF028A047023}"/>
+                  <a16:creationId xmlns:a16="http://schemas.microsoft.com/office/drawing/2014/main" xmlns="" id="{1906CC60-61BE-4164-9811-BF028A047023}"/>
                 </a:ext>
               </a:extLst>
             </p:cNvPr>
@@ -36902,7 +36916,7 @@
             <p:cNvPr id="101" name="Rectangle 5058">
               <a:extLst>
                 <a:ext uri="{FF2B5EF4-FFF2-40B4-BE49-F238E27FC236}">
-                  <a16:creationId xmlns:a16="http://schemas.microsoft.com/office/drawing/2014/main" id="{EE07C14D-5F21-4749-AFAE-A06798A97948}"/>
+                  <a16:creationId xmlns:a16="http://schemas.microsoft.com/office/drawing/2014/main" xmlns="" id="{EE07C14D-5F21-4749-AFAE-A06798A97948}"/>
                 </a:ext>
               </a:extLst>
             </p:cNvPr>
@@ -36955,7 +36969,7 @@
             <p:cNvPr id="103" name="Rectangle 5059">
               <a:extLst>
                 <a:ext uri="{FF2B5EF4-FFF2-40B4-BE49-F238E27FC236}">
-                  <a16:creationId xmlns:a16="http://schemas.microsoft.com/office/drawing/2014/main" id="{9A656733-4C70-47BC-A335-BC8979802F25}"/>
+                  <a16:creationId xmlns:a16="http://schemas.microsoft.com/office/drawing/2014/main" xmlns="" id="{9A656733-4C70-47BC-A335-BC8979802F25}"/>
                 </a:ext>
               </a:extLst>
             </p:cNvPr>
@@ -37013,7 +37027,7 @@
             <p:cNvPr id="112" name="Freeform 5060">
               <a:extLst>
                 <a:ext uri="{FF2B5EF4-FFF2-40B4-BE49-F238E27FC236}">
-                  <a16:creationId xmlns:a16="http://schemas.microsoft.com/office/drawing/2014/main" id="{0BB879EE-0D50-4DDF-9229-3B82D1B6FE75}"/>
+                  <a16:creationId xmlns:a16="http://schemas.microsoft.com/office/drawing/2014/main" xmlns="" id="{0BB879EE-0D50-4DDF-9229-3B82D1B6FE75}"/>
                 </a:ext>
               </a:extLst>
             </p:cNvPr>
@@ -37144,7 +37158,7 @@
             <p:cNvPr id="113" name="Freeform 5061">
               <a:extLst>
                 <a:ext uri="{FF2B5EF4-FFF2-40B4-BE49-F238E27FC236}">
-                  <a16:creationId xmlns:a16="http://schemas.microsoft.com/office/drawing/2014/main" id="{3FD535D1-640A-4D83-ADCE-4409AE7883B9}"/>
+                  <a16:creationId xmlns:a16="http://schemas.microsoft.com/office/drawing/2014/main" xmlns="" id="{3FD535D1-640A-4D83-ADCE-4409AE7883B9}"/>
                 </a:ext>
               </a:extLst>
             </p:cNvPr>
@@ -37265,7 +37279,7 @@
             <p:cNvPr id="114" name="Freeform 5062">
               <a:extLst>
                 <a:ext uri="{FF2B5EF4-FFF2-40B4-BE49-F238E27FC236}">
-                  <a16:creationId xmlns:a16="http://schemas.microsoft.com/office/drawing/2014/main" id="{E257816A-42D7-4F6D-B398-FF814521E646}"/>
+                  <a16:creationId xmlns:a16="http://schemas.microsoft.com/office/drawing/2014/main" xmlns="" id="{E257816A-42D7-4F6D-B398-FF814521E646}"/>
                 </a:ext>
               </a:extLst>
             </p:cNvPr>
@@ -37376,7 +37390,7 @@
             <p:cNvPr id="115" name="Oval 5063">
               <a:extLst>
                 <a:ext uri="{FF2B5EF4-FFF2-40B4-BE49-F238E27FC236}">
-                  <a16:creationId xmlns:a16="http://schemas.microsoft.com/office/drawing/2014/main" id="{2A3491A3-1122-4F0E-897B-6EB1DC4579C4}"/>
+                  <a16:creationId xmlns:a16="http://schemas.microsoft.com/office/drawing/2014/main" xmlns="" id="{2A3491A3-1122-4F0E-897B-6EB1DC4579C4}"/>
                 </a:ext>
               </a:extLst>
             </p:cNvPr>
@@ -37429,7 +37443,7 @@
             <p:cNvPr id="117" name="Freeform 5064">
               <a:extLst>
                 <a:ext uri="{FF2B5EF4-FFF2-40B4-BE49-F238E27FC236}">
-                  <a16:creationId xmlns:a16="http://schemas.microsoft.com/office/drawing/2014/main" id="{1EA1303A-AE7D-4028-8D46-210911E98DAE}"/>
+                  <a16:creationId xmlns:a16="http://schemas.microsoft.com/office/drawing/2014/main" xmlns="" id="{1EA1303A-AE7D-4028-8D46-210911E98DAE}"/>
                 </a:ext>
               </a:extLst>
             </p:cNvPr>
@@ -37526,7 +37540,7 @@
             <p:cNvPr id="118" name="Freeform 5065">
               <a:extLst>
                 <a:ext uri="{FF2B5EF4-FFF2-40B4-BE49-F238E27FC236}">
-                  <a16:creationId xmlns:a16="http://schemas.microsoft.com/office/drawing/2014/main" id="{3BAFA55B-133E-44F7-890B-4977D713FE74}"/>
+                  <a16:creationId xmlns:a16="http://schemas.microsoft.com/office/drawing/2014/main" xmlns="" id="{3BAFA55B-133E-44F7-890B-4977D713FE74}"/>
                 </a:ext>
               </a:extLst>
             </p:cNvPr>
@@ -37827,7 +37841,7 @@
             <p:cNvPr id="119" name="Freeform 5066">
               <a:extLst>
                 <a:ext uri="{FF2B5EF4-FFF2-40B4-BE49-F238E27FC236}">
-                  <a16:creationId xmlns:a16="http://schemas.microsoft.com/office/drawing/2014/main" id="{6BDCDED4-1C0C-472F-AB61-B730ADE4E35B}"/>
+                  <a16:creationId xmlns:a16="http://schemas.microsoft.com/office/drawing/2014/main" xmlns="" id="{6BDCDED4-1C0C-472F-AB61-B730ADE4E35B}"/>
                 </a:ext>
               </a:extLst>
             </p:cNvPr>
@@ -37919,7 +37933,7 @@
             <p:cNvPr id="120" name="Freeform 5067">
               <a:extLst>
                 <a:ext uri="{FF2B5EF4-FFF2-40B4-BE49-F238E27FC236}">
-                  <a16:creationId xmlns:a16="http://schemas.microsoft.com/office/drawing/2014/main" id="{0072E574-DE2D-4CDE-A7B0-64936D01F2CD}"/>
+                  <a16:creationId xmlns:a16="http://schemas.microsoft.com/office/drawing/2014/main" xmlns="" id="{0072E574-DE2D-4CDE-A7B0-64936D01F2CD}"/>
                 </a:ext>
               </a:extLst>
             </p:cNvPr>
@@ -38060,7 +38074,7 @@
             <p:cNvPr id="121" name="Freeform 5068">
               <a:extLst>
                 <a:ext uri="{FF2B5EF4-FFF2-40B4-BE49-F238E27FC236}">
-                  <a16:creationId xmlns:a16="http://schemas.microsoft.com/office/drawing/2014/main" id="{F8E66B8D-81C3-48F7-911E-1111728B53F4}"/>
+                  <a16:creationId xmlns:a16="http://schemas.microsoft.com/office/drawing/2014/main" xmlns="" id="{F8E66B8D-81C3-48F7-911E-1111728B53F4}"/>
                 </a:ext>
               </a:extLst>
             </p:cNvPr>
@@ -38191,7 +38205,7 @@
             <p:cNvPr id="122" name="Freeform 5069">
               <a:extLst>
                 <a:ext uri="{FF2B5EF4-FFF2-40B4-BE49-F238E27FC236}">
-                  <a16:creationId xmlns:a16="http://schemas.microsoft.com/office/drawing/2014/main" id="{9A9E65BF-D6DF-4991-88CB-49B4C4A6A114}"/>
+                  <a16:creationId xmlns:a16="http://schemas.microsoft.com/office/drawing/2014/main" xmlns="" id="{9A9E65BF-D6DF-4991-88CB-49B4C4A6A114}"/>
                 </a:ext>
               </a:extLst>
             </p:cNvPr>
@@ -38322,7 +38336,7 @@
             <p:cNvPr id="123" name="Freeform 5070">
               <a:extLst>
                 <a:ext uri="{FF2B5EF4-FFF2-40B4-BE49-F238E27FC236}">
-                  <a16:creationId xmlns:a16="http://schemas.microsoft.com/office/drawing/2014/main" id="{25EB44D5-DFC4-4722-BE6D-DB0FE6012796}"/>
+                  <a16:creationId xmlns:a16="http://schemas.microsoft.com/office/drawing/2014/main" xmlns="" id="{25EB44D5-DFC4-4722-BE6D-DB0FE6012796}"/>
                 </a:ext>
               </a:extLst>
             </p:cNvPr>
@@ -38433,7 +38447,7 @@
             <p:cNvPr id="124" name="Freeform 5071">
               <a:extLst>
                 <a:ext uri="{FF2B5EF4-FFF2-40B4-BE49-F238E27FC236}">
-                  <a16:creationId xmlns:a16="http://schemas.microsoft.com/office/drawing/2014/main" id="{0F3EABA5-E1F7-4961-9EDB-16536059C5E6}"/>
+                  <a16:creationId xmlns:a16="http://schemas.microsoft.com/office/drawing/2014/main" xmlns="" id="{0F3EABA5-E1F7-4961-9EDB-16536059C5E6}"/>
                 </a:ext>
               </a:extLst>
             </p:cNvPr>
@@ -38574,7 +38588,7 @@
             <p:cNvPr id="125" name="Freeform 5072">
               <a:extLst>
                 <a:ext uri="{FF2B5EF4-FFF2-40B4-BE49-F238E27FC236}">
-                  <a16:creationId xmlns:a16="http://schemas.microsoft.com/office/drawing/2014/main" id="{0124A301-A012-42BB-9E10-98E9E9A0B3E5}"/>
+                  <a16:creationId xmlns:a16="http://schemas.microsoft.com/office/drawing/2014/main" xmlns="" id="{0124A301-A012-42BB-9E10-98E9E9A0B3E5}"/>
                 </a:ext>
               </a:extLst>
             </p:cNvPr>
@@ -38715,7 +38729,7 @@
             <p:cNvPr id="126" name="Freeform 5073">
               <a:extLst>
                 <a:ext uri="{FF2B5EF4-FFF2-40B4-BE49-F238E27FC236}">
-                  <a16:creationId xmlns:a16="http://schemas.microsoft.com/office/drawing/2014/main" id="{6596769E-E520-4263-8FE2-4D1BF279985B}"/>
+                  <a16:creationId xmlns:a16="http://schemas.microsoft.com/office/drawing/2014/main" xmlns="" id="{6596769E-E520-4263-8FE2-4D1BF279985B}"/>
                 </a:ext>
               </a:extLst>
             </p:cNvPr>
@@ -38826,7 +38840,7 @@
             <p:cNvPr id="127" name="Oval 5074">
               <a:extLst>
                 <a:ext uri="{FF2B5EF4-FFF2-40B4-BE49-F238E27FC236}">
-                  <a16:creationId xmlns:a16="http://schemas.microsoft.com/office/drawing/2014/main" id="{D8A6CE1A-FE9F-40C3-BF85-3D8542CD07D4}"/>
+                  <a16:creationId xmlns:a16="http://schemas.microsoft.com/office/drawing/2014/main" xmlns="" id="{D8A6CE1A-FE9F-40C3-BF85-3D8542CD07D4}"/>
                 </a:ext>
               </a:extLst>
             </p:cNvPr>
@@ -38879,7 +38893,7 @@
             <p:cNvPr id="128" name="Freeform 5075">
               <a:extLst>
                 <a:ext uri="{FF2B5EF4-FFF2-40B4-BE49-F238E27FC236}">
-                  <a16:creationId xmlns:a16="http://schemas.microsoft.com/office/drawing/2014/main" id="{5B789EFC-3A44-4E98-948C-EAE3213A182A}"/>
+                  <a16:creationId xmlns:a16="http://schemas.microsoft.com/office/drawing/2014/main" xmlns="" id="{5B789EFC-3A44-4E98-948C-EAE3213A182A}"/>
                 </a:ext>
               </a:extLst>
             </p:cNvPr>
@@ -39008,7 +39022,7 @@
             <p:cNvPr id="129" name="Freeform 5076">
               <a:extLst>
                 <a:ext uri="{FF2B5EF4-FFF2-40B4-BE49-F238E27FC236}">
-                  <a16:creationId xmlns:a16="http://schemas.microsoft.com/office/drawing/2014/main" id="{9A883855-9085-4DCC-807E-D7B67DBAA826}"/>
+                  <a16:creationId xmlns:a16="http://schemas.microsoft.com/office/drawing/2014/main" xmlns="" id="{9A883855-9085-4DCC-807E-D7B67DBAA826}"/>
                 </a:ext>
               </a:extLst>
             </p:cNvPr>
@@ -39271,7 +39285,7 @@
             <p:cNvPr id="130" name="Freeform 5077">
               <a:extLst>
                 <a:ext uri="{FF2B5EF4-FFF2-40B4-BE49-F238E27FC236}">
-                  <a16:creationId xmlns:a16="http://schemas.microsoft.com/office/drawing/2014/main" id="{6850B246-183A-4047-8DF6-634FC8EC8E9E}"/>
+                  <a16:creationId xmlns:a16="http://schemas.microsoft.com/office/drawing/2014/main" xmlns="" id="{6850B246-183A-4047-8DF6-634FC8EC8E9E}"/>
                 </a:ext>
               </a:extLst>
             </p:cNvPr>
@@ -39400,7 +39414,7 @@
             <p:cNvPr id="131" name="Freeform 5078">
               <a:extLst>
                 <a:ext uri="{FF2B5EF4-FFF2-40B4-BE49-F238E27FC236}">
-                  <a16:creationId xmlns:a16="http://schemas.microsoft.com/office/drawing/2014/main" id="{163F6144-EB5F-41C9-8C16-73A4C57075FD}"/>
+                  <a16:creationId xmlns:a16="http://schemas.microsoft.com/office/drawing/2014/main" xmlns="" id="{163F6144-EB5F-41C9-8C16-73A4C57075FD}"/>
                 </a:ext>
               </a:extLst>
             </p:cNvPr>
@@ -39529,7 +39543,7 @@
             <p:cNvPr id="132" name="Freeform 5079">
               <a:extLst>
                 <a:ext uri="{FF2B5EF4-FFF2-40B4-BE49-F238E27FC236}">
-                  <a16:creationId xmlns:a16="http://schemas.microsoft.com/office/drawing/2014/main" id="{0E577277-EA68-4F86-B610-8DA869DD919B}"/>
+                  <a16:creationId xmlns:a16="http://schemas.microsoft.com/office/drawing/2014/main" xmlns="" id="{0E577277-EA68-4F86-B610-8DA869DD919B}"/>
                 </a:ext>
               </a:extLst>
             </p:cNvPr>
@@ -39658,7 +39672,7 @@
             <p:cNvPr id="133" name="Freeform 5080">
               <a:extLst>
                 <a:ext uri="{FF2B5EF4-FFF2-40B4-BE49-F238E27FC236}">
-                  <a16:creationId xmlns:a16="http://schemas.microsoft.com/office/drawing/2014/main" id="{1DF4288A-E70D-430E-A3BE-692E1FA00250}"/>
+                  <a16:creationId xmlns:a16="http://schemas.microsoft.com/office/drawing/2014/main" xmlns="" id="{1DF4288A-E70D-430E-A3BE-692E1FA00250}"/>
                 </a:ext>
               </a:extLst>
             </p:cNvPr>
@@ -40089,7 +40103,7 @@
             <p:cNvPr id="134" name="Rectangle 5081">
               <a:extLst>
                 <a:ext uri="{FF2B5EF4-FFF2-40B4-BE49-F238E27FC236}">
-                  <a16:creationId xmlns:a16="http://schemas.microsoft.com/office/drawing/2014/main" id="{AD2C886A-B357-4C6D-81ED-C897D63B798B}"/>
+                  <a16:creationId xmlns:a16="http://schemas.microsoft.com/office/drawing/2014/main" xmlns="" id="{AD2C886A-B357-4C6D-81ED-C897D63B798B}"/>
                 </a:ext>
               </a:extLst>
             </p:cNvPr>
@@ -40142,7 +40156,7 @@
             <p:cNvPr id="135" name="Rectangle 5082">
               <a:extLst>
                 <a:ext uri="{FF2B5EF4-FFF2-40B4-BE49-F238E27FC236}">
-                  <a16:creationId xmlns:a16="http://schemas.microsoft.com/office/drawing/2014/main" id="{C790A76D-A3D8-4FB2-9A61-E22F19BB9776}"/>
+                  <a16:creationId xmlns:a16="http://schemas.microsoft.com/office/drawing/2014/main" xmlns="" id="{C790A76D-A3D8-4FB2-9A61-E22F19BB9776}"/>
                 </a:ext>
               </a:extLst>
             </p:cNvPr>
@@ -40195,7 +40209,7 @@
             <p:cNvPr id="136" name="Freeform 5083">
               <a:extLst>
                 <a:ext uri="{FF2B5EF4-FFF2-40B4-BE49-F238E27FC236}">
-                  <a16:creationId xmlns:a16="http://schemas.microsoft.com/office/drawing/2014/main" id="{EDC52490-DE64-4728-A1CC-064777A24172}"/>
+                  <a16:creationId xmlns:a16="http://schemas.microsoft.com/office/drawing/2014/main" xmlns="" id="{EDC52490-DE64-4728-A1CC-064777A24172}"/>
                 </a:ext>
               </a:extLst>
             </p:cNvPr>
@@ -40666,7 +40680,7 @@
             <p:cNvPr id="137" name="Freeform 5084">
               <a:extLst>
                 <a:ext uri="{FF2B5EF4-FFF2-40B4-BE49-F238E27FC236}">
-                  <a16:creationId xmlns:a16="http://schemas.microsoft.com/office/drawing/2014/main" id="{455A5C20-1CCC-45E1-9C2A-27E54A95F0CE}"/>
+                  <a16:creationId xmlns:a16="http://schemas.microsoft.com/office/drawing/2014/main" xmlns="" id="{455A5C20-1CCC-45E1-9C2A-27E54A95F0CE}"/>
                 </a:ext>
               </a:extLst>
             </p:cNvPr>
@@ -40779,7 +40793,7 @@
           <p:cNvPr id="2" name="矩形 1">
             <a:extLst>
               <a:ext uri="{FF2B5EF4-FFF2-40B4-BE49-F238E27FC236}">
-                <a16:creationId xmlns:a16="http://schemas.microsoft.com/office/drawing/2014/main" id="{2CD961E7-B027-4695-A439-A77701B45E58}"/>
+                <a16:creationId xmlns:a16="http://schemas.microsoft.com/office/drawing/2014/main" xmlns="" id="{2CD961E7-B027-4695-A439-A77701B45E58}"/>
               </a:ext>
             </a:extLst>
           </p:cNvPr>
@@ -41122,7 +41136,7 @@
         <p:spPr>
           <a:xfrm>
             <a:off x="4729514" y="2763505"/>
-            <a:ext cx="1787669" cy="1023742"/>
+            <a:ext cx="1787669" cy="1061829"/>
           </a:xfrm>
           <a:prstGeom prst="rect">
             <a:avLst/>
@@ -41195,14 +41209,14 @@
               <a:buAutoNum type="circleNumDbPlain"/>
             </a:pPr>
             <a:r>
-              <a:rPr lang="zh-CN" altLang="en-US" sz="1400" dirty="0">
+              <a:rPr lang="zh-CN" altLang="en-US" sz="1400" dirty="0" smtClean="0">
                 <a:solidFill>
                   <a:schemeClr val="bg1"/>
                 </a:solidFill>
                 <a:latin typeface="微软雅黑" panose="020B0503020204020204" pitchFamily="34" charset="-122"/>
                 <a:ea typeface="微软雅黑" panose="020B0503020204020204" pitchFamily="34" charset="-122"/>
               </a:rPr>
-              <a:t>相关概念介绍</a:t>
+              <a:t>研究内容</a:t>
             </a:r>
             <a:endParaRPr lang="en-US" altLang="zh-CN" sz="1400" dirty="0">
               <a:solidFill>
@@ -42345,6 +42359,13 @@
   <p:transition spd="med">
     <p:push dir="u"/>
   </p:transition>
+  <p:timing>
+    <p:tnLst>
+      <p:par>
+        <p:cTn id="1" dur="indefinite" restart="never" nodeType="tmRoot"/>
+      </p:par>
+    </p:tnLst>
+  </p:timing>
 </p:sld>
 </file>
 
@@ -43975,6 +43996,13 @@
   <p:transition spd="med">
     <p:push dir="u"/>
   </p:transition>
+  <p:timing>
+    <p:tnLst>
+      <p:par>
+        <p:cTn id="1" dur="indefinite" restart="never" nodeType="tmRoot"/>
+      </p:par>
+    </p:tnLst>
+  </p:timing>
 </p:sld>
 </file>
 
@@ -44114,12 +44142,16 @@
           <a:lstStyle/>
           <a:p>
             <a:r>
-              <a:rPr lang="zh-CN" altLang="en-US" sz="1400" dirty="0">
+              <a:rPr lang="zh-CN" altLang="en-US" sz="1400" dirty="0" smtClean="0">
                 <a:latin typeface="微软雅黑" panose="020B0503020204020204" pitchFamily="34" charset="-122"/>
                 <a:ea typeface="微软雅黑" panose="020B0503020204020204" pitchFamily="34" charset="-122"/>
               </a:rPr>
-              <a:t>相关现状</a:t>
+              <a:t>研究现状</a:t>
             </a:r>
+            <a:endParaRPr lang="zh-CN" altLang="en-US" sz="1400" dirty="0">
+              <a:latin typeface="微软雅黑" panose="020B0503020204020204" pitchFamily="34" charset="-122"/>
+              <a:ea typeface="微软雅黑" panose="020B0503020204020204" pitchFamily="34" charset="-122"/>
+            </a:endParaRPr>
           </a:p>
         </p:txBody>
       </p:sp>
@@ -44861,7 +44893,7 @@
           <p:cNvPr id="41" name="TextBox 61">
             <a:extLst>
               <a:ext uri="{FF2B5EF4-FFF2-40B4-BE49-F238E27FC236}">
-                <a16:creationId xmlns:a16="http://schemas.microsoft.com/office/drawing/2014/main" id="{0BC71808-54A6-4054-83C8-D2934E8E834C}"/>
+                <a16:creationId xmlns:a16="http://schemas.microsoft.com/office/drawing/2014/main" xmlns="" id="{0BC71808-54A6-4054-83C8-D2934E8E834C}"/>
               </a:ext>
             </a:extLst>
           </p:cNvPr>
@@ -44913,7 +44945,7 @@
           <p:cNvPr id="51" name="TextBox 65">
             <a:extLst>
               <a:ext uri="{FF2B5EF4-FFF2-40B4-BE49-F238E27FC236}">
-                <a16:creationId xmlns:a16="http://schemas.microsoft.com/office/drawing/2014/main" id="{BA67980A-A26E-45C6-B6CD-D26B985B4168}"/>
+                <a16:creationId xmlns:a16="http://schemas.microsoft.com/office/drawing/2014/main" xmlns="" id="{BA67980A-A26E-45C6-B6CD-D26B985B4168}"/>
               </a:ext>
             </a:extLst>
           </p:cNvPr>
@@ -45023,7 +45055,7 @@
           <p:cNvPr id="54" name="TextBox 65">
             <a:extLst>
               <a:ext uri="{FF2B5EF4-FFF2-40B4-BE49-F238E27FC236}">
-                <a16:creationId xmlns:a16="http://schemas.microsoft.com/office/drawing/2014/main" id="{02AE4DDF-D462-4148-BAC7-DB93F3D3DD21}"/>
+                <a16:creationId xmlns:a16="http://schemas.microsoft.com/office/drawing/2014/main" xmlns="" id="{02AE4DDF-D462-4148-BAC7-DB93F3D3DD21}"/>
               </a:ext>
             </a:extLst>
           </p:cNvPr>
@@ -45128,6 +45160,13 @@
   <p:transition spd="med">
     <p:push dir="u"/>
   </p:transition>
+  <p:timing>
+    <p:tnLst>
+      <p:par>
+        <p:cTn id="1" dur="indefinite" restart="never" nodeType="tmRoot"/>
+      </p:par>
+    </p:tnLst>
+  </p:timing>
 </p:sld>
 </file>
 
@@ -45793,7 +45832,7 @@
           <p:cNvPr id="2" name="矩形 1">
             <a:extLst>
               <a:ext uri="{FF2B5EF4-FFF2-40B4-BE49-F238E27FC236}">
-                <a16:creationId xmlns:a16="http://schemas.microsoft.com/office/drawing/2014/main" id="{0AA6D2C9-5976-422B-A661-AF060040B2E2}"/>
+                <a16:creationId xmlns:a16="http://schemas.microsoft.com/office/drawing/2014/main" xmlns="" id="{0AA6D2C9-5976-422B-A661-AF060040B2E2}"/>
               </a:ext>
             </a:extLst>
           </p:cNvPr>
@@ -45925,7 +45964,7 @@
           <p:cNvPr id="27" name="TextBox 7">
             <a:extLst>
               <a:ext uri="{FF2B5EF4-FFF2-40B4-BE49-F238E27FC236}">
-                <a16:creationId xmlns:a16="http://schemas.microsoft.com/office/drawing/2014/main" id="{FE1C372A-1ED4-4CDC-B790-1F78510B9C62}"/>
+                <a16:creationId xmlns:a16="http://schemas.microsoft.com/office/drawing/2014/main" xmlns="" id="{FE1C372A-1ED4-4CDC-B790-1F78510B9C62}"/>
               </a:ext>
             </a:extLst>
           </p:cNvPr>
@@ -45935,7 +45974,7 @@
         <p:spPr>
           <a:xfrm>
             <a:off x="6804248" y="332656"/>
-            <a:ext cx="1261884" cy="307777"/>
+            <a:ext cx="902811" cy="307777"/>
           </a:xfrm>
           <a:prstGeom prst="rect">
             <a:avLst/>
@@ -45949,12 +45988,16 @@
           <a:lstStyle/>
           <a:p>
             <a:r>
-              <a:rPr lang="zh-CN" altLang="en-US" sz="1400" dirty="0">
+              <a:rPr lang="zh-CN" altLang="en-US" sz="1400" smtClean="0">
                 <a:latin typeface="微软雅黑" panose="020B0503020204020204" pitchFamily="34" charset="-122"/>
                 <a:ea typeface="微软雅黑" panose="020B0503020204020204" pitchFamily="34" charset="-122"/>
               </a:rPr>
-              <a:t>相关概念介绍</a:t>
+              <a:t>研究内容</a:t>
             </a:r>
+            <a:endParaRPr lang="zh-CN" altLang="en-US" sz="1400" dirty="0">
+              <a:latin typeface="微软雅黑" panose="020B0503020204020204" pitchFamily="34" charset="-122"/>
+              <a:ea typeface="微软雅黑" panose="020B0503020204020204" pitchFamily="34" charset="-122"/>
+            </a:endParaRPr>
           </a:p>
         </p:txBody>
       </p:sp>
@@ -45963,7 +46006,7 @@
           <p:cNvPr id="9" name="组合 8">
             <a:extLst>
               <a:ext uri="{FF2B5EF4-FFF2-40B4-BE49-F238E27FC236}">
-                <a16:creationId xmlns:a16="http://schemas.microsoft.com/office/drawing/2014/main" id="{4C28100E-A12B-47A9-81BC-806EFFD64E60}"/>
+                <a16:creationId xmlns:a16="http://schemas.microsoft.com/office/drawing/2014/main" xmlns="" id="{4C28100E-A12B-47A9-81BC-806EFFD64E60}"/>
               </a:ext>
             </a:extLst>
           </p:cNvPr>
@@ -45983,7 +46026,7 @@
             <p:cNvPr id="32" name="直接箭头连接符 31">
               <a:extLst>
                 <a:ext uri="{FF2B5EF4-FFF2-40B4-BE49-F238E27FC236}">
-                  <a16:creationId xmlns:a16="http://schemas.microsoft.com/office/drawing/2014/main" id="{CC8EC2C4-01DD-4697-B494-A1E1A9A14F47}"/>
+                  <a16:creationId xmlns:a16="http://schemas.microsoft.com/office/drawing/2014/main" xmlns="" id="{CC8EC2C4-01DD-4697-B494-A1E1A9A14F47}"/>
                 </a:ext>
               </a:extLst>
             </p:cNvPr>
@@ -46029,7 +46072,7 @@
             <p:cNvPr id="33" name="直接箭头连接符 32">
               <a:extLst>
                 <a:ext uri="{FF2B5EF4-FFF2-40B4-BE49-F238E27FC236}">
-                  <a16:creationId xmlns:a16="http://schemas.microsoft.com/office/drawing/2014/main" id="{C3C9D9A9-4FBD-45FC-AD11-95E1F034FABF}"/>
+                  <a16:creationId xmlns:a16="http://schemas.microsoft.com/office/drawing/2014/main" xmlns="" id="{C3C9D9A9-4FBD-45FC-AD11-95E1F034FABF}"/>
                 </a:ext>
               </a:extLst>
             </p:cNvPr>
@@ -46075,7 +46118,7 @@
             <p:cNvPr id="48" name="直接箭头连接符 47">
               <a:extLst>
                 <a:ext uri="{FF2B5EF4-FFF2-40B4-BE49-F238E27FC236}">
-                  <a16:creationId xmlns:a16="http://schemas.microsoft.com/office/drawing/2014/main" id="{04FFC272-FAA7-4626-B9A0-8CFE571CB7E8}"/>
+                  <a16:creationId xmlns:a16="http://schemas.microsoft.com/office/drawing/2014/main" xmlns="" id="{04FFC272-FAA7-4626-B9A0-8CFE571CB7E8}"/>
                 </a:ext>
               </a:extLst>
             </p:cNvPr>
@@ -46121,7 +46164,7 @@
             <p:cNvPr id="50" name="圆角矩形 24">
               <a:extLst>
                 <a:ext uri="{FF2B5EF4-FFF2-40B4-BE49-F238E27FC236}">
-                  <a16:creationId xmlns:a16="http://schemas.microsoft.com/office/drawing/2014/main" id="{C8729CE6-C307-42CB-9901-07527381FAB2}"/>
+                  <a16:creationId xmlns:a16="http://schemas.microsoft.com/office/drawing/2014/main" xmlns="" id="{C8729CE6-C307-42CB-9901-07527381FAB2}"/>
                 </a:ext>
               </a:extLst>
             </p:cNvPr>
@@ -46213,7 +46256,7 @@
             <p:cNvPr id="51" name="圆角矩形 24">
               <a:extLst>
                 <a:ext uri="{FF2B5EF4-FFF2-40B4-BE49-F238E27FC236}">
-                  <a16:creationId xmlns:a16="http://schemas.microsoft.com/office/drawing/2014/main" id="{96082CC1-8126-4D17-869D-F40976CDEF5B}"/>
+                  <a16:creationId xmlns:a16="http://schemas.microsoft.com/office/drawing/2014/main" xmlns="" id="{96082CC1-8126-4D17-869D-F40976CDEF5B}"/>
                 </a:ext>
               </a:extLst>
             </p:cNvPr>
@@ -46295,7 +46338,7 @@
             <p:cNvPr id="8" name="组合 7">
               <a:extLst>
                 <a:ext uri="{FF2B5EF4-FFF2-40B4-BE49-F238E27FC236}">
-                  <a16:creationId xmlns:a16="http://schemas.microsoft.com/office/drawing/2014/main" id="{42EAE014-DF34-4D66-A21C-3F7D03BF9D67}"/>
+                  <a16:creationId xmlns:a16="http://schemas.microsoft.com/office/drawing/2014/main" xmlns="" id="{42EAE014-DF34-4D66-A21C-3F7D03BF9D67}"/>
                 </a:ext>
               </a:extLst>
             </p:cNvPr>
@@ -46315,7 +46358,7 @@
               <p:cNvPr id="44" name="直接箭头连接符 43">
                 <a:extLst>
                   <a:ext uri="{FF2B5EF4-FFF2-40B4-BE49-F238E27FC236}">
-                    <a16:creationId xmlns:a16="http://schemas.microsoft.com/office/drawing/2014/main" id="{E738DA61-C26B-44AC-9C33-7C586BAA6442}"/>
+                    <a16:creationId xmlns:a16="http://schemas.microsoft.com/office/drawing/2014/main" xmlns="" id="{E738DA61-C26B-44AC-9C33-7C586BAA6442}"/>
                   </a:ext>
                 </a:extLst>
               </p:cNvPr>
@@ -46361,7 +46404,7 @@
               <p:cNvPr id="52" name="圆角矩形 24">
                 <a:extLst>
                   <a:ext uri="{FF2B5EF4-FFF2-40B4-BE49-F238E27FC236}">
-                    <a16:creationId xmlns:a16="http://schemas.microsoft.com/office/drawing/2014/main" id="{ED16B0DE-82E7-41D4-B044-A51EFCA392E1}"/>
+                    <a16:creationId xmlns:a16="http://schemas.microsoft.com/office/drawing/2014/main" xmlns="" id="{ED16B0DE-82E7-41D4-B044-A51EFCA392E1}"/>
                   </a:ext>
                 </a:extLst>
               </p:cNvPr>
@@ -46444,7 +46487,7 @@
             <p:cNvPr id="53" name="圆角矩形 24">
               <a:extLst>
                 <a:ext uri="{FF2B5EF4-FFF2-40B4-BE49-F238E27FC236}">
-                  <a16:creationId xmlns:a16="http://schemas.microsoft.com/office/drawing/2014/main" id="{03B6EDBA-56AB-45A1-9AB6-95BEDCF4F9F9}"/>
+                  <a16:creationId xmlns:a16="http://schemas.microsoft.com/office/drawing/2014/main" xmlns="" id="{03B6EDBA-56AB-45A1-9AB6-95BEDCF4F9F9}"/>
                 </a:ext>
               </a:extLst>
             </p:cNvPr>
@@ -53800,7 +53843,7 @@
           <p:cNvPr id="31" name="TextBox 46">
             <a:extLst>
               <a:ext uri="{FF2B5EF4-FFF2-40B4-BE49-F238E27FC236}">
-                <a16:creationId xmlns:a16="http://schemas.microsoft.com/office/drawing/2014/main" id="{18A57166-29B5-42C1-8CC5-9A0A1F8B67CA}"/>
+                <a16:creationId xmlns:a16="http://schemas.microsoft.com/office/drawing/2014/main" xmlns="" id="{18A57166-29B5-42C1-8CC5-9A0A1F8B67CA}"/>
               </a:ext>
             </a:extLst>
           </p:cNvPr>
@@ -53866,7 +53909,7 @@
           <p:cNvPr id="17" name="椭圆 16">
             <a:extLst>
               <a:ext uri="{FF2B5EF4-FFF2-40B4-BE49-F238E27FC236}">
-                <a16:creationId xmlns:a16="http://schemas.microsoft.com/office/drawing/2014/main" id="{85111A73-AD6B-469F-9E88-C81FF847F1FE}"/>
+                <a16:creationId xmlns:a16="http://schemas.microsoft.com/office/drawing/2014/main" xmlns="" id="{85111A73-AD6B-469F-9E88-C81FF847F1FE}"/>
               </a:ext>
             </a:extLst>
           </p:cNvPr>
@@ -53926,7 +53969,7 @@
           <p:cNvPr id="20" name="椭圆 19">
             <a:extLst>
               <a:ext uri="{FF2B5EF4-FFF2-40B4-BE49-F238E27FC236}">
-                <a16:creationId xmlns:a16="http://schemas.microsoft.com/office/drawing/2014/main" id="{CA08FD24-B804-45B3-BBF1-380A318C5622}"/>
+                <a16:creationId xmlns:a16="http://schemas.microsoft.com/office/drawing/2014/main" xmlns="" id="{CA08FD24-B804-45B3-BBF1-380A318C5622}"/>
               </a:ext>
             </a:extLst>
           </p:cNvPr>
@@ -53986,7 +54029,7 @@
           <p:cNvPr id="21" name="TextBox 18">
             <a:extLst>
               <a:ext uri="{FF2B5EF4-FFF2-40B4-BE49-F238E27FC236}">
-                <a16:creationId xmlns:a16="http://schemas.microsoft.com/office/drawing/2014/main" id="{CD21A070-833C-4A7F-BE73-0F85BA03B90C}"/>
+                <a16:creationId xmlns:a16="http://schemas.microsoft.com/office/drawing/2014/main" xmlns="" id="{CD21A070-833C-4A7F-BE73-0F85BA03B90C}"/>
               </a:ext>
             </a:extLst>
           </p:cNvPr>
@@ -54052,7 +54095,7 @@
           <p:cNvPr id="38" name="椭圆 37">
             <a:extLst>
               <a:ext uri="{FF2B5EF4-FFF2-40B4-BE49-F238E27FC236}">
-                <a16:creationId xmlns:a16="http://schemas.microsoft.com/office/drawing/2014/main" id="{132A8913-20CA-4D97-8E93-ACC422FDE821}"/>
+                <a16:creationId xmlns:a16="http://schemas.microsoft.com/office/drawing/2014/main" xmlns="" id="{132A8913-20CA-4D97-8E93-ACC422FDE821}"/>
               </a:ext>
             </a:extLst>
           </p:cNvPr>
@@ -54112,7 +54155,7 @@
           <p:cNvPr id="40" name="直接箭头连接符 39">
             <a:extLst>
               <a:ext uri="{FF2B5EF4-FFF2-40B4-BE49-F238E27FC236}">
-                <a16:creationId xmlns:a16="http://schemas.microsoft.com/office/drawing/2014/main" id="{544B5F2B-8D8C-4128-B4EA-F16956397889}"/>
+                <a16:creationId xmlns:a16="http://schemas.microsoft.com/office/drawing/2014/main" xmlns="" id="{544B5F2B-8D8C-4128-B4EA-F16956397889}"/>
               </a:ext>
             </a:extLst>
           </p:cNvPr>
@@ -54159,7 +54202,7 @@
           <p:cNvPr id="43" name="文本框 42">
             <a:extLst>
               <a:ext uri="{FF2B5EF4-FFF2-40B4-BE49-F238E27FC236}">
-                <a16:creationId xmlns:a16="http://schemas.microsoft.com/office/drawing/2014/main" id="{7FD6F372-8778-42EF-8FC4-382C660CC451}"/>
+                <a16:creationId xmlns:a16="http://schemas.microsoft.com/office/drawing/2014/main" xmlns="" id="{7FD6F372-8778-42EF-8FC4-382C660CC451}"/>
               </a:ext>
             </a:extLst>
           </p:cNvPr>
@@ -54201,7 +54244,7 @@
           <p:cNvPr id="44" name="椭圆 43">
             <a:extLst>
               <a:ext uri="{FF2B5EF4-FFF2-40B4-BE49-F238E27FC236}">
-                <a16:creationId xmlns:a16="http://schemas.microsoft.com/office/drawing/2014/main" id="{2B2FD749-3DD4-4550-9193-04E8779A7557}"/>
+                <a16:creationId xmlns:a16="http://schemas.microsoft.com/office/drawing/2014/main" xmlns="" id="{2B2FD749-3DD4-4550-9193-04E8779A7557}"/>
               </a:ext>
             </a:extLst>
           </p:cNvPr>
@@ -54261,7 +54304,7 @@
           <p:cNvPr id="45" name="直接箭头连接符 44">
             <a:extLst>
               <a:ext uri="{FF2B5EF4-FFF2-40B4-BE49-F238E27FC236}">
-                <a16:creationId xmlns:a16="http://schemas.microsoft.com/office/drawing/2014/main" id="{2CA35CF2-E632-46CD-8162-BEDF1EB2D190}"/>
+                <a16:creationId xmlns:a16="http://schemas.microsoft.com/office/drawing/2014/main" xmlns="" id="{2CA35CF2-E632-46CD-8162-BEDF1EB2D190}"/>
               </a:ext>
             </a:extLst>
           </p:cNvPr>
@@ -54308,7 +54351,7 @@
           <p:cNvPr id="47" name="椭圆 46">
             <a:extLst>
               <a:ext uri="{FF2B5EF4-FFF2-40B4-BE49-F238E27FC236}">
-                <a16:creationId xmlns:a16="http://schemas.microsoft.com/office/drawing/2014/main" id="{0F6F6D76-DCF7-43CE-83B4-10367064A8A1}"/>
+                <a16:creationId xmlns:a16="http://schemas.microsoft.com/office/drawing/2014/main" xmlns="" id="{0F6F6D76-DCF7-43CE-83B4-10367064A8A1}"/>
               </a:ext>
             </a:extLst>
           </p:cNvPr>
@@ -54368,7 +54411,7 @@
           <p:cNvPr id="52" name="椭圆 51">
             <a:extLst>
               <a:ext uri="{FF2B5EF4-FFF2-40B4-BE49-F238E27FC236}">
-                <a16:creationId xmlns:a16="http://schemas.microsoft.com/office/drawing/2014/main" id="{A1E7B33C-E090-4135-A887-0D73F237B35A}"/>
+                <a16:creationId xmlns:a16="http://schemas.microsoft.com/office/drawing/2014/main" xmlns="" id="{A1E7B33C-E090-4135-A887-0D73F237B35A}"/>
               </a:ext>
             </a:extLst>
           </p:cNvPr>
@@ -54428,7 +54471,7 @@
           <p:cNvPr id="59" name="直接箭头连接符 58">
             <a:extLst>
               <a:ext uri="{FF2B5EF4-FFF2-40B4-BE49-F238E27FC236}">
-                <a16:creationId xmlns:a16="http://schemas.microsoft.com/office/drawing/2014/main" id="{4D95AD33-E381-4C49-9BDB-46C92B7DFAF8}"/>
+                <a16:creationId xmlns:a16="http://schemas.microsoft.com/office/drawing/2014/main" xmlns="" id="{4D95AD33-E381-4C49-9BDB-46C92B7DFAF8}"/>
               </a:ext>
             </a:extLst>
           </p:cNvPr>
@@ -54475,7 +54518,7 @@
           <p:cNvPr id="61" name="直接箭头连接符 60">
             <a:extLst>
               <a:ext uri="{FF2B5EF4-FFF2-40B4-BE49-F238E27FC236}">
-                <a16:creationId xmlns:a16="http://schemas.microsoft.com/office/drawing/2014/main" id="{5380B8CA-B47E-46AA-A0FF-E953E7DE4232}"/>
+                <a16:creationId xmlns:a16="http://schemas.microsoft.com/office/drawing/2014/main" xmlns="" id="{5380B8CA-B47E-46AA-A0FF-E953E7DE4232}"/>
               </a:ext>
             </a:extLst>
           </p:cNvPr>
@@ -54522,7 +54565,7 @@
           <p:cNvPr id="65" name="直接箭头连接符 64">
             <a:extLst>
               <a:ext uri="{FF2B5EF4-FFF2-40B4-BE49-F238E27FC236}">
-                <a16:creationId xmlns:a16="http://schemas.microsoft.com/office/drawing/2014/main" id="{90295542-F75D-4871-AC20-2B5264C7F62F}"/>
+                <a16:creationId xmlns:a16="http://schemas.microsoft.com/office/drawing/2014/main" xmlns="" id="{90295542-F75D-4871-AC20-2B5264C7F62F}"/>
               </a:ext>
             </a:extLst>
           </p:cNvPr>

--- a/FinalPaper/毕业答辩.pptx
+++ b/FinalPaper/毕业答辩.pptx
@@ -10040,7 +10040,7 @@
           <p:cNvPr id="116" name="直接连接符 115">
             <a:extLst>
               <a:ext uri="{FF2B5EF4-FFF2-40B4-BE49-F238E27FC236}">
-                <a16:creationId xmlns:a16="http://schemas.microsoft.com/office/drawing/2014/main" xmlns="" id="{935B4380-C8CD-4AEE-BFB0-D8B729F00EFC}"/>
+                <a16:creationId xmlns="" xmlns:a16="http://schemas.microsoft.com/office/drawing/2014/main" id="{935B4380-C8CD-4AEE-BFB0-D8B729F00EFC}"/>
               </a:ext>
             </a:extLst>
           </p:cNvPr>
@@ -10086,7 +10086,7 @@
           <p:cNvPr id="89" name="Freeform 325">
             <a:extLst>
               <a:ext uri="{FF2B5EF4-FFF2-40B4-BE49-F238E27FC236}">
-                <a16:creationId xmlns:a16="http://schemas.microsoft.com/office/drawing/2014/main" xmlns="" id="{68C0778E-22E1-4C0C-A17B-06709E6DAB2F}"/>
+                <a16:creationId xmlns="" xmlns:a16="http://schemas.microsoft.com/office/drawing/2014/main" id="{68C0778E-22E1-4C0C-A17B-06709E6DAB2F}"/>
               </a:ext>
             </a:extLst>
           </p:cNvPr>
@@ -10694,7 +10694,7 @@
           <p:cNvPr id="92" name="Freeform 312">
             <a:extLst>
               <a:ext uri="{FF2B5EF4-FFF2-40B4-BE49-F238E27FC236}">
-                <a16:creationId xmlns:a16="http://schemas.microsoft.com/office/drawing/2014/main" xmlns="" id="{2A1B9DA8-986D-41A5-BF6C-668C33AF0106}"/>
+                <a16:creationId xmlns="" xmlns:a16="http://schemas.microsoft.com/office/drawing/2014/main" id="{2A1B9DA8-986D-41A5-BF6C-668C33AF0106}"/>
               </a:ext>
             </a:extLst>
           </p:cNvPr>
@@ -11698,7 +11698,7 @@
           <p:cNvPr id="94" name="Freeform 121">
             <a:extLst>
               <a:ext uri="{FF2B5EF4-FFF2-40B4-BE49-F238E27FC236}">
-                <a16:creationId xmlns:a16="http://schemas.microsoft.com/office/drawing/2014/main" xmlns="" id="{B93A3FCA-7723-41E1-B0FD-8E2D1F9214AF}"/>
+                <a16:creationId xmlns="" xmlns:a16="http://schemas.microsoft.com/office/drawing/2014/main" id="{B93A3FCA-7723-41E1-B0FD-8E2D1F9214AF}"/>
               </a:ext>
             </a:extLst>
           </p:cNvPr>
@@ -12692,7 +12692,7 @@
           <p:cNvPr id="14" name="TextBox 46">
             <a:extLst>
               <a:ext uri="{FF2B5EF4-FFF2-40B4-BE49-F238E27FC236}">
-                <a16:creationId xmlns:a16="http://schemas.microsoft.com/office/drawing/2014/main" xmlns="" id="{038ACC64-63F6-420B-A042-E14A9A7C9394}"/>
+                <a16:creationId xmlns="" xmlns:a16="http://schemas.microsoft.com/office/drawing/2014/main" id="{038ACC64-63F6-420B-A042-E14A9A7C9394}"/>
               </a:ext>
             </a:extLst>
           </p:cNvPr>
@@ -12758,7 +12758,7 @@
           <p:cNvPr id="17" name="文本框 16">
             <a:extLst>
               <a:ext uri="{FF2B5EF4-FFF2-40B4-BE49-F238E27FC236}">
-                <a16:creationId xmlns:a16="http://schemas.microsoft.com/office/drawing/2014/main" xmlns="" id="{E6F4ECFA-13B3-48DE-9E3E-DF7BBDA53533}"/>
+                <a16:creationId xmlns="" xmlns:a16="http://schemas.microsoft.com/office/drawing/2014/main" id="{E6F4ECFA-13B3-48DE-9E3E-DF7BBDA53533}"/>
               </a:ext>
             </a:extLst>
           </p:cNvPr>
@@ -12808,7 +12808,7 @@
           <p:cNvPr id="2" name="矩形 1">
             <a:extLst>
               <a:ext uri="{FF2B5EF4-FFF2-40B4-BE49-F238E27FC236}">
-                <a16:creationId xmlns:a16="http://schemas.microsoft.com/office/drawing/2014/main" xmlns="" id="{4420292E-33FF-4264-AB0D-02351FB20E36}"/>
+                <a16:creationId xmlns="" xmlns:a16="http://schemas.microsoft.com/office/drawing/2014/main" id="{4420292E-33FF-4264-AB0D-02351FB20E36}"/>
               </a:ext>
             </a:extLst>
           </p:cNvPr>
@@ -12878,7 +12878,7 @@
           <p:cNvPr id="18" name="下箭头 32">
             <a:extLst>
               <a:ext uri="{FF2B5EF4-FFF2-40B4-BE49-F238E27FC236}">
-                <a16:creationId xmlns:a16="http://schemas.microsoft.com/office/drawing/2014/main" xmlns="" id="{58C148CE-C64E-469D-8722-275221F9D022}"/>
+                <a16:creationId xmlns="" xmlns:a16="http://schemas.microsoft.com/office/drawing/2014/main" id="{58C148CE-C64E-469D-8722-275221F9D022}"/>
               </a:ext>
             </a:extLst>
           </p:cNvPr>
@@ -12932,7 +12932,7 @@
           <p:cNvPr id="9" name="文本框 8">
             <a:extLst>
               <a:ext uri="{FF2B5EF4-FFF2-40B4-BE49-F238E27FC236}">
-                <a16:creationId xmlns:a16="http://schemas.microsoft.com/office/drawing/2014/main" xmlns="" id="{54F12738-BEC8-4788-993E-3A7BE34EF640}"/>
+                <a16:creationId xmlns="" xmlns:a16="http://schemas.microsoft.com/office/drawing/2014/main" id="{54F12738-BEC8-4788-993E-3A7BE34EF640}"/>
               </a:ext>
             </a:extLst>
           </p:cNvPr>
@@ -12967,7 +12967,7 @@
           <p:cNvPr id="20" name="文本框 19">
             <a:extLst>
               <a:ext uri="{FF2B5EF4-FFF2-40B4-BE49-F238E27FC236}">
-                <a16:creationId xmlns:a16="http://schemas.microsoft.com/office/drawing/2014/main" xmlns="" id="{C2538DF4-FB90-4911-B44A-A6F7C1648B61}"/>
+                <a16:creationId xmlns="" xmlns:a16="http://schemas.microsoft.com/office/drawing/2014/main" id="{C2538DF4-FB90-4911-B44A-A6F7C1648B61}"/>
               </a:ext>
             </a:extLst>
           </p:cNvPr>
@@ -13002,7 +13002,7 @@
           <p:cNvPr id="21" name="文本框 20">
             <a:extLst>
               <a:ext uri="{FF2B5EF4-FFF2-40B4-BE49-F238E27FC236}">
-                <a16:creationId xmlns:a16="http://schemas.microsoft.com/office/drawing/2014/main" xmlns="" id="{1E91F165-E54A-425D-BFAD-F08B52B24551}"/>
+                <a16:creationId xmlns="" xmlns:a16="http://schemas.microsoft.com/office/drawing/2014/main" id="{1E91F165-E54A-425D-BFAD-F08B52B24551}"/>
               </a:ext>
             </a:extLst>
           </p:cNvPr>
@@ -13042,7 +13042,7 @@
           <p:cNvPr id="23" name="矩形 22">
             <a:extLst>
               <a:ext uri="{FF2B5EF4-FFF2-40B4-BE49-F238E27FC236}">
-                <a16:creationId xmlns:a16="http://schemas.microsoft.com/office/drawing/2014/main" xmlns="" id="{D8EC7A10-C9A7-4C09-A9ED-B0400D102A74}"/>
+                <a16:creationId xmlns="" xmlns:a16="http://schemas.microsoft.com/office/drawing/2014/main" id="{D8EC7A10-C9A7-4C09-A9ED-B0400D102A74}"/>
               </a:ext>
             </a:extLst>
           </p:cNvPr>
@@ -13112,7 +13112,7 @@
           <p:cNvPr id="24" name="文本框 23">
             <a:extLst>
               <a:ext uri="{FF2B5EF4-FFF2-40B4-BE49-F238E27FC236}">
-                <a16:creationId xmlns:a16="http://schemas.microsoft.com/office/drawing/2014/main" xmlns="" id="{2657C0C8-F42A-4F20-A478-79138EC817E1}"/>
+                <a16:creationId xmlns="" xmlns:a16="http://schemas.microsoft.com/office/drawing/2014/main" id="{2657C0C8-F42A-4F20-A478-79138EC817E1}"/>
               </a:ext>
             </a:extLst>
           </p:cNvPr>
@@ -13147,7 +13147,7 @@
           <p:cNvPr id="25" name="文本框 24">
             <a:extLst>
               <a:ext uri="{FF2B5EF4-FFF2-40B4-BE49-F238E27FC236}">
-                <a16:creationId xmlns:a16="http://schemas.microsoft.com/office/drawing/2014/main" xmlns="" id="{76C335F0-957C-4BE8-B64D-D2B41BFBEF30}"/>
+                <a16:creationId xmlns="" xmlns:a16="http://schemas.microsoft.com/office/drawing/2014/main" id="{76C335F0-957C-4BE8-B64D-D2B41BFBEF30}"/>
               </a:ext>
             </a:extLst>
           </p:cNvPr>
@@ -13199,7 +13199,7 @@
           <p:cNvPr id="26" name="下箭头 32">
             <a:extLst>
               <a:ext uri="{FF2B5EF4-FFF2-40B4-BE49-F238E27FC236}">
-                <a16:creationId xmlns:a16="http://schemas.microsoft.com/office/drawing/2014/main" xmlns="" id="{31193F67-61DF-4F75-A6E0-14E0AF212675}"/>
+                <a16:creationId xmlns="" xmlns:a16="http://schemas.microsoft.com/office/drawing/2014/main" id="{31193F67-61DF-4F75-A6E0-14E0AF212675}"/>
               </a:ext>
             </a:extLst>
           </p:cNvPr>
@@ -13253,7 +13253,7 @@
           <p:cNvPr id="22" name="文本框 21">
             <a:extLst>
               <a:ext uri="{FF2B5EF4-FFF2-40B4-BE49-F238E27FC236}">
-                <a16:creationId xmlns:a16="http://schemas.microsoft.com/office/drawing/2014/main" xmlns="" id="{E566D48D-20DC-4C7A-B36F-1B2DA1A605C4}"/>
+                <a16:creationId xmlns="" xmlns:a16="http://schemas.microsoft.com/office/drawing/2014/main" id="{E566D48D-20DC-4C7A-B36F-1B2DA1A605C4}"/>
               </a:ext>
             </a:extLst>
           </p:cNvPr>
@@ -13295,7 +13295,7 @@
           <p:cNvPr id="27" name="文本框 26">
             <a:extLst>
               <a:ext uri="{FF2B5EF4-FFF2-40B4-BE49-F238E27FC236}">
-                <a16:creationId xmlns:a16="http://schemas.microsoft.com/office/drawing/2014/main" xmlns="" id="{747D2FD7-951A-415D-87F1-6947B8DB7888}"/>
+                <a16:creationId xmlns="" xmlns:a16="http://schemas.microsoft.com/office/drawing/2014/main" id="{747D2FD7-951A-415D-87F1-6947B8DB7888}"/>
               </a:ext>
             </a:extLst>
           </p:cNvPr>
@@ -13339,7 +13339,7 @@
           <p:cNvPr id="30" name="下箭头 32">
             <a:extLst>
               <a:ext uri="{FF2B5EF4-FFF2-40B4-BE49-F238E27FC236}">
-                <a16:creationId xmlns:a16="http://schemas.microsoft.com/office/drawing/2014/main" xmlns="" id="{EAB50E5D-2EF6-4520-9081-7BBDE39756EE}"/>
+                <a16:creationId xmlns="" xmlns:a16="http://schemas.microsoft.com/office/drawing/2014/main" id="{EAB50E5D-2EF6-4520-9081-7BBDE39756EE}"/>
               </a:ext>
             </a:extLst>
           </p:cNvPr>
@@ -13393,7 +13393,7 @@
           <p:cNvPr id="31" name="文本框 30">
             <a:extLst>
               <a:ext uri="{FF2B5EF4-FFF2-40B4-BE49-F238E27FC236}">
-                <a16:creationId xmlns:a16="http://schemas.microsoft.com/office/drawing/2014/main" xmlns="" id="{C9F2FA20-2F65-41C6-8B08-2023C9261F99}"/>
+                <a16:creationId xmlns="" xmlns:a16="http://schemas.microsoft.com/office/drawing/2014/main" id="{C9F2FA20-2F65-41C6-8B08-2023C9261F99}"/>
               </a:ext>
             </a:extLst>
           </p:cNvPr>
@@ -13442,7 +13442,7 @@
           <p:cNvPr id="32" name="矩形 31">
             <a:extLst>
               <a:ext uri="{FF2B5EF4-FFF2-40B4-BE49-F238E27FC236}">
-                <a16:creationId xmlns:a16="http://schemas.microsoft.com/office/drawing/2014/main" xmlns="" id="{10A05179-4B68-4E00-928A-8BE5394A0437}"/>
+                <a16:creationId xmlns="" xmlns:a16="http://schemas.microsoft.com/office/drawing/2014/main" id="{10A05179-4B68-4E00-928A-8BE5394A0437}"/>
               </a:ext>
             </a:extLst>
           </p:cNvPr>
@@ -13540,6 +13540,13 @@
   <p:transition spd="med">
     <p:push dir="u"/>
   </p:transition>
+  <p:timing>
+    <p:tnLst>
+      <p:par>
+        <p:cTn id="1" dur="indefinite" restart="never" nodeType="tmRoot"/>
+      </p:par>
+    </p:tnLst>
+  </p:timing>
 </p:sld>
 </file>
 
@@ -14220,7 +14227,7 @@
           <p:cNvPr id="14" name="TextBox 46">
             <a:extLst>
               <a:ext uri="{FF2B5EF4-FFF2-40B4-BE49-F238E27FC236}">
-                <a16:creationId xmlns:a16="http://schemas.microsoft.com/office/drawing/2014/main" xmlns="" id="{76E85F30-8AC3-4FC8-961C-DD7C5D54F1B4}"/>
+                <a16:creationId xmlns="" xmlns:a16="http://schemas.microsoft.com/office/drawing/2014/main" id="{76E85F30-8AC3-4FC8-961C-DD7C5D54F1B4}"/>
               </a:ext>
             </a:extLst>
           </p:cNvPr>
@@ -14286,7 +14293,7 @@
           <p:cNvPr id="18" name="椭圆 17">
             <a:extLst>
               <a:ext uri="{FF2B5EF4-FFF2-40B4-BE49-F238E27FC236}">
-                <a16:creationId xmlns:a16="http://schemas.microsoft.com/office/drawing/2014/main" xmlns="" id="{B7B16E4E-68BC-4039-ABFF-F43B5AF56593}"/>
+                <a16:creationId xmlns="" xmlns:a16="http://schemas.microsoft.com/office/drawing/2014/main" id="{B7B16E4E-68BC-4039-ABFF-F43B5AF56593}"/>
               </a:ext>
             </a:extLst>
           </p:cNvPr>
@@ -14346,7 +14353,7 @@
           <p:cNvPr id="19" name="椭圆 18">
             <a:extLst>
               <a:ext uri="{FF2B5EF4-FFF2-40B4-BE49-F238E27FC236}">
-                <a16:creationId xmlns:a16="http://schemas.microsoft.com/office/drawing/2014/main" xmlns="" id="{37A85B23-5DB4-448D-BC63-06003239C69F}"/>
+                <a16:creationId xmlns="" xmlns:a16="http://schemas.microsoft.com/office/drawing/2014/main" id="{37A85B23-5DB4-448D-BC63-06003239C69F}"/>
               </a:ext>
             </a:extLst>
           </p:cNvPr>
@@ -14413,7 +14420,7 @@
           <p:cNvPr id="20" name="椭圆 19">
             <a:extLst>
               <a:ext uri="{FF2B5EF4-FFF2-40B4-BE49-F238E27FC236}">
-                <a16:creationId xmlns:a16="http://schemas.microsoft.com/office/drawing/2014/main" xmlns="" id="{1D722065-9A8B-458D-A298-791A00364630}"/>
+                <a16:creationId xmlns="" xmlns:a16="http://schemas.microsoft.com/office/drawing/2014/main" id="{1D722065-9A8B-458D-A298-791A00364630}"/>
               </a:ext>
             </a:extLst>
           </p:cNvPr>
@@ -14473,7 +14480,7 @@
           <p:cNvPr id="21" name="椭圆 20">
             <a:extLst>
               <a:ext uri="{FF2B5EF4-FFF2-40B4-BE49-F238E27FC236}">
-                <a16:creationId xmlns:a16="http://schemas.microsoft.com/office/drawing/2014/main" xmlns="" id="{B161BB54-4481-4401-B68E-EF1FEC029EB7}"/>
+                <a16:creationId xmlns="" xmlns:a16="http://schemas.microsoft.com/office/drawing/2014/main" id="{B161BB54-4481-4401-B68E-EF1FEC029EB7}"/>
               </a:ext>
             </a:extLst>
           </p:cNvPr>
@@ -14533,7 +14540,7 @@
           <p:cNvPr id="22" name="椭圆 21">
             <a:extLst>
               <a:ext uri="{FF2B5EF4-FFF2-40B4-BE49-F238E27FC236}">
-                <a16:creationId xmlns:a16="http://schemas.microsoft.com/office/drawing/2014/main" xmlns="" id="{0DE1F784-39AB-4F7D-995B-F2E3D99FD6EF}"/>
+                <a16:creationId xmlns="" xmlns:a16="http://schemas.microsoft.com/office/drawing/2014/main" id="{0DE1F784-39AB-4F7D-995B-F2E3D99FD6EF}"/>
               </a:ext>
             </a:extLst>
           </p:cNvPr>
@@ -14593,7 +14600,7 @@
           <p:cNvPr id="23" name="直接箭头连接符 22">
             <a:extLst>
               <a:ext uri="{FF2B5EF4-FFF2-40B4-BE49-F238E27FC236}">
-                <a16:creationId xmlns:a16="http://schemas.microsoft.com/office/drawing/2014/main" xmlns="" id="{950452EA-494C-4E54-AE31-57E6C6DAE04F}"/>
+                <a16:creationId xmlns="" xmlns:a16="http://schemas.microsoft.com/office/drawing/2014/main" id="{950452EA-494C-4E54-AE31-57E6C6DAE04F}"/>
               </a:ext>
             </a:extLst>
           </p:cNvPr>
@@ -14638,7 +14645,7 @@
           <p:cNvPr id="24" name="直接箭头连接符 23">
             <a:extLst>
               <a:ext uri="{FF2B5EF4-FFF2-40B4-BE49-F238E27FC236}">
-                <a16:creationId xmlns:a16="http://schemas.microsoft.com/office/drawing/2014/main" xmlns="" id="{D18624C8-798D-4A01-B56C-752FE874063E}"/>
+                <a16:creationId xmlns="" xmlns:a16="http://schemas.microsoft.com/office/drawing/2014/main" id="{D18624C8-798D-4A01-B56C-752FE874063E}"/>
               </a:ext>
             </a:extLst>
           </p:cNvPr>
@@ -14683,7 +14690,7 @@
           <p:cNvPr id="25" name="下箭头 32">
             <a:extLst>
               <a:ext uri="{FF2B5EF4-FFF2-40B4-BE49-F238E27FC236}">
-                <a16:creationId xmlns:a16="http://schemas.microsoft.com/office/drawing/2014/main" xmlns="" id="{57DF651C-C077-4109-AB1A-3E3B73231054}"/>
+                <a16:creationId xmlns="" xmlns:a16="http://schemas.microsoft.com/office/drawing/2014/main" id="{57DF651C-C077-4109-AB1A-3E3B73231054}"/>
               </a:ext>
             </a:extLst>
           </p:cNvPr>
@@ -14737,7 +14744,7 @@
           <p:cNvPr id="26" name="下箭头 33">
             <a:extLst>
               <a:ext uri="{FF2B5EF4-FFF2-40B4-BE49-F238E27FC236}">
-                <a16:creationId xmlns:a16="http://schemas.microsoft.com/office/drawing/2014/main" xmlns="" id="{721091C1-C5AC-42A8-9B94-3CE5C4D966DA}"/>
+                <a16:creationId xmlns="" xmlns:a16="http://schemas.microsoft.com/office/drawing/2014/main" id="{721091C1-C5AC-42A8-9B94-3CE5C4D966DA}"/>
               </a:ext>
             </a:extLst>
           </p:cNvPr>
@@ -14791,7 +14798,7 @@
           <p:cNvPr id="27" name="虚尾箭头 8">
             <a:extLst>
               <a:ext uri="{FF2B5EF4-FFF2-40B4-BE49-F238E27FC236}">
-                <a16:creationId xmlns:a16="http://schemas.microsoft.com/office/drawing/2014/main" xmlns="" id="{57081B68-1D81-4C1A-8691-0E9EA922F717}"/>
+                <a16:creationId xmlns="" xmlns:a16="http://schemas.microsoft.com/office/drawing/2014/main" id="{57081B68-1D81-4C1A-8691-0E9EA922F717}"/>
               </a:ext>
             </a:extLst>
           </p:cNvPr>
@@ -14845,7 +14852,7 @@
           <p:cNvPr id="2" name="文本框 1">
             <a:extLst>
               <a:ext uri="{FF2B5EF4-FFF2-40B4-BE49-F238E27FC236}">
-                <a16:creationId xmlns:a16="http://schemas.microsoft.com/office/drawing/2014/main" xmlns="" id="{38DDB060-B2D0-4E7F-8E41-09236DB7411A}"/>
+                <a16:creationId xmlns="" xmlns:a16="http://schemas.microsoft.com/office/drawing/2014/main" id="{38DDB060-B2D0-4E7F-8E41-09236DB7411A}"/>
               </a:ext>
             </a:extLst>
           </p:cNvPr>
@@ -14887,7 +14894,7 @@
           <p:cNvPr id="9" name="文本框 8">
             <a:extLst>
               <a:ext uri="{FF2B5EF4-FFF2-40B4-BE49-F238E27FC236}">
-                <a16:creationId xmlns:a16="http://schemas.microsoft.com/office/drawing/2014/main" xmlns="" id="{291919B3-699D-492B-A5D7-2F7763716C66}"/>
+                <a16:creationId xmlns="" xmlns:a16="http://schemas.microsoft.com/office/drawing/2014/main" id="{291919B3-699D-492B-A5D7-2F7763716C66}"/>
               </a:ext>
             </a:extLst>
           </p:cNvPr>
@@ -14929,7 +14936,7 @@
           <p:cNvPr id="29" name="文本框 28">
             <a:extLst>
               <a:ext uri="{FF2B5EF4-FFF2-40B4-BE49-F238E27FC236}">
-                <a16:creationId xmlns:a16="http://schemas.microsoft.com/office/drawing/2014/main" xmlns="" id="{B5BC488E-33AE-48C1-BC65-F00BF29E6C26}"/>
+                <a16:creationId xmlns="" xmlns:a16="http://schemas.microsoft.com/office/drawing/2014/main" id="{B5BC488E-33AE-48C1-BC65-F00BF29E6C26}"/>
               </a:ext>
             </a:extLst>
           </p:cNvPr>
@@ -14978,7 +14985,7 @@
           <p:cNvPr id="30" name="文本框 29">
             <a:extLst>
               <a:ext uri="{FF2B5EF4-FFF2-40B4-BE49-F238E27FC236}">
-                <a16:creationId xmlns:a16="http://schemas.microsoft.com/office/drawing/2014/main" xmlns="" id="{274926F2-3D43-409E-820D-A0FA5EE1433E}"/>
+                <a16:creationId xmlns="" xmlns:a16="http://schemas.microsoft.com/office/drawing/2014/main" id="{274926F2-3D43-409E-820D-A0FA5EE1433E}"/>
               </a:ext>
             </a:extLst>
           </p:cNvPr>
@@ -15020,7 +15027,7 @@
           <p:cNvPr id="31" name="文本框 30">
             <a:extLst>
               <a:ext uri="{FF2B5EF4-FFF2-40B4-BE49-F238E27FC236}">
-                <a16:creationId xmlns:a16="http://schemas.microsoft.com/office/drawing/2014/main" xmlns="" id="{310930CC-3490-4139-9EBA-7A9F8699EEE8}"/>
+                <a16:creationId xmlns="" xmlns:a16="http://schemas.microsoft.com/office/drawing/2014/main" id="{310930CC-3490-4139-9EBA-7A9F8699EEE8}"/>
               </a:ext>
             </a:extLst>
           </p:cNvPr>
@@ -15070,6 +15077,13 @@
   <p:transition spd="med">
     <p:push dir="u"/>
   </p:transition>
+  <p:timing>
+    <p:tnLst>
+      <p:par>
+        <p:cTn id="1" dur="indefinite" restart="never" nodeType="tmRoot"/>
+      </p:par>
+    </p:tnLst>
+  </p:timing>
 </p:sld>
 </file>
 
@@ -15812,7 +15826,7 @@
           <p:cNvPr id="14" name="TextBox 46">
             <a:extLst>
               <a:ext uri="{FF2B5EF4-FFF2-40B4-BE49-F238E27FC236}">
-                <a16:creationId xmlns:a16="http://schemas.microsoft.com/office/drawing/2014/main" xmlns="" id="{55883CF2-AF6F-490F-8A55-D365665B6802}"/>
+                <a16:creationId xmlns="" xmlns:a16="http://schemas.microsoft.com/office/drawing/2014/main" id="{55883CF2-AF6F-490F-8A55-D365665B6802}"/>
               </a:ext>
             </a:extLst>
           </p:cNvPr>
@@ -15878,7 +15892,7 @@
           <p:cNvPr id="2" name="文本框 1">
             <a:extLst>
               <a:ext uri="{FF2B5EF4-FFF2-40B4-BE49-F238E27FC236}">
-                <a16:creationId xmlns:a16="http://schemas.microsoft.com/office/drawing/2014/main" xmlns="" id="{95ECA6DA-B419-47EC-A2E9-314358DEDCCE}"/>
+                <a16:creationId xmlns="" xmlns:a16="http://schemas.microsoft.com/office/drawing/2014/main" id="{95ECA6DA-B419-47EC-A2E9-314358DEDCCE}"/>
               </a:ext>
             </a:extLst>
           </p:cNvPr>
@@ -15941,7 +15955,7 @@
           <p:cNvPr id="15" name="图片 14">
             <a:extLst>
               <a:ext uri="{FF2B5EF4-FFF2-40B4-BE49-F238E27FC236}">
-                <a16:creationId xmlns:a16="http://schemas.microsoft.com/office/drawing/2014/main" xmlns="" id="{DB2353C9-B125-4CDA-A10A-8A826EB987AF}"/>
+                <a16:creationId xmlns="" xmlns:a16="http://schemas.microsoft.com/office/drawing/2014/main" id="{DB2353C9-B125-4CDA-A10A-8A826EB987AF}"/>
               </a:ext>
             </a:extLst>
           </p:cNvPr>
@@ -15971,7 +15985,7 @@
           <p:cNvPr id="18" name="文本框 17">
             <a:extLst>
               <a:ext uri="{FF2B5EF4-FFF2-40B4-BE49-F238E27FC236}">
-                <a16:creationId xmlns:a16="http://schemas.microsoft.com/office/drawing/2014/main" xmlns="" id="{505937C2-AF81-4708-A5A0-4DA79AFE57F7}"/>
+                <a16:creationId xmlns="" xmlns:a16="http://schemas.microsoft.com/office/drawing/2014/main" id="{505937C2-AF81-4708-A5A0-4DA79AFE57F7}"/>
               </a:ext>
             </a:extLst>
           </p:cNvPr>
@@ -16013,7 +16027,7 @@
           <p:cNvPr id="19" name="下箭头 33">
             <a:extLst>
               <a:ext uri="{FF2B5EF4-FFF2-40B4-BE49-F238E27FC236}">
-                <a16:creationId xmlns:a16="http://schemas.microsoft.com/office/drawing/2014/main" xmlns="" id="{E36EBEC0-3999-46EA-BF2F-7982E559EFCA}"/>
+                <a16:creationId xmlns="" xmlns:a16="http://schemas.microsoft.com/office/drawing/2014/main" id="{E36EBEC0-3999-46EA-BF2F-7982E559EFCA}"/>
               </a:ext>
             </a:extLst>
           </p:cNvPr>
@@ -16067,7 +16081,7 @@
           <p:cNvPr id="20" name="下箭头 33">
             <a:extLst>
               <a:ext uri="{FF2B5EF4-FFF2-40B4-BE49-F238E27FC236}">
-                <a16:creationId xmlns:a16="http://schemas.microsoft.com/office/drawing/2014/main" xmlns="" id="{A032B688-77E3-4E8D-AA1E-AA28BF4CBE8F}"/>
+                <a16:creationId xmlns="" xmlns:a16="http://schemas.microsoft.com/office/drawing/2014/main" id="{A032B688-77E3-4E8D-AA1E-AA28BF4CBE8F}"/>
               </a:ext>
             </a:extLst>
           </p:cNvPr>
@@ -16121,7 +16135,7 @@
           <p:cNvPr id="22" name="矩形 21">
             <a:extLst>
               <a:ext uri="{FF2B5EF4-FFF2-40B4-BE49-F238E27FC236}">
-                <a16:creationId xmlns:a16="http://schemas.microsoft.com/office/drawing/2014/main" xmlns="" id="{5CC3C712-78FC-42AB-9483-273DB1B5C976}"/>
+                <a16:creationId xmlns="" xmlns:a16="http://schemas.microsoft.com/office/drawing/2014/main" id="{5CC3C712-78FC-42AB-9483-273DB1B5C976}"/>
               </a:ext>
             </a:extLst>
           </p:cNvPr>
@@ -16217,7 +16231,7 @@
           <p:cNvPr id="23" name="图片 22">
             <a:extLst>
               <a:ext uri="{FF2B5EF4-FFF2-40B4-BE49-F238E27FC236}">
-                <a16:creationId xmlns:a16="http://schemas.microsoft.com/office/drawing/2014/main" xmlns="" id="{708BBB37-0F81-4419-8A27-031133068451}"/>
+                <a16:creationId xmlns="" xmlns:a16="http://schemas.microsoft.com/office/drawing/2014/main" id="{708BBB37-0F81-4419-8A27-031133068451}"/>
               </a:ext>
             </a:extLst>
           </p:cNvPr>
@@ -16255,6 +16269,13 @@
   <p:transition spd="med">
     <p:push dir="u"/>
   </p:transition>
+  <p:timing>
+    <p:tnLst>
+      <p:par>
+        <p:cTn id="1" dur="indefinite" restart="never" nodeType="tmRoot"/>
+      </p:par>
+    </p:tnLst>
+  </p:timing>
 </p:sld>
 </file>
 
@@ -17522,6 +17543,13 @@
   <p:transition spd="med">
     <p:push dir="u"/>
   </p:transition>
+  <p:timing>
+    <p:tnLst>
+      <p:par>
+        <p:cTn id="1" dur="indefinite" restart="never" nodeType="tmRoot"/>
+      </p:par>
+    </p:tnLst>
+  </p:timing>
 </p:sld>
 </file>
 
@@ -18878,7 +18906,7 @@
           <p:cNvPr id="29" name="文本框 28">
             <a:extLst>
               <a:ext uri="{FF2B5EF4-FFF2-40B4-BE49-F238E27FC236}">
-                <a16:creationId xmlns:a16="http://schemas.microsoft.com/office/drawing/2014/main" xmlns="" id="{AD20217F-3D79-48B1-9E12-0CF7277C6B9A}"/>
+                <a16:creationId xmlns="" xmlns:a16="http://schemas.microsoft.com/office/drawing/2014/main" id="{AD20217F-3D79-48B1-9E12-0CF7277C6B9A}"/>
               </a:ext>
             </a:extLst>
           </p:cNvPr>
@@ -18928,6 +18956,13 @@
   <p:transition spd="med">
     <p:push dir="u"/>
   </p:transition>
+  <p:timing>
+    <p:tnLst>
+      <p:par>
+        <p:cTn id="1" dur="indefinite" restart="never" nodeType="tmRoot"/>
+      </p:par>
+    </p:tnLst>
+  </p:timing>
 </p:sld>
 </file>
 
@@ -20182,7 +20217,7 @@
           <p:cNvPr id="16" name="TextBox 15">
             <a:extLst>
               <a:ext uri="{FF2B5EF4-FFF2-40B4-BE49-F238E27FC236}">
-                <a16:creationId xmlns:a16="http://schemas.microsoft.com/office/drawing/2014/main" xmlns="" id="{6DF13735-4081-4307-8A75-E9E41F37B168}"/>
+                <a16:creationId xmlns="" xmlns:a16="http://schemas.microsoft.com/office/drawing/2014/main" id="{6DF13735-4081-4307-8A75-E9E41F37B168}"/>
               </a:ext>
             </a:extLst>
           </p:cNvPr>
@@ -20271,6 +20306,13 @@
   <p:transition spd="med">
     <p:push dir="u"/>
   </p:transition>
+  <p:timing>
+    <p:tnLst>
+      <p:par>
+        <p:cTn id="1" dur="indefinite" restart="never" nodeType="tmRoot"/>
+      </p:par>
+    </p:tnLst>
+  </p:timing>
 </p:sld>
 </file>
 
@@ -20951,7 +20993,7 @@
           <p:cNvPr id="2" name="表格 1">
             <a:extLst>
               <a:ext uri="{FF2B5EF4-FFF2-40B4-BE49-F238E27FC236}">
-                <a16:creationId xmlns:a16="http://schemas.microsoft.com/office/drawing/2014/main" xmlns="" id="{529F8A63-27D1-4E30-AF80-F1B9DDB2EBCB}"/>
+                <a16:creationId xmlns="" xmlns:a16="http://schemas.microsoft.com/office/drawing/2014/main" id="{529F8A63-27D1-4E30-AF80-F1B9DDB2EBCB}"/>
               </a:ext>
             </a:extLst>
           </p:cNvPr>
@@ -20980,28 +21022,28 @@
                 <a:gridCol w="1555373">
                   <a:extLst>
                     <a:ext uri="{9D8B030D-6E8A-4147-A177-3AD203B41FA5}">
-                      <a16:colId xmlns:a16="http://schemas.microsoft.com/office/drawing/2014/main" xmlns="" val="3046491277"/>
+                      <a16:colId xmlns="" xmlns:a16="http://schemas.microsoft.com/office/drawing/2014/main" val="3046491277"/>
                     </a:ext>
                   </a:extLst>
                 </a:gridCol>
                 <a:gridCol w="1555373">
                   <a:extLst>
                     <a:ext uri="{9D8B030D-6E8A-4147-A177-3AD203B41FA5}">
-                      <a16:colId xmlns:a16="http://schemas.microsoft.com/office/drawing/2014/main" xmlns="" val="3181357374"/>
+                      <a16:colId xmlns="" xmlns:a16="http://schemas.microsoft.com/office/drawing/2014/main" val="3181357374"/>
                     </a:ext>
                   </a:extLst>
                 </a:gridCol>
                 <a:gridCol w="1555373">
                   <a:extLst>
                     <a:ext uri="{9D8B030D-6E8A-4147-A177-3AD203B41FA5}">
-                      <a16:colId xmlns:a16="http://schemas.microsoft.com/office/drawing/2014/main" xmlns="" val="323473221"/>
+                      <a16:colId xmlns="" xmlns:a16="http://schemas.microsoft.com/office/drawing/2014/main" val="323473221"/>
                     </a:ext>
                   </a:extLst>
                 </a:gridCol>
                 <a:gridCol w="1555373">
                   <a:extLst>
                     <a:ext uri="{9D8B030D-6E8A-4147-A177-3AD203B41FA5}">
-                      <a16:colId xmlns:a16="http://schemas.microsoft.com/office/drawing/2014/main" xmlns="" val="1764454887"/>
+                      <a16:colId xmlns="" xmlns:a16="http://schemas.microsoft.com/office/drawing/2014/main" val="1764454887"/>
                     </a:ext>
                   </a:extLst>
                 </a:gridCol>
@@ -21103,7 +21145,7 @@
                 </a:tc>
                 <a:extLst>
                   <a:ext uri="{0D108BD9-81ED-4DB2-BD59-A6C34878D82A}">
-                    <a16:rowId xmlns:a16="http://schemas.microsoft.com/office/drawing/2014/main" xmlns="" val="3264120260"/>
+                    <a16:rowId xmlns="" xmlns:a16="http://schemas.microsoft.com/office/drawing/2014/main" val="3264120260"/>
                   </a:ext>
                 </a:extLst>
               </a:tr>
@@ -21185,7 +21227,7 @@
                 </a:tc>
                 <a:extLst>
                   <a:ext uri="{0D108BD9-81ED-4DB2-BD59-A6C34878D82A}">
-                    <a16:rowId xmlns:a16="http://schemas.microsoft.com/office/drawing/2014/main" xmlns="" val="693590304"/>
+                    <a16:rowId xmlns="" xmlns:a16="http://schemas.microsoft.com/office/drawing/2014/main" val="693590304"/>
                   </a:ext>
                 </a:extLst>
               </a:tr>
@@ -21267,7 +21309,7 @@
                 </a:tc>
                 <a:extLst>
                   <a:ext uri="{0D108BD9-81ED-4DB2-BD59-A6C34878D82A}">
-                    <a16:rowId xmlns:a16="http://schemas.microsoft.com/office/drawing/2014/main" xmlns="" val="4082461953"/>
+                    <a16:rowId xmlns="" xmlns:a16="http://schemas.microsoft.com/office/drawing/2014/main" val="4082461953"/>
                   </a:ext>
                 </a:extLst>
               </a:tr>
@@ -21349,7 +21391,7 @@
                 </a:tc>
                 <a:extLst>
                   <a:ext uri="{0D108BD9-81ED-4DB2-BD59-A6C34878D82A}">
-                    <a16:rowId xmlns:a16="http://schemas.microsoft.com/office/drawing/2014/main" xmlns="" val="436428789"/>
+                    <a16:rowId xmlns="" xmlns:a16="http://schemas.microsoft.com/office/drawing/2014/main" val="436428789"/>
                   </a:ext>
                 </a:extLst>
               </a:tr>
@@ -21465,7 +21507,7 @@
                 </a:tc>
                 <a:extLst>
                   <a:ext uri="{0D108BD9-81ED-4DB2-BD59-A6C34878D82A}">
-                    <a16:rowId xmlns:a16="http://schemas.microsoft.com/office/drawing/2014/main" xmlns="" val="3443909576"/>
+                    <a16:rowId xmlns="" xmlns:a16="http://schemas.microsoft.com/office/drawing/2014/main" val="3443909576"/>
                   </a:ext>
                 </a:extLst>
               </a:tr>
@@ -21478,7 +21520,7 @@
           <p:cNvPr id="43" name="文本框 42">
             <a:extLst>
               <a:ext uri="{FF2B5EF4-FFF2-40B4-BE49-F238E27FC236}">
-                <a16:creationId xmlns:a16="http://schemas.microsoft.com/office/drawing/2014/main" xmlns="" id="{1E32A157-9103-4EE9-83CC-106ECEEB4640}"/>
+                <a16:creationId xmlns="" xmlns:a16="http://schemas.microsoft.com/office/drawing/2014/main" id="{1E32A157-9103-4EE9-83CC-106ECEEB4640}"/>
               </a:ext>
             </a:extLst>
           </p:cNvPr>
@@ -21520,7 +21562,7 @@
           <p:cNvPr id="45" name="文本框 44">
             <a:extLst>
               <a:ext uri="{FF2B5EF4-FFF2-40B4-BE49-F238E27FC236}">
-                <a16:creationId xmlns:a16="http://schemas.microsoft.com/office/drawing/2014/main" xmlns="" id="{01139506-E134-4BC1-AAEE-241BD364136D}"/>
+                <a16:creationId xmlns="" xmlns:a16="http://schemas.microsoft.com/office/drawing/2014/main" id="{01139506-E134-4BC1-AAEE-241BD364136D}"/>
               </a:ext>
             </a:extLst>
           </p:cNvPr>
@@ -21562,7 +21604,7 @@
           <p:cNvPr id="14" name="图片 13">
             <a:extLst>
               <a:ext uri="{FF2B5EF4-FFF2-40B4-BE49-F238E27FC236}">
-                <a16:creationId xmlns:a16="http://schemas.microsoft.com/office/drawing/2014/main" xmlns="" id="{3CA7271E-F7A3-4190-BBC9-215E5C26F1D2}"/>
+                <a16:creationId xmlns="" xmlns:a16="http://schemas.microsoft.com/office/drawing/2014/main" id="{3CA7271E-F7A3-4190-BBC9-215E5C26F1D2}"/>
               </a:ext>
             </a:extLst>
           </p:cNvPr>
@@ -21600,6 +21642,13 @@
   <p:transition spd="med">
     <p:push dir="u"/>
   </p:transition>
+  <p:timing>
+    <p:tnLst>
+      <p:par>
+        <p:cTn id="1" dur="indefinite" restart="never" nodeType="tmRoot"/>
+      </p:par>
+    </p:tnLst>
+  </p:timing>
 </p:sld>
 </file>
 
@@ -22280,7 +22329,7 @@
           <p:cNvPr id="33" name="图片 32">
             <a:extLst>
               <a:ext uri="{FF2B5EF4-FFF2-40B4-BE49-F238E27FC236}">
-                <a16:creationId xmlns:a16="http://schemas.microsoft.com/office/drawing/2014/main" xmlns="" id="{9C6813BB-5555-405D-9450-66AB68F4E3E0}"/>
+                <a16:creationId xmlns="" xmlns:a16="http://schemas.microsoft.com/office/drawing/2014/main" id="{9C6813BB-5555-405D-9450-66AB68F4E3E0}"/>
               </a:ext>
             </a:extLst>
           </p:cNvPr>
@@ -22314,7 +22363,7 @@
           <p:cNvPr id="34" name="文本框 33">
             <a:extLst>
               <a:ext uri="{FF2B5EF4-FFF2-40B4-BE49-F238E27FC236}">
-                <a16:creationId xmlns:a16="http://schemas.microsoft.com/office/drawing/2014/main" xmlns="" id="{2B061277-8924-45C2-ABEA-18B51F81A5B0}"/>
+                <a16:creationId xmlns="" xmlns:a16="http://schemas.microsoft.com/office/drawing/2014/main" id="{2B061277-8924-45C2-ABEA-18B51F81A5B0}"/>
               </a:ext>
             </a:extLst>
           </p:cNvPr>
@@ -22370,7 +22419,7 @@
           <p:cNvPr id="19" name="图片 18">
             <a:extLst>
               <a:ext uri="{FF2B5EF4-FFF2-40B4-BE49-F238E27FC236}">
-                <a16:creationId xmlns:a16="http://schemas.microsoft.com/office/drawing/2014/main" xmlns="" id="{CE86F1B3-AD1E-4F6E-81DA-82FB81E6B79D}"/>
+                <a16:creationId xmlns="" xmlns:a16="http://schemas.microsoft.com/office/drawing/2014/main" id="{CE86F1B3-AD1E-4F6E-81DA-82FB81E6B79D}"/>
               </a:ext>
             </a:extLst>
           </p:cNvPr>
@@ -22404,7 +22453,7 @@
           <p:cNvPr id="20" name="文本框 19">
             <a:extLst>
               <a:ext uri="{FF2B5EF4-FFF2-40B4-BE49-F238E27FC236}">
-                <a16:creationId xmlns:a16="http://schemas.microsoft.com/office/drawing/2014/main" xmlns="" id="{1BEED469-1CF8-4109-B300-64C04DB3CEEC}"/>
+                <a16:creationId xmlns="" xmlns:a16="http://schemas.microsoft.com/office/drawing/2014/main" id="{1BEED469-1CF8-4109-B300-64C04DB3CEEC}"/>
               </a:ext>
             </a:extLst>
           </p:cNvPr>
@@ -22460,7 +22509,7 @@
           <p:cNvPr id="24" name="组合 23">
             <a:extLst>
               <a:ext uri="{FF2B5EF4-FFF2-40B4-BE49-F238E27FC236}">
-                <a16:creationId xmlns:a16="http://schemas.microsoft.com/office/drawing/2014/main" xmlns="" id="{2C52F46E-A416-430E-9976-C033F5A0E3D8}"/>
+                <a16:creationId xmlns="" xmlns:a16="http://schemas.microsoft.com/office/drawing/2014/main" id="{2C52F46E-A416-430E-9976-C033F5A0E3D8}"/>
               </a:ext>
             </a:extLst>
           </p:cNvPr>
@@ -22480,7 +22529,7 @@
             <p:cNvPr id="2" name="矩形 1">
               <a:extLst>
                 <a:ext uri="{FF2B5EF4-FFF2-40B4-BE49-F238E27FC236}">
-                  <a16:creationId xmlns:a16="http://schemas.microsoft.com/office/drawing/2014/main" xmlns="" id="{4AD83D79-2F49-4998-A677-A70E36EF1315}"/>
+                  <a16:creationId xmlns="" xmlns:a16="http://schemas.microsoft.com/office/drawing/2014/main" id="{4AD83D79-2F49-4998-A677-A70E36EF1315}"/>
                 </a:ext>
               </a:extLst>
             </p:cNvPr>
@@ -22532,7 +22581,7 @@
             <p:cNvPr id="18" name="矩形 17">
               <a:extLst>
                 <a:ext uri="{FF2B5EF4-FFF2-40B4-BE49-F238E27FC236}">
-                  <a16:creationId xmlns:a16="http://schemas.microsoft.com/office/drawing/2014/main" xmlns="" id="{63CFB48C-33DF-4D3B-B065-1B31E2DB25C2}"/>
+                  <a16:creationId xmlns="" xmlns:a16="http://schemas.microsoft.com/office/drawing/2014/main" id="{63CFB48C-33DF-4D3B-B065-1B31E2DB25C2}"/>
                 </a:ext>
               </a:extLst>
             </p:cNvPr>
@@ -22584,7 +22633,7 @@
             <p:cNvPr id="12" name="直接箭头连接符 11">
               <a:extLst>
                 <a:ext uri="{FF2B5EF4-FFF2-40B4-BE49-F238E27FC236}">
-                  <a16:creationId xmlns:a16="http://schemas.microsoft.com/office/drawing/2014/main" xmlns="" id="{E1937D5A-17C6-4F21-BC1A-FFCC1762F3C6}"/>
+                  <a16:creationId xmlns="" xmlns:a16="http://schemas.microsoft.com/office/drawing/2014/main" id="{E1937D5A-17C6-4F21-BC1A-FFCC1762F3C6}"/>
                 </a:ext>
               </a:extLst>
             </p:cNvPr>
@@ -22628,7 +22677,7 @@
             <p:cNvPr id="23" name="直接箭头连接符 22">
               <a:extLst>
                 <a:ext uri="{FF2B5EF4-FFF2-40B4-BE49-F238E27FC236}">
-                  <a16:creationId xmlns:a16="http://schemas.microsoft.com/office/drawing/2014/main" xmlns="" id="{7EA1ED8F-9FD8-4F48-B7C5-455D94C2D077}"/>
+                  <a16:creationId xmlns="" xmlns:a16="http://schemas.microsoft.com/office/drawing/2014/main" id="{7EA1ED8F-9FD8-4F48-B7C5-455D94C2D077}"/>
                 </a:ext>
               </a:extLst>
             </p:cNvPr>
@@ -22672,7 +22721,7 @@
             <p:cNvPr id="22" name="文本框 21">
               <a:extLst>
                 <a:ext uri="{FF2B5EF4-FFF2-40B4-BE49-F238E27FC236}">
-                  <a16:creationId xmlns:a16="http://schemas.microsoft.com/office/drawing/2014/main" xmlns="" id="{829DFA88-1E87-4E9E-84ED-6A07111FAA66}"/>
+                  <a16:creationId xmlns="" xmlns:a16="http://schemas.microsoft.com/office/drawing/2014/main" id="{829DFA88-1E87-4E9E-84ED-6A07111FAA66}"/>
                 </a:ext>
               </a:extLst>
             </p:cNvPr>
@@ -23558,7 +23607,7 @@
           <p:cNvPr id="19" name="文本框 18">
             <a:extLst>
               <a:ext uri="{FF2B5EF4-FFF2-40B4-BE49-F238E27FC236}">
-                <a16:creationId xmlns:a16="http://schemas.microsoft.com/office/drawing/2014/main" xmlns="" id="{0D82BFAC-BB4C-4ECD-868F-B60624128845}"/>
+                <a16:creationId xmlns="" xmlns:a16="http://schemas.microsoft.com/office/drawing/2014/main" id="{0D82BFAC-BB4C-4ECD-868F-B60624128845}"/>
               </a:ext>
             </a:extLst>
           </p:cNvPr>
@@ -23642,7 +23691,7 @@
           <p:cNvPr id="2" name="图片 1">
             <a:extLst>
               <a:ext uri="{FF2B5EF4-FFF2-40B4-BE49-F238E27FC236}">
-                <a16:creationId xmlns:a16="http://schemas.microsoft.com/office/drawing/2014/main" xmlns="" id="{959A4850-EFCF-41B8-A815-F9923883D9E4}"/>
+                <a16:creationId xmlns="" xmlns:a16="http://schemas.microsoft.com/office/drawing/2014/main" id="{959A4850-EFCF-41B8-A815-F9923883D9E4}"/>
               </a:ext>
             </a:extLst>
           </p:cNvPr>
@@ -23672,7 +23721,7 @@
           <p:cNvPr id="23" name="组合 22">
             <a:extLst>
               <a:ext uri="{FF2B5EF4-FFF2-40B4-BE49-F238E27FC236}">
-                <a16:creationId xmlns:a16="http://schemas.microsoft.com/office/drawing/2014/main" xmlns="" id="{933D935F-1A3F-4F3F-9E59-E7213E28A96F}"/>
+                <a16:creationId xmlns="" xmlns:a16="http://schemas.microsoft.com/office/drawing/2014/main" id="{933D935F-1A3F-4F3F-9E59-E7213E28A96F}"/>
               </a:ext>
             </a:extLst>
           </p:cNvPr>
@@ -23692,7 +23741,7 @@
             <p:cNvPr id="24" name="矩形 23">
               <a:extLst>
                 <a:ext uri="{FF2B5EF4-FFF2-40B4-BE49-F238E27FC236}">
-                  <a16:creationId xmlns:a16="http://schemas.microsoft.com/office/drawing/2014/main" xmlns="" id="{19AE8A0D-6F33-4098-B7FB-423FE428AC2B}"/>
+                  <a16:creationId xmlns="" xmlns:a16="http://schemas.microsoft.com/office/drawing/2014/main" id="{19AE8A0D-6F33-4098-B7FB-423FE428AC2B}"/>
                 </a:ext>
               </a:extLst>
             </p:cNvPr>
@@ -23744,7 +23793,7 @@
             <p:cNvPr id="25" name="矩形 24">
               <a:extLst>
                 <a:ext uri="{FF2B5EF4-FFF2-40B4-BE49-F238E27FC236}">
-                  <a16:creationId xmlns:a16="http://schemas.microsoft.com/office/drawing/2014/main" xmlns="" id="{E4D7CBD3-3653-44FD-98E8-163D05715E48}"/>
+                  <a16:creationId xmlns="" xmlns:a16="http://schemas.microsoft.com/office/drawing/2014/main" id="{E4D7CBD3-3653-44FD-98E8-163D05715E48}"/>
                 </a:ext>
               </a:extLst>
             </p:cNvPr>
@@ -23796,7 +23845,7 @@
             <p:cNvPr id="26" name="直接箭头连接符 25">
               <a:extLst>
                 <a:ext uri="{FF2B5EF4-FFF2-40B4-BE49-F238E27FC236}">
-                  <a16:creationId xmlns:a16="http://schemas.microsoft.com/office/drawing/2014/main" xmlns="" id="{50ADEF3F-732C-4155-8B68-E842DACAD936}"/>
+                  <a16:creationId xmlns="" xmlns:a16="http://schemas.microsoft.com/office/drawing/2014/main" id="{50ADEF3F-732C-4155-8B68-E842DACAD936}"/>
                 </a:ext>
               </a:extLst>
             </p:cNvPr>
@@ -23840,7 +23889,7 @@
             <p:cNvPr id="31" name="直接箭头连接符 30">
               <a:extLst>
                 <a:ext uri="{FF2B5EF4-FFF2-40B4-BE49-F238E27FC236}">
-                  <a16:creationId xmlns:a16="http://schemas.microsoft.com/office/drawing/2014/main" xmlns="" id="{8F81283D-628E-4BF4-9FD9-B9EEF1876533}"/>
+                  <a16:creationId xmlns="" xmlns:a16="http://schemas.microsoft.com/office/drawing/2014/main" id="{8F81283D-628E-4BF4-9FD9-B9EEF1876533}"/>
                 </a:ext>
               </a:extLst>
             </p:cNvPr>
@@ -23884,7 +23933,7 @@
             <p:cNvPr id="32" name="文本框 31">
               <a:extLst>
                 <a:ext uri="{FF2B5EF4-FFF2-40B4-BE49-F238E27FC236}">
-                  <a16:creationId xmlns:a16="http://schemas.microsoft.com/office/drawing/2014/main" xmlns="" id="{23B9A179-5FBD-45E8-B7ED-DBC62BB88909}"/>
+                  <a16:creationId xmlns="" xmlns:a16="http://schemas.microsoft.com/office/drawing/2014/main" id="{23B9A179-5FBD-45E8-B7ED-DBC62BB88909}"/>
                 </a:ext>
               </a:extLst>
             </p:cNvPr>
@@ -23933,7 +23982,7 @@
           <p:cNvPr id="14" name="图片 13">
             <a:extLst>
               <a:ext uri="{FF2B5EF4-FFF2-40B4-BE49-F238E27FC236}">
-                <a16:creationId xmlns:a16="http://schemas.microsoft.com/office/drawing/2014/main" xmlns="" id="{1FCC50BB-8086-4CCC-8F66-539C3F883EBD}"/>
+                <a16:creationId xmlns="" xmlns:a16="http://schemas.microsoft.com/office/drawing/2014/main" id="{1FCC50BB-8086-4CCC-8F66-539C3F883EBD}"/>
               </a:ext>
             </a:extLst>
           </p:cNvPr>
@@ -24780,7 +24829,7 @@
           <p:cNvPr id="19" name="文本框 18">
             <a:extLst>
               <a:ext uri="{FF2B5EF4-FFF2-40B4-BE49-F238E27FC236}">
-                <a16:creationId xmlns:a16="http://schemas.microsoft.com/office/drawing/2014/main" xmlns="" id="{0D82BFAC-BB4C-4ECD-868F-B60624128845}"/>
+                <a16:creationId xmlns="" xmlns:a16="http://schemas.microsoft.com/office/drawing/2014/main" id="{0D82BFAC-BB4C-4ECD-868F-B60624128845}"/>
               </a:ext>
             </a:extLst>
           </p:cNvPr>
@@ -24864,7 +24913,7 @@
           <p:cNvPr id="15" name="图片 14">
             <a:extLst>
               <a:ext uri="{FF2B5EF4-FFF2-40B4-BE49-F238E27FC236}">
-                <a16:creationId xmlns:a16="http://schemas.microsoft.com/office/drawing/2014/main" xmlns="" id="{F1F216F5-99D0-4323-BC1C-9D445E7FF4BE}"/>
+                <a16:creationId xmlns="" xmlns:a16="http://schemas.microsoft.com/office/drawing/2014/main" id="{F1F216F5-99D0-4323-BC1C-9D445E7FF4BE}"/>
               </a:ext>
             </a:extLst>
           </p:cNvPr>
@@ -24894,7 +24943,7 @@
           <p:cNvPr id="20" name="组合 19">
             <a:extLst>
               <a:ext uri="{FF2B5EF4-FFF2-40B4-BE49-F238E27FC236}">
-                <a16:creationId xmlns:a16="http://schemas.microsoft.com/office/drawing/2014/main" xmlns="" id="{8C620BFB-62AA-4A25-B7F5-D24E714BE021}"/>
+                <a16:creationId xmlns="" xmlns:a16="http://schemas.microsoft.com/office/drawing/2014/main" id="{8C620BFB-62AA-4A25-B7F5-D24E714BE021}"/>
               </a:ext>
             </a:extLst>
           </p:cNvPr>
@@ -24914,7 +24963,7 @@
             <p:cNvPr id="17" name="矩形 16">
               <a:extLst>
                 <a:ext uri="{FF2B5EF4-FFF2-40B4-BE49-F238E27FC236}">
-                  <a16:creationId xmlns:a16="http://schemas.microsoft.com/office/drawing/2014/main" xmlns="" id="{6417E2AB-A47C-4FA0-83E6-9B6DDFA50FCE}"/>
+                  <a16:creationId xmlns="" xmlns:a16="http://schemas.microsoft.com/office/drawing/2014/main" id="{6417E2AB-A47C-4FA0-83E6-9B6DDFA50FCE}"/>
                 </a:ext>
               </a:extLst>
             </p:cNvPr>
@@ -24966,7 +25015,7 @@
             <p:cNvPr id="27" name="矩形 26">
               <a:extLst>
                 <a:ext uri="{FF2B5EF4-FFF2-40B4-BE49-F238E27FC236}">
-                  <a16:creationId xmlns:a16="http://schemas.microsoft.com/office/drawing/2014/main" xmlns="" id="{5A56DA1A-9750-4FE4-A853-413CED60EEF2}"/>
+                  <a16:creationId xmlns="" xmlns:a16="http://schemas.microsoft.com/office/drawing/2014/main" id="{5A56DA1A-9750-4FE4-A853-413CED60EEF2}"/>
                 </a:ext>
               </a:extLst>
             </p:cNvPr>
@@ -25018,7 +25067,7 @@
             <p:cNvPr id="28" name="直接箭头连接符 27">
               <a:extLst>
                 <a:ext uri="{FF2B5EF4-FFF2-40B4-BE49-F238E27FC236}">
-                  <a16:creationId xmlns:a16="http://schemas.microsoft.com/office/drawing/2014/main" xmlns="" id="{A6240AF8-4D90-40AF-9E25-7C95B13B7F38}"/>
+                  <a16:creationId xmlns="" xmlns:a16="http://schemas.microsoft.com/office/drawing/2014/main" id="{A6240AF8-4D90-40AF-9E25-7C95B13B7F38}"/>
                 </a:ext>
               </a:extLst>
             </p:cNvPr>
@@ -25062,7 +25111,7 @@
             <p:cNvPr id="29" name="直接箭头连接符 28">
               <a:extLst>
                 <a:ext uri="{FF2B5EF4-FFF2-40B4-BE49-F238E27FC236}">
-                  <a16:creationId xmlns:a16="http://schemas.microsoft.com/office/drawing/2014/main" xmlns="" id="{C35E8E2E-5827-49BA-9815-81C4B1C1BFA8}"/>
+                  <a16:creationId xmlns="" xmlns:a16="http://schemas.microsoft.com/office/drawing/2014/main" id="{C35E8E2E-5827-49BA-9815-81C4B1C1BFA8}"/>
                 </a:ext>
               </a:extLst>
             </p:cNvPr>
@@ -25106,7 +25155,7 @@
             <p:cNvPr id="30" name="文本框 29">
               <a:extLst>
                 <a:ext uri="{FF2B5EF4-FFF2-40B4-BE49-F238E27FC236}">
-                  <a16:creationId xmlns:a16="http://schemas.microsoft.com/office/drawing/2014/main" xmlns="" id="{4FC5A471-AA48-45EC-80F1-78251BDFAB66}"/>
+                  <a16:creationId xmlns="" xmlns:a16="http://schemas.microsoft.com/office/drawing/2014/main" id="{4FC5A471-AA48-45EC-80F1-78251BDFAB66}"/>
                 </a:ext>
               </a:extLst>
             </p:cNvPr>
@@ -28681,7 +28730,7 @@
           <p:cNvPr id="18" name="图片 17">
             <a:extLst>
               <a:ext uri="{FF2B5EF4-FFF2-40B4-BE49-F238E27FC236}">
-                <a16:creationId xmlns:a16="http://schemas.microsoft.com/office/drawing/2014/main" xmlns="" id="{C73F9C32-7C93-416C-BFD7-5485EDC64959}"/>
+                <a16:creationId xmlns="" xmlns:a16="http://schemas.microsoft.com/office/drawing/2014/main" id="{C73F9C32-7C93-416C-BFD7-5485EDC64959}"/>
               </a:ext>
             </a:extLst>
           </p:cNvPr>
@@ -28711,7 +28760,7 @@
           <p:cNvPr id="19" name="文本框 18">
             <a:extLst>
               <a:ext uri="{FF2B5EF4-FFF2-40B4-BE49-F238E27FC236}">
-                <a16:creationId xmlns:a16="http://schemas.microsoft.com/office/drawing/2014/main" xmlns="" id="{0D82BFAC-BB4C-4ECD-868F-B60624128845}"/>
+                <a16:creationId xmlns="" xmlns:a16="http://schemas.microsoft.com/office/drawing/2014/main" id="{0D82BFAC-BB4C-4ECD-868F-B60624128845}"/>
               </a:ext>
             </a:extLst>
           </p:cNvPr>
@@ -28788,7 +28837,7 @@
           <p:cNvPr id="26" name="组合 25">
             <a:extLst>
               <a:ext uri="{FF2B5EF4-FFF2-40B4-BE49-F238E27FC236}">
-                <a16:creationId xmlns:a16="http://schemas.microsoft.com/office/drawing/2014/main" xmlns="" id="{91614314-30B0-47DD-8B99-D0489868A781}"/>
+                <a16:creationId xmlns="" xmlns:a16="http://schemas.microsoft.com/office/drawing/2014/main" id="{91614314-30B0-47DD-8B99-D0489868A781}"/>
               </a:ext>
             </a:extLst>
           </p:cNvPr>
@@ -28808,7 +28857,7 @@
             <p:cNvPr id="2" name="矩形 1">
               <a:extLst>
                 <a:ext uri="{FF2B5EF4-FFF2-40B4-BE49-F238E27FC236}">
-                  <a16:creationId xmlns:a16="http://schemas.microsoft.com/office/drawing/2014/main" xmlns="" id="{8E0DA11D-3BE9-489A-9CDD-1ACB602FC393}"/>
+                  <a16:creationId xmlns="" xmlns:a16="http://schemas.microsoft.com/office/drawing/2014/main" id="{8E0DA11D-3BE9-489A-9CDD-1ACB602FC393}"/>
                 </a:ext>
               </a:extLst>
             </p:cNvPr>
@@ -28860,7 +28909,7 @@
             <p:cNvPr id="21" name="矩形 20">
               <a:extLst>
                 <a:ext uri="{FF2B5EF4-FFF2-40B4-BE49-F238E27FC236}">
-                  <a16:creationId xmlns:a16="http://schemas.microsoft.com/office/drawing/2014/main" xmlns="" id="{40747C36-DD7F-48C8-9819-511282630C51}"/>
+                  <a16:creationId xmlns="" xmlns:a16="http://schemas.microsoft.com/office/drawing/2014/main" id="{40747C36-DD7F-48C8-9819-511282630C51}"/>
                 </a:ext>
               </a:extLst>
             </p:cNvPr>
@@ -28912,7 +28961,7 @@
             <p:cNvPr id="14" name="直接箭头连接符 13">
               <a:extLst>
                 <a:ext uri="{FF2B5EF4-FFF2-40B4-BE49-F238E27FC236}">
-                  <a16:creationId xmlns:a16="http://schemas.microsoft.com/office/drawing/2014/main" xmlns="" id="{F4B10F6E-96A1-4954-992B-933026FB7C4A}"/>
+                  <a16:creationId xmlns="" xmlns:a16="http://schemas.microsoft.com/office/drawing/2014/main" id="{F4B10F6E-96A1-4954-992B-933026FB7C4A}"/>
                 </a:ext>
               </a:extLst>
             </p:cNvPr>
@@ -28956,7 +29005,7 @@
             <p:cNvPr id="25" name="直接箭头连接符 24">
               <a:extLst>
                 <a:ext uri="{FF2B5EF4-FFF2-40B4-BE49-F238E27FC236}">
-                  <a16:creationId xmlns:a16="http://schemas.microsoft.com/office/drawing/2014/main" xmlns="" id="{8441FEE0-13A3-4506-A2DE-B1838BFC00AD}"/>
+                  <a16:creationId xmlns="" xmlns:a16="http://schemas.microsoft.com/office/drawing/2014/main" id="{8441FEE0-13A3-4506-A2DE-B1838BFC00AD}"/>
                 </a:ext>
               </a:extLst>
             </p:cNvPr>
@@ -29000,7 +29049,7 @@
             <p:cNvPr id="24" name="文本框 23">
               <a:extLst>
                 <a:ext uri="{FF2B5EF4-FFF2-40B4-BE49-F238E27FC236}">
-                  <a16:creationId xmlns:a16="http://schemas.microsoft.com/office/drawing/2014/main" xmlns="" id="{97C07B51-A4CF-4C7A-9336-24C37804B626}"/>
+                  <a16:creationId xmlns="" xmlns:a16="http://schemas.microsoft.com/office/drawing/2014/main" id="{97C07B51-A4CF-4C7A-9336-24C37804B626}"/>
                 </a:ext>
               </a:extLst>
             </p:cNvPr>
@@ -29943,6 +29992,13 @@
   <p:transition spd="med">
     <p:push dir="u"/>
   </p:transition>
+  <p:timing>
+    <p:tnLst>
+      <p:par>
+        <p:cTn id="1" dur="indefinite" restart="never" nodeType="tmRoot"/>
+      </p:par>
+    </p:tnLst>
+  </p:timing>
 </p:sld>
 </file>
 
@@ -30649,7 +30705,7 @@
           <p:cNvPr id="2" name="组合 1">
             <a:extLst>
               <a:ext uri="{FF2B5EF4-FFF2-40B4-BE49-F238E27FC236}">
-                <a16:creationId xmlns:a16="http://schemas.microsoft.com/office/drawing/2014/main" xmlns="" id="{64CBD4F7-1657-4E1B-8B15-F33986A04978}"/>
+                <a16:creationId xmlns="" xmlns:a16="http://schemas.microsoft.com/office/drawing/2014/main" id="{64CBD4F7-1657-4E1B-8B15-F33986A04978}"/>
               </a:ext>
             </a:extLst>
           </p:cNvPr>
@@ -31045,7 +31101,7 @@
           <p:cNvPr id="9" name="文本框 8">
             <a:extLst>
               <a:ext uri="{FF2B5EF4-FFF2-40B4-BE49-F238E27FC236}">
-                <a16:creationId xmlns:a16="http://schemas.microsoft.com/office/drawing/2014/main" xmlns="" id="{B5FAEB35-1AB6-458B-910A-804A18C27754}"/>
+                <a16:creationId xmlns="" xmlns:a16="http://schemas.microsoft.com/office/drawing/2014/main" id="{B5FAEB35-1AB6-458B-910A-804A18C27754}"/>
               </a:ext>
             </a:extLst>
           </p:cNvPr>
@@ -31087,7 +31143,7 @@
           <p:cNvPr id="14" name="文本框 13">
             <a:extLst>
               <a:ext uri="{FF2B5EF4-FFF2-40B4-BE49-F238E27FC236}">
-                <a16:creationId xmlns:a16="http://schemas.microsoft.com/office/drawing/2014/main" xmlns="" id="{00C2AEDF-DACA-4E39-BADB-6030CB900A5A}"/>
+                <a16:creationId xmlns="" xmlns:a16="http://schemas.microsoft.com/office/drawing/2014/main" id="{00C2AEDF-DACA-4E39-BADB-6030CB900A5A}"/>
               </a:ext>
             </a:extLst>
           </p:cNvPr>
@@ -31285,6 +31341,13 @@
   <p:transition spd="med">
     <p:push dir="u"/>
   </p:transition>
+  <p:timing>
+    <p:tnLst>
+      <p:par>
+        <p:cTn id="1" dur="indefinite" restart="never" nodeType="tmRoot"/>
+      </p:par>
+    </p:tnLst>
+  </p:timing>
 </p:sld>
 </file>
 
@@ -35387,7 +35450,7 @@
           <p:cNvPr id="69" name="肘形连接符 5">
             <a:extLst>
               <a:ext uri="{FF2B5EF4-FFF2-40B4-BE49-F238E27FC236}">
-                <a16:creationId xmlns:a16="http://schemas.microsoft.com/office/drawing/2014/main" xmlns="" id="{6E3EF5E8-A41D-4A0C-BA85-13326B1DC03D}"/>
+                <a16:creationId xmlns="" xmlns:a16="http://schemas.microsoft.com/office/drawing/2014/main" id="{6E3EF5E8-A41D-4A0C-BA85-13326B1DC03D}"/>
               </a:ext>
             </a:extLst>
           </p:cNvPr>
@@ -35432,7 +35495,7 @@
           <p:cNvPr id="70" name="圆角矩形 9">
             <a:extLst>
               <a:ext uri="{FF2B5EF4-FFF2-40B4-BE49-F238E27FC236}">
-                <a16:creationId xmlns:a16="http://schemas.microsoft.com/office/drawing/2014/main" xmlns="" id="{42D852E7-3C2A-448D-B660-D5287E9DD131}"/>
+                <a16:creationId xmlns="" xmlns:a16="http://schemas.microsoft.com/office/drawing/2014/main" id="{42D852E7-3C2A-448D-B660-D5287E9DD131}"/>
               </a:ext>
             </a:extLst>
           </p:cNvPr>
@@ -35489,7 +35552,7 @@
           <p:cNvPr id="85" name="组合 84">
             <a:extLst>
               <a:ext uri="{FF2B5EF4-FFF2-40B4-BE49-F238E27FC236}">
-                <a16:creationId xmlns:a16="http://schemas.microsoft.com/office/drawing/2014/main" xmlns="" id="{309E8460-1398-482A-BD98-6C1A326749B7}"/>
+                <a16:creationId xmlns="" xmlns:a16="http://schemas.microsoft.com/office/drawing/2014/main" id="{309E8460-1398-482A-BD98-6C1A326749B7}"/>
               </a:ext>
             </a:extLst>
           </p:cNvPr>
@@ -35509,7 +35572,7 @@
             <p:cNvPr id="89" name="矩形 88">
               <a:extLst>
                 <a:ext uri="{FF2B5EF4-FFF2-40B4-BE49-F238E27FC236}">
-                  <a16:creationId xmlns:a16="http://schemas.microsoft.com/office/drawing/2014/main" xmlns="" id="{94BB0ACF-B73F-4A98-A92D-91A6020DEB66}"/>
+                  <a16:creationId xmlns="" xmlns:a16="http://schemas.microsoft.com/office/drawing/2014/main" id="{94BB0ACF-B73F-4A98-A92D-91A6020DEB66}"/>
                 </a:ext>
               </a:extLst>
             </p:cNvPr>
@@ -35563,7 +35626,7 @@
             <p:cNvPr id="90" name="矩形 89">
               <a:extLst>
                 <a:ext uri="{FF2B5EF4-FFF2-40B4-BE49-F238E27FC236}">
-                  <a16:creationId xmlns:a16="http://schemas.microsoft.com/office/drawing/2014/main" xmlns="" id="{C01BEEAA-419E-4C33-A3F3-1C80240C9D88}"/>
+                  <a16:creationId xmlns="" xmlns:a16="http://schemas.microsoft.com/office/drawing/2014/main" id="{C01BEEAA-419E-4C33-A3F3-1C80240C9D88}"/>
                 </a:ext>
               </a:extLst>
             </p:cNvPr>
@@ -35617,7 +35680,7 @@
             <p:cNvPr id="91" name="矩形 90">
               <a:extLst>
                 <a:ext uri="{FF2B5EF4-FFF2-40B4-BE49-F238E27FC236}">
-                  <a16:creationId xmlns:a16="http://schemas.microsoft.com/office/drawing/2014/main" xmlns="" id="{DC88F859-1FCD-41B9-A987-A212F3488293}"/>
+                  <a16:creationId xmlns="" xmlns:a16="http://schemas.microsoft.com/office/drawing/2014/main" id="{DC88F859-1FCD-41B9-A987-A212F3488293}"/>
                 </a:ext>
               </a:extLst>
             </p:cNvPr>
@@ -35671,7 +35734,7 @@
             <p:cNvPr id="92" name="圆角矩形 3">
               <a:extLst>
                 <a:ext uri="{FF2B5EF4-FFF2-40B4-BE49-F238E27FC236}">
-                  <a16:creationId xmlns:a16="http://schemas.microsoft.com/office/drawing/2014/main" xmlns="" id="{210F8E0A-6B67-4EC6-90CB-E5E347033170}"/>
+                  <a16:creationId xmlns="" xmlns:a16="http://schemas.microsoft.com/office/drawing/2014/main" id="{210F8E0A-6B67-4EC6-90CB-E5E347033170}"/>
                 </a:ext>
               </a:extLst>
             </p:cNvPr>
@@ -35725,7 +35788,7 @@
             <p:cNvPr id="93" name="任意多边形 4">
               <a:extLst>
                 <a:ext uri="{FF2B5EF4-FFF2-40B4-BE49-F238E27FC236}">
-                  <a16:creationId xmlns:a16="http://schemas.microsoft.com/office/drawing/2014/main" xmlns="" id="{2108CCC9-D333-4C9D-A693-9BADC71044DD}"/>
+                  <a16:creationId xmlns="" xmlns:a16="http://schemas.microsoft.com/office/drawing/2014/main" id="{2108CCC9-D333-4C9D-A693-9BADC71044DD}"/>
                 </a:ext>
               </a:extLst>
             </p:cNvPr>
@@ -35831,7 +35894,7 @@
           <p:cNvPr id="94" name="任意多边形 15">
             <a:extLst>
               <a:ext uri="{FF2B5EF4-FFF2-40B4-BE49-F238E27FC236}">
-                <a16:creationId xmlns:a16="http://schemas.microsoft.com/office/drawing/2014/main" xmlns="" id="{3E39BC38-BC17-49EE-8123-7267781440F9}"/>
+                <a16:creationId xmlns="" xmlns:a16="http://schemas.microsoft.com/office/drawing/2014/main" id="{3E39BC38-BC17-49EE-8123-7267781440F9}"/>
               </a:ext>
             </a:extLst>
           </p:cNvPr>
@@ -36017,6 +36080,13 @@
   <p:transition spd="med">
     <p:push dir="u"/>
   </p:transition>
+  <p:timing>
+    <p:tnLst>
+      <p:par>
+        <p:cTn id="1" dur="indefinite" restart="never" nodeType="tmRoot"/>
+      </p:par>
+    </p:tnLst>
+  </p:timing>
 </p:sld>
 </file>
 
@@ -36160,7 +36230,7 @@
           <p:cNvPr id="85" name="组合 84">
             <a:extLst>
               <a:ext uri="{FF2B5EF4-FFF2-40B4-BE49-F238E27FC236}">
-                <a16:creationId xmlns:a16="http://schemas.microsoft.com/office/drawing/2014/main" xmlns="" id="{D8162933-80C7-42C8-A2E0-ADC5DBE0AAF8}"/>
+                <a16:creationId xmlns="" xmlns:a16="http://schemas.microsoft.com/office/drawing/2014/main" id="{D8162933-80C7-42C8-A2E0-ADC5DBE0AAF8}"/>
               </a:ext>
             </a:extLst>
           </p:cNvPr>
@@ -36180,7 +36250,7 @@
             <p:cNvPr id="90" name="Freeform 5050">
               <a:extLst>
                 <a:ext uri="{FF2B5EF4-FFF2-40B4-BE49-F238E27FC236}">
-                  <a16:creationId xmlns:a16="http://schemas.microsoft.com/office/drawing/2014/main" xmlns="" id="{9ADB6ABD-41B3-417A-8416-AD0BFC1CE24A}"/>
+                  <a16:creationId xmlns="" xmlns:a16="http://schemas.microsoft.com/office/drawing/2014/main" id="{9ADB6ABD-41B3-417A-8416-AD0BFC1CE24A}"/>
                 </a:ext>
               </a:extLst>
             </p:cNvPr>
@@ -36331,7 +36401,7 @@
             <p:cNvPr id="91" name="Freeform 5051">
               <a:extLst>
                 <a:ext uri="{FF2B5EF4-FFF2-40B4-BE49-F238E27FC236}">
-                  <a16:creationId xmlns:a16="http://schemas.microsoft.com/office/drawing/2014/main" xmlns="" id="{E8D57D70-B0E1-4E9B-B3CE-05BDD6C12B01}"/>
+                  <a16:creationId xmlns="" xmlns:a16="http://schemas.microsoft.com/office/drawing/2014/main" id="{E8D57D70-B0E1-4E9B-B3CE-05BDD6C12B01}"/>
                 </a:ext>
               </a:extLst>
             </p:cNvPr>
@@ -36430,7 +36500,7 @@
             <p:cNvPr id="93" name="Freeform 5052">
               <a:extLst>
                 <a:ext uri="{FF2B5EF4-FFF2-40B4-BE49-F238E27FC236}">
-                  <a16:creationId xmlns:a16="http://schemas.microsoft.com/office/drawing/2014/main" xmlns="" id="{F501DBEA-5932-4AAA-91CD-A217B10B86AF}"/>
+                  <a16:creationId xmlns="" xmlns:a16="http://schemas.microsoft.com/office/drawing/2014/main" id="{F501DBEA-5932-4AAA-91CD-A217B10B86AF}"/>
                 </a:ext>
               </a:extLst>
             </p:cNvPr>
@@ -36533,7 +36603,7 @@
             <p:cNvPr id="96" name="Freeform 5053">
               <a:extLst>
                 <a:ext uri="{FF2B5EF4-FFF2-40B4-BE49-F238E27FC236}">
-                  <a16:creationId xmlns:a16="http://schemas.microsoft.com/office/drawing/2014/main" xmlns="" id="{047816D0-B14C-48BB-A4F6-4469FEA87E51}"/>
+                  <a16:creationId xmlns="" xmlns:a16="http://schemas.microsoft.com/office/drawing/2014/main" id="{047816D0-B14C-48BB-A4F6-4469FEA87E51}"/>
                 </a:ext>
               </a:extLst>
             </p:cNvPr>
@@ -36637,7 +36707,7 @@
             <p:cNvPr id="97" name="Freeform 5054">
               <a:extLst>
                 <a:ext uri="{FF2B5EF4-FFF2-40B4-BE49-F238E27FC236}">
-                  <a16:creationId xmlns:a16="http://schemas.microsoft.com/office/drawing/2014/main" xmlns="" id="{491B0594-9A1B-40AB-AD88-B0F95853F3C6}"/>
+                  <a16:creationId xmlns="" xmlns:a16="http://schemas.microsoft.com/office/drawing/2014/main" id="{491B0594-9A1B-40AB-AD88-B0F95853F3C6}"/>
                 </a:ext>
               </a:extLst>
             </p:cNvPr>
@@ -36745,7 +36815,7 @@
             <p:cNvPr id="98" name="Picture 5055">
               <a:extLst>
                 <a:ext uri="{FF2B5EF4-FFF2-40B4-BE49-F238E27FC236}">
-                  <a16:creationId xmlns:a16="http://schemas.microsoft.com/office/drawing/2014/main" xmlns="" id="{A8BB8A95-FBEB-47B5-BCFD-DCD8DFBA8D07}"/>
+                  <a16:creationId xmlns="" xmlns:a16="http://schemas.microsoft.com/office/drawing/2014/main" id="{A8BB8A95-FBEB-47B5-BCFD-DCD8DFBA8D07}"/>
                 </a:ext>
               </a:extLst>
             </p:cNvPr>
@@ -36805,7 +36875,7 @@
             <p:cNvPr id="99" name="Rectangle 5056">
               <a:extLst>
                 <a:ext uri="{FF2B5EF4-FFF2-40B4-BE49-F238E27FC236}">
-                  <a16:creationId xmlns:a16="http://schemas.microsoft.com/office/drawing/2014/main" xmlns="" id="{B84F7221-554D-435D-9F3A-0D81D8A28FE9}"/>
+                  <a16:creationId xmlns="" xmlns:a16="http://schemas.microsoft.com/office/drawing/2014/main" id="{B84F7221-554D-435D-9F3A-0D81D8A28FE9}"/>
                 </a:ext>
               </a:extLst>
             </p:cNvPr>
@@ -36858,7 +36928,7 @@
             <p:cNvPr id="100" name="Rectangle 5057">
               <a:extLst>
                 <a:ext uri="{FF2B5EF4-FFF2-40B4-BE49-F238E27FC236}">
-                  <a16:creationId xmlns:a16="http://schemas.microsoft.com/office/drawing/2014/main" xmlns="" id="{1906CC60-61BE-4164-9811-BF028A047023}"/>
+                  <a16:creationId xmlns="" xmlns:a16="http://schemas.microsoft.com/office/drawing/2014/main" id="{1906CC60-61BE-4164-9811-BF028A047023}"/>
                 </a:ext>
               </a:extLst>
             </p:cNvPr>
@@ -36916,7 +36986,7 @@
             <p:cNvPr id="101" name="Rectangle 5058">
               <a:extLst>
                 <a:ext uri="{FF2B5EF4-FFF2-40B4-BE49-F238E27FC236}">
-                  <a16:creationId xmlns:a16="http://schemas.microsoft.com/office/drawing/2014/main" xmlns="" id="{EE07C14D-5F21-4749-AFAE-A06798A97948}"/>
+                  <a16:creationId xmlns="" xmlns:a16="http://schemas.microsoft.com/office/drawing/2014/main" id="{EE07C14D-5F21-4749-AFAE-A06798A97948}"/>
                 </a:ext>
               </a:extLst>
             </p:cNvPr>
@@ -36969,7 +37039,7 @@
             <p:cNvPr id="103" name="Rectangle 5059">
               <a:extLst>
                 <a:ext uri="{FF2B5EF4-FFF2-40B4-BE49-F238E27FC236}">
-                  <a16:creationId xmlns:a16="http://schemas.microsoft.com/office/drawing/2014/main" xmlns="" id="{9A656733-4C70-47BC-A335-BC8979802F25}"/>
+                  <a16:creationId xmlns="" xmlns:a16="http://schemas.microsoft.com/office/drawing/2014/main" id="{9A656733-4C70-47BC-A335-BC8979802F25}"/>
                 </a:ext>
               </a:extLst>
             </p:cNvPr>
@@ -37027,7 +37097,7 @@
             <p:cNvPr id="112" name="Freeform 5060">
               <a:extLst>
                 <a:ext uri="{FF2B5EF4-FFF2-40B4-BE49-F238E27FC236}">
-                  <a16:creationId xmlns:a16="http://schemas.microsoft.com/office/drawing/2014/main" xmlns="" id="{0BB879EE-0D50-4DDF-9229-3B82D1B6FE75}"/>
+                  <a16:creationId xmlns="" xmlns:a16="http://schemas.microsoft.com/office/drawing/2014/main" id="{0BB879EE-0D50-4DDF-9229-3B82D1B6FE75}"/>
                 </a:ext>
               </a:extLst>
             </p:cNvPr>
@@ -37158,7 +37228,7 @@
             <p:cNvPr id="113" name="Freeform 5061">
               <a:extLst>
                 <a:ext uri="{FF2B5EF4-FFF2-40B4-BE49-F238E27FC236}">
-                  <a16:creationId xmlns:a16="http://schemas.microsoft.com/office/drawing/2014/main" xmlns="" id="{3FD535D1-640A-4D83-ADCE-4409AE7883B9}"/>
+                  <a16:creationId xmlns="" xmlns:a16="http://schemas.microsoft.com/office/drawing/2014/main" id="{3FD535D1-640A-4D83-ADCE-4409AE7883B9}"/>
                 </a:ext>
               </a:extLst>
             </p:cNvPr>
@@ -37279,7 +37349,7 @@
             <p:cNvPr id="114" name="Freeform 5062">
               <a:extLst>
                 <a:ext uri="{FF2B5EF4-FFF2-40B4-BE49-F238E27FC236}">
-                  <a16:creationId xmlns:a16="http://schemas.microsoft.com/office/drawing/2014/main" xmlns="" id="{E257816A-42D7-4F6D-B398-FF814521E646}"/>
+                  <a16:creationId xmlns="" xmlns:a16="http://schemas.microsoft.com/office/drawing/2014/main" id="{E257816A-42D7-4F6D-B398-FF814521E646}"/>
                 </a:ext>
               </a:extLst>
             </p:cNvPr>
@@ -37390,7 +37460,7 @@
             <p:cNvPr id="115" name="Oval 5063">
               <a:extLst>
                 <a:ext uri="{FF2B5EF4-FFF2-40B4-BE49-F238E27FC236}">
-                  <a16:creationId xmlns:a16="http://schemas.microsoft.com/office/drawing/2014/main" xmlns="" id="{2A3491A3-1122-4F0E-897B-6EB1DC4579C4}"/>
+                  <a16:creationId xmlns="" xmlns:a16="http://schemas.microsoft.com/office/drawing/2014/main" id="{2A3491A3-1122-4F0E-897B-6EB1DC4579C4}"/>
                 </a:ext>
               </a:extLst>
             </p:cNvPr>
@@ -37443,7 +37513,7 @@
             <p:cNvPr id="117" name="Freeform 5064">
               <a:extLst>
                 <a:ext uri="{FF2B5EF4-FFF2-40B4-BE49-F238E27FC236}">
-                  <a16:creationId xmlns:a16="http://schemas.microsoft.com/office/drawing/2014/main" xmlns="" id="{1EA1303A-AE7D-4028-8D46-210911E98DAE}"/>
+                  <a16:creationId xmlns="" xmlns:a16="http://schemas.microsoft.com/office/drawing/2014/main" id="{1EA1303A-AE7D-4028-8D46-210911E98DAE}"/>
                 </a:ext>
               </a:extLst>
             </p:cNvPr>
@@ -37540,7 +37610,7 @@
             <p:cNvPr id="118" name="Freeform 5065">
               <a:extLst>
                 <a:ext uri="{FF2B5EF4-FFF2-40B4-BE49-F238E27FC236}">
-                  <a16:creationId xmlns:a16="http://schemas.microsoft.com/office/drawing/2014/main" xmlns="" id="{3BAFA55B-133E-44F7-890B-4977D713FE74}"/>
+                  <a16:creationId xmlns="" xmlns:a16="http://schemas.microsoft.com/office/drawing/2014/main" id="{3BAFA55B-133E-44F7-890B-4977D713FE74}"/>
                 </a:ext>
               </a:extLst>
             </p:cNvPr>
@@ -37841,7 +37911,7 @@
             <p:cNvPr id="119" name="Freeform 5066">
               <a:extLst>
                 <a:ext uri="{FF2B5EF4-FFF2-40B4-BE49-F238E27FC236}">
-                  <a16:creationId xmlns:a16="http://schemas.microsoft.com/office/drawing/2014/main" xmlns="" id="{6BDCDED4-1C0C-472F-AB61-B730ADE4E35B}"/>
+                  <a16:creationId xmlns="" xmlns:a16="http://schemas.microsoft.com/office/drawing/2014/main" id="{6BDCDED4-1C0C-472F-AB61-B730ADE4E35B}"/>
                 </a:ext>
               </a:extLst>
             </p:cNvPr>
@@ -37933,7 +38003,7 @@
             <p:cNvPr id="120" name="Freeform 5067">
               <a:extLst>
                 <a:ext uri="{FF2B5EF4-FFF2-40B4-BE49-F238E27FC236}">
-                  <a16:creationId xmlns:a16="http://schemas.microsoft.com/office/drawing/2014/main" xmlns="" id="{0072E574-DE2D-4CDE-A7B0-64936D01F2CD}"/>
+                  <a16:creationId xmlns="" xmlns:a16="http://schemas.microsoft.com/office/drawing/2014/main" id="{0072E574-DE2D-4CDE-A7B0-64936D01F2CD}"/>
                 </a:ext>
               </a:extLst>
             </p:cNvPr>
@@ -38074,7 +38144,7 @@
             <p:cNvPr id="121" name="Freeform 5068">
               <a:extLst>
                 <a:ext uri="{FF2B5EF4-FFF2-40B4-BE49-F238E27FC236}">
-                  <a16:creationId xmlns:a16="http://schemas.microsoft.com/office/drawing/2014/main" xmlns="" id="{F8E66B8D-81C3-48F7-911E-1111728B53F4}"/>
+                  <a16:creationId xmlns="" xmlns:a16="http://schemas.microsoft.com/office/drawing/2014/main" id="{F8E66B8D-81C3-48F7-911E-1111728B53F4}"/>
                 </a:ext>
               </a:extLst>
             </p:cNvPr>
@@ -38205,7 +38275,7 @@
             <p:cNvPr id="122" name="Freeform 5069">
               <a:extLst>
                 <a:ext uri="{FF2B5EF4-FFF2-40B4-BE49-F238E27FC236}">
-                  <a16:creationId xmlns:a16="http://schemas.microsoft.com/office/drawing/2014/main" xmlns="" id="{9A9E65BF-D6DF-4991-88CB-49B4C4A6A114}"/>
+                  <a16:creationId xmlns="" xmlns:a16="http://schemas.microsoft.com/office/drawing/2014/main" id="{9A9E65BF-D6DF-4991-88CB-49B4C4A6A114}"/>
                 </a:ext>
               </a:extLst>
             </p:cNvPr>
@@ -38336,7 +38406,7 @@
             <p:cNvPr id="123" name="Freeform 5070">
               <a:extLst>
                 <a:ext uri="{FF2B5EF4-FFF2-40B4-BE49-F238E27FC236}">
-                  <a16:creationId xmlns:a16="http://schemas.microsoft.com/office/drawing/2014/main" xmlns="" id="{25EB44D5-DFC4-4722-BE6D-DB0FE6012796}"/>
+                  <a16:creationId xmlns="" xmlns:a16="http://schemas.microsoft.com/office/drawing/2014/main" id="{25EB44D5-DFC4-4722-BE6D-DB0FE6012796}"/>
                 </a:ext>
               </a:extLst>
             </p:cNvPr>
@@ -38447,7 +38517,7 @@
             <p:cNvPr id="124" name="Freeform 5071">
               <a:extLst>
                 <a:ext uri="{FF2B5EF4-FFF2-40B4-BE49-F238E27FC236}">
-                  <a16:creationId xmlns:a16="http://schemas.microsoft.com/office/drawing/2014/main" xmlns="" id="{0F3EABA5-E1F7-4961-9EDB-16536059C5E6}"/>
+                  <a16:creationId xmlns="" xmlns:a16="http://schemas.microsoft.com/office/drawing/2014/main" id="{0F3EABA5-E1F7-4961-9EDB-16536059C5E6}"/>
                 </a:ext>
               </a:extLst>
             </p:cNvPr>
@@ -38588,7 +38658,7 @@
             <p:cNvPr id="125" name="Freeform 5072">
               <a:extLst>
                 <a:ext uri="{FF2B5EF4-FFF2-40B4-BE49-F238E27FC236}">
-                  <a16:creationId xmlns:a16="http://schemas.microsoft.com/office/drawing/2014/main" xmlns="" id="{0124A301-A012-42BB-9E10-98E9E9A0B3E5}"/>
+                  <a16:creationId xmlns="" xmlns:a16="http://schemas.microsoft.com/office/drawing/2014/main" id="{0124A301-A012-42BB-9E10-98E9E9A0B3E5}"/>
                 </a:ext>
               </a:extLst>
             </p:cNvPr>
@@ -38729,7 +38799,7 @@
             <p:cNvPr id="126" name="Freeform 5073">
               <a:extLst>
                 <a:ext uri="{FF2B5EF4-FFF2-40B4-BE49-F238E27FC236}">
-                  <a16:creationId xmlns:a16="http://schemas.microsoft.com/office/drawing/2014/main" xmlns="" id="{6596769E-E520-4263-8FE2-4D1BF279985B}"/>
+                  <a16:creationId xmlns="" xmlns:a16="http://schemas.microsoft.com/office/drawing/2014/main" id="{6596769E-E520-4263-8FE2-4D1BF279985B}"/>
                 </a:ext>
               </a:extLst>
             </p:cNvPr>
@@ -38840,7 +38910,7 @@
             <p:cNvPr id="127" name="Oval 5074">
               <a:extLst>
                 <a:ext uri="{FF2B5EF4-FFF2-40B4-BE49-F238E27FC236}">
-                  <a16:creationId xmlns:a16="http://schemas.microsoft.com/office/drawing/2014/main" xmlns="" id="{D8A6CE1A-FE9F-40C3-BF85-3D8542CD07D4}"/>
+                  <a16:creationId xmlns="" xmlns:a16="http://schemas.microsoft.com/office/drawing/2014/main" id="{D8A6CE1A-FE9F-40C3-BF85-3D8542CD07D4}"/>
                 </a:ext>
               </a:extLst>
             </p:cNvPr>
@@ -38893,7 +38963,7 @@
             <p:cNvPr id="128" name="Freeform 5075">
               <a:extLst>
                 <a:ext uri="{FF2B5EF4-FFF2-40B4-BE49-F238E27FC236}">
-                  <a16:creationId xmlns:a16="http://schemas.microsoft.com/office/drawing/2014/main" xmlns="" id="{5B789EFC-3A44-4E98-948C-EAE3213A182A}"/>
+                  <a16:creationId xmlns="" xmlns:a16="http://schemas.microsoft.com/office/drawing/2014/main" id="{5B789EFC-3A44-4E98-948C-EAE3213A182A}"/>
                 </a:ext>
               </a:extLst>
             </p:cNvPr>
@@ -39022,7 +39092,7 @@
             <p:cNvPr id="129" name="Freeform 5076">
               <a:extLst>
                 <a:ext uri="{FF2B5EF4-FFF2-40B4-BE49-F238E27FC236}">
-                  <a16:creationId xmlns:a16="http://schemas.microsoft.com/office/drawing/2014/main" xmlns="" id="{9A883855-9085-4DCC-807E-D7B67DBAA826}"/>
+                  <a16:creationId xmlns="" xmlns:a16="http://schemas.microsoft.com/office/drawing/2014/main" id="{9A883855-9085-4DCC-807E-D7B67DBAA826}"/>
                 </a:ext>
               </a:extLst>
             </p:cNvPr>
@@ -39285,7 +39355,7 @@
             <p:cNvPr id="130" name="Freeform 5077">
               <a:extLst>
                 <a:ext uri="{FF2B5EF4-FFF2-40B4-BE49-F238E27FC236}">
-                  <a16:creationId xmlns:a16="http://schemas.microsoft.com/office/drawing/2014/main" xmlns="" id="{6850B246-183A-4047-8DF6-634FC8EC8E9E}"/>
+                  <a16:creationId xmlns="" xmlns:a16="http://schemas.microsoft.com/office/drawing/2014/main" id="{6850B246-183A-4047-8DF6-634FC8EC8E9E}"/>
                 </a:ext>
               </a:extLst>
             </p:cNvPr>
@@ -39414,7 +39484,7 @@
             <p:cNvPr id="131" name="Freeform 5078">
               <a:extLst>
                 <a:ext uri="{FF2B5EF4-FFF2-40B4-BE49-F238E27FC236}">
-                  <a16:creationId xmlns:a16="http://schemas.microsoft.com/office/drawing/2014/main" xmlns="" id="{163F6144-EB5F-41C9-8C16-73A4C57075FD}"/>
+                  <a16:creationId xmlns="" xmlns:a16="http://schemas.microsoft.com/office/drawing/2014/main" id="{163F6144-EB5F-41C9-8C16-73A4C57075FD}"/>
                 </a:ext>
               </a:extLst>
             </p:cNvPr>
@@ -39543,7 +39613,7 @@
             <p:cNvPr id="132" name="Freeform 5079">
               <a:extLst>
                 <a:ext uri="{FF2B5EF4-FFF2-40B4-BE49-F238E27FC236}">
-                  <a16:creationId xmlns:a16="http://schemas.microsoft.com/office/drawing/2014/main" xmlns="" id="{0E577277-EA68-4F86-B610-8DA869DD919B}"/>
+                  <a16:creationId xmlns="" xmlns:a16="http://schemas.microsoft.com/office/drawing/2014/main" id="{0E577277-EA68-4F86-B610-8DA869DD919B}"/>
                 </a:ext>
               </a:extLst>
             </p:cNvPr>
@@ -39672,7 +39742,7 @@
             <p:cNvPr id="133" name="Freeform 5080">
               <a:extLst>
                 <a:ext uri="{FF2B5EF4-FFF2-40B4-BE49-F238E27FC236}">
-                  <a16:creationId xmlns:a16="http://schemas.microsoft.com/office/drawing/2014/main" xmlns="" id="{1DF4288A-E70D-430E-A3BE-692E1FA00250}"/>
+                  <a16:creationId xmlns="" xmlns:a16="http://schemas.microsoft.com/office/drawing/2014/main" id="{1DF4288A-E70D-430E-A3BE-692E1FA00250}"/>
                 </a:ext>
               </a:extLst>
             </p:cNvPr>
@@ -40103,7 +40173,7 @@
             <p:cNvPr id="134" name="Rectangle 5081">
               <a:extLst>
                 <a:ext uri="{FF2B5EF4-FFF2-40B4-BE49-F238E27FC236}">
-                  <a16:creationId xmlns:a16="http://schemas.microsoft.com/office/drawing/2014/main" xmlns="" id="{AD2C886A-B357-4C6D-81ED-C897D63B798B}"/>
+                  <a16:creationId xmlns="" xmlns:a16="http://schemas.microsoft.com/office/drawing/2014/main" id="{AD2C886A-B357-4C6D-81ED-C897D63B798B}"/>
                 </a:ext>
               </a:extLst>
             </p:cNvPr>
@@ -40156,7 +40226,7 @@
             <p:cNvPr id="135" name="Rectangle 5082">
               <a:extLst>
                 <a:ext uri="{FF2B5EF4-FFF2-40B4-BE49-F238E27FC236}">
-                  <a16:creationId xmlns:a16="http://schemas.microsoft.com/office/drawing/2014/main" xmlns="" id="{C790A76D-A3D8-4FB2-9A61-E22F19BB9776}"/>
+                  <a16:creationId xmlns="" xmlns:a16="http://schemas.microsoft.com/office/drawing/2014/main" id="{C790A76D-A3D8-4FB2-9A61-E22F19BB9776}"/>
                 </a:ext>
               </a:extLst>
             </p:cNvPr>
@@ -40209,7 +40279,7 @@
             <p:cNvPr id="136" name="Freeform 5083">
               <a:extLst>
                 <a:ext uri="{FF2B5EF4-FFF2-40B4-BE49-F238E27FC236}">
-                  <a16:creationId xmlns:a16="http://schemas.microsoft.com/office/drawing/2014/main" xmlns="" id="{EDC52490-DE64-4728-A1CC-064777A24172}"/>
+                  <a16:creationId xmlns="" xmlns:a16="http://schemas.microsoft.com/office/drawing/2014/main" id="{EDC52490-DE64-4728-A1CC-064777A24172}"/>
                 </a:ext>
               </a:extLst>
             </p:cNvPr>
@@ -40680,7 +40750,7 @@
             <p:cNvPr id="137" name="Freeform 5084">
               <a:extLst>
                 <a:ext uri="{FF2B5EF4-FFF2-40B4-BE49-F238E27FC236}">
-                  <a16:creationId xmlns:a16="http://schemas.microsoft.com/office/drawing/2014/main" xmlns="" id="{455A5C20-1CCC-45E1-9C2A-27E54A95F0CE}"/>
+                  <a16:creationId xmlns="" xmlns:a16="http://schemas.microsoft.com/office/drawing/2014/main" id="{455A5C20-1CCC-45E1-9C2A-27E54A95F0CE}"/>
                 </a:ext>
               </a:extLst>
             </p:cNvPr>
@@ -40793,7 +40863,7 @@
           <p:cNvPr id="2" name="矩形 1">
             <a:extLst>
               <a:ext uri="{FF2B5EF4-FFF2-40B4-BE49-F238E27FC236}">
-                <a16:creationId xmlns:a16="http://schemas.microsoft.com/office/drawing/2014/main" xmlns="" id="{2CD961E7-B027-4695-A439-A77701B45E58}"/>
+                <a16:creationId xmlns="" xmlns:a16="http://schemas.microsoft.com/office/drawing/2014/main" id="{2CD961E7-B027-4695-A439-A77701B45E58}"/>
               </a:ext>
             </a:extLst>
           </p:cNvPr>
@@ -40852,6 +40922,13 @@
   <p:transition spd="med">
     <p:push dir="u"/>
   </p:transition>
+  <p:timing>
+    <p:tnLst>
+      <p:par>
+        <p:cTn id="1" dur="indefinite" restart="never" nodeType="tmRoot"/>
+      </p:par>
+    </p:tnLst>
+  </p:timing>
 </p:sld>
 </file>
 
@@ -44893,7 +44970,7 @@
           <p:cNvPr id="41" name="TextBox 61">
             <a:extLst>
               <a:ext uri="{FF2B5EF4-FFF2-40B4-BE49-F238E27FC236}">
-                <a16:creationId xmlns:a16="http://schemas.microsoft.com/office/drawing/2014/main" xmlns="" id="{0BC71808-54A6-4054-83C8-D2934E8E834C}"/>
+                <a16:creationId xmlns="" xmlns:a16="http://schemas.microsoft.com/office/drawing/2014/main" id="{0BC71808-54A6-4054-83C8-D2934E8E834C}"/>
               </a:ext>
             </a:extLst>
           </p:cNvPr>
@@ -44945,7 +45022,7 @@
           <p:cNvPr id="51" name="TextBox 65">
             <a:extLst>
               <a:ext uri="{FF2B5EF4-FFF2-40B4-BE49-F238E27FC236}">
-                <a16:creationId xmlns:a16="http://schemas.microsoft.com/office/drawing/2014/main" xmlns="" id="{BA67980A-A26E-45C6-B6CD-D26B985B4168}"/>
+                <a16:creationId xmlns="" xmlns:a16="http://schemas.microsoft.com/office/drawing/2014/main" id="{BA67980A-A26E-45C6-B6CD-D26B985B4168}"/>
               </a:ext>
             </a:extLst>
           </p:cNvPr>
@@ -45055,7 +45132,7 @@
           <p:cNvPr id="54" name="TextBox 65">
             <a:extLst>
               <a:ext uri="{FF2B5EF4-FFF2-40B4-BE49-F238E27FC236}">
-                <a16:creationId xmlns:a16="http://schemas.microsoft.com/office/drawing/2014/main" xmlns="" id="{02AE4DDF-D462-4148-BAC7-DB93F3D3DD21}"/>
+                <a16:creationId xmlns="" xmlns:a16="http://schemas.microsoft.com/office/drawing/2014/main" id="{02AE4DDF-D462-4148-BAC7-DB93F3D3DD21}"/>
               </a:ext>
             </a:extLst>
           </p:cNvPr>
@@ -45832,7 +45909,7 @@
           <p:cNvPr id="2" name="矩形 1">
             <a:extLst>
               <a:ext uri="{FF2B5EF4-FFF2-40B4-BE49-F238E27FC236}">
-                <a16:creationId xmlns:a16="http://schemas.microsoft.com/office/drawing/2014/main" xmlns="" id="{0AA6D2C9-5976-422B-A661-AF060040B2E2}"/>
+                <a16:creationId xmlns="" xmlns:a16="http://schemas.microsoft.com/office/drawing/2014/main" id="{0AA6D2C9-5976-422B-A661-AF060040B2E2}"/>
               </a:ext>
             </a:extLst>
           </p:cNvPr>
@@ -45964,7 +46041,7 @@
           <p:cNvPr id="27" name="TextBox 7">
             <a:extLst>
               <a:ext uri="{FF2B5EF4-FFF2-40B4-BE49-F238E27FC236}">
-                <a16:creationId xmlns:a16="http://schemas.microsoft.com/office/drawing/2014/main" xmlns="" id="{FE1C372A-1ED4-4CDC-B790-1F78510B9C62}"/>
+                <a16:creationId xmlns="" xmlns:a16="http://schemas.microsoft.com/office/drawing/2014/main" id="{FE1C372A-1ED4-4CDC-B790-1F78510B9C62}"/>
               </a:ext>
             </a:extLst>
           </p:cNvPr>
@@ -46006,7 +46083,7 @@
           <p:cNvPr id="9" name="组合 8">
             <a:extLst>
               <a:ext uri="{FF2B5EF4-FFF2-40B4-BE49-F238E27FC236}">
-                <a16:creationId xmlns:a16="http://schemas.microsoft.com/office/drawing/2014/main" xmlns="" id="{4C28100E-A12B-47A9-81BC-806EFFD64E60}"/>
+                <a16:creationId xmlns="" xmlns:a16="http://schemas.microsoft.com/office/drawing/2014/main" id="{4C28100E-A12B-47A9-81BC-806EFFD64E60}"/>
               </a:ext>
             </a:extLst>
           </p:cNvPr>
@@ -46026,7 +46103,7 @@
             <p:cNvPr id="32" name="直接箭头连接符 31">
               <a:extLst>
                 <a:ext uri="{FF2B5EF4-FFF2-40B4-BE49-F238E27FC236}">
-                  <a16:creationId xmlns:a16="http://schemas.microsoft.com/office/drawing/2014/main" xmlns="" id="{CC8EC2C4-01DD-4697-B494-A1E1A9A14F47}"/>
+                  <a16:creationId xmlns="" xmlns:a16="http://schemas.microsoft.com/office/drawing/2014/main" id="{CC8EC2C4-01DD-4697-B494-A1E1A9A14F47}"/>
                 </a:ext>
               </a:extLst>
             </p:cNvPr>
@@ -46072,7 +46149,7 @@
             <p:cNvPr id="33" name="直接箭头连接符 32">
               <a:extLst>
                 <a:ext uri="{FF2B5EF4-FFF2-40B4-BE49-F238E27FC236}">
-                  <a16:creationId xmlns:a16="http://schemas.microsoft.com/office/drawing/2014/main" xmlns="" id="{C3C9D9A9-4FBD-45FC-AD11-95E1F034FABF}"/>
+                  <a16:creationId xmlns="" xmlns:a16="http://schemas.microsoft.com/office/drawing/2014/main" id="{C3C9D9A9-4FBD-45FC-AD11-95E1F034FABF}"/>
                 </a:ext>
               </a:extLst>
             </p:cNvPr>
@@ -46118,7 +46195,7 @@
             <p:cNvPr id="48" name="直接箭头连接符 47">
               <a:extLst>
                 <a:ext uri="{FF2B5EF4-FFF2-40B4-BE49-F238E27FC236}">
-                  <a16:creationId xmlns:a16="http://schemas.microsoft.com/office/drawing/2014/main" xmlns="" id="{04FFC272-FAA7-4626-B9A0-8CFE571CB7E8}"/>
+                  <a16:creationId xmlns="" xmlns:a16="http://schemas.microsoft.com/office/drawing/2014/main" id="{04FFC272-FAA7-4626-B9A0-8CFE571CB7E8}"/>
                 </a:ext>
               </a:extLst>
             </p:cNvPr>
@@ -46164,7 +46241,7 @@
             <p:cNvPr id="50" name="圆角矩形 24">
               <a:extLst>
                 <a:ext uri="{FF2B5EF4-FFF2-40B4-BE49-F238E27FC236}">
-                  <a16:creationId xmlns:a16="http://schemas.microsoft.com/office/drawing/2014/main" xmlns="" id="{C8729CE6-C307-42CB-9901-07527381FAB2}"/>
+                  <a16:creationId xmlns="" xmlns:a16="http://schemas.microsoft.com/office/drawing/2014/main" id="{C8729CE6-C307-42CB-9901-07527381FAB2}"/>
                 </a:ext>
               </a:extLst>
             </p:cNvPr>
@@ -46256,7 +46333,7 @@
             <p:cNvPr id="51" name="圆角矩形 24">
               <a:extLst>
                 <a:ext uri="{FF2B5EF4-FFF2-40B4-BE49-F238E27FC236}">
-                  <a16:creationId xmlns:a16="http://schemas.microsoft.com/office/drawing/2014/main" xmlns="" id="{96082CC1-8126-4D17-869D-F40976CDEF5B}"/>
+                  <a16:creationId xmlns="" xmlns:a16="http://schemas.microsoft.com/office/drawing/2014/main" id="{96082CC1-8126-4D17-869D-F40976CDEF5B}"/>
                 </a:ext>
               </a:extLst>
             </p:cNvPr>
@@ -46338,7 +46415,7 @@
             <p:cNvPr id="8" name="组合 7">
               <a:extLst>
                 <a:ext uri="{FF2B5EF4-FFF2-40B4-BE49-F238E27FC236}">
-                  <a16:creationId xmlns:a16="http://schemas.microsoft.com/office/drawing/2014/main" xmlns="" id="{42EAE014-DF34-4D66-A21C-3F7D03BF9D67}"/>
+                  <a16:creationId xmlns="" xmlns:a16="http://schemas.microsoft.com/office/drawing/2014/main" id="{42EAE014-DF34-4D66-A21C-3F7D03BF9D67}"/>
                 </a:ext>
               </a:extLst>
             </p:cNvPr>
@@ -46358,7 +46435,7 @@
               <p:cNvPr id="44" name="直接箭头连接符 43">
                 <a:extLst>
                   <a:ext uri="{FF2B5EF4-FFF2-40B4-BE49-F238E27FC236}">
-                    <a16:creationId xmlns:a16="http://schemas.microsoft.com/office/drawing/2014/main" xmlns="" id="{E738DA61-C26B-44AC-9C33-7C586BAA6442}"/>
+                    <a16:creationId xmlns="" xmlns:a16="http://schemas.microsoft.com/office/drawing/2014/main" id="{E738DA61-C26B-44AC-9C33-7C586BAA6442}"/>
                   </a:ext>
                 </a:extLst>
               </p:cNvPr>
@@ -46404,7 +46481,7 @@
               <p:cNvPr id="52" name="圆角矩形 24">
                 <a:extLst>
                   <a:ext uri="{FF2B5EF4-FFF2-40B4-BE49-F238E27FC236}">
-                    <a16:creationId xmlns:a16="http://schemas.microsoft.com/office/drawing/2014/main" xmlns="" id="{ED16B0DE-82E7-41D4-B044-A51EFCA392E1}"/>
+                    <a16:creationId xmlns="" xmlns:a16="http://schemas.microsoft.com/office/drawing/2014/main" id="{ED16B0DE-82E7-41D4-B044-A51EFCA392E1}"/>
                   </a:ext>
                 </a:extLst>
               </p:cNvPr>
@@ -46487,7 +46564,7 @@
             <p:cNvPr id="53" name="圆角矩形 24">
               <a:extLst>
                 <a:ext uri="{FF2B5EF4-FFF2-40B4-BE49-F238E27FC236}">
-                  <a16:creationId xmlns:a16="http://schemas.microsoft.com/office/drawing/2014/main" xmlns="" id="{03B6EDBA-56AB-45A1-9AB6-95BEDCF4F9F9}"/>
+                  <a16:creationId xmlns="" xmlns:a16="http://schemas.microsoft.com/office/drawing/2014/main" id="{03B6EDBA-56AB-45A1-9AB6-95BEDCF4F9F9}"/>
                 </a:ext>
               </a:extLst>
             </p:cNvPr>
@@ -47180,6 +47257,13 @@
   <p:transition spd="med">
     <p:push dir="u"/>
   </p:transition>
+  <p:timing>
+    <p:tnLst>
+      <p:par>
+        <p:cTn id="1" dur="indefinite" restart="never" nodeType="tmRoot"/>
+      </p:par>
+    </p:tnLst>
+  </p:timing>
 </p:sld>
 </file>
 
@@ -53158,6 +53242,13 @@
   <p:transition spd="med">
     <p:push dir="u"/>
   </p:transition>
+  <p:timing>
+    <p:tnLst>
+      <p:par>
+        <p:cTn id="1" dur="indefinite" restart="never" nodeType="tmRoot"/>
+      </p:par>
+    </p:tnLst>
+  </p:timing>
 </p:sld>
 </file>
 
@@ -53843,7 +53934,7 @@
           <p:cNvPr id="31" name="TextBox 46">
             <a:extLst>
               <a:ext uri="{FF2B5EF4-FFF2-40B4-BE49-F238E27FC236}">
-                <a16:creationId xmlns:a16="http://schemas.microsoft.com/office/drawing/2014/main" xmlns="" id="{18A57166-29B5-42C1-8CC5-9A0A1F8B67CA}"/>
+                <a16:creationId xmlns="" xmlns:a16="http://schemas.microsoft.com/office/drawing/2014/main" id="{18A57166-29B5-42C1-8CC5-9A0A1F8B67CA}"/>
               </a:ext>
             </a:extLst>
           </p:cNvPr>
@@ -53909,7 +54000,7 @@
           <p:cNvPr id="17" name="椭圆 16">
             <a:extLst>
               <a:ext uri="{FF2B5EF4-FFF2-40B4-BE49-F238E27FC236}">
-                <a16:creationId xmlns:a16="http://schemas.microsoft.com/office/drawing/2014/main" xmlns="" id="{85111A73-AD6B-469F-9E88-C81FF847F1FE}"/>
+                <a16:creationId xmlns="" xmlns:a16="http://schemas.microsoft.com/office/drawing/2014/main" id="{85111A73-AD6B-469F-9E88-C81FF847F1FE}"/>
               </a:ext>
             </a:extLst>
           </p:cNvPr>
@@ -53969,7 +54060,7 @@
           <p:cNvPr id="20" name="椭圆 19">
             <a:extLst>
               <a:ext uri="{FF2B5EF4-FFF2-40B4-BE49-F238E27FC236}">
-                <a16:creationId xmlns:a16="http://schemas.microsoft.com/office/drawing/2014/main" xmlns="" id="{CA08FD24-B804-45B3-BBF1-380A318C5622}"/>
+                <a16:creationId xmlns="" xmlns:a16="http://schemas.microsoft.com/office/drawing/2014/main" id="{CA08FD24-B804-45B3-BBF1-380A318C5622}"/>
               </a:ext>
             </a:extLst>
           </p:cNvPr>
@@ -54029,7 +54120,7 @@
           <p:cNvPr id="21" name="TextBox 18">
             <a:extLst>
               <a:ext uri="{FF2B5EF4-FFF2-40B4-BE49-F238E27FC236}">
-                <a16:creationId xmlns:a16="http://schemas.microsoft.com/office/drawing/2014/main" xmlns="" id="{CD21A070-833C-4A7F-BE73-0F85BA03B90C}"/>
+                <a16:creationId xmlns="" xmlns:a16="http://schemas.microsoft.com/office/drawing/2014/main" id="{CD21A070-833C-4A7F-BE73-0F85BA03B90C}"/>
               </a:ext>
             </a:extLst>
           </p:cNvPr>
@@ -54095,7 +54186,7 @@
           <p:cNvPr id="38" name="椭圆 37">
             <a:extLst>
               <a:ext uri="{FF2B5EF4-FFF2-40B4-BE49-F238E27FC236}">
-                <a16:creationId xmlns:a16="http://schemas.microsoft.com/office/drawing/2014/main" xmlns="" id="{132A8913-20CA-4D97-8E93-ACC422FDE821}"/>
+                <a16:creationId xmlns="" xmlns:a16="http://schemas.microsoft.com/office/drawing/2014/main" id="{132A8913-20CA-4D97-8E93-ACC422FDE821}"/>
               </a:ext>
             </a:extLst>
           </p:cNvPr>
@@ -54155,7 +54246,7 @@
           <p:cNvPr id="40" name="直接箭头连接符 39">
             <a:extLst>
               <a:ext uri="{FF2B5EF4-FFF2-40B4-BE49-F238E27FC236}">
-                <a16:creationId xmlns:a16="http://schemas.microsoft.com/office/drawing/2014/main" xmlns="" id="{544B5F2B-8D8C-4128-B4EA-F16956397889}"/>
+                <a16:creationId xmlns="" xmlns:a16="http://schemas.microsoft.com/office/drawing/2014/main" id="{544B5F2B-8D8C-4128-B4EA-F16956397889}"/>
               </a:ext>
             </a:extLst>
           </p:cNvPr>
@@ -54202,7 +54293,7 @@
           <p:cNvPr id="43" name="文本框 42">
             <a:extLst>
               <a:ext uri="{FF2B5EF4-FFF2-40B4-BE49-F238E27FC236}">
-                <a16:creationId xmlns:a16="http://schemas.microsoft.com/office/drawing/2014/main" xmlns="" id="{7FD6F372-8778-42EF-8FC4-382C660CC451}"/>
+                <a16:creationId xmlns="" xmlns:a16="http://schemas.microsoft.com/office/drawing/2014/main" id="{7FD6F372-8778-42EF-8FC4-382C660CC451}"/>
               </a:ext>
             </a:extLst>
           </p:cNvPr>
@@ -54244,7 +54335,7 @@
           <p:cNvPr id="44" name="椭圆 43">
             <a:extLst>
               <a:ext uri="{FF2B5EF4-FFF2-40B4-BE49-F238E27FC236}">
-                <a16:creationId xmlns:a16="http://schemas.microsoft.com/office/drawing/2014/main" xmlns="" id="{2B2FD749-3DD4-4550-9193-04E8779A7557}"/>
+                <a16:creationId xmlns="" xmlns:a16="http://schemas.microsoft.com/office/drawing/2014/main" id="{2B2FD749-3DD4-4550-9193-04E8779A7557}"/>
               </a:ext>
             </a:extLst>
           </p:cNvPr>
@@ -54304,7 +54395,7 @@
           <p:cNvPr id="45" name="直接箭头连接符 44">
             <a:extLst>
               <a:ext uri="{FF2B5EF4-FFF2-40B4-BE49-F238E27FC236}">
-                <a16:creationId xmlns:a16="http://schemas.microsoft.com/office/drawing/2014/main" xmlns="" id="{2CA35CF2-E632-46CD-8162-BEDF1EB2D190}"/>
+                <a16:creationId xmlns="" xmlns:a16="http://schemas.microsoft.com/office/drawing/2014/main" id="{2CA35CF2-E632-46CD-8162-BEDF1EB2D190}"/>
               </a:ext>
             </a:extLst>
           </p:cNvPr>
@@ -54351,7 +54442,7 @@
           <p:cNvPr id="47" name="椭圆 46">
             <a:extLst>
               <a:ext uri="{FF2B5EF4-FFF2-40B4-BE49-F238E27FC236}">
-                <a16:creationId xmlns:a16="http://schemas.microsoft.com/office/drawing/2014/main" xmlns="" id="{0F6F6D76-DCF7-43CE-83B4-10367064A8A1}"/>
+                <a16:creationId xmlns="" xmlns:a16="http://schemas.microsoft.com/office/drawing/2014/main" id="{0F6F6D76-DCF7-43CE-83B4-10367064A8A1}"/>
               </a:ext>
             </a:extLst>
           </p:cNvPr>
@@ -54411,7 +54502,7 @@
           <p:cNvPr id="52" name="椭圆 51">
             <a:extLst>
               <a:ext uri="{FF2B5EF4-FFF2-40B4-BE49-F238E27FC236}">
-                <a16:creationId xmlns:a16="http://schemas.microsoft.com/office/drawing/2014/main" xmlns="" id="{A1E7B33C-E090-4135-A887-0D73F237B35A}"/>
+                <a16:creationId xmlns="" xmlns:a16="http://schemas.microsoft.com/office/drawing/2014/main" id="{A1E7B33C-E090-4135-A887-0D73F237B35A}"/>
               </a:ext>
             </a:extLst>
           </p:cNvPr>
@@ -54471,7 +54562,7 @@
           <p:cNvPr id="59" name="直接箭头连接符 58">
             <a:extLst>
               <a:ext uri="{FF2B5EF4-FFF2-40B4-BE49-F238E27FC236}">
-                <a16:creationId xmlns:a16="http://schemas.microsoft.com/office/drawing/2014/main" xmlns="" id="{4D95AD33-E381-4C49-9BDB-46C92B7DFAF8}"/>
+                <a16:creationId xmlns="" xmlns:a16="http://schemas.microsoft.com/office/drawing/2014/main" id="{4D95AD33-E381-4C49-9BDB-46C92B7DFAF8}"/>
               </a:ext>
             </a:extLst>
           </p:cNvPr>
@@ -54518,7 +54609,7 @@
           <p:cNvPr id="61" name="直接箭头连接符 60">
             <a:extLst>
               <a:ext uri="{FF2B5EF4-FFF2-40B4-BE49-F238E27FC236}">
-                <a16:creationId xmlns:a16="http://schemas.microsoft.com/office/drawing/2014/main" xmlns="" id="{5380B8CA-B47E-46AA-A0FF-E953E7DE4232}"/>
+                <a16:creationId xmlns="" xmlns:a16="http://schemas.microsoft.com/office/drawing/2014/main" id="{5380B8CA-B47E-46AA-A0FF-E953E7DE4232}"/>
               </a:ext>
             </a:extLst>
           </p:cNvPr>
@@ -54565,7 +54656,7 @@
           <p:cNvPr id="65" name="直接箭头连接符 64">
             <a:extLst>
               <a:ext uri="{FF2B5EF4-FFF2-40B4-BE49-F238E27FC236}">
-                <a16:creationId xmlns:a16="http://schemas.microsoft.com/office/drawing/2014/main" xmlns="" id="{90295542-F75D-4871-AC20-2B5264C7F62F}"/>
+                <a16:creationId xmlns="" xmlns:a16="http://schemas.microsoft.com/office/drawing/2014/main" id="{90295542-F75D-4871-AC20-2B5264C7F62F}"/>
               </a:ext>
             </a:extLst>
           </p:cNvPr>
@@ -54620,6 +54711,13 @@
   <p:transition spd="med">
     <p:push dir="u"/>
   </p:transition>
+  <p:timing>
+    <p:tnLst>
+      <p:par>
+        <p:cTn id="1" dur="indefinite" restart="never" nodeType="tmRoot"/>
+      </p:par>
+    </p:tnLst>
+  </p:timing>
 </p:sld>
 </file>
 
